--- a/Apresentação/inSensorSemFinal.pptx
+++ b/Apresentação/inSensorSemFinal.pptx
@@ -11,22 +11,23 @@
     <p:sldId id="258" r:id="rId5"/>
     <p:sldId id="256" r:id="rId6"/>
     <p:sldId id="265" r:id="rId7"/>
-    <p:sldId id="260" r:id="rId8"/>
-    <p:sldId id="261" r:id="rId9"/>
-    <p:sldId id="262" r:id="rId10"/>
-    <p:sldId id="266" r:id="rId11"/>
-    <p:sldId id="273" r:id="rId12"/>
-    <p:sldId id="268" r:id="rId13"/>
-    <p:sldId id="269" r:id="rId14"/>
-    <p:sldId id="271" r:id="rId15"/>
-    <p:sldId id="274" r:id="rId16"/>
-    <p:sldId id="276" r:id="rId17"/>
-    <p:sldId id="277" r:id="rId18"/>
-    <p:sldId id="284" r:id="rId19"/>
-    <p:sldId id="280" r:id="rId20"/>
-    <p:sldId id="285" r:id="rId21"/>
-    <p:sldId id="282" r:id="rId22"/>
-    <p:sldId id="283" r:id="rId23"/>
+    <p:sldId id="287" r:id="rId8"/>
+    <p:sldId id="260" r:id="rId9"/>
+    <p:sldId id="261" r:id="rId10"/>
+    <p:sldId id="262" r:id="rId11"/>
+    <p:sldId id="266" r:id="rId12"/>
+    <p:sldId id="273" r:id="rId13"/>
+    <p:sldId id="268" r:id="rId14"/>
+    <p:sldId id="269" r:id="rId15"/>
+    <p:sldId id="271" r:id="rId16"/>
+    <p:sldId id="274" r:id="rId17"/>
+    <p:sldId id="276" r:id="rId18"/>
+    <p:sldId id="277" r:id="rId19"/>
+    <p:sldId id="284" r:id="rId20"/>
+    <p:sldId id="280" r:id="rId21"/>
+    <p:sldId id="285" r:id="rId22"/>
+    <p:sldId id="282" r:id="rId23"/>
+    <p:sldId id="283" r:id="rId24"/>
   </p:sldIdLst>
   <p:sldSz cx="12192000" cy="6858000"/>
   <p:notesSz cx="6858000" cy="9144000"/>
@@ -262,7 +263,7 @@
           <a:p>
             <a:fld id="{1A9BD4CD-1A6A-4953-94B0-D07B000D9A03}" type="datetimeFigureOut">
               <a:rPr lang="pt-BR" smtClean="0"/>
-              <a:t>06/12/2018</a:t>
+              <a:t>07/12/2018</a:t>
             </a:fld>
             <a:endParaRPr lang="pt-BR" dirty="0"/>
           </a:p>
@@ -430,7 +431,7 @@
           <a:p>
             <a:fld id="{1A9BD4CD-1A6A-4953-94B0-D07B000D9A03}" type="datetimeFigureOut">
               <a:rPr lang="pt-BR" smtClean="0"/>
-              <a:t>06/12/2018</a:t>
+              <a:t>07/12/2018</a:t>
             </a:fld>
             <a:endParaRPr lang="pt-BR" dirty="0"/>
           </a:p>
@@ -608,7 +609,7 @@
           <a:p>
             <a:fld id="{1A9BD4CD-1A6A-4953-94B0-D07B000D9A03}" type="datetimeFigureOut">
               <a:rPr lang="pt-BR" smtClean="0"/>
-              <a:t>06/12/2018</a:t>
+              <a:t>07/12/2018</a:t>
             </a:fld>
             <a:endParaRPr lang="pt-BR" dirty="0"/>
           </a:p>
@@ -776,7 +777,7 @@
           <a:p>
             <a:fld id="{1A9BD4CD-1A6A-4953-94B0-D07B000D9A03}" type="datetimeFigureOut">
               <a:rPr lang="pt-BR" smtClean="0"/>
-              <a:t>06/12/2018</a:t>
+              <a:t>07/12/2018</a:t>
             </a:fld>
             <a:endParaRPr lang="pt-BR" dirty="0"/>
           </a:p>
@@ -1021,7 +1022,7 @@
           <a:p>
             <a:fld id="{1A9BD4CD-1A6A-4953-94B0-D07B000D9A03}" type="datetimeFigureOut">
               <a:rPr lang="pt-BR" smtClean="0"/>
-              <a:t>06/12/2018</a:t>
+              <a:t>07/12/2018</a:t>
             </a:fld>
             <a:endParaRPr lang="pt-BR" dirty="0"/>
           </a:p>
@@ -1250,7 +1251,7 @@
           <a:p>
             <a:fld id="{1A9BD4CD-1A6A-4953-94B0-D07B000D9A03}" type="datetimeFigureOut">
               <a:rPr lang="pt-BR" smtClean="0"/>
-              <a:t>06/12/2018</a:t>
+              <a:t>07/12/2018</a:t>
             </a:fld>
             <a:endParaRPr lang="pt-BR" dirty="0"/>
           </a:p>
@@ -1614,7 +1615,7 @@
           <a:p>
             <a:fld id="{1A9BD4CD-1A6A-4953-94B0-D07B000D9A03}" type="datetimeFigureOut">
               <a:rPr lang="pt-BR" smtClean="0"/>
-              <a:t>06/12/2018</a:t>
+              <a:t>07/12/2018</a:t>
             </a:fld>
             <a:endParaRPr lang="pt-BR" dirty="0"/>
           </a:p>
@@ -1731,7 +1732,7 @@
           <a:p>
             <a:fld id="{1A9BD4CD-1A6A-4953-94B0-D07B000D9A03}" type="datetimeFigureOut">
               <a:rPr lang="pt-BR" smtClean="0"/>
-              <a:t>06/12/2018</a:t>
+              <a:t>07/12/2018</a:t>
             </a:fld>
             <a:endParaRPr lang="pt-BR" dirty="0"/>
           </a:p>
@@ -1826,7 +1827,7 @@
           <a:p>
             <a:fld id="{1A9BD4CD-1A6A-4953-94B0-D07B000D9A03}" type="datetimeFigureOut">
               <a:rPr lang="pt-BR" smtClean="0"/>
-              <a:t>06/12/2018</a:t>
+              <a:t>07/12/2018</a:t>
             </a:fld>
             <a:endParaRPr lang="pt-BR" dirty="0"/>
           </a:p>
@@ -2101,7 +2102,7 @@
           <a:p>
             <a:fld id="{1A9BD4CD-1A6A-4953-94B0-D07B000D9A03}" type="datetimeFigureOut">
               <a:rPr lang="pt-BR" smtClean="0"/>
-              <a:t>06/12/2018</a:t>
+              <a:t>07/12/2018</a:t>
             </a:fld>
             <a:endParaRPr lang="pt-BR" dirty="0"/>
           </a:p>
@@ -2353,7 +2354,7 @@
           <a:p>
             <a:fld id="{1A9BD4CD-1A6A-4953-94B0-D07B000D9A03}" type="datetimeFigureOut">
               <a:rPr lang="pt-BR" smtClean="0"/>
-              <a:t>06/12/2018</a:t>
+              <a:t>07/12/2018</a:t>
             </a:fld>
             <a:endParaRPr lang="pt-BR" dirty="0"/>
           </a:p>
@@ -2570,7 +2571,7 @@
           <a:p>
             <a:fld id="{1A9BD4CD-1A6A-4953-94B0-D07B000D9A03}" type="datetimeFigureOut">
               <a:rPr lang="pt-BR" smtClean="0"/>
-              <a:t>06/12/2018</a:t>
+              <a:t>07/12/2018</a:t>
             </a:fld>
             <a:endParaRPr lang="pt-BR" dirty="0"/>
           </a:p>
@@ -3671,17 +3672,365 @@
       </p:transition>
     </mc:Fallback>
   </mc:AlternateContent>
-  <p:timing>
-    <p:tnLst>
-      <p:par>
-        <p:cTn id="1" dur="indefinite" restart="never" nodeType="tmRoot"/>
-      </p:par>
-    </p:tnLst>
-  </p:timing>
 </p:sld>
 </file>
 
 <file path=ppt/slides/slide10.xml><?xml version="1.0" encoding="utf-8"?>
+<p:sld xmlns:a="http://schemas.openxmlformats.org/drawingml/2006/main" xmlns:r="http://schemas.openxmlformats.org/officeDocument/2006/relationships" xmlns:p="http://schemas.openxmlformats.org/presentationml/2006/main">
+  <p:cSld>
+    <p:spTree>
+      <p:nvGrpSpPr>
+        <p:cNvPr id="1" name=""/>
+        <p:cNvGrpSpPr/>
+        <p:nvPr/>
+      </p:nvGrpSpPr>
+      <p:grpSpPr>
+        <a:xfrm>
+          <a:off x="0" y="0"/>
+          <a:ext cx="0" cy="0"/>
+          <a:chOff x="0" y="0"/>
+          <a:chExt cx="0" cy="0"/>
+        </a:xfrm>
+      </p:grpSpPr>
+      <p:grpSp>
+        <p:nvGrpSpPr>
+          <p:cNvPr id="4" name="Agrupar 3"/>
+          <p:cNvGrpSpPr/>
+          <p:nvPr/>
+        </p:nvGrpSpPr>
+        <p:grpSpPr>
+          <a:xfrm>
+            <a:off x="0" y="-5907"/>
+            <a:ext cx="12192000" cy="6863907"/>
+            <a:chOff x="0" y="0"/>
+            <a:chExt cx="12192000" cy="6863907"/>
+          </a:xfrm>
+        </p:grpSpPr>
+        <p:pic>
+          <p:nvPicPr>
+            <p:cNvPr id="5" name="Picture 22" descr="http://www.correiodoestadoonline.com.br/arquivos/noticias/3.png"/>
+            <p:cNvPicPr>
+              <a:picLocks noChangeAspect="1" noChangeArrowheads="1"/>
+            </p:cNvPicPr>
+            <p:nvPr/>
+          </p:nvPicPr>
+          <p:blipFill>
+            <a:blip r:embed="rId2">
+              <a:extLst>
+                <a:ext uri="{BEBA8EAE-BF5A-486C-A8C5-ECC9F3942E4B}">
+                  <a14:imgProps xmlns:a14="http://schemas.microsoft.com/office/drawing/2010/main">
+                    <a14:imgLayer r:embed="rId3">
+                      <a14:imgEffect>
+                        <a14:sharpenSoften amount="-80000"/>
+                      </a14:imgEffect>
+                      <a14:imgEffect>
+                        <a14:brightnessContrast bright="-46000"/>
+                      </a14:imgEffect>
+                    </a14:imgLayer>
+                  </a14:imgProps>
+                </a:ext>
+                <a:ext uri="{28A0092B-C50C-407E-A947-70E740481C1C}">
+                  <a14:useLocalDpi xmlns:a14="http://schemas.microsoft.com/office/drawing/2010/main" val="0"/>
+                </a:ext>
+              </a:extLst>
+            </a:blip>
+            <a:srcRect/>
+            <a:stretch>
+              <a:fillRect/>
+            </a:stretch>
+          </p:blipFill>
+          <p:spPr bwMode="auto">
+            <a:xfrm>
+              <a:off x="0" y="0"/>
+              <a:ext cx="12192000" cy="6863907"/>
+            </a:xfrm>
+            <a:prstGeom prst="rect">
+              <a:avLst/>
+            </a:prstGeom>
+            <a:noFill/>
+          </p:spPr>
+        </p:pic>
+        <p:sp>
+          <p:nvSpPr>
+            <p:cNvPr id="6" name="Retângulo 5"/>
+            <p:cNvSpPr/>
+            <p:nvPr/>
+          </p:nvSpPr>
+          <p:spPr>
+            <a:xfrm>
+              <a:off x="0" y="5907"/>
+              <a:ext cx="12192000" cy="6858000"/>
+            </a:xfrm>
+            <a:prstGeom prst="rect">
+              <a:avLst/>
+            </a:prstGeom>
+            <a:solidFill>
+              <a:schemeClr val="tx1">
+                <a:lumMod val="95000"/>
+                <a:lumOff val="5000"/>
+                <a:alpha val="87000"/>
+              </a:schemeClr>
+            </a:solidFill>
+            <a:ln>
+              <a:noFill/>
+            </a:ln>
+          </p:spPr>
+          <p:style>
+            <a:lnRef idx="2">
+              <a:schemeClr val="dk1"/>
+            </a:lnRef>
+            <a:fillRef idx="1">
+              <a:schemeClr val="lt1"/>
+            </a:fillRef>
+            <a:effectRef idx="0">
+              <a:schemeClr val="dk1"/>
+            </a:effectRef>
+            <a:fontRef idx="minor">
+              <a:schemeClr val="dk1"/>
+            </a:fontRef>
+          </p:style>
+          <p:txBody>
+            <a:bodyPr rtlCol="0" anchor="ctr"/>
+            <a:lstStyle/>
+            <a:p>
+              <a:pPr algn="ctr"/>
+              <a:endParaRPr lang="pt-BR" dirty="0"/>
+            </a:p>
+          </p:txBody>
+        </p:sp>
+      </p:grpSp>
+      <p:pic>
+        <p:nvPicPr>
+          <p:cNvPr id="9" name="Imagem 8"/>
+          <p:cNvPicPr/>
+          <p:nvPr/>
+        </p:nvPicPr>
+        <p:blipFill>
+          <a:blip r:embed="rId4"/>
+          <a:stretch>
+            <a:fillRect/>
+          </a:stretch>
+        </p:blipFill>
+        <p:spPr>
+          <a:xfrm>
+            <a:off x="2162092" y="2078086"/>
+            <a:ext cx="7867816" cy="3807288"/>
+          </a:xfrm>
+          <a:prstGeom prst="rect">
+            <a:avLst/>
+          </a:prstGeom>
+        </p:spPr>
+      </p:pic>
+      <p:pic>
+        <p:nvPicPr>
+          <p:cNvPr id="1028" name="Picture 4" descr="Resultado de imagem para trello"/>
+          <p:cNvPicPr>
+            <a:picLocks noChangeAspect="1" noChangeArrowheads="1"/>
+          </p:cNvPicPr>
+          <p:nvPr/>
+        </p:nvPicPr>
+        <p:blipFill>
+          <a:blip r:embed="rId5" cstate="print">
+            <a:extLst>
+              <a:ext uri="{28A0092B-C50C-407E-A947-70E740481C1C}">
+                <a14:useLocalDpi xmlns:a14="http://schemas.microsoft.com/office/drawing/2010/main" val="0"/>
+              </a:ext>
+            </a:extLst>
+          </a:blip>
+          <a:srcRect/>
+          <a:stretch>
+            <a:fillRect/>
+          </a:stretch>
+        </p:blipFill>
+        <p:spPr bwMode="auto">
+          <a:xfrm>
+            <a:off x="7518400" y="5098789"/>
+            <a:ext cx="3244232" cy="997097"/>
+          </a:xfrm>
+          <a:prstGeom prst="rect">
+            <a:avLst/>
+          </a:prstGeom>
+          <a:noFill/>
+          <a:effectLst>
+            <a:outerShdw blurRad="50800" dist="50800" dir="2700000" algn="tl" rotWithShape="0">
+              <a:prstClr val="black">
+                <a:alpha val="53000"/>
+              </a:prstClr>
+            </a:outerShdw>
+          </a:effectLst>
+          <a:extLst>
+            <a:ext uri="{909E8E84-426E-40DD-AFC4-6F175D3DCCD1}">
+              <a14:hiddenFill xmlns:a14="http://schemas.microsoft.com/office/drawing/2010/main">
+                <a:solidFill>
+                  <a:srgbClr val="FFFFFF"/>
+                </a:solidFill>
+              </a14:hiddenFill>
+            </a:ext>
+          </a:extLst>
+        </p:spPr>
+      </p:pic>
+      <p:cxnSp>
+        <p:nvCxnSpPr>
+          <p:cNvPr id="16" name="Conector reto 15">
+            <a:extLst>
+              <a:ext uri="{FF2B5EF4-FFF2-40B4-BE49-F238E27FC236}">
+                <a16:creationId xmlns:a16="http://schemas.microsoft.com/office/drawing/2014/main" id="{6510727C-C843-4D84-A07F-20F37366891D}"/>
+              </a:ext>
+            </a:extLst>
+          </p:cNvPr>
+          <p:cNvCxnSpPr/>
+          <p:nvPr/>
+        </p:nvCxnSpPr>
+        <p:spPr>
+          <a:xfrm>
+            <a:off x="8509000" y="6019686"/>
+            <a:ext cx="1991912" cy="0"/>
+          </a:xfrm>
+          <a:prstGeom prst="line">
+            <a:avLst/>
+          </a:prstGeom>
+          <a:ln>
+            <a:solidFill>
+              <a:schemeClr val="bg1"/>
+            </a:solidFill>
+          </a:ln>
+          <a:effectLst/>
+        </p:spPr>
+        <p:style>
+          <a:lnRef idx="1">
+            <a:schemeClr val="accent1"/>
+          </a:lnRef>
+          <a:fillRef idx="0">
+            <a:schemeClr val="accent1"/>
+          </a:fillRef>
+          <a:effectRef idx="0">
+            <a:schemeClr val="accent1"/>
+          </a:effectRef>
+          <a:fontRef idx="minor">
+            <a:schemeClr val="tx1"/>
+          </a:fontRef>
+        </p:style>
+      </p:cxnSp>
+      <p:sp>
+        <p:nvSpPr>
+          <p:cNvPr id="10" name="Retângulo 9">
+            <a:extLst>
+              <a:ext uri="{FF2B5EF4-FFF2-40B4-BE49-F238E27FC236}">
+                <a16:creationId xmlns:a16="http://schemas.microsoft.com/office/drawing/2014/main" id="{EDCEECEC-C7A7-42B0-92B0-556E58C2D97D}"/>
+              </a:ext>
+            </a:extLst>
+          </p:cNvPr>
+          <p:cNvSpPr/>
+          <p:nvPr/>
+        </p:nvSpPr>
+        <p:spPr>
+          <a:xfrm>
+            <a:off x="126222" y="198787"/>
+            <a:ext cx="9627378" cy="584775"/>
+          </a:xfrm>
+          <a:prstGeom prst="rect">
+            <a:avLst/>
+          </a:prstGeom>
+          <a:noFill/>
+          <a:effectLst/>
+        </p:spPr>
+        <p:txBody>
+          <a:bodyPr wrap="square" lIns="91440" tIns="45720" rIns="91440" bIns="45720">
+            <a:spAutoFit/>
+          </a:bodyPr>
+          <a:lstStyle/>
+          <a:p>
+            <a:pPr algn="just"/>
+            <a:r>
+              <a:rPr lang="pt-BR" sz="3200" b="1" dirty="0">
+                <a:ln w="0"/>
+                <a:solidFill>
+                  <a:schemeClr val="bg1"/>
+                </a:solidFill>
+                <a:effectLst>
+                  <a:outerShdw blurRad="38100" dist="19050" dir="2700000" algn="tl" rotWithShape="0">
+                    <a:schemeClr val="dk1">
+                      <a:alpha val="40000"/>
+                    </a:schemeClr>
+                  </a:outerShdw>
+                </a:effectLst>
+                <a:latin typeface="Exo 2 Medium" panose="00000600000000000000" pitchFamily="50" charset="0"/>
+              </a:rPr>
+              <a:t>FERRAMENTA DE GESTÃO</a:t>
+            </a:r>
+            <a:endParaRPr lang="pt-BR" sz="3200" b="1" cap="none" spc="0" dirty="0">
+              <a:ln w="0"/>
+              <a:solidFill>
+                <a:schemeClr val="bg1"/>
+              </a:solidFill>
+              <a:effectLst>
+                <a:outerShdw blurRad="38100" dist="19050" dir="2700000" algn="tl" rotWithShape="0">
+                  <a:schemeClr val="dk1">
+                    <a:alpha val="40000"/>
+                  </a:schemeClr>
+                </a:outerShdw>
+              </a:effectLst>
+              <a:latin typeface="Exo 2 Medium" panose="00000600000000000000" pitchFamily="50" charset="0"/>
+            </a:endParaRPr>
+          </a:p>
+        </p:txBody>
+      </p:sp>
+      <p:cxnSp>
+        <p:nvCxnSpPr>
+          <p:cNvPr id="11" name="Conector reto 10">
+            <a:extLst>
+              <a:ext uri="{FF2B5EF4-FFF2-40B4-BE49-F238E27FC236}">
+                <a16:creationId xmlns:a16="http://schemas.microsoft.com/office/drawing/2014/main" id="{CED7D7B9-52F9-4AE8-8186-F92722AC746F}"/>
+              </a:ext>
+            </a:extLst>
+          </p:cNvPr>
+          <p:cNvCxnSpPr/>
+          <p:nvPr/>
+        </p:nvCxnSpPr>
+        <p:spPr>
+          <a:xfrm>
+            <a:off x="0" y="953059"/>
+            <a:ext cx="6325704" cy="0"/>
+          </a:xfrm>
+          <a:prstGeom prst="line">
+            <a:avLst/>
+          </a:prstGeom>
+          <a:ln>
+            <a:solidFill>
+              <a:schemeClr val="bg1"/>
+            </a:solidFill>
+          </a:ln>
+          <a:effectLst/>
+        </p:spPr>
+        <p:style>
+          <a:lnRef idx="1">
+            <a:schemeClr val="accent1"/>
+          </a:lnRef>
+          <a:fillRef idx="0">
+            <a:schemeClr val="accent1"/>
+          </a:fillRef>
+          <a:effectRef idx="0">
+            <a:schemeClr val="accent1"/>
+          </a:effectRef>
+          <a:fontRef idx="minor">
+            <a:schemeClr val="tx1"/>
+          </a:fontRef>
+        </p:style>
+      </p:cxnSp>
+    </p:spTree>
+    <p:extLst>
+      <p:ext uri="{BB962C8B-B14F-4D97-AF65-F5344CB8AC3E}">
+        <p14:creationId xmlns:p14="http://schemas.microsoft.com/office/powerpoint/2010/main" val="229802545"/>
+      </p:ext>
+    </p:extLst>
+  </p:cSld>
+  <p:clrMapOvr>
+    <a:masterClrMapping/>
+  </p:clrMapOvr>
+</p:sld>
+</file>
+
+<file path=ppt/slides/slide11.xml><?xml version="1.0" encoding="utf-8"?>
 <p:sld xmlns:a="http://schemas.openxmlformats.org/drawingml/2006/main" xmlns:r="http://schemas.openxmlformats.org/officeDocument/2006/relationships" xmlns:p="http://schemas.openxmlformats.org/presentationml/2006/main">
   <p:cSld>
     <p:spTree>
@@ -3805,106 +4154,6 @@
           </p:txBody>
         </p:sp>
       </p:grpSp>
-      <p:sp>
-        <p:nvSpPr>
-          <p:cNvPr id="9" name="Retângulo 8"/>
-          <p:cNvSpPr/>
-          <p:nvPr/>
-        </p:nvSpPr>
-        <p:spPr>
-          <a:xfrm>
-            <a:off x="126222" y="198787"/>
-            <a:ext cx="9627378" cy="707886"/>
-          </a:xfrm>
-          <a:prstGeom prst="rect">
-            <a:avLst/>
-          </a:prstGeom>
-          <a:noFill/>
-          <a:effectLst/>
-        </p:spPr>
-        <p:txBody>
-          <a:bodyPr wrap="square" lIns="91440" tIns="45720" rIns="91440" bIns="45720">
-            <a:spAutoFit/>
-          </a:bodyPr>
-          <a:lstStyle/>
-          <a:p>
-            <a:pPr algn="just"/>
-            <a:r>
-              <a:rPr lang="pt-BR" sz="4000" b="1" dirty="0">
-                <a:ln w="0"/>
-                <a:solidFill>
-                  <a:schemeClr val="bg1"/>
-                </a:solidFill>
-                <a:effectLst>
-                  <a:outerShdw blurRad="38100" dist="19050" dir="2700000" algn="tl" rotWithShape="0">
-                    <a:schemeClr val="dk1">
-                      <a:alpha val="40000"/>
-                    </a:schemeClr>
-                  </a:outerShdw>
-                </a:effectLst>
-                <a:latin typeface="Exo 2 Medium" panose="00000600000000000000" pitchFamily="50" charset="0"/>
-              </a:rPr>
-              <a:t>AQUISIÇÃO DE DADOS COM ARDUÍNO</a:t>
-            </a:r>
-            <a:endParaRPr lang="pt-BR" sz="4000" b="1" cap="none" spc="0" dirty="0">
-              <a:ln w="0"/>
-              <a:solidFill>
-                <a:schemeClr val="bg1"/>
-              </a:solidFill>
-              <a:effectLst>
-                <a:outerShdw blurRad="38100" dist="19050" dir="2700000" algn="tl" rotWithShape="0">
-                  <a:schemeClr val="dk1">
-                    <a:alpha val="40000"/>
-                  </a:schemeClr>
-                </a:outerShdw>
-              </a:effectLst>
-              <a:latin typeface="Exo 2 Medium" panose="00000600000000000000" pitchFamily="50" charset="0"/>
-            </a:endParaRPr>
-          </a:p>
-        </p:txBody>
-      </p:sp>
-      <p:cxnSp>
-        <p:nvCxnSpPr>
-          <p:cNvPr id="10" name="Conector reto 9">
-            <a:extLst>
-              <a:ext uri="{FF2B5EF4-FFF2-40B4-BE49-F238E27FC236}">
-                <a16:creationId xmlns:a16="http://schemas.microsoft.com/office/drawing/2014/main" id="{6510727C-C843-4D84-A07F-20F37366891D}"/>
-              </a:ext>
-            </a:extLst>
-          </p:cNvPr>
-          <p:cNvCxnSpPr/>
-          <p:nvPr/>
-        </p:nvCxnSpPr>
-        <p:spPr>
-          <a:xfrm>
-            <a:off x="0" y="1105459"/>
-            <a:ext cx="6325704" cy="0"/>
-          </a:xfrm>
-          <a:prstGeom prst="line">
-            <a:avLst/>
-          </a:prstGeom>
-          <a:ln>
-            <a:solidFill>
-              <a:schemeClr val="bg1"/>
-            </a:solidFill>
-          </a:ln>
-          <a:effectLst/>
-        </p:spPr>
-        <p:style>
-          <a:lnRef idx="1">
-            <a:schemeClr val="accent1"/>
-          </a:lnRef>
-          <a:fillRef idx="0">
-            <a:schemeClr val="accent1"/>
-          </a:fillRef>
-          <a:effectRef idx="0">
-            <a:schemeClr val="accent1"/>
-          </a:effectRef>
-          <a:fontRef idx="minor">
-            <a:schemeClr val="tx1"/>
-          </a:fontRef>
-        </p:style>
-      </p:cxnSp>
       <p:pic>
         <p:nvPicPr>
           <p:cNvPr id="2049" name="Imagem 2048"/>
@@ -5504,6 +5753,112 @@
           </a:p>
         </p:txBody>
       </p:sp>
+      <p:sp>
+        <p:nvSpPr>
+          <p:cNvPr id="43" name="Retângulo 42">
+            <a:extLst>
+              <a:ext uri="{FF2B5EF4-FFF2-40B4-BE49-F238E27FC236}">
+                <a16:creationId xmlns:a16="http://schemas.microsoft.com/office/drawing/2014/main" id="{ABE8EA85-3B27-4325-A2E1-239BEC91ACD7}"/>
+              </a:ext>
+            </a:extLst>
+          </p:cNvPr>
+          <p:cNvSpPr/>
+          <p:nvPr/>
+        </p:nvSpPr>
+        <p:spPr>
+          <a:xfrm>
+            <a:off x="126222" y="198787"/>
+            <a:ext cx="9627378" cy="584775"/>
+          </a:xfrm>
+          <a:prstGeom prst="rect">
+            <a:avLst/>
+          </a:prstGeom>
+          <a:noFill/>
+          <a:effectLst/>
+        </p:spPr>
+        <p:txBody>
+          <a:bodyPr wrap="square" lIns="91440" tIns="45720" rIns="91440" bIns="45720">
+            <a:spAutoFit/>
+          </a:bodyPr>
+          <a:lstStyle/>
+          <a:p>
+            <a:pPr algn="just"/>
+            <a:r>
+              <a:rPr lang="pt-BR" sz="3200" b="1" dirty="0">
+                <a:ln w="0"/>
+                <a:solidFill>
+                  <a:schemeClr val="bg1"/>
+                </a:solidFill>
+                <a:effectLst>
+                  <a:outerShdw blurRad="38100" dist="19050" dir="2700000" algn="tl" rotWithShape="0">
+                    <a:schemeClr val="dk1">
+                      <a:alpha val="40000"/>
+                    </a:schemeClr>
+                  </a:outerShdw>
+                </a:effectLst>
+                <a:latin typeface="Exo 2 Medium" panose="00000600000000000000" pitchFamily="50" charset="0"/>
+              </a:rPr>
+              <a:t>AQUISIÇÃO DE DADOS COM ARDUINO</a:t>
+            </a:r>
+            <a:endParaRPr lang="pt-BR" sz="3200" b="1" cap="none" spc="0" dirty="0">
+              <a:ln w="0"/>
+              <a:solidFill>
+                <a:schemeClr val="bg1"/>
+              </a:solidFill>
+              <a:effectLst>
+                <a:outerShdw blurRad="38100" dist="19050" dir="2700000" algn="tl" rotWithShape="0">
+                  <a:schemeClr val="dk1">
+                    <a:alpha val="40000"/>
+                  </a:schemeClr>
+                </a:outerShdw>
+              </a:effectLst>
+              <a:latin typeface="Exo 2 Medium" panose="00000600000000000000" pitchFamily="50" charset="0"/>
+            </a:endParaRPr>
+          </a:p>
+        </p:txBody>
+      </p:sp>
+      <p:cxnSp>
+        <p:nvCxnSpPr>
+          <p:cNvPr id="44" name="Conector reto 43">
+            <a:extLst>
+              <a:ext uri="{FF2B5EF4-FFF2-40B4-BE49-F238E27FC236}">
+                <a16:creationId xmlns:a16="http://schemas.microsoft.com/office/drawing/2014/main" id="{EB56AF2B-1DFB-437F-A692-B8AAC5F68C53}"/>
+              </a:ext>
+            </a:extLst>
+          </p:cNvPr>
+          <p:cNvCxnSpPr/>
+          <p:nvPr/>
+        </p:nvCxnSpPr>
+        <p:spPr>
+          <a:xfrm>
+            <a:off x="0" y="953059"/>
+            <a:ext cx="6325704" cy="0"/>
+          </a:xfrm>
+          <a:prstGeom prst="line">
+            <a:avLst/>
+          </a:prstGeom>
+          <a:ln>
+            <a:solidFill>
+              <a:schemeClr val="bg1"/>
+            </a:solidFill>
+          </a:ln>
+          <a:effectLst/>
+        </p:spPr>
+        <p:style>
+          <a:lnRef idx="1">
+            <a:schemeClr val="accent1"/>
+          </a:lnRef>
+          <a:fillRef idx="0">
+            <a:schemeClr val="accent1"/>
+          </a:fillRef>
+          <a:effectRef idx="0">
+            <a:schemeClr val="accent1"/>
+          </a:effectRef>
+          <a:fontRef idx="minor">
+            <a:schemeClr val="tx1"/>
+          </a:fontRef>
+        </p:style>
+      </p:cxnSp>
     </p:spTree>
     <p:extLst>
       <p:ext uri="{BB962C8B-B14F-4D97-AF65-F5344CB8AC3E}">
@@ -5514,17 +5869,10 @@
   <p:clrMapOvr>
     <a:masterClrMapping/>
   </p:clrMapOvr>
-  <p:timing>
-    <p:tnLst>
-      <p:par>
-        <p:cTn id="1" dur="indefinite" restart="never" nodeType="tmRoot"/>
-      </p:par>
-    </p:tnLst>
-  </p:timing>
 </p:sld>
 </file>
 
-<file path=ppt/slides/slide11.xml><?xml version="1.0" encoding="utf-8"?>
+<file path=ppt/slides/slide12.xml><?xml version="1.0" encoding="utf-8"?>
 <p:sld xmlns:a="http://schemas.openxmlformats.org/drawingml/2006/main" xmlns:r="http://schemas.openxmlformats.org/officeDocument/2006/relationships" xmlns:p="http://schemas.openxmlformats.org/presentationml/2006/main">
   <p:cSld>
     <p:spTree>
@@ -5890,8 +6238,8 @@
         </p:nvSpPr>
         <p:spPr>
           <a:xfrm>
-            <a:off x="5155033" y="3033067"/>
-            <a:ext cx="3683778" cy="523220"/>
+            <a:off x="5155032" y="2686142"/>
+            <a:ext cx="4672218" cy="584775"/>
           </a:xfrm>
           <a:prstGeom prst="rect">
             <a:avLst/>
@@ -5907,7 +6255,7 @@
           <a:p>
             <a:pPr algn="just"/>
             <a:r>
-              <a:rPr lang="pt-BR" sz="2800" b="1" cap="none" spc="0" dirty="0">
+              <a:rPr lang="pt-BR" sz="3200" b="1" cap="none" spc="0" dirty="0">
                 <a:ln w="0"/>
                 <a:solidFill>
                   <a:schemeClr val="bg1"/>
@@ -5919,9 +6267,9 @@
                     </a:schemeClr>
                   </a:outerShdw>
                 </a:effectLst>
-                <a:latin typeface="Exo 2 Medium" panose="00000600000000000000" pitchFamily="50" charset="0"/>
+                <a:latin typeface="Exo 2 Extra Light" panose="00000300000000000000" pitchFamily="2" charset="0"/>
               </a:rPr>
-              <a:t>Alta disponibilidade</a:t>
+              <a:t>ALTA DISPONIBILIDADE</a:t>
             </a:r>
           </a:p>
         </p:txBody>
@@ -5934,8 +6282,8 @@
         </p:nvSpPr>
         <p:spPr>
           <a:xfrm>
-            <a:off x="5155033" y="3556287"/>
-            <a:ext cx="3683778" cy="523220"/>
+            <a:off x="5155033" y="3501749"/>
+            <a:ext cx="3683778" cy="584775"/>
           </a:xfrm>
           <a:prstGeom prst="rect">
             <a:avLst/>
@@ -5951,7 +6299,7 @@
           <a:p>
             <a:pPr algn="just"/>
             <a:r>
-              <a:rPr lang="pt-BR" sz="2800" b="1" cap="none" spc="0" dirty="0">
+              <a:rPr lang="pt-BR" sz="3200" b="1" cap="none" spc="0" dirty="0">
                 <a:ln w="0"/>
                 <a:solidFill>
                   <a:schemeClr val="bg1"/>
@@ -5963,9 +6311,9 @@
                     </a:schemeClr>
                   </a:outerShdw>
                 </a:effectLst>
-                <a:latin typeface="Exo 2 Medium" panose="00000600000000000000" pitchFamily="50" charset="0"/>
+                <a:latin typeface="Exo 2 Extra Light" panose="00000300000000000000" pitchFamily="2" charset="0"/>
               </a:rPr>
-              <a:t>Elasticidade</a:t>
+              <a:t>ELASTICIDADE</a:t>
             </a:r>
           </a:p>
         </p:txBody>
@@ -5978,8 +6326,8 @@
         </p:nvSpPr>
         <p:spPr>
           <a:xfrm>
-            <a:off x="5155033" y="4079507"/>
-            <a:ext cx="3683778" cy="523220"/>
+            <a:off x="5155033" y="4317357"/>
+            <a:ext cx="3683778" cy="584775"/>
           </a:xfrm>
           <a:prstGeom prst="rect">
             <a:avLst/>
@@ -5995,7 +6343,7 @@
           <a:p>
             <a:pPr algn="just"/>
             <a:r>
-              <a:rPr lang="pt-BR" sz="2800" b="1" dirty="0">
+              <a:rPr lang="pt-BR" sz="3200" b="1" dirty="0">
                 <a:ln w="0"/>
                 <a:solidFill>
                   <a:schemeClr val="bg1"/>
@@ -6007,11 +6355,11 @@
                     </a:schemeClr>
                   </a:outerShdw>
                 </a:effectLst>
-                <a:latin typeface="Exo 2 Medium" panose="00000600000000000000" pitchFamily="50" charset="0"/>
+                <a:latin typeface="Exo 2 Extra Light" panose="00000300000000000000" pitchFamily="2" charset="0"/>
               </a:rPr>
-              <a:t>Facilidade</a:t>
+              <a:t>FACILIDADE</a:t>
             </a:r>
-            <a:endParaRPr lang="pt-BR" sz="2800" b="1" cap="none" spc="0" dirty="0">
+            <a:endParaRPr lang="pt-BR" sz="3200" b="1" cap="none" spc="0" dirty="0">
               <a:ln w="0"/>
               <a:solidFill>
                 <a:schemeClr val="bg1"/>
@@ -6023,7 +6371,7 @@
                   </a:schemeClr>
                 </a:outerShdw>
               </a:effectLst>
-              <a:latin typeface="Exo 2 Medium" panose="00000600000000000000" pitchFamily="50" charset="0"/>
+              <a:latin typeface="Exo 2 Extra Light" panose="00000300000000000000" pitchFamily="2" charset="0"/>
             </a:endParaRPr>
           </a:p>
         </p:txBody>
@@ -6038,17 +6386,10 @@
   <p:clrMapOvr>
     <a:masterClrMapping/>
   </p:clrMapOvr>
-  <p:timing>
-    <p:tnLst>
-      <p:par>
-        <p:cTn id="1" dur="indefinite" restart="never" nodeType="tmRoot"/>
-      </p:par>
-    </p:tnLst>
-  </p:timing>
 </p:sld>
 </file>
 
-<file path=ppt/slides/slide12.xml><?xml version="1.0" encoding="utf-8"?>
+<file path=ppt/slides/slide13.xml><?xml version="1.0" encoding="utf-8"?>
 <p:sld xmlns:a="http://schemas.openxmlformats.org/drawingml/2006/main" xmlns:r="http://schemas.openxmlformats.org/officeDocument/2006/relationships" xmlns:p="http://schemas.openxmlformats.org/presentationml/2006/main">
   <p:cSld>
     <p:spTree>
@@ -6322,17 +6663,10 @@
   <p:clrMapOvr>
     <a:masterClrMapping/>
   </p:clrMapOvr>
-  <p:timing>
-    <p:tnLst>
-      <p:par>
-        <p:cTn id="1" dur="indefinite" restart="never" nodeType="tmRoot"/>
-      </p:par>
-    </p:tnLst>
-  </p:timing>
 </p:sld>
 </file>
 
-<file path=ppt/slides/slide13.xml><?xml version="1.0" encoding="utf-8"?>
+<file path=ppt/slides/slide14.xml><?xml version="1.0" encoding="utf-8"?>
 <p:sld xmlns:a="http://schemas.openxmlformats.org/drawingml/2006/main" xmlns:r="http://schemas.openxmlformats.org/officeDocument/2006/relationships" xmlns:p="http://schemas.openxmlformats.org/presentationml/2006/main">
   <p:cSld>
     <p:spTree>
@@ -8215,17 +8549,10 @@
   <p:clrMapOvr>
     <a:masterClrMapping/>
   </p:clrMapOvr>
-  <p:timing>
-    <p:tnLst>
-      <p:par>
-        <p:cTn id="1" dur="indefinite" restart="never" nodeType="tmRoot"/>
-      </p:par>
-    </p:tnLst>
-  </p:timing>
 </p:sld>
 </file>
 
-<file path=ppt/slides/slide14.xml><?xml version="1.0" encoding="utf-8"?>
+<file path=ppt/slides/slide15.xml><?xml version="1.0" encoding="utf-8"?>
 <p:sld xmlns:a="http://schemas.openxmlformats.org/drawingml/2006/main" xmlns:r="http://schemas.openxmlformats.org/officeDocument/2006/relationships" xmlns:p="http://schemas.openxmlformats.org/presentationml/2006/main">
   <p:cSld>
     <p:spTree>
@@ -10163,17 +10490,10 @@
   <p:clrMapOvr>
     <a:masterClrMapping/>
   </p:clrMapOvr>
-  <p:timing>
-    <p:tnLst>
-      <p:par>
-        <p:cTn id="1" dur="indefinite" restart="never" nodeType="tmRoot"/>
-      </p:par>
-    </p:tnLst>
-  </p:timing>
 </p:sld>
 </file>
 
-<file path=ppt/slides/slide15.xml><?xml version="1.0" encoding="utf-8"?>
+<file path=ppt/slides/slide16.xml><?xml version="1.0" encoding="utf-8"?>
 <p:sld xmlns:a="http://schemas.openxmlformats.org/drawingml/2006/main" xmlns:r="http://schemas.openxmlformats.org/officeDocument/2006/relationships" xmlns:p="http://schemas.openxmlformats.org/presentationml/2006/main">
   <p:cSld>
     <p:spTree>
@@ -10758,17 +11078,10 @@
   <p:clrMapOvr>
     <a:masterClrMapping/>
   </p:clrMapOvr>
-  <p:timing>
-    <p:tnLst>
-      <p:par>
-        <p:cTn id="1" dur="indefinite" restart="never" nodeType="tmRoot"/>
-      </p:par>
-    </p:tnLst>
-  </p:timing>
 </p:sld>
 </file>
 
-<file path=ppt/slides/slide16.xml><?xml version="1.0" encoding="utf-8"?>
+<file path=ppt/slides/slide17.xml><?xml version="1.0" encoding="utf-8"?>
 <p:sld xmlns:a="http://schemas.openxmlformats.org/drawingml/2006/main" xmlns:r="http://schemas.openxmlformats.org/officeDocument/2006/relationships" xmlns:p="http://schemas.openxmlformats.org/presentationml/2006/main">
   <p:cSld>
     <p:spTree>
@@ -11233,7 +11546,7 @@
 </p:sld>
 </file>
 
-<file path=ppt/slides/slide17.xml><?xml version="1.0" encoding="utf-8"?>
+<file path=ppt/slides/slide18.xml><?xml version="1.0" encoding="utf-8"?>
 <p:sld xmlns:a="http://schemas.openxmlformats.org/drawingml/2006/main" xmlns:r="http://schemas.openxmlformats.org/officeDocument/2006/relationships" xmlns:p="http://schemas.openxmlformats.org/presentationml/2006/main">
   <p:cSld>
     <p:spTree>
@@ -13615,17 +13928,10 @@
   <p:clrMapOvr>
     <a:masterClrMapping/>
   </p:clrMapOvr>
-  <p:timing>
-    <p:tnLst>
-      <p:par>
-        <p:cTn id="1" dur="indefinite" restart="never" nodeType="tmRoot"/>
-      </p:par>
-    </p:tnLst>
-  </p:timing>
 </p:sld>
 </file>
 
-<file path=ppt/slides/slide18.xml><?xml version="1.0" encoding="utf-8"?>
+<file path=ppt/slides/slide19.xml><?xml version="1.0" encoding="utf-8"?>
 <p:sld xmlns:a="http://schemas.openxmlformats.org/drawingml/2006/main" xmlns:r="http://schemas.openxmlformats.org/officeDocument/2006/relationships" xmlns:p="http://schemas.openxmlformats.org/presentationml/2006/main">
   <p:cSld>
     <p:spTree>
@@ -13877,441 +14183,6 @@
     <p:extLst>
       <p:ext uri="{BB962C8B-B14F-4D97-AF65-F5344CB8AC3E}">
         <p14:creationId xmlns:p14="http://schemas.microsoft.com/office/powerpoint/2010/main" val="1913267837"/>
-      </p:ext>
-    </p:extLst>
-  </p:cSld>
-  <p:clrMapOvr>
-    <a:masterClrMapping/>
-  </p:clrMapOvr>
-</p:sld>
-</file>
-
-<file path=ppt/slides/slide19.xml><?xml version="1.0" encoding="utf-8"?>
-<p:sld xmlns:a="http://schemas.openxmlformats.org/drawingml/2006/main" xmlns:r="http://schemas.openxmlformats.org/officeDocument/2006/relationships" xmlns:p="http://schemas.openxmlformats.org/presentationml/2006/main">
-  <p:cSld>
-    <p:spTree>
-      <p:nvGrpSpPr>
-        <p:cNvPr id="1" name=""/>
-        <p:cNvGrpSpPr/>
-        <p:nvPr/>
-      </p:nvGrpSpPr>
-      <p:grpSpPr>
-        <a:xfrm>
-          <a:off x="0" y="0"/>
-          <a:ext cx="0" cy="0"/>
-          <a:chOff x="0" y="0"/>
-          <a:chExt cx="0" cy="0"/>
-        </a:xfrm>
-      </p:grpSpPr>
-      <p:grpSp>
-        <p:nvGrpSpPr>
-          <p:cNvPr id="4" name="Agrupar 3"/>
-          <p:cNvGrpSpPr/>
-          <p:nvPr/>
-        </p:nvGrpSpPr>
-        <p:grpSpPr>
-          <a:xfrm>
-            <a:off x="0" y="-5907"/>
-            <a:ext cx="12192000" cy="6863907"/>
-            <a:chOff x="0" y="0"/>
-            <a:chExt cx="12192000" cy="6863907"/>
-          </a:xfrm>
-        </p:grpSpPr>
-        <p:pic>
-          <p:nvPicPr>
-            <p:cNvPr id="5" name="Picture 22" descr="http://www.correiodoestadoonline.com.br/arquivos/noticias/3.png"/>
-            <p:cNvPicPr>
-              <a:picLocks noChangeAspect="1" noChangeArrowheads="1"/>
-            </p:cNvPicPr>
-            <p:nvPr/>
-          </p:nvPicPr>
-          <p:blipFill>
-            <a:blip r:embed="rId2">
-              <a:extLst>
-                <a:ext uri="{BEBA8EAE-BF5A-486C-A8C5-ECC9F3942E4B}">
-                  <a14:imgProps xmlns:a14="http://schemas.microsoft.com/office/drawing/2010/main">
-                    <a14:imgLayer r:embed="rId3">
-                      <a14:imgEffect>
-                        <a14:sharpenSoften amount="-80000"/>
-                      </a14:imgEffect>
-                      <a14:imgEffect>
-                        <a14:brightnessContrast bright="-46000"/>
-                      </a14:imgEffect>
-                    </a14:imgLayer>
-                  </a14:imgProps>
-                </a:ext>
-                <a:ext uri="{28A0092B-C50C-407E-A947-70E740481C1C}">
-                  <a14:useLocalDpi xmlns:a14="http://schemas.microsoft.com/office/drawing/2010/main" val="0"/>
-                </a:ext>
-              </a:extLst>
-            </a:blip>
-            <a:srcRect/>
-            <a:stretch>
-              <a:fillRect/>
-            </a:stretch>
-          </p:blipFill>
-          <p:spPr bwMode="auto">
-            <a:xfrm>
-              <a:off x="0" y="0"/>
-              <a:ext cx="12192000" cy="6863907"/>
-            </a:xfrm>
-            <a:prstGeom prst="rect">
-              <a:avLst/>
-            </a:prstGeom>
-            <a:noFill/>
-          </p:spPr>
-        </p:pic>
-        <p:sp>
-          <p:nvSpPr>
-            <p:cNvPr id="6" name="Retângulo 5"/>
-            <p:cNvSpPr/>
-            <p:nvPr/>
-          </p:nvSpPr>
-          <p:spPr>
-            <a:xfrm>
-              <a:off x="0" y="5907"/>
-              <a:ext cx="12192000" cy="6858000"/>
-            </a:xfrm>
-            <a:prstGeom prst="rect">
-              <a:avLst/>
-            </a:prstGeom>
-            <a:solidFill>
-              <a:schemeClr val="tx1">
-                <a:lumMod val="95000"/>
-                <a:lumOff val="5000"/>
-                <a:alpha val="87000"/>
-              </a:schemeClr>
-            </a:solidFill>
-            <a:ln>
-              <a:noFill/>
-            </a:ln>
-          </p:spPr>
-          <p:style>
-            <a:lnRef idx="2">
-              <a:schemeClr val="dk1"/>
-            </a:lnRef>
-            <a:fillRef idx="1">
-              <a:schemeClr val="lt1"/>
-            </a:fillRef>
-            <a:effectRef idx="0">
-              <a:schemeClr val="dk1"/>
-            </a:effectRef>
-            <a:fontRef idx="minor">
-              <a:schemeClr val="dk1"/>
-            </a:fontRef>
-          </p:style>
-          <p:txBody>
-            <a:bodyPr rtlCol="0" anchor="ctr"/>
-            <a:lstStyle/>
-            <a:p>
-              <a:pPr algn="ctr"/>
-              <a:endParaRPr lang="pt-BR" dirty="0"/>
-            </a:p>
-          </p:txBody>
-        </p:sp>
-      </p:grpSp>
-      <p:sp>
-        <p:nvSpPr>
-          <p:cNvPr id="11" name="Retângulo 10"/>
-          <p:cNvSpPr/>
-          <p:nvPr/>
-        </p:nvSpPr>
-        <p:spPr>
-          <a:xfrm>
-            <a:off x="126222" y="198787"/>
-            <a:ext cx="9627378" cy="584775"/>
-          </a:xfrm>
-          <a:prstGeom prst="rect">
-            <a:avLst/>
-          </a:prstGeom>
-          <a:noFill/>
-          <a:effectLst/>
-        </p:spPr>
-        <p:txBody>
-          <a:bodyPr wrap="square" lIns="91440" tIns="45720" rIns="91440" bIns="45720">
-            <a:spAutoFit/>
-          </a:bodyPr>
-          <a:lstStyle/>
-          <a:p>
-            <a:pPr algn="just"/>
-            <a:r>
-              <a:rPr lang="pt-BR" sz="3200" b="1" dirty="0">
-                <a:ln w="0"/>
-                <a:solidFill>
-                  <a:schemeClr val="bg1"/>
-                </a:solidFill>
-                <a:effectLst>
-                  <a:outerShdw blurRad="38100" dist="19050" dir="2700000" algn="tl" rotWithShape="0">
-                    <a:schemeClr val="dk1">
-                      <a:alpha val="40000"/>
-                    </a:schemeClr>
-                  </a:outerShdw>
-                </a:effectLst>
-                <a:latin typeface="Exo 2 Medium" panose="00000600000000000000" pitchFamily="50" charset="0"/>
-              </a:rPr>
-              <a:t>FERRAMENTA DE HELPDESK</a:t>
-            </a:r>
-            <a:endParaRPr lang="pt-BR" sz="3200" b="1" cap="none" spc="0" dirty="0">
-              <a:ln w="0"/>
-              <a:solidFill>
-                <a:schemeClr val="bg1"/>
-              </a:solidFill>
-              <a:effectLst>
-                <a:outerShdw blurRad="38100" dist="19050" dir="2700000" algn="tl" rotWithShape="0">
-                  <a:schemeClr val="dk1">
-                    <a:alpha val="40000"/>
-                  </a:schemeClr>
-                </a:outerShdw>
-              </a:effectLst>
-              <a:latin typeface="Exo 2 Medium" panose="00000600000000000000" pitchFamily="50" charset="0"/>
-            </a:endParaRPr>
-          </a:p>
-        </p:txBody>
-      </p:sp>
-      <p:cxnSp>
-        <p:nvCxnSpPr>
-          <p:cNvPr id="12" name="Conector reto 11">
-            <a:extLst>
-              <a:ext uri="{FF2B5EF4-FFF2-40B4-BE49-F238E27FC236}">
-                <a16:creationId xmlns:a16="http://schemas.microsoft.com/office/drawing/2014/main" id="{6510727C-C843-4D84-A07F-20F37366891D}"/>
-              </a:ext>
-            </a:extLst>
-          </p:cNvPr>
-          <p:cNvCxnSpPr/>
-          <p:nvPr/>
-        </p:nvCxnSpPr>
-        <p:spPr>
-          <a:xfrm>
-            <a:off x="0" y="953059"/>
-            <a:ext cx="6325704" cy="0"/>
-          </a:xfrm>
-          <a:prstGeom prst="line">
-            <a:avLst/>
-          </a:prstGeom>
-          <a:ln>
-            <a:solidFill>
-              <a:schemeClr val="bg1"/>
-            </a:solidFill>
-          </a:ln>
-          <a:effectLst/>
-        </p:spPr>
-        <p:style>
-          <a:lnRef idx="1">
-            <a:schemeClr val="accent1"/>
-          </a:lnRef>
-          <a:fillRef idx="0">
-            <a:schemeClr val="accent1"/>
-          </a:fillRef>
-          <a:effectRef idx="0">
-            <a:schemeClr val="accent1"/>
-          </a:effectRef>
-          <a:fontRef idx="minor">
-            <a:schemeClr val="tx1"/>
-          </a:fontRef>
-        </p:style>
-      </p:cxnSp>
-      <p:sp>
-        <p:nvSpPr>
-          <p:cNvPr id="8" name="Elipse 7"/>
-          <p:cNvSpPr/>
-          <p:nvPr/>
-        </p:nvSpPr>
-        <p:spPr>
-          <a:xfrm>
-            <a:off x="1162350" y="2057400"/>
-            <a:ext cx="3644106" cy="3644106"/>
-          </a:xfrm>
-          <a:prstGeom prst="ellipse">
-            <a:avLst/>
-          </a:prstGeom>
-          <a:solidFill>
-            <a:schemeClr val="bg1"/>
-          </a:solidFill>
-          <a:ln>
-            <a:noFill/>
-          </a:ln>
-          <a:effectLst>
-            <a:outerShdw blurRad="50800" dist="38100" dir="2700000" algn="tl" rotWithShape="0">
-              <a:prstClr val="black">
-                <a:alpha val="40000"/>
-              </a:prstClr>
-            </a:outerShdw>
-          </a:effectLst>
-        </p:spPr>
-        <p:style>
-          <a:lnRef idx="2">
-            <a:schemeClr val="accent1">
-              <a:shade val="50000"/>
-            </a:schemeClr>
-          </a:lnRef>
-          <a:fillRef idx="1">
-            <a:schemeClr val="accent1"/>
-          </a:fillRef>
-          <a:effectRef idx="0">
-            <a:schemeClr val="accent1"/>
-          </a:effectRef>
-          <a:fontRef idx="minor">
-            <a:schemeClr val="lt1"/>
-          </a:fontRef>
-        </p:style>
-        <p:txBody>
-          <a:bodyPr rtlCol="0" anchor="ctr"/>
-          <a:lstStyle/>
-          <a:p>
-            <a:pPr algn="ctr"/>
-            <a:endParaRPr lang="pt-BR" dirty="0"/>
-          </a:p>
-        </p:txBody>
-      </p:sp>
-      <p:pic>
-        <p:nvPicPr>
-          <p:cNvPr id="10" name="Imagem 9"/>
-          <p:cNvPicPr>
-            <a:picLocks noChangeAspect="1"/>
-          </p:cNvPicPr>
-          <p:nvPr/>
-        </p:nvPicPr>
-        <p:blipFill rotWithShape="1">
-          <a:blip r:embed="rId4">
-            <a:extLst>
-              <a:ext uri="{28A0092B-C50C-407E-A947-70E740481C1C}">
-                <a14:useLocalDpi xmlns:a14="http://schemas.microsoft.com/office/drawing/2010/main" val="0"/>
-              </a:ext>
-            </a:extLst>
-          </a:blip>
-          <a:srcRect t="15200"/>
-          <a:stretch/>
-        </p:blipFill>
-        <p:spPr>
-          <a:xfrm>
-            <a:off x="1560415" y="3200962"/>
-            <a:ext cx="2847975" cy="1356981"/>
-          </a:xfrm>
-          <a:prstGeom prst="rect">
-            <a:avLst/>
-          </a:prstGeom>
-        </p:spPr>
-      </p:pic>
-      <p:pic>
-        <p:nvPicPr>
-          <p:cNvPr id="2" name="Imagem 1"/>
-          <p:cNvPicPr>
-            <a:picLocks noChangeAspect="1"/>
-          </p:cNvPicPr>
-          <p:nvPr/>
-        </p:nvPicPr>
-        <p:blipFill>
-          <a:blip r:embed="rId5"/>
-          <a:stretch>
-            <a:fillRect/>
-          </a:stretch>
-        </p:blipFill>
-        <p:spPr>
-          <a:xfrm>
-            <a:off x="5641533" y="2490352"/>
-            <a:ext cx="5715389" cy="2778199"/>
-          </a:xfrm>
-          <a:prstGeom prst="rect">
-            <a:avLst/>
-          </a:prstGeom>
-        </p:spPr>
-      </p:pic>
-      <p:sp>
-        <p:nvSpPr>
-          <p:cNvPr id="18" name="Retângulo 17"/>
-          <p:cNvSpPr/>
-          <p:nvPr/>
-        </p:nvSpPr>
-        <p:spPr>
-          <a:xfrm>
-            <a:off x="5579593" y="5471488"/>
-            <a:ext cx="5839267" cy="954107"/>
-          </a:xfrm>
-          <a:prstGeom prst="rect">
-            <a:avLst/>
-          </a:prstGeom>
-          <a:noFill/>
-          <a:effectLst/>
-        </p:spPr>
-        <p:txBody>
-          <a:bodyPr wrap="square" lIns="91440" tIns="45720" rIns="91440" bIns="45720">
-            <a:spAutoFit/>
-          </a:bodyPr>
-          <a:lstStyle/>
-          <a:p>
-            <a:pPr algn="ctr"/>
-            <a:r>
-              <a:rPr lang="pt-BR" sz="2800" b="1" dirty="0">
-                <a:ln w="0"/>
-                <a:solidFill>
-                  <a:schemeClr val="bg1"/>
-                </a:solidFill>
-                <a:effectLst>
-                  <a:outerShdw blurRad="38100" dist="19050" dir="2700000" algn="tl" rotWithShape="0">
-                    <a:schemeClr val="dk1">
-                      <a:alpha val="40000"/>
-                    </a:schemeClr>
-                  </a:outerShdw>
-                </a:effectLst>
-                <a:latin typeface="Exo 2 Medium" panose="00000600000000000000" pitchFamily="50" charset="0"/>
-              </a:rPr>
-              <a:t>Chamados, escalonamento, chat, </a:t>
-            </a:r>
-            <a:r>
-              <a:rPr lang="pt-BR" sz="2800" b="1" dirty="0" err="1">
-                <a:ln w="0"/>
-                <a:solidFill>
-                  <a:schemeClr val="bg1"/>
-                </a:solidFill>
-                <a:effectLst>
-                  <a:outerShdw blurRad="38100" dist="19050" dir="2700000" algn="tl" rotWithShape="0">
-                    <a:schemeClr val="dk1">
-                      <a:alpha val="40000"/>
-                    </a:schemeClr>
-                  </a:outerShdw>
-                </a:effectLst>
-                <a:latin typeface="Exo 2 Medium" panose="00000600000000000000" pitchFamily="50" charset="0"/>
-              </a:rPr>
-              <a:t>email</a:t>
-            </a:r>
-            <a:r>
-              <a:rPr lang="pt-BR" sz="2800" b="1" dirty="0">
-                <a:ln w="0"/>
-                <a:solidFill>
-                  <a:schemeClr val="bg1"/>
-                </a:solidFill>
-                <a:effectLst>
-                  <a:outerShdw blurRad="38100" dist="19050" dir="2700000" algn="tl" rotWithShape="0">
-                    <a:schemeClr val="dk1">
-                      <a:alpha val="40000"/>
-                    </a:schemeClr>
-                  </a:outerShdw>
-                </a:effectLst>
-                <a:latin typeface="Exo 2 Medium" panose="00000600000000000000" pitchFamily="50" charset="0"/>
-              </a:rPr>
-              <a:t>, base de conhecimento</a:t>
-            </a:r>
-            <a:endParaRPr lang="pt-BR" sz="2800" b="1" cap="none" spc="0" dirty="0">
-              <a:ln w="0"/>
-              <a:solidFill>
-                <a:schemeClr val="bg1"/>
-              </a:solidFill>
-              <a:effectLst>
-                <a:outerShdw blurRad="38100" dist="19050" dir="2700000" algn="tl" rotWithShape="0">
-                  <a:schemeClr val="dk1">
-                    <a:alpha val="40000"/>
-                  </a:schemeClr>
-                </a:outerShdw>
-              </a:effectLst>
-              <a:latin typeface="Exo 2 Medium" panose="00000600000000000000" pitchFamily="50" charset="0"/>
-            </a:endParaRPr>
-          </a:p>
-        </p:txBody>
-      </p:sp>
-    </p:spTree>
-    <p:extLst>
-      <p:ext uri="{BB962C8B-B14F-4D97-AF65-F5344CB8AC3E}">
-        <p14:creationId xmlns:p14="http://schemas.microsoft.com/office/powerpoint/2010/main" val="3265584272"/>
       </p:ext>
     </p:extLst>
   </p:cSld>
@@ -14772,17 +14643,445 @@
   <p:clrMapOvr>
     <a:masterClrMapping/>
   </p:clrMapOvr>
-  <p:timing>
-    <p:tnLst>
-      <p:par>
-        <p:cTn id="1" dur="indefinite" restart="never" nodeType="tmRoot"/>
-      </p:par>
-    </p:tnLst>
-  </p:timing>
 </p:sld>
 </file>
 
 <file path=ppt/slides/slide20.xml><?xml version="1.0" encoding="utf-8"?>
+<p:sld xmlns:a="http://schemas.openxmlformats.org/drawingml/2006/main" xmlns:r="http://schemas.openxmlformats.org/officeDocument/2006/relationships" xmlns:p="http://schemas.openxmlformats.org/presentationml/2006/main">
+  <p:cSld>
+    <p:spTree>
+      <p:nvGrpSpPr>
+        <p:cNvPr id="1" name=""/>
+        <p:cNvGrpSpPr/>
+        <p:nvPr/>
+      </p:nvGrpSpPr>
+      <p:grpSpPr>
+        <a:xfrm>
+          <a:off x="0" y="0"/>
+          <a:ext cx="0" cy="0"/>
+          <a:chOff x="0" y="0"/>
+          <a:chExt cx="0" cy="0"/>
+        </a:xfrm>
+      </p:grpSpPr>
+      <p:grpSp>
+        <p:nvGrpSpPr>
+          <p:cNvPr id="4" name="Agrupar 3"/>
+          <p:cNvGrpSpPr/>
+          <p:nvPr/>
+        </p:nvGrpSpPr>
+        <p:grpSpPr>
+          <a:xfrm>
+            <a:off x="0" y="-5907"/>
+            <a:ext cx="12192000" cy="6863907"/>
+            <a:chOff x="0" y="0"/>
+            <a:chExt cx="12192000" cy="6863907"/>
+          </a:xfrm>
+        </p:grpSpPr>
+        <p:pic>
+          <p:nvPicPr>
+            <p:cNvPr id="5" name="Picture 22" descr="http://www.correiodoestadoonline.com.br/arquivos/noticias/3.png"/>
+            <p:cNvPicPr>
+              <a:picLocks noChangeAspect="1" noChangeArrowheads="1"/>
+            </p:cNvPicPr>
+            <p:nvPr/>
+          </p:nvPicPr>
+          <p:blipFill>
+            <a:blip r:embed="rId2">
+              <a:extLst>
+                <a:ext uri="{BEBA8EAE-BF5A-486C-A8C5-ECC9F3942E4B}">
+                  <a14:imgProps xmlns:a14="http://schemas.microsoft.com/office/drawing/2010/main">
+                    <a14:imgLayer r:embed="rId3">
+                      <a14:imgEffect>
+                        <a14:sharpenSoften amount="-80000"/>
+                      </a14:imgEffect>
+                      <a14:imgEffect>
+                        <a14:brightnessContrast bright="-46000"/>
+                      </a14:imgEffect>
+                    </a14:imgLayer>
+                  </a14:imgProps>
+                </a:ext>
+                <a:ext uri="{28A0092B-C50C-407E-A947-70E740481C1C}">
+                  <a14:useLocalDpi xmlns:a14="http://schemas.microsoft.com/office/drawing/2010/main" val="0"/>
+                </a:ext>
+              </a:extLst>
+            </a:blip>
+            <a:srcRect/>
+            <a:stretch>
+              <a:fillRect/>
+            </a:stretch>
+          </p:blipFill>
+          <p:spPr bwMode="auto">
+            <a:xfrm>
+              <a:off x="0" y="0"/>
+              <a:ext cx="12192000" cy="6863907"/>
+            </a:xfrm>
+            <a:prstGeom prst="rect">
+              <a:avLst/>
+            </a:prstGeom>
+            <a:noFill/>
+          </p:spPr>
+        </p:pic>
+        <p:sp>
+          <p:nvSpPr>
+            <p:cNvPr id="6" name="Retângulo 5"/>
+            <p:cNvSpPr/>
+            <p:nvPr/>
+          </p:nvSpPr>
+          <p:spPr>
+            <a:xfrm>
+              <a:off x="0" y="5907"/>
+              <a:ext cx="12192000" cy="6858000"/>
+            </a:xfrm>
+            <a:prstGeom prst="rect">
+              <a:avLst/>
+            </a:prstGeom>
+            <a:solidFill>
+              <a:schemeClr val="tx1">
+                <a:lumMod val="95000"/>
+                <a:lumOff val="5000"/>
+                <a:alpha val="87000"/>
+              </a:schemeClr>
+            </a:solidFill>
+            <a:ln>
+              <a:noFill/>
+            </a:ln>
+          </p:spPr>
+          <p:style>
+            <a:lnRef idx="2">
+              <a:schemeClr val="dk1"/>
+            </a:lnRef>
+            <a:fillRef idx="1">
+              <a:schemeClr val="lt1"/>
+            </a:fillRef>
+            <a:effectRef idx="0">
+              <a:schemeClr val="dk1"/>
+            </a:effectRef>
+            <a:fontRef idx="minor">
+              <a:schemeClr val="dk1"/>
+            </a:fontRef>
+          </p:style>
+          <p:txBody>
+            <a:bodyPr rtlCol="0" anchor="ctr"/>
+            <a:lstStyle/>
+            <a:p>
+              <a:pPr algn="ctr"/>
+              <a:endParaRPr lang="pt-BR" dirty="0"/>
+            </a:p>
+          </p:txBody>
+        </p:sp>
+      </p:grpSp>
+      <p:sp>
+        <p:nvSpPr>
+          <p:cNvPr id="11" name="Retângulo 10"/>
+          <p:cNvSpPr/>
+          <p:nvPr/>
+        </p:nvSpPr>
+        <p:spPr>
+          <a:xfrm>
+            <a:off x="126222" y="198787"/>
+            <a:ext cx="9627378" cy="584775"/>
+          </a:xfrm>
+          <a:prstGeom prst="rect">
+            <a:avLst/>
+          </a:prstGeom>
+          <a:noFill/>
+          <a:effectLst/>
+        </p:spPr>
+        <p:txBody>
+          <a:bodyPr wrap="square" lIns="91440" tIns="45720" rIns="91440" bIns="45720">
+            <a:spAutoFit/>
+          </a:bodyPr>
+          <a:lstStyle/>
+          <a:p>
+            <a:pPr algn="just"/>
+            <a:r>
+              <a:rPr lang="pt-BR" sz="3200" b="1" dirty="0">
+                <a:ln w="0"/>
+                <a:solidFill>
+                  <a:schemeClr val="bg1"/>
+                </a:solidFill>
+                <a:effectLst>
+                  <a:outerShdw blurRad="38100" dist="19050" dir="2700000" algn="tl" rotWithShape="0">
+                    <a:schemeClr val="dk1">
+                      <a:alpha val="40000"/>
+                    </a:schemeClr>
+                  </a:outerShdw>
+                </a:effectLst>
+                <a:latin typeface="Exo 2 Medium" panose="00000600000000000000" pitchFamily="50" charset="0"/>
+              </a:rPr>
+              <a:t>FERRAMENTA DE HELPDESK</a:t>
+            </a:r>
+            <a:endParaRPr lang="pt-BR" sz="3200" b="1" cap="none" spc="0" dirty="0">
+              <a:ln w="0"/>
+              <a:solidFill>
+                <a:schemeClr val="bg1"/>
+              </a:solidFill>
+              <a:effectLst>
+                <a:outerShdw blurRad="38100" dist="19050" dir="2700000" algn="tl" rotWithShape="0">
+                  <a:schemeClr val="dk1">
+                    <a:alpha val="40000"/>
+                  </a:schemeClr>
+                </a:outerShdw>
+              </a:effectLst>
+              <a:latin typeface="Exo 2 Medium" panose="00000600000000000000" pitchFamily="50" charset="0"/>
+            </a:endParaRPr>
+          </a:p>
+        </p:txBody>
+      </p:sp>
+      <p:cxnSp>
+        <p:nvCxnSpPr>
+          <p:cNvPr id="12" name="Conector reto 11">
+            <a:extLst>
+              <a:ext uri="{FF2B5EF4-FFF2-40B4-BE49-F238E27FC236}">
+                <a16:creationId xmlns:a16="http://schemas.microsoft.com/office/drawing/2014/main" id="{6510727C-C843-4D84-A07F-20F37366891D}"/>
+              </a:ext>
+            </a:extLst>
+          </p:cNvPr>
+          <p:cNvCxnSpPr/>
+          <p:nvPr/>
+        </p:nvCxnSpPr>
+        <p:spPr>
+          <a:xfrm>
+            <a:off x="0" y="953059"/>
+            <a:ext cx="6325704" cy="0"/>
+          </a:xfrm>
+          <a:prstGeom prst="line">
+            <a:avLst/>
+          </a:prstGeom>
+          <a:ln>
+            <a:solidFill>
+              <a:schemeClr val="bg1"/>
+            </a:solidFill>
+          </a:ln>
+          <a:effectLst/>
+        </p:spPr>
+        <p:style>
+          <a:lnRef idx="1">
+            <a:schemeClr val="accent1"/>
+          </a:lnRef>
+          <a:fillRef idx="0">
+            <a:schemeClr val="accent1"/>
+          </a:fillRef>
+          <a:effectRef idx="0">
+            <a:schemeClr val="accent1"/>
+          </a:effectRef>
+          <a:fontRef idx="minor">
+            <a:schemeClr val="tx1"/>
+          </a:fontRef>
+        </p:style>
+      </p:cxnSp>
+      <p:sp>
+        <p:nvSpPr>
+          <p:cNvPr id="8" name="Elipse 7"/>
+          <p:cNvSpPr/>
+          <p:nvPr/>
+        </p:nvSpPr>
+        <p:spPr>
+          <a:xfrm>
+            <a:off x="1162350" y="2057400"/>
+            <a:ext cx="3644106" cy="3644106"/>
+          </a:xfrm>
+          <a:prstGeom prst="ellipse">
+            <a:avLst/>
+          </a:prstGeom>
+          <a:solidFill>
+            <a:schemeClr val="bg1"/>
+          </a:solidFill>
+          <a:ln>
+            <a:noFill/>
+          </a:ln>
+          <a:effectLst>
+            <a:outerShdw blurRad="50800" dist="38100" dir="2700000" algn="tl" rotWithShape="0">
+              <a:prstClr val="black">
+                <a:alpha val="40000"/>
+              </a:prstClr>
+            </a:outerShdw>
+          </a:effectLst>
+        </p:spPr>
+        <p:style>
+          <a:lnRef idx="2">
+            <a:schemeClr val="accent1">
+              <a:shade val="50000"/>
+            </a:schemeClr>
+          </a:lnRef>
+          <a:fillRef idx="1">
+            <a:schemeClr val="accent1"/>
+          </a:fillRef>
+          <a:effectRef idx="0">
+            <a:schemeClr val="accent1"/>
+          </a:effectRef>
+          <a:fontRef idx="minor">
+            <a:schemeClr val="lt1"/>
+          </a:fontRef>
+        </p:style>
+        <p:txBody>
+          <a:bodyPr rtlCol="0" anchor="ctr"/>
+          <a:lstStyle/>
+          <a:p>
+            <a:pPr algn="ctr"/>
+            <a:endParaRPr lang="pt-BR" dirty="0"/>
+          </a:p>
+        </p:txBody>
+      </p:sp>
+      <p:pic>
+        <p:nvPicPr>
+          <p:cNvPr id="10" name="Imagem 9"/>
+          <p:cNvPicPr>
+            <a:picLocks noChangeAspect="1"/>
+          </p:cNvPicPr>
+          <p:nvPr/>
+        </p:nvPicPr>
+        <p:blipFill rotWithShape="1">
+          <a:blip r:embed="rId4">
+            <a:extLst>
+              <a:ext uri="{28A0092B-C50C-407E-A947-70E740481C1C}">
+                <a14:useLocalDpi xmlns:a14="http://schemas.microsoft.com/office/drawing/2010/main" val="0"/>
+              </a:ext>
+            </a:extLst>
+          </a:blip>
+          <a:srcRect t="15200"/>
+          <a:stretch/>
+        </p:blipFill>
+        <p:spPr>
+          <a:xfrm>
+            <a:off x="1560415" y="3200962"/>
+            <a:ext cx="2847975" cy="1356981"/>
+          </a:xfrm>
+          <a:prstGeom prst="rect">
+            <a:avLst/>
+          </a:prstGeom>
+        </p:spPr>
+      </p:pic>
+      <p:pic>
+        <p:nvPicPr>
+          <p:cNvPr id="2" name="Imagem 1"/>
+          <p:cNvPicPr>
+            <a:picLocks noChangeAspect="1"/>
+          </p:cNvPicPr>
+          <p:nvPr/>
+        </p:nvPicPr>
+        <p:blipFill>
+          <a:blip r:embed="rId5"/>
+          <a:stretch>
+            <a:fillRect/>
+          </a:stretch>
+        </p:blipFill>
+        <p:spPr>
+          <a:xfrm>
+            <a:off x="5641533" y="2490352"/>
+            <a:ext cx="5715389" cy="2778199"/>
+          </a:xfrm>
+          <a:prstGeom prst="rect">
+            <a:avLst/>
+          </a:prstGeom>
+        </p:spPr>
+      </p:pic>
+      <p:sp>
+        <p:nvSpPr>
+          <p:cNvPr id="18" name="Retângulo 17"/>
+          <p:cNvSpPr/>
+          <p:nvPr/>
+        </p:nvSpPr>
+        <p:spPr>
+          <a:xfrm>
+            <a:off x="5579593" y="5471488"/>
+            <a:ext cx="5839267" cy="954107"/>
+          </a:xfrm>
+          <a:prstGeom prst="rect">
+            <a:avLst/>
+          </a:prstGeom>
+          <a:noFill/>
+          <a:effectLst/>
+        </p:spPr>
+        <p:txBody>
+          <a:bodyPr wrap="square" lIns="91440" tIns="45720" rIns="91440" bIns="45720">
+            <a:spAutoFit/>
+          </a:bodyPr>
+          <a:lstStyle/>
+          <a:p>
+            <a:pPr algn="ctr"/>
+            <a:r>
+              <a:rPr lang="pt-BR" sz="2800" b="1" dirty="0">
+                <a:ln w="0"/>
+                <a:solidFill>
+                  <a:schemeClr val="bg1"/>
+                </a:solidFill>
+                <a:effectLst>
+                  <a:outerShdw blurRad="38100" dist="19050" dir="2700000" algn="tl" rotWithShape="0">
+                    <a:schemeClr val="dk1">
+                      <a:alpha val="40000"/>
+                    </a:schemeClr>
+                  </a:outerShdw>
+                </a:effectLst>
+                <a:latin typeface="Exo 2 Medium" panose="00000600000000000000" pitchFamily="50" charset="0"/>
+              </a:rPr>
+              <a:t>Chamados, escalonamento, chat, </a:t>
+            </a:r>
+            <a:r>
+              <a:rPr lang="pt-BR" sz="2800" b="1" dirty="0" err="1">
+                <a:ln w="0"/>
+                <a:solidFill>
+                  <a:schemeClr val="bg1"/>
+                </a:solidFill>
+                <a:effectLst>
+                  <a:outerShdw blurRad="38100" dist="19050" dir="2700000" algn="tl" rotWithShape="0">
+                    <a:schemeClr val="dk1">
+                      <a:alpha val="40000"/>
+                    </a:schemeClr>
+                  </a:outerShdw>
+                </a:effectLst>
+                <a:latin typeface="Exo 2 Medium" panose="00000600000000000000" pitchFamily="50" charset="0"/>
+              </a:rPr>
+              <a:t>email</a:t>
+            </a:r>
+            <a:r>
+              <a:rPr lang="pt-BR" sz="2800" b="1" dirty="0">
+                <a:ln w="0"/>
+                <a:solidFill>
+                  <a:schemeClr val="bg1"/>
+                </a:solidFill>
+                <a:effectLst>
+                  <a:outerShdw blurRad="38100" dist="19050" dir="2700000" algn="tl" rotWithShape="0">
+                    <a:schemeClr val="dk1">
+                      <a:alpha val="40000"/>
+                    </a:schemeClr>
+                  </a:outerShdw>
+                </a:effectLst>
+                <a:latin typeface="Exo 2 Medium" panose="00000600000000000000" pitchFamily="50" charset="0"/>
+              </a:rPr>
+              <a:t>, base de conhecimento</a:t>
+            </a:r>
+            <a:endParaRPr lang="pt-BR" sz="2800" b="1" cap="none" spc="0" dirty="0">
+              <a:ln w="0"/>
+              <a:solidFill>
+                <a:schemeClr val="bg1"/>
+              </a:solidFill>
+              <a:effectLst>
+                <a:outerShdw blurRad="38100" dist="19050" dir="2700000" algn="tl" rotWithShape="0">
+                  <a:schemeClr val="dk1">
+                    <a:alpha val="40000"/>
+                  </a:schemeClr>
+                </a:outerShdw>
+              </a:effectLst>
+              <a:latin typeface="Exo 2 Medium" panose="00000600000000000000" pitchFamily="50" charset="0"/>
+            </a:endParaRPr>
+          </a:p>
+        </p:txBody>
+      </p:sp>
+    </p:spTree>
+    <p:extLst>
+      <p:ext uri="{BB962C8B-B14F-4D97-AF65-F5344CB8AC3E}">
+        <p14:creationId xmlns:p14="http://schemas.microsoft.com/office/powerpoint/2010/main" val="3265584272"/>
+      </p:ext>
+    </p:extLst>
+  </p:cSld>
+  <p:clrMapOvr>
+    <a:masterClrMapping/>
+  </p:clrMapOvr>
+</p:sld>
+</file>
+
+<file path=ppt/slides/slide21.xml><?xml version="1.0" encoding="utf-8"?>
 <p:sld xmlns:a="http://schemas.openxmlformats.org/drawingml/2006/main" xmlns:r="http://schemas.openxmlformats.org/officeDocument/2006/relationships" xmlns:p="http://schemas.openxmlformats.org/presentationml/2006/main">
   <p:cSld>
     <p:spTree>
@@ -15112,7 +15411,7 @@
         </p:nvGraphicFramePr>
         <p:xfrm>
           <a:off x="5209928" y="1222496"/>
-          <a:ext cx="6578600" cy="5438012"/>
+          <a:ext cx="6578600" cy="5406008"/>
         </p:xfrm>
         <a:graphic>
           <a:graphicData uri="http://schemas.openxmlformats.org/drawingml/2006/table">
@@ -16904,7 +17203,7 @@
 </p:sld>
 </file>
 
-<file path=ppt/slides/slide21.xml><?xml version="1.0" encoding="utf-8"?>
+<file path=ppt/slides/slide22.xml><?xml version="1.0" encoding="utf-8"?>
 <p:sld xmlns:a="http://schemas.openxmlformats.org/drawingml/2006/main" xmlns:r="http://schemas.openxmlformats.org/officeDocument/2006/relationships" xmlns:p="http://schemas.openxmlformats.org/presentationml/2006/main">
   <p:cSld>
     <p:spTree>
@@ -17554,7 +17853,7 @@
 </p:sld>
 </file>
 
-<file path=ppt/slides/slide22.xml><?xml version="1.0" encoding="utf-8"?>
+<file path=ppt/slides/slide23.xml><?xml version="1.0" encoding="utf-8"?>
 <p:sld xmlns:a="http://schemas.openxmlformats.org/drawingml/2006/main" xmlns:r="http://schemas.openxmlformats.org/officeDocument/2006/relationships" xmlns:p="http://schemas.openxmlformats.org/presentationml/2006/main">
   <p:cSld>
     <p:spTree>
@@ -18217,7 +18516,7 @@
         <p:spPr>
           <a:xfrm>
             <a:off x="5277994" y="2841179"/>
-            <a:ext cx="5045450" cy="523220"/>
+            <a:ext cx="5045450" cy="584775"/>
           </a:xfrm>
           <a:prstGeom prst="rect">
             <a:avLst/>
@@ -18233,7 +18532,24 @@
           <a:p>
             <a:pPr algn="just"/>
             <a:r>
-              <a:rPr lang="pt-BR" sz="2800" b="1" dirty="0">
+              <a:rPr lang="pt-BR" sz="3200" b="1" dirty="0">
+                <a:ln w="0"/>
+                <a:solidFill>
+                  <a:srgbClr val="68CBCC"/>
+                </a:solidFill>
+                <a:effectLst>
+                  <a:outerShdw blurRad="38100" dist="19050" dir="2700000" algn="tl" rotWithShape="0">
+                    <a:schemeClr val="dk1">
+                      <a:alpha val="40000"/>
+                    </a:schemeClr>
+                  </a:outerShdw>
+                </a:effectLst>
+                <a:latin typeface="Exo 2 Medium" panose="00000600000000000000" pitchFamily="50" charset="0"/>
+              </a:rPr>
+              <a:t>8 bilhões </a:t>
+            </a:r>
+            <a:r>
+              <a:rPr lang="pt-BR" sz="2400" b="1" dirty="0">
                 <a:ln w="0"/>
                 <a:solidFill>
                   <a:schemeClr val="bg1"/>
@@ -18247,7 +18563,7 @@
                 </a:effectLst>
                 <a:latin typeface="Exo 2 Medium" panose="00000600000000000000" pitchFamily="50" charset="0"/>
               </a:rPr>
-              <a:t>8 bilhões de reais no Brasil</a:t>
+              <a:t>de reais no Brasil</a:t>
             </a:r>
             <a:endParaRPr lang="pt-BR" sz="2800" b="1" cap="none" spc="0" dirty="0">
               <a:ln w="0"/>
@@ -18291,10 +18607,10 @@
           <a:p>
             <a:pPr algn="just"/>
             <a:r>
-              <a:rPr lang="pt-BR" sz="3200" b="1" dirty="0" err="1" smtClean="0">
+              <a:rPr lang="pt-BR" sz="3200" b="1" dirty="0" err="1">
                 <a:ln w="0"/>
                 <a:solidFill>
-                  <a:schemeClr val="bg1"/>
+                  <a:srgbClr val="68CBCC"/>
                 </a:solidFill>
                 <a:effectLst>
                   <a:outerShdw blurRad="38100" dist="19050" dir="2700000" algn="tl" rotWithShape="0">
@@ -18310,7 +18626,7 @@
             <a:endParaRPr lang="pt-BR" sz="3200" b="1" cap="none" spc="0" dirty="0">
               <a:ln w="0"/>
               <a:solidFill>
-                <a:schemeClr val="bg1"/>
+                <a:srgbClr val="68CBCC"/>
               </a:solidFill>
               <a:effectLst>
                 <a:outerShdw blurRad="38100" dist="19050" dir="2700000" algn="tl" rotWithShape="0">
@@ -18333,7 +18649,7 @@
         <p:spPr>
           <a:xfrm>
             <a:off x="5277994" y="4538196"/>
-            <a:ext cx="5681554" cy="523220"/>
+            <a:ext cx="5992518" cy="584775"/>
           </a:xfrm>
           <a:prstGeom prst="rect">
             <a:avLst/>
@@ -18349,7 +18665,24 @@
           <a:p>
             <a:pPr algn="just"/>
             <a:r>
-              <a:rPr lang="pt-BR" sz="2800" b="1" dirty="0">
+              <a:rPr lang="pt-BR" sz="3200" b="1" dirty="0">
+                <a:ln w="0"/>
+                <a:solidFill>
+                  <a:srgbClr val="68CBCC"/>
+                </a:solidFill>
+                <a:effectLst>
+                  <a:outerShdw blurRad="38100" dist="19050" dir="2700000" algn="tl" rotWithShape="0">
+                    <a:schemeClr val="dk1">
+                      <a:alpha val="40000"/>
+                    </a:schemeClr>
+                  </a:outerShdw>
+                </a:effectLst>
+                <a:latin typeface="Exo 2 Medium" panose="00000600000000000000" pitchFamily="50" charset="0"/>
+              </a:rPr>
+              <a:t>60% dos hospitais </a:t>
+            </a:r>
+            <a:r>
+              <a:rPr lang="pt-BR" sz="2400" b="1" dirty="0">
                 <a:ln w="0"/>
                 <a:solidFill>
                   <a:schemeClr val="bg1"/>
@@ -18363,10 +18696,10 @@
                 </a:effectLst>
                 <a:latin typeface="Exo 2 Medium" panose="00000600000000000000" pitchFamily="50" charset="0"/>
               </a:rPr>
-              <a:t>60% dos hospitais possuem </a:t>
+              <a:t>possuem </a:t>
             </a:r>
             <a:r>
-              <a:rPr lang="pt-BR" sz="2800" b="1" dirty="0" err="1" smtClean="0">
+              <a:rPr lang="pt-BR" sz="2400" b="1" dirty="0" err="1">
                 <a:ln w="0"/>
                 <a:solidFill>
                   <a:schemeClr val="bg1"/>
@@ -18427,7 +18760,7 @@
               <a:rPr lang="pt-BR" sz="3200" b="1" dirty="0">
                 <a:ln w="0"/>
                 <a:solidFill>
-                  <a:schemeClr val="bg1"/>
+                  <a:srgbClr val="68CBCC"/>
                 </a:solidFill>
                 <a:effectLst>
                   <a:outerShdw blurRad="38100" dist="19050" dir="2700000" algn="tl" rotWithShape="0">
@@ -18443,7 +18776,7 @@
             <a:endParaRPr lang="pt-BR" sz="3200" b="1" cap="none" spc="0" dirty="0">
               <a:ln w="0"/>
               <a:solidFill>
-                <a:schemeClr val="bg1"/>
+                <a:srgbClr val="68CBCC"/>
               </a:solidFill>
               <a:effectLst>
                 <a:outerShdw blurRad="38100" dist="19050" dir="2700000" algn="tl" rotWithShape="0">
@@ -18467,13 +18800,6 @@
   <p:clrMapOvr>
     <a:masterClrMapping/>
   </p:clrMapOvr>
-  <p:timing>
-    <p:tnLst>
-      <p:par>
-        <p:cTn id="1" dur="indefinite" restart="never" nodeType="tmRoot"/>
-      </p:par>
-    </p:tnLst>
-  </p:timing>
 </p:sld>
 </file>
 
@@ -19817,13 +20143,6 @@
       </p:transition>
     </mc:Fallback>
   </mc:AlternateContent>
-  <p:timing>
-    <p:tnLst>
-      <p:par>
-        <p:cTn id="1" dur="indefinite" restart="never" nodeType="tmRoot"/>
-      </p:par>
-    </p:tnLst>
-  </p:timing>
 </p:sld>
 </file>
 
@@ -19967,7 +20286,7 @@
         </p:nvGraphicFramePr>
         <p:xfrm>
           <a:off x="266700" y="1294689"/>
-          <a:ext cx="6578600" cy="5403182"/>
+          <a:ext cx="6578600" cy="5372383"/>
         </p:xfrm>
         <a:graphic>
           <a:graphicData uri="http://schemas.openxmlformats.org/drawingml/2006/table">
@@ -21770,7 +22089,7 @@
         </p:nvGraphicFramePr>
         <p:xfrm>
           <a:off x="7137676" y="1294689"/>
-          <a:ext cx="4761948" cy="5372384"/>
+          <a:ext cx="4761948" cy="5349238"/>
         </p:xfrm>
         <a:graphic>
           <a:graphicData uri="http://schemas.openxmlformats.org/drawingml/2006/table">
@@ -22857,14 +23176,20 @@
       </p:graphicFrame>
       <p:sp>
         <p:nvSpPr>
-          <p:cNvPr id="43" name="Retângulo 42"/>
+          <p:cNvPr id="9" name="Retângulo 8">
+            <a:extLst>
+              <a:ext uri="{FF2B5EF4-FFF2-40B4-BE49-F238E27FC236}">
+                <a16:creationId xmlns:a16="http://schemas.microsoft.com/office/drawing/2014/main" id="{8D1A6B34-4559-498A-81EC-F893FFE25A78}"/>
+              </a:ext>
+            </a:extLst>
+          </p:cNvPr>
           <p:cNvSpPr/>
           <p:nvPr/>
         </p:nvSpPr>
         <p:spPr>
           <a:xfrm>
             <a:off x="126222" y="198787"/>
-            <a:ext cx="6985778" cy="707886"/>
+            <a:ext cx="9627378" cy="584775"/>
           </a:xfrm>
           <a:prstGeom prst="rect">
             <a:avLst/>
@@ -22880,7 +23205,7 @@
           <a:p>
             <a:pPr algn="just"/>
             <a:r>
-              <a:rPr lang="pt-BR" sz="4000" b="1" dirty="0">
+              <a:rPr lang="pt-BR" sz="3200" b="1" cap="none" spc="0" dirty="0">
                 <a:ln w="0"/>
                 <a:solidFill>
                   <a:schemeClr val="bg1"/>
@@ -22896,29 +23221,15 @@
               </a:rPr>
               <a:t>REQUISITOS</a:t>
             </a:r>
-            <a:endParaRPr lang="pt-BR" sz="4000" b="1" cap="none" spc="0" dirty="0">
-              <a:ln w="0"/>
-              <a:solidFill>
-                <a:schemeClr val="bg1"/>
-              </a:solidFill>
-              <a:effectLst>
-                <a:outerShdw blurRad="38100" dist="19050" dir="2700000" algn="tl" rotWithShape="0">
-                  <a:schemeClr val="dk1">
-                    <a:alpha val="40000"/>
-                  </a:schemeClr>
-                </a:outerShdw>
-              </a:effectLst>
-              <a:latin typeface="Exo 2 Medium" panose="00000600000000000000" pitchFamily="50" charset="0"/>
-            </a:endParaRPr>
           </a:p>
         </p:txBody>
       </p:sp>
       <p:cxnSp>
         <p:nvCxnSpPr>
-          <p:cNvPr id="44" name="Conector reto 43">
+          <p:cNvPr id="11" name="Conector reto 10">
             <a:extLst>
               <a:ext uri="{FF2B5EF4-FFF2-40B4-BE49-F238E27FC236}">
-                <a16:creationId xmlns:a16="http://schemas.microsoft.com/office/drawing/2014/main" id="{6510727C-C843-4D84-A07F-20F37366891D}"/>
+                <a16:creationId xmlns:a16="http://schemas.microsoft.com/office/drawing/2014/main" id="{BDF0B0A9-58D4-42DB-993A-EC589233B490}"/>
               </a:ext>
             </a:extLst>
           </p:cNvPr>
@@ -22927,7 +23238,7 @@
         </p:nvCxnSpPr>
         <p:spPr>
           <a:xfrm>
-            <a:off x="0" y="1105459"/>
+            <a:off x="0" y="953059"/>
             <a:ext cx="6325704" cy="0"/>
           </a:xfrm>
           <a:prstGeom prst="line">
@@ -22965,17 +23276,4126 @@
   <p:clrMapOvr>
     <a:masterClrMapping/>
   </p:clrMapOvr>
+</p:sld>
+</file>
+
+<file path=ppt/slides/slide7.xml><?xml version="1.0" encoding="utf-8"?>
+<p:sld xmlns:a="http://schemas.openxmlformats.org/drawingml/2006/main" xmlns:r="http://schemas.openxmlformats.org/officeDocument/2006/relationships" xmlns:p="http://schemas.openxmlformats.org/presentationml/2006/main">
+  <p:cSld>
+    <p:spTree>
+      <p:nvGrpSpPr>
+        <p:cNvPr id="1" name=""/>
+        <p:cNvGrpSpPr/>
+        <p:nvPr/>
+      </p:nvGrpSpPr>
+      <p:grpSpPr>
+        <a:xfrm>
+          <a:off x="0" y="0"/>
+          <a:ext cx="0" cy="0"/>
+          <a:chOff x="0" y="0"/>
+          <a:chExt cx="0" cy="0"/>
+        </a:xfrm>
+      </p:grpSpPr>
+      <p:grpSp>
+        <p:nvGrpSpPr>
+          <p:cNvPr id="6" name="Agrupar 5"/>
+          <p:cNvGrpSpPr/>
+          <p:nvPr/>
+        </p:nvGrpSpPr>
+        <p:grpSpPr>
+          <a:xfrm>
+            <a:off x="0" y="-5907"/>
+            <a:ext cx="12192000" cy="6863907"/>
+            <a:chOff x="0" y="0"/>
+            <a:chExt cx="12192000" cy="6863907"/>
+          </a:xfrm>
+        </p:grpSpPr>
+        <p:pic>
+          <p:nvPicPr>
+            <p:cNvPr id="4" name="Picture 22" descr="http://www.correiodoestadoonline.com.br/arquivos/noticias/3.png"/>
+            <p:cNvPicPr>
+              <a:picLocks noChangeAspect="1" noChangeArrowheads="1"/>
+            </p:cNvPicPr>
+            <p:nvPr/>
+          </p:nvPicPr>
+          <p:blipFill>
+            <a:blip r:embed="rId2">
+              <a:extLst>
+                <a:ext uri="{BEBA8EAE-BF5A-486C-A8C5-ECC9F3942E4B}">
+                  <a14:imgProps xmlns:a14="http://schemas.microsoft.com/office/drawing/2010/main">
+                    <a14:imgLayer r:embed="rId3">
+                      <a14:imgEffect>
+                        <a14:sharpenSoften amount="-80000"/>
+                      </a14:imgEffect>
+                      <a14:imgEffect>
+                        <a14:brightnessContrast bright="-46000"/>
+                      </a14:imgEffect>
+                    </a14:imgLayer>
+                  </a14:imgProps>
+                </a:ext>
+                <a:ext uri="{28A0092B-C50C-407E-A947-70E740481C1C}">
+                  <a14:useLocalDpi xmlns:a14="http://schemas.microsoft.com/office/drawing/2010/main" val="0"/>
+                </a:ext>
+              </a:extLst>
+            </a:blip>
+            <a:srcRect/>
+            <a:stretch>
+              <a:fillRect/>
+            </a:stretch>
+          </p:blipFill>
+          <p:spPr bwMode="auto">
+            <a:xfrm>
+              <a:off x="0" y="0"/>
+              <a:ext cx="12192000" cy="6863907"/>
+            </a:xfrm>
+            <a:prstGeom prst="rect">
+              <a:avLst/>
+            </a:prstGeom>
+            <a:noFill/>
+          </p:spPr>
+        </p:pic>
+        <p:sp>
+          <p:nvSpPr>
+            <p:cNvPr id="5" name="Retângulo 4"/>
+            <p:cNvSpPr/>
+            <p:nvPr/>
+          </p:nvSpPr>
+          <p:spPr>
+            <a:xfrm>
+              <a:off x="0" y="5907"/>
+              <a:ext cx="12192000" cy="6858000"/>
+            </a:xfrm>
+            <a:prstGeom prst="rect">
+              <a:avLst/>
+            </a:prstGeom>
+            <a:solidFill>
+              <a:schemeClr val="tx1">
+                <a:lumMod val="95000"/>
+                <a:lumOff val="5000"/>
+                <a:alpha val="87000"/>
+              </a:schemeClr>
+            </a:solidFill>
+            <a:ln>
+              <a:noFill/>
+            </a:ln>
+          </p:spPr>
+          <p:style>
+            <a:lnRef idx="2">
+              <a:schemeClr val="dk1"/>
+            </a:lnRef>
+            <a:fillRef idx="1">
+              <a:schemeClr val="lt1"/>
+            </a:fillRef>
+            <a:effectRef idx="0">
+              <a:schemeClr val="dk1"/>
+            </a:effectRef>
+            <a:fontRef idx="minor">
+              <a:schemeClr val="dk1"/>
+            </a:fontRef>
+          </p:style>
+          <p:txBody>
+            <a:bodyPr rtlCol="0" anchor="ctr"/>
+            <a:lstStyle/>
+            <a:p>
+              <a:pPr algn="ctr"/>
+              <a:endParaRPr lang="pt-BR" dirty="0"/>
+            </a:p>
+          </p:txBody>
+        </p:sp>
+      </p:grpSp>
+      <p:sp>
+        <p:nvSpPr>
+          <p:cNvPr id="9" name="Retângulo 8">
+            <a:extLst>
+              <a:ext uri="{FF2B5EF4-FFF2-40B4-BE49-F238E27FC236}">
+                <a16:creationId xmlns:a16="http://schemas.microsoft.com/office/drawing/2014/main" id="{38E2491E-85A7-427B-A827-BE4A4A2CDEEB}"/>
+              </a:ext>
+            </a:extLst>
+          </p:cNvPr>
+          <p:cNvSpPr/>
+          <p:nvPr/>
+        </p:nvSpPr>
+        <p:spPr>
+          <a:xfrm>
+            <a:off x="126222" y="198787"/>
+            <a:ext cx="9627378" cy="584775"/>
+          </a:xfrm>
+          <a:prstGeom prst="rect">
+            <a:avLst/>
+          </a:prstGeom>
+          <a:noFill/>
+          <a:effectLst/>
+        </p:spPr>
+        <p:txBody>
+          <a:bodyPr wrap="square" lIns="91440" tIns="45720" rIns="91440" bIns="45720">
+            <a:spAutoFit/>
+          </a:bodyPr>
+          <a:lstStyle/>
+          <a:p>
+            <a:pPr algn="just"/>
+            <a:r>
+              <a:rPr lang="pt-BR" sz="3200" b="1" dirty="0">
+                <a:ln w="0"/>
+                <a:solidFill>
+                  <a:schemeClr val="bg1"/>
+                </a:solidFill>
+                <a:effectLst>
+                  <a:outerShdw blurRad="38100" dist="19050" dir="2700000" algn="tl" rotWithShape="0">
+                    <a:schemeClr val="dk1">
+                      <a:alpha val="40000"/>
+                    </a:schemeClr>
+                  </a:outerShdw>
+                </a:effectLst>
+                <a:latin typeface="Exo 2 Medium" panose="00000600000000000000" pitchFamily="50" charset="0"/>
+              </a:rPr>
+              <a:t>RISCOS DO PROJETO</a:t>
+            </a:r>
+            <a:endParaRPr lang="pt-BR" sz="3200" b="1" cap="none" spc="0" dirty="0">
+              <a:ln w="0"/>
+              <a:solidFill>
+                <a:schemeClr val="bg1"/>
+              </a:solidFill>
+              <a:effectLst>
+                <a:outerShdw blurRad="38100" dist="19050" dir="2700000" algn="tl" rotWithShape="0">
+                  <a:schemeClr val="dk1">
+                    <a:alpha val="40000"/>
+                  </a:schemeClr>
+                </a:outerShdw>
+              </a:effectLst>
+              <a:latin typeface="Exo 2 Medium" panose="00000600000000000000" pitchFamily="50" charset="0"/>
+            </a:endParaRPr>
+          </a:p>
+        </p:txBody>
+      </p:sp>
+      <p:cxnSp>
+        <p:nvCxnSpPr>
+          <p:cNvPr id="11" name="Conector reto 10">
+            <a:extLst>
+              <a:ext uri="{FF2B5EF4-FFF2-40B4-BE49-F238E27FC236}">
+                <a16:creationId xmlns:a16="http://schemas.microsoft.com/office/drawing/2014/main" id="{971FE46C-2EFB-4F05-9C7E-396CBF5E8875}"/>
+              </a:ext>
+            </a:extLst>
+          </p:cNvPr>
+          <p:cNvCxnSpPr/>
+          <p:nvPr/>
+        </p:nvCxnSpPr>
+        <p:spPr>
+          <a:xfrm>
+            <a:off x="0" y="953059"/>
+            <a:ext cx="6325704" cy="0"/>
+          </a:xfrm>
+          <a:prstGeom prst="line">
+            <a:avLst/>
+          </a:prstGeom>
+          <a:ln>
+            <a:solidFill>
+              <a:schemeClr val="bg1"/>
+            </a:solidFill>
+          </a:ln>
+          <a:effectLst/>
+        </p:spPr>
+        <p:style>
+          <a:lnRef idx="1">
+            <a:schemeClr val="accent1"/>
+          </a:lnRef>
+          <a:fillRef idx="0">
+            <a:schemeClr val="accent1"/>
+          </a:fillRef>
+          <a:effectRef idx="0">
+            <a:schemeClr val="accent1"/>
+          </a:effectRef>
+          <a:fontRef idx="minor">
+            <a:schemeClr val="tx1"/>
+          </a:fontRef>
+        </p:style>
+      </p:cxnSp>
+      <p:graphicFrame>
+        <p:nvGraphicFramePr>
+          <p:cNvPr id="12" name="Tabela 11">
+            <a:extLst>
+              <a:ext uri="{FF2B5EF4-FFF2-40B4-BE49-F238E27FC236}">
+                <a16:creationId xmlns:a16="http://schemas.microsoft.com/office/drawing/2014/main" id="{C572C94B-9144-45CA-9C95-51EE5013BB10}"/>
+              </a:ext>
+            </a:extLst>
+          </p:cNvPr>
+          <p:cNvGraphicFramePr>
+            <a:graphicFrameLocks noGrp="1"/>
+          </p:cNvGraphicFramePr>
+          <p:nvPr>
+            <p:extLst>
+              <p:ext uri="{D42A27DB-BD31-4B8C-83A1-F6EECF244321}">
+                <p14:modId xmlns:p14="http://schemas.microsoft.com/office/powerpoint/2010/main" val="1654730614"/>
+              </p:ext>
+            </p:extLst>
+          </p:nvPr>
+        </p:nvGraphicFramePr>
+        <p:xfrm>
+          <a:off x="241300" y="1141760"/>
+          <a:ext cx="11709399" cy="5527540"/>
+        </p:xfrm>
+        <a:graphic>
+          <a:graphicData uri="http://schemas.openxmlformats.org/drawingml/2006/table">
+            <a:tbl>
+              <a:tblPr firstRow="1" firstCol="1" bandRow="1">
+                <a:tableStyleId>{5C22544A-7EE6-4342-B048-85BDC9FD1C3A}</a:tableStyleId>
+              </a:tblPr>
+              <a:tblGrid>
+                <a:gridCol w="253606">
+                  <a:extLst>
+                    <a:ext uri="{9D8B030D-6E8A-4147-A177-3AD203B41FA5}">
+                      <a16:colId xmlns:a16="http://schemas.microsoft.com/office/drawing/2014/main" val="4011902459"/>
+                    </a:ext>
+                  </a:extLst>
+                </a:gridCol>
+                <a:gridCol w="3462696">
+                  <a:extLst>
+                    <a:ext uri="{9D8B030D-6E8A-4147-A177-3AD203B41FA5}">
+                      <a16:colId xmlns:a16="http://schemas.microsoft.com/office/drawing/2014/main" val="1145538588"/>
+                    </a:ext>
+                  </a:extLst>
+                </a:gridCol>
+                <a:gridCol w="1848590">
+                  <a:extLst>
+                    <a:ext uri="{9D8B030D-6E8A-4147-A177-3AD203B41FA5}">
+                      <a16:colId xmlns:a16="http://schemas.microsoft.com/office/drawing/2014/main" val="555987189"/>
+                    </a:ext>
+                  </a:extLst>
+                </a:gridCol>
+                <a:gridCol w="1043156">
+                  <a:extLst>
+                    <a:ext uri="{9D8B030D-6E8A-4147-A177-3AD203B41FA5}">
+                      <a16:colId xmlns:a16="http://schemas.microsoft.com/office/drawing/2014/main" val="2342499536"/>
+                    </a:ext>
+                  </a:extLst>
+                </a:gridCol>
+                <a:gridCol w="1501974">
+                  <a:extLst>
+                    <a:ext uri="{9D8B030D-6E8A-4147-A177-3AD203B41FA5}">
+                      <a16:colId xmlns:a16="http://schemas.microsoft.com/office/drawing/2014/main" val="3075212314"/>
+                    </a:ext>
+                  </a:extLst>
+                </a:gridCol>
+                <a:gridCol w="746154">
+                  <a:extLst>
+                    <a:ext uri="{9D8B030D-6E8A-4147-A177-3AD203B41FA5}">
+                      <a16:colId xmlns:a16="http://schemas.microsoft.com/office/drawing/2014/main" val="300522548"/>
+                    </a:ext>
+                  </a:extLst>
+                </a:gridCol>
+                <a:gridCol w="2853223">
+                  <a:extLst>
+                    <a:ext uri="{9D8B030D-6E8A-4147-A177-3AD203B41FA5}">
+                      <a16:colId xmlns:a16="http://schemas.microsoft.com/office/drawing/2014/main" val="228911756"/>
+                    </a:ext>
+                  </a:extLst>
+                </a:gridCol>
+              </a:tblGrid>
+              <a:tr h="297287">
+                <a:tc>
+                  <a:txBody>
+                    <a:bodyPr/>
+                    <a:lstStyle/>
+                    <a:p>
+                      <a:pPr algn="ctr">
+                        <a:lnSpc>
+                          <a:spcPct val="150000"/>
+                        </a:lnSpc>
+                        <a:spcAft>
+                          <a:spcPts val="0"/>
+                        </a:spcAft>
+                        <a:tabLst>
+                          <a:tab pos="540385" algn="l"/>
+                          <a:tab pos="450215" algn="l"/>
+                          <a:tab pos="540385" algn="l"/>
+                        </a:tabLst>
+                      </a:pPr>
+                      <a:r>
+                        <a:rPr lang="pt-BR" sz="1600" dirty="0">
+                          <a:effectLst/>
+                        </a:rPr>
+                        <a:t>#</a:t>
+                      </a:r>
+                      <a:endParaRPr lang="pt-BR" sz="1600" dirty="0">
+                        <a:effectLst/>
+                        <a:latin typeface="Arial" panose="020B0604020202020204" pitchFamily="34" charset="0"/>
+                        <a:ea typeface="Times New Roman" panose="02020603050405020304" pitchFamily="18" charset="0"/>
+                        <a:cs typeface="Times New Roman" panose="02020603050405020304" pitchFamily="18" charset="0"/>
+                      </a:endParaRPr>
+                    </a:p>
+                  </a:txBody>
+                  <a:tcPr marL="45111" marR="45111" marT="0" marB="0" anchor="ctr">
+                    <a:lnL w="12700" cmpd="sng">
+                      <a:noFill/>
+                    </a:lnL>
+                    <a:lnR w="12700" cmpd="sng">
+                      <a:noFill/>
+                    </a:lnR>
+                    <a:lnT w="12700" cmpd="sng">
+                      <a:noFill/>
+                    </a:lnT>
+                    <a:lnB w="38100" cmpd="sng">
+                      <a:noFill/>
+                    </a:lnB>
+                    <a:lnTlToBr w="12700" cmpd="sng">
+                      <a:noFill/>
+                      <a:prstDash val="solid"/>
+                    </a:lnTlToBr>
+                    <a:lnBlToTr w="12700" cmpd="sng">
+                      <a:noFill/>
+                      <a:prstDash val="solid"/>
+                    </a:lnBlToTr>
+                  </a:tcPr>
+                </a:tc>
+                <a:tc>
+                  <a:txBody>
+                    <a:bodyPr/>
+                    <a:lstStyle/>
+                    <a:p>
+                      <a:pPr algn="ctr">
+                        <a:lnSpc>
+                          <a:spcPct val="150000"/>
+                        </a:lnSpc>
+                        <a:spcAft>
+                          <a:spcPts val="0"/>
+                        </a:spcAft>
+                        <a:tabLst>
+                          <a:tab pos="540385" algn="l"/>
+                          <a:tab pos="450215" algn="l"/>
+                          <a:tab pos="540385" algn="l"/>
+                        </a:tabLst>
+                      </a:pPr>
+                      <a:r>
+                        <a:rPr lang="pt-BR" sz="1600" dirty="0">
+                          <a:effectLst/>
+                        </a:rPr>
+                        <a:t> Riscos</a:t>
+                      </a:r>
+                      <a:endParaRPr lang="pt-BR" sz="1600" dirty="0">
+                        <a:effectLst/>
+                        <a:latin typeface="Arial" panose="020B0604020202020204" pitchFamily="34" charset="0"/>
+                        <a:ea typeface="Times New Roman" panose="02020603050405020304" pitchFamily="18" charset="0"/>
+                        <a:cs typeface="Times New Roman" panose="02020603050405020304" pitchFamily="18" charset="0"/>
+                      </a:endParaRPr>
+                    </a:p>
+                  </a:txBody>
+                  <a:tcPr marL="45111" marR="45111" marT="0" marB="0" anchor="ctr">
+                    <a:lnL w="12700" cmpd="sng">
+                      <a:noFill/>
+                    </a:lnL>
+                    <a:lnR w="12700" cmpd="sng">
+                      <a:noFill/>
+                    </a:lnR>
+                    <a:lnT w="12700" cmpd="sng">
+                      <a:noFill/>
+                    </a:lnT>
+                    <a:lnB w="38100" cmpd="sng">
+                      <a:noFill/>
+                    </a:lnB>
+                    <a:lnTlToBr w="12700" cmpd="sng">
+                      <a:noFill/>
+                      <a:prstDash val="solid"/>
+                    </a:lnTlToBr>
+                    <a:lnBlToTr w="12700" cmpd="sng">
+                      <a:noFill/>
+                      <a:prstDash val="solid"/>
+                    </a:lnBlToTr>
+                  </a:tcPr>
+                </a:tc>
+                <a:tc>
+                  <a:txBody>
+                    <a:bodyPr/>
+                    <a:lstStyle/>
+                    <a:p>
+                      <a:pPr algn="ctr">
+                        <a:lnSpc>
+                          <a:spcPct val="150000"/>
+                        </a:lnSpc>
+                        <a:spcBef>
+                          <a:spcPts val="600"/>
+                        </a:spcBef>
+                        <a:spcAft>
+                          <a:spcPts val="0"/>
+                        </a:spcAft>
+                        <a:tabLst>
+                          <a:tab pos="540385" algn="l"/>
+                          <a:tab pos="450215" algn="l"/>
+                          <a:tab pos="540385" algn="l"/>
+                        </a:tabLst>
+                      </a:pPr>
+                      <a:r>
+                        <a:rPr lang="pt-BR" sz="1600">
+                          <a:effectLst/>
+                        </a:rPr>
+                        <a:t>Probabilidade</a:t>
+                      </a:r>
+                      <a:endParaRPr lang="pt-BR" sz="1600">
+                        <a:effectLst/>
+                        <a:latin typeface="Arial" panose="020B0604020202020204" pitchFamily="34" charset="0"/>
+                        <a:ea typeface="Times New Roman" panose="02020603050405020304" pitchFamily="18" charset="0"/>
+                        <a:cs typeface="Times New Roman" panose="02020603050405020304" pitchFamily="18" charset="0"/>
+                      </a:endParaRPr>
+                    </a:p>
+                  </a:txBody>
+                  <a:tcPr marL="45111" marR="45111" marT="0" marB="0" anchor="ctr">
+                    <a:lnL w="12700" cmpd="sng">
+                      <a:noFill/>
+                    </a:lnL>
+                    <a:lnR w="12700" cmpd="sng">
+                      <a:noFill/>
+                    </a:lnR>
+                    <a:lnT w="12700" cmpd="sng">
+                      <a:noFill/>
+                    </a:lnT>
+                    <a:lnB w="38100" cmpd="sng">
+                      <a:noFill/>
+                    </a:lnB>
+                    <a:lnTlToBr w="12700" cmpd="sng">
+                      <a:noFill/>
+                      <a:prstDash val="solid"/>
+                    </a:lnTlToBr>
+                    <a:lnBlToTr w="12700" cmpd="sng">
+                      <a:noFill/>
+                      <a:prstDash val="solid"/>
+                    </a:lnBlToTr>
+                  </a:tcPr>
+                </a:tc>
+                <a:tc>
+                  <a:txBody>
+                    <a:bodyPr/>
+                    <a:lstStyle/>
+                    <a:p>
+                      <a:pPr algn="ctr">
+                        <a:lnSpc>
+                          <a:spcPct val="150000"/>
+                        </a:lnSpc>
+                        <a:spcBef>
+                          <a:spcPts val="600"/>
+                        </a:spcBef>
+                        <a:spcAft>
+                          <a:spcPts val="0"/>
+                        </a:spcAft>
+                        <a:tabLst>
+                          <a:tab pos="540385" algn="l"/>
+                          <a:tab pos="450215" algn="l"/>
+                          <a:tab pos="540385" algn="l"/>
+                        </a:tabLst>
+                      </a:pPr>
+                      <a:r>
+                        <a:rPr lang="pt-BR" sz="1600">
+                          <a:effectLst/>
+                        </a:rPr>
+                        <a:t>Impacto</a:t>
+                      </a:r>
+                      <a:endParaRPr lang="pt-BR" sz="1600">
+                        <a:effectLst/>
+                        <a:latin typeface="Arial" panose="020B0604020202020204" pitchFamily="34" charset="0"/>
+                        <a:ea typeface="Times New Roman" panose="02020603050405020304" pitchFamily="18" charset="0"/>
+                        <a:cs typeface="Times New Roman" panose="02020603050405020304" pitchFamily="18" charset="0"/>
+                      </a:endParaRPr>
+                    </a:p>
+                  </a:txBody>
+                  <a:tcPr marL="45111" marR="45111" marT="0" marB="0" anchor="ctr">
+                    <a:lnL w="12700" cmpd="sng">
+                      <a:noFill/>
+                    </a:lnL>
+                    <a:lnR w="12700" cmpd="sng">
+                      <a:noFill/>
+                    </a:lnR>
+                    <a:lnT w="12700" cmpd="sng">
+                      <a:noFill/>
+                    </a:lnT>
+                    <a:lnB w="38100" cmpd="sng">
+                      <a:noFill/>
+                    </a:lnB>
+                    <a:lnTlToBr w="12700" cmpd="sng">
+                      <a:noFill/>
+                      <a:prstDash val="solid"/>
+                    </a:lnTlToBr>
+                    <a:lnBlToTr w="12700" cmpd="sng">
+                      <a:noFill/>
+                      <a:prstDash val="solid"/>
+                    </a:lnBlToTr>
+                  </a:tcPr>
+                </a:tc>
+                <a:tc>
+                  <a:txBody>
+                    <a:bodyPr/>
+                    <a:lstStyle/>
+                    <a:p>
+                      <a:pPr algn="ctr">
+                        <a:lnSpc>
+                          <a:spcPct val="150000"/>
+                        </a:lnSpc>
+                        <a:spcBef>
+                          <a:spcPts val="600"/>
+                        </a:spcBef>
+                        <a:spcAft>
+                          <a:spcPts val="0"/>
+                        </a:spcAft>
+                        <a:tabLst>
+                          <a:tab pos="540385" algn="l"/>
+                          <a:tab pos="450215" algn="l"/>
+                          <a:tab pos="540385" algn="l"/>
+                        </a:tabLst>
+                      </a:pPr>
+                      <a:r>
+                        <a:rPr lang="pt-BR" sz="1600" dirty="0">
+                          <a:effectLst/>
+                        </a:rPr>
+                        <a:t>Fator de Risco</a:t>
+                      </a:r>
+                      <a:endParaRPr lang="pt-BR" sz="1600" dirty="0">
+                        <a:effectLst/>
+                        <a:latin typeface="Arial" panose="020B0604020202020204" pitchFamily="34" charset="0"/>
+                        <a:ea typeface="Times New Roman" panose="02020603050405020304" pitchFamily="18" charset="0"/>
+                        <a:cs typeface="Times New Roman" panose="02020603050405020304" pitchFamily="18" charset="0"/>
+                      </a:endParaRPr>
+                    </a:p>
+                  </a:txBody>
+                  <a:tcPr marL="45111" marR="45111" marT="0" marB="0" anchor="ctr">
+                    <a:lnL w="12700" cmpd="sng">
+                      <a:noFill/>
+                    </a:lnL>
+                    <a:lnR w="12700" cmpd="sng">
+                      <a:noFill/>
+                    </a:lnR>
+                    <a:lnT w="12700" cmpd="sng">
+                      <a:noFill/>
+                    </a:lnT>
+                    <a:lnB w="38100" cmpd="sng">
+                      <a:noFill/>
+                    </a:lnB>
+                    <a:lnTlToBr w="12700" cmpd="sng">
+                      <a:noFill/>
+                      <a:prstDash val="solid"/>
+                    </a:lnTlToBr>
+                    <a:lnBlToTr w="12700" cmpd="sng">
+                      <a:noFill/>
+                      <a:prstDash val="solid"/>
+                    </a:lnBlToTr>
+                  </a:tcPr>
+                </a:tc>
+                <a:tc>
+                  <a:txBody>
+                    <a:bodyPr/>
+                    <a:lstStyle/>
+                    <a:p>
+                      <a:pPr algn="ctr">
+                        <a:lnSpc>
+                          <a:spcPct val="150000"/>
+                        </a:lnSpc>
+                        <a:spcBef>
+                          <a:spcPts val="600"/>
+                        </a:spcBef>
+                        <a:spcAft>
+                          <a:spcPts val="0"/>
+                        </a:spcAft>
+                        <a:tabLst>
+                          <a:tab pos="540385" algn="l"/>
+                          <a:tab pos="450215" algn="l"/>
+                          <a:tab pos="540385" algn="l"/>
+                        </a:tabLst>
+                      </a:pPr>
+                      <a:r>
+                        <a:rPr lang="pt-BR" sz="1600" dirty="0">
+                          <a:effectLst/>
+                        </a:rPr>
+                        <a:t>Ação</a:t>
+                      </a:r>
+                      <a:endParaRPr lang="pt-BR" sz="1600" dirty="0">
+                        <a:effectLst/>
+                        <a:latin typeface="Arial" panose="020B0604020202020204" pitchFamily="34" charset="0"/>
+                        <a:ea typeface="Times New Roman" panose="02020603050405020304" pitchFamily="18" charset="0"/>
+                        <a:cs typeface="Times New Roman" panose="02020603050405020304" pitchFamily="18" charset="0"/>
+                      </a:endParaRPr>
+                    </a:p>
+                  </a:txBody>
+                  <a:tcPr marL="45111" marR="45111" marT="0" marB="0" anchor="ctr">
+                    <a:lnL w="12700" cmpd="sng">
+                      <a:noFill/>
+                    </a:lnL>
+                    <a:lnR w="12700" cmpd="sng">
+                      <a:noFill/>
+                    </a:lnR>
+                    <a:lnT w="12700" cmpd="sng">
+                      <a:noFill/>
+                    </a:lnT>
+                    <a:lnB w="38100" cmpd="sng">
+                      <a:noFill/>
+                    </a:lnB>
+                    <a:lnTlToBr w="12700" cmpd="sng">
+                      <a:noFill/>
+                      <a:prstDash val="solid"/>
+                    </a:lnTlToBr>
+                    <a:lnBlToTr w="12700" cmpd="sng">
+                      <a:noFill/>
+                      <a:prstDash val="solid"/>
+                    </a:lnBlToTr>
+                  </a:tcPr>
+                </a:tc>
+                <a:tc>
+                  <a:txBody>
+                    <a:bodyPr/>
+                    <a:lstStyle/>
+                    <a:p>
+                      <a:pPr algn="ctr">
+                        <a:lnSpc>
+                          <a:spcPct val="150000"/>
+                        </a:lnSpc>
+                        <a:spcAft>
+                          <a:spcPts val="0"/>
+                        </a:spcAft>
+                        <a:tabLst>
+                          <a:tab pos="540385" algn="l"/>
+                          <a:tab pos="450215" algn="l"/>
+                          <a:tab pos="540385" algn="l"/>
+                        </a:tabLst>
+                      </a:pPr>
+                      <a:r>
+                        <a:rPr lang="pt-BR" sz="1600" dirty="0">
+                          <a:effectLst/>
+                        </a:rPr>
+                        <a:t> Como?</a:t>
+                      </a:r>
+                      <a:endParaRPr lang="pt-BR" sz="1600" dirty="0">
+                        <a:effectLst/>
+                        <a:latin typeface="Arial" panose="020B0604020202020204" pitchFamily="34" charset="0"/>
+                        <a:ea typeface="Times New Roman" panose="02020603050405020304" pitchFamily="18" charset="0"/>
+                        <a:cs typeface="Times New Roman" panose="02020603050405020304" pitchFamily="18" charset="0"/>
+                      </a:endParaRPr>
+                    </a:p>
+                  </a:txBody>
+                  <a:tcPr marL="45111" marR="45111" marT="0" marB="0" anchor="ctr">
+                    <a:lnL w="12700" cmpd="sng">
+                      <a:noFill/>
+                    </a:lnL>
+                    <a:lnR w="12700" cmpd="sng">
+                      <a:noFill/>
+                    </a:lnR>
+                    <a:lnT w="12700" cmpd="sng">
+                      <a:noFill/>
+                    </a:lnT>
+                    <a:lnB w="38100" cmpd="sng">
+                      <a:noFill/>
+                    </a:lnB>
+                    <a:lnTlToBr w="12700" cmpd="sng">
+                      <a:noFill/>
+                      <a:prstDash val="solid"/>
+                    </a:lnTlToBr>
+                    <a:lnBlToTr w="12700" cmpd="sng">
+                      <a:noFill/>
+                      <a:prstDash val="solid"/>
+                    </a:lnBlToTr>
+                  </a:tcPr>
+                </a:tc>
+                <a:extLst>
+                  <a:ext uri="{0D108BD9-81ED-4DB2-BD59-A6C34878D82A}">
+                    <a16:rowId xmlns:a16="http://schemas.microsoft.com/office/drawing/2014/main" val="1096124194"/>
+                  </a:ext>
+                </a:extLst>
+              </a:tr>
+              <a:tr h="963708">
+                <a:tc>
+                  <a:txBody>
+                    <a:bodyPr/>
+                    <a:lstStyle/>
+                    <a:p>
+                      <a:pPr algn="ctr">
+                        <a:lnSpc>
+                          <a:spcPct val="150000"/>
+                        </a:lnSpc>
+                        <a:spcBef>
+                          <a:spcPts val="3000"/>
+                        </a:spcBef>
+                        <a:spcAft>
+                          <a:spcPts val="0"/>
+                        </a:spcAft>
+                        <a:tabLst>
+                          <a:tab pos="540385" algn="l"/>
+                          <a:tab pos="450215" algn="l"/>
+                          <a:tab pos="540385" algn="l"/>
+                        </a:tabLst>
+                      </a:pPr>
+                      <a:r>
+                        <a:rPr lang="pt-BR" sz="1600">
+                          <a:effectLst/>
+                        </a:rPr>
+                        <a:t>1</a:t>
+                      </a:r>
+                      <a:endParaRPr lang="pt-BR" sz="1600">
+                        <a:effectLst/>
+                        <a:latin typeface="Arial" panose="020B0604020202020204" pitchFamily="34" charset="0"/>
+                        <a:ea typeface="Times New Roman" panose="02020603050405020304" pitchFamily="18" charset="0"/>
+                        <a:cs typeface="Times New Roman" panose="02020603050405020304" pitchFamily="18" charset="0"/>
+                      </a:endParaRPr>
+                    </a:p>
+                  </a:txBody>
+                  <a:tcPr marL="45111" marR="45111" marT="0" marB="0" anchor="ctr">
+                    <a:lnL w="12700" cmpd="sng">
+                      <a:noFill/>
+                    </a:lnL>
+                    <a:lnR w="12700" cmpd="sng">
+                      <a:noFill/>
+                    </a:lnR>
+                    <a:lnT w="38100" cmpd="sng">
+                      <a:noFill/>
+                    </a:lnT>
+                    <a:lnB w="12700" cmpd="sng">
+                      <a:noFill/>
+                    </a:lnB>
+                    <a:lnTlToBr w="12700" cmpd="sng">
+                      <a:noFill/>
+                      <a:prstDash val="solid"/>
+                    </a:lnTlToBr>
+                    <a:lnBlToTr w="12700" cmpd="sng">
+                      <a:noFill/>
+                      <a:prstDash val="solid"/>
+                    </a:lnBlToTr>
+                  </a:tcPr>
+                </a:tc>
+                <a:tc>
+                  <a:txBody>
+                    <a:bodyPr/>
+                    <a:lstStyle/>
+                    <a:p>
+                      <a:pPr algn="ctr">
+                        <a:lnSpc>
+                          <a:spcPct val="150000"/>
+                        </a:lnSpc>
+                        <a:spcBef>
+                          <a:spcPts val="1800"/>
+                        </a:spcBef>
+                        <a:spcAft>
+                          <a:spcPts val="0"/>
+                        </a:spcAft>
+                        <a:tabLst>
+                          <a:tab pos="540385" algn="l"/>
+                          <a:tab pos="450215" algn="l"/>
+                          <a:tab pos="540385" algn="l"/>
+                        </a:tabLst>
+                      </a:pPr>
+                      <a:endParaRPr lang="pt-BR" sz="1600" dirty="0">
+                        <a:effectLst/>
+                        <a:latin typeface="Arial" panose="020B0604020202020204" pitchFamily="34" charset="0"/>
+                        <a:ea typeface="Times New Roman" panose="02020603050405020304" pitchFamily="18" charset="0"/>
+                        <a:cs typeface="Times New Roman" panose="02020603050405020304" pitchFamily="18" charset="0"/>
+                      </a:endParaRPr>
+                    </a:p>
+                  </a:txBody>
+                  <a:tcPr marL="45111" marR="45111" marT="0" marB="0" anchor="ctr">
+                    <a:lnL w="12700" cmpd="sng">
+                      <a:noFill/>
+                    </a:lnL>
+                    <a:lnR w="12700" cmpd="sng">
+                      <a:noFill/>
+                    </a:lnR>
+                    <a:lnT w="38100" cmpd="sng">
+                      <a:noFill/>
+                    </a:lnT>
+                    <a:lnB w="12700" cmpd="sng">
+                      <a:noFill/>
+                    </a:lnB>
+                    <a:lnTlToBr w="12700" cmpd="sng">
+                      <a:noFill/>
+                      <a:prstDash val="solid"/>
+                    </a:lnTlToBr>
+                    <a:lnBlToTr w="12700" cmpd="sng">
+                      <a:noFill/>
+                      <a:prstDash val="solid"/>
+                    </a:lnBlToTr>
+                  </a:tcPr>
+                </a:tc>
+                <a:tc>
+                  <a:txBody>
+                    <a:bodyPr/>
+                    <a:lstStyle/>
+                    <a:p>
+                      <a:pPr algn="ctr">
+                        <a:lnSpc>
+                          <a:spcPct val="150000"/>
+                        </a:lnSpc>
+                        <a:spcBef>
+                          <a:spcPts val="1800"/>
+                        </a:spcBef>
+                        <a:spcAft>
+                          <a:spcPts val="0"/>
+                        </a:spcAft>
+                        <a:tabLst>
+                          <a:tab pos="540385" algn="l"/>
+                          <a:tab pos="450215" algn="l"/>
+                          <a:tab pos="540385" algn="l"/>
+                        </a:tabLst>
+                      </a:pPr>
+                      <a:r>
+                        <a:rPr lang="pt-BR" sz="1600">
+                          <a:effectLst/>
+                        </a:rPr>
+                        <a:t>Pouco Provável (1)</a:t>
+                      </a:r>
+                      <a:endParaRPr lang="pt-BR" sz="1600">
+                        <a:effectLst/>
+                        <a:latin typeface="Arial" panose="020B0604020202020204" pitchFamily="34" charset="0"/>
+                        <a:ea typeface="Times New Roman" panose="02020603050405020304" pitchFamily="18" charset="0"/>
+                        <a:cs typeface="Times New Roman" panose="02020603050405020304" pitchFamily="18" charset="0"/>
+                      </a:endParaRPr>
+                    </a:p>
+                  </a:txBody>
+                  <a:tcPr marL="45111" marR="45111" marT="0" marB="0" anchor="ctr">
+                    <a:lnL w="12700" cmpd="sng">
+                      <a:noFill/>
+                    </a:lnL>
+                    <a:lnR w="12700" cmpd="sng">
+                      <a:noFill/>
+                    </a:lnR>
+                    <a:lnT w="38100" cmpd="sng">
+                      <a:noFill/>
+                    </a:lnT>
+                    <a:lnB w="12700" cmpd="sng">
+                      <a:noFill/>
+                    </a:lnB>
+                    <a:lnTlToBr w="12700" cmpd="sng">
+                      <a:noFill/>
+                      <a:prstDash val="solid"/>
+                    </a:lnTlToBr>
+                    <a:lnBlToTr w="12700" cmpd="sng">
+                      <a:noFill/>
+                      <a:prstDash val="solid"/>
+                    </a:lnBlToTr>
+                  </a:tcPr>
+                </a:tc>
+                <a:tc>
+                  <a:txBody>
+                    <a:bodyPr/>
+                    <a:lstStyle/>
+                    <a:p>
+                      <a:pPr algn="ctr">
+                        <a:lnSpc>
+                          <a:spcPct val="150000"/>
+                        </a:lnSpc>
+                        <a:spcBef>
+                          <a:spcPts val="3000"/>
+                        </a:spcBef>
+                        <a:spcAft>
+                          <a:spcPts val="0"/>
+                        </a:spcAft>
+                        <a:tabLst>
+                          <a:tab pos="540385" algn="l"/>
+                          <a:tab pos="450215" algn="l"/>
+                          <a:tab pos="540385" algn="l"/>
+                        </a:tabLst>
+                      </a:pPr>
+                      <a:r>
+                        <a:rPr lang="pt-BR" sz="1600">
+                          <a:effectLst/>
+                        </a:rPr>
+                        <a:t>Alto (3)</a:t>
+                      </a:r>
+                      <a:endParaRPr lang="pt-BR" sz="1600">
+                        <a:effectLst/>
+                        <a:latin typeface="Arial" panose="020B0604020202020204" pitchFamily="34" charset="0"/>
+                        <a:ea typeface="Times New Roman" panose="02020603050405020304" pitchFamily="18" charset="0"/>
+                        <a:cs typeface="Times New Roman" panose="02020603050405020304" pitchFamily="18" charset="0"/>
+                      </a:endParaRPr>
+                    </a:p>
+                  </a:txBody>
+                  <a:tcPr marL="45111" marR="45111" marT="0" marB="0" anchor="ctr">
+                    <a:lnL w="12700" cmpd="sng">
+                      <a:noFill/>
+                    </a:lnL>
+                    <a:lnR w="12700" cmpd="sng">
+                      <a:noFill/>
+                    </a:lnR>
+                    <a:lnT w="38100" cmpd="sng">
+                      <a:noFill/>
+                    </a:lnT>
+                    <a:lnB w="12700" cmpd="sng">
+                      <a:noFill/>
+                    </a:lnB>
+                    <a:lnTlToBr w="12700" cmpd="sng">
+                      <a:noFill/>
+                      <a:prstDash val="solid"/>
+                    </a:lnTlToBr>
+                    <a:lnBlToTr w="12700" cmpd="sng">
+                      <a:noFill/>
+                      <a:prstDash val="solid"/>
+                    </a:lnBlToTr>
+                  </a:tcPr>
+                </a:tc>
+                <a:tc>
+                  <a:txBody>
+                    <a:bodyPr/>
+                    <a:lstStyle/>
+                    <a:p>
+                      <a:pPr algn="ctr">
+                        <a:lnSpc>
+                          <a:spcPct val="150000"/>
+                        </a:lnSpc>
+                        <a:spcBef>
+                          <a:spcPts val="3000"/>
+                        </a:spcBef>
+                        <a:spcAft>
+                          <a:spcPts val="0"/>
+                        </a:spcAft>
+                        <a:tabLst>
+                          <a:tab pos="540385" algn="l"/>
+                          <a:tab pos="450215" algn="l"/>
+                          <a:tab pos="540385" algn="l"/>
+                        </a:tabLst>
+                      </a:pPr>
+                      <a:r>
+                        <a:rPr lang="pt-BR" sz="1600">
+                          <a:effectLst/>
+                        </a:rPr>
+                        <a:t>3</a:t>
+                      </a:r>
+                      <a:endParaRPr lang="pt-BR" sz="1600">
+                        <a:effectLst/>
+                        <a:latin typeface="Arial" panose="020B0604020202020204" pitchFamily="34" charset="0"/>
+                        <a:ea typeface="Times New Roman" panose="02020603050405020304" pitchFamily="18" charset="0"/>
+                        <a:cs typeface="Times New Roman" panose="02020603050405020304" pitchFamily="18" charset="0"/>
+                      </a:endParaRPr>
+                    </a:p>
+                  </a:txBody>
+                  <a:tcPr marL="45111" marR="45111" marT="0" marB="0" anchor="ctr">
+                    <a:lnL w="12700" cmpd="sng">
+                      <a:noFill/>
+                    </a:lnL>
+                    <a:lnR w="12700" cmpd="sng">
+                      <a:noFill/>
+                    </a:lnR>
+                    <a:lnT w="38100" cmpd="sng">
+                      <a:noFill/>
+                    </a:lnT>
+                    <a:lnB w="12700" cmpd="sng">
+                      <a:noFill/>
+                    </a:lnB>
+                    <a:lnTlToBr w="12700" cmpd="sng">
+                      <a:noFill/>
+                      <a:prstDash val="solid"/>
+                    </a:lnTlToBr>
+                    <a:lnBlToTr w="12700" cmpd="sng">
+                      <a:noFill/>
+                      <a:prstDash val="solid"/>
+                    </a:lnBlToTr>
+                  </a:tcPr>
+                </a:tc>
+                <a:tc>
+                  <a:txBody>
+                    <a:bodyPr/>
+                    <a:lstStyle/>
+                    <a:p>
+                      <a:pPr algn="ctr">
+                        <a:lnSpc>
+                          <a:spcPct val="150000"/>
+                        </a:lnSpc>
+                        <a:spcBef>
+                          <a:spcPts val="3000"/>
+                        </a:spcBef>
+                        <a:spcAft>
+                          <a:spcPts val="0"/>
+                        </a:spcAft>
+                        <a:tabLst>
+                          <a:tab pos="540385" algn="l"/>
+                          <a:tab pos="450215" algn="l"/>
+                          <a:tab pos="540385" algn="l"/>
+                        </a:tabLst>
+                      </a:pPr>
+                      <a:r>
+                        <a:rPr lang="pt-BR" sz="1600" dirty="0">
+                          <a:effectLst/>
+                        </a:rPr>
+                        <a:t>Aceitar</a:t>
+                      </a:r>
+                      <a:endParaRPr lang="pt-BR" sz="1600" dirty="0">
+                        <a:effectLst/>
+                        <a:latin typeface="Arial" panose="020B0604020202020204" pitchFamily="34" charset="0"/>
+                        <a:ea typeface="Times New Roman" panose="02020603050405020304" pitchFamily="18" charset="0"/>
+                        <a:cs typeface="Times New Roman" panose="02020603050405020304" pitchFamily="18" charset="0"/>
+                      </a:endParaRPr>
+                    </a:p>
+                  </a:txBody>
+                  <a:tcPr marL="45111" marR="45111" marT="0" marB="0" anchor="ctr">
+                    <a:lnL w="12700" cmpd="sng">
+                      <a:noFill/>
+                    </a:lnL>
+                    <a:lnR w="12700" cmpd="sng">
+                      <a:noFill/>
+                    </a:lnR>
+                    <a:lnT w="38100" cmpd="sng">
+                      <a:noFill/>
+                    </a:lnT>
+                    <a:lnB w="12700" cmpd="sng">
+                      <a:noFill/>
+                    </a:lnB>
+                    <a:lnTlToBr w="12700" cmpd="sng">
+                      <a:noFill/>
+                      <a:prstDash val="solid"/>
+                    </a:lnTlToBr>
+                    <a:lnBlToTr w="12700" cmpd="sng">
+                      <a:noFill/>
+                      <a:prstDash val="solid"/>
+                    </a:lnBlToTr>
+                  </a:tcPr>
+                </a:tc>
+                <a:tc>
+                  <a:txBody>
+                    <a:bodyPr/>
+                    <a:lstStyle/>
+                    <a:p>
+                      <a:pPr algn="ctr">
+                        <a:lnSpc>
+                          <a:spcPct val="150000"/>
+                        </a:lnSpc>
+                        <a:spcBef>
+                          <a:spcPts val="1200"/>
+                        </a:spcBef>
+                        <a:spcAft>
+                          <a:spcPts val="0"/>
+                        </a:spcAft>
+                        <a:tabLst>
+                          <a:tab pos="540385" algn="l"/>
+                          <a:tab pos="450215" algn="l"/>
+                          <a:tab pos="540385" algn="l"/>
+                        </a:tabLst>
+                      </a:pPr>
+                      <a:r>
+                        <a:rPr lang="pt-BR" sz="1600" dirty="0">
+                          <a:effectLst/>
+                        </a:rPr>
+                        <a:t>O conhecimento de todos deve estar no mesmo nível para que o projeto prossiga</a:t>
+                      </a:r>
+                      <a:endParaRPr lang="pt-BR" sz="1600" dirty="0">
+                        <a:effectLst/>
+                        <a:latin typeface="Arial" panose="020B0604020202020204" pitchFamily="34" charset="0"/>
+                        <a:ea typeface="Times New Roman" panose="02020603050405020304" pitchFamily="18" charset="0"/>
+                        <a:cs typeface="Times New Roman" panose="02020603050405020304" pitchFamily="18" charset="0"/>
+                      </a:endParaRPr>
+                    </a:p>
+                  </a:txBody>
+                  <a:tcPr marL="45111" marR="45111" marT="0" marB="0" anchor="ctr">
+                    <a:lnL w="12700" cmpd="sng">
+                      <a:noFill/>
+                    </a:lnL>
+                    <a:lnR w="12700" cmpd="sng">
+                      <a:noFill/>
+                    </a:lnR>
+                    <a:lnT w="38100" cmpd="sng">
+                      <a:noFill/>
+                    </a:lnT>
+                    <a:lnB w="12700" cmpd="sng">
+                      <a:noFill/>
+                    </a:lnB>
+                    <a:lnTlToBr w="12700" cmpd="sng">
+                      <a:noFill/>
+                      <a:prstDash val="solid"/>
+                    </a:lnTlToBr>
+                    <a:lnBlToTr w="12700" cmpd="sng">
+                      <a:noFill/>
+                      <a:prstDash val="solid"/>
+                    </a:lnBlToTr>
+                  </a:tcPr>
+                </a:tc>
+                <a:extLst>
+                  <a:ext uri="{0D108BD9-81ED-4DB2-BD59-A6C34878D82A}">
+                    <a16:rowId xmlns:a16="http://schemas.microsoft.com/office/drawing/2014/main" val="2365076227"/>
+                  </a:ext>
+                </a:extLst>
+              </a:tr>
+              <a:tr h="963708">
+                <a:tc>
+                  <a:txBody>
+                    <a:bodyPr/>
+                    <a:lstStyle/>
+                    <a:p>
+                      <a:pPr algn="ctr">
+                        <a:lnSpc>
+                          <a:spcPct val="150000"/>
+                        </a:lnSpc>
+                        <a:spcBef>
+                          <a:spcPts val="3000"/>
+                        </a:spcBef>
+                        <a:spcAft>
+                          <a:spcPts val="0"/>
+                        </a:spcAft>
+                        <a:tabLst>
+                          <a:tab pos="540385" algn="l"/>
+                          <a:tab pos="450215" algn="l"/>
+                          <a:tab pos="540385" algn="l"/>
+                        </a:tabLst>
+                      </a:pPr>
+                      <a:r>
+                        <a:rPr lang="pt-BR" sz="1600">
+                          <a:effectLst/>
+                        </a:rPr>
+                        <a:t>2</a:t>
+                      </a:r>
+                      <a:endParaRPr lang="pt-BR" sz="1600">
+                        <a:effectLst/>
+                        <a:latin typeface="Arial" panose="020B0604020202020204" pitchFamily="34" charset="0"/>
+                        <a:ea typeface="Times New Roman" panose="02020603050405020304" pitchFamily="18" charset="0"/>
+                        <a:cs typeface="Times New Roman" panose="02020603050405020304" pitchFamily="18" charset="0"/>
+                      </a:endParaRPr>
+                    </a:p>
+                  </a:txBody>
+                  <a:tcPr marL="45111" marR="45111" marT="0" marB="0" anchor="ctr">
+                    <a:lnL w="12700" cmpd="sng">
+                      <a:noFill/>
+                    </a:lnL>
+                    <a:lnR w="12700" cmpd="sng">
+                      <a:noFill/>
+                    </a:lnR>
+                    <a:lnT w="12700" cmpd="sng">
+                      <a:noFill/>
+                    </a:lnT>
+                    <a:lnB w="12700" cmpd="sng">
+                      <a:noFill/>
+                    </a:lnB>
+                    <a:lnTlToBr w="12700" cmpd="sng">
+                      <a:noFill/>
+                      <a:prstDash val="solid"/>
+                    </a:lnTlToBr>
+                    <a:lnBlToTr w="12700" cmpd="sng">
+                      <a:noFill/>
+                      <a:prstDash val="solid"/>
+                    </a:lnBlToTr>
+                  </a:tcPr>
+                </a:tc>
+                <a:tc>
+                  <a:txBody>
+                    <a:bodyPr/>
+                    <a:lstStyle/>
+                    <a:p>
+                      <a:pPr algn="ctr">
+                        <a:lnSpc>
+                          <a:spcPct val="150000"/>
+                        </a:lnSpc>
+                        <a:spcBef>
+                          <a:spcPts val="600"/>
+                        </a:spcBef>
+                        <a:spcAft>
+                          <a:spcPts val="0"/>
+                        </a:spcAft>
+                        <a:tabLst>
+                          <a:tab pos="540385" algn="l"/>
+                          <a:tab pos="450215" algn="l"/>
+                          <a:tab pos="540385" algn="l"/>
+                        </a:tabLst>
+                      </a:pPr>
+                      <a:r>
+                        <a:rPr lang="pt-BR" sz="1600">
+                          <a:effectLst/>
+                        </a:rPr>
+                        <a:t>Falta de conhecimento de algum integrante</a:t>
+                      </a:r>
+                      <a:endParaRPr lang="pt-BR" sz="1600">
+                        <a:effectLst/>
+                        <a:latin typeface="Arial" panose="020B0604020202020204" pitchFamily="34" charset="0"/>
+                        <a:ea typeface="Times New Roman" panose="02020603050405020304" pitchFamily="18" charset="0"/>
+                        <a:cs typeface="Times New Roman" panose="02020603050405020304" pitchFamily="18" charset="0"/>
+                      </a:endParaRPr>
+                    </a:p>
+                  </a:txBody>
+                  <a:tcPr marL="45111" marR="45111" marT="0" marB="0" anchor="ctr">
+                    <a:lnL w="12700" cmpd="sng">
+                      <a:noFill/>
+                    </a:lnL>
+                    <a:lnR w="12700" cmpd="sng">
+                      <a:noFill/>
+                    </a:lnR>
+                    <a:lnT w="12700" cmpd="sng">
+                      <a:noFill/>
+                    </a:lnT>
+                    <a:lnB w="12700" cmpd="sng">
+                      <a:noFill/>
+                    </a:lnB>
+                    <a:lnTlToBr w="12700" cmpd="sng">
+                      <a:noFill/>
+                      <a:prstDash val="solid"/>
+                    </a:lnTlToBr>
+                    <a:lnBlToTr w="12700" cmpd="sng">
+                      <a:noFill/>
+                      <a:prstDash val="solid"/>
+                    </a:lnBlToTr>
+                  </a:tcPr>
+                </a:tc>
+                <a:tc>
+                  <a:txBody>
+                    <a:bodyPr/>
+                    <a:lstStyle/>
+                    <a:p>
+                      <a:pPr algn="ctr">
+                        <a:lnSpc>
+                          <a:spcPct val="150000"/>
+                        </a:lnSpc>
+                        <a:spcBef>
+                          <a:spcPts val="1200"/>
+                        </a:spcBef>
+                        <a:spcAft>
+                          <a:spcPts val="0"/>
+                        </a:spcAft>
+                        <a:tabLst>
+                          <a:tab pos="540385" algn="l"/>
+                          <a:tab pos="450215" algn="l"/>
+                          <a:tab pos="540385" algn="l"/>
+                        </a:tabLst>
+                      </a:pPr>
+                      <a:r>
+                        <a:rPr lang="pt-BR" sz="1600">
+                          <a:effectLst/>
+                        </a:rPr>
+                        <a:t>Pouco Provável (1)</a:t>
+                      </a:r>
+                      <a:endParaRPr lang="pt-BR" sz="1600">
+                        <a:effectLst/>
+                        <a:latin typeface="Arial" panose="020B0604020202020204" pitchFamily="34" charset="0"/>
+                        <a:ea typeface="Times New Roman" panose="02020603050405020304" pitchFamily="18" charset="0"/>
+                        <a:cs typeface="Times New Roman" panose="02020603050405020304" pitchFamily="18" charset="0"/>
+                      </a:endParaRPr>
+                    </a:p>
+                  </a:txBody>
+                  <a:tcPr marL="45111" marR="45111" marT="0" marB="0" anchor="ctr">
+                    <a:lnL w="12700" cmpd="sng">
+                      <a:noFill/>
+                    </a:lnL>
+                    <a:lnR w="12700" cmpd="sng">
+                      <a:noFill/>
+                    </a:lnR>
+                    <a:lnT w="12700" cmpd="sng">
+                      <a:noFill/>
+                    </a:lnT>
+                    <a:lnB w="12700" cmpd="sng">
+                      <a:noFill/>
+                    </a:lnB>
+                    <a:lnTlToBr w="12700" cmpd="sng">
+                      <a:noFill/>
+                      <a:prstDash val="solid"/>
+                    </a:lnTlToBr>
+                    <a:lnBlToTr w="12700" cmpd="sng">
+                      <a:noFill/>
+                      <a:prstDash val="solid"/>
+                    </a:lnBlToTr>
+                  </a:tcPr>
+                </a:tc>
+                <a:tc>
+                  <a:txBody>
+                    <a:bodyPr/>
+                    <a:lstStyle/>
+                    <a:p>
+                      <a:pPr algn="ctr">
+                        <a:lnSpc>
+                          <a:spcPct val="150000"/>
+                        </a:lnSpc>
+                        <a:spcBef>
+                          <a:spcPts val="3000"/>
+                        </a:spcBef>
+                        <a:spcAft>
+                          <a:spcPts val="0"/>
+                        </a:spcAft>
+                        <a:tabLst>
+                          <a:tab pos="540385" algn="l"/>
+                          <a:tab pos="450215" algn="l"/>
+                          <a:tab pos="540385" algn="l"/>
+                        </a:tabLst>
+                      </a:pPr>
+                      <a:r>
+                        <a:rPr lang="pt-BR" sz="1600" dirty="0">
+                          <a:effectLst/>
+                        </a:rPr>
+                        <a:t>Baixo (1)</a:t>
+                      </a:r>
+                      <a:endParaRPr lang="pt-BR" sz="1600" dirty="0">
+                        <a:effectLst/>
+                        <a:latin typeface="Arial" panose="020B0604020202020204" pitchFamily="34" charset="0"/>
+                        <a:ea typeface="Times New Roman" panose="02020603050405020304" pitchFamily="18" charset="0"/>
+                        <a:cs typeface="Times New Roman" panose="02020603050405020304" pitchFamily="18" charset="0"/>
+                      </a:endParaRPr>
+                    </a:p>
+                  </a:txBody>
+                  <a:tcPr marL="45111" marR="45111" marT="0" marB="0" anchor="ctr">
+                    <a:lnL w="12700" cmpd="sng">
+                      <a:noFill/>
+                    </a:lnL>
+                    <a:lnR w="12700" cmpd="sng">
+                      <a:noFill/>
+                    </a:lnR>
+                    <a:lnT w="12700" cmpd="sng">
+                      <a:noFill/>
+                    </a:lnT>
+                    <a:lnB w="12700" cmpd="sng">
+                      <a:noFill/>
+                    </a:lnB>
+                    <a:lnTlToBr w="12700" cmpd="sng">
+                      <a:noFill/>
+                      <a:prstDash val="solid"/>
+                    </a:lnTlToBr>
+                    <a:lnBlToTr w="12700" cmpd="sng">
+                      <a:noFill/>
+                      <a:prstDash val="solid"/>
+                    </a:lnBlToTr>
+                  </a:tcPr>
+                </a:tc>
+                <a:tc>
+                  <a:txBody>
+                    <a:bodyPr/>
+                    <a:lstStyle/>
+                    <a:p>
+                      <a:pPr algn="ctr">
+                        <a:lnSpc>
+                          <a:spcPct val="150000"/>
+                        </a:lnSpc>
+                        <a:spcAft>
+                          <a:spcPts val="0"/>
+                        </a:spcAft>
+                        <a:tabLst>
+                          <a:tab pos="540385" algn="l"/>
+                          <a:tab pos="450215" algn="l"/>
+                          <a:tab pos="540385" algn="l"/>
+                        </a:tabLst>
+                      </a:pPr>
+                      <a:r>
+                        <a:rPr lang="pt-BR" sz="1600">
+                          <a:effectLst/>
+                        </a:rPr>
+                        <a:t> </a:t>
+                      </a:r>
+                    </a:p>
+                    <a:p>
+                      <a:pPr algn="ctr">
+                        <a:lnSpc>
+                          <a:spcPct val="150000"/>
+                        </a:lnSpc>
+                        <a:spcBef>
+                          <a:spcPts val="600"/>
+                        </a:spcBef>
+                        <a:spcAft>
+                          <a:spcPts val="0"/>
+                        </a:spcAft>
+                        <a:tabLst>
+                          <a:tab pos="540385" algn="l"/>
+                          <a:tab pos="450215" algn="l"/>
+                          <a:tab pos="540385" algn="l"/>
+                        </a:tabLst>
+                      </a:pPr>
+                      <a:r>
+                        <a:rPr lang="pt-BR" sz="1600">
+                          <a:effectLst/>
+                        </a:rPr>
+                        <a:t>1</a:t>
+                      </a:r>
+                      <a:endParaRPr lang="pt-BR" sz="1600">
+                        <a:effectLst/>
+                        <a:latin typeface="Arial" panose="020B0604020202020204" pitchFamily="34" charset="0"/>
+                        <a:ea typeface="Times New Roman" panose="02020603050405020304" pitchFamily="18" charset="0"/>
+                        <a:cs typeface="Times New Roman" panose="02020603050405020304" pitchFamily="18" charset="0"/>
+                      </a:endParaRPr>
+                    </a:p>
+                  </a:txBody>
+                  <a:tcPr marL="45111" marR="45111" marT="0" marB="0" anchor="ctr">
+                    <a:lnL w="12700" cmpd="sng">
+                      <a:noFill/>
+                    </a:lnL>
+                    <a:lnR w="12700" cmpd="sng">
+                      <a:noFill/>
+                    </a:lnR>
+                    <a:lnT w="12700" cmpd="sng">
+                      <a:noFill/>
+                    </a:lnT>
+                    <a:lnB w="12700" cmpd="sng">
+                      <a:noFill/>
+                    </a:lnB>
+                    <a:lnTlToBr w="12700" cmpd="sng">
+                      <a:noFill/>
+                      <a:prstDash val="solid"/>
+                    </a:lnTlToBr>
+                    <a:lnBlToTr w="12700" cmpd="sng">
+                      <a:noFill/>
+                      <a:prstDash val="solid"/>
+                    </a:lnBlToTr>
+                  </a:tcPr>
+                </a:tc>
+                <a:tc>
+                  <a:txBody>
+                    <a:bodyPr/>
+                    <a:lstStyle/>
+                    <a:p>
+                      <a:pPr algn="ctr">
+                        <a:lnSpc>
+                          <a:spcPct val="150000"/>
+                        </a:lnSpc>
+                        <a:spcAft>
+                          <a:spcPts val="0"/>
+                        </a:spcAft>
+                        <a:tabLst>
+                          <a:tab pos="540385" algn="l"/>
+                          <a:tab pos="450215" algn="l"/>
+                          <a:tab pos="540385" algn="l"/>
+                        </a:tabLst>
+                      </a:pPr>
+                      <a:r>
+                        <a:rPr lang="pt-BR" sz="1600" dirty="0">
+                          <a:effectLst/>
+                        </a:rPr>
+                        <a:t> Evitar</a:t>
+                      </a:r>
+                      <a:endParaRPr lang="pt-BR" sz="1600" dirty="0">
+                        <a:effectLst/>
+                        <a:latin typeface="Arial" panose="020B0604020202020204" pitchFamily="34" charset="0"/>
+                        <a:ea typeface="Times New Roman" panose="02020603050405020304" pitchFamily="18" charset="0"/>
+                        <a:cs typeface="Times New Roman" panose="02020603050405020304" pitchFamily="18" charset="0"/>
+                      </a:endParaRPr>
+                    </a:p>
+                  </a:txBody>
+                  <a:tcPr marL="45111" marR="45111" marT="0" marB="0" anchor="ctr">
+                    <a:lnL w="12700" cmpd="sng">
+                      <a:noFill/>
+                    </a:lnL>
+                    <a:lnR w="12700" cmpd="sng">
+                      <a:noFill/>
+                    </a:lnR>
+                    <a:lnT w="12700" cmpd="sng">
+                      <a:noFill/>
+                    </a:lnT>
+                    <a:lnB w="12700" cmpd="sng">
+                      <a:noFill/>
+                    </a:lnB>
+                    <a:lnTlToBr w="12700" cmpd="sng">
+                      <a:noFill/>
+                      <a:prstDash val="solid"/>
+                    </a:lnTlToBr>
+                    <a:lnBlToTr w="12700" cmpd="sng">
+                      <a:noFill/>
+                      <a:prstDash val="solid"/>
+                    </a:lnBlToTr>
+                  </a:tcPr>
+                </a:tc>
+                <a:tc>
+                  <a:txBody>
+                    <a:bodyPr/>
+                    <a:lstStyle/>
+                    <a:p>
+                      <a:pPr algn="ctr">
+                        <a:lnSpc>
+                          <a:spcPct val="150000"/>
+                        </a:lnSpc>
+                        <a:spcBef>
+                          <a:spcPts val="600"/>
+                        </a:spcBef>
+                        <a:spcAft>
+                          <a:spcPts val="0"/>
+                        </a:spcAft>
+                        <a:tabLst>
+                          <a:tab pos="540385" algn="l"/>
+                          <a:tab pos="450215" algn="l"/>
+                          <a:tab pos="540385" algn="l"/>
+                        </a:tabLst>
+                      </a:pPr>
+                      <a:r>
+                        <a:rPr lang="pt-BR" sz="1600" dirty="0">
+                          <a:effectLst/>
+                        </a:rPr>
+                        <a:t>Dividir o conhecimento entre todos do grupo para evitar o risco</a:t>
+                      </a:r>
+                      <a:endParaRPr lang="pt-BR" sz="1600" dirty="0">
+                        <a:effectLst/>
+                        <a:latin typeface="Arial" panose="020B0604020202020204" pitchFamily="34" charset="0"/>
+                        <a:ea typeface="Times New Roman" panose="02020603050405020304" pitchFamily="18" charset="0"/>
+                        <a:cs typeface="Times New Roman" panose="02020603050405020304" pitchFamily="18" charset="0"/>
+                      </a:endParaRPr>
+                    </a:p>
+                  </a:txBody>
+                  <a:tcPr marL="45111" marR="45111" marT="0" marB="0" anchor="ctr">
+                    <a:lnL w="12700" cmpd="sng">
+                      <a:noFill/>
+                    </a:lnL>
+                    <a:lnR w="12700" cmpd="sng">
+                      <a:noFill/>
+                    </a:lnR>
+                    <a:lnT w="12700" cmpd="sng">
+                      <a:noFill/>
+                    </a:lnT>
+                    <a:lnB w="12700" cmpd="sng">
+                      <a:noFill/>
+                    </a:lnB>
+                    <a:lnTlToBr w="12700" cmpd="sng">
+                      <a:noFill/>
+                      <a:prstDash val="solid"/>
+                    </a:lnTlToBr>
+                    <a:lnBlToTr w="12700" cmpd="sng">
+                      <a:noFill/>
+                      <a:prstDash val="solid"/>
+                    </a:lnBlToTr>
+                  </a:tcPr>
+                </a:tc>
+                <a:extLst>
+                  <a:ext uri="{0D108BD9-81ED-4DB2-BD59-A6C34878D82A}">
+                    <a16:rowId xmlns:a16="http://schemas.microsoft.com/office/drawing/2014/main" val="1533246673"/>
+                  </a:ext>
+                </a:extLst>
+              </a:tr>
+              <a:tr h="364661">
+                <a:tc>
+                  <a:txBody>
+                    <a:bodyPr/>
+                    <a:lstStyle/>
+                    <a:p>
+                      <a:pPr algn="ctr">
+                        <a:lnSpc>
+                          <a:spcPct val="150000"/>
+                        </a:lnSpc>
+                        <a:spcBef>
+                          <a:spcPts val="1800"/>
+                        </a:spcBef>
+                        <a:spcAft>
+                          <a:spcPts val="0"/>
+                        </a:spcAft>
+                        <a:tabLst>
+                          <a:tab pos="540385" algn="l"/>
+                          <a:tab pos="450215" algn="l"/>
+                          <a:tab pos="540385" algn="l"/>
+                        </a:tabLst>
+                      </a:pPr>
+                      <a:r>
+                        <a:rPr lang="pt-BR" sz="1600">
+                          <a:effectLst/>
+                        </a:rPr>
+                        <a:t>3</a:t>
+                      </a:r>
+                      <a:endParaRPr lang="pt-BR" sz="1600">
+                        <a:effectLst/>
+                        <a:latin typeface="Arial" panose="020B0604020202020204" pitchFamily="34" charset="0"/>
+                        <a:ea typeface="Times New Roman" panose="02020603050405020304" pitchFamily="18" charset="0"/>
+                        <a:cs typeface="Times New Roman" panose="02020603050405020304" pitchFamily="18" charset="0"/>
+                      </a:endParaRPr>
+                    </a:p>
+                  </a:txBody>
+                  <a:tcPr marL="45111" marR="45111" marT="0" marB="0" anchor="ctr">
+                    <a:lnL w="12700" cmpd="sng">
+                      <a:noFill/>
+                    </a:lnL>
+                    <a:lnR w="12700" cmpd="sng">
+                      <a:noFill/>
+                    </a:lnR>
+                    <a:lnT w="12700" cmpd="sng">
+                      <a:noFill/>
+                    </a:lnT>
+                    <a:lnB w="12700" cmpd="sng">
+                      <a:noFill/>
+                    </a:lnB>
+                    <a:lnTlToBr w="12700" cmpd="sng">
+                      <a:noFill/>
+                      <a:prstDash val="solid"/>
+                    </a:lnTlToBr>
+                    <a:lnBlToTr w="12700" cmpd="sng">
+                      <a:noFill/>
+                      <a:prstDash val="solid"/>
+                    </a:lnBlToTr>
+                  </a:tcPr>
+                </a:tc>
+                <a:tc>
+                  <a:txBody>
+                    <a:bodyPr/>
+                    <a:lstStyle/>
+                    <a:p>
+                      <a:pPr algn="ctr">
+                        <a:lnSpc>
+                          <a:spcPct val="150000"/>
+                        </a:lnSpc>
+                        <a:spcBef>
+                          <a:spcPts val="600"/>
+                        </a:spcBef>
+                        <a:spcAft>
+                          <a:spcPts val="0"/>
+                        </a:spcAft>
+                        <a:tabLst>
+                          <a:tab pos="540385" algn="l"/>
+                          <a:tab pos="450215" algn="l"/>
+                          <a:tab pos="540385" algn="l"/>
+                        </a:tabLst>
+                      </a:pPr>
+                      <a:r>
+                        <a:rPr lang="pt-BR" sz="1600" dirty="0">
+                          <a:effectLst/>
+                        </a:rPr>
+                        <a:t>Atrasos em entregas</a:t>
+                      </a:r>
+                      <a:endParaRPr lang="pt-BR" sz="1600" dirty="0">
+                        <a:effectLst/>
+                        <a:latin typeface="Arial" panose="020B0604020202020204" pitchFamily="34" charset="0"/>
+                        <a:ea typeface="Times New Roman" panose="02020603050405020304" pitchFamily="18" charset="0"/>
+                        <a:cs typeface="Times New Roman" panose="02020603050405020304" pitchFamily="18" charset="0"/>
+                      </a:endParaRPr>
+                    </a:p>
+                  </a:txBody>
+                  <a:tcPr marL="45111" marR="45111" marT="0" marB="0" anchor="ctr">
+                    <a:lnL w="12700" cmpd="sng">
+                      <a:noFill/>
+                    </a:lnL>
+                    <a:lnR w="12700" cmpd="sng">
+                      <a:noFill/>
+                    </a:lnR>
+                    <a:lnT w="12700" cmpd="sng">
+                      <a:noFill/>
+                    </a:lnT>
+                    <a:lnB w="12700" cmpd="sng">
+                      <a:noFill/>
+                    </a:lnB>
+                    <a:lnTlToBr w="12700" cmpd="sng">
+                      <a:noFill/>
+                      <a:prstDash val="solid"/>
+                    </a:lnTlToBr>
+                    <a:lnBlToTr w="12700" cmpd="sng">
+                      <a:noFill/>
+                      <a:prstDash val="solid"/>
+                    </a:lnBlToTr>
+                  </a:tcPr>
+                </a:tc>
+                <a:tc>
+                  <a:txBody>
+                    <a:bodyPr/>
+                    <a:lstStyle/>
+                    <a:p>
+                      <a:pPr algn="ctr">
+                        <a:lnSpc>
+                          <a:spcPct val="150000"/>
+                        </a:lnSpc>
+                        <a:spcBef>
+                          <a:spcPts val="1200"/>
+                        </a:spcBef>
+                        <a:spcAft>
+                          <a:spcPts val="0"/>
+                        </a:spcAft>
+                        <a:tabLst>
+                          <a:tab pos="540385" algn="l"/>
+                          <a:tab pos="450215" algn="l"/>
+                          <a:tab pos="540385" algn="l"/>
+                        </a:tabLst>
+                      </a:pPr>
+                      <a:r>
+                        <a:rPr lang="pt-BR" sz="1600">
+                          <a:effectLst/>
+                        </a:rPr>
+                        <a:t>Provável (2)</a:t>
+                      </a:r>
+                      <a:endParaRPr lang="pt-BR" sz="1600">
+                        <a:effectLst/>
+                        <a:latin typeface="Arial" panose="020B0604020202020204" pitchFamily="34" charset="0"/>
+                        <a:ea typeface="Times New Roman" panose="02020603050405020304" pitchFamily="18" charset="0"/>
+                        <a:cs typeface="Times New Roman" panose="02020603050405020304" pitchFamily="18" charset="0"/>
+                      </a:endParaRPr>
+                    </a:p>
+                  </a:txBody>
+                  <a:tcPr marL="45111" marR="45111" marT="0" marB="0" anchor="ctr">
+                    <a:lnL w="12700" cmpd="sng">
+                      <a:noFill/>
+                    </a:lnL>
+                    <a:lnR w="12700" cmpd="sng">
+                      <a:noFill/>
+                    </a:lnR>
+                    <a:lnT w="12700" cmpd="sng">
+                      <a:noFill/>
+                    </a:lnT>
+                    <a:lnB w="12700" cmpd="sng">
+                      <a:noFill/>
+                    </a:lnB>
+                    <a:lnTlToBr w="12700" cmpd="sng">
+                      <a:noFill/>
+                      <a:prstDash val="solid"/>
+                    </a:lnTlToBr>
+                    <a:lnBlToTr w="12700" cmpd="sng">
+                      <a:noFill/>
+                      <a:prstDash val="solid"/>
+                    </a:lnBlToTr>
+                  </a:tcPr>
+                </a:tc>
+                <a:tc>
+                  <a:txBody>
+                    <a:bodyPr/>
+                    <a:lstStyle/>
+                    <a:p>
+                      <a:pPr algn="ctr">
+                        <a:lnSpc>
+                          <a:spcPct val="150000"/>
+                        </a:lnSpc>
+                        <a:spcBef>
+                          <a:spcPts val="1800"/>
+                        </a:spcBef>
+                        <a:spcAft>
+                          <a:spcPts val="0"/>
+                        </a:spcAft>
+                        <a:tabLst>
+                          <a:tab pos="540385" algn="l"/>
+                          <a:tab pos="450215" algn="l"/>
+                          <a:tab pos="540385" algn="l"/>
+                        </a:tabLst>
+                      </a:pPr>
+                      <a:r>
+                        <a:rPr lang="pt-BR" sz="1600" dirty="0">
+                          <a:effectLst/>
+                        </a:rPr>
+                        <a:t>Médio (2)</a:t>
+                      </a:r>
+                      <a:endParaRPr lang="pt-BR" sz="1600" dirty="0">
+                        <a:effectLst/>
+                        <a:latin typeface="Arial" panose="020B0604020202020204" pitchFamily="34" charset="0"/>
+                        <a:ea typeface="Times New Roman" panose="02020603050405020304" pitchFamily="18" charset="0"/>
+                        <a:cs typeface="Times New Roman" panose="02020603050405020304" pitchFamily="18" charset="0"/>
+                      </a:endParaRPr>
+                    </a:p>
+                  </a:txBody>
+                  <a:tcPr marL="45111" marR="45111" marT="0" marB="0" anchor="ctr">
+                    <a:lnL w="12700" cmpd="sng">
+                      <a:noFill/>
+                    </a:lnL>
+                    <a:lnR w="12700" cmpd="sng">
+                      <a:noFill/>
+                    </a:lnR>
+                    <a:lnT w="12700" cmpd="sng">
+                      <a:noFill/>
+                    </a:lnT>
+                    <a:lnB w="12700" cmpd="sng">
+                      <a:noFill/>
+                    </a:lnB>
+                    <a:lnTlToBr w="12700" cmpd="sng">
+                      <a:noFill/>
+                      <a:prstDash val="solid"/>
+                    </a:lnTlToBr>
+                    <a:lnBlToTr w="12700" cmpd="sng">
+                      <a:noFill/>
+                      <a:prstDash val="solid"/>
+                    </a:lnBlToTr>
+                  </a:tcPr>
+                </a:tc>
+                <a:tc>
+                  <a:txBody>
+                    <a:bodyPr/>
+                    <a:lstStyle/>
+                    <a:p>
+                      <a:pPr algn="ctr">
+                        <a:lnSpc>
+                          <a:spcPct val="150000"/>
+                        </a:lnSpc>
+                        <a:spcBef>
+                          <a:spcPts val="1800"/>
+                        </a:spcBef>
+                        <a:spcAft>
+                          <a:spcPts val="0"/>
+                        </a:spcAft>
+                        <a:tabLst>
+                          <a:tab pos="540385" algn="l"/>
+                          <a:tab pos="450215" algn="l"/>
+                          <a:tab pos="540385" algn="l"/>
+                        </a:tabLst>
+                      </a:pPr>
+                      <a:r>
+                        <a:rPr lang="pt-BR" sz="1600">
+                          <a:effectLst/>
+                        </a:rPr>
+                        <a:t>4</a:t>
+                      </a:r>
+                      <a:endParaRPr lang="pt-BR" sz="1600">
+                        <a:effectLst/>
+                        <a:latin typeface="Arial" panose="020B0604020202020204" pitchFamily="34" charset="0"/>
+                        <a:ea typeface="Times New Roman" panose="02020603050405020304" pitchFamily="18" charset="0"/>
+                        <a:cs typeface="Times New Roman" panose="02020603050405020304" pitchFamily="18" charset="0"/>
+                      </a:endParaRPr>
+                    </a:p>
+                  </a:txBody>
+                  <a:tcPr marL="45111" marR="45111" marT="0" marB="0" anchor="ctr">
+                    <a:lnL w="12700" cmpd="sng">
+                      <a:noFill/>
+                    </a:lnL>
+                    <a:lnR w="12700" cmpd="sng">
+                      <a:noFill/>
+                    </a:lnR>
+                    <a:lnT w="12700" cmpd="sng">
+                      <a:noFill/>
+                    </a:lnT>
+                    <a:lnB w="12700" cmpd="sng">
+                      <a:noFill/>
+                    </a:lnB>
+                    <a:lnTlToBr w="12700" cmpd="sng">
+                      <a:noFill/>
+                      <a:prstDash val="solid"/>
+                    </a:lnTlToBr>
+                    <a:lnBlToTr w="12700" cmpd="sng">
+                      <a:noFill/>
+                      <a:prstDash val="solid"/>
+                    </a:lnBlToTr>
+                  </a:tcPr>
+                </a:tc>
+                <a:tc>
+                  <a:txBody>
+                    <a:bodyPr/>
+                    <a:lstStyle/>
+                    <a:p>
+                      <a:pPr algn="ctr">
+                        <a:lnSpc>
+                          <a:spcPct val="150000"/>
+                        </a:lnSpc>
+                        <a:spcBef>
+                          <a:spcPts val="1800"/>
+                        </a:spcBef>
+                        <a:spcAft>
+                          <a:spcPts val="0"/>
+                        </a:spcAft>
+                        <a:tabLst>
+                          <a:tab pos="540385" algn="l"/>
+                          <a:tab pos="450215" algn="l"/>
+                          <a:tab pos="540385" algn="l"/>
+                        </a:tabLst>
+                      </a:pPr>
+                      <a:r>
+                        <a:rPr lang="pt-BR" sz="1600" dirty="0">
+                          <a:effectLst/>
+                        </a:rPr>
+                        <a:t>Mitigar</a:t>
+                      </a:r>
+                      <a:endParaRPr lang="pt-BR" sz="1600" dirty="0">
+                        <a:effectLst/>
+                        <a:latin typeface="Arial" panose="020B0604020202020204" pitchFamily="34" charset="0"/>
+                        <a:ea typeface="Times New Roman" panose="02020603050405020304" pitchFamily="18" charset="0"/>
+                        <a:cs typeface="Times New Roman" panose="02020603050405020304" pitchFamily="18" charset="0"/>
+                      </a:endParaRPr>
+                    </a:p>
+                  </a:txBody>
+                  <a:tcPr marL="45111" marR="45111" marT="0" marB="0" anchor="ctr">
+                    <a:lnL w="12700" cmpd="sng">
+                      <a:noFill/>
+                    </a:lnL>
+                    <a:lnR w="12700" cmpd="sng">
+                      <a:noFill/>
+                    </a:lnR>
+                    <a:lnT w="12700" cmpd="sng">
+                      <a:noFill/>
+                    </a:lnT>
+                    <a:lnB w="12700" cmpd="sng">
+                      <a:noFill/>
+                    </a:lnB>
+                    <a:lnTlToBr w="12700" cmpd="sng">
+                      <a:noFill/>
+                      <a:prstDash val="solid"/>
+                    </a:lnTlToBr>
+                    <a:lnBlToTr w="12700" cmpd="sng">
+                      <a:noFill/>
+                      <a:prstDash val="solid"/>
+                    </a:lnBlToTr>
+                  </a:tcPr>
+                </a:tc>
+                <a:tc>
+                  <a:txBody>
+                    <a:bodyPr/>
+                    <a:lstStyle/>
+                    <a:p>
+                      <a:pPr algn="ctr">
+                        <a:lnSpc>
+                          <a:spcPct val="150000"/>
+                        </a:lnSpc>
+                        <a:spcBef>
+                          <a:spcPts val="1800"/>
+                        </a:spcBef>
+                        <a:spcAft>
+                          <a:spcPts val="0"/>
+                        </a:spcAft>
+                        <a:tabLst>
+                          <a:tab pos="540385" algn="l"/>
+                          <a:tab pos="450215" algn="l"/>
+                          <a:tab pos="540385" algn="l"/>
+                        </a:tabLst>
+                      </a:pPr>
+                      <a:r>
+                        <a:rPr lang="pt-BR" sz="1600" dirty="0">
+                          <a:effectLst/>
+                        </a:rPr>
+                        <a:t>Ter uma cobrança do grupo</a:t>
+                      </a:r>
+                      <a:endParaRPr lang="pt-BR" sz="1600" dirty="0">
+                        <a:effectLst/>
+                        <a:latin typeface="Arial" panose="020B0604020202020204" pitchFamily="34" charset="0"/>
+                        <a:ea typeface="Times New Roman" panose="02020603050405020304" pitchFamily="18" charset="0"/>
+                        <a:cs typeface="Times New Roman" panose="02020603050405020304" pitchFamily="18" charset="0"/>
+                      </a:endParaRPr>
+                    </a:p>
+                  </a:txBody>
+                  <a:tcPr marL="45111" marR="45111" marT="0" marB="0" anchor="ctr">
+                    <a:lnL w="12700" cmpd="sng">
+                      <a:noFill/>
+                    </a:lnL>
+                    <a:lnR w="12700" cmpd="sng">
+                      <a:noFill/>
+                    </a:lnR>
+                    <a:lnT w="12700" cmpd="sng">
+                      <a:noFill/>
+                    </a:lnT>
+                    <a:lnB w="12700" cmpd="sng">
+                      <a:noFill/>
+                    </a:lnB>
+                    <a:lnTlToBr w="12700" cmpd="sng">
+                      <a:noFill/>
+                      <a:prstDash val="solid"/>
+                    </a:lnTlToBr>
+                    <a:lnBlToTr w="12700" cmpd="sng">
+                      <a:noFill/>
+                      <a:prstDash val="solid"/>
+                    </a:lnBlToTr>
+                  </a:tcPr>
+                </a:tc>
+                <a:extLst>
+                  <a:ext uri="{0D108BD9-81ED-4DB2-BD59-A6C34878D82A}">
+                    <a16:rowId xmlns:a16="http://schemas.microsoft.com/office/drawing/2014/main" val="1130899462"/>
+                  </a:ext>
+                </a:extLst>
+              </a:tr>
+              <a:tr h="435260">
+                <a:tc>
+                  <a:txBody>
+                    <a:bodyPr/>
+                    <a:lstStyle/>
+                    <a:p>
+                      <a:pPr algn="ctr">
+                        <a:lnSpc>
+                          <a:spcPct val="150000"/>
+                        </a:lnSpc>
+                        <a:spcBef>
+                          <a:spcPts val="1200"/>
+                        </a:spcBef>
+                        <a:spcAft>
+                          <a:spcPts val="0"/>
+                        </a:spcAft>
+                        <a:tabLst>
+                          <a:tab pos="540385" algn="l"/>
+                          <a:tab pos="450215" algn="l"/>
+                          <a:tab pos="540385" algn="l"/>
+                        </a:tabLst>
+                      </a:pPr>
+                      <a:r>
+                        <a:rPr lang="pt-BR" sz="1600">
+                          <a:effectLst/>
+                        </a:rPr>
+                        <a:t>4</a:t>
+                      </a:r>
+                      <a:endParaRPr lang="pt-BR" sz="1600">
+                        <a:effectLst/>
+                        <a:latin typeface="Arial" panose="020B0604020202020204" pitchFamily="34" charset="0"/>
+                        <a:ea typeface="Times New Roman" panose="02020603050405020304" pitchFamily="18" charset="0"/>
+                        <a:cs typeface="Times New Roman" panose="02020603050405020304" pitchFamily="18" charset="0"/>
+                      </a:endParaRPr>
+                    </a:p>
+                  </a:txBody>
+                  <a:tcPr marL="45111" marR="45111" marT="0" marB="0" anchor="ctr">
+                    <a:lnL w="12700" cmpd="sng">
+                      <a:noFill/>
+                    </a:lnL>
+                    <a:lnR w="12700" cmpd="sng">
+                      <a:noFill/>
+                    </a:lnR>
+                    <a:lnT w="12700" cmpd="sng">
+                      <a:noFill/>
+                    </a:lnT>
+                    <a:lnB w="12700" cmpd="sng">
+                      <a:noFill/>
+                    </a:lnB>
+                    <a:lnTlToBr w="12700" cmpd="sng">
+                      <a:noFill/>
+                      <a:prstDash val="solid"/>
+                    </a:lnTlToBr>
+                    <a:lnBlToTr w="12700" cmpd="sng">
+                      <a:noFill/>
+                      <a:prstDash val="solid"/>
+                    </a:lnBlToTr>
+                  </a:tcPr>
+                </a:tc>
+                <a:tc>
+                  <a:txBody>
+                    <a:bodyPr/>
+                    <a:lstStyle/>
+                    <a:p>
+                      <a:pPr algn="ctr">
+                        <a:lnSpc>
+                          <a:spcPct val="150000"/>
+                        </a:lnSpc>
+                        <a:spcBef>
+                          <a:spcPts val="1200"/>
+                        </a:spcBef>
+                        <a:spcAft>
+                          <a:spcPts val="0"/>
+                        </a:spcAft>
+                        <a:tabLst>
+                          <a:tab pos="540385" algn="l"/>
+                          <a:tab pos="450215" algn="l"/>
+                          <a:tab pos="540385" algn="l"/>
+                        </a:tabLst>
+                      </a:pPr>
+                      <a:r>
+                        <a:rPr lang="pt-BR" sz="1600">
+                          <a:effectLst/>
+                        </a:rPr>
+                        <a:t>Queimar o arduino</a:t>
+                      </a:r>
+                      <a:endParaRPr lang="pt-BR" sz="1600">
+                        <a:effectLst/>
+                        <a:latin typeface="Arial" panose="020B0604020202020204" pitchFamily="34" charset="0"/>
+                        <a:ea typeface="Times New Roman" panose="02020603050405020304" pitchFamily="18" charset="0"/>
+                        <a:cs typeface="Times New Roman" panose="02020603050405020304" pitchFamily="18" charset="0"/>
+                      </a:endParaRPr>
+                    </a:p>
+                  </a:txBody>
+                  <a:tcPr marL="45111" marR="45111" marT="0" marB="0" anchor="ctr">
+                    <a:lnL w="12700" cmpd="sng">
+                      <a:noFill/>
+                    </a:lnL>
+                    <a:lnR w="12700" cmpd="sng">
+                      <a:noFill/>
+                    </a:lnR>
+                    <a:lnT w="12700" cmpd="sng">
+                      <a:noFill/>
+                    </a:lnT>
+                    <a:lnB w="12700" cmpd="sng">
+                      <a:noFill/>
+                    </a:lnB>
+                    <a:lnTlToBr w="12700" cmpd="sng">
+                      <a:noFill/>
+                      <a:prstDash val="solid"/>
+                    </a:lnTlToBr>
+                    <a:lnBlToTr w="12700" cmpd="sng">
+                      <a:noFill/>
+                      <a:prstDash val="solid"/>
+                    </a:lnBlToTr>
+                  </a:tcPr>
+                </a:tc>
+                <a:tc>
+                  <a:txBody>
+                    <a:bodyPr/>
+                    <a:lstStyle/>
+                    <a:p>
+                      <a:pPr algn="ctr">
+                        <a:lnSpc>
+                          <a:spcPct val="150000"/>
+                        </a:lnSpc>
+                        <a:spcBef>
+                          <a:spcPts val="300"/>
+                        </a:spcBef>
+                        <a:spcAft>
+                          <a:spcPts val="0"/>
+                        </a:spcAft>
+                        <a:tabLst>
+                          <a:tab pos="540385" algn="l"/>
+                          <a:tab pos="450215" algn="l"/>
+                          <a:tab pos="540385" algn="l"/>
+                        </a:tabLst>
+                      </a:pPr>
+                      <a:r>
+                        <a:rPr lang="pt-BR" sz="1600">
+                          <a:effectLst/>
+                        </a:rPr>
+                        <a:t>Pouco Provável (1)</a:t>
+                      </a:r>
+                      <a:endParaRPr lang="pt-BR" sz="1600">
+                        <a:effectLst/>
+                        <a:latin typeface="Arial" panose="020B0604020202020204" pitchFamily="34" charset="0"/>
+                        <a:ea typeface="Times New Roman" panose="02020603050405020304" pitchFamily="18" charset="0"/>
+                        <a:cs typeface="Times New Roman" panose="02020603050405020304" pitchFamily="18" charset="0"/>
+                      </a:endParaRPr>
+                    </a:p>
+                  </a:txBody>
+                  <a:tcPr marL="45111" marR="45111" marT="0" marB="0" anchor="ctr">
+                    <a:lnL w="12700" cmpd="sng">
+                      <a:noFill/>
+                    </a:lnL>
+                    <a:lnR w="12700" cmpd="sng">
+                      <a:noFill/>
+                    </a:lnR>
+                    <a:lnT w="12700" cmpd="sng">
+                      <a:noFill/>
+                    </a:lnT>
+                    <a:lnB w="12700" cmpd="sng">
+                      <a:noFill/>
+                    </a:lnB>
+                    <a:lnTlToBr w="12700" cmpd="sng">
+                      <a:noFill/>
+                      <a:prstDash val="solid"/>
+                    </a:lnTlToBr>
+                    <a:lnBlToTr w="12700" cmpd="sng">
+                      <a:noFill/>
+                      <a:prstDash val="solid"/>
+                    </a:lnBlToTr>
+                  </a:tcPr>
+                </a:tc>
+                <a:tc>
+                  <a:txBody>
+                    <a:bodyPr/>
+                    <a:lstStyle/>
+                    <a:p>
+                      <a:pPr algn="ctr">
+                        <a:lnSpc>
+                          <a:spcPct val="150000"/>
+                        </a:lnSpc>
+                        <a:spcBef>
+                          <a:spcPts val="1200"/>
+                        </a:spcBef>
+                        <a:spcAft>
+                          <a:spcPts val="0"/>
+                        </a:spcAft>
+                        <a:tabLst>
+                          <a:tab pos="540385" algn="l"/>
+                          <a:tab pos="450215" algn="l"/>
+                          <a:tab pos="540385" algn="l"/>
+                        </a:tabLst>
+                      </a:pPr>
+                      <a:r>
+                        <a:rPr lang="pt-BR" sz="1600">
+                          <a:effectLst/>
+                        </a:rPr>
+                        <a:t>Alto (3)</a:t>
+                      </a:r>
+                      <a:endParaRPr lang="pt-BR" sz="1600">
+                        <a:effectLst/>
+                        <a:latin typeface="Arial" panose="020B0604020202020204" pitchFamily="34" charset="0"/>
+                        <a:ea typeface="Times New Roman" panose="02020603050405020304" pitchFamily="18" charset="0"/>
+                        <a:cs typeface="Times New Roman" panose="02020603050405020304" pitchFamily="18" charset="0"/>
+                      </a:endParaRPr>
+                    </a:p>
+                  </a:txBody>
+                  <a:tcPr marL="45111" marR="45111" marT="0" marB="0" anchor="ctr">
+                    <a:lnL w="12700" cmpd="sng">
+                      <a:noFill/>
+                    </a:lnL>
+                    <a:lnR w="12700" cmpd="sng">
+                      <a:noFill/>
+                    </a:lnR>
+                    <a:lnT w="12700" cmpd="sng">
+                      <a:noFill/>
+                    </a:lnT>
+                    <a:lnB w="12700" cmpd="sng">
+                      <a:noFill/>
+                    </a:lnB>
+                    <a:lnTlToBr w="12700" cmpd="sng">
+                      <a:noFill/>
+                      <a:prstDash val="solid"/>
+                    </a:lnTlToBr>
+                    <a:lnBlToTr w="12700" cmpd="sng">
+                      <a:noFill/>
+                      <a:prstDash val="solid"/>
+                    </a:lnBlToTr>
+                  </a:tcPr>
+                </a:tc>
+                <a:tc>
+                  <a:txBody>
+                    <a:bodyPr/>
+                    <a:lstStyle/>
+                    <a:p>
+                      <a:pPr algn="ctr">
+                        <a:lnSpc>
+                          <a:spcPct val="150000"/>
+                        </a:lnSpc>
+                        <a:spcBef>
+                          <a:spcPts val="1200"/>
+                        </a:spcBef>
+                        <a:spcAft>
+                          <a:spcPts val="0"/>
+                        </a:spcAft>
+                        <a:tabLst>
+                          <a:tab pos="540385" algn="l"/>
+                          <a:tab pos="450215" algn="l"/>
+                          <a:tab pos="540385" algn="l"/>
+                        </a:tabLst>
+                      </a:pPr>
+                      <a:r>
+                        <a:rPr lang="pt-BR" sz="1600">
+                          <a:effectLst/>
+                        </a:rPr>
+                        <a:t>3</a:t>
+                      </a:r>
+                      <a:endParaRPr lang="pt-BR" sz="1600">
+                        <a:effectLst/>
+                        <a:latin typeface="Arial" panose="020B0604020202020204" pitchFamily="34" charset="0"/>
+                        <a:ea typeface="Times New Roman" panose="02020603050405020304" pitchFamily="18" charset="0"/>
+                        <a:cs typeface="Times New Roman" panose="02020603050405020304" pitchFamily="18" charset="0"/>
+                      </a:endParaRPr>
+                    </a:p>
+                  </a:txBody>
+                  <a:tcPr marL="45111" marR="45111" marT="0" marB="0" anchor="ctr">
+                    <a:lnL w="12700" cmpd="sng">
+                      <a:noFill/>
+                    </a:lnL>
+                    <a:lnR w="12700" cmpd="sng">
+                      <a:noFill/>
+                    </a:lnR>
+                    <a:lnT w="12700" cmpd="sng">
+                      <a:noFill/>
+                    </a:lnT>
+                    <a:lnB w="12700" cmpd="sng">
+                      <a:noFill/>
+                    </a:lnB>
+                    <a:lnTlToBr w="12700" cmpd="sng">
+                      <a:noFill/>
+                      <a:prstDash val="solid"/>
+                    </a:lnTlToBr>
+                    <a:lnBlToTr w="12700" cmpd="sng">
+                      <a:noFill/>
+                      <a:prstDash val="solid"/>
+                    </a:lnBlToTr>
+                  </a:tcPr>
+                </a:tc>
+                <a:tc>
+                  <a:txBody>
+                    <a:bodyPr/>
+                    <a:lstStyle/>
+                    <a:p>
+                      <a:pPr algn="ctr">
+                        <a:lnSpc>
+                          <a:spcPct val="150000"/>
+                        </a:lnSpc>
+                        <a:spcBef>
+                          <a:spcPts val="1200"/>
+                        </a:spcBef>
+                        <a:spcAft>
+                          <a:spcPts val="0"/>
+                        </a:spcAft>
+                        <a:tabLst>
+                          <a:tab pos="540385" algn="l"/>
+                          <a:tab pos="450215" algn="l"/>
+                          <a:tab pos="540385" algn="l"/>
+                        </a:tabLst>
+                      </a:pPr>
+                      <a:r>
+                        <a:rPr lang="pt-BR" sz="1600" dirty="0">
+                          <a:effectLst/>
+                        </a:rPr>
+                        <a:t>Mitigar</a:t>
+                      </a:r>
+                      <a:endParaRPr lang="pt-BR" sz="1600" dirty="0">
+                        <a:effectLst/>
+                        <a:latin typeface="Arial" panose="020B0604020202020204" pitchFamily="34" charset="0"/>
+                        <a:ea typeface="Times New Roman" panose="02020603050405020304" pitchFamily="18" charset="0"/>
+                        <a:cs typeface="Times New Roman" panose="02020603050405020304" pitchFamily="18" charset="0"/>
+                      </a:endParaRPr>
+                    </a:p>
+                  </a:txBody>
+                  <a:tcPr marL="45111" marR="45111" marT="0" marB="0" anchor="ctr">
+                    <a:lnL w="12700" cmpd="sng">
+                      <a:noFill/>
+                    </a:lnL>
+                    <a:lnR w="12700" cmpd="sng">
+                      <a:noFill/>
+                    </a:lnR>
+                    <a:lnT w="12700" cmpd="sng">
+                      <a:noFill/>
+                    </a:lnT>
+                    <a:lnB w="12700" cmpd="sng">
+                      <a:noFill/>
+                    </a:lnB>
+                    <a:lnTlToBr w="12700" cmpd="sng">
+                      <a:noFill/>
+                      <a:prstDash val="solid"/>
+                    </a:lnTlToBr>
+                    <a:lnBlToTr w="12700" cmpd="sng">
+                      <a:noFill/>
+                      <a:prstDash val="solid"/>
+                    </a:lnBlToTr>
+                  </a:tcPr>
+                </a:tc>
+                <a:tc>
+                  <a:txBody>
+                    <a:bodyPr/>
+                    <a:lstStyle/>
+                    <a:p>
+                      <a:pPr algn="ctr">
+                        <a:lnSpc>
+                          <a:spcPct val="150000"/>
+                        </a:lnSpc>
+                        <a:spcBef>
+                          <a:spcPts val="1200"/>
+                        </a:spcBef>
+                        <a:spcAft>
+                          <a:spcPts val="0"/>
+                        </a:spcAft>
+                        <a:tabLst>
+                          <a:tab pos="540385" algn="l"/>
+                          <a:tab pos="450215" algn="l"/>
+                          <a:tab pos="540385" algn="l"/>
+                        </a:tabLst>
+                      </a:pPr>
+                      <a:r>
+                        <a:rPr lang="pt-BR" sz="1600" dirty="0">
+                          <a:effectLst/>
+                        </a:rPr>
+                        <a:t>Usar com atenção e cuidado</a:t>
+                      </a:r>
+                      <a:endParaRPr lang="pt-BR" sz="1600" dirty="0">
+                        <a:effectLst/>
+                        <a:latin typeface="Arial" panose="020B0604020202020204" pitchFamily="34" charset="0"/>
+                        <a:ea typeface="Times New Roman" panose="02020603050405020304" pitchFamily="18" charset="0"/>
+                        <a:cs typeface="Times New Roman" panose="02020603050405020304" pitchFamily="18" charset="0"/>
+                      </a:endParaRPr>
+                    </a:p>
+                  </a:txBody>
+                  <a:tcPr marL="45111" marR="45111" marT="0" marB="0" anchor="ctr">
+                    <a:lnL w="12700" cmpd="sng">
+                      <a:noFill/>
+                    </a:lnL>
+                    <a:lnR w="12700" cmpd="sng">
+                      <a:noFill/>
+                    </a:lnR>
+                    <a:lnT w="12700" cmpd="sng">
+                      <a:noFill/>
+                    </a:lnT>
+                    <a:lnB w="12700" cmpd="sng">
+                      <a:noFill/>
+                    </a:lnB>
+                    <a:lnTlToBr w="12700" cmpd="sng">
+                      <a:noFill/>
+                      <a:prstDash val="solid"/>
+                    </a:lnTlToBr>
+                    <a:lnBlToTr w="12700" cmpd="sng">
+                      <a:noFill/>
+                      <a:prstDash val="solid"/>
+                    </a:lnBlToTr>
+                  </a:tcPr>
+                </a:tc>
+                <a:extLst>
+                  <a:ext uri="{0D108BD9-81ED-4DB2-BD59-A6C34878D82A}">
+                    <a16:rowId xmlns:a16="http://schemas.microsoft.com/office/drawing/2014/main" val="2597182618"/>
+                  </a:ext>
+                </a:extLst>
+              </a:tr>
+              <a:tr h="535664">
+                <a:tc>
+                  <a:txBody>
+                    <a:bodyPr/>
+                    <a:lstStyle/>
+                    <a:p>
+                      <a:pPr algn="ctr">
+                        <a:lnSpc>
+                          <a:spcPct val="150000"/>
+                        </a:lnSpc>
+                        <a:spcBef>
+                          <a:spcPts val="1200"/>
+                        </a:spcBef>
+                        <a:spcAft>
+                          <a:spcPts val="0"/>
+                        </a:spcAft>
+                        <a:tabLst>
+                          <a:tab pos="540385" algn="l"/>
+                          <a:tab pos="450215" algn="l"/>
+                          <a:tab pos="540385" algn="l"/>
+                        </a:tabLst>
+                      </a:pPr>
+                      <a:r>
+                        <a:rPr lang="pt-BR" sz="1600">
+                          <a:effectLst/>
+                        </a:rPr>
+                        <a:t>5</a:t>
+                      </a:r>
+                      <a:endParaRPr lang="pt-BR" sz="1600">
+                        <a:effectLst/>
+                        <a:latin typeface="Arial" panose="020B0604020202020204" pitchFamily="34" charset="0"/>
+                        <a:ea typeface="Times New Roman" panose="02020603050405020304" pitchFamily="18" charset="0"/>
+                        <a:cs typeface="Times New Roman" panose="02020603050405020304" pitchFamily="18" charset="0"/>
+                      </a:endParaRPr>
+                    </a:p>
+                  </a:txBody>
+                  <a:tcPr marL="45111" marR="45111" marT="0" marB="0" anchor="ctr">
+                    <a:lnL w="12700" cmpd="sng">
+                      <a:noFill/>
+                    </a:lnL>
+                    <a:lnR w="12700" cmpd="sng">
+                      <a:noFill/>
+                    </a:lnR>
+                    <a:lnT w="12700" cmpd="sng">
+                      <a:noFill/>
+                    </a:lnT>
+                    <a:lnB w="12700" cmpd="sng">
+                      <a:noFill/>
+                    </a:lnB>
+                    <a:lnTlToBr w="12700" cmpd="sng">
+                      <a:noFill/>
+                      <a:prstDash val="solid"/>
+                    </a:lnTlToBr>
+                    <a:lnBlToTr w="12700" cmpd="sng">
+                      <a:noFill/>
+                      <a:prstDash val="solid"/>
+                    </a:lnBlToTr>
+                  </a:tcPr>
+                </a:tc>
+                <a:tc>
+                  <a:txBody>
+                    <a:bodyPr/>
+                    <a:lstStyle/>
+                    <a:p>
+                      <a:pPr algn="ctr">
+                        <a:lnSpc>
+                          <a:spcPct val="150000"/>
+                        </a:lnSpc>
+                        <a:spcBef>
+                          <a:spcPts val="1200"/>
+                        </a:spcBef>
+                        <a:spcAft>
+                          <a:spcPts val="0"/>
+                        </a:spcAft>
+                        <a:tabLst>
+                          <a:tab pos="540385" algn="l"/>
+                          <a:tab pos="450215" algn="l"/>
+                          <a:tab pos="540385" algn="l"/>
+                        </a:tabLst>
+                      </a:pPr>
+                      <a:r>
+                        <a:rPr lang="pt-BR" sz="1600">
+                          <a:effectLst/>
+                        </a:rPr>
+                        <a:t>Prazo subestimado</a:t>
+                      </a:r>
+                      <a:endParaRPr lang="pt-BR" sz="1600">
+                        <a:effectLst/>
+                        <a:latin typeface="Arial" panose="020B0604020202020204" pitchFamily="34" charset="0"/>
+                        <a:ea typeface="Times New Roman" panose="02020603050405020304" pitchFamily="18" charset="0"/>
+                        <a:cs typeface="Times New Roman" panose="02020603050405020304" pitchFamily="18" charset="0"/>
+                      </a:endParaRPr>
+                    </a:p>
+                  </a:txBody>
+                  <a:tcPr marL="45111" marR="45111" marT="0" marB="0" anchor="ctr">
+                    <a:lnL w="12700" cmpd="sng">
+                      <a:noFill/>
+                    </a:lnL>
+                    <a:lnR w="12700" cmpd="sng">
+                      <a:noFill/>
+                    </a:lnR>
+                    <a:lnT w="12700" cmpd="sng">
+                      <a:noFill/>
+                    </a:lnT>
+                    <a:lnB w="12700" cmpd="sng">
+                      <a:noFill/>
+                    </a:lnB>
+                    <a:lnTlToBr w="12700" cmpd="sng">
+                      <a:noFill/>
+                      <a:prstDash val="solid"/>
+                    </a:lnTlToBr>
+                    <a:lnBlToTr w="12700" cmpd="sng">
+                      <a:noFill/>
+                      <a:prstDash val="solid"/>
+                    </a:lnBlToTr>
+                  </a:tcPr>
+                </a:tc>
+                <a:tc>
+                  <a:txBody>
+                    <a:bodyPr/>
+                    <a:lstStyle/>
+                    <a:p>
+                      <a:pPr algn="ctr">
+                        <a:lnSpc>
+                          <a:spcPct val="150000"/>
+                        </a:lnSpc>
+                        <a:spcBef>
+                          <a:spcPts val="1200"/>
+                        </a:spcBef>
+                        <a:spcAft>
+                          <a:spcPts val="0"/>
+                        </a:spcAft>
+                        <a:tabLst>
+                          <a:tab pos="540385" algn="l"/>
+                          <a:tab pos="450215" algn="l"/>
+                          <a:tab pos="540385" algn="l"/>
+                        </a:tabLst>
+                      </a:pPr>
+                      <a:r>
+                        <a:rPr lang="pt-BR" sz="1600">
+                          <a:effectLst/>
+                        </a:rPr>
+                        <a:t>Provável (2)</a:t>
+                      </a:r>
+                      <a:endParaRPr lang="pt-BR" sz="1600">
+                        <a:effectLst/>
+                        <a:latin typeface="Arial" panose="020B0604020202020204" pitchFamily="34" charset="0"/>
+                        <a:ea typeface="Times New Roman" panose="02020603050405020304" pitchFamily="18" charset="0"/>
+                        <a:cs typeface="Times New Roman" panose="02020603050405020304" pitchFamily="18" charset="0"/>
+                      </a:endParaRPr>
+                    </a:p>
+                  </a:txBody>
+                  <a:tcPr marL="45111" marR="45111" marT="0" marB="0" anchor="ctr">
+                    <a:lnL w="12700" cmpd="sng">
+                      <a:noFill/>
+                    </a:lnL>
+                    <a:lnR w="12700" cmpd="sng">
+                      <a:noFill/>
+                    </a:lnR>
+                    <a:lnT w="12700" cmpd="sng">
+                      <a:noFill/>
+                    </a:lnT>
+                    <a:lnB w="12700" cmpd="sng">
+                      <a:noFill/>
+                    </a:lnB>
+                    <a:lnTlToBr w="12700" cmpd="sng">
+                      <a:noFill/>
+                      <a:prstDash val="solid"/>
+                    </a:lnTlToBr>
+                    <a:lnBlToTr w="12700" cmpd="sng">
+                      <a:noFill/>
+                      <a:prstDash val="solid"/>
+                    </a:lnBlToTr>
+                  </a:tcPr>
+                </a:tc>
+                <a:tc>
+                  <a:txBody>
+                    <a:bodyPr/>
+                    <a:lstStyle/>
+                    <a:p>
+                      <a:pPr algn="ctr">
+                        <a:lnSpc>
+                          <a:spcPct val="150000"/>
+                        </a:lnSpc>
+                        <a:spcBef>
+                          <a:spcPts val="1200"/>
+                        </a:spcBef>
+                        <a:spcAft>
+                          <a:spcPts val="0"/>
+                        </a:spcAft>
+                        <a:tabLst>
+                          <a:tab pos="540385" algn="l"/>
+                          <a:tab pos="450215" algn="l"/>
+                          <a:tab pos="540385" algn="l"/>
+                        </a:tabLst>
+                      </a:pPr>
+                      <a:r>
+                        <a:rPr lang="pt-BR" sz="1600">
+                          <a:effectLst/>
+                        </a:rPr>
+                        <a:t>Médio (2)</a:t>
+                      </a:r>
+                      <a:endParaRPr lang="pt-BR" sz="1600">
+                        <a:effectLst/>
+                        <a:latin typeface="Arial" panose="020B0604020202020204" pitchFamily="34" charset="0"/>
+                        <a:ea typeface="Times New Roman" panose="02020603050405020304" pitchFamily="18" charset="0"/>
+                        <a:cs typeface="Times New Roman" panose="02020603050405020304" pitchFamily="18" charset="0"/>
+                      </a:endParaRPr>
+                    </a:p>
+                  </a:txBody>
+                  <a:tcPr marL="45111" marR="45111" marT="0" marB="0" anchor="ctr">
+                    <a:lnL w="12700" cmpd="sng">
+                      <a:noFill/>
+                    </a:lnL>
+                    <a:lnR w="12700" cmpd="sng">
+                      <a:noFill/>
+                    </a:lnR>
+                    <a:lnT w="12700" cmpd="sng">
+                      <a:noFill/>
+                    </a:lnT>
+                    <a:lnB w="12700" cmpd="sng">
+                      <a:noFill/>
+                    </a:lnB>
+                    <a:lnTlToBr w="12700" cmpd="sng">
+                      <a:noFill/>
+                      <a:prstDash val="solid"/>
+                    </a:lnTlToBr>
+                    <a:lnBlToTr w="12700" cmpd="sng">
+                      <a:noFill/>
+                      <a:prstDash val="solid"/>
+                    </a:lnBlToTr>
+                  </a:tcPr>
+                </a:tc>
+                <a:tc>
+                  <a:txBody>
+                    <a:bodyPr/>
+                    <a:lstStyle/>
+                    <a:p>
+                      <a:pPr algn="ctr">
+                        <a:lnSpc>
+                          <a:spcPct val="150000"/>
+                        </a:lnSpc>
+                        <a:spcBef>
+                          <a:spcPts val="1200"/>
+                        </a:spcBef>
+                        <a:spcAft>
+                          <a:spcPts val="0"/>
+                        </a:spcAft>
+                        <a:tabLst>
+                          <a:tab pos="540385" algn="l"/>
+                          <a:tab pos="450215" algn="l"/>
+                          <a:tab pos="540385" algn="l"/>
+                        </a:tabLst>
+                      </a:pPr>
+                      <a:r>
+                        <a:rPr lang="pt-BR" sz="1600">
+                          <a:effectLst/>
+                        </a:rPr>
+                        <a:t>4</a:t>
+                      </a:r>
+                      <a:endParaRPr lang="pt-BR" sz="1600">
+                        <a:effectLst/>
+                        <a:latin typeface="Arial" panose="020B0604020202020204" pitchFamily="34" charset="0"/>
+                        <a:ea typeface="Times New Roman" panose="02020603050405020304" pitchFamily="18" charset="0"/>
+                        <a:cs typeface="Times New Roman" panose="02020603050405020304" pitchFamily="18" charset="0"/>
+                      </a:endParaRPr>
+                    </a:p>
+                  </a:txBody>
+                  <a:tcPr marL="45111" marR="45111" marT="0" marB="0" anchor="ctr">
+                    <a:lnL w="12700" cmpd="sng">
+                      <a:noFill/>
+                    </a:lnL>
+                    <a:lnR w="12700" cmpd="sng">
+                      <a:noFill/>
+                    </a:lnR>
+                    <a:lnT w="12700" cmpd="sng">
+                      <a:noFill/>
+                    </a:lnT>
+                    <a:lnB w="12700" cmpd="sng">
+                      <a:noFill/>
+                    </a:lnB>
+                    <a:lnTlToBr w="12700" cmpd="sng">
+                      <a:noFill/>
+                      <a:prstDash val="solid"/>
+                    </a:lnTlToBr>
+                    <a:lnBlToTr w="12700" cmpd="sng">
+                      <a:noFill/>
+                      <a:prstDash val="solid"/>
+                    </a:lnBlToTr>
+                  </a:tcPr>
+                </a:tc>
+                <a:tc>
+                  <a:txBody>
+                    <a:bodyPr/>
+                    <a:lstStyle/>
+                    <a:p>
+                      <a:pPr algn="ctr">
+                        <a:lnSpc>
+                          <a:spcPct val="150000"/>
+                        </a:lnSpc>
+                        <a:spcBef>
+                          <a:spcPts val="1200"/>
+                        </a:spcBef>
+                        <a:spcAft>
+                          <a:spcPts val="0"/>
+                        </a:spcAft>
+                        <a:tabLst>
+                          <a:tab pos="540385" algn="l"/>
+                          <a:tab pos="450215" algn="l"/>
+                          <a:tab pos="540385" algn="l"/>
+                        </a:tabLst>
+                      </a:pPr>
+                      <a:r>
+                        <a:rPr lang="pt-BR" sz="1600" dirty="0">
+                          <a:effectLst/>
+                        </a:rPr>
+                        <a:t>Mitigar</a:t>
+                      </a:r>
+                      <a:endParaRPr lang="pt-BR" sz="1600" dirty="0">
+                        <a:effectLst/>
+                        <a:latin typeface="Arial" panose="020B0604020202020204" pitchFamily="34" charset="0"/>
+                        <a:ea typeface="Times New Roman" panose="02020603050405020304" pitchFamily="18" charset="0"/>
+                        <a:cs typeface="Times New Roman" panose="02020603050405020304" pitchFamily="18" charset="0"/>
+                      </a:endParaRPr>
+                    </a:p>
+                  </a:txBody>
+                  <a:tcPr marL="45111" marR="45111" marT="0" marB="0" anchor="ctr">
+                    <a:lnL w="12700" cmpd="sng">
+                      <a:noFill/>
+                    </a:lnL>
+                    <a:lnR w="12700" cmpd="sng">
+                      <a:noFill/>
+                    </a:lnR>
+                    <a:lnT w="12700" cmpd="sng">
+                      <a:noFill/>
+                    </a:lnT>
+                    <a:lnB w="12700" cmpd="sng">
+                      <a:noFill/>
+                    </a:lnB>
+                    <a:lnTlToBr w="12700" cmpd="sng">
+                      <a:noFill/>
+                      <a:prstDash val="solid"/>
+                    </a:lnTlToBr>
+                    <a:lnBlToTr w="12700" cmpd="sng">
+                      <a:noFill/>
+                      <a:prstDash val="solid"/>
+                    </a:lnBlToTr>
+                  </a:tcPr>
+                </a:tc>
+                <a:tc>
+                  <a:txBody>
+                    <a:bodyPr/>
+                    <a:lstStyle/>
+                    <a:p>
+                      <a:pPr algn="ctr">
+                        <a:lnSpc>
+                          <a:spcPct val="150000"/>
+                        </a:lnSpc>
+                        <a:spcBef>
+                          <a:spcPts val="300"/>
+                        </a:spcBef>
+                        <a:spcAft>
+                          <a:spcPts val="0"/>
+                        </a:spcAft>
+                        <a:tabLst>
+                          <a:tab pos="540385" algn="l"/>
+                          <a:tab pos="450215" algn="l"/>
+                          <a:tab pos="540385" algn="l"/>
+                        </a:tabLst>
+                      </a:pPr>
+                      <a:r>
+                        <a:rPr lang="pt-BR" sz="1600" dirty="0">
+                          <a:effectLst/>
+                        </a:rPr>
+                        <a:t>Ter e cuidado com o prazo</a:t>
+                      </a:r>
+                      <a:endParaRPr lang="pt-BR" sz="1600" dirty="0">
+                        <a:effectLst/>
+                        <a:latin typeface="Arial" panose="020B0604020202020204" pitchFamily="34" charset="0"/>
+                        <a:ea typeface="Times New Roman" panose="02020603050405020304" pitchFamily="18" charset="0"/>
+                        <a:cs typeface="Times New Roman" panose="02020603050405020304" pitchFamily="18" charset="0"/>
+                      </a:endParaRPr>
+                    </a:p>
+                  </a:txBody>
+                  <a:tcPr marL="45111" marR="45111" marT="0" marB="0" anchor="ctr">
+                    <a:lnL w="12700" cmpd="sng">
+                      <a:noFill/>
+                    </a:lnL>
+                    <a:lnR w="12700" cmpd="sng">
+                      <a:noFill/>
+                    </a:lnR>
+                    <a:lnT w="12700" cmpd="sng">
+                      <a:noFill/>
+                    </a:lnT>
+                    <a:lnB w="12700" cmpd="sng">
+                      <a:noFill/>
+                    </a:lnB>
+                    <a:lnTlToBr w="12700" cmpd="sng">
+                      <a:noFill/>
+                      <a:prstDash val="solid"/>
+                    </a:lnTlToBr>
+                    <a:lnBlToTr w="12700" cmpd="sng">
+                      <a:noFill/>
+                      <a:prstDash val="solid"/>
+                    </a:lnBlToTr>
+                  </a:tcPr>
+                </a:tc>
+                <a:extLst>
+                  <a:ext uri="{0D108BD9-81ED-4DB2-BD59-A6C34878D82A}">
+                    <a16:rowId xmlns:a16="http://schemas.microsoft.com/office/drawing/2014/main" val="3229298124"/>
+                  </a:ext>
+                </a:extLst>
+              </a:tr>
+              <a:tr h="963708">
+                <a:tc>
+                  <a:txBody>
+                    <a:bodyPr/>
+                    <a:lstStyle/>
+                    <a:p>
+                      <a:pPr algn="ctr">
+                        <a:lnSpc>
+                          <a:spcPct val="150000"/>
+                        </a:lnSpc>
+                        <a:spcBef>
+                          <a:spcPts val="2400"/>
+                        </a:spcBef>
+                        <a:spcAft>
+                          <a:spcPts val="0"/>
+                        </a:spcAft>
+                        <a:tabLst>
+                          <a:tab pos="540385" algn="l"/>
+                          <a:tab pos="450215" algn="l"/>
+                          <a:tab pos="540385" algn="l"/>
+                        </a:tabLst>
+                      </a:pPr>
+                      <a:r>
+                        <a:rPr lang="pt-BR" sz="1600">
+                          <a:effectLst/>
+                        </a:rPr>
+                        <a:t>6</a:t>
+                      </a:r>
+                      <a:endParaRPr lang="pt-BR" sz="1600">
+                        <a:effectLst/>
+                        <a:latin typeface="Arial" panose="020B0604020202020204" pitchFamily="34" charset="0"/>
+                        <a:ea typeface="Times New Roman" panose="02020603050405020304" pitchFamily="18" charset="0"/>
+                        <a:cs typeface="Times New Roman" panose="02020603050405020304" pitchFamily="18" charset="0"/>
+                      </a:endParaRPr>
+                    </a:p>
+                  </a:txBody>
+                  <a:tcPr marL="45111" marR="45111" marT="0" marB="0" anchor="ctr">
+                    <a:lnL w="12700" cmpd="sng">
+                      <a:noFill/>
+                    </a:lnL>
+                    <a:lnR w="12700" cmpd="sng">
+                      <a:noFill/>
+                    </a:lnR>
+                    <a:lnT w="12700" cmpd="sng">
+                      <a:noFill/>
+                    </a:lnT>
+                    <a:lnB w="12700" cmpd="sng">
+                      <a:noFill/>
+                    </a:lnB>
+                    <a:lnTlToBr w="12700" cmpd="sng">
+                      <a:noFill/>
+                      <a:prstDash val="solid"/>
+                    </a:lnTlToBr>
+                    <a:lnBlToTr w="12700" cmpd="sng">
+                      <a:noFill/>
+                      <a:prstDash val="solid"/>
+                    </a:lnBlToTr>
+                  </a:tcPr>
+                </a:tc>
+                <a:tc>
+                  <a:txBody>
+                    <a:bodyPr/>
+                    <a:lstStyle/>
+                    <a:p>
+                      <a:pPr algn="ctr">
+                        <a:lnSpc>
+                          <a:spcPct val="150000"/>
+                        </a:lnSpc>
+                        <a:spcBef>
+                          <a:spcPts val="300"/>
+                        </a:spcBef>
+                        <a:spcAft>
+                          <a:spcPts val="0"/>
+                        </a:spcAft>
+                        <a:tabLst>
+                          <a:tab pos="540385" algn="l"/>
+                          <a:tab pos="450215" algn="l"/>
+                          <a:tab pos="540385" algn="l"/>
+                        </a:tabLst>
+                      </a:pPr>
+                      <a:r>
+                        <a:rPr lang="pt-BR" sz="1600">
+                          <a:effectLst/>
+                        </a:rPr>
+                        <a:t>Falta de produtividade da equipe</a:t>
+                      </a:r>
+                      <a:endParaRPr lang="pt-BR" sz="1600">
+                        <a:effectLst/>
+                        <a:latin typeface="Arial" panose="020B0604020202020204" pitchFamily="34" charset="0"/>
+                        <a:ea typeface="Times New Roman" panose="02020603050405020304" pitchFamily="18" charset="0"/>
+                        <a:cs typeface="Times New Roman" panose="02020603050405020304" pitchFamily="18" charset="0"/>
+                      </a:endParaRPr>
+                    </a:p>
+                  </a:txBody>
+                  <a:tcPr marL="45111" marR="45111" marT="0" marB="0" anchor="ctr">
+                    <a:lnL w="12700" cmpd="sng">
+                      <a:noFill/>
+                    </a:lnL>
+                    <a:lnR w="12700" cmpd="sng">
+                      <a:noFill/>
+                    </a:lnR>
+                    <a:lnT w="12700" cmpd="sng">
+                      <a:noFill/>
+                    </a:lnT>
+                    <a:lnB w="12700" cmpd="sng">
+                      <a:noFill/>
+                    </a:lnB>
+                    <a:lnTlToBr w="12700" cmpd="sng">
+                      <a:noFill/>
+                      <a:prstDash val="solid"/>
+                    </a:lnTlToBr>
+                    <a:lnBlToTr w="12700" cmpd="sng">
+                      <a:noFill/>
+                      <a:prstDash val="solid"/>
+                    </a:lnBlToTr>
+                  </a:tcPr>
+                </a:tc>
+                <a:tc>
+                  <a:txBody>
+                    <a:bodyPr/>
+                    <a:lstStyle/>
+                    <a:p>
+                      <a:pPr algn="ctr">
+                        <a:lnSpc>
+                          <a:spcPct val="150000"/>
+                        </a:lnSpc>
+                        <a:spcBef>
+                          <a:spcPts val="2400"/>
+                        </a:spcBef>
+                        <a:spcAft>
+                          <a:spcPts val="0"/>
+                        </a:spcAft>
+                        <a:tabLst>
+                          <a:tab pos="540385" algn="l"/>
+                          <a:tab pos="450215" algn="l"/>
+                          <a:tab pos="540385" algn="l"/>
+                        </a:tabLst>
+                      </a:pPr>
+                      <a:r>
+                        <a:rPr lang="pt-BR" sz="1600">
+                          <a:effectLst/>
+                        </a:rPr>
+                        <a:t>Provável (2)</a:t>
+                      </a:r>
+                      <a:endParaRPr lang="pt-BR" sz="1600">
+                        <a:effectLst/>
+                        <a:latin typeface="Arial" panose="020B0604020202020204" pitchFamily="34" charset="0"/>
+                        <a:ea typeface="Times New Roman" panose="02020603050405020304" pitchFamily="18" charset="0"/>
+                        <a:cs typeface="Times New Roman" panose="02020603050405020304" pitchFamily="18" charset="0"/>
+                      </a:endParaRPr>
+                    </a:p>
+                  </a:txBody>
+                  <a:tcPr marL="45111" marR="45111" marT="0" marB="0" anchor="ctr">
+                    <a:lnL w="12700" cmpd="sng">
+                      <a:noFill/>
+                    </a:lnL>
+                    <a:lnR w="12700" cmpd="sng">
+                      <a:noFill/>
+                    </a:lnR>
+                    <a:lnT w="12700" cmpd="sng">
+                      <a:noFill/>
+                    </a:lnT>
+                    <a:lnB w="12700" cmpd="sng">
+                      <a:noFill/>
+                    </a:lnB>
+                    <a:lnTlToBr w="12700" cmpd="sng">
+                      <a:noFill/>
+                      <a:prstDash val="solid"/>
+                    </a:lnTlToBr>
+                    <a:lnBlToTr w="12700" cmpd="sng">
+                      <a:noFill/>
+                      <a:prstDash val="solid"/>
+                    </a:lnBlToTr>
+                  </a:tcPr>
+                </a:tc>
+                <a:tc>
+                  <a:txBody>
+                    <a:bodyPr/>
+                    <a:lstStyle/>
+                    <a:p>
+                      <a:pPr algn="ctr">
+                        <a:lnSpc>
+                          <a:spcPct val="150000"/>
+                        </a:lnSpc>
+                        <a:spcBef>
+                          <a:spcPts val="2400"/>
+                        </a:spcBef>
+                        <a:spcAft>
+                          <a:spcPts val="0"/>
+                        </a:spcAft>
+                        <a:tabLst>
+                          <a:tab pos="540385" algn="l"/>
+                          <a:tab pos="450215" algn="l"/>
+                          <a:tab pos="540385" algn="l"/>
+                        </a:tabLst>
+                      </a:pPr>
+                      <a:r>
+                        <a:rPr lang="pt-BR" sz="1600" dirty="0">
+                          <a:effectLst/>
+                        </a:rPr>
+                        <a:t>Alto (3)</a:t>
+                      </a:r>
+                      <a:endParaRPr lang="pt-BR" sz="1600" dirty="0">
+                        <a:effectLst/>
+                        <a:latin typeface="Arial" panose="020B0604020202020204" pitchFamily="34" charset="0"/>
+                        <a:ea typeface="Times New Roman" panose="02020603050405020304" pitchFamily="18" charset="0"/>
+                        <a:cs typeface="Times New Roman" panose="02020603050405020304" pitchFamily="18" charset="0"/>
+                      </a:endParaRPr>
+                    </a:p>
+                  </a:txBody>
+                  <a:tcPr marL="45111" marR="45111" marT="0" marB="0" anchor="ctr">
+                    <a:lnL w="12700" cmpd="sng">
+                      <a:noFill/>
+                    </a:lnL>
+                    <a:lnR w="12700" cmpd="sng">
+                      <a:noFill/>
+                    </a:lnR>
+                    <a:lnT w="12700" cmpd="sng">
+                      <a:noFill/>
+                    </a:lnT>
+                    <a:lnB w="12700" cmpd="sng">
+                      <a:noFill/>
+                    </a:lnB>
+                    <a:lnTlToBr w="12700" cmpd="sng">
+                      <a:noFill/>
+                      <a:prstDash val="solid"/>
+                    </a:lnTlToBr>
+                    <a:lnBlToTr w="12700" cmpd="sng">
+                      <a:noFill/>
+                      <a:prstDash val="solid"/>
+                    </a:lnBlToTr>
+                  </a:tcPr>
+                </a:tc>
+                <a:tc>
+                  <a:txBody>
+                    <a:bodyPr/>
+                    <a:lstStyle/>
+                    <a:p>
+                      <a:pPr algn="ctr">
+                        <a:lnSpc>
+                          <a:spcPct val="150000"/>
+                        </a:lnSpc>
+                        <a:spcBef>
+                          <a:spcPts val="2400"/>
+                        </a:spcBef>
+                        <a:spcAft>
+                          <a:spcPts val="0"/>
+                        </a:spcAft>
+                        <a:tabLst>
+                          <a:tab pos="540385" algn="l"/>
+                          <a:tab pos="450215" algn="l"/>
+                          <a:tab pos="540385" algn="l"/>
+                        </a:tabLst>
+                      </a:pPr>
+                      <a:r>
+                        <a:rPr lang="pt-BR" sz="1600">
+                          <a:effectLst/>
+                        </a:rPr>
+                        <a:t>6</a:t>
+                      </a:r>
+                      <a:endParaRPr lang="pt-BR" sz="1600">
+                        <a:effectLst/>
+                        <a:latin typeface="Arial" panose="020B0604020202020204" pitchFamily="34" charset="0"/>
+                        <a:ea typeface="Times New Roman" panose="02020603050405020304" pitchFamily="18" charset="0"/>
+                        <a:cs typeface="Times New Roman" panose="02020603050405020304" pitchFamily="18" charset="0"/>
+                      </a:endParaRPr>
+                    </a:p>
+                  </a:txBody>
+                  <a:tcPr marL="45111" marR="45111" marT="0" marB="0" anchor="ctr">
+                    <a:lnL w="12700" cmpd="sng">
+                      <a:noFill/>
+                    </a:lnL>
+                    <a:lnR w="12700" cmpd="sng">
+                      <a:noFill/>
+                    </a:lnR>
+                    <a:lnT w="12700" cmpd="sng">
+                      <a:noFill/>
+                    </a:lnT>
+                    <a:lnB w="12700" cmpd="sng">
+                      <a:noFill/>
+                    </a:lnB>
+                    <a:lnTlToBr w="12700" cmpd="sng">
+                      <a:noFill/>
+                      <a:prstDash val="solid"/>
+                    </a:lnTlToBr>
+                    <a:lnBlToTr w="12700" cmpd="sng">
+                      <a:noFill/>
+                      <a:prstDash val="solid"/>
+                    </a:lnBlToTr>
+                  </a:tcPr>
+                </a:tc>
+                <a:tc>
+                  <a:txBody>
+                    <a:bodyPr/>
+                    <a:lstStyle/>
+                    <a:p>
+                      <a:pPr algn="ctr">
+                        <a:lnSpc>
+                          <a:spcPct val="150000"/>
+                        </a:lnSpc>
+                        <a:spcBef>
+                          <a:spcPts val="2400"/>
+                        </a:spcBef>
+                        <a:spcAft>
+                          <a:spcPts val="0"/>
+                        </a:spcAft>
+                        <a:tabLst>
+                          <a:tab pos="540385" algn="l"/>
+                          <a:tab pos="450215" algn="l"/>
+                          <a:tab pos="540385" algn="l"/>
+                        </a:tabLst>
+                      </a:pPr>
+                      <a:r>
+                        <a:rPr lang="pt-BR" sz="1600" dirty="0">
+                          <a:effectLst/>
+                        </a:rPr>
+                        <a:t>Evitar</a:t>
+                      </a:r>
+                      <a:endParaRPr lang="pt-BR" sz="1600" dirty="0">
+                        <a:effectLst/>
+                        <a:latin typeface="Arial" panose="020B0604020202020204" pitchFamily="34" charset="0"/>
+                        <a:ea typeface="Times New Roman" panose="02020603050405020304" pitchFamily="18" charset="0"/>
+                        <a:cs typeface="Times New Roman" panose="02020603050405020304" pitchFamily="18" charset="0"/>
+                      </a:endParaRPr>
+                    </a:p>
+                  </a:txBody>
+                  <a:tcPr marL="45111" marR="45111" marT="0" marB="0" anchor="ctr">
+                    <a:lnL w="12700" cmpd="sng">
+                      <a:noFill/>
+                    </a:lnL>
+                    <a:lnR w="12700" cmpd="sng">
+                      <a:noFill/>
+                    </a:lnR>
+                    <a:lnT w="12700" cmpd="sng">
+                      <a:noFill/>
+                    </a:lnT>
+                    <a:lnB w="12700" cmpd="sng">
+                      <a:noFill/>
+                    </a:lnB>
+                    <a:lnTlToBr w="12700" cmpd="sng">
+                      <a:noFill/>
+                      <a:prstDash val="solid"/>
+                    </a:lnTlToBr>
+                    <a:lnBlToTr w="12700" cmpd="sng">
+                      <a:noFill/>
+                      <a:prstDash val="solid"/>
+                    </a:lnBlToTr>
+                  </a:tcPr>
+                </a:tc>
+                <a:tc>
+                  <a:txBody>
+                    <a:bodyPr/>
+                    <a:lstStyle/>
+                    <a:p>
+                      <a:pPr algn="ctr">
+                        <a:lnSpc>
+                          <a:spcPct val="150000"/>
+                        </a:lnSpc>
+                        <a:spcBef>
+                          <a:spcPts val="300"/>
+                        </a:spcBef>
+                        <a:spcAft>
+                          <a:spcPts val="0"/>
+                        </a:spcAft>
+                        <a:tabLst>
+                          <a:tab pos="540385" algn="l"/>
+                          <a:tab pos="450215" algn="l"/>
+                          <a:tab pos="540385" algn="l"/>
+                        </a:tabLst>
+                      </a:pPr>
+                      <a:r>
+                        <a:rPr lang="pt-BR" sz="1600">
+                          <a:effectLst/>
+                        </a:rPr>
+                        <a:t>Todos os membros devem ter interesse e manter o foco no projeto</a:t>
+                      </a:r>
+                      <a:endParaRPr lang="pt-BR" sz="1600">
+                        <a:effectLst/>
+                        <a:latin typeface="Arial" panose="020B0604020202020204" pitchFamily="34" charset="0"/>
+                        <a:ea typeface="Times New Roman" panose="02020603050405020304" pitchFamily="18" charset="0"/>
+                        <a:cs typeface="Times New Roman" panose="02020603050405020304" pitchFamily="18" charset="0"/>
+                      </a:endParaRPr>
+                    </a:p>
+                  </a:txBody>
+                  <a:tcPr marL="45111" marR="45111" marT="0" marB="0" anchor="ctr">
+                    <a:lnL w="12700" cmpd="sng">
+                      <a:noFill/>
+                    </a:lnL>
+                    <a:lnR w="12700" cmpd="sng">
+                      <a:noFill/>
+                    </a:lnR>
+                    <a:lnT w="12700" cmpd="sng">
+                      <a:noFill/>
+                    </a:lnT>
+                    <a:lnB w="12700" cmpd="sng">
+                      <a:noFill/>
+                    </a:lnB>
+                    <a:lnTlToBr w="12700" cmpd="sng">
+                      <a:noFill/>
+                      <a:prstDash val="solid"/>
+                    </a:lnTlToBr>
+                    <a:lnBlToTr w="12700" cmpd="sng">
+                      <a:noFill/>
+                      <a:prstDash val="solid"/>
+                    </a:lnBlToTr>
+                  </a:tcPr>
+                </a:tc>
+                <a:extLst>
+                  <a:ext uri="{0D108BD9-81ED-4DB2-BD59-A6C34878D82A}">
+                    <a16:rowId xmlns:a16="http://schemas.microsoft.com/office/drawing/2014/main" val="1973089141"/>
+                  </a:ext>
+                </a:extLst>
+              </a:tr>
+              <a:tr h="630497">
+                <a:tc>
+                  <a:txBody>
+                    <a:bodyPr/>
+                    <a:lstStyle/>
+                    <a:p>
+                      <a:pPr algn="ctr">
+                        <a:lnSpc>
+                          <a:spcPct val="150000"/>
+                        </a:lnSpc>
+                        <a:spcBef>
+                          <a:spcPts val="1200"/>
+                        </a:spcBef>
+                        <a:spcAft>
+                          <a:spcPts val="0"/>
+                        </a:spcAft>
+                        <a:tabLst>
+                          <a:tab pos="540385" algn="l"/>
+                          <a:tab pos="450215" algn="l"/>
+                          <a:tab pos="540385" algn="l"/>
+                        </a:tabLst>
+                      </a:pPr>
+                      <a:r>
+                        <a:rPr lang="pt-BR" sz="1600">
+                          <a:effectLst/>
+                        </a:rPr>
+                        <a:t>7</a:t>
+                      </a:r>
+                      <a:endParaRPr lang="pt-BR" sz="1600">
+                        <a:effectLst/>
+                        <a:latin typeface="Arial" panose="020B0604020202020204" pitchFamily="34" charset="0"/>
+                        <a:ea typeface="Times New Roman" panose="02020603050405020304" pitchFamily="18" charset="0"/>
+                        <a:cs typeface="Times New Roman" panose="02020603050405020304" pitchFamily="18" charset="0"/>
+                      </a:endParaRPr>
+                    </a:p>
+                  </a:txBody>
+                  <a:tcPr marL="45111" marR="45111" marT="0" marB="0" anchor="ctr">
+                    <a:lnL w="12700" cmpd="sng">
+                      <a:noFill/>
+                    </a:lnL>
+                    <a:lnR w="12700" cmpd="sng">
+                      <a:noFill/>
+                    </a:lnR>
+                    <a:lnT w="12700" cmpd="sng">
+                      <a:noFill/>
+                    </a:lnT>
+                    <a:lnB w="12700" cmpd="sng">
+                      <a:noFill/>
+                    </a:lnB>
+                    <a:lnTlToBr w="12700" cmpd="sng">
+                      <a:noFill/>
+                      <a:prstDash val="solid"/>
+                    </a:lnTlToBr>
+                    <a:lnBlToTr w="12700" cmpd="sng">
+                      <a:noFill/>
+                      <a:prstDash val="solid"/>
+                    </a:lnBlToTr>
+                  </a:tcPr>
+                </a:tc>
+                <a:tc>
+                  <a:txBody>
+                    <a:bodyPr/>
+                    <a:lstStyle/>
+                    <a:p>
+                      <a:pPr algn="ctr">
+                        <a:lnSpc>
+                          <a:spcPct val="150000"/>
+                        </a:lnSpc>
+                        <a:spcBef>
+                          <a:spcPts val="300"/>
+                        </a:spcBef>
+                        <a:spcAft>
+                          <a:spcPts val="0"/>
+                        </a:spcAft>
+                        <a:tabLst>
+                          <a:tab pos="540385" algn="l"/>
+                          <a:tab pos="450215" algn="l"/>
+                          <a:tab pos="540385" algn="l"/>
+                        </a:tabLst>
+                      </a:pPr>
+                      <a:r>
+                        <a:rPr lang="pt-BR" sz="1600">
+                          <a:effectLst/>
+                        </a:rPr>
+                        <a:t>Ultrapassar os limites do Escopo</a:t>
+                      </a:r>
+                      <a:endParaRPr lang="pt-BR" sz="1600">
+                        <a:effectLst/>
+                        <a:latin typeface="Arial" panose="020B0604020202020204" pitchFamily="34" charset="0"/>
+                        <a:ea typeface="Times New Roman" panose="02020603050405020304" pitchFamily="18" charset="0"/>
+                        <a:cs typeface="Times New Roman" panose="02020603050405020304" pitchFamily="18" charset="0"/>
+                      </a:endParaRPr>
+                    </a:p>
+                  </a:txBody>
+                  <a:tcPr marL="45111" marR="45111" marT="0" marB="0" anchor="ctr">
+                    <a:lnL w="12700" cmpd="sng">
+                      <a:noFill/>
+                    </a:lnL>
+                    <a:lnR w="12700" cmpd="sng">
+                      <a:noFill/>
+                    </a:lnR>
+                    <a:lnT w="12700" cmpd="sng">
+                      <a:noFill/>
+                    </a:lnT>
+                    <a:lnB w="12700" cmpd="sng">
+                      <a:noFill/>
+                    </a:lnB>
+                    <a:lnTlToBr w="12700" cmpd="sng">
+                      <a:noFill/>
+                      <a:prstDash val="solid"/>
+                    </a:lnTlToBr>
+                    <a:lnBlToTr w="12700" cmpd="sng">
+                      <a:noFill/>
+                      <a:prstDash val="solid"/>
+                    </a:lnBlToTr>
+                  </a:tcPr>
+                </a:tc>
+                <a:tc>
+                  <a:txBody>
+                    <a:bodyPr/>
+                    <a:lstStyle/>
+                    <a:p>
+                      <a:pPr algn="ctr">
+                        <a:lnSpc>
+                          <a:spcPct val="150000"/>
+                        </a:lnSpc>
+                        <a:spcBef>
+                          <a:spcPts val="1200"/>
+                        </a:spcBef>
+                        <a:spcAft>
+                          <a:spcPts val="0"/>
+                        </a:spcAft>
+                        <a:tabLst>
+                          <a:tab pos="540385" algn="l"/>
+                          <a:tab pos="450215" algn="l"/>
+                          <a:tab pos="540385" algn="l"/>
+                        </a:tabLst>
+                      </a:pPr>
+                      <a:r>
+                        <a:rPr lang="pt-BR" sz="1600">
+                          <a:effectLst/>
+                        </a:rPr>
+                        <a:t>Provável (2)</a:t>
+                      </a:r>
+                      <a:endParaRPr lang="pt-BR" sz="1600">
+                        <a:effectLst/>
+                        <a:latin typeface="Arial" panose="020B0604020202020204" pitchFamily="34" charset="0"/>
+                        <a:ea typeface="Times New Roman" panose="02020603050405020304" pitchFamily="18" charset="0"/>
+                        <a:cs typeface="Times New Roman" panose="02020603050405020304" pitchFamily="18" charset="0"/>
+                      </a:endParaRPr>
+                    </a:p>
+                  </a:txBody>
+                  <a:tcPr marL="45111" marR="45111" marT="0" marB="0" anchor="ctr">
+                    <a:lnL w="12700" cmpd="sng">
+                      <a:noFill/>
+                    </a:lnL>
+                    <a:lnR w="12700" cmpd="sng">
+                      <a:noFill/>
+                    </a:lnR>
+                    <a:lnT w="12700" cmpd="sng">
+                      <a:noFill/>
+                    </a:lnT>
+                    <a:lnB w="12700" cmpd="sng">
+                      <a:noFill/>
+                    </a:lnB>
+                    <a:lnTlToBr w="12700" cmpd="sng">
+                      <a:noFill/>
+                      <a:prstDash val="solid"/>
+                    </a:lnTlToBr>
+                    <a:lnBlToTr w="12700" cmpd="sng">
+                      <a:noFill/>
+                      <a:prstDash val="solid"/>
+                    </a:lnBlToTr>
+                  </a:tcPr>
+                </a:tc>
+                <a:tc>
+                  <a:txBody>
+                    <a:bodyPr/>
+                    <a:lstStyle/>
+                    <a:p>
+                      <a:pPr algn="ctr">
+                        <a:lnSpc>
+                          <a:spcPct val="150000"/>
+                        </a:lnSpc>
+                        <a:spcBef>
+                          <a:spcPts val="1200"/>
+                        </a:spcBef>
+                        <a:spcAft>
+                          <a:spcPts val="0"/>
+                        </a:spcAft>
+                        <a:tabLst>
+                          <a:tab pos="540385" algn="l"/>
+                          <a:tab pos="450215" algn="l"/>
+                          <a:tab pos="540385" algn="l"/>
+                        </a:tabLst>
+                      </a:pPr>
+                      <a:r>
+                        <a:rPr lang="pt-BR" sz="1600" dirty="0">
+                          <a:effectLst/>
+                        </a:rPr>
+                        <a:t>Alto(3)</a:t>
+                      </a:r>
+                      <a:endParaRPr lang="pt-BR" sz="1600" dirty="0">
+                        <a:effectLst/>
+                        <a:latin typeface="Arial" panose="020B0604020202020204" pitchFamily="34" charset="0"/>
+                        <a:ea typeface="Times New Roman" panose="02020603050405020304" pitchFamily="18" charset="0"/>
+                        <a:cs typeface="Times New Roman" panose="02020603050405020304" pitchFamily="18" charset="0"/>
+                      </a:endParaRPr>
+                    </a:p>
+                  </a:txBody>
+                  <a:tcPr marL="45111" marR="45111" marT="0" marB="0" anchor="ctr">
+                    <a:lnL w="12700" cmpd="sng">
+                      <a:noFill/>
+                    </a:lnL>
+                    <a:lnR w="12700" cmpd="sng">
+                      <a:noFill/>
+                    </a:lnR>
+                    <a:lnT w="12700" cmpd="sng">
+                      <a:noFill/>
+                    </a:lnT>
+                    <a:lnB w="12700" cmpd="sng">
+                      <a:noFill/>
+                    </a:lnB>
+                    <a:lnTlToBr w="12700" cmpd="sng">
+                      <a:noFill/>
+                      <a:prstDash val="solid"/>
+                    </a:lnTlToBr>
+                    <a:lnBlToTr w="12700" cmpd="sng">
+                      <a:noFill/>
+                      <a:prstDash val="solid"/>
+                    </a:lnBlToTr>
+                  </a:tcPr>
+                </a:tc>
+                <a:tc>
+                  <a:txBody>
+                    <a:bodyPr/>
+                    <a:lstStyle/>
+                    <a:p>
+                      <a:pPr algn="ctr">
+                        <a:lnSpc>
+                          <a:spcPct val="150000"/>
+                        </a:lnSpc>
+                        <a:spcBef>
+                          <a:spcPts val="1200"/>
+                        </a:spcBef>
+                        <a:spcAft>
+                          <a:spcPts val="0"/>
+                        </a:spcAft>
+                        <a:tabLst>
+                          <a:tab pos="540385" algn="l"/>
+                          <a:tab pos="450215" algn="l"/>
+                          <a:tab pos="540385" algn="l"/>
+                        </a:tabLst>
+                      </a:pPr>
+                      <a:r>
+                        <a:rPr lang="pt-BR" sz="1600">
+                          <a:effectLst/>
+                        </a:rPr>
+                        <a:t>6</a:t>
+                      </a:r>
+                      <a:endParaRPr lang="pt-BR" sz="1600">
+                        <a:effectLst/>
+                        <a:latin typeface="Arial" panose="020B0604020202020204" pitchFamily="34" charset="0"/>
+                        <a:ea typeface="Times New Roman" panose="02020603050405020304" pitchFamily="18" charset="0"/>
+                        <a:cs typeface="Times New Roman" panose="02020603050405020304" pitchFamily="18" charset="0"/>
+                      </a:endParaRPr>
+                    </a:p>
+                  </a:txBody>
+                  <a:tcPr marL="45111" marR="45111" marT="0" marB="0" anchor="ctr">
+                    <a:lnL w="12700" cmpd="sng">
+                      <a:noFill/>
+                    </a:lnL>
+                    <a:lnR w="12700" cmpd="sng">
+                      <a:noFill/>
+                    </a:lnR>
+                    <a:lnT w="12700" cmpd="sng">
+                      <a:noFill/>
+                    </a:lnT>
+                    <a:lnB w="12700" cmpd="sng">
+                      <a:noFill/>
+                    </a:lnB>
+                    <a:lnTlToBr w="12700" cmpd="sng">
+                      <a:noFill/>
+                      <a:prstDash val="solid"/>
+                    </a:lnTlToBr>
+                    <a:lnBlToTr w="12700" cmpd="sng">
+                      <a:noFill/>
+                      <a:prstDash val="solid"/>
+                    </a:lnBlToTr>
+                  </a:tcPr>
+                </a:tc>
+                <a:tc>
+                  <a:txBody>
+                    <a:bodyPr/>
+                    <a:lstStyle/>
+                    <a:p>
+                      <a:pPr algn="ctr">
+                        <a:lnSpc>
+                          <a:spcPct val="150000"/>
+                        </a:lnSpc>
+                        <a:spcBef>
+                          <a:spcPts val="1200"/>
+                        </a:spcBef>
+                        <a:spcAft>
+                          <a:spcPts val="0"/>
+                        </a:spcAft>
+                        <a:tabLst>
+                          <a:tab pos="540385" algn="l"/>
+                          <a:tab pos="450215" algn="l"/>
+                          <a:tab pos="540385" algn="l"/>
+                        </a:tabLst>
+                      </a:pPr>
+                      <a:r>
+                        <a:rPr lang="pt-BR" sz="1600">
+                          <a:effectLst/>
+                        </a:rPr>
+                        <a:t>Evitar</a:t>
+                      </a:r>
+                      <a:endParaRPr lang="pt-BR" sz="1600">
+                        <a:effectLst/>
+                        <a:latin typeface="Arial" panose="020B0604020202020204" pitchFamily="34" charset="0"/>
+                        <a:ea typeface="Times New Roman" panose="02020603050405020304" pitchFamily="18" charset="0"/>
+                        <a:cs typeface="Times New Roman" panose="02020603050405020304" pitchFamily="18" charset="0"/>
+                      </a:endParaRPr>
+                    </a:p>
+                  </a:txBody>
+                  <a:tcPr marL="45111" marR="45111" marT="0" marB="0" anchor="ctr">
+                    <a:lnL w="12700" cmpd="sng">
+                      <a:noFill/>
+                    </a:lnL>
+                    <a:lnR w="12700" cmpd="sng">
+                      <a:noFill/>
+                    </a:lnR>
+                    <a:lnT w="12700" cmpd="sng">
+                      <a:noFill/>
+                    </a:lnT>
+                    <a:lnB w="12700" cmpd="sng">
+                      <a:noFill/>
+                    </a:lnB>
+                    <a:lnTlToBr w="12700" cmpd="sng">
+                      <a:noFill/>
+                      <a:prstDash val="solid"/>
+                    </a:lnTlToBr>
+                    <a:lnBlToTr w="12700" cmpd="sng">
+                      <a:noFill/>
+                      <a:prstDash val="solid"/>
+                    </a:lnBlToTr>
+                  </a:tcPr>
+                </a:tc>
+                <a:tc>
+                  <a:txBody>
+                    <a:bodyPr/>
+                    <a:lstStyle/>
+                    <a:p>
+                      <a:pPr algn="ctr">
+                        <a:lnSpc>
+                          <a:spcPct val="150000"/>
+                        </a:lnSpc>
+                        <a:spcBef>
+                          <a:spcPts val="300"/>
+                        </a:spcBef>
+                        <a:spcAft>
+                          <a:spcPts val="0"/>
+                        </a:spcAft>
+                        <a:tabLst>
+                          <a:tab pos="540385" algn="l"/>
+                          <a:tab pos="450215" algn="l"/>
+                          <a:tab pos="540385" algn="l"/>
+                        </a:tabLst>
+                      </a:pPr>
+                      <a:r>
+                        <a:rPr lang="pt-BR" sz="1600" dirty="0" err="1">
+                          <a:effectLst/>
+                        </a:rPr>
+                        <a:t>Product</a:t>
+                      </a:r>
+                      <a:r>
+                        <a:rPr lang="pt-BR" sz="1600" dirty="0">
+                          <a:effectLst/>
+                        </a:rPr>
+                        <a:t> </a:t>
+                      </a:r>
+                      <a:r>
+                        <a:rPr lang="pt-BR" sz="1600" dirty="0" err="1">
+                          <a:effectLst/>
+                        </a:rPr>
+                        <a:t>Owner</a:t>
+                      </a:r>
+                      <a:r>
+                        <a:rPr lang="pt-BR" sz="1600" dirty="0">
+                          <a:effectLst/>
+                        </a:rPr>
+                        <a:t> deve estar bem alinhado com o cliente</a:t>
+                      </a:r>
+                      <a:endParaRPr lang="pt-BR" sz="1600" dirty="0">
+                        <a:effectLst/>
+                        <a:latin typeface="Arial" panose="020B0604020202020204" pitchFamily="34" charset="0"/>
+                        <a:ea typeface="Times New Roman" panose="02020603050405020304" pitchFamily="18" charset="0"/>
+                        <a:cs typeface="Times New Roman" panose="02020603050405020304" pitchFamily="18" charset="0"/>
+                      </a:endParaRPr>
+                    </a:p>
+                  </a:txBody>
+                  <a:tcPr marL="45111" marR="45111" marT="0" marB="0" anchor="ctr">
+                    <a:lnL w="12700" cmpd="sng">
+                      <a:noFill/>
+                    </a:lnL>
+                    <a:lnR w="12700" cmpd="sng">
+                      <a:noFill/>
+                    </a:lnR>
+                    <a:lnT w="12700" cmpd="sng">
+                      <a:noFill/>
+                    </a:lnT>
+                    <a:lnB w="12700" cmpd="sng">
+                      <a:noFill/>
+                    </a:lnB>
+                    <a:lnTlToBr w="12700" cmpd="sng">
+                      <a:noFill/>
+                      <a:prstDash val="solid"/>
+                    </a:lnTlToBr>
+                    <a:lnBlToTr w="12700" cmpd="sng">
+                      <a:noFill/>
+                      <a:prstDash val="solid"/>
+                    </a:lnBlToTr>
+                  </a:tcPr>
+                </a:tc>
+                <a:extLst>
+                  <a:ext uri="{0D108BD9-81ED-4DB2-BD59-A6C34878D82A}">
+                    <a16:rowId xmlns:a16="http://schemas.microsoft.com/office/drawing/2014/main" val="3436794901"/>
+                  </a:ext>
+                </a:extLst>
+              </a:tr>
+            </a:tbl>
+          </a:graphicData>
+        </a:graphic>
+      </p:graphicFrame>
+      <p:sp>
+        <p:nvSpPr>
+          <p:cNvPr id="2" name="Retângulo 1">
+            <a:extLst>
+              <a:ext uri="{FF2B5EF4-FFF2-40B4-BE49-F238E27FC236}">
+                <a16:creationId xmlns:a16="http://schemas.microsoft.com/office/drawing/2014/main" id="{7A11C8EF-C4EC-4323-A0A7-806E780562B3}"/>
+              </a:ext>
+            </a:extLst>
+          </p:cNvPr>
+          <p:cNvSpPr/>
+          <p:nvPr/>
+        </p:nvSpPr>
+        <p:spPr>
+          <a:xfrm>
+            <a:off x="-2" y="2511645"/>
+            <a:ext cx="12191999" cy="4346351"/>
+          </a:xfrm>
+          <a:prstGeom prst="rect">
+            <a:avLst/>
+          </a:prstGeom>
+          <a:solidFill>
+            <a:schemeClr val="dk1">
+              <a:alpha val="53000"/>
+            </a:schemeClr>
+          </a:solidFill>
+          <a:ln>
+            <a:noFill/>
+          </a:ln>
+        </p:spPr>
+        <p:style>
+          <a:lnRef idx="2">
+            <a:schemeClr val="dk1">
+              <a:shade val="50000"/>
+            </a:schemeClr>
+          </a:lnRef>
+          <a:fillRef idx="1">
+            <a:schemeClr val="dk1"/>
+          </a:fillRef>
+          <a:effectRef idx="0">
+            <a:schemeClr val="dk1"/>
+          </a:effectRef>
+          <a:fontRef idx="minor">
+            <a:schemeClr val="lt1"/>
+          </a:fontRef>
+        </p:style>
+        <p:txBody>
+          <a:bodyPr rtlCol="0" anchor="ctr"/>
+          <a:lstStyle/>
+          <a:p>
+            <a:pPr algn="ctr"/>
+            <a:endParaRPr lang="pt-BR"/>
+          </a:p>
+        </p:txBody>
+      </p:sp>
+      <p:sp>
+        <p:nvSpPr>
+          <p:cNvPr id="13" name="Retângulo 12">
+            <a:extLst>
+              <a:ext uri="{FF2B5EF4-FFF2-40B4-BE49-F238E27FC236}">
+                <a16:creationId xmlns:a16="http://schemas.microsoft.com/office/drawing/2014/main" id="{88C866EB-925C-4219-8EC2-EF78CD98B2F4}"/>
+              </a:ext>
+            </a:extLst>
+          </p:cNvPr>
+          <p:cNvSpPr/>
+          <p:nvPr/>
+        </p:nvSpPr>
+        <p:spPr>
+          <a:xfrm>
+            <a:off x="-2" y="-5907"/>
+            <a:ext cx="12191999" cy="1466407"/>
+          </a:xfrm>
+          <a:prstGeom prst="rect">
+            <a:avLst/>
+          </a:prstGeom>
+          <a:solidFill>
+            <a:schemeClr val="dk1">
+              <a:alpha val="53000"/>
+            </a:schemeClr>
+          </a:solidFill>
+          <a:ln>
+            <a:noFill/>
+          </a:ln>
+        </p:spPr>
+        <p:style>
+          <a:lnRef idx="2">
+            <a:schemeClr val="dk1">
+              <a:shade val="50000"/>
+            </a:schemeClr>
+          </a:lnRef>
+          <a:fillRef idx="1">
+            <a:schemeClr val="dk1"/>
+          </a:fillRef>
+          <a:effectRef idx="0">
+            <a:schemeClr val="dk1"/>
+          </a:effectRef>
+          <a:fontRef idx="minor">
+            <a:schemeClr val="lt1"/>
+          </a:fontRef>
+        </p:style>
+        <p:txBody>
+          <a:bodyPr rtlCol="0" anchor="ctr"/>
+          <a:lstStyle/>
+          <a:p>
+            <a:pPr algn="ctr"/>
+            <a:endParaRPr lang="pt-BR" dirty="0"/>
+          </a:p>
+        </p:txBody>
+      </p:sp>
+      <p:sp>
+        <p:nvSpPr>
+          <p:cNvPr id="3" name="Retângulo 2">
+            <a:extLst>
+              <a:ext uri="{FF2B5EF4-FFF2-40B4-BE49-F238E27FC236}">
+                <a16:creationId xmlns:a16="http://schemas.microsoft.com/office/drawing/2014/main" id="{D787AC6A-CAEB-4C79-9B88-0132670002AE}"/>
+              </a:ext>
+            </a:extLst>
+          </p:cNvPr>
+          <p:cNvSpPr/>
+          <p:nvPr/>
+        </p:nvSpPr>
+        <p:spPr>
+          <a:xfrm>
+            <a:off x="884132" y="1868019"/>
+            <a:ext cx="2800126" cy="338554"/>
+          </a:xfrm>
+          <a:prstGeom prst="rect">
+            <a:avLst/>
+          </a:prstGeom>
+        </p:spPr>
+        <p:txBody>
+          <a:bodyPr wrap="none">
+            <a:spAutoFit/>
+          </a:bodyPr>
+          <a:lstStyle/>
+          <a:p>
+            <a:r>
+              <a:rPr lang="pt-BR" sz="1600" dirty="0"/>
+              <a:t>Perda de um membro do grupo</a:t>
+            </a:r>
+          </a:p>
+        </p:txBody>
+      </p:sp>
+      <p:sp>
+        <p:nvSpPr>
+          <p:cNvPr id="15" name="Retângulo 14">
+            <a:extLst>
+              <a:ext uri="{FF2B5EF4-FFF2-40B4-BE49-F238E27FC236}">
+                <a16:creationId xmlns:a16="http://schemas.microsoft.com/office/drawing/2014/main" id="{24B944E9-B6F3-4E2A-AAEC-1DBA3CEE3D5D}"/>
+              </a:ext>
+            </a:extLst>
+          </p:cNvPr>
+          <p:cNvSpPr/>
+          <p:nvPr/>
+        </p:nvSpPr>
+        <p:spPr>
+          <a:xfrm>
+            <a:off x="0" y="1460500"/>
+            <a:ext cx="241297" cy="1051141"/>
+          </a:xfrm>
+          <a:prstGeom prst="rect">
+            <a:avLst/>
+          </a:prstGeom>
+          <a:solidFill>
+            <a:schemeClr val="dk1">
+              <a:alpha val="53000"/>
+            </a:schemeClr>
+          </a:solidFill>
+          <a:ln>
+            <a:noFill/>
+          </a:ln>
+        </p:spPr>
+        <p:style>
+          <a:lnRef idx="2">
+            <a:schemeClr val="dk1">
+              <a:shade val="50000"/>
+            </a:schemeClr>
+          </a:lnRef>
+          <a:fillRef idx="1">
+            <a:schemeClr val="dk1"/>
+          </a:fillRef>
+          <a:effectRef idx="0">
+            <a:schemeClr val="dk1"/>
+          </a:effectRef>
+          <a:fontRef idx="minor">
+            <a:schemeClr val="lt1"/>
+          </a:fontRef>
+        </p:style>
+        <p:txBody>
+          <a:bodyPr rtlCol="0" anchor="ctr"/>
+          <a:lstStyle/>
+          <a:p>
+            <a:pPr algn="ctr"/>
+            <a:endParaRPr lang="pt-BR"/>
+          </a:p>
+        </p:txBody>
+      </p:sp>
+      <p:sp>
+        <p:nvSpPr>
+          <p:cNvPr id="16" name="Retângulo 15">
+            <a:extLst>
+              <a:ext uri="{FF2B5EF4-FFF2-40B4-BE49-F238E27FC236}">
+                <a16:creationId xmlns:a16="http://schemas.microsoft.com/office/drawing/2014/main" id="{0D9FE1F1-B412-46D3-BE19-9101505575B1}"/>
+              </a:ext>
+            </a:extLst>
+          </p:cNvPr>
+          <p:cNvSpPr/>
+          <p:nvPr/>
+        </p:nvSpPr>
+        <p:spPr>
+          <a:xfrm>
+            <a:off x="11950699" y="1460500"/>
+            <a:ext cx="241298" cy="1051141"/>
+          </a:xfrm>
+          <a:prstGeom prst="rect">
+            <a:avLst/>
+          </a:prstGeom>
+          <a:solidFill>
+            <a:schemeClr val="dk1">
+              <a:alpha val="53000"/>
+            </a:schemeClr>
+          </a:solidFill>
+          <a:ln>
+            <a:noFill/>
+          </a:ln>
+        </p:spPr>
+        <p:style>
+          <a:lnRef idx="2">
+            <a:schemeClr val="dk1">
+              <a:shade val="50000"/>
+            </a:schemeClr>
+          </a:lnRef>
+          <a:fillRef idx="1">
+            <a:schemeClr val="dk1"/>
+          </a:fillRef>
+          <a:effectRef idx="0">
+            <a:schemeClr val="dk1"/>
+          </a:effectRef>
+          <a:fontRef idx="minor">
+            <a:schemeClr val="lt1"/>
+          </a:fontRef>
+        </p:style>
+        <p:txBody>
+          <a:bodyPr rtlCol="0" anchor="ctr"/>
+          <a:lstStyle/>
+          <a:p>
+            <a:pPr algn="ctr"/>
+            <a:endParaRPr lang="pt-BR"/>
+          </a:p>
+        </p:txBody>
+      </p:sp>
+    </p:spTree>
+    <p:extLst>
+      <p:ext uri="{BB962C8B-B14F-4D97-AF65-F5344CB8AC3E}">
+        <p14:creationId xmlns:p14="http://schemas.microsoft.com/office/powerpoint/2010/main" val="1499770617"/>
+      </p:ext>
+    </p:extLst>
+  </p:cSld>
+  <p:clrMapOvr>
+    <a:masterClrMapping/>
+  </p:clrMapOvr>
   <p:timing>
     <p:tnLst>
       <p:par>
-        <p:cTn id="1" dur="indefinite" restart="never" nodeType="tmRoot"/>
+        <p:cTn id="1" dur="indefinite" restart="never" nodeType="tmRoot">
+          <p:childTnLst>
+            <p:seq concurrent="1" nextAc="seek">
+              <p:cTn id="2" dur="indefinite" nodeType="mainSeq">
+                <p:childTnLst>
+                  <p:par>
+                    <p:cTn id="3" fill="hold">
+                      <p:stCondLst>
+                        <p:cond delay="indefinite"/>
+                      </p:stCondLst>
+                      <p:childTnLst>
+                        <p:par>
+                          <p:cTn id="4" fill="hold">
+                            <p:stCondLst>
+                              <p:cond delay="0"/>
+                            </p:stCondLst>
+                            <p:childTnLst>
+                              <p:par>
+                                <p:cTn id="5" presetID="10" presetClass="entr" presetSubtype="0" fill="hold" grpId="0" nodeType="clickEffect">
+                                  <p:stCondLst>
+                                    <p:cond delay="0"/>
+                                  </p:stCondLst>
+                                  <p:childTnLst>
+                                    <p:set>
+                                      <p:cBhvr>
+                                        <p:cTn id="6" dur="1" fill="hold">
+                                          <p:stCondLst>
+                                            <p:cond delay="0"/>
+                                          </p:stCondLst>
+                                        </p:cTn>
+                                        <p:tgtEl>
+                                          <p:spTgt spid="2"/>
+                                        </p:tgtEl>
+                                        <p:attrNameLst>
+                                          <p:attrName>style.visibility</p:attrName>
+                                        </p:attrNameLst>
+                                      </p:cBhvr>
+                                      <p:to>
+                                        <p:strVal val="visible"/>
+                                      </p:to>
+                                    </p:set>
+                                    <p:animEffect transition="in" filter="fade">
+                                      <p:cBhvr>
+                                        <p:cTn id="7" dur="500"/>
+                                        <p:tgtEl>
+                                          <p:spTgt spid="2"/>
+                                        </p:tgtEl>
+                                      </p:cBhvr>
+                                    </p:animEffect>
+                                  </p:childTnLst>
+                                </p:cTn>
+                              </p:par>
+                              <p:par>
+                                <p:cTn id="8" presetID="10" presetClass="entr" presetSubtype="0" fill="hold" grpId="0" nodeType="withEffect">
+                                  <p:stCondLst>
+                                    <p:cond delay="0"/>
+                                  </p:stCondLst>
+                                  <p:childTnLst>
+                                    <p:set>
+                                      <p:cBhvr>
+                                        <p:cTn id="9" dur="1" fill="hold">
+                                          <p:stCondLst>
+                                            <p:cond delay="0"/>
+                                          </p:stCondLst>
+                                        </p:cTn>
+                                        <p:tgtEl>
+                                          <p:spTgt spid="13"/>
+                                        </p:tgtEl>
+                                        <p:attrNameLst>
+                                          <p:attrName>style.visibility</p:attrName>
+                                        </p:attrNameLst>
+                                      </p:cBhvr>
+                                      <p:to>
+                                        <p:strVal val="visible"/>
+                                      </p:to>
+                                    </p:set>
+                                    <p:animEffect transition="in" filter="fade">
+                                      <p:cBhvr>
+                                        <p:cTn id="10" dur="500"/>
+                                        <p:tgtEl>
+                                          <p:spTgt spid="13"/>
+                                        </p:tgtEl>
+                                      </p:cBhvr>
+                                    </p:animEffect>
+                                  </p:childTnLst>
+                                </p:cTn>
+                              </p:par>
+                              <p:par>
+                                <p:cTn id="11" presetID="6" presetClass="emph" presetSubtype="0" fill="hold" grpId="0" nodeType="withEffect">
+                                  <p:stCondLst>
+                                    <p:cond delay="0"/>
+                                  </p:stCondLst>
+                                  <p:childTnLst>
+                                    <p:animScale>
+                                      <p:cBhvr>
+                                        <p:cTn id="12" dur="500" fill="hold"/>
+                                        <p:tgtEl>
+                                          <p:spTgt spid="3"/>
+                                        </p:tgtEl>
+                                      </p:cBhvr>
+                                      <p:by x="120000" y="120000"/>
+                                    </p:animScale>
+                                  </p:childTnLst>
+                                </p:cTn>
+                              </p:par>
+                              <p:par>
+                                <p:cTn id="13" presetID="10" presetClass="entr" presetSubtype="0" fill="hold" grpId="0" nodeType="withEffect">
+                                  <p:stCondLst>
+                                    <p:cond delay="0"/>
+                                  </p:stCondLst>
+                                  <p:childTnLst>
+                                    <p:set>
+                                      <p:cBhvr>
+                                        <p:cTn id="14" dur="1" fill="hold">
+                                          <p:stCondLst>
+                                            <p:cond delay="0"/>
+                                          </p:stCondLst>
+                                        </p:cTn>
+                                        <p:tgtEl>
+                                          <p:spTgt spid="15"/>
+                                        </p:tgtEl>
+                                        <p:attrNameLst>
+                                          <p:attrName>style.visibility</p:attrName>
+                                        </p:attrNameLst>
+                                      </p:cBhvr>
+                                      <p:to>
+                                        <p:strVal val="visible"/>
+                                      </p:to>
+                                    </p:set>
+                                    <p:animEffect transition="in" filter="fade">
+                                      <p:cBhvr>
+                                        <p:cTn id="15" dur="500"/>
+                                        <p:tgtEl>
+                                          <p:spTgt spid="15"/>
+                                        </p:tgtEl>
+                                      </p:cBhvr>
+                                    </p:animEffect>
+                                  </p:childTnLst>
+                                </p:cTn>
+                              </p:par>
+                              <p:par>
+                                <p:cTn id="16" presetID="10" presetClass="entr" presetSubtype="0" fill="hold" grpId="0" nodeType="withEffect">
+                                  <p:stCondLst>
+                                    <p:cond delay="0"/>
+                                  </p:stCondLst>
+                                  <p:childTnLst>
+                                    <p:set>
+                                      <p:cBhvr>
+                                        <p:cTn id="17" dur="1" fill="hold">
+                                          <p:stCondLst>
+                                            <p:cond delay="0"/>
+                                          </p:stCondLst>
+                                        </p:cTn>
+                                        <p:tgtEl>
+                                          <p:spTgt spid="16"/>
+                                        </p:tgtEl>
+                                        <p:attrNameLst>
+                                          <p:attrName>style.visibility</p:attrName>
+                                        </p:attrNameLst>
+                                      </p:cBhvr>
+                                      <p:to>
+                                        <p:strVal val="visible"/>
+                                      </p:to>
+                                    </p:set>
+                                    <p:animEffect transition="in" filter="fade">
+                                      <p:cBhvr>
+                                        <p:cTn id="18" dur="500"/>
+                                        <p:tgtEl>
+                                          <p:spTgt spid="16"/>
+                                        </p:tgtEl>
+                                      </p:cBhvr>
+                                    </p:animEffect>
+                                  </p:childTnLst>
+                                </p:cTn>
+                              </p:par>
+                            </p:childTnLst>
+                          </p:cTn>
+                        </p:par>
+                      </p:childTnLst>
+                    </p:cTn>
+                  </p:par>
+                </p:childTnLst>
+              </p:cTn>
+              <p:prevCondLst>
+                <p:cond evt="onPrev" delay="0">
+                  <p:tgtEl>
+                    <p:sldTgt/>
+                  </p:tgtEl>
+                </p:cond>
+              </p:prevCondLst>
+              <p:nextCondLst>
+                <p:cond evt="onNext" delay="0">
+                  <p:tgtEl>
+                    <p:sldTgt/>
+                  </p:tgtEl>
+                </p:cond>
+              </p:nextCondLst>
+            </p:seq>
+          </p:childTnLst>
+        </p:cTn>
       </p:par>
     </p:tnLst>
+    <p:bldLst>
+      <p:bldP spid="2" grpId="0" animBg="1"/>
+      <p:bldP spid="13" grpId="0" animBg="1"/>
+      <p:bldP spid="3" grpId="0"/>
+      <p:bldP spid="15" grpId="0" animBg="1"/>
+      <p:bldP spid="16" grpId="0" animBg="1"/>
+    </p:bldLst>
   </p:timing>
 </p:sld>
 </file>
 
-<file path=ppt/slides/slide7.xml><?xml version="1.0" encoding="utf-8"?>
+<file path=ppt/slides/slide8.xml><?xml version="1.0" encoding="utf-8"?>
 <p:sld xmlns:a="http://schemas.openxmlformats.org/drawingml/2006/main" xmlns:r="http://schemas.openxmlformats.org/officeDocument/2006/relationships" xmlns:p="http://schemas.openxmlformats.org/presentationml/2006/main">
   <p:cSld>
     <p:spTree>
@@ -23099,106 +27519,6 @@
           </p:txBody>
         </p:sp>
       </p:grpSp>
-      <p:sp>
-        <p:nvSpPr>
-          <p:cNvPr id="7" name="Retângulo 6"/>
-          <p:cNvSpPr/>
-          <p:nvPr/>
-        </p:nvSpPr>
-        <p:spPr>
-          <a:xfrm>
-            <a:off x="126222" y="198787"/>
-            <a:ext cx="7608078" cy="707886"/>
-          </a:xfrm>
-          <a:prstGeom prst="rect">
-            <a:avLst/>
-          </a:prstGeom>
-          <a:noFill/>
-          <a:effectLst/>
-        </p:spPr>
-        <p:txBody>
-          <a:bodyPr wrap="square" lIns="91440" tIns="45720" rIns="91440" bIns="45720">
-            <a:spAutoFit/>
-          </a:bodyPr>
-          <a:lstStyle/>
-          <a:p>
-            <a:pPr algn="just"/>
-            <a:r>
-              <a:rPr lang="pt-BR" sz="4000" b="1" dirty="0">
-                <a:ln w="0"/>
-                <a:solidFill>
-                  <a:schemeClr val="bg1"/>
-                </a:solidFill>
-                <a:effectLst>
-                  <a:outerShdw blurRad="38100" dist="19050" dir="2700000" algn="tl" rotWithShape="0">
-                    <a:schemeClr val="dk1">
-                      <a:alpha val="40000"/>
-                    </a:schemeClr>
-                  </a:outerShdw>
-                </a:effectLst>
-                <a:latin typeface="Exo 2 Medium" panose="00000600000000000000" pitchFamily="50" charset="0"/>
-              </a:rPr>
-              <a:t>METODOLOGIA ÁGIL</a:t>
-            </a:r>
-            <a:endParaRPr lang="pt-BR" sz="4000" b="1" cap="none" spc="0" dirty="0">
-              <a:ln w="0"/>
-              <a:solidFill>
-                <a:schemeClr val="bg1"/>
-              </a:solidFill>
-              <a:effectLst>
-                <a:outerShdw blurRad="38100" dist="19050" dir="2700000" algn="tl" rotWithShape="0">
-                  <a:schemeClr val="dk1">
-                    <a:alpha val="40000"/>
-                  </a:schemeClr>
-                </a:outerShdw>
-              </a:effectLst>
-              <a:latin typeface="Exo 2 Medium" panose="00000600000000000000" pitchFamily="50" charset="0"/>
-            </a:endParaRPr>
-          </a:p>
-        </p:txBody>
-      </p:sp>
-      <p:cxnSp>
-        <p:nvCxnSpPr>
-          <p:cNvPr id="8" name="Conector reto 7">
-            <a:extLst>
-              <a:ext uri="{FF2B5EF4-FFF2-40B4-BE49-F238E27FC236}">
-                <a16:creationId xmlns:a16="http://schemas.microsoft.com/office/drawing/2014/main" id="{6510727C-C843-4D84-A07F-20F37366891D}"/>
-              </a:ext>
-            </a:extLst>
-          </p:cNvPr>
-          <p:cNvCxnSpPr/>
-          <p:nvPr/>
-        </p:nvCxnSpPr>
-        <p:spPr>
-          <a:xfrm>
-            <a:off x="0" y="1105459"/>
-            <a:ext cx="6325704" cy="0"/>
-          </a:xfrm>
-          <a:prstGeom prst="line">
-            <a:avLst/>
-          </a:prstGeom>
-          <a:ln>
-            <a:solidFill>
-              <a:schemeClr val="bg1"/>
-            </a:solidFill>
-          </a:ln>
-          <a:effectLst/>
-        </p:spPr>
-        <p:style>
-          <a:lnRef idx="1">
-            <a:schemeClr val="accent1"/>
-          </a:lnRef>
-          <a:fillRef idx="0">
-            <a:schemeClr val="accent1"/>
-          </a:fillRef>
-          <a:effectRef idx="0">
-            <a:schemeClr val="accent1"/>
-          </a:effectRef>
-          <a:fontRef idx="minor">
-            <a:schemeClr val="tx1"/>
-          </a:fontRef>
-        </p:style>
-      </p:cxnSp>
       <p:pic>
         <p:nvPicPr>
           <p:cNvPr id="37" name="Imagem 36"/>
@@ -23424,6 +27744,112 @@
           </a:p>
         </p:txBody>
       </p:sp>
+      <p:sp>
+        <p:nvSpPr>
+          <p:cNvPr id="11" name="Retângulo 10">
+            <a:extLst>
+              <a:ext uri="{FF2B5EF4-FFF2-40B4-BE49-F238E27FC236}">
+                <a16:creationId xmlns:a16="http://schemas.microsoft.com/office/drawing/2014/main" id="{D2E43635-9421-4BAC-8766-C1D77D2784FE}"/>
+              </a:ext>
+            </a:extLst>
+          </p:cNvPr>
+          <p:cNvSpPr/>
+          <p:nvPr/>
+        </p:nvSpPr>
+        <p:spPr>
+          <a:xfrm>
+            <a:off x="126222" y="198787"/>
+            <a:ext cx="9627378" cy="584775"/>
+          </a:xfrm>
+          <a:prstGeom prst="rect">
+            <a:avLst/>
+          </a:prstGeom>
+          <a:noFill/>
+          <a:effectLst/>
+        </p:spPr>
+        <p:txBody>
+          <a:bodyPr wrap="square" lIns="91440" tIns="45720" rIns="91440" bIns="45720">
+            <a:spAutoFit/>
+          </a:bodyPr>
+          <a:lstStyle/>
+          <a:p>
+            <a:pPr algn="just"/>
+            <a:r>
+              <a:rPr lang="pt-BR" sz="3200" b="1" dirty="0">
+                <a:ln w="0"/>
+                <a:solidFill>
+                  <a:schemeClr val="bg1"/>
+                </a:solidFill>
+                <a:effectLst>
+                  <a:outerShdw blurRad="38100" dist="19050" dir="2700000" algn="tl" rotWithShape="0">
+                    <a:schemeClr val="dk1">
+                      <a:alpha val="40000"/>
+                    </a:schemeClr>
+                  </a:outerShdw>
+                </a:effectLst>
+                <a:latin typeface="Exo 2 Medium" panose="00000600000000000000" pitchFamily="50" charset="0"/>
+              </a:rPr>
+              <a:t>METODOLOGIA ÁGIL - SCRUM</a:t>
+            </a:r>
+            <a:endParaRPr lang="pt-BR" sz="3200" b="1" cap="none" spc="0" dirty="0">
+              <a:ln w="0"/>
+              <a:solidFill>
+                <a:schemeClr val="bg1"/>
+              </a:solidFill>
+              <a:effectLst>
+                <a:outerShdw blurRad="38100" dist="19050" dir="2700000" algn="tl" rotWithShape="0">
+                  <a:schemeClr val="dk1">
+                    <a:alpha val="40000"/>
+                  </a:schemeClr>
+                </a:outerShdw>
+              </a:effectLst>
+              <a:latin typeface="Exo 2 Medium" panose="00000600000000000000" pitchFamily="50" charset="0"/>
+            </a:endParaRPr>
+          </a:p>
+        </p:txBody>
+      </p:sp>
+      <p:cxnSp>
+        <p:nvCxnSpPr>
+          <p:cNvPr id="12" name="Conector reto 11">
+            <a:extLst>
+              <a:ext uri="{FF2B5EF4-FFF2-40B4-BE49-F238E27FC236}">
+                <a16:creationId xmlns:a16="http://schemas.microsoft.com/office/drawing/2014/main" id="{2F119B3F-1695-4B77-9799-CEBB849D4CFD}"/>
+              </a:ext>
+            </a:extLst>
+          </p:cNvPr>
+          <p:cNvCxnSpPr/>
+          <p:nvPr/>
+        </p:nvCxnSpPr>
+        <p:spPr>
+          <a:xfrm>
+            <a:off x="0" y="953059"/>
+            <a:ext cx="6325704" cy="0"/>
+          </a:xfrm>
+          <a:prstGeom prst="line">
+            <a:avLst/>
+          </a:prstGeom>
+          <a:ln>
+            <a:solidFill>
+              <a:schemeClr val="bg1"/>
+            </a:solidFill>
+          </a:ln>
+          <a:effectLst/>
+        </p:spPr>
+        <p:style>
+          <a:lnRef idx="1">
+            <a:schemeClr val="accent1"/>
+          </a:lnRef>
+          <a:fillRef idx="0">
+            <a:schemeClr val="accent1"/>
+          </a:fillRef>
+          <a:effectRef idx="0">
+            <a:schemeClr val="accent1"/>
+          </a:effectRef>
+          <a:fontRef idx="minor">
+            <a:schemeClr val="tx1"/>
+          </a:fontRef>
+        </p:style>
+      </p:cxnSp>
     </p:spTree>
     <p:extLst>
       <p:ext uri="{BB962C8B-B14F-4D97-AF65-F5344CB8AC3E}">
@@ -23434,17 +27860,10 @@
   <p:clrMapOvr>
     <a:masterClrMapping/>
   </p:clrMapOvr>
-  <p:timing>
-    <p:tnLst>
-      <p:par>
-        <p:cTn id="1" dur="indefinite" restart="never" nodeType="tmRoot"/>
-      </p:par>
-    </p:tnLst>
-  </p:timing>
 </p:sld>
 </file>
 
-<file path=ppt/slides/slide8.xml><?xml version="1.0" encoding="utf-8"?>
+<file path=ppt/slides/slide9.xml><?xml version="1.0" encoding="utf-8"?>
 <p:sld xmlns:a="http://schemas.openxmlformats.org/drawingml/2006/main" xmlns:r="http://schemas.openxmlformats.org/officeDocument/2006/relationships" xmlns:p="http://schemas.openxmlformats.org/presentationml/2006/main">
   <p:cSld>
     <p:spTree>
@@ -23775,7 +28194,7 @@
           <a:lstStyle/>
           <a:p>
             <a:r>
-              <a:rPr lang="pt-BR" sz="2400" b="1" dirty="0" smtClean="0">
+              <a:rPr lang="pt-BR" sz="2400" b="1" dirty="0">
                 <a:ln w="0"/>
                 <a:solidFill>
                   <a:srgbClr val="68CBCC"/>
@@ -24281,7 +28700,7 @@
           <a:p>
             <a:pPr algn="r"/>
             <a:r>
-              <a:rPr lang="pt-BR" sz="2400" b="1" dirty="0" smtClean="0">
+              <a:rPr lang="pt-BR" sz="2400" b="1" dirty="0">
                 <a:ln w="0"/>
                 <a:solidFill>
                   <a:srgbClr val="68CBCC"/>
@@ -24339,7 +28758,7 @@
           <a:p>
             <a:pPr algn="r"/>
             <a:r>
-              <a:rPr lang="pt-BR" sz="2400" b="1" dirty="0" smtClean="0">
+              <a:rPr lang="pt-BR" sz="2400" b="1" dirty="0">
                 <a:ln w="0"/>
                 <a:solidFill>
                   <a:srgbClr val="68CBCC"/>
@@ -24397,7 +28816,7 @@
           <a:p>
             <a:pPr algn="ctr"/>
             <a:r>
-              <a:rPr lang="pt-BR" sz="2400" b="1" dirty="0" smtClean="0">
+              <a:rPr lang="pt-BR" sz="2400" b="1" dirty="0">
                 <a:ln w="0"/>
                 <a:solidFill>
                   <a:srgbClr val="68CBCC"/>
@@ -24871,7 +29290,7 @@
           <a:p>
             <a:pPr algn="ctr"/>
             <a:r>
-              <a:rPr lang="pt-BR" sz="2000" b="1" dirty="0" smtClean="0">
+              <a:rPr lang="pt-BR" sz="2000" b="1" dirty="0">
                 <a:ln w="0"/>
                 <a:solidFill>
                   <a:schemeClr val="bg1"/>
@@ -24929,7 +29348,7 @@
           <a:p>
             <a:pPr algn="ctr"/>
             <a:r>
-              <a:rPr lang="pt-BR" sz="2000" b="1" dirty="0" smtClean="0">
+              <a:rPr lang="pt-BR" sz="2000" b="1" dirty="0">
                 <a:ln w="0"/>
                 <a:solidFill>
                   <a:schemeClr val="bg1"/>
@@ -24970,7 +29389,7 @@
         </p:nvSpPr>
         <p:spPr>
           <a:xfrm>
-            <a:off x="1574662" y="2972082"/>
+            <a:off x="1642431" y="2972082"/>
             <a:ext cx="3437737" cy="400110"/>
           </a:xfrm>
           <a:prstGeom prst="rect">
@@ -24987,7 +29406,7 @@
           <a:p>
             <a:pPr algn="ctr"/>
             <a:r>
-              <a:rPr lang="pt-BR" sz="2000" b="1" dirty="0" smtClean="0">
+              <a:rPr lang="pt-BR" sz="2000" b="1" dirty="0">
                 <a:ln w="0"/>
                 <a:solidFill>
                   <a:schemeClr val="bg1"/>
@@ -25045,7 +29464,7 @@
           <a:p>
             <a:pPr algn="ctr"/>
             <a:r>
-              <a:rPr lang="pt-BR" sz="2000" b="1" dirty="0" smtClean="0">
+              <a:rPr lang="pt-BR" sz="2000" b="1" dirty="0">
                 <a:ln w="0"/>
                 <a:solidFill>
                   <a:schemeClr val="bg1"/>
@@ -25088,381 +29507,6 @@
   <p:clrMapOvr>
     <a:masterClrMapping/>
   </p:clrMapOvr>
-  <mc:AlternateContent xmlns:mc="http://schemas.openxmlformats.org/markup-compatibility/2006" xmlns:p14="http://schemas.microsoft.com/office/powerpoint/2010/main">
-    <mc:Choice Requires="p14">
-      <p:transition spd="med" p14:dur="700">
-        <p:fade/>
-      </p:transition>
-    </mc:Choice>
-    <mc:Fallback xmlns="">
-      <p:transition spd="med">
-        <p:fade/>
-      </p:transition>
-    </mc:Fallback>
-  </mc:AlternateContent>
-  <p:timing>
-    <p:tnLst>
-      <p:par>
-        <p:cTn id="1" dur="indefinite" restart="never" nodeType="tmRoot"/>
-      </p:par>
-    </p:tnLst>
-  </p:timing>
-</p:sld>
-</file>
-
-<file path=ppt/slides/slide9.xml><?xml version="1.0" encoding="utf-8"?>
-<p:sld xmlns:a="http://schemas.openxmlformats.org/drawingml/2006/main" xmlns:r="http://schemas.openxmlformats.org/officeDocument/2006/relationships" xmlns:p="http://schemas.openxmlformats.org/presentationml/2006/main">
-  <p:cSld>
-    <p:spTree>
-      <p:nvGrpSpPr>
-        <p:cNvPr id="1" name=""/>
-        <p:cNvGrpSpPr/>
-        <p:nvPr/>
-      </p:nvGrpSpPr>
-      <p:grpSpPr>
-        <a:xfrm>
-          <a:off x="0" y="0"/>
-          <a:ext cx="0" cy="0"/>
-          <a:chOff x="0" y="0"/>
-          <a:chExt cx="0" cy="0"/>
-        </a:xfrm>
-      </p:grpSpPr>
-      <p:grpSp>
-        <p:nvGrpSpPr>
-          <p:cNvPr id="4" name="Agrupar 3"/>
-          <p:cNvGrpSpPr/>
-          <p:nvPr/>
-        </p:nvGrpSpPr>
-        <p:grpSpPr>
-          <a:xfrm>
-            <a:off x="0" y="-5907"/>
-            <a:ext cx="12192000" cy="6863907"/>
-            <a:chOff x="0" y="0"/>
-            <a:chExt cx="12192000" cy="6863907"/>
-          </a:xfrm>
-        </p:grpSpPr>
-        <p:pic>
-          <p:nvPicPr>
-            <p:cNvPr id="5" name="Picture 22" descr="http://www.correiodoestadoonline.com.br/arquivos/noticias/3.png"/>
-            <p:cNvPicPr>
-              <a:picLocks noChangeAspect="1" noChangeArrowheads="1"/>
-            </p:cNvPicPr>
-            <p:nvPr/>
-          </p:nvPicPr>
-          <p:blipFill>
-            <a:blip r:embed="rId2">
-              <a:extLst>
-                <a:ext uri="{BEBA8EAE-BF5A-486C-A8C5-ECC9F3942E4B}">
-                  <a14:imgProps xmlns:a14="http://schemas.microsoft.com/office/drawing/2010/main">
-                    <a14:imgLayer r:embed="rId3">
-                      <a14:imgEffect>
-                        <a14:sharpenSoften amount="-80000"/>
-                      </a14:imgEffect>
-                      <a14:imgEffect>
-                        <a14:brightnessContrast bright="-46000"/>
-                      </a14:imgEffect>
-                    </a14:imgLayer>
-                  </a14:imgProps>
-                </a:ext>
-                <a:ext uri="{28A0092B-C50C-407E-A947-70E740481C1C}">
-                  <a14:useLocalDpi xmlns:a14="http://schemas.microsoft.com/office/drawing/2010/main" val="0"/>
-                </a:ext>
-              </a:extLst>
-            </a:blip>
-            <a:srcRect/>
-            <a:stretch>
-              <a:fillRect/>
-            </a:stretch>
-          </p:blipFill>
-          <p:spPr bwMode="auto">
-            <a:xfrm>
-              <a:off x="0" y="0"/>
-              <a:ext cx="12192000" cy="6863907"/>
-            </a:xfrm>
-            <a:prstGeom prst="rect">
-              <a:avLst/>
-            </a:prstGeom>
-            <a:noFill/>
-          </p:spPr>
-        </p:pic>
-        <p:sp>
-          <p:nvSpPr>
-            <p:cNvPr id="6" name="Retângulo 5"/>
-            <p:cNvSpPr/>
-            <p:nvPr/>
-          </p:nvSpPr>
-          <p:spPr>
-            <a:xfrm>
-              <a:off x="0" y="5907"/>
-              <a:ext cx="12192000" cy="6858000"/>
-            </a:xfrm>
-            <a:prstGeom prst="rect">
-              <a:avLst/>
-            </a:prstGeom>
-            <a:solidFill>
-              <a:schemeClr val="tx1">
-                <a:lumMod val="95000"/>
-                <a:lumOff val="5000"/>
-                <a:alpha val="87000"/>
-              </a:schemeClr>
-            </a:solidFill>
-            <a:ln>
-              <a:noFill/>
-            </a:ln>
-          </p:spPr>
-          <p:style>
-            <a:lnRef idx="2">
-              <a:schemeClr val="dk1"/>
-            </a:lnRef>
-            <a:fillRef idx="1">
-              <a:schemeClr val="lt1"/>
-            </a:fillRef>
-            <a:effectRef idx="0">
-              <a:schemeClr val="dk1"/>
-            </a:effectRef>
-            <a:fontRef idx="minor">
-              <a:schemeClr val="dk1"/>
-            </a:fontRef>
-          </p:style>
-          <p:txBody>
-            <a:bodyPr rtlCol="0" anchor="ctr"/>
-            <a:lstStyle/>
-            <a:p>
-              <a:pPr algn="ctr"/>
-              <a:endParaRPr lang="pt-BR" dirty="0"/>
-            </a:p>
-          </p:txBody>
-        </p:sp>
-      </p:grpSp>
-      <p:sp>
-        <p:nvSpPr>
-          <p:cNvPr id="7" name="Retângulo 6"/>
-          <p:cNvSpPr/>
-          <p:nvPr/>
-        </p:nvSpPr>
-        <p:spPr>
-          <a:xfrm>
-            <a:off x="126222" y="198787"/>
-            <a:ext cx="7608078" cy="707886"/>
-          </a:xfrm>
-          <a:prstGeom prst="rect">
-            <a:avLst/>
-          </a:prstGeom>
-          <a:noFill/>
-          <a:effectLst/>
-        </p:spPr>
-        <p:txBody>
-          <a:bodyPr wrap="square" lIns="91440" tIns="45720" rIns="91440" bIns="45720">
-            <a:spAutoFit/>
-          </a:bodyPr>
-          <a:lstStyle/>
-          <a:p>
-            <a:pPr algn="just"/>
-            <a:r>
-              <a:rPr lang="pt-BR" sz="4000" b="1" dirty="0">
-                <a:ln w="0"/>
-                <a:solidFill>
-                  <a:schemeClr val="bg1"/>
-                </a:solidFill>
-                <a:effectLst>
-                  <a:outerShdw blurRad="38100" dist="19050" dir="2700000" algn="tl" rotWithShape="0">
-                    <a:schemeClr val="dk1">
-                      <a:alpha val="40000"/>
-                    </a:schemeClr>
-                  </a:outerShdw>
-                </a:effectLst>
-                <a:latin typeface="Exo 2 Medium" panose="00000600000000000000" pitchFamily="50" charset="0"/>
-              </a:rPr>
-              <a:t>FERRAMENTA DE GESTÃO</a:t>
-            </a:r>
-            <a:endParaRPr lang="pt-BR" sz="4000" b="1" cap="none" spc="0" dirty="0">
-              <a:ln w="0"/>
-              <a:solidFill>
-                <a:schemeClr val="bg1"/>
-              </a:solidFill>
-              <a:effectLst>
-                <a:outerShdw blurRad="38100" dist="19050" dir="2700000" algn="tl" rotWithShape="0">
-                  <a:schemeClr val="dk1">
-                    <a:alpha val="40000"/>
-                  </a:schemeClr>
-                </a:outerShdw>
-              </a:effectLst>
-              <a:latin typeface="Exo 2 Medium" panose="00000600000000000000" pitchFamily="50" charset="0"/>
-            </a:endParaRPr>
-          </a:p>
-        </p:txBody>
-      </p:sp>
-      <p:cxnSp>
-        <p:nvCxnSpPr>
-          <p:cNvPr id="8" name="Conector reto 7">
-            <a:extLst>
-              <a:ext uri="{FF2B5EF4-FFF2-40B4-BE49-F238E27FC236}">
-                <a16:creationId xmlns:a16="http://schemas.microsoft.com/office/drawing/2014/main" id="{6510727C-C843-4D84-A07F-20F37366891D}"/>
-              </a:ext>
-            </a:extLst>
-          </p:cNvPr>
-          <p:cNvCxnSpPr/>
-          <p:nvPr/>
-        </p:nvCxnSpPr>
-        <p:spPr>
-          <a:xfrm>
-            <a:off x="0" y="1105459"/>
-            <a:ext cx="6325704" cy="0"/>
-          </a:xfrm>
-          <a:prstGeom prst="line">
-            <a:avLst/>
-          </a:prstGeom>
-          <a:ln>
-            <a:solidFill>
-              <a:schemeClr val="bg1"/>
-            </a:solidFill>
-          </a:ln>
-          <a:effectLst/>
-        </p:spPr>
-        <p:style>
-          <a:lnRef idx="1">
-            <a:schemeClr val="accent1"/>
-          </a:lnRef>
-          <a:fillRef idx="0">
-            <a:schemeClr val="accent1"/>
-          </a:fillRef>
-          <a:effectRef idx="0">
-            <a:schemeClr val="accent1"/>
-          </a:effectRef>
-          <a:fontRef idx="minor">
-            <a:schemeClr val="tx1"/>
-          </a:fontRef>
-        </p:style>
-      </p:cxnSp>
-      <p:pic>
-        <p:nvPicPr>
-          <p:cNvPr id="9" name="Imagem 8"/>
-          <p:cNvPicPr/>
-          <p:nvPr/>
-        </p:nvPicPr>
-        <p:blipFill>
-          <a:blip r:embed="rId4"/>
-          <a:stretch>
-            <a:fillRect/>
-          </a:stretch>
-        </p:blipFill>
-        <p:spPr>
-          <a:xfrm>
-            <a:off x="2162092" y="2078086"/>
-            <a:ext cx="7867816" cy="3807288"/>
-          </a:xfrm>
-          <a:prstGeom prst="rect">
-            <a:avLst/>
-          </a:prstGeom>
-        </p:spPr>
-      </p:pic>
-      <p:pic>
-        <p:nvPicPr>
-          <p:cNvPr id="1028" name="Picture 4" descr="Resultado de imagem para trello"/>
-          <p:cNvPicPr>
-            <a:picLocks noChangeAspect="1" noChangeArrowheads="1"/>
-          </p:cNvPicPr>
-          <p:nvPr/>
-        </p:nvPicPr>
-        <p:blipFill>
-          <a:blip r:embed="rId5" cstate="print">
-            <a:extLst>
-              <a:ext uri="{28A0092B-C50C-407E-A947-70E740481C1C}">
-                <a14:useLocalDpi xmlns:a14="http://schemas.microsoft.com/office/drawing/2010/main" val="0"/>
-              </a:ext>
-            </a:extLst>
-          </a:blip>
-          <a:srcRect/>
-          <a:stretch>
-            <a:fillRect/>
-          </a:stretch>
-        </p:blipFill>
-        <p:spPr bwMode="auto">
-          <a:xfrm>
-            <a:off x="7518400" y="5098789"/>
-            <a:ext cx="3244232" cy="997097"/>
-          </a:xfrm>
-          <a:prstGeom prst="rect">
-            <a:avLst/>
-          </a:prstGeom>
-          <a:noFill/>
-          <a:effectLst>
-            <a:outerShdw blurRad="50800" dist="50800" dir="2700000" algn="tl" rotWithShape="0">
-              <a:prstClr val="black">
-                <a:alpha val="53000"/>
-              </a:prstClr>
-            </a:outerShdw>
-          </a:effectLst>
-          <a:extLst>
-            <a:ext uri="{909E8E84-426E-40DD-AFC4-6F175D3DCCD1}">
-              <a14:hiddenFill xmlns:a14="http://schemas.microsoft.com/office/drawing/2010/main">
-                <a:solidFill>
-                  <a:srgbClr val="FFFFFF"/>
-                </a:solidFill>
-              </a14:hiddenFill>
-            </a:ext>
-          </a:extLst>
-        </p:spPr>
-      </p:pic>
-      <p:cxnSp>
-        <p:nvCxnSpPr>
-          <p:cNvPr id="16" name="Conector reto 15">
-            <a:extLst>
-              <a:ext uri="{FF2B5EF4-FFF2-40B4-BE49-F238E27FC236}">
-                <a16:creationId xmlns:a16="http://schemas.microsoft.com/office/drawing/2014/main" id="{6510727C-C843-4D84-A07F-20F37366891D}"/>
-              </a:ext>
-            </a:extLst>
-          </p:cNvPr>
-          <p:cNvCxnSpPr/>
-          <p:nvPr/>
-        </p:nvCxnSpPr>
-        <p:spPr>
-          <a:xfrm>
-            <a:off x="8509000" y="6019686"/>
-            <a:ext cx="1991912" cy="0"/>
-          </a:xfrm>
-          <a:prstGeom prst="line">
-            <a:avLst/>
-          </a:prstGeom>
-          <a:ln>
-            <a:solidFill>
-              <a:schemeClr val="bg1"/>
-            </a:solidFill>
-          </a:ln>
-          <a:effectLst/>
-        </p:spPr>
-        <p:style>
-          <a:lnRef idx="1">
-            <a:schemeClr val="accent1"/>
-          </a:lnRef>
-          <a:fillRef idx="0">
-            <a:schemeClr val="accent1"/>
-          </a:fillRef>
-          <a:effectRef idx="0">
-            <a:schemeClr val="accent1"/>
-          </a:effectRef>
-          <a:fontRef idx="minor">
-            <a:schemeClr val="tx1"/>
-          </a:fontRef>
-        </p:style>
-      </p:cxnSp>
-    </p:spTree>
-    <p:extLst>
-      <p:ext uri="{BB962C8B-B14F-4D97-AF65-F5344CB8AC3E}">
-        <p14:creationId xmlns:p14="http://schemas.microsoft.com/office/powerpoint/2010/main" val="229802545"/>
-      </p:ext>
-    </p:extLst>
-  </p:cSld>
-  <p:clrMapOvr>
-    <a:masterClrMapping/>
-  </p:clrMapOvr>
-  <p:timing>
-    <p:tnLst>
-      <p:par>
-        <p:cTn id="1" dur="indefinite" restart="never" nodeType="tmRoot"/>
-      </p:par>
-    </p:tnLst>
-  </p:timing>
 </p:sld>
 </file>
 

--- a/Apresentação/inSensorSemFinal.pptx
+++ b/Apresentação/inSensorSemFinal.pptx
@@ -9,25 +9,26 @@
     <p:sldId id="264" r:id="rId3"/>
     <p:sldId id="272" r:id="rId4"/>
     <p:sldId id="258" r:id="rId5"/>
-    <p:sldId id="256" r:id="rId6"/>
-    <p:sldId id="265" r:id="rId7"/>
-    <p:sldId id="287" r:id="rId8"/>
-    <p:sldId id="260" r:id="rId9"/>
-    <p:sldId id="261" r:id="rId10"/>
-    <p:sldId id="262" r:id="rId11"/>
-    <p:sldId id="266" r:id="rId12"/>
-    <p:sldId id="273" r:id="rId13"/>
-    <p:sldId id="268" r:id="rId14"/>
-    <p:sldId id="269" r:id="rId15"/>
-    <p:sldId id="271" r:id="rId16"/>
-    <p:sldId id="274" r:id="rId17"/>
-    <p:sldId id="276" r:id="rId18"/>
-    <p:sldId id="277" r:id="rId19"/>
-    <p:sldId id="284" r:id="rId20"/>
-    <p:sldId id="280" r:id="rId21"/>
-    <p:sldId id="285" r:id="rId22"/>
-    <p:sldId id="282" r:id="rId23"/>
-    <p:sldId id="283" r:id="rId24"/>
+    <p:sldId id="289" r:id="rId6"/>
+    <p:sldId id="256" r:id="rId7"/>
+    <p:sldId id="265" r:id="rId8"/>
+    <p:sldId id="287" r:id="rId9"/>
+    <p:sldId id="260" r:id="rId10"/>
+    <p:sldId id="261" r:id="rId11"/>
+    <p:sldId id="262" r:id="rId12"/>
+    <p:sldId id="266" r:id="rId13"/>
+    <p:sldId id="273" r:id="rId14"/>
+    <p:sldId id="268" r:id="rId15"/>
+    <p:sldId id="269" r:id="rId16"/>
+    <p:sldId id="271" r:id="rId17"/>
+    <p:sldId id="274" r:id="rId18"/>
+    <p:sldId id="276" r:id="rId19"/>
+    <p:sldId id="277" r:id="rId20"/>
+    <p:sldId id="284" r:id="rId21"/>
+    <p:sldId id="280" r:id="rId22"/>
+    <p:sldId id="285" r:id="rId23"/>
+    <p:sldId id="282" r:id="rId24"/>
+    <p:sldId id="283" r:id="rId25"/>
   </p:sldIdLst>
   <p:sldSz cx="12192000" cy="6858000"/>
   <p:notesSz cx="6858000" cy="9144000"/>
@@ -128,7 +129,7 @@
   </p:defaultTextStyle>
   <p:extLst>
     <p:ext uri="{EFAFB233-063F-42B5-8137-9DF3F51BA10A}">
-      <p15:sldGuideLst xmlns:p15="http://schemas.microsoft.com/office/powerpoint/2012/main"/>
+      <p15:sldGuideLst xmlns="" xmlns:p15="http://schemas.microsoft.com/office/powerpoint/2012/main"/>
     </p:ext>
   </p:extLst>
 </p:presentation>
@@ -3059,7 +3060,7 @@
           <p:cNvPr id="9" name="Conector reto 8">
             <a:extLst>
               <a:ext uri="{FF2B5EF4-FFF2-40B4-BE49-F238E27FC236}">
-                <a16:creationId xmlns:a16="http://schemas.microsoft.com/office/drawing/2014/main" id="{6510727C-C843-4D84-A07F-20F37366891D}"/>
+                <a16:creationId xmlns="" xmlns:a16="http://schemas.microsoft.com/office/drawing/2014/main" id="{6510727C-C843-4D84-A07F-20F37366891D}"/>
               </a:ext>
             </a:extLst>
           </p:cNvPr>
@@ -3524,7 +3525,7 @@
           <p:cNvPr id="12" name="Conector reto 11">
             <a:extLst>
               <a:ext uri="{FF2B5EF4-FFF2-40B4-BE49-F238E27FC236}">
-                <a16:creationId xmlns:a16="http://schemas.microsoft.com/office/drawing/2014/main" id="{AE5231F2-20F2-43E3-AE00-E9BD274B7EC7}"/>
+                <a16:creationId xmlns="" xmlns:a16="http://schemas.microsoft.com/office/drawing/2014/main" id="{AE5231F2-20F2-43E3-AE00-E9BD274B7EC7}"/>
               </a:ext>
             </a:extLst>
           </p:cNvPr>
@@ -3568,7 +3569,7 @@
           <p:cNvPr id="13" name="Imagem 12">
             <a:extLst>
               <a:ext uri="{FF2B5EF4-FFF2-40B4-BE49-F238E27FC236}">
-                <a16:creationId xmlns:a16="http://schemas.microsoft.com/office/drawing/2014/main" id="{FE19BE6A-7136-4270-BC7B-F58B33793FEC}"/>
+                <a16:creationId xmlns="" xmlns:a16="http://schemas.microsoft.com/office/drawing/2014/main" id="{FE19BE6A-7136-4270-BC7B-F58B33793FEC}"/>
               </a:ext>
             </a:extLst>
           </p:cNvPr>
@@ -3605,7 +3606,7 @@
           <p:cNvPr id="15" name="Retângulo 14">
             <a:extLst>
               <a:ext uri="{FF2B5EF4-FFF2-40B4-BE49-F238E27FC236}">
-                <a16:creationId xmlns:a16="http://schemas.microsoft.com/office/drawing/2014/main" id="{DAEBF0E9-611C-40AA-B044-6DD76EEDBD11}"/>
+                <a16:creationId xmlns="" xmlns:a16="http://schemas.microsoft.com/office/drawing/2014/main" id="{DAEBF0E9-611C-40AA-B044-6DD76EEDBD11}"/>
               </a:ext>
             </a:extLst>
           </p:cNvPr>
@@ -3672,10 +3673,1664 @@
       </p:transition>
     </mc:Fallback>
   </mc:AlternateContent>
+  <p:timing>
+    <p:tnLst>
+      <p:par>
+        <p:cTn id="1" dur="indefinite" restart="never" nodeType="tmRoot"/>
+      </p:par>
+    </p:tnLst>
+  </p:timing>
 </p:sld>
 </file>
 
 <file path=ppt/slides/slide10.xml><?xml version="1.0" encoding="utf-8"?>
+<p:sld xmlns:a="http://schemas.openxmlformats.org/drawingml/2006/main" xmlns:r="http://schemas.openxmlformats.org/officeDocument/2006/relationships" xmlns:p="http://schemas.openxmlformats.org/presentationml/2006/main">
+  <p:cSld>
+    <p:spTree>
+      <p:nvGrpSpPr>
+        <p:cNvPr id="1" name=""/>
+        <p:cNvGrpSpPr/>
+        <p:nvPr/>
+      </p:nvGrpSpPr>
+      <p:grpSpPr>
+        <a:xfrm>
+          <a:off x="0" y="0"/>
+          <a:ext cx="0" cy="0"/>
+          <a:chOff x="0" y="0"/>
+          <a:chExt cx="0" cy="0"/>
+        </a:xfrm>
+      </p:grpSpPr>
+      <p:grpSp>
+        <p:nvGrpSpPr>
+          <p:cNvPr id="6" name="Agrupar 5"/>
+          <p:cNvGrpSpPr/>
+          <p:nvPr/>
+        </p:nvGrpSpPr>
+        <p:grpSpPr>
+          <a:xfrm>
+            <a:off x="0" y="-5907"/>
+            <a:ext cx="12192000" cy="6863907"/>
+            <a:chOff x="0" y="0"/>
+            <a:chExt cx="12192000" cy="6863907"/>
+          </a:xfrm>
+        </p:grpSpPr>
+        <p:pic>
+          <p:nvPicPr>
+            <p:cNvPr id="4" name="Picture 22" descr="http://www.correiodoestadoonline.com.br/arquivos/noticias/3.png"/>
+            <p:cNvPicPr>
+              <a:picLocks noChangeAspect="1" noChangeArrowheads="1"/>
+            </p:cNvPicPr>
+            <p:nvPr/>
+          </p:nvPicPr>
+          <p:blipFill>
+            <a:blip r:embed="rId2">
+              <a:extLst>
+                <a:ext uri="{BEBA8EAE-BF5A-486C-A8C5-ECC9F3942E4B}">
+                  <a14:imgProps xmlns:a14="http://schemas.microsoft.com/office/drawing/2010/main">
+                    <a14:imgLayer r:embed="rId3">
+                      <a14:imgEffect>
+                        <a14:sharpenSoften amount="-80000"/>
+                      </a14:imgEffect>
+                      <a14:imgEffect>
+                        <a14:brightnessContrast bright="-46000"/>
+                      </a14:imgEffect>
+                    </a14:imgLayer>
+                  </a14:imgProps>
+                </a:ext>
+                <a:ext uri="{28A0092B-C50C-407E-A947-70E740481C1C}">
+                  <a14:useLocalDpi xmlns:a14="http://schemas.microsoft.com/office/drawing/2010/main" val="0"/>
+                </a:ext>
+              </a:extLst>
+            </a:blip>
+            <a:srcRect/>
+            <a:stretch>
+              <a:fillRect/>
+            </a:stretch>
+          </p:blipFill>
+          <p:spPr bwMode="auto">
+            <a:xfrm>
+              <a:off x="0" y="0"/>
+              <a:ext cx="12192000" cy="6863907"/>
+            </a:xfrm>
+            <a:prstGeom prst="rect">
+              <a:avLst/>
+            </a:prstGeom>
+            <a:noFill/>
+          </p:spPr>
+        </p:pic>
+        <p:sp>
+          <p:nvSpPr>
+            <p:cNvPr id="5" name="Retângulo 4"/>
+            <p:cNvSpPr/>
+            <p:nvPr/>
+          </p:nvSpPr>
+          <p:spPr>
+            <a:xfrm>
+              <a:off x="0" y="5907"/>
+              <a:ext cx="12192000" cy="6858000"/>
+            </a:xfrm>
+            <a:prstGeom prst="rect">
+              <a:avLst/>
+            </a:prstGeom>
+            <a:solidFill>
+              <a:schemeClr val="tx1">
+                <a:lumMod val="95000"/>
+                <a:lumOff val="5000"/>
+                <a:alpha val="87000"/>
+              </a:schemeClr>
+            </a:solidFill>
+            <a:ln>
+              <a:noFill/>
+            </a:ln>
+          </p:spPr>
+          <p:style>
+            <a:lnRef idx="2">
+              <a:schemeClr val="dk1"/>
+            </a:lnRef>
+            <a:fillRef idx="1">
+              <a:schemeClr val="lt1"/>
+            </a:fillRef>
+            <a:effectRef idx="0">
+              <a:schemeClr val="dk1"/>
+            </a:effectRef>
+            <a:fontRef idx="minor">
+              <a:schemeClr val="dk1"/>
+            </a:fontRef>
+          </p:style>
+          <p:txBody>
+            <a:bodyPr rtlCol="0" anchor="ctr"/>
+            <a:lstStyle/>
+            <a:p>
+              <a:pPr algn="ctr"/>
+              <a:endParaRPr lang="pt-BR" dirty="0"/>
+            </a:p>
+          </p:txBody>
+        </p:sp>
+      </p:grpSp>
+      <p:cxnSp>
+        <p:nvCxnSpPr>
+          <p:cNvPr id="8" name="Conector reto 7">
+            <a:extLst>
+              <a:ext uri="{FF2B5EF4-FFF2-40B4-BE49-F238E27FC236}">
+                <a16:creationId xmlns="" xmlns:a16="http://schemas.microsoft.com/office/drawing/2014/main" id="{6510727C-C843-4D84-A07F-20F37366891D}"/>
+              </a:ext>
+            </a:extLst>
+          </p:cNvPr>
+          <p:cNvCxnSpPr/>
+          <p:nvPr/>
+        </p:nvCxnSpPr>
+        <p:spPr>
+          <a:xfrm>
+            <a:off x="1732853" y="919897"/>
+            <a:ext cx="6325704" cy="0"/>
+          </a:xfrm>
+          <a:prstGeom prst="line">
+            <a:avLst/>
+          </a:prstGeom>
+          <a:ln>
+            <a:solidFill>
+              <a:schemeClr val="bg1"/>
+            </a:solidFill>
+          </a:ln>
+          <a:effectLst/>
+        </p:spPr>
+        <p:style>
+          <a:lnRef idx="1">
+            <a:schemeClr val="accent1"/>
+          </a:lnRef>
+          <a:fillRef idx="0">
+            <a:schemeClr val="accent1"/>
+          </a:fillRef>
+          <a:effectRef idx="0">
+            <a:schemeClr val="accent1"/>
+          </a:effectRef>
+          <a:fontRef idx="minor">
+            <a:schemeClr val="tx1"/>
+          </a:fontRef>
+        </p:style>
+      </p:cxnSp>
+      <p:grpSp>
+        <p:nvGrpSpPr>
+          <p:cNvPr id="2" name="Agrupar 1"/>
+          <p:cNvGrpSpPr/>
+          <p:nvPr/>
+        </p:nvGrpSpPr>
+        <p:grpSpPr>
+          <a:xfrm>
+            <a:off x="349861" y="281269"/>
+            <a:ext cx="2178122" cy="2178122"/>
+            <a:chOff x="734174" y="2338243"/>
+            <a:chExt cx="2178122" cy="2178122"/>
+          </a:xfrm>
+          <a:effectLst/>
+        </p:grpSpPr>
+        <p:sp>
+          <p:nvSpPr>
+            <p:cNvPr id="17" name="Elipse 16"/>
+            <p:cNvSpPr/>
+            <p:nvPr/>
+          </p:nvSpPr>
+          <p:spPr>
+            <a:xfrm>
+              <a:off x="734174" y="2338243"/>
+              <a:ext cx="2178122" cy="2178122"/>
+            </a:xfrm>
+            <a:prstGeom prst="ellipse">
+              <a:avLst/>
+            </a:prstGeom>
+            <a:solidFill>
+              <a:schemeClr val="bg1"/>
+            </a:solidFill>
+            <a:ln>
+              <a:noFill/>
+            </a:ln>
+            <a:effectLst>
+              <a:outerShdw blurRad="50800" dist="38100" dir="2700000" algn="tl" rotWithShape="0">
+                <a:prstClr val="black">
+                  <a:alpha val="40000"/>
+                </a:prstClr>
+              </a:outerShdw>
+            </a:effectLst>
+          </p:spPr>
+          <p:style>
+            <a:lnRef idx="2">
+              <a:schemeClr val="accent1">
+                <a:shade val="50000"/>
+              </a:schemeClr>
+            </a:lnRef>
+            <a:fillRef idx="1">
+              <a:schemeClr val="accent1"/>
+            </a:fillRef>
+            <a:effectRef idx="0">
+              <a:schemeClr val="accent1"/>
+            </a:effectRef>
+            <a:fontRef idx="minor">
+              <a:schemeClr val="lt1"/>
+            </a:fontRef>
+          </p:style>
+          <p:txBody>
+            <a:bodyPr rtlCol="0" anchor="ctr"/>
+            <a:lstStyle/>
+            <a:p>
+              <a:pPr algn="ctr"/>
+              <a:endParaRPr lang="pt-BR" dirty="0"/>
+            </a:p>
+          </p:txBody>
+        </p:sp>
+        <p:pic>
+          <p:nvPicPr>
+            <p:cNvPr id="23" name="Imagem 22"/>
+            <p:cNvPicPr>
+              <a:picLocks noChangeAspect="1"/>
+            </p:cNvPicPr>
+            <p:nvPr/>
+          </p:nvPicPr>
+          <p:blipFill>
+            <a:blip r:embed="rId4" cstate="print">
+              <a:extLst>
+                <a:ext uri="{28A0092B-C50C-407E-A947-70E740481C1C}">
+                  <a14:useLocalDpi xmlns:a14="http://schemas.microsoft.com/office/drawing/2010/main" val="0"/>
+                </a:ext>
+              </a:extLst>
+            </a:blip>
+            <a:stretch>
+              <a:fillRect/>
+            </a:stretch>
+          </p:blipFill>
+          <p:spPr>
+            <a:xfrm>
+              <a:off x="1022293" y="2444571"/>
+              <a:ext cx="1601884" cy="1601884"/>
+            </a:xfrm>
+            <a:prstGeom prst="rect">
+              <a:avLst/>
+            </a:prstGeom>
+          </p:spPr>
+        </p:pic>
+      </p:grpSp>
+      <p:cxnSp>
+        <p:nvCxnSpPr>
+          <p:cNvPr id="31" name="Conector reto 30">
+            <a:extLst>
+              <a:ext uri="{FF2B5EF4-FFF2-40B4-BE49-F238E27FC236}">
+                <a16:creationId xmlns="" xmlns:a16="http://schemas.microsoft.com/office/drawing/2014/main" id="{6510727C-C843-4D84-A07F-20F37366891D}"/>
+              </a:ext>
+            </a:extLst>
+          </p:cNvPr>
+          <p:cNvCxnSpPr/>
+          <p:nvPr/>
+        </p:nvCxnSpPr>
+        <p:spPr>
+          <a:xfrm>
+            <a:off x="3985723" y="2322177"/>
+            <a:ext cx="6325704" cy="0"/>
+          </a:xfrm>
+          <a:prstGeom prst="line">
+            <a:avLst/>
+          </a:prstGeom>
+          <a:ln>
+            <a:solidFill>
+              <a:schemeClr val="bg1"/>
+            </a:solidFill>
+          </a:ln>
+          <a:effectLst/>
+        </p:spPr>
+        <p:style>
+          <a:lnRef idx="1">
+            <a:schemeClr val="accent1"/>
+          </a:lnRef>
+          <a:fillRef idx="0">
+            <a:schemeClr val="accent1"/>
+          </a:fillRef>
+          <a:effectRef idx="0">
+            <a:schemeClr val="accent1"/>
+          </a:effectRef>
+          <a:fontRef idx="minor">
+            <a:schemeClr val="tx1"/>
+          </a:fontRef>
+        </p:style>
+      </p:cxnSp>
+      <p:sp>
+        <p:nvSpPr>
+          <p:cNvPr id="29" name="Retângulo 28"/>
+          <p:cNvSpPr/>
+          <p:nvPr/>
+        </p:nvSpPr>
+        <p:spPr>
+          <a:xfrm>
+            <a:off x="2585311" y="457815"/>
+            <a:ext cx="3777389" cy="461665"/>
+          </a:xfrm>
+          <a:prstGeom prst="rect">
+            <a:avLst/>
+          </a:prstGeom>
+          <a:noFill/>
+          <a:effectLst/>
+        </p:spPr>
+        <p:txBody>
+          <a:bodyPr wrap="square" lIns="91440" tIns="45720" rIns="91440" bIns="45720">
+            <a:spAutoFit/>
+          </a:bodyPr>
+          <a:lstStyle/>
+          <a:p>
+            <a:r>
+              <a:rPr lang="pt-BR" sz="2400" b="1" dirty="0">
+                <a:ln w="0"/>
+                <a:solidFill>
+                  <a:srgbClr val="68CBCC"/>
+                </a:solidFill>
+                <a:effectLst>
+                  <a:outerShdw blurRad="38100" dist="19050" dir="2700000" algn="tl" rotWithShape="0">
+                    <a:schemeClr val="dk1">
+                      <a:alpha val="40000"/>
+                    </a:schemeClr>
+                  </a:outerShdw>
+                </a:effectLst>
+                <a:latin typeface="Exo 2 Medium" panose="00000600000000000000" pitchFamily="50" charset="0"/>
+              </a:rPr>
+              <a:t>LUCAS YUDI GANEKO</a:t>
+            </a:r>
+            <a:endParaRPr lang="pt-BR" sz="2400" b="1" cap="none" spc="0" dirty="0">
+              <a:ln w="0"/>
+              <a:solidFill>
+                <a:srgbClr val="68CBCC"/>
+              </a:solidFill>
+              <a:effectLst>
+                <a:outerShdw blurRad="38100" dist="19050" dir="2700000" algn="tl" rotWithShape="0">
+                  <a:schemeClr val="dk1">
+                    <a:alpha val="40000"/>
+                  </a:schemeClr>
+                </a:outerShdw>
+              </a:effectLst>
+              <a:latin typeface="Exo 2 Medium" panose="00000600000000000000" pitchFamily="50" charset="0"/>
+            </a:endParaRPr>
+          </a:p>
+        </p:txBody>
+      </p:sp>
+      <p:cxnSp>
+        <p:nvCxnSpPr>
+          <p:cNvPr id="39" name="Conector reto 38">
+            <a:extLst>
+              <a:ext uri="{FF2B5EF4-FFF2-40B4-BE49-F238E27FC236}">
+                <a16:creationId xmlns="" xmlns:a16="http://schemas.microsoft.com/office/drawing/2014/main" id="{6510727C-C843-4D84-A07F-20F37366891D}"/>
+              </a:ext>
+            </a:extLst>
+          </p:cNvPr>
+          <p:cNvCxnSpPr/>
+          <p:nvPr/>
+        </p:nvCxnSpPr>
+        <p:spPr>
+          <a:xfrm>
+            <a:off x="4211010" y="5136284"/>
+            <a:ext cx="6325704" cy="0"/>
+          </a:xfrm>
+          <a:prstGeom prst="line">
+            <a:avLst/>
+          </a:prstGeom>
+          <a:ln>
+            <a:solidFill>
+              <a:schemeClr val="bg1"/>
+            </a:solidFill>
+          </a:ln>
+          <a:effectLst/>
+        </p:spPr>
+        <p:style>
+          <a:lnRef idx="1">
+            <a:schemeClr val="accent1"/>
+          </a:lnRef>
+          <a:fillRef idx="0">
+            <a:schemeClr val="accent1"/>
+          </a:fillRef>
+          <a:effectRef idx="0">
+            <a:schemeClr val="accent1"/>
+          </a:effectRef>
+          <a:fontRef idx="minor">
+            <a:schemeClr val="tx1"/>
+          </a:fontRef>
+        </p:style>
+      </p:cxnSp>
+      <p:sp>
+        <p:nvSpPr>
+          <p:cNvPr id="24" name="Elipse 23"/>
+          <p:cNvSpPr/>
+          <p:nvPr/>
+        </p:nvSpPr>
+        <p:spPr>
+          <a:xfrm>
+            <a:off x="9685873" y="1607817"/>
+            <a:ext cx="2178122" cy="2178122"/>
+          </a:xfrm>
+          <a:prstGeom prst="ellipse">
+            <a:avLst/>
+          </a:prstGeom>
+          <a:solidFill>
+            <a:schemeClr val="bg1"/>
+          </a:solidFill>
+          <a:ln>
+            <a:noFill/>
+          </a:ln>
+          <a:effectLst>
+            <a:outerShdw blurRad="50800" dist="38100" dir="2700000" algn="tl" rotWithShape="0">
+              <a:prstClr val="black">
+                <a:alpha val="40000"/>
+              </a:prstClr>
+            </a:outerShdw>
+          </a:effectLst>
+        </p:spPr>
+        <p:style>
+          <a:lnRef idx="2">
+            <a:schemeClr val="accent1">
+              <a:shade val="50000"/>
+            </a:schemeClr>
+          </a:lnRef>
+          <a:fillRef idx="1">
+            <a:schemeClr val="accent1"/>
+          </a:fillRef>
+          <a:effectRef idx="0">
+            <a:schemeClr val="accent1"/>
+          </a:effectRef>
+          <a:fontRef idx="minor">
+            <a:schemeClr val="lt1"/>
+          </a:fontRef>
+        </p:style>
+        <p:txBody>
+          <a:bodyPr rtlCol="0" anchor="ctr"/>
+          <a:lstStyle/>
+          <a:p>
+            <a:pPr algn="ctr"/>
+            <a:endParaRPr lang="pt-BR" dirty="0"/>
+          </a:p>
+        </p:txBody>
+      </p:sp>
+      <p:cxnSp>
+        <p:nvCxnSpPr>
+          <p:cNvPr id="38" name="Conector reto 37">
+            <a:extLst>
+              <a:ext uri="{FF2B5EF4-FFF2-40B4-BE49-F238E27FC236}">
+                <a16:creationId xmlns="" xmlns:a16="http://schemas.microsoft.com/office/drawing/2014/main" id="{6510727C-C843-4D84-A07F-20F37366891D}"/>
+              </a:ext>
+            </a:extLst>
+          </p:cNvPr>
+          <p:cNvCxnSpPr/>
+          <p:nvPr/>
+        </p:nvCxnSpPr>
+        <p:spPr>
+          <a:xfrm>
+            <a:off x="1564554" y="3699968"/>
+            <a:ext cx="6325704" cy="0"/>
+          </a:xfrm>
+          <a:prstGeom prst="line">
+            <a:avLst/>
+          </a:prstGeom>
+          <a:ln>
+            <a:solidFill>
+              <a:schemeClr val="bg1"/>
+            </a:solidFill>
+          </a:ln>
+          <a:effectLst/>
+        </p:spPr>
+        <p:style>
+          <a:lnRef idx="1">
+            <a:schemeClr val="accent1"/>
+          </a:lnRef>
+          <a:fillRef idx="0">
+            <a:schemeClr val="accent1"/>
+          </a:fillRef>
+          <a:effectRef idx="0">
+            <a:schemeClr val="accent1"/>
+          </a:effectRef>
+          <a:fontRef idx="minor">
+            <a:schemeClr val="tx1"/>
+          </a:fontRef>
+        </p:style>
+      </p:cxnSp>
+      <p:grpSp>
+        <p:nvGrpSpPr>
+          <p:cNvPr id="11" name="Agrupar 10"/>
+          <p:cNvGrpSpPr/>
+          <p:nvPr/>
+        </p:nvGrpSpPr>
+        <p:grpSpPr>
+          <a:xfrm>
+            <a:off x="9694221" y="4478859"/>
+            <a:ext cx="2178122" cy="2178122"/>
+            <a:chOff x="9261512" y="2312259"/>
+            <a:chExt cx="2178122" cy="2178122"/>
+          </a:xfrm>
+          <a:effectLst/>
+        </p:grpSpPr>
+        <p:sp>
+          <p:nvSpPr>
+            <p:cNvPr id="33" name="Elipse 32"/>
+            <p:cNvSpPr/>
+            <p:nvPr/>
+          </p:nvSpPr>
+          <p:spPr>
+            <a:xfrm>
+              <a:off x="9261512" y="2312259"/>
+              <a:ext cx="2178122" cy="2178122"/>
+            </a:xfrm>
+            <a:prstGeom prst="ellipse">
+              <a:avLst/>
+            </a:prstGeom>
+            <a:solidFill>
+              <a:schemeClr val="bg1"/>
+            </a:solidFill>
+            <a:ln>
+              <a:noFill/>
+            </a:ln>
+            <a:effectLst>
+              <a:outerShdw blurRad="50800" dist="38100" dir="2700000" algn="tl" rotWithShape="0">
+                <a:prstClr val="black">
+                  <a:alpha val="40000"/>
+                </a:prstClr>
+              </a:outerShdw>
+            </a:effectLst>
+          </p:spPr>
+          <p:style>
+            <a:lnRef idx="2">
+              <a:schemeClr val="accent1">
+                <a:shade val="50000"/>
+              </a:schemeClr>
+            </a:lnRef>
+            <a:fillRef idx="1">
+              <a:schemeClr val="accent1"/>
+            </a:fillRef>
+            <a:effectRef idx="0">
+              <a:schemeClr val="accent1"/>
+            </a:effectRef>
+            <a:fontRef idx="minor">
+              <a:schemeClr val="lt1"/>
+            </a:fontRef>
+          </p:style>
+          <p:txBody>
+            <a:bodyPr rtlCol="0" anchor="ctr"/>
+            <a:lstStyle/>
+            <a:p>
+              <a:pPr algn="ctr"/>
+              <a:endParaRPr lang="pt-BR" dirty="0"/>
+            </a:p>
+          </p:txBody>
+        </p:sp>
+        <p:pic>
+          <p:nvPicPr>
+            <p:cNvPr id="35" name="Imagem 34"/>
+            <p:cNvPicPr>
+              <a:picLocks noChangeAspect="1"/>
+            </p:cNvPicPr>
+            <p:nvPr/>
+          </p:nvPicPr>
+          <p:blipFill>
+            <a:blip r:embed="rId5" cstate="print">
+              <a:extLst>
+                <a:ext uri="{28A0092B-C50C-407E-A947-70E740481C1C}">
+                  <a14:useLocalDpi xmlns:a14="http://schemas.microsoft.com/office/drawing/2010/main" val="0"/>
+                </a:ext>
+              </a:extLst>
+            </a:blip>
+            <a:stretch>
+              <a:fillRect/>
+            </a:stretch>
+          </p:blipFill>
+          <p:spPr>
+            <a:xfrm>
+              <a:off x="9549631" y="2444571"/>
+              <a:ext cx="1601884" cy="1601884"/>
+            </a:xfrm>
+            <a:prstGeom prst="rect">
+              <a:avLst/>
+            </a:prstGeom>
+          </p:spPr>
+        </p:pic>
+        <p:pic>
+          <p:nvPicPr>
+            <p:cNvPr id="36" name="Picture 8" descr="https://3dsupply.de/en/composition/noob-cap-cap-cap-front~eJwdijkKgDAQRa8SppYwk_xsXkUsBC0CggHTiXc3Y_mWh1qn2QhySbGIE8uToToU7Uff6kkD-78ElwEW7_6lXbdKnbUughgSPEdYXrUPGQW6ag8Z6f0Ad2cYzg==.png"/>
+            <p:cNvPicPr>
+              <a:picLocks noChangeAspect="1" noChangeArrowheads="1"/>
+            </p:cNvPicPr>
+            <p:nvPr/>
+          </p:nvPicPr>
+          <p:blipFill>
+            <a:blip r:embed="rId6" cstate="print">
+              <a:extLst>
+                <a:ext uri="{BEBA8EAE-BF5A-486C-A8C5-ECC9F3942E4B}">
+                  <a14:imgProps xmlns:a14="http://schemas.microsoft.com/office/drawing/2010/main">
+                    <a14:imgLayer r:embed="rId7">
+                      <a14:imgEffect>
+                        <a14:saturation sat="0"/>
+                      </a14:imgEffect>
+                      <a14:imgEffect>
+                        <a14:brightnessContrast bright="-20000" contrast="40000"/>
+                      </a14:imgEffect>
+                    </a14:imgLayer>
+                  </a14:imgProps>
+                </a:ext>
+                <a:ext uri="{28A0092B-C50C-407E-A947-70E740481C1C}">
+                  <a14:useLocalDpi xmlns:a14="http://schemas.microsoft.com/office/drawing/2010/main" val="0"/>
+                </a:ext>
+              </a:extLst>
+            </a:blip>
+            <a:srcRect/>
+            <a:stretch>
+              <a:fillRect/>
+            </a:stretch>
+          </p:blipFill>
+          <p:spPr bwMode="auto">
+            <a:xfrm>
+              <a:off x="9874817" y="2350360"/>
+              <a:ext cx="945583" cy="640312"/>
+            </a:xfrm>
+            <a:prstGeom prst="rect">
+              <a:avLst/>
+            </a:prstGeom>
+            <a:noFill/>
+            <a:extLst>
+              <a:ext uri="{909E8E84-426E-40DD-AFC4-6F175D3DCCD1}">
+                <a14:hiddenFill xmlns:a14="http://schemas.microsoft.com/office/drawing/2010/main">
+                  <a:solidFill>
+                    <a:srgbClr val="FFFFFF"/>
+                  </a:solidFill>
+                </a14:hiddenFill>
+              </a:ext>
+            </a:extLst>
+          </p:spPr>
+        </p:pic>
+      </p:grpSp>
+      <p:grpSp>
+        <p:nvGrpSpPr>
+          <p:cNvPr id="9" name="Agrupar 8"/>
+          <p:cNvGrpSpPr/>
+          <p:nvPr/>
+        </p:nvGrpSpPr>
+        <p:grpSpPr>
+          <a:xfrm>
+            <a:off x="349861" y="3137775"/>
+            <a:ext cx="2178122" cy="2276565"/>
+            <a:chOff x="6419066" y="2210154"/>
+            <a:chExt cx="2178122" cy="2276565"/>
+          </a:xfrm>
+          <a:effectLst/>
+        </p:grpSpPr>
+        <p:sp>
+          <p:nvSpPr>
+            <p:cNvPr id="32" name="Elipse 31"/>
+            <p:cNvSpPr/>
+            <p:nvPr/>
+          </p:nvSpPr>
+          <p:spPr>
+            <a:xfrm>
+              <a:off x="6419066" y="2308597"/>
+              <a:ext cx="2178122" cy="2178122"/>
+            </a:xfrm>
+            <a:prstGeom prst="ellipse">
+              <a:avLst/>
+            </a:prstGeom>
+            <a:solidFill>
+              <a:schemeClr val="bg1"/>
+            </a:solidFill>
+            <a:ln>
+              <a:noFill/>
+            </a:ln>
+            <a:effectLst>
+              <a:outerShdw blurRad="50800" dist="38100" dir="2700000" algn="tl" rotWithShape="0">
+                <a:prstClr val="black">
+                  <a:alpha val="40000"/>
+                </a:prstClr>
+              </a:outerShdw>
+            </a:effectLst>
+          </p:spPr>
+          <p:style>
+            <a:lnRef idx="2">
+              <a:schemeClr val="accent1">
+                <a:shade val="50000"/>
+              </a:schemeClr>
+            </a:lnRef>
+            <a:fillRef idx="1">
+              <a:schemeClr val="accent1"/>
+            </a:fillRef>
+            <a:effectRef idx="0">
+              <a:schemeClr val="accent1"/>
+            </a:effectRef>
+            <a:fontRef idx="minor">
+              <a:schemeClr val="lt1"/>
+            </a:fontRef>
+          </p:style>
+          <p:txBody>
+            <a:bodyPr rtlCol="0" anchor="ctr"/>
+            <a:lstStyle/>
+            <a:p>
+              <a:pPr algn="ctr"/>
+              <a:endParaRPr lang="pt-BR" dirty="0"/>
+            </a:p>
+          </p:txBody>
+        </p:sp>
+        <p:pic>
+          <p:nvPicPr>
+            <p:cNvPr id="34" name="Imagem 33"/>
+            <p:cNvPicPr>
+              <a:picLocks noChangeAspect="1"/>
+            </p:cNvPicPr>
+            <p:nvPr/>
+          </p:nvPicPr>
+          <p:blipFill>
+            <a:blip r:embed="rId8" cstate="print">
+              <a:extLst>
+                <a:ext uri="{28A0092B-C50C-407E-A947-70E740481C1C}">
+                  <a14:useLocalDpi xmlns:a14="http://schemas.microsoft.com/office/drawing/2010/main" val="0"/>
+                </a:ext>
+              </a:extLst>
+            </a:blip>
+            <a:stretch>
+              <a:fillRect/>
+            </a:stretch>
+          </p:blipFill>
+          <p:spPr>
+            <a:xfrm>
+              <a:off x="6696093" y="2444571"/>
+              <a:ext cx="1601884" cy="1601884"/>
+            </a:xfrm>
+            <a:prstGeom prst="rect">
+              <a:avLst/>
+            </a:prstGeom>
+          </p:spPr>
+        </p:pic>
+        <p:pic>
+          <p:nvPicPr>
+            <p:cNvPr id="37" name="Picture 2" descr="Imagem relacionada"/>
+            <p:cNvPicPr>
+              <a:picLocks noChangeAspect="1" noChangeArrowheads="1"/>
+            </p:cNvPicPr>
+            <p:nvPr/>
+          </p:nvPicPr>
+          <p:blipFill>
+            <a:blip r:embed="rId9">
+              <a:duotone>
+                <a:prstClr val="black"/>
+                <a:schemeClr val="accent1">
+                  <a:tint val="45000"/>
+                  <a:satMod val="400000"/>
+                </a:schemeClr>
+              </a:duotone>
+              <a:extLst>
+                <a:ext uri="{BEBA8EAE-BF5A-486C-A8C5-ECC9F3942E4B}">
+                  <a14:imgProps xmlns:a14="http://schemas.microsoft.com/office/drawing/2010/main">
+                    <a14:imgLayer r:embed="rId10">
+                      <a14:imgEffect>
+                        <a14:backgroundRemoval t="19588" b="85052" l="1799" r="96403"/>
+                      </a14:imgEffect>
+                      <a14:imgEffect>
+                        <a14:brightnessContrast bright="-40000" contrast="-40000"/>
+                      </a14:imgEffect>
+                    </a14:imgLayer>
+                  </a14:imgProps>
+                </a:ext>
+                <a:ext uri="{28A0092B-C50C-407E-A947-70E740481C1C}">
+                  <a14:useLocalDpi xmlns:a14="http://schemas.microsoft.com/office/drawing/2010/main" val="0"/>
+                </a:ext>
+              </a:extLst>
+            </a:blip>
+            <a:srcRect/>
+            <a:stretch>
+              <a:fillRect/>
+            </a:stretch>
+          </p:blipFill>
+          <p:spPr bwMode="auto">
+            <a:xfrm flipH="1">
+              <a:off x="6924223" y="2210154"/>
+              <a:ext cx="1091511" cy="925514"/>
+            </a:xfrm>
+            <a:prstGeom prst="rect">
+              <a:avLst/>
+            </a:prstGeom>
+            <a:noFill/>
+            <a:extLst>
+              <a:ext uri="{909E8E84-426E-40DD-AFC4-6F175D3DCCD1}">
+                <a14:hiddenFill xmlns:a14="http://schemas.microsoft.com/office/drawing/2010/main">
+                  <a:solidFill>
+                    <a:srgbClr val="FFFFFF"/>
+                  </a:solidFill>
+                </a14:hiddenFill>
+              </a:ext>
+            </a:extLst>
+          </p:spPr>
+        </p:pic>
+      </p:grpSp>
+      <p:sp>
+        <p:nvSpPr>
+          <p:cNvPr id="40" name="Retângulo 39"/>
+          <p:cNvSpPr/>
+          <p:nvPr/>
+        </p:nvSpPr>
+        <p:spPr>
+          <a:xfrm>
+            <a:off x="6287171" y="1848190"/>
+            <a:ext cx="3368711" cy="461665"/>
+          </a:xfrm>
+          <a:prstGeom prst="rect">
+            <a:avLst/>
+          </a:prstGeom>
+          <a:noFill/>
+          <a:effectLst/>
+        </p:spPr>
+        <p:txBody>
+          <a:bodyPr wrap="square" lIns="91440" tIns="45720" rIns="91440" bIns="45720">
+            <a:spAutoFit/>
+          </a:bodyPr>
+          <a:lstStyle/>
+          <a:p>
+            <a:pPr algn="r"/>
+            <a:r>
+              <a:rPr lang="pt-BR" sz="2400" b="1" dirty="0">
+                <a:ln w="0"/>
+                <a:solidFill>
+                  <a:srgbClr val="68CBCC"/>
+                </a:solidFill>
+                <a:effectLst>
+                  <a:outerShdw blurRad="38100" dist="19050" dir="2700000" algn="tl" rotWithShape="0">
+                    <a:schemeClr val="dk1">
+                      <a:alpha val="40000"/>
+                    </a:schemeClr>
+                  </a:outerShdw>
+                </a:effectLst>
+                <a:latin typeface="Exo 2 Medium" panose="00000600000000000000" pitchFamily="50" charset="0"/>
+              </a:rPr>
+              <a:t>RODOLFO GREGÓRIO</a:t>
+            </a:r>
+            <a:endParaRPr lang="pt-BR" sz="2400" b="1" cap="none" spc="0" dirty="0">
+              <a:ln w="0"/>
+              <a:solidFill>
+                <a:srgbClr val="68CBCC"/>
+              </a:solidFill>
+              <a:effectLst>
+                <a:outerShdw blurRad="38100" dist="19050" dir="2700000" algn="tl" rotWithShape="0">
+                  <a:schemeClr val="dk1">
+                    <a:alpha val="40000"/>
+                  </a:schemeClr>
+                </a:outerShdw>
+              </a:effectLst>
+              <a:latin typeface="Exo 2 Medium" panose="00000600000000000000" pitchFamily="50" charset="0"/>
+            </a:endParaRPr>
+          </a:p>
+        </p:txBody>
+      </p:sp>
+      <p:sp>
+        <p:nvSpPr>
+          <p:cNvPr id="41" name="Retângulo 40"/>
+          <p:cNvSpPr/>
+          <p:nvPr/>
+        </p:nvSpPr>
+        <p:spPr>
+          <a:xfrm>
+            <a:off x="6055591" y="4667275"/>
+            <a:ext cx="3575384" cy="461665"/>
+          </a:xfrm>
+          <a:prstGeom prst="rect">
+            <a:avLst/>
+          </a:prstGeom>
+          <a:noFill/>
+          <a:effectLst/>
+        </p:spPr>
+        <p:txBody>
+          <a:bodyPr wrap="square" lIns="91440" tIns="45720" rIns="91440" bIns="45720">
+            <a:spAutoFit/>
+          </a:bodyPr>
+          <a:lstStyle/>
+          <a:p>
+            <a:pPr algn="r"/>
+            <a:r>
+              <a:rPr lang="pt-BR" sz="2400" b="1" dirty="0">
+                <a:ln w="0"/>
+                <a:solidFill>
+                  <a:srgbClr val="68CBCC"/>
+                </a:solidFill>
+                <a:effectLst>
+                  <a:outerShdw blurRad="38100" dist="19050" dir="2700000" algn="tl" rotWithShape="0">
+                    <a:schemeClr val="dk1">
+                      <a:alpha val="40000"/>
+                    </a:schemeClr>
+                  </a:outerShdw>
+                </a:effectLst>
+                <a:latin typeface="Exo 2 Medium" panose="00000600000000000000" pitchFamily="50" charset="0"/>
+              </a:rPr>
+              <a:t>MATHEUS DE OLIVEIRA</a:t>
+            </a:r>
+            <a:endParaRPr lang="pt-BR" sz="2400" b="1" cap="none" spc="0" dirty="0">
+              <a:ln w="0"/>
+              <a:solidFill>
+                <a:srgbClr val="68CBCC"/>
+              </a:solidFill>
+              <a:effectLst>
+                <a:outerShdw blurRad="38100" dist="19050" dir="2700000" algn="tl" rotWithShape="0">
+                  <a:schemeClr val="dk1">
+                    <a:alpha val="40000"/>
+                  </a:schemeClr>
+                </a:outerShdw>
+              </a:effectLst>
+              <a:latin typeface="Exo 2 Medium" panose="00000600000000000000" pitchFamily="50" charset="0"/>
+            </a:endParaRPr>
+          </a:p>
+        </p:txBody>
+      </p:sp>
+      <p:sp>
+        <p:nvSpPr>
+          <p:cNvPr id="42" name="Retângulo 41"/>
+          <p:cNvSpPr/>
+          <p:nvPr/>
+        </p:nvSpPr>
+        <p:spPr>
+          <a:xfrm>
+            <a:off x="2276264" y="3226768"/>
+            <a:ext cx="3185689" cy="461665"/>
+          </a:xfrm>
+          <a:prstGeom prst="rect">
+            <a:avLst/>
+          </a:prstGeom>
+          <a:noFill/>
+          <a:effectLst/>
+        </p:spPr>
+        <p:txBody>
+          <a:bodyPr wrap="square" lIns="91440" tIns="45720" rIns="91440" bIns="45720">
+            <a:spAutoFit/>
+          </a:bodyPr>
+          <a:lstStyle/>
+          <a:p>
+            <a:pPr algn="ctr"/>
+            <a:r>
+              <a:rPr lang="pt-BR" sz="2400" b="1" dirty="0">
+                <a:ln w="0"/>
+                <a:solidFill>
+                  <a:srgbClr val="68CBCC"/>
+                </a:solidFill>
+                <a:effectLst>
+                  <a:outerShdw blurRad="38100" dist="19050" dir="2700000" algn="tl" rotWithShape="0">
+                    <a:schemeClr val="dk1">
+                      <a:alpha val="40000"/>
+                    </a:schemeClr>
+                  </a:outerShdw>
+                </a:effectLst>
+                <a:latin typeface="Exo 2 Medium" panose="00000600000000000000" pitchFamily="50" charset="0"/>
+              </a:rPr>
+              <a:t>LUCAS BEZERRA</a:t>
+            </a:r>
+            <a:endParaRPr lang="pt-BR" sz="2400" b="1" cap="none" spc="0" dirty="0">
+              <a:ln w="0"/>
+              <a:solidFill>
+                <a:srgbClr val="68CBCC"/>
+              </a:solidFill>
+              <a:effectLst>
+                <a:outerShdw blurRad="38100" dist="19050" dir="2700000" algn="tl" rotWithShape="0">
+                  <a:schemeClr val="dk1">
+                    <a:alpha val="40000"/>
+                  </a:schemeClr>
+                </a:outerShdw>
+              </a:effectLst>
+              <a:latin typeface="Exo 2 Medium" panose="00000600000000000000" pitchFamily="50" charset="0"/>
+            </a:endParaRPr>
+          </a:p>
+        </p:txBody>
+      </p:sp>
+      <p:sp>
+        <p:nvSpPr>
+          <p:cNvPr id="50" name="Retângulo 49"/>
+          <p:cNvSpPr/>
+          <p:nvPr/>
+        </p:nvSpPr>
+        <p:spPr>
+          <a:xfrm>
+            <a:off x="2588983" y="945156"/>
+            <a:ext cx="6342982" cy="923330"/>
+          </a:xfrm>
+          <a:prstGeom prst="rect">
+            <a:avLst/>
+          </a:prstGeom>
+          <a:noFill/>
+          <a:effectLst/>
+        </p:spPr>
+        <p:txBody>
+          <a:bodyPr wrap="square" lIns="91440" tIns="45720" rIns="91440" bIns="45720">
+            <a:spAutoFit/>
+          </a:bodyPr>
+          <a:lstStyle/>
+          <a:p>
+            <a:r>
+              <a:rPr lang="pt-BR" b="1" cap="none" spc="0" dirty="0">
+                <a:ln w="0"/>
+                <a:solidFill>
+                  <a:schemeClr val="bg1"/>
+                </a:solidFill>
+                <a:effectLst>
+                  <a:outerShdw blurRad="38100" dist="19050" dir="2700000" algn="tl" rotWithShape="0">
+                    <a:schemeClr val="dk1">
+                      <a:alpha val="40000"/>
+                    </a:schemeClr>
+                  </a:outerShdw>
+                </a:effectLst>
+                <a:latin typeface="Exo 2 Extra Light" panose="00000300000000000000" pitchFamily="50" charset="0"/>
+              </a:rPr>
+              <a:t>Desenvolvimento front-end</a:t>
+            </a:r>
+          </a:p>
+          <a:p>
+            <a:r>
+              <a:rPr lang="pt-BR" b="1" dirty="0">
+                <a:ln w="0"/>
+                <a:solidFill>
+                  <a:schemeClr val="bg1"/>
+                </a:solidFill>
+                <a:effectLst>
+                  <a:outerShdw blurRad="38100" dist="19050" dir="2700000" algn="tl" rotWithShape="0">
+                    <a:schemeClr val="dk1">
+                      <a:alpha val="40000"/>
+                    </a:schemeClr>
+                  </a:outerShdw>
+                </a:effectLst>
+                <a:latin typeface="Exo 2 Extra Light" panose="00000300000000000000" pitchFamily="50" charset="0"/>
+              </a:rPr>
+              <a:t>Planejamento do projeto </a:t>
+            </a:r>
+            <a:endParaRPr lang="pt-BR" b="1" cap="none" spc="0" dirty="0">
+              <a:ln w="0"/>
+              <a:solidFill>
+                <a:schemeClr val="bg1"/>
+              </a:solidFill>
+              <a:effectLst>
+                <a:outerShdw blurRad="38100" dist="19050" dir="2700000" algn="tl" rotWithShape="0">
+                  <a:schemeClr val="dk1">
+                    <a:alpha val="40000"/>
+                  </a:schemeClr>
+                </a:outerShdw>
+              </a:effectLst>
+              <a:latin typeface="Exo 2 Extra Light" panose="00000300000000000000" pitchFamily="50" charset="0"/>
+            </a:endParaRPr>
+          </a:p>
+          <a:p>
+            <a:r>
+              <a:rPr lang="pt-BR" b="1" dirty="0">
+                <a:ln w="0"/>
+                <a:solidFill>
+                  <a:schemeClr val="bg1"/>
+                </a:solidFill>
+                <a:effectLst>
+                  <a:outerShdw blurRad="38100" dist="19050" dir="2700000" algn="tl" rotWithShape="0">
+                    <a:schemeClr val="dk1">
+                      <a:alpha val="40000"/>
+                    </a:schemeClr>
+                  </a:outerShdw>
+                </a:effectLst>
+                <a:latin typeface="Exo 2 Extra Light" panose="00000300000000000000" pitchFamily="50" charset="0"/>
+              </a:rPr>
+              <a:t>Documentação do projeto    </a:t>
+            </a:r>
+            <a:endParaRPr lang="pt-BR" b="1" cap="none" spc="0" dirty="0">
+              <a:ln w="0"/>
+              <a:solidFill>
+                <a:schemeClr val="bg1"/>
+              </a:solidFill>
+              <a:effectLst>
+                <a:outerShdw blurRad="38100" dist="19050" dir="2700000" algn="tl" rotWithShape="0">
+                  <a:schemeClr val="dk1">
+                    <a:alpha val="40000"/>
+                  </a:schemeClr>
+                </a:outerShdw>
+              </a:effectLst>
+              <a:latin typeface="Exo 2 Extra Light" panose="00000300000000000000" pitchFamily="50" charset="0"/>
+            </a:endParaRPr>
+          </a:p>
+        </p:txBody>
+      </p:sp>
+      <p:sp>
+        <p:nvSpPr>
+          <p:cNvPr id="51" name="Retângulo 50"/>
+          <p:cNvSpPr/>
+          <p:nvPr/>
+        </p:nvSpPr>
+        <p:spPr>
+          <a:xfrm>
+            <a:off x="3260035" y="2339232"/>
+            <a:ext cx="6361182" cy="923330"/>
+          </a:xfrm>
+          <a:prstGeom prst="rect">
+            <a:avLst/>
+          </a:prstGeom>
+          <a:noFill/>
+          <a:effectLst/>
+        </p:spPr>
+        <p:txBody>
+          <a:bodyPr wrap="square" lIns="91440" tIns="45720" rIns="91440" bIns="45720">
+            <a:spAutoFit/>
+          </a:bodyPr>
+          <a:lstStyle/>
+          <a:p>
+            <a:pPr algn="r"/>
+            <a:r>
+              <a:rPr lang="pt-BR" b="1" cap="none" spc="0" dirty="0">
+                <a:ln w="0"/>
+                <a:solidFill>
+                  <a:schemeClr val="bg1"/>
+                </a:solidFill>
+                <a:effectLst>
+                  <a:outerShdw blurRad="38100" dist="19050" dir="2700000" algn="tl" rotWithShape="0">
+                    <a:schemeClr val="dk1">
+                      <a:alpha val="40000"/>
+                    </a:schemeClr>
+                  </a:outerShdw>
+                </a:effectLst>
+                <a:latin typeface="Exo 2 Extra Light" panose="00000300000000000000" pitchFamily="50" charset="0"/>
+              </a:rPr>
+              <a:t>Desenvolvimento back-end</a:t>
+            </a:r>
+          </a:p>
+          <a:p>
+            <a:pPr algn="r"/>
+            <a:r>
+              <a:rPr lang="pt-BR" b="1" dirty="0">
+                <a:ln w="0"/>
+                <a:solidFill>
+                  <a:schemeClr val="bg1"/>
+                </a:solidFill>
+                <a:effectLst>
+                  <a:outerShdw blurRad="38100" dist="19050" dir="2700000" algn="tl" rotWithShape="0">
+                    <a:schemeClr val="dk1">
+                      <a:alpha val="40000"/>
+                    </a:schemeClr>
+                  </a:outerShdw>
+                </a:effectLst>
+                <a:latin typeface="Exo 2 Extra Light" panose="00000300000000000000" pitchFamily="50" charset="0"/>
+              </a:rPr>
+              <a:t>Arquitetura da aplicação web</a:t>
+            </a:r>
+            <a:endParaRPr lang="pt-BR" b="1" cap="none" spc="0" dirty="0">
+              <a:ln w="0"/>
+              <a:solidFill>
+                <a:schemeClr val="bg1"/>
+              </a:solidFill>
+              <a:effectLst>
+                <a:outerShdw blurRad="38100" dist="19050" dir="2700000" algn="tl" rotWithShape="0">
+                  <a:schemeClr val="dk1">
+                    <a:alpha val="40000"/>
+                  </a:schemeClr>
+                </a:outerShdw>
+              </a:effectLst>
+              <a:latin typeface="Exo 2 Extra Light" panose="00000300000000000000" pitchFamily="50" charset="0"/>
+            </a:endParaRPr>
+          </a:p>
+          <a:p>
+            <a:pPr algn="r"/>
+            <a:r>
+              <a:rPr lang="pt-BR" b="1" dirty="0">
+                <a:ln w="0"/>
+                <a:solidFill>
+                  <a:schemeClr val="bg1"/>
+                </a:solidFill>
+                <a:effectLst>
+                  <a:outerShdw blurRad="38100" dist="19050" dir="2700000" algn="tl" rotWithShape="0">
+                    <a:schemeClr val="dk1">
+                      <a:alpha val="40000"/>
+                    </a:schemeClr>
+                  </a:outerShdw>
+                </a:effectLst>
+                <a:latin typeface="Exo 2 Extra Light" panose="00000300000000000000" pitchFamily="50" charset="0"/>
+              </a:rPr>
+              <a:t>Implantação do banco de dados</a:t>
+            </a:r>
+            <a:endParaRPr lang="pt-BR" b="1" cap="none" spc="0" dirty="0">
+              <a:ln w="0"/>
+              <a:solidFill>
+                <a:schemeClr val="bg1"/>
+              </a:solidFill>
+              <a:effectLst>
+                <a:outerShdw blurRad="38100" dist="19050" dir="2700000" algn="tl" rotWithShape="0">
+                  <a:schemeClr val="dk1">
+                    <a:alpha val="40000"/>
+                  </a:schemeClr>
+                </a:outerShdw>
+              </a:effectLst>
+              <a:latin typeface="Exo 2 Extra Light" panose="00000300000000000000" pitchFamily="50" charset="0"/>
+            </a:endParaRPr>
+          </a:p>
+        </p:txBody>
+      </p:sp>
+      <p:sp>
+        <p:nvSpPr>
+          <p:cNvPr id="52" name="Retângulo 51"/>
+          <p:cNvSpPr/>
+          <p:nvPr/>
+        </p:nvSpPr>
+        <p:spPr>
+          <a:xfrm>
+            <a:off x="2585311" y="3726868"/>
+            <a:ext cx="5469573" cy="923330"/>
+          </a:xfrm>
+          <a:prstGeom prst="rect">
+            <a:avLst/>
+          </a:prstGeom>
+          <a:noFill/>
+          <a:effectLst/>
+        </p:spPr>
+        <p:txBody>
+          <a:bodyPr wrap="square" lIns="91440" tIns="45720" rIns="91440" bIns="45720">
+            <a:spAutoFit/>
+          </a:bodyPr>
+          <a:lstStyle/>
+          <a:p>
+            <a:r>
+              <a:rPr lang="pt-BR" b="1" dirty="0">
+                <a:ln w="0"/>
+                <a:solidFill>
+                  <a:schemeClr val="bg1"/>
+                </a:solidFill>
+                <a:effectLst>
+                  <a:outerShdw blurRad="38100" dist="19050" dir="2700000" algn="tl" rotWithShape="0">
+                    <a:schemeClr val="dk1">
+                      <a:alpha val="40000"/>
+                    </a:schemeClr>
+                  </a:outerShdw>
+                </a:effectLst>
+                <a:latin typeface="Exo 2 Extra Light" panose="00000300000000000000" pitchFamily="50" charset="0"/>
+              </a:rPr>
+              <a:t>Auxílio no desenvolvimento do sistema</a:t>
+            </a:r>
+          </a:p>
+          <a:p>
+            <a:r>
+              <a:rPr lang="pt-BR" b="1" dirty="0">
+                <a:ln w="0"/>
+                <a:solidFill>
+                  <a:schemeClr val="bg1"/>
+                </a:solidFill>
+                <a:effectLst>
+                  <a:outerShdw blurRad="38100" dist="19050" dir="2700000" algn="tl" rotWithShape="0">
+                    <a:schemeClr val="dk1">
+                      <a:alpha val="40000"/>
+                    </a:schemeClr>
+                  </a:outerShdw>
+                </a:effectLst>
+                <a:latin typeface="Exo 2 Extra Light" panose="00000300000000000000" pitchFamily="50" charset="0"/>
+              </a:rPr>
+              <a:t>Desenvolvimento do banco de dados</a:t>
+            </a:r>
+          </a:p>
+          <a:p>
+            <a:r>
+              <a:rPr lang="pt-BR" b="1" dirty="0">
+                <a:ln w="0"/>
+                <a:solidFill>
+                  <a:schemeClr val="bg1"/>
+                </a:solidFill>
+                <a:effectLst>
+                  <a:outerShdw blurRad="38100" dist="19050" dir="2700000" algn="tl" rotWithShape="0">
+                    <a:schemeClr val="dk1">
+                      <a:alpha val="40000"/>
+                    </a:schemeClr>
+                  </a:outerShdw>
+                </a:effectLst>
+                <a:latin typeface="Exo 2 Extra Light" panose="00000300000000000000" pitchFamily="50" charset="0"/>
+              </a:rPr>
+              <a:t>Auxílio na documentação do projeto</a:t>
+            </a:r>
+          </a:p>
+        </p:txBody>
+      </p:sp>
+      <p:sp>
+        <p:nvSpPr>
+          <p:cNvPr id="53" name="Retângulo 52"/>
+          <p:cNvSpPr/>
+          <p:nvPr/>
+        </p:nvSpPr>
+        <p:spPr>
+          <a:xfrm>
+            <a:off x="4167320" y="5168356"/>
+            <a:ext cx="5469573" cy="923330"/>
+          </a:xfrm>
+          <a:prstGeom prst="rect">
+            <a:avLst/>
+          </a:prstGeom>
+          <a:noFill/>
+          <a:effectLst/>
+        </p:spPr>
+        <p:txBody>
+          <a:bodyPr wrap="square" lIns="91440" tIns="45720" rIns="91440" bIns="45720">
+            <a:spAutoFit/>
+          </a:bodyPr>
+          <a:lstStyle/>
+          <a:p>
+            <a:pPr algn="r"/>
+            <a:r>
+              <a:rPr lang="pt-BR" b="1" dirty="0">
+                <a:ln w="0"/>
+                <a:solidFill>
+                  <a:schemeClr val="bg1"/>
+                </a:solidFill>
+                <a:effectLst>
+                  <a:outerShdw blurRad="38100" dist="19050" dir="2700000" algn="tl" rotWithShape="0">
+                    <a:schemeClr val="dk1">
+                      <a:alpha val="40000"/>
+                    </a:schemeClr>
+                  </a:outerShdw>
+                </a:effectLst>
+                <a:latin typeface="Exo 2 Extra Light" panose="00000300000000000000" pitchFamily="50" charset="0"/>
+              </a:rPr>
+              <a:t>Auxílio no desenvolvimento do sistema</a:t>
+            </a:r>
+          </a:p>
+          <a:p>
+            <a:pPr algn="r"/>
+            <a:r>
+              <a:rPr lang="pt-BR" b="1" dirty="0">
+                <a:ln w="0"/>
+                <a:solidFill>
+                  <a:schemeClr val="bg1"/>
+                </a:solidFill>
+                <a:effectLst>
+                  <a:outerShdw blurRad="38100" dist="19050" dir="2700000" algn="tl" rotWithShape="0">
+                    <a:schemeClr val="dk1">
+                      <a:alpha val="40000"/>
+                    </a:schemeClr>
+                  </a:outerShdw>
+                </a:effectLst>
+                <a:latin typeface="Exo 2 Extra Light" panose="00000300000000000000" pitchFamily="50" charset="0"/>
+              </a:rPr>
+              <a:t>Desenvolvimento dos processos de help desk</a:t>
+            </a:r>
+          </a:p>
+          <a:p>
+            <a:pPr algn="r"/>
+            <a:r>
+              <a:rPr lang="pt-BR" b="1" dirty="0">
+                <a:ln w="0"/>
+                <a:solidFill>
+                  <a:schemeClr val="bg1"/>
+                </a:solidFill>
+                <a:effectLst>
+                  <a:outerShdw blurRad="38100" dist="19050" dir="2700000" algn="tl" rotWithShape="0">
+                    <a:schemeClr val="dk1">
+                      <a:alpha val="40000"/>
+                    </a:schemeClr>
+                  </a:outerShdw>
+                </a:effectLst>
+                <a:latin typeface="Exo 2 Extra Light" panose="00000300000000000000" pitchFamily="50" charset="0"/>
+              </a:rPr>
+              <a:t>Auxílio na documentação do projeto</a:t>
+            </a:r>
+          </a:p>
+        </p:txBody>
+      </p:sp>
+      <p:pic>
+        <p:nvPicPr>
+          <p:cNvPr id="10" name="Imagem 9"/>
+          <p:cNvPicPr>
+            <a:picLocks noChangeAspect="1"/>
+          </p:cNvPicPr>
+          <p:nvPr/>
+        </p:nvPicPr>
+        <p:blipFill>
+          <a:blip r:embed="rId11" cstate="print">
+            <a:extLst>
+              <a:ext uri="{28A0092B-C50C-407E-A947-70E740481C1C}">
+                <a14:useLocalDpi xmlns:a14="http://schemas.microsoft.com/office/drawing/2010/main" val="0"/>
+              </a:ext>
+            </a:extLst>
+          </a:blip>
+          <a:stretch>
+            <a:fillRect/>
+          </a:stretch>
+        </p:blipFill>
+        <p:spPr>
+          <a:xfrm>
+            <a:off x="9970383" y="1732482"/>
+            <a:ext cx="1609101" cy="1609101"/>
+          </a:xfrm>
+          <a:prstGeom prst="rect">
+            <a:avLst/>
+          </a:prstGeom>
+        </p:spPr>
+      </p:pic>
+      <p:sp>
+        <p:nvSpPr>
+          <p:cNvPr id="30" name="Retângulo 29"/>
+          <p:cNvSpPr/>
+          <p:nvPr/>
+        </p:nvSpPr>
+        <p:spPr>
+          <a:xfrm>
+            <a:off x="2019481" y="214963"/>
+            <a:ext cx="3437737" cy="400110"/>
+          </a:xfrm>
+          <a:prstGeom prst="rect">
+            <a:avLst/>
+          </a:prstGeom>
+          <a:noFill/>
+          <a:effectLst/>
+        </p:spPr>
+        <p:txBody>
+          <a:bodyPr wrap="square" lIns="91440" tIns="45720" rIns="91440" bIns="45720">
+            <a:spAutoFit/>
+          </a:bodyPr>
+          <a:lstStyle/>
+          <a:p>
+            <a:pPr algn="ctr"/>
+            <a:r>
+              <a:rPr lang="pt-BR" sz="2000" b="1" dirty="0">
+                <a:ln w="0"/>
+                <a:solidFill>
+                  <a:schemeClr val="bg1"/>
+                </a:solidFill>
+                <a:effectLst>
+                  <a:outerShdw blurRad="38100" dist="19050" dir="2700000" algn="tl" rotWithShape="0">
+                    <a:schemeClr val="dk1">
+                      <a:alpha val="40000"/>
+                    </a:schemeClr>
+                  </a:outerShdw>
+                </a:effectLst>
+                <a:latin typeface="Exo 2 Extra Light" panose="00000300000000000000" pitchFamily="50" charset="0"/>
+              </a:rPr>
+              <a:t>PRODUCT OWNER</a:t>
+            </a:r>
+            <a:endParaRPr lang="pt-BR" sz="2000" b="1" cap="none" spc="0" dirty="0">
+              <a:ln w="0"/>
+              <a:solidFill>
+                <a:schemeClr val="bg1"/>
+              </a:solidFill>
+              <a:effectLst>
+                <a:outerShdw blurRad="38100" dist="19050" dir="2700000" algn="tl" rotWithShape="0">
+                  <a:schemeClr val="dk1">
+                    <a:alpha val="40000"/>
+                  </a:schemeClr>
+                </a:outerShdw>
+              </a:effectLst>
+              <a:latin typeface="Exo 2 Extra Light" panose="00000300000000000000" pitchFamily="50" charset="0"/>
+            </a:endParaRPr>
+          </a:p>
+        </p:txBody>
+      </p:sp>
+      <p:sp>
+        <p:nvSpPr>
+          <p:cNvPr id="47" name="Retângulo 46"/>
+          <p:cNvSpPr/>
+          <p:nvPr/>
+        </p:nvSpPr>
+        <p:spPr>
+          <a:xfrm>
+            <a:off x="6902105" y="1562587"/>
+            <a:ext cx="3437737" cy="400110"/>
+          </a:xfrm>
+          <a:prstGeom prst="rect">
+            <a:avLst/>
+          </a:prstGeom>
+          <a:noFill/>
+          <a:effectLst/>
+        </p:spPr>
+        <p:txBody>
+          <a:bodyPr wrap="square" lIns="91440" tIns="45720" rIns="91440" bIns="45720">
+            <a:spAutoFit/>
+          </a:bodyPr>
+          <a:lstStyle/>
+          <a:p>
+            <a:pPr algn="ctr"/>
+            <a:r>
+              <a:rPr lang="pt-BR" sz="2000" b="1" dirty="0">
+                <a:ln w="0"/>
+                <a:solidFill>
+                  <a:schemeClr val="bg1"/>
+                </a:solidFill>
+                <a:effectLst>
+                  <a:outerShdw blurRad="38100" dist="19050" dir="2700000" algn="tl" rotWithShape="0">
+                    <a:schemeClr val="dk1">
+                      <a:alpha val="40000"/>
+                    </a:schemeClr>
+                  </a:outerShdw>
+                </a:effectLst>
+                <a:latin typeface="Exo 2 Extra Light" panose="00000300000000000000" pitchFamily="50" charset="0"/>
+              </a:rPr>
+              <a:t>SCRUM MASTER</a:t>
+            </a:r>
+            <a:endParaRPr lang="pt-BR" sz="2000" b="1" cap="none" spc="0" dirty="0">
+              <a:ln w="0"/>
+              <a:solidFill>
+                <a:schemeClr val="bg1"/>
+              </a:solidFill>
+              <a:effectLst>
+                <a:outerShdw blurRad="38100" dist="19050" dir="2700000" algn="tl" rotWithShape="0">
+                  <a:schemeClr val="dk1">
+                    <a:alpha val="40000"/>
+                  </a:schemeClr>
+                </a:outerShdw>
+              </a:effectLst>
+              <a:latin typeface="Exo 2 Extra Light" panose="00000300000000000000" pitchFamily="50" charset="0"/>
+            </a:endParaRPr>
+          </a:p>
+        </p:txBody>
+      </p:sp>
+      <p:sp>
+        <p:nvSpPr>
+          <p:cNvPr id="48" name="Retângulo 47"/>
+          <p:cNvSpPr/>
+          <p:nvPr/>
+        </p:nvSpPr>
+        <p:spPr>
+          <a:xfrm>
+            <a:off x="1642431" y="2972082"/>
+            <a:ext cx="3437737" cy="400110"/>
+          </a:xfrm>
+          <a:prstGeom prst="rect">
+            <a:avLst/>
+          </a:prstGeom>
+          <a:noFill/>
+          <a:effectLst/>
+        </p:spPr>
+        <p:txBody>
+          <a:bodyPr wrap="square" lIns="91440" tIns="45720" rIns="91440" bIns="45720">
+            <a:spAutoFit/>
+          </a:bodyPr>
+          <a:lstStyle/>
+          <a:p>
+            <a:pPr algn="ctr"/>
+            <a:r>
+              <a:rPr lang="pt-BR" sz="2000" b="1" dirty="0">
+                <a:ln w="0"/>
+                <a:solidFill>
+                  <a:schemeClr val="bg1"/>
+                </a:solidFill>
+                <a:effectLst>
+                  <a:outerShdw blurRad="38100" dist="19050" dir="2700000" algn="tl" rotWithShape="0">
+                    <a:schemeClr val="dk1">
+                      <a:alpha val="40000"/>
+                    </a:schemeClr>
+                  </a:outerShdw>
+                </a:effectLst>
+                <a:latin typeface="Exo 2 Extra Light" panose="00000300000000000000" pitchFamily="50" charset="0"/>
+              </a:rPr>
+              <a:t>DEV TEAM</a:t>
+            </a:r>
+            <a:endParaRPr lang="pt-BR" sz="2000" b="1" cap="none" spc="0" dirty="0">
+              <a:ln w="0"/>
+              <a:solidFill>
+                <a:schemeClr val="bg1"/>
+              </a:solidFill>
+              <a:effectLst>
+                <a:outerShdw blurRad="38100" dist="19050" dir="2700000" algn="tl" rotWithShape="0">
+                  <a:schemeClr val="dk1">
+                    <a:alpha val="40000"/>
+                  </a:schemeClr>
+                </a:outerShdw>
+              </a:effectLst>
+              <a:latin typeface="Exo 2 Extra Light" panose="00000300000000000000" pitchFamily="50" charset="0"/>
+            </a:endParaRPr>
+          </a:p>
+        </p:txBody>
+      </p:sp>
+      <p:sp>
+        <p:nvSpPr>
+          <p:cNvPr id="49" name="Retângulo 48"/>
+          <p:cNvSpPr/>
+          <p:nvPr/>
+        </p:nvSpPr>
+        <p:spPr>
+          <a:xfrm>
+            <a:off x="7194418" y="4381703"/>
+            <a:ext cx="3437737" cy="400110"/>
+          </a:xfrm>
+          <a:prstGeom prst="rect">
+            <a:avLst/>
+          </a:prstGeom>
+          <a:noFill/>
+          <a:effectLst/>
+        </p:spPr>
+        <p:txBody>
+          <a:bodyPr wrap="square" lIns="91440" tIns="45720" rIns="91440" bIns="45720">
+            <a:spAutoFit/>
+          </a:bodyPr>
+          <a:lstStyle/>
+          <a:p>
+            <a:pPr algn="ctr"/>
+            <a:r>
+              <a:rPr lang="pt-BR" sz="2000" b="1" dirty="0">
+                <a:ln w="0"/>
+                <a:solidFill>
+                  <a:schemeClr val="bg1"/>
+                </a:solidFill>
+                <a:effectLst>
+                  <a:outerShdw blurRad="38100" dist="19050" dir="2700000" algn="tl" rotWithShape="0">
+                    <a:schemeClr val="dk1">
+                      <a:alpha val="40000"/>
+                    </a:schemeClr>
+                  </a:outerShdw>
+                </a:effectLst>
+                <a:latin typeface="Exo 2 Extra Light" panose="00000300000000000000" pitchFamily="50" charset="0"/>
+              </a:rPr>
+              <a:t>DEV TEAM</a:t>
+            </a:r>
+            <a:endParaRPr lang="pt-BR" sz="2000" b="1" cap="none" spc="0" dirty="0">
+              <a:ln w="0"/>
+              <a:solidFill>
+                <a:schemeClr val="bg1"/>
+              </a:solidFill>
+              <a:effectLst>
+                <a:outerShdw blurRad="38100" dist="19050" dir="2700000" algn="tl" rotWithShape="0">
+                  <a:schemeClr val="dk1">
+                    <a:alpha val="40000"/>
+                  </a:schemeClr>
+                </a:outerShdw>
+              </a:effectLst>
+              <a:latin typeface="Exo 2 Extra Light" panose="00000300000000000000" pitchFamily="50" charset="0"/>
+            </a:endParaRPr>
+          </a:p>
+        </p:txBody>
+      </p:sp>
+    </p:spTree>
+    <p:extLst>
+      <p:ext uri="{BB962C8B-B14F-4D97-AF65-F5344CB8AC3E}">
+        <p14:creationId xmlns:p14="http://schemas.microsoft.com/office/powerpoint/2010/main" val="3330219946"/>
+      </p:ext>
+    </p:extLst>
+  </p:cSld>
+  <p:clrMapOvr>
+    <a:masterClrMapping/>
+  </p:clrMapOvr>
+</p:sld>
+</file>
+
+<file path=ppt/slides/slide11.xml><?xml version="1.0" encoding="utf-8"?>
 <p:sld xmlns:a="http://schemas.openxmlformats.org/drawingml/2006/main" xmlns:r="http://schemas.openxmlformats.org/officeDocument/2006/relationships" xmlns:p="http://schemas.openxmlformats.org/presentationml/2006/main">
   <p:cSld>
     <p:spTree>
@@ -3874,7 +5529,7 @@
           <p:cNvPr id="16" name="Conector reto 15">
             <a:extLst>
               <a:ext uri="{FF2B5EF4-FFF2-40B4-BE49-F238E27FC236}">
-                <a16:creationId xmlns:a16="http://schemas.microsoft.com/office/drawing/2014/main" id="{6510727C-C843-4D84-A07F-20F37366891D}"/>
+                <a16:creationId xmlns="" xmlns:a16="http://schemas.microsoft.com/office/drawing/2014/main" id="{6510727C-C843-4D84-A07F-20F37366891D}"/>
               </a:ext>
             </a:extLst>
           </p:cNvPr>
@@ -3916,7 +5571,7 @@
           <p:cNvPr id="10" name="Retângulo 9">
             <a:extLst>
               <a:ext uri="{FF2B5EF4-FFF2-40B4-BE49-F238E27FC236}">
-                <a16:creationId xmlns:a16="http://schemas.microsoft.com/office/drawing/2014/main" id="{EDCEECEC-C7A7-42B0-92B0-556E58C2D97D}"/>
+                <a16:creationId xmlns="" xmlns:a16="http://schemas.microsoft.com/office/drawing/2014/main" id="{EDCEECEC-C7A7-42B0-92B0-556E58C2D97D}"/>
               </a:ext>
             </a:extLst>
           </p:cNvPr>
@@ -3980,7 +5635,7 @@
           <p:cNvPr id="11" name="Conector reto 10">
             <a:extLst>
               <a:ext uri="{FF2B5EF4-FFF2-40B4-BE49-F238E27FC236}">
-                <a16:creationId xmlns:a16="http://schemas.microsoft.com/office/drawing/2014/main" id="{CED7D7B9-52F9-4AE8-8186-F92722AC746F}"/>
+                <a16:creationId xmlns="" xmlns:a16="http://schemas.microsoft.com/office/drawing/2014/main" id="{CED7D7B9-52F9-4AE8-8186-F92722AC746F}"/>
               </a:ext>
             </a:extLst>
           </p:cNvPr>
@@ -4030,7 +5685,7 @@
 </p:sld>
 </file>
 
-<file path=ppt/slides/slide11.xml><?xml version="1.0" encoding="utf-8"?>
+<file path=ppt/slides/slide12.xml><?xml version="1.0" encoding="utf-8"?>
 <p:sld xmlns:a="http://schemas.openxmlformats.org/drawingml/2006/main" xmlns:r="http://schemas.openxmlformats.org/officeDocument/2006/relationships" xmlns:p="http://schemas.openxmlformats.org/presentationml/2006/main">
   <p:cSld>
     <p:spTree>
@@ -5758,7 +7413,7 @@
           <p:cNvPr id="43" name="Retângulo 42">
             <a:extLst>
               <a:ext uri="{FF2B5EF4-FFF2-40B4-BE49-F238E27FC236}">
-                <a16:creationId xmlns:a16="http://schemas.microsoft.com/office/drawing/2014/main" id="{ABE8EA85-3B27-4325-A2E1-239BEC91ACD7}"/>
+                <a16:creationId xmlns="" xmlns:a16="http://schemas.microsoft.com/office/drawing/2014/main" id="{ABE8EA85-3B27-4325-A2E1-239BEC91ACD7}"/>
               </a:ext>
             </a:extLst>
           </p:cNvPr>
@@ -5822,7 +7477,7 @@
           <p:cNvPr id="44" name="Conector reto 43">
             <a:extLst>
               <a:ext uri="{FF2B5EF4-FFF2-40B4-BE49-F238E27FC236}">
-                <a16:creationId xmlns:a16="http://schemas.microsoft.com/office/drawing/2014/main" id="{EB56AF2B-1DFB-437F-A692-B8AAC5F68C53}"/>
+                <a16:creationId xmlns="" xmlns:a16="http://schemas.microsoft.com/office/drawing/2014/main" id="{EB56AF2B-1DFB-437F-A692-B8AAC5F68C53}"/>
               </a:ext>
             </a:extLst>
           </p:cNvPr>
@@ -5872,7 +7527,7 @@
 </p:sld>
 </file>
 
-<file path=ppt/slides/slide12.xml><?xml version="1.0" encoding="utf-8"?>
+<file path=ppt/slides/slide13.xml><?xml version="1.0" encoding="utf-8"?>
 <p:sld xmlns:a="http://schemas.openxmlformats.org/drawingml/2006/main" xmlns:r="http://schemas.openxmlformats.org/officeDocument/2006/relationships" xmlns:p="http://schemas.openxmlformats.org/presentationml/2006/main">
   <p:cSld>
     <p:spTree>
@@ -6030,7 +7685,7 @@
           <p:cNvPr id="11" name="Conector reto 10">
             <a:extLst>
               <a:ext uri="{FF2B5EF4-FFF2-40B4-BE49-F238E27FC236}">
-                <a16:creationId xmlns:a16="http://schemas.microsoft.com/office/drawing/2014/main" id="{6510727C-C843-4D84-A07F-20F37366891D}"/>
+                <a16:creationId xmlns="" xmlns:a16="http://schemas.microsoft.com/office/drawing/2014/main" id="{6510727C-C843-4D84-A07F-20F37366891D}"/>
               </a:ext>
             </a:extLst>
           </p:cNvPr>
@@ -6389,7 +8044,7 @@
 </p:sld>
 </file>
 
-<file path=ppt/slides/slide13.xml><?xml version="1.0" encoding="utf-8"?>
+<file path=ppt/slides/slide14.xml><?xml version="1.0" encoding="utf-8"?>
 <p:sld xmlns:a="http://schemas.openxmlformats.org/drawingml/2006/main" xmlns:r="http://schemas.openxmlformats.org/officeDocument/2006/relationships" xmlns:p="http://schemas.openxmlformats.org/presentationml/2006/main">
   <p:cSld>
     <p:spTree>
@@ -6562,7 +8217,7 @@
           <p:cNvPr id="11" name="Conector reto 10">
             <a:extLst>
               <a:ext uri="{FF2B5EF4-FFF2-40B4-BE49-F238E27FC236}">
-                <a16:creationId xmlns:a16="http://schemas.microsoft.com/office/drawing/2014/main" id="{6510727C-C843-4D84-A07F-20F37366891D}"/>
+                <a16:creationId xmlns="" xmlns:a16="http://schemas.microsoft.com/office/drawing/2014/main" id="{6510727C-C843-4D84-A07F-20F37366891D}"/>
               </a:ext>
             </a:extLst>
           </p:cNvPr>
@@ -6666,7 +8321,7 @@
 </p:sld>
 </file>
 
-<file path=ppt/slides/slide14.xml><?xml version="1.0" encoding="utf-8"?>
+<file path=ppt/slides/slide15.xml><?xml version="1.0" encoding="utf-8"?>
 <p:sld xmlns:a="http://schemas.openxmlformats.org/drawingml/2006/main" xmlns:r="http://schemas.openxmlformats.org/officeDocument/2006/relationships" xmlns:p="http://schemas.openxmlformats.org/presentationml/2006/main">
   <p:cSld>
     <p:spTree>
@@ -6879,7 +8534,7 @@
           <p:cNvPr id="13" name="Conector reto 12">
             <a:extLst>
               <a:ext uri="{FF2B5EF4-FFF2-40B4-BE49-F238E27FC236}">
-                <a16:creationId xmlns:a16="http://schemas.microsoft.com/office/drawing/2014/main" id="{6510727C-C843-4D84-A07F-20F37366891D}"/>
+                <a16:creationId xmlns="" xmlns:a16="http://schemas.microsoft.com/office/drawing/2014/main" id="{6510727C-C843-4D84-A07F-20F37366891D}"/>
               </a:ext>
             </a:extLst>
           </p:cNvPr>
@@ -8326,7 +9981,7 @@
             <p:nvPr/>
           </p:nvPicPr>
           <p:blipFill>
-            <a:blip r:embed="rId10" cstate="print">
+            <a:blip r:embed="rId19" cstate="print">
               <a:extLst>
                 <a:ext uri="{28A0092B-C50C-407E-A947-70E740481C1C}">
                   <a14:useLocalDpi xmlns:a14="http://schemas.microsoft.com/office/drawing/2010/main" val="0"/>
@@ -8412,7 +10067,7 @@
             <p:nvPr/>
           </p:nvPicPr>
           <p:blipFill>
-            <a:blip r:embed="rId19" cstate="print">
+            <a:blip r:embed="rId20" cstate="print">
               <a:extLst>
                 <a:ext uri="{28A0092B-C50C-407E-A947-70E740481C1C}">
                   <a14:useLocalDpi xmlns:a14="http://schemas.microsoft.com/office/drawing/2010/main" val="0"/>
@@ -8552,7 +10207,7 @@
 </p:sld>
 </file>
 
-<file path=ppt/slides/slide15.xml><?xml version="1.0" encoding="utf-8"?>
+<file path=ppt/slides/slide16.xml><?xml version="1.0" encoding="utf-8"?>
 <p:sld xmlns:a="http://schemas.openxmlformats.org/drawingml/2006/main" xmlns:r="http://schemas.openxmlformats.org/officeDocument/2006/relationships" xmlns:p="http://schemas.openxmlformats.org/presentationml/2006/main">
   <p:cSld>
     <p:spTree>
@@ -8739,7 +10394,7 @@
           <p:cNvPr id="8" name="Conector reto 7">
             <a:extLst>
               <a:ext uri="{FF2B5EF4-FFF2-40B4-BE49-F238E27FC236}">
-                <a16:creationId xmlns:a16="http://schemas.microsoft.com/office/drawing/2014/main" id="{6510727C-C843-4D84-A07F-20F37366891D}"/>
+                <a16:creationId xmlns="" xmlns:a16="http://schemas.microsoft.com/office/drawing/2014/main" id="{6510727C-C843-4D84-A07F-20F37366891D}"/>
               </a:ext>
             </a:extLst>
           </p:cNvPr>
@@ -10493,7 +12148,7 @@
 </p:sld>
 </file>
 
-<file path=ppt/slides/slide16.xml><?xml version="1.0" encoding="utf-8"?>
+<file path=ppt/slides/slide17.xml><?xml version="1.0" encoding="utf-8"?>
 <p:sld xmlns:a="http://schemas.openxmlformats.org/drawingml/2006/main" xmlns:r="http://schemas.openxmlformats.org/officeDocument/2006/relationships" xmlns:p="http://schemas.openxmlformats.org/presentationml/2006/main">
   <p:cSld>
     <p:spTree>
@@ -10680,7 +12335,7 @@
           <p:cNvPr id="12" name="Conector reto 11">
             <a:extLst>
               <a:ext uri="{FF2B5EF4-FFF2-40B4-BE49-F238E27FC236}">
-                <a16:creationId xmlns:a16="http://schemas.microsoft.com/office/drawing/2014/main" id="{6510727C-C843-4D84-A07F-20F37366891D}"/>
+                <a16:creationId xmlns="" xmlns:a16="http://schemas.microsoft.com/office/drawing/2014/main" id="{6510727C-C843-4D84-A07F-20F37366891D}"/>
               </a:ext>
             </a:extLst>
           </p:cNvPr>
@@ -10722,7 +12377,7 @@
           <p:cNvPr id="8" name="Agrupar 7">
             <a:extLst>
               <a:ext uri="{FF2B5EF4-FFF2-40B4-BE49-F238E27FC236}">
-                <a16:creationId xmlns:a16="http://schemas.microsoft.com/office/drawing/2014/main" id="{153C3B9E-A4D1-44C4-8606-47C0B0C7C645}"/>
+                <a16:creationId xmlns="" xmlns:a16="http://schemas.microsoft.com/office/drawing/2014/main" id="{153C3B9E-A4D1-44C4-8606-47C0B0C7C645}"/>
               </a:ext>
             </a:extLst>
           </p:cNvPr>
@@ -10783,7 +12438,7 @@
             <p:cNvPr id="2" name="Imagem 1">
               <a:extLst>
                 <a:ext uri="{FF2B5EF4-FFF2-40B4-BE49-F238E27FC236}">
-                  <a16:creationId xmlns:a16="http://schemas.microsoft.com/office/drawing/2014/main" id="{9C31B254-0017-4F74-8459-F8999F979290}"/>
+                  <a16:creationId xmlns="" xmlns:a16="http://schemas.microsoft.com/office/drawing/2014/main" id="{9C31B254-0017-4F74-8459-F8999F979290}"/>
                 </a:ext>
               </a:extLst>
             </p:cNvPr>
@@ -10826,7 +12481,7 @@
           <p:cNvPr id="9" name="Agrupar 8">
             <a:extLst>
               <a:ext uri="{FF2B5EF4-FFF2-40B4-BE49-F238E27FC236}">
-                <a16:creationId xmlns:a16="http://schemas.microsoft.com/office/drawing/2014/main" id="{34F71602-B395-44B6-8887-E14CAEF64ADB}"/>
+                <a16:creationId xmlns="" xmlns:a16="http://schemas.microsoft.com/office/drawing/2014/main" id="{34F71602-B395-44B6-8887-E14CAEF64ADB}"/>
               </a:ext>
             </a:extLst>
           </p:cNvPr>
@@ -10885,7 +12540,7 @@
             <p:cNvPr id="3" name="Imagem 2">
               <a:extLst>
                 <a:ext uri="{FF2B5EF4-FFF2-40B4-BE49-F238E27FC236}">
-                  <a16:creationId xmlns:a16="http://schemas.microsoft.com/office/drawing/2014/main" id="{BC04278F-2736-403F-AF79-4AA72B6EAE7F}"/>
+                  <a16:creationId xmlns="" xmlns:a16="http://schemas.microsoft.com/office/drawing/2014/main" id="{BC04278F-2736-403F-AF79-4AA72B6EAE7F}"/>
                 </a:ext>
               </a:extLst>
             </p:cNvPr>
@@ -10928,7 +12583,7 @@
           <p:cNvPr id="10" name="Agrupar 9">
             <a:extLst>
               <a:ext uri="{FF2B5EF4-FFF2-40B4-BE49-F238E27FC236}">
-                <a16:creationId xmlns:a16="http://schemas.microsoft.com/office/drawing/2014/main" id="{147FD79B-9A67-4EFD-8CD7-15E488ACC61D}"/>
+                <a16:creationId xmlns="" xmlns:a16="http://schemas.microsoft.com/office/drawing/2014/main" id="{147FD79B-9A67-4EFD-8CD7-15E488ACC61D}"/>
               </a:ext>
             </a:extLst>
           </p:cNvPr>
@@ -10989,7 +12644,7 @@
             <p:cNvPr id="7" name="Imagem 6">
               <a:extLst>
                 <a:ext uri="{FF2B5EF4-FFF2-40B4-BE49-F238E27FC236}">
-                  <a16:creationId xmlns:a16="http://schemas.microsoft.com/office/drawing/2014/main" id="{DE51EA2D-37A4-4C65-9FE2-EE7FE9A8A7BE}"/>
+                  <a16:creationId xmlns="" xmlns:a16="http://schemas.microsoft.com/office/drawing/2014/main" id="{DE51EA2D-37A4-4C65-9FE2-EE7FE9A8A7BE}"/>
                 </a:ext>
               </a:extLst>
             </p:cNvPr>
@@ -11081,7 +12736,7 @@
 </p:sld>
 </file>
 
-<file path=ppt/slides/slide17.xml><?xml version="1.0" encoding="utf-8"?>
+<file path=ppt/slides/slide18.xml><?xml version="1.0" encoding="utf-8"?>
 <p:sld xmlns:a="http://schemas.openxmlformats.org/drawingml/2006/main" xmlns:r="http://schemas.openxmlformats.org/officeDocument/2006/relationships" xmlns:p="http://schemas.openxmlformats.org/presentationml/2006/main">
   <p:cSld>
     <p:spTree>
@@ -11363,7 +13018,7 @@
           <p:cNvPr id="7" name="Conector reto 6">
             <a:extLst>
               <a:ext uri="{FF2B5EF4-FFF2-40B4-BE49-F238E27FC236}">
-                <a16:creationId xmlns:a16="http://schemas.microsoft.com/office/drawing/2014/main" id="{6510727C-C843-4D84-A07F-20F37366891D}"/>
+                <a16:creationId xmlns="" xmlns:a16="http://schemas.microsoft.com/office/drawing/2014/main" id="{6510727C-C843-4D84-A07F-20F37366891D}"/>
               </a:ext>
             </a:extLst>
           </p:cNvPr>
@@ -11546,7 +13201,7 @@
 </p:sld>
 </file>
 
-<file path=ppt/slides/slide18.xml><?xml version="1.0" encoding="utf-8"?>
+<file path=ppt/slides/slide19.xml><?xml version="1.0" encoding="utf-8"?>
 <p:sld xmlns:a="http://schemas.openxmlformats.org/drawingml/2006/main" xmlns:r="http://schemas.openxmlformats.org/officeDocument/2006/relationships" xmlns:p="http://schemas.openxmlformats.org/presentationml/2006/main">
   <p:cSld>
     <p:spTree>
@@ -11733,7 +13388,7 @@
           <p:cNvPr id="12" name="Conector reto 11">
             <a:extLst>
               <a:ext uri="{FF2B5EF4-FFF2-40B4-BE49-F238E27FC236}">
-                <a16:creationId xmlns:a16="http://schemas.microsoft.com/office/drawing/2014/main" id="{6510727C-C843-4D84-A07F-20F37366891D}"/>
+                <a16:creationId xmlns="" xmlns:a16="http://schemas.microsoft.com/office/drawing/2014/main" id="{6510727C-C843-4D84-A07F-20F37366891D}"/>
               </a:ext>
             </a:extLst>
           </p:cNvPr>
@@ -13931,267 +15586,6 @@
 </p:sld>
 </file>
 
-<file path=ppt/slides/slide19.xml><?xml version="1.0" encoding="utf-8"?>
-<p:sld xmlns:a="http://schemas.openxmlformats.org/drawingml/2006/main" xmlns:r="http://schemas.openxmlformats.org/officeDocument/2006/relationships" xmlns:p="http://schemas.openxmlformats.org/presentationml/2006/main">
-  <p:cSld>
-    <p:spTree>
-      <p:nvGrpSpPr>
-        <p:cNvPr id="1" name=""/>
-        <p:cNvGrpSpPr/>
-        <p:nvPr/>
-      </p:nvGrpSpPr>
-      <p:grpSpPr>
-        <a:xfrm>
-          <a:off x="0" y="0"/>
-          <a:ext cx="0" cy="0"/>
-          <a:chOff x="0" y="0"/>
-          <a:chExt cx="0" cy="0"/>
-        </a:xfrm>
-      </p:grpSpPr>
-      <p:grpSp>
-        <p:nvGrpSpPr>
-          <p:cNvPr id="4" name="Agrupar 3"/>
-          <p:cNvGrpSpPr/>
-          <p:nvPr/>
-        </p:nvGrpSpPr>
-        <p:grpSpPr>
-          <a:xfrm>
-            <a:off x="25400" y="-5907"/>
-            <a:ext cx="12192000" cy="6863907"/>
-            <a:chOff x="0" y="0"/>
-            <a:chExt cx="12192000" cy="6863907"/>
-          </a:xfrm>
-        </p:grpSpPr>
-        <p:pic>
-          <p:nvPicPr>
-            <p:cNvPr id="5" name="Picture 22" descr="http://www.correiodoestadoonline.com.br/arquivos/noticias/3.png"/>
-            <p:cNvPicPr>
-              <a:picLocks noChangeAspect="1" noChangeArrowheads="1"/>
-            </p:cNvPicPr>
-            <p:nvPr/>
-          </p:nvPicPr>
-          <p:blipFill>
-            <a:blip r:embed="rId2">
-              <a:extLst>
-                <a:ext uri="{BEBA8EAE-BF5A-486C-A8C5-ECC9F3942E4B}">
-                  <a14:imgProps xmlns:a14="http://schemas.microsoft.com/office/drawing/2010/main">
-                    <a14:imgLayer r:embed="rId3">
-                      <a14:imgEffect>
-                        <a14:sharpenSoften amount="-80000"/>
-                      </a14:imgEffect>
-                      <a14:imgEffect>
-                        <a14:brightnessContrast bright="-46000"/>
-                      </a14:imgEffect>
-                    </a14:imgLayer>
-                  </a14:imgProps>
-                </a:ext>
-                <a:ext uri="{28A0092B-C50C-407E-A947-70E740481C1C}">
-                  <a14:useLocalDpi xmlns:a14="http://schemas.microsoft.com/office/drawing/2010/main" val="0"/>
-                </a:ext>
-              </a:extLst>
-            </a:blip>
-            <a:srcRect/>
-            <a:stretch>
-              <a:fillRect/>
-            </a:stretch>
-          </p:blipFill>
-          <p:spPr bwMode="auto">
-            <a:xfrm>
-              <a:off x="0" y="0"/>
-              <a:ext cx="12192000" cy="6863907"/>
-            </a:xfrm>
-            <a:prstGeom prst="rect">
-              <a:avLst/>
-            </a:prstGeom>
-            <a:noFill/>
-          </p:spPr>
-        </p:pic>
-        <p:sp>
-          <p:nvSpPr>
-            <p:cNvPr id="6" name="Retângulo 5"/>
-            <p:cNvSpPr/>
-            <p:nvPr/>
-          </p:nvSpPr>
-          <p:spPr>
-            <a:xfrm>
-              <a:off x="0" y="5907"/>
-              <a:ext cx="12192000" cy="6858000"/>
-            </a:xfrm>
-            <a:prstGeom prst="rect">
-              <a:avLst/>
-            </a:prstGeom>
-            <a:solidFill>
-              <a:schemeClr val="tx1">
-                <a:lumMod val="95000"/>
-                <a:lumOff val="5000"/>
-                <a:alpha val="87000"/>
-              </a:schemeClr>
-            </a:solidFill>
-            <a:ln>
-              <a:noFill/>
-            </a:ln>
-          </p:spPr>
-          <p:style>
-            <a:lnRef idx="2">
-              <a:schemeClr val="dk1"/>
-            </a:lnRef>
-            <a:fillRef idx="1">
-              <a:schemeClr val="lt1"/>
-            </a:fillRef>
-            <a:effectRef idx="0">
-              <a:schemeClr val="dk1"/>
-            </a:effectRef>
-            <a:fontRef idx="minor">
-              <a:schemeClr val="dk1"/>
-            </a:fontRef>
-          </p:style>
-          <p:txBody>
-            <a:bodyPr rtlCol="0" anchor="ctr"/>
-            <a:lstStyle/>
-            <a:p>
-              <a:pPr algn="ctr"/>
-              <a:endParaRPr lang="pt-BR" dirty="0"/>
-            </a:p>
-          </p:txBody>
-        </p:sp>
-      </p:grpSp>
-      <p:sp>
-        <p:nvSpPr>
-          <p:cNvPr id="11" name="Retângulo 10"/>
-          <p:cNvSpPr/>
-          <p:nvPr/>
-        </p:nvSpPr>
-        <p:spPr>
-          <a:xfrm>
-            <a:off x="126222" y="198787"/>
-            <a:ext cx="9627378" cy="584775"/>
-          </a:xfrm>
-          <a:prstGeom prst="rect">
-            <a:avLst/>
-          </a:prstGeom>
-          <a:noFill/>
-          <a:effectLst/>
-        </p:spPr>
-        <p:txBody>
-          <a:bodyPr wrap="square" lIns="91440" tIns="45720" rIns="91440" bIns="45720">
-            <a:spAutoFit/>
-          </a:bodyPr>
-          <a:lstStyle/>
-          <a:p>
-            <a:pPr algn="just"/>
-            <a:r>
-              <a:rPr lang="pt-BR" sz="3200" b="1" dirty="0">
-                <a:ln w="0"/>
-                <a:solidFill>
-                  <a:schemeClr val="bg1"/>
-                </a:solidFill>
-                <a:effectLst>
-                  <a:outerShdw blurRad="38100" dist="19050" dir="2700000" algn="tl" rotWithShape="0">
-                    <a:schemeClr val="dk1">
-                      <a:alpha val="40000"/>
-                    </a:schemeClr>
-                  </a:outerShdw>
-                </a:effectLst>
-                <a:latin typeface="Exo 2 Medium" panose="00000600000000000000" pitchFamily="50" charset="0"/>
-              </a:rPr>
-              <a:t>PROCESSO DE ATENDIMENTO E SUPORTE</a:t>
-            </a:r>
-            <a:endParaRPr lang="pt-BR" sz="3200" b="1" cap="none" spc="0" dirty="0">
-              <a:ln w="0"/>
-              <a:solidFill>
-                <a:schemeClr val="bg1"/>
-              </a:solidFill>
-              <a:effectLst>
-                <a:outerShdw blurRad="38100" dist="19050" dir="2700000" algn="tl" rotWithShape="0">
-                  <a:schemeClr val="dk1">
-                    <a:alpha val="40000"/>
-                  </a:schemeClr>
-                </a:outerShdw>
-              </a:effectLst>
-              <a:latin typeface="Exo 2 Medium" panose="00000600000000000000" pitchFamily="50" charset="0"/>
-            </a:endParaRPr>
-          </a:p>
-        </p:txBody>
-      </p:sp>
-      <p:cxnSp>
-        <p:nvCxnSpPr>
-          <p:cNvPr id="12" name="Conector reto 11">
-            <a:extLst>
-              <a:ext uri="{FF2B5EF4-FFF2-40B4-BE49-F238E27FC236}">
-                <a16:creationId xmlns:a16="http://schemas.microsoft.com/office/drawing/2014/main" id="{6510727C-C843-4D84-A07F-20F37366891D}"/>
-              </a:ext>
-            </a:extLst>
-          </p:cNvPr>
-          <p:cNvCxnSpPr/>
-          <p:nvPr/>
-        </p:nvCxnSpPr>
-        <p:spPr>
-          <a:xfrm>
-            <a:off x="0" y="953059"/>
-            <a:ext cx="6325704" cy="0"/>
-          </a:xfrm>
-          <a:prstGeom prst="line">
-            <a:avLst/>
-          </a:prstGeom>
-          <a:ln>
-            <a:solidFill>
-              <a:schemeClr val="bg1"/>
-            </a:solidFill>
-          </a:ln>
-          <a:effectLst/>
-        </p:spPr>
-        <p:style>
-          <a:lnRef idx="1">
-            <a:schemeClr val="accent1"/>
-          </a:lnRef>
-          <a:fillRef idx="0">
-            <a:schemeClr val="accent1"/>
-          </a:fillRef>
-          <a:effectRef idx="0">
-            <a:schemeClr val="accent1"/>
-          </a:effectRef>
-          <a:fontRef idx="minor">
-            <a:schemeClr val="tx1"/>
-          </a:fontRef>
-        </p:style>
-      </p:cxnSp>
-      <p:pic>
-        <p:nvPicPr>
-          <p:cNvPr id="2" name="Imagem 1"/>
-          <p:cNvPicPr>
-            <a:picLocks noChangeAspect="1"/>
-          </p:cNvPicPr>
-          <p:nvPr/>
-        </p:nvPicPr>
-        <p:blipFill>
-          <a:blip r:embed="rId4"/>
-          <a:stretch>
-            <a:fillRect/>
-          </a:stretch>
-        </p:blipFill>
-        <p:spPr>
-          <a:xfrm>
-            <a:off x="1005116" y="1034917"/>
-            <a:ext cx="10232568" cy="5741226"/>
-          </a:xfrm>
-          <a:prstGeom prst="rect">
-            <a:avLst/>
-          </a:prstGeom>
-        </p:spPr>
-      </p:pic>
-    </p:spTree>
-    <p:extLst>
-      <p:ext uri="{BB962C8B-B14F-4D97-AF65-F5344CB8AC3E}">
-        <p14:creationId xmlns:p14="http://schemas.microsoft.com/office/powerpoint/2010/main" val="1913267837"/>
-      </p:ext>
-    </p:extLst>
-  </p:cSld>
-  <p:clrMapOvr>
-    <a:masterClrMapping/>
-  </p:clrMapOvr>
-</p:sld>
-</file>
-
 <file path=ppt/slides/slide2.xml><?xml version="1.0" encoding="utf-8"?>
 <p:sld xmlns:a="http://schemas.openxmlformats.org/drawingml/2006/main" xmlns:r="http://schemas.openxmlformats.org/officeDocument/2006/relationships" xmlns:p="http://schemas.openxmlformats.org/presentationml/2006/main">
   <p:cSld>
@@ -14417,7 +15811,7 @@
           <p:cNvPr id="7" name="Conector reto 6">
             <a:extLst>
               <a:ext uri="{FF2B5EF4-FFF2-40B4-BE49-F238E27FC236}">
-                <a16:creationId xmlns:a16="http://schemas.microsoft.com/office/drawing/2014/main" id="{6510727C-C843-4D84-A07F-20F37366891D}"/>
+                <a16:creationId xmlns="" xmlns:a16="http://schemas.microsoft.com/office/drawing/2014/main" id="{6510727C-C843-4D84-A07F-20F37366891D}"/>
               </a:ext>
             </a:extLst>
           </p:cNvPr>
@@ -14643,10 +16037,278 @@
   <p:clrMapOvr>
     <a:masterClrMapping/>
   </p:clrMapOvr>
+  <p:timing>
+    <p:tnLst>
+      <p:par>
+        <p:cTn id="1" dur="indefinite" restart="never" nodeType="tmRoot"/>
+      </p:par>
+    </p:tnLst>
+  </p:timing>
 </p:sld>
 </file>
 
 <file path=ppt/slides/slide20.xml><?xml version="1.0" encoding="utf-8"?>
+<p:sld xmlns:a="http://schemas.openxmlformats.org/drawingml/2006/main" xmlns:r="http://schemas.openxmlformats.org/officeDocument/2006/relationships" xmlns:p="http://schemas.openxmlformats.org/presentationml/2006/main">
+  <p:cSld>
+    <p:spTree>
+      <p:nvGrpSpPr>
+        <p:cNvPr id="1" name=""/>
+        <p:cNvGrpSpPr/>
+        <p:nvPr/>
+      </p:nvGrpSpPr>
+      <p:grpSpPr>
+        <a:xfrm>
+          <a:off x="0" y="0"/>
+          <a:ext cx="0" cy="0"/>
+          <a:chOff x="0" y="0"/>
+          <a:chExt cx="0" cy="0"/>
+        </a:xfrm>
+      </p:grpSpPr>
+      <p:grpSp>
+        <p:nvGrpSpPr>
+          <p:cNvPr id="4" name="Agrupar 3"/>
+          <p:cNvGrpSpPr/>
+          <p:nvPr/>
+        </p:nvGrpSpPr>
+        <p:grpSpPr>
+          <a:xfrm>
+            <a:off x="25400" y="-5907"/>
+            <a:ext cx="12192000" cy="6863907"/>
+            <a:chOff x="0" y="0"/>
+            <a:chExt cx="12192000" cy="6863907"/>
+          </a:xfrm>
+        </p:grpSpPr>
+        <p:pic>
+          <p:nvPicPr>
+            <p:cNvPr id="5" name="Picture 22" descr="http://www.correiodoestadoonline.com.br/arquivos/noticias/3.png"/>
+            <p:cNvPicPr>
+              <a:picLocks noChangeAspect="1" noChangeArrowheads="1"/>
+            </p:cNvPicPr>
+            <p:nvPr/>
+          </p:nvPicPr>
+          <p:blipFill>
+            <a:blip r:embed="rId2">
+              <a:extLst>
+                <a:ext uri="{BEBA8EAE-BF5A-486C-A8C5-ECC9F3942E4B}">
+                  <a14:imgProps xmlns:a14="http://schemas.microsoft.com/office/drawing/2010/main">
+                    <a14:imgLayer r:embed="rId3">
+                      <a14:imgEffect>
+                        <a14:sharpenSoften amount="-80000"/>
+                      </a14:imgEffect>
+                      <a14:imgEffect>
+                        <a14:brightnessContrast bright="-46000"/>
+                      </a14:imgEffect>
+                    </a14:imgLayer>
+                  </a14:imgProps>
+                </a:ext>
+                <a:ext uri="{28A0092B-C50C-407E-A947-70E740481C1C}">
+                  <a14:useLocalDpi xmlns:a14="http://schemas.microsoft.com/office/drawing/2010/main" val="0"/>
+                </a:ext>
+              </a:extLst>
+            </a:blip>
+            <a:srcRect/>
+            <a:stretch>
+              <a:fillRect/>
+            </a:stretch>
+          </p:blipFill>
+          <p:spPr bwMode="auto">
+            <a:xfrm>
+              <a:off x="0" y="0"/>
+              <a:ext cx="12192000" cy="6863907"/>
+            </a:xfrm>
+            <a:prstGeom prst="rect">
+              <a:avLst/>
+            </a:prstGeom>
+            <a:noFill/>
+          </p:spPr>
+        </p:pic>
+        <p:sp>
+          <p:nvSpPr>
+            <p:cNvPr id="6" name="Retângulo 5"/>
+            <p:cNvSpPr/>
+            <p:nvPr/>
+          </p:nvSpPr>
+          <p:spPr>
+            <a:xfrm>
+              <a:off x="0" y="5907"/>
+              <a:ext cx="12192000" cy="6858000"/>
+            </a:xfrm>
+            <a:prstGeom prst="rect">
+              <a:avLst/>
+            </a:prstGeom>
+            <a:solidFill>
+              <a:schemeClr val="tx1">
+                <a:lumMod val="95000"/>
+                <a:lumOff val="5000"/>
+                <a:alpha val="87000"/>
+              </a:schemeClr>
+            </a:solidFill>
+            <a:ln>
+              <a:noFill/>
+            </a:ln>
+          </p:spPr>
+          <p:style>
+            <a:lnRef idx="2">
+              <a:schemeClr val="dk1"/>
+            </a:lnRef>
+            <a:fillRef idx="1">
+              <a:schemeClr val="lt1"/>
+            </a:fillRef>
+            <a:effectRef idx="0">
+              <a:schemeClr val="dk1"/>
+            </a:effectRef>
+            <a:fontRef idx="minor">
+              <a:schemeClr val="dk1"/>
+            </a:fontRef>
+          </p:style>
+          <p:txBody>
+            <a:bodyPr rtlCol="0" anchor="ctr"/>
+            <a:lstStyle/>
+            <a:p>
+              <a:pPr algn="ctr"/>
+              <a:endParaRPr lang="pt-BR" dirty="0"/>
+            </a:p>
+          </p:txBody>
+        </p:sp>
+      </p:grpSp>
+      <p:sp>
+        <p:nvSpPr>
+          <p:cNvPr id="11" name="Retângulo 10"/>
+          <p:cNvSpPr/>
+          <p:nvPr/>
+        </p:nvSpPr>
+        <p:spPr>
+          <a:xfrm>
+            <a:off x="126222" y="198787"/>
+            <a:ext cx="9627378" cy="584775"/>
+          </a:xfrm>
+          <a:prstGeom prst="rect">
+            <a:avLst/>
+          </a:prstGeom>
+          <a:noFill/>
+          <a:effectLst/>
+        </p:spPr>
+        <p:txBody>
+          <a:bodyPr wrap="square" lIns="91440" tIns="45720" rIns="91440" bIns="45720">
+            <a:spAutoFit/>
+          </a:bodyPr>
+          <a:lstStyle/>
+          <a:p>
+            <a:pPr algn="just"/>
+            <a:r>
+              <a:rPr lang="pt-BR" sz="3200" b="1" dirty="0">
+                <a:ln w="0"/>
+                <a:solidFill>
+                  <a:schemeClr val="bg1"/>
+                </a:solidFill>
+                <a:effectLst>
+                  <a:outerShdw blurRad="38100" dist="19050" dir="2700000" algn="tl" rotWithShape="0">
+                    <a:schemeClr val="dk1">
+                      <a:alpha val="40000"/>
+                    </a:schemeClr>
+                  </a:outerShdw>
+                </a:effectLst>
+                <a:latin typeface="Exo 2 Medium" panose="00000600000000000000" pitchFamily="50" charset="0"/>
+              </a:rPr>
+              <a:t>PROCESSO DE ATENDIMENTO E SUPORTE</a:t>
+            </a:r>
+            <a:endParaRPr lang="pt-BR" sz="3200" b="1" cap="none" spc="0" dirty="0">
+              <a:ln w="0"/>
+              <a:solidFill>
+                <a:schemeClr val="bg1"/>
+              </a:solidFill>
+              <a:effectLst>
+                <a:outerShdw blurRad="38100" dist="19050" dir="2700000" algn="tl" rotWithShape="0">
+                  <a:schemeClr val="dk1">
+                    <a:alpha val="40000"/>
+                  </a:schemeClr>
+                </a:outerShdw>
+              </a:effectLst>
+              <a:latin typeface="Exo 2 Medium" panose="00000600000000000000" pitchFamily="50" charset="0"/>
+            </a:endParaRPr>
+          </a:p>
+        </p:txBody>
+      </p:sp>
+      <p:cxnSp>
+        <p:nvCxnSpPr>
+          <p:cNvPr id="12" name="Conector reto 11">
+            <a:extLst>
+              <a:ext uri="{FF2B5EF4-FFF2-40B4-BE49-F238E27FC236}">
+                <a16:creationId xmlns="" xmlns:a16="http://schemas.microsoft.com/office/drawing/2014/main" id="{6510727C-C843-4D84-A07F-20F37366891D}"/>
+              </a:ext>
+            </a:extLst>
+          </p:cNvPr>
+          <p:cNvCxnSpPr/>
+          <p:nvPr/>
+        </p:nvCxnSpPr>
+        <p:spPr>
+          <a:xfrm>
+            <a:off x="0" y="953059"/>
+            <a:ext cx="6325704" cy="0"/>
+          </a:xfrm>
+          <a:prstGeom prst="line">
+            <a:avLst/>
+          </a:prstGeom>
+          <a:ln>
+            <a:solidFill>
+              <a:schemeClr val="bg1"/>
+            </a:solidFill>
+          </a:ln>
+          <a:effectLst/>
+        </p:spPr>
+        <p:style>
+          <a:lnRef idx="1">
+            <a:schemeClr val="accent1"/>
+          </a:lnRef>
+          <a:fillRef idx="0">
+            <a:schemeClr val="accent1"/>
+          </a:fillRef>
+          <a:effectRef idx="0">
+            <a:schemeClr val="accent1"/>
+          </a:effectRef>
+          <a:fontRef idx="minor">
+            <a:schemeClr val="tx1"/>
+          </a:fontRef>
+        </p:style>
+      </p:cxnSp>
+      <p:pic>
+        <p:nvPicPr>
+          <p:cNvPr id="2" name="Imagem 1"/>
+          <p:cNvPicPr>
+            <a:picLocks noChangeAspect="1"/>
+          </p:cNvPicPr>
+          <p:nvPr/>
+        </p:nvPicPr>
+        <p:blipFill>
+          <a:blip r:embed="rId4"/>
+          <a:stretch>
+            <a:fillRect/>
+          </a:stretch>
+        </p:blipFill>
+        <p:spPr>
+          <a:xfrm>
+            <a:off x="1005116" y="1034917"/>
+            <a:ext cx="10232568" cy="5741226"/>
+          </a:xfrm>
+          <a:prstGeom prst="rect">
+            <a:avLst/>
+          </a:prstGeom>
+        </p:spPr>
+      </p:pic>
+    </p:spTree>
+    <p:extLst>
+      <p:ext uri="{BB962C8B-B14F-4D97-AF65-F5344CB8AC3E}">
+        <p14:creationId xmlns:p14="http://schemas.microsoft.com/office/powerpoint/2010/main" val="1913267837"/>
+      </p:ext>
+    </p:extLst>
+  </p:cSld>
+  <p:clrMapOvr>
+    <a:masterClrMapping/>
+  </p:clrMapOvr>
+</p:sld>
+</file>
+
+<file path=ppt/slides/slide21.xml><?xml version="1.0" encoding="utf-8"?>
 <p:sld xmlns:a="http://schemas.openxmlformats.org/drawingml/2006/main" xmlns:r="http://schemas.openxmlformats.org/officeDocument/2006/relationships" xmlns:p="http://schemas.openxmlformats.org/presentationml/2006/main">
   <p:cSld>
     <p:spTree>
@@ -14833,7 +16495,7 @@
           <p:cNvPr id="12" name="Conector reto 11">
             <a:extLst>
               <a:ext uri="{FF2B5EF4-FFF2-40B4-BE49-F238E27FC236}">
-                <a16:creationId xmlns:a16="http://schemas.microsoft.com/office/drawing/2014/main" id="{6510727C-C843-4D84-A07F-20F37366891D}"/>
+                <a16:creationId xmlns="" xmlns:a16="http://schemas.microsoft.com/office/drawing/2014/main" id="{6510727C-C843-4D84-A07F-20F37366891D}"/>
               </a:ext>
             </a:extLst>
           </p:cNvPr>
@@ -15081,7 +16743,7 @@
 </p:sld>
 </file>
 
-<file path=ppt/slides/slide21.xml><?xml version="1.0" encoding="utf-8"?>
+<file path=ppt/slides/slide22.xml><?xml version="1.0" encoding="utf-8"?>
 <p:sld xmlns:a="http://schemas.openxmlformats.org/drawingml/2006/main" xmlns:r="http://schemas.openxmlformats.org/officeDocument/2006/relationships" xmlns:p="http://schemas.openxmlformats.org/presentationml/2006/main">
   <p:cSld>
     <p:spTree>
@@ -15268,7 +16930,7 @@
           <p:cNvPr id="12" name="Conector reto 11">
             <a:extLst>
               <a:ext uri="{FF2B5EF4-FFF2-40B4-BE49-F238E27FC236}">
-                <a16:creationId xmlns:a16="http://schemas.microsoft.com/office/drawing/2014/main" id="{6510727C-C843-4D84-A07F-20F37366891D}"/>
+                <a16:creationId xmlns="" xmlns:a16="http://schemas.microsoft.com/office/drawing/2014/main" id="{6510727C-C843-4D84-A07F-20F37366891D}"/>
               </a:ext>
             </a:extLst>
           </p:cNvPr>
@@ -15411,7 +17073,7 @@
         </p:nvGraphicFramePr>
         <p:xfrm>
           <a:off x="5209928" y="1222496"/>
-          <a:ext cx="6578600" cy="5406008"/>
+          <a:ext cx="6578600" cy="5438012"/>
         </p:xfrm>
         <a:graphic>
           <a:graphicData uri="http://schemas.openxmlformats.org/drawingml/2006/table">
@@ -15423,21 +17085,21 @@
                 <a:gridCol w="308791">
                   <a:extLst>
                     <a:ext uri="{9D8B030D-6E8A-4147-A177-3AD203B41FA5}">
-                      <a16:colId xmlns:a16="http://schemas.microsoft.com/office/drawing/2014/main" val="1568329710"/>
+                      <a16:colId xmlns="" xmlns:a16="http://schemas.microsoft.com/office/drawing/2014/main" val="1568329710"/>
                     </a:ext>
                   </a:extLst>
                 </a:gridCol>
                 <a:gridCol w="4290817">
                   <a:extLst>
                     <a:ext uri="{9D8B030D-6E8A-4147-A177-3AD203B41FA5}">
-                      <a16:colId xmlns:a16="http://schemas.microsoft.com/office/drawing/2014/main" val="1871891061"/>
+                      <a16:colId xmlns="" xmlns:a16="http://schemas.microsoft.com/office/drawing/2014/main" val="1871891061"/>
                     </a:ext>
                   </a:extLst>
                 </a:gridCol>
                 <a:gridCol w="1978992">
                   <a:extLst>
                     <a:ext uri="{9D8B030D-6E8A-4147-A177-3AD203B41FA5}">
-                      <a16:colId xmlns:a16="http://schemas.microsoft.com/office/drawing/2014/main" val="579065303"/>
+                      <a16:colId xmlns="" xmlns:a16="http://schemas.microsoft.com/office/drawing/2014/main" val="579065303"/>
                     </a:ext>
                   </a:extLst>
                 </a:gridCol>
@@ -15625,7 +17287,7 @@
                 </a:tc>
                 <a:extLst>
                   <a:ext uri="{0D108BD9-81ED-4DB2-BD59-A6C34878D82A}">
-                    <a16:rowId xmlns:a16="http://schemas.microsoft.com/office/drawing/2014/main" val="1638585819"/>
+                    <a16:rowId xmlns="" xmlns:a16="http://schemas.microsoft.com/office/drawing/2014/main" val="1638585819"/>
                   </a:ext>
                 </a:extLst>
               </a:tr>
@@ -15824,7 +17486,7 @@
                 </a:tc>
                 <a:extLst>
                   <a:ext uri="{0D108BD9-81ED-4DB2-BD59-A6C34878D82A}">
-                    <a16:rowId xmlns:a16="http://schemas.microsoft.com/office/drawing/2014/main" val="1729273268"/>
+                    <a16:rowId xmlns="" xmlns:a16="http://schemas.microsoft.com/office/drawing/2014/main" val="1729273268"/>
                   </a:ext>
                 </a:extLst>
               </a:tr>
@@ -15993,7 +17655,7 @@
                 </a:tc>
                 <a:extLst>
                   <a:ext uri="{0D108BD9-81ED-4DB2-BD59-A6C34878D82A}">
-                    <a16:rowId xmlns:a16="http://schemas.microsoft.com/office/drawing/2014/main" val="3139794314"/>
+                    <a16:rowId xmlns="" xmlns:a16="http://schemas.microsoft.com/office/drawing/2014/main" val="3139794314"/>
                   </a:ext>
                 </a:extLst>
               </a:tr>
@@ -16168,7 +17830,7 @@
                 </a:tc>
                 <a:extLst>
                   <a:ext uri="{0D108BD9-81ED-4DB2-BD59-A6C34878D82A}">
-                    <a16:rowId xmlns:a16="http://schemas.microsoft.com/office/drawing/2014/main" val="2491518698"/>
+                    <a16:rowId xmlns="" xmlns:a16="http://schemas.microsoft.com/office/drawing/2014/main" val="2491518698"/>
                   </a:ext>
                 </a:extLst>
               </a:tr>
@@ -16337,7 +17999,7 @@
                 </a:tc>
                 <a:extLst>
                   <a:ext uri="{0D108BD9-81ED-4DB2-BD59-A6C34878D82A}">
-                    <a16:rowId xmlns:a16="http://schemas.microsoft.com/office/drawing/2014/main" val="1225861265"/>
+                    <a16:rowId xmlns="" xmlns:a16="http://schemas.microsoft.com/office/drawing/2014/main" val="1225861265"/>
                   </a:ext>
                 </a:extLst>
               </a:tr>
@@ -16506,7 +18168,7 @@
                 </a:tc>
                 <a:extLst>
                   <a:ext uri="{0D108BD9-81ED-4DB2-BD59-A6C34878D82A}">
-                    <a16:rowId xmlns:a16="http://schemas.microsoft.com/office/drawing/2014/main" val="1852575384"/>
+                    <a16:rowId xmlns="" xmlns:a16="http://schemas.microsoft.com/office/drawing/2014/main" val="1852575384"/>
                   </a:ext>
                 </a:extLst>
               </a:tr>
@@ -16675,7 +18337,7 @@
                 </a:tc>
                 <a:extLst>
                   <a:ext uri="{0D108BD9-81ED-4DB2-BD59-A6C34878D82A}">
-                    <a16:rowId xmlns:a16="http://schemas.microsoft.com/office/drawing/2014/main" val="4275989410"/>
+                    <a16:rowId xmlns="" xmlns:a16="http://schemas.microsoft.com/office/drawing/2014/main" val="4275989410"/>
                   </a:ext>
                 </a:extLst>
               </a:tr>
@@ -16844,7 +18506,7 @@
                 </a:tc>
                 <a:extLst>
                   <a:ext uri="{0D108BD9-81ED-4DB2-BD59-A6C34878D82A}">
-                    <a16:rowId xmlns:a16="http://schemas.microsoft.com/office/drawing/2014/main" val="1577018614"/>
+                    <a16:rowId xmlns="" xmlns:a16="http://schemas.microsoft.com/office/drawing/2014/main" val="1577018614"/>
                   </a:ext>
                 </a:extLst>
               </a:tr>
@@ -17013,7 +18675,7 @@
                 </a:tc>
                 <a:extLst>
                   <a:ext uri="{0D108BD9-81ED-4DB2-BD59-A6C34878D82A}">
-                    <a16:rowId xmlns:a16="http://schemas.microsoft.com/office/drawing/2014/main" val="2694745648"/>
+                    <a16:rowId xmlns="" xmlns:a16="http://schemas.microsoft.com/office/drawing/2014/main" val="2694745648"/>
                   </a:ext>
                 </a:extLst>
               </a:tr>
@@ -17182,7 +18844,7 @@
                 </a:tc>
                 <a:extLst>
                   <a:ext uri="{0D108BD9-81ED-4DB2-BD59-A6C34878D82A}">
-                    <a16:rowId xmlns:a16="http://schemas.microsoft.com/office/drawing/2014/main" val="3845670915"/>
+                    <a16:rowId xmlns="" xmlns:a16="http://schemas.microsoft.com/office/drawing/2014/main" val="3845670915"/>
                   </a:ext>
                 </a:extLst>
               </a:tr>
@@ -17203,7 +18865,7 @@
 </p:sld>
 </file>
 
-<file path=ppt/slides/slide22.xml><?xml version="1.0" encoding="utf-8"?>
+<file path=ppt/slides/slide23.xml><?xml version="1.0" encoding="utf-8"?>
 <p:sld xmlns:a="http://schemas.openxmlformats.org/drawingml/2006/main" xmlns:r="http://schemas.openxmlformats.org/officeDocument/2006/relationships" xmlns:p="http://schemas.openxmlformats.org/presentationml/2006/main">
   <p:cSld>
     <p:spTree>
@@ -17390,7 +19052,7 @@
           <p:cNvPr id="12" name="Conector reto 11">
             <a:extLst>
               <a:ext uri="{FF2B5EF4-FFF2-40B4-BE49-F238E27FC236}">
-                <a16:creationId xmlns:a16="http://schemas.microsoft.com/office/drawing/2014/main" id="{6510727C-C843-4D84-A07F-20F37366891D}"/>
+                <a16:creationId xmlns="" xmlns:a16="http://schemas.microsoft.com/office/drawing/2014/main" id="{6510727C-C843-4D84-A07F-20F37366891D}"/>
               </a:ext>
             </a:extLst>
           </p:cNvPr>
@@ -17526,7 +19188,7 @@
           <p:cNvPr id="14" name="Elipse 13">
             <a:extLst>
               <a:ext uri="{FF2B5EF4-FFF2-40B4-BE49-F238E27FC236}">
-                <a16:creationId xmlns:a16="http://schemas.microsoft.com/office/drawing/2014/main" id="{669FAAF2-9D0E-4D18-AB53-C816955C6198}"/>
+                <a16:creationId xmlns="" xmlns:a16="http://schemas.microsoft.com/office/drawing/2014/main" id="{669FAAF2-9D0E-4D18-AB53-C816955C6198}"/>
               </a:ext>
             </a:extLst>
           </p:cNvPr>
@@ -17579,7 +19241,7 @@
           <p:cNvPr id="15" name="Picture 24" descr="Resultado de imagem para nodejs">
             <a:extLst>
               <a:ext uri="{FF2B5EF4-FFF2-40B4-BE49-F238E27FC236}">
-                <a16:creationId xmlns:a16="http://schemas.microsoft.com/office/drawing/2014/main" id="{683E078B-F65D-4381-8943-44C59AB596E0}"/>
+                <a16:creationId xmlns="" xmlns:a16="http://schemas.microsoft.com/office/drawing/2014/main" id="{683E078B-F65D-4381-8943-44C59AB596E0}"/>
               </a:ext>
             </a:extLst>
           </p:cNvPr>
@@ -17626,7 +19288,7 @@
           <p:cNvPr id="2" name="Agrupar 1">
             <a:extLst>
               <a:ext uri="{FF2B5EF4-FFF2-40B4-BE49-F238E27FC236}">
-                <a16:creationId xmlns:a16="http://schemas.microsoft.com/office/drawing/2014/main" id="{494FCF9F-E62B-459A-A035-CB378F4CEDB9}"/>
+                <a16:creationId xmlns="" xmlns:a16="http://schemas.microsoft.com/office/drawing/2014/main" id="{494FCF9F-E62B-459A-A035-CB378F4CEDB9}"/>
               </a:ext>
             </a:extLst>
           </p:cNvPr>
@@ -17646,7 +19308,7 @@
             <p:cNvPr id="17" name="Elipse 16">
               <a:extLst>
                 <a:ext uri="{FF2B5EF4-FFF2-40B4-BE49-F238E27FC236}">
-                  <a16:creationId xmlns:a16="http://schemas.microsoft.com/office/drawing/2014/main" id="{8D080525-71E3-4B81-BC05-30C1585BD7FA}"/>
+                  <a16:creationId xmlns="" xmlns:a16="http://schemas.microsoft.com/office/drawing/2014/main" id="{8D080525-71E3-4B81-BC05-30C1585BD7FA}"/>
                 </a:ext>
               </a:extLst>
             </p:cNvPr>
@@ -17699,7 +19361,7 @@
             <p:cNvPr id="18" name="Picture 16" descr="Resultado de imagem para SQL">
               <a:extLst>
                 <a:ext uri="{FF2B5EF4-FFF2-40B4-BE49-F238E27FC236}">
-                  <a16:creationId xmlns:a16="http://schemas.microsoft.com/office/drawing/2014/main" id="{250DB77A-0166-4390-B049-587BDA79E80A}"/>
+                  <a16:creationId xmlns="" xmlns:a16="http://schemas.microsoft.com/office/drawing/2014/main" id="{250DB77A-0166-4390-B049-587BDA79E80A}"/>
                 </a:ext>
               </a:extLst>
             </p:cNvPr>
@@ -17745,7 +19407,7 @@
           <p:cNvPr id="19" name="Elipse 18">
             <a:extLst>
               <a:ext uri="{FF2B5EF4-FFF2-40B4-BE49-F238E27FC236}">
-                <a16:creationId xmlns:a16="http://schemas.microsoft.com/office/drawing/2014/main" id="{1AE7639E-7CA0-4E37-9FDE-351DF21FA242}"/>
+                <a16:creationId xmlns="" xmlns:a16="http://schemas.microsoft.com/office/drawing/2014/main" id="{1AE7639E-7CA0-4E37-9FDE-351DF21FA242}"/>
               </a:ext>
             </a:extLst>
           </p:cNvPr>
@@ -17798,7 +19460,7 @@
           <p:cNvPr id="20" name="Picture 20" descr="Resultado de imagem para html css javascript">
             <a:extLst>
               <a:ext uri="{FF2B5EF4-FFF2-40B4-BE49-F238E27FC236}">
-                <a16:creationId xmlns:a16="http://schemas.microsoft.com/office/drawing/2014/main" id="{206D33A5-77C8-45E5-AEC7-700CD187EAFB}"/>
+                <a16:creationId xmlns="" xmlns:a16="http://schemas.microsoft.com/office/drawing/2014/main" id="{206D33A5-77C8-45E5-AEC7-700CD187EAFB}"/>
               </a:ext>
             </a:extLst>
           </p:cNvPr>
@@ -17853,7 +19515,7 @@
 </p:sld>
 </file>
 
-<file path=ppt/slides/slide23.xml><?xml version="1.0" encoding="utf-8"?>
+<file path=ppt/slides/slide24.xml><?xml version="1.0" encoding="utf-8"?>
 <p:sld xmlns:a="http://schemas.openxmlformats.org/drawingml/2006/main" xmlns:r="http://schemas.openxmlformats.org/officeDocument/2006/relationships" xmlns:p="http://schemas.openxmlformats.org/presentationml/2006/main">
   <p:cSld>
     <p:spTree>
@@ -17982,7 +19644,7 @@
           <p:cNvPr id="7" name="Imagem 6">
             <a:extLst>
               <a:ext uri="{FF2B5EF4-FFF2-40B4-BE49-F238E27FC236}">
-                <a16:creationId xmlns:a16="http://schemas.microsoft.com/office/drawing/2014/main" id="{FE19BE6A-7136-4270-BC7B-F58B33793FEC}"/>
+                <a16:creationId xmlns="" xmlns:a16="http://schemas.microsoft.com/office/drawing/2014/main" id="{FE19BE6A-7136-4270-BC7B-F58B33793FEC}"/>
               </a:ext>
             </a:extLst>
           </p:cNvPr>
@@ -18222,8 +19884,8 @@
         </p:nvSpPr>
         <p:spPr>
           <a:xfrm>
-            <a:off x="0" y="5907"/>
-            <a:ext cx="12192000" cy="6858000"/>
+            <a:off x="-241300" y="-31877"/>
+            <a:ext cx="12738100" cy="7251246"/>
           </a:xfrm>
           <a:prstGeom prst="rect">
             <a:avLst/>
@@ -18262,151 +19924,136 @@
           </a:p>
         </p:txBody>
       </p:sp>
-      <p:grpSp>
-        <p:nvGrpSpPr>
-          <p:cNvPr id="2" name="Agrupar 1"/>
-          <p:cNvGrpSpPr/>
+      <p:sp>
+        <p:nvSpPr>
+          <p:cNvPr id="10" name="Elipse 9"/>
+          <p:cNvSpPr/>
           <p:nvPr/>
-        </p:nvGrpSpPr>
-        <p:grpSpPr>
+        </p:nvSpPr>
+        <p:spPr>
           <a:xfrm>
-            <a:off x="1162350" y="2057400"/>
-            <a:ext cx="3644106" cy="3644106"/>
-            <a:chOff x="1251250" y="1804754"/>
-            <a:chExt cx="4353952" cy="4353952"/>
+            <a:off x="901700" y="1840734"/>
+            <a:ext cx="4356100" cy="4090166"/>
           </a:xfrm>
-        </p:grpSpPr>
-        <p:sp>
-          <p:nvSpPr>
-            <p:cNvPr id="10" name="Elipse 9"/>
-            <p:cNvSpPr/>
-            <p:nvPr/>
-          </p:nvSpPr>
-          <p:spPr>
-            <a:xfrm>
-              <a:off x="1251250" y="1804754"/>
-              <a:ext cx="4353952" cy="4353952"/>
-            </a:xfrm>
-            <a:prstGeom prst="ellipse">
-              <a:avLst/>
-            </a:prstGeom>
-            <a:solidFill>
-              <a:schemeClr val="bg1"/>
-            </a:solidFill>
-            <a:ln>
-              <a:noFill/>
-            </a:ln>
-            <a:effectLst>
-              <a:outerShdw blurRad="50800" dist="38100" dir="2700000" algn="tl" rotWithShape="0">
-                <a:prstClr val="black">
-                  <a:alpha val="40000"/>
-                </a:prstClr>
-              </a:outerShdw>
-            </a:effectLst>
-          </p:spPr>
-          <p:style>
-            <a:lnRef idx="2">
-              <a:schemeClr val="accent1">
-                <a:shade val="50000"/>
-              </a:schemeClr>
-            </a:lnRef>
-            <a:fillRef idx="1">
-              <a:schemeClr val="accent1"/>
-            </a:fillRef>
-            <a:effectRef idx="0">
-              <a:schemeClr val="accent1"/>
-            </a:effectRef>
-            <a:fontRef idx="minor">
-              <a:schemeClr val="lt1"/>
-            </a:fontRef>
-          </p:style>
-          <p:txBody>
-            <a:bodyPr rtlCol="0" anchor="ctr"/>
-            <a:lstStyle/>
-            <a:p>
-              <a:pPr algn="ctr"/>
-              <a:endParaRPr lang="pt-BR" dirty="0"/>
-            </a:p>
-          </p:txBody>
-        </p:sp>
-        <p:pic>
-          <p:nvPicPr>
-            <p:cNvPr id="1026" name="Picture 2" descr="Imagem relacionada"/>
-            <p:cNvPicPr>
-              <a:picLocks noChangeAspect="1" noChangeArrowheads="1"/>
-            </p:cNvPicPr>
-            <p:nvPr/>
-          </p:nvPicPr>
-          <p:blipFill rotWithShape="1">
-            <a:blip r:embed="rId4" cstate="print">
-              <a:extLst>
-                <a:ext uri="{BEBA8EAE-BF5A-486C-A8C5-ECC9F3942E4B}">
-                  <a14:imgProps xmlns:a14="http://schemas.microsoft.com/office/drawing/2010/main">
-                    <a14:imgLayer r:embed="rId5">
-                      <a14:imgEffect>
-                        <a14:backgroundRemoval t="916" b="89929" l="6894" r="95356"/>
-                      </a14:imgEffect>
-                    </a14:imgLayer>
-                  </a14:imgProps>
-                </a:ext>
-                <a:ext uri="{28A0092B-C50C-407E-A947-70E740481C1C}">
-                  <a14:useLocalDpi xmlns:a14="http://schemas.microsoft.com/office/drawing/2010/main" val="0"/>
-                </a:ext>
-              </a:extLst>
-            </a:blip>
-            <a:srcRect l="9235" t="2389" r="6849" b="18259"/>
-            <a:stretch/>
-          </p:blipFill>
-          <p:spPr bwMode="auto">
-            <a:xfrm>
-              <a:off x="1814639" y="2596784"/>
-              <a:ext cx="2363310" cy="1594215"/>
-            </a:xfrm>
-            <a:prstGeom prst="rect">
-              <a:avLst/>
-            </a:prstGeom>
+          <a:prstGeom prst="ellipse">
+            <a:avLst/>
+          </a:prstGeom>
+          <a:solidFill>
+            <a:schemeClr val="bg1"/>
+          </a:solidFill>
+          <a:ln>
             <a:noFill/>
+          </a:ln>
+          <a:effectLst>
+            <a:outerShdw blurRad="50800" dist="38100" dir="2700000" algn="tl" rotWithShape="0">
+              <a:prstClr val="black">
+                <a:alpha val="40000"/>
+              </a:prstClr>
+            </a:outerShdw>
+          </a:effectLst>
+        </p:spPr>
+        <p:style>
+          <a:lnRef idx="2">
+            <a:schemeClr val="accent1">
+              <a:shade val="50000"/>
+            </a:schemeClr>
+          </a:lnRef>
+          <a:fillRef idx="1">
+            <a:schemeClr val="accent1"/>
+          </a:fillRef>
+          <a:effectRef idx="0">
+            <a:schemeClr val="accent1"/>
+          </a:effectRef>
+          <a:fontRef idx="minor">
+            <a:schemeClr val="lt1"/>
+          </a:fontRef>
+        </p:style>
+        <p:txBody>
+          <a:bodyPr rtlCol="0" anchor="ctr"/>
+          <a:lstStyle/>
+          <a:p>
+            <a:pPr algn="ctr"/>
+            <a:endParaRPr lang="pt-BR" dirty="0"/>
+          </a:p>
+        </p:txBody>
+      </p:sp>
+      <p:pic>
+        <p:nvPicPr>
+          <p:cNvPr id="1026" name="Picture 2" descr="Imagem relacionada"/>
+          <p:cNvPicPr>
+            <a:picLocks noChangeAspect="1" noChangeArrowheads="1"/>
+          </p:cNvPicPr>
+          <p:nvPr/>
+        </p:nvPicPr>
+        <p:blipFill rotWithShape="1">
+          <a:blip r:embed="rId4" cstate="print">
             <a:extLst>
-              <a:ext uri="{909E8E84-426E-40DD-AFC4-6F175D3DCCD1}">
-                <a14:hiddenFill xmlns:a14="http://schemas.microsoft.com/office/drawing/2010/main">
-                  <a:solidFill>
-                    <a:srgbClr val="FFFFFF"/>
-                  </a:solidFill>
-                </a14:hiddenFill>
+              <a:ext uri="{BEBA8EAE-BF5A-486C-A8C5-ECC9F3942E4B}">
+                <a14:imgProps xmlns:a14="http://schemas.microsoft.com/office/drawing/2010/main">
+                  <a14:imgLayer r:embed="rId5">
+                    <a14:imgEffect>
+                      <a14:backgroundRemoval t="916" b="89929" l="6894" r="95356"/>
+                    </a14:imgEffect>
+                  </a14:imgLayer>
+                </a14:imgProps>
+              </a:ext>
+              <a:ext uri="{28A0092B-C50C-407E-A947-70E740481C1C}">
+                <a14:useLocalDpi xmlns:a14="http://schemas.microsoft.com/office/drawing/2010/main" val="0"/>
               </a:ext>
             </a:extLst>
-          </p:spPr>
-        </p:pic>
-        <p:pic>
-          <p:nvPicPr>
-            <p:cNvPr id="17" name="Imagem 16"/>
-            <p:cNvPicPr>
-              <a:picLocks noChangeAspect="1"/>
-            </p:cNvPicPr>
-            <p:nvPr/>
-          </p:nvPicPr>
-          <p:blipFill rotWithShape="1">
-            <a:blip r:embed="rId6" cstate="print">
-              <a:extLst>
-                <a:ext uri="{28A0092B-C50C-407E-A947-70E740481C1C}">
-                  <a14:useLocalDpi xmlns:a14="http://schemas.microsoft.com/office/drawing/2010/main" val="0"/>
-                </a:ext>
-              </a:extLst>
-            </a:blip>
-            <a:srcRect l="6715" t="9335" r="10598" b="11235"/>
-            <a:stretch/>
-          </p:blipFill>
-          <p:spPr>
-            <a:xfrm>
-              <a:off x="2907004" y="3382599"/>
-              <a:ext cx="1921071" cy="1845399"/>
-            </a:xfrm>
-            <a:prstGeom prst="rect">
-              <a:avLst/>
-            </a:prstGeom>
-          </p:spPr>
-        </p:pic>
-      </p:grpSp>
+          </a:blip>
+          <a:srcRect l="9235" t="2389" r="6849" b="18259"/>
+          <a:stretch/>
+        </p:blipFill>
+        <p:spPr bwMode="auto">
+          <a:xfrm>
+            <a:off x="1181504" y="2244304"/>
+            <a:ext cx="2692239" cy="1816100"/>
+          </a:xfrm>
+          <a:prstGeom prst="rect">
+            <a:avLst/>
+          </a:prstGeom>
+          <a:noFill/>
+          <a:extLst>
+            <a:ext uri="{909E8E84-426E-40DD-AFC4-6F175D3DCCD1}">
+              <a14:hiddenFill xmlns:a14="http://schemas.microsoft.com/office/drawing/2010/main">
+                <a:solidFill>
+                  <a:srgbClr val="FFFFFF"/>
+                </a:solidFill>
+              </a14:hiddenFill>
+            </a:ext>
+          </a:extLst>
+        </p:spPr>
+      </p:pic>
+      <p:pic>
+        <p:nvPicPr>
+          <p:cNvPr id="17" name="Imagem 16"/>
+          <p:cNvPicPr>
+            <a:picLocks noChangeAspect="1"/>
+          </p:cNvPicPr>
+          <p:nvPr/>
+        </p:nvPicPr>
+        <p:blipFill rotWithShape="1">
+          <a:blip r:embed="rId6" cstate="print">
+            <a:extLst>
+              <a:ext uri="{28A0092B-C50C-407E-A947-70E740481C1C}">
+                <a14:useLocalDpi xmlns:a14="http://schemas.microsoft.com/office/drawing/2010/main" val="0"/>
+              </a:ext>
+            </a:extLst>
+          </a:blip>
+          <a:srcRect l="6715" t="9335" r="10598" b="11235"/>
+          <a:stretch/>
+        </p:blipFill>
+        <p:spPr>
+          <a:xfrm>
+            <a:off x="2489523" y="3271330"/>
+            <a:ext cx="2186913" cy="2100770"/>
+          </a:xfrm>
+          <a:prstGeom prst="rect">
+            <a:avLst/>
+          </a:prstGeom>
+        </p:spPr>
+      </p:pic>
       <p:sp>
         <p:nvSpPr>
           <p:cNvPr id="9" name="Retângulo 8"/>
@@ -18470,7 +20117,7 @@
           <p:cNvPr id="11" name="Conector reto 10">
             <a:extLst>
               <a:ext uri="{FF2B5EF4-FFF2-40B4-BE49-F238E27FC236}">
-                <a16:creationId xmlns:a16="http://schemas.microsoft.com/office/drawing/2014/main" id="{6510727C-C843-4D84-A07F-20F37366891D}"/>
+                <a16:creationId xmlns="" xmlns:a16="http://schemas.microsoft.com/office/drawing/2014/main" id="{6510727C-C843-4D84-A07F-20F37366891D}"/>
               </a:ext>
             </a:extLst>
           </p:cNvPr>
@@ -18515,8 +20162,8 @@
         </p:nvSpPr>
         <p:spPr>
           <a:xfrm>
-            <a:off x="5277994" y="2841179"/>
-            <a:ext cx="5045450" cy="584775"/>
+            <a:off x="6096000" y="1951259"/>
+            <a:ext cx="4361306" cy="1200329"/>
           </a:xfrm>
           <a:prstGeom prst="rect">
             <a:avLst/>
@@ -18530,84 +20177,12 @@
           </a:bodyPr>
           <a:lstStyle/>
           <a:p>
-            <a:pPr algn="just"/>
+            <a:pPr marL="571500" indent="-571500" algn="just">
+              <a:buFont typeface="Arial" panose="020B0604020202020204" pitchFamily="34" charset="0"/>
+              <a:buChar char="•"/>
+            </a:pPr>
             <a:r>
-              <a:rPr lang="pt-BR" sz="3200" b="1" dirty="0">
-                <a:ln w="0"/>
-                <a:solidFill>
-                  <a:srgbClr val="68CBCC"/>
-                </a:solidFill>
-                <a:effectLst>
-                  <a:outerShdw blurRad="38100" dist="19050" dir="2700000" algn="tl" rotWithShape="0">
-                    <a:schemeClr val="dk1">
-                      <a:alpha val="40000"/>
-                    </a:schemeClr>
-                  </a:outerShdw>
-                </a:effectLst>
-                <a:latin typeface="Exo 2 Medium" panose="00000600000000000000" pitchFamily="50" charset="0"/>
-              </a:rPr>
-              <a:t>8 bilhões </a:t>
-            </a:r>
-            <a:r>
-              <a:rPr lang="pt-BR" sz="2400" b="1" dirty="0">
-                <a:ln w="0"/>
-                <a:solidFill>
-                  <a:schemeClr val="bg1"/>
-                </a:solidFill>
-                <a:effectLst>
-                  <a:outerShdw blurRad="38100" dist="19050" dir="2700000" algn="tl" rotWithShape="0">
-                    <a:schemeClr val="dk1">
-                      <a:alpha val="40000"/>
-                    </a:schemeClr>
-                  </a:outerShdw>
-                </a:effectLst>
-                <a:latin typeface="Exo 2 Medium" panose="00000600000000000000" pitchFamily="50" charset="0"/>
-              </a:rPr>
-              <a:t>de reais no Brasil</a:t>
-            </a:r>
-            <a:endParaRPr lang="pt-BR" sz="2800" b="1" cap="none" spc="0" dirty="0">
-              <a:ln w="0"/>
-              <a:solidFill>
-                <a:schemeClr val="bg1"/>
-              </a:solidFill>
-              <a:effectLst>
-                <a:outerShdw blurRad="38100" dist="19050" dir="2700000" algn="tl" rotWithShape="0">
-                  <a:schemeClr val="dk1">
-                    <a:alpha val="40000"/>
-                  </a:schemeClr>
-                </a:outerShdw>
-              </a:effectLst>
-              <a:latin typeface="Exo 2 Medium" panose="00000600000000000000" pitchFamily="50" charset="0"/>
-            </a:endParaRPr>
-          </a:p>
-        </p:txBody>
-      </p:sp>
-      <p:sp>
-        <p:nvSpPr>
-          <p:cNvPr id="15" name="Retângulo 14"/>
-          <p:cNvSpPr/>
-          <p:nvPr/>
-        </p:nvSpPr>
-        <p:spPr>
-          <a:xfrm>
-            <a:off x="5277994" y="2256404"/>
-            <a:ext cx="1047710" cy="584775"/>
-          </a:xfrm>
-          <a:prstGeom prst="rect">
-            <a:avLst/>
-          </a:prstGeom>
-          <a:noFill/>
-          <a:effectLst/>
-        </p:spPr>
-        <p:txBody>
-          <a:bodyPr wrap="square" lIns="91440" tIns="45720" rIns="91440" bIns="45720">
-            <a:spAutoFit/>
-          </a:bodyPr>
-          <a:lstStyle/>
-          <a:p>
-            <a:pPr algn="just"/>
-            <a:r>
-              <a:rPr lang="pt-BR" sz="3200" b="1" dirty="0" err="1">
+              <a:rPr lang="pt-BR" sz="3600" b="1" dirty="0" err="1">
                 <a:ln w="0"/>
                 <a:solidFill>
                   <a:srgbClr val="68CBCC"/>
@@ -18623,10 +20198,64 @@
               </a:rPr>
               <a:t>IoT</a:t>
             </a:r>
-            <a:endParaRPr lang="pt-BR" sz="3200" b="1" cap="none" spc="0" dirty="0">
+            <a:r>
+              <a:rPr lang="pt-BR" sz="3600" b="1" dirty="0">
+                <a:ln w="0"/>
+                <a:solidFill>
+                  <a:srgbClr val="68CBCC"/>
+                </a:solidFill>
+                <a:effectLst>
+                  <a:outerShdw blurRad="38100" dist="19050" dir="2700000" algn="tl" rotWithShape="0">
+                    <a:schemeClr val="dk1">
+                      <a:alpha val="40000"/>
+                    </a:schemeClr>
+                  </a:outerShdw>
+                </a:effectLst>
+                <a:latin typeface="Exo 2 Medium" panose="00000600000000000000" pitchFamily="50" charset="0"/>
+              </a:rPr>
+              <a:t> no Brasil</a:t>
+            </a:r>
+          </a:p>
+          <a:p>
+            <a:pPr algn="just"/>
+            <a:r>
+              <a:rPr lang="pt-BR" sz="3600" b="1" dirty="0" smtClean="0">
+                <a:ln w="0"/>
+                <a:solidFill>
+                  <a:srgbClr val="68CBCC"/>
+                </a:solidFill>
+                <a:effectLst>
+                  <a:outerShdw blurRad="38100" dist="19050" dir="2700000" algn="tl" rotWithShape="0">
+                    <a:schemeClr val="dk1">
+                      <a:alpha val="40000"/>
+                    </a:schemeClr>
+                  </a:outerShdw>
+                </a:effectLst>
+                <a:latin typeface="Exo 2 Medium" panose="00000600000000000000" pitchFamily="50" charset="0"/>
+              </a:rPr>
+              <a:t>  8R</a:t>
+            </a:r>
+            <a:r>
+              <a:rPr lang="pt-BR" sz="3600" b="1" dirty="0" smtClean="0">
+                <a:ln w="0"/>
+                <a:solidFill>
+                  <a:srgbClr val="68CBCC"/>
+                </a:solidFill>
+                <a:effectLst>
+                  <a:outerShdw blurRad="38100" dist="19050" dir="2700000" algn="tl" rotWithShape="0">
+                    <a:schemeClr val="dk1">
+                      <a:alpha val="40000"/>
+                    </a:schemeClr>
+                  </a:outerShdw>
+                </a:effectLst>
+                <a:latin typeface="Exo 2 Medium" panose="00000600000000000000" pitchFamily="50" charset="0"/>
+              </a:rPr>
+              <a:t>$ bilhões</a:t>
+            </a:r>
+            <a:endParaRPr lang="pt-BR" sz="3600" b="1" cap="none" spc="0" dirty="0">
               <a:ln w="0"/>
               <a:solidFill>
-                <a:srgbClr val="68CBCC"/>
+                <a:schemeClr val="bg1"/>
               </a:solidFill>
               <a:effectLst>
                 <a:outerShdw blurRad="38100" dist="19050" dir="2700000" algn="tl" rotWithShape="0">
@@ -18648,8 +20277,8 @@
         </p:nvSpPr>
         <p:spPr>
           <a:xfrm>
-            <a:off x="5277994" y="4538196"/>
-            <a:ext cx="5992518" cy="584775"/>
+            <a:off x="6096000" y="3885817"/>
+            <a:ext cx="5992518" cy="646331"/>
           </a:xfrm>
           <a:prstGeom prst="rect">
             <a:avLst/>
@@ -18663,9 +20292,12 @@
           </a:bodyPr>
           <a:lstStyle/>
           <a:p>
-            <a:pPr algn="just"/>
+            <a:pPr marL="571500" indent="-571500" algn="just">
+              <a:buFont typeface="Arial" panose="020B0604020202020204" pitchFamily="34" charset="0"/>
+              <a:buChar char="•"/>
+            </a:pPr>
             <a:r>
-              <a:rPr lang="pt-BR" sz="3200" b="1" dirty="0">
+              <a:rPr lang="pt-BR" sz="3600" b="1" dirty="0">
                 <a:ln w="0"/>
                 <a:solidFill>
                   <a:srgbClr val="68CBCC"/>
@@ -18679,85 +20311,10 @@
                 </a:effectLst>
                 <a:latin typeface="Exo 2 Medium" panose="00000600000000000000" pitchFamily="50" charset="0"/>
               </a:rPr>
-              <a:t>60% dos hospitais </a:t>
+              <a:t>60% dos </a:t>
             </a:r>
             <a:r>
-              <a:rPr lang="pt-BR" sz="2400" b="1" dirty="0">
-                <a:ln w="0"/>
-                <a:solidFill>
-                  <a:schemeClr val="bg1"/>
-                </a:solidFill>
-                <a:effectLst>
-                  <a:outerShdw blurRad="38100" dist="19050" dir="2700000" algn="tl" rotWithShape="0">
-                    <a:schemeClr val="dk1">
-                      <a:alpha val="40000"/>
-                    </a:schemeClr>
-                  </a:outerShdw>
-                </a:effectLst>
-                <a:latin typeface="Exo 2 Medium" panose="00000600000000000000" pitchFamily="50" charset="0"/>
-              </a:rPr>
-              <a:t>possuem </a:t>
-            </a:r>
-            <a:r>
-              <a:rPr lang="pt-BR" sz="2400" b="1" dirty="0" err="1">
-                <a:ln w="0"/>
-                <a:solidFill>
-                  <a:schemeClr val="bg1"/>
-                </a:solidFill>
-                <a:effectLst>
-                  <a:outerShdw blurRad="38100" dist="19050" dir="2700000" algn="tl" rotWithShape="0">
-                    <a:schemeClr val="dk1">
-                      <a:alpha val="40000"/>
-                    </a:schemeClr>
-                  </a:outerShdw>
-                </a:effectLst>
-                <a:latin typeface="Exo 2 Medium" panose="00000600000000000000" pitchFamily="50" charset="0"/>
-              </a:rPr>
-              <a:t>IoT</a:t>
-            </a:r>
-            <a:endParaRPr lang="pt-BR" sz="2800" b="1" cap="none" spc="0" dirty="0">
-              <a:ln w="0"/>
-              <a:solidFill>
-                <a:schemeClr val="bg1"/>
-              </a:solidFill>
-              <a:effectLst>
-                <a:outerShdw blurRad="38100" dist="19050" dir="2700000" algn="tl" rotWithShape="0">
-                  <a:schemeClr val="dk1">
-                    <a:alpha val="40000"/>
-                  </a:schemeClr>
-                </a:outerShdw>
-              </a:effectLst>
-              <a:latin typeface="Exo 2 Medium" panose="00000600000000000000" pitchFamily="50" charset="0"/>
-            </a:endParaRPr>
-          </a:p>
-        </p:txBody>
-      </p:sp>
-      <p:sp>
-        <p:nvSpPr>
-          <p:cNvPr id="18" name="Retângulo 17"/>
-          <p:cNvSpPr/>
-          <p:nvPr/>
-        </p:nvSpPr>
-        <p:spPr>
-          <a:xfrm>
-            <a:off x="5277994" y="3953421"/>
-            <a:ext cx="1440858" cy="584775"/>
-          </a:xfrm>
-          <a:prstGeom prst="rect">
-            <a:avLst/>
-          </a:prstGeom>
-          <a:noFill/>
-          <a:effectLst/>
-        </p:spPr>
-        <p:txBody>
-          <a:bodyPr wrap="square" lIns="91440" tIns="45720" rIns="91440" bIns="45720">
-            <a:spAutoFit/>
-          </a:bodyPr>
-          <a:lstStyle/>
-          <a:p>
-            <a:pPr algn="just"/>
-            <a:r>
-              <a:rPr lang="pt-BR" sz="3200" b="1" dirty="0">
+              <a:rPr lang="pt-BR" sz="3600" b="1" dirty="0" smtClean="0">
                 <a:ln w="0"/>
                 <a:solidFill>
                   <a:srgbClr val="68CBCC"/>
@@ -18771,9 +20328,9 @@
                 </a:effectLst>
                 <a:latin typeface="Exo 2 Medium" panose="00000600000000000000" pitchFamily="50" charset="0"/>
               </a:rPr>
-              <a:t>Saúde</a:t>
+              <a:t>Hospitais</a:t>
             </a:r>
-            <a:endParaRPr lang="pt-BR" sz="3200" b="1" cap="none" spc="0" dirty="0">
+            <a:endParaRPr lang="pt-BR" sz="3600" b="1" dirty="0" smtClean="0">
               <a:ln w="0"/>
               <a:solidFill>
                 <a:srgbClr val="68CBCC"/>
@@ -18800,6 +20357,328 @@
   <p:clrMapOvr>
     <a:masterClrMapping/>
   </p:clrMapOvr>
+  <p:timing>
+    <p:tnLst>
+      <p:par>
+        <p:cTn id="1" dur="indefinite" restart="never" nodeType="tmRoot">
+          <p:childTnLst>
+            <p:seq concurrent="1" nextAc="seek">
+              <p:cTn id="2" dur="indefinite" nodeType="mainSeq">
+                <p:childTnLst>
+                  <p:par>
+                    <p:cTn id="3" fill="hold">
+                      <p:stCondLst>
+                        <p:cond delay="indefinite"/>
+                      </p:stCondLst>
+                      <p:childTnLst>
+                        <p:par>
+                          <p:cTn id="4" fill="hold">
+                            <p:stCondLst>
+                              <p:cond delay="0"/>
+                            </p:stCondLst>
+                            <p:childTnLst>
+                              <p:par>
+                                <p:cTn id="5" presetID="42" presetClass="entr" presetSubtype="0" fill="hold" grpId="0" nodeType="clickEffect">
+                                  <p:stCondLst>
+                                    <p:cond delay="0"/>
+                                  </p:stCondLst>
+                                  <p:childTnLst>
+                                    <p:set>
+                                      <p:cBhvr>
+                                        <p:cTn id="6" dur="1" fill="hold">
+                                          <p:stCondLst>
+                                            <p:cond delay="0"/>
+                                          </p:stCondLst>
+                                        </p:cTn>
+                                        <p:tgtEl>
+                                          <p:spTgt spid="14"/>
+                                        </p:tgtEl>
+                                        <p:attrNameLst>
+                                          <p:attrName>style.visibility</p:attrName>
+                                        </p:attrNameLst>
+                                      </p:cBhvr>
+                                      <p:to>
+                                        <p:strVal val="visible"/>
+                                      </p:to>
+                                    </p:set>
+                                    <p:animEffect transition="in" filter="fade">
+                                      <p:cBhvr>
+                                        <p:cTn id="7" dur="1000"/>
+                                        <p:tgtEl>
+                                          <p:spTgt spid="14"/>
+                                        </p:tgtEl>
+                                      </p:cBhvr>
+                                    </p:animEffect>
+                                    <p:anim calcmode="lin" valueType="num">
+                                      <p:cBhvr>
+                                        <p:cTn id="8" dur="1000" fill="hold"/>
+                                        <p:tgtEl>
+                                          <p:spTgt spid="14"/>
+                                        </p:tgtEl>
+                                        <p:attrNameLst>
+                                          <p:attrName>ppt_x</p:attrName>
+                                        </p:attrNameLst>
+                                      </p:cBhvr>
+                                      <p:tavLst>
+                                        <p:tav tm="0">
+                                          <p:val>
+                                            <p:strVal val="#ppt_x"/>
+                                          </p:val>
+                                        </p:tav>
+                                        <p:tav tm="100000">
+                                          <p:val>
+                                            <p:strVal val="#ppt_x"/>
+                                          </p:val>
+                                        </p:tav>
+                                      </p:tavLst>
+                                    </p:anim>
+                                    <p:anim calcmode="lin" valueType="num">
+                                      <p:cBhvr>
+                                        <p:cTn id="9" dur="1000" fill="hold"/>
+                                        <p:tgtEl>
+                                          <p:spTgt spid="14"/>
+                                        </p:tgtEl>
+                                        <p:attrNameLst>
+                                          <p:attrName>ppt_y</p:attrName>
+                                        </p:attrNameLst>
+                                      </p:cBhvr>
+                                      <p:tavLst>
+                                        <p:tav tm="0">
+                                          <p:val>
+                                            <p:strVal val="#ppt_y+.1"/>
+                                          </p:val>
+                                        </p:tav>
+                                        <p:tav tm="100000">
+                                          <p:val>
+                                            <p:strVal val="#ppt_y"/>
+                                          </p:val>
+                                        </p:tav>
+                                      </p:tavLst>
+                                    </p:anim>
+                                  </p:childTnLst>
+                                </p:cTn>
+                              </p:par>
+                            </p:childTnLst>
+                          </p:cTn>
+                        </p:par>
+                      </p:childTnLst>
+                    </p:cTn>
+                  </p:par>
+                  <p:par>
+                    <p:cTn id="10" fill="hold">
+                      <p:stCondLst>
+                        <p:cond delay="indefinite"/>
+                      </p:stCondLst>
+                      <p:childTnLst>
+                        <p:par>
+                          <p:cTn id="11" fill="hold">
+                            <p:stCondLst>
+                              <p:cond delay="0"/>
+                            </p:stCondLst>
+                            <p:childTnLst>
+                              <p:par>
+                                <p:cTn id="12" presetID="42" presetClass="entr" presetSubtype="0" fill="hold" grpId="0" nodeType="clickEffect">
+                                  <p:stCondLst>
+                                    <p:cond delay="0"/>
+                                  </p:stCondLst>
+                                  <p:childTnLst>
+                                    <p:set>
+                                      <p:cBhvr>
+                                        <p:cTn id="13" dur="1" fill="hold">
+                                          <p:stCondLst>
+                                            <p:cond delay="0"/>
+                                          </p:stCondLst>
+                                        </p:cTn>
+                                        <p:tgtEl>
+                                          <p:spTgt spid="16"/>
+                                        </p:tgtEl>
+                                        <p:attrNameLst>
+                                          <p:attrName>style.visibility</p:attrName>
+                                        </p:attrNameLst>
+                                      </p:cBhvr>
+                                      <p:to>
+                                        <p:strVal val="visible"/>
+                                      </p:to>
+                                    </p:set>
+                                    <p:animEffect transition="in" filter="fade">
+                                      <p:cBhvr>
+                                        <p:cTn id="14" dur="1000"/>
+                                        <p:tgtEl>
+                                          <p:spTgt spid="16"/>
+                                        </p:tgtEl>
+                                      </p:cBhvr>
+                                    </p:animEffect>
+                                    <p:anim calcmode="lin" valueType="num">
+                                      <p:cBhvr>
+                                        <p:cTn id="15" dur="1000" fill="hold"/>
+                                        <p:tgtEl>
+                                          <p:spTgt spid="16"/>
+                                        </p:tgtEl>
+                                        <p:attrNameLst>
+                                          <p:attrName>ppt_x</p:attrName>
+                                        </p:attrNameLst>
+                                      </p:cBhvr>
+                                      <p:tavLst>
+                                        <p:tav tm="0">
+                                          <p:val>
+                                            <p:strVal val="#ppt_x"/>
+                                          </p:val>
+                                        </p:tav>
+                                        <p:tav tm="100000">
+                                          <p:val>
+                                            <p:strVal val="#ppt_x"/>
+                                          </p:val>
+                                        </p:tav>
+                                      </p:tavLst>
+                                    </p:anim>
+                                    <p:anim calcmode="lin" valueType="num">
+                                      <p:cBhvr>
+                                        <p:cTn id="16" dur="1000" fill="hold"/>
+                                        <p:tgtEl>
+                                          <p:spTgt spid="16"/>
+                                        </p:tgtEl>
+                                        <p:attrNameLst>
+                                          <p:attrName>ppt_y</p:attrName>
+                                        </p:attrNameLst>
+                                      </p:cBhvr>
+                                      <p:tavLst>
+                                        <p:tav tm="0">
+                                          <p:val>
+                                            <p:strVal val="#ppt_y+.1"/>
+                                          </p:val>
+                                        </p:tav>
+                                        <p:tav tm="100000">
+                                          <p:val>
+                                            <p:strVal val="#ppt_y"/>
+                                          </p:val>
+                                        </p:tav>
+                                      </p:tavLst>
+                                    </p:anim>
+                                  </p:childTnLst>
+                                </p:cTn>
+                              </p:par>
+                            </p:childTnLst>
+                          </p:cTn>
+                        </p:par>
+                        <p:par>
+                          <p:cTn id="17" fill="hold">
+                            <p:stCondLst>
+                              <p:cond delay="1000"/>
+                            </p:stCondLst>
+                            <p:childTnLst>
+                              <p:par>
+                                <p:cTn id="18" presetID="42" presetClass="entr" presetSubtype="0" fill="hold" nodeType="afterEffect">
+                                  <p:stCondLst>
+                                    <p:cond delay="0"/>
+                                  </p:stCondLst>
+                                  <p:childTnLst>
+                                    <p:set>
+                                      <p:cBhvr>
+                                        <p:cTn id="19" dur="1" fill="hold">
+                                          <p:stCondLst>
+                                            <p:cond delay="0"/>
+                                          </p:stCondLst>
+                                        </p:cTn>
+                                        <p:tgtEl>
+                                          <p:spTgt spid="17"/>
+                                        </p:tgtEl>
+                                        <p:attrNameLst>
+                                          <p:attrName>style.visibility</p:attrName>
+                                        </p:attrNameLst>
+                                      </p:cBhvr>
+                                      <p:to>
+                                        <p:strVal val="visible"/>
+                                      </p:to>
+                                    </p:set>
+                                    <p:animEffect transition="in" filter="fade">
+                                      <p:cBhvr>
+                                        <p:cTn id="20" dur="1000"/>
+                                        <p:tgtEl>
+                                          <p:spTgt spid="17"/>
+                                        </p:tgtEl>
+                                      </p:cBhvr>
+                                    </p:animEffect>
+                                    <p:anim calcmode="lin" valueType="num">
+                                      <p:cBhvr>
+                                        <p:cTn id="21" dur="1000" fill="hold"/>
+                                        <p:tgtEl>
+                                          <p:spTgt spid="17"/>
+                                        </p:tgtEl>
+                                        <p:attrNameLst>
+                                          <p:attrName>ppt_x</p:attrName>
+                                        </p:attrNameLst>
+                                      </p:cBhvr>
+                                      <p:tavLst>
+                                        <p:tav tm="0">
+                                          <p:val>
+                                            <p:strVal val="#ppt_x"/>
+                                          </p:val>
+                                        </p:tav>
+                                        <p:tav tm="100000">
+                                          <p:val>
+                                            <p:strVal val="#ppt_x"/>
+                                          </p:val>
+                                        </p:tav>
+                                      </p:tavLst>
+                                    </p:anim>
+                                    <p:anim calcmode="lin" valueType="num">
+                                      <p:cBhvr>
+                                        <p:cTn id="22" dur="1000" fill="hold"/>
+                                        <p:tgtEl>
+                                          <p:spTgt spid="17"/>
+                                        </p:tgtEl>
+                                        <p:attrNameLst>
+                                          <p:attrName>ppt_y</p:attrName>
+                                        </p:attrNameLst>
+                                      </p:cBhvr>
+                                      <p:tavLst>
+                                        <p:tav tm="0">
+                                          <p:val>
+                                            <p:strVal val="#ppt_y+.1"/>
+                                          </p:val>
+                                        </p:tav>
+                                        <p:tav tm="100000">
+                                          <p:val>
+                                            <p:strVal val="#ppt_y"/>
+                                          </p:val>
+                                        </p:tav>
+                                      </p:tavLst>
+                                    </p:anim>
+                                  </p:childTnLst>
+                                </p:cTn>
+                              </p:par>
+                            </p:childTnLst>
+                          </p:cTn>
+                        </p:par>
+                      </p:childTnLst>
+                    </p:cTn>
+                  </p:par>
+                </p:childTnLst>
+              </p:cTn>
+              <p:prevCondLst>
+                <p:cond evt="onPrev" delay="0">
+                  <p:tgtEl>
+                    <p:sldTgt/>
+                  </p:tgtEl>
+                </p:cond>
+              </p:prevCondLst>
+              <p:nextCondLst>
+                <p:cond evt="onNext" delay="0">
+                  <p:tgtEl>
+                    <p:sldTgt/>
+                  </p:tgtEl>
+                </p:cond>
+              </p:nextCondLst>
+            </p:seq>
+          </p:childTnLst>
+        </p:cTn>
+      </p:par>
+    </p:tnLst>
+    <p:bldLst>
+      <p:bldP spid="14" grpId="0"/>
+      <p:bldP spid="16" grpId="0"/>
+    </p:bldLst>
+  </p:timing>
 </p:sld>
 </file>
 
@@ -18961,7 +20840,7 @@
           <p:cNvPr id="11" name="Conector reto 10">
             <a:extLst>
               <a:ext uri="{FF2B5EF4-FFF2-40B4-BE49-F238E27FC236}">
-                <a16:creationId xmlns:a16="http://schemas.microsoft.com/office/drawing/2014/main" id="{6510727C-C843-4D84-A07F-20F37366891D}"/>
+                <a16:creationId xmlns="" xmlns:a16="http://schemas.microsoft.com/office/drawing/2014/main" id="{6510727C-C843-4D84-A07F-20F37366891D}"/>
               </a:ext>
             </a:extLst>
           </p:cNvPr>
@@ -19056,7 +20935,7 @@
           <p:cNvPr id="14" name="Agrupar 13">
             <a:extLst>
               <a:ext uri="{FF2B5EF4-FFF2-40B4-BE49-F238E27FC236}">
-                <a16:creationId xmlns:a16="http://schemas.microsoft.com/office/drawing/2014/main" id="{456D9A76-5F22-4559-8295-EB71E94956C6}"/>
+                <a16:creationId xmlns="" xmlns:a16="http://schemas.microsoft.com/office/drawing/2014/main" id="{456D9A76-5F22-4559-8295-EB71E94956C6}"/>
               </a:ext>
             </a:extLst>
           </p:cNvPr>
@@ -19076,7 +20955,7 @@
             <p:cNvPr id="15" name="Picture 6" descr="Resultado de imagem para MONITOR VECTOR">
               <a:extLst>
                 <a:ext uri="{FF2B5EF4-FFF2-40B4-BE49-F238E27FC236}">
-                  <a16:creationId xmlns:a16="http://schemas.microsoft.com/office/drawing/2014/main" id="{6BE240E2-7FFB-4263-8B9A-0EB81A70A648}"/>
+                  <a16:creationId xmlns="" xmlns:a16="http://schemas.microsoft.com/office/drawing/2014/main" id="{6BE240E2-7FFB-4263-8B9A-0EB81A70A648}"/>
                 </a:ext>
               </a:extLst>
             </p:cNvPr>
@@ -19123,7 +21002,7 @@
             <p:cNvPr id="16" name="Imagem 15">
               <a:extLst>
                 <a:ext uri="{FF2B5EF4-FFF2-40B4-BE49-F238E27FC236}">
-                  <a16:creationId xmlns:a16="http://schemas.microsoft.com/office/drawing/2014/main" id="{6CCA4E70-293F-43F2-875A-5EAFE5F3EAC1}"/>
+                  <a16:creationId xmlns="" xmlns:a16="http://schemas.microsoft.com/office/drawing/2014/main" id="{6CCA4E70-293F-43F2-875A-5EAFE5F3EAC1}"/>
                 </a:ext>
               </a:extLst>
             </p:cNvPr>
@@ -19166,7 +21045,7 @@
           <p:cNvPr id="17" name="Agrupar 16">
             <a:extLst>
               <a:ext uri="{FF2B5EF4-FFF2-40B4-BE49-F238E27FC236}">
-                <a16:creationId xmlns:a16="http://schemas.microsoft.com/office/drawing/2014/main" id="{8B58EDC4-BF0F-418B-B71A-C837ABBC1988}"/>
+                <a16:creationId xmlns="" xmlns:a16="http://schemas.microsoft.com/office/drawing/2014/main" id="{8B58EDC4-BF0F-418B-B71A-C837ABBC1988}"/>
               </a:ext>
             </a:extLst>
           </p:cNvPr>
@@ -19186,7 +21065,7 @@
             <p:cNvPr id="18" name="Picture 8" descr="Resultado de imagem para TABLET VECTOR">
               <a:extLst>
                 <a:ext uri="{FF2B5EF4-FFF2-40B4-BE49-F238E27FC236}">
-                  <a16:creationId xmlns:a16="http://schemas.microsoft.com/office/drawing/2014/main" id="{32ACD9F4-E204-40AC-868A-852688735544}"/>
+                  <a16:creationId xmlns="" xmlns:a16="http://schemas.microsoft.com/office/drawing/2014/main" id="{32ACD9F4-E204-40AC-868A-852688735544}"/>
                 </a:ext>
               </a:extLst>
             </p:cNvPr>
@@ -19231,7 +21110,7 @@
             <p:cNvPr id="19" name="Imagem 18">
               <a:extLst>
                 <a:ext uri="{FF2B5EF4-FFF2-40B4-BE49-F238E27FC236}">
-                  <a16:creationId xmlns:a16="http://schemas.microsoft.com/office/drawing/2014/main" id="{13AC957E-6055-4665-806D-6E3B015CCF7D}"/>
+                  <a16:creationId xmlns="" xmlns:a16="http://schemas.microsoft.com/office/drawing/2014/main" id="{13AC957E-6055-4665-806D-6E3B015CCF7D}"/>
                 </a:ext>
               </a:extLst>
             </p:cNvPr>
@@ -19274,7 +21153,7 @@
           <p:cNvPr id="20" name="Agrupar 19">
             <a:extLst>
               <a:ext uri="{FF2B5EF4-FFF2-40B4-BE49-F238E27FC236}">
-                <a16:creationId xmlns:a16="http://schemas.microsoft.com/office/drawing/2014/main" id="{C35848B9-63A1-4F69-AF1A-954920296EAF}"/>
+                <a16:creationId xmlns="" xmlns:a16="http://schemas.microsoft.com/office/drawing/2014/main" id="{C35848B9-63A1-4F69-AF1A-954920296EAF}"/>
               </a:ext>
             </a:extLst>
           </p:cNvPr>
@@ -19294,7 +21173,7 @@
             <p:cNvPr id="21" name="Picture 10" descr="Resultado de imagem para IPHONE VECTOR">
               <a:extLst>
                 <a:ext uri="{FF2B5EF4-FFF2-40B4-BE49-F238E27FC236}">
-                  <a16:creationId xmlns:a16="http://schemas.microsoft.com/office/drawing/2014/main" id="{37317431-C7B8-46C9-8C39-19879373A5AD}"/>
+                  <a16:creationId xmlns="" xmlns:a16="http://schemas.microsoft.com/office/drawing/2014/main" id="{37317431-C7B8-46C9-8C39-19879373A5AD}"/>
                 </a:ext>
               </a:extLst>
             </p:cNvPr>
@@ -19341,7 +21220,7 @@
             <p:cNvPr id="22" name="Imagem 21">
               <a:extLst>
                 <a:ext uri="{FF2B5EF4-FFF2-40B4-BE49-F238E27FC236}">
-                  <a16:creationId xmlns:a16="http://schemas.microsoft.com/office/drawing/2014/main" id="{AAB66BDC-8F59-4C76-A4C2-96819C0C2B1E}"/>
+                  <a16:creationId xmlns="" xmlns:a16="http://schemas.microsoft.com/office/drawing/2014/main" id="{AAB66BDC-8F59-4C76-A4C2-96819C0C2B1E}"/>
                 </a:ext>
               </a:extLst>
             </p:cNvPr>
@@ -19402,8 +21281,8 @@
         </p:blipFill>
         <p:spPr bwMode="auto">
           <a:xfrm>
-            <a:off x="2197826" y="2731162"/>
-            <a:ext cx="1453756" cy="2297211"/>
+            <a:off x="1947629" y="2323089"/>
+            <a:ext cx="2073548" cy="3276600"/>
           </a:xfrm>
           <a:prstGeom prst="rect">
             <a:avLst/>
@@ -19761,6 +21640,282 @@
       </p:grpSpPr>
       <p:pic>
         <p:nvPicPr>
+          <p:cNvPr id="4" name="Picture 22" descr="http://www.correiodoestadoonline.com.br/arquivos/noticias/3.png"/>
+          <p:cNvPicPr>
+            <a:picLocks noChangeAspect="1" noChangeArrowheads="1"/>
+          </p:cNvPicPr>
+          <p:nvPr/>
+        </p:nvPicPr>
+        <p:blipFill>
+          <a:blip r:embed="rId2">
+            <a:extLst>
+              <a:ext uri="{BEBA8EAE-BF5A-486C-A8C5-ECC9F3942E4B}">
+                <a14:imgProps xmlns:a14="http://schemas.microsoft.com/office/drawing/2010/main">
+                  <a14:imgLayer r:embed="rId3">
+                    <a14:imgEffect>
+                      <a14:sharpenSoften amount="-80000"/>
+                    </a14:imgEffect>
+                    <a14:imgEffect>
+                      <a14:brightnessContrast bright="-46000"/>
+                    </a14:imgEffect>
+                  </a14:imgLayer>
+                </a14:imgProps>
+              </a:ext>
+              <a:ext uri="{28A0092B-C50C-407E-A947-70E740481C1C}">
+                <a14:useLocalDpi xmlns:a14="http://schemas.microsoft.com/office/drawing/2010/main" val="0"/>
+              </a:ext>
+            </a:extLst>
+          </a:blip>
+          <a:srcRect/>
+          <a:stretch>
+            <a:fillRect/>
+          </a:stretch>
+        </p:blipFill>
+        <p:spPr bwMode="auto">
+          <a:xfrm>
+            <a:off x="0" y="0"/>
+            <a:ext cx="12192000" cy="6863907"/>
+          </a:xfrm>
+          <a:prstGeom prst="rect">
+            <a:avLst/>
+          </a:prstGeom>
+          <a:noFill/>
+        </p:spPr>
+      </p:pic>
+      <p:sp>
+        <p:nvSpPr>
+          <p:cNvPr id="3" name="Retângulo 2"/>
+          <p:cNvSpPr/>
+          <p:nvPr/>
+        </p:nvSpPr>
+        <p:spPr>
+          <a:xfrm>
+            <a:off x="-79784" y="0"/>
+            <a:ext cx="12192000" cy="6858000"/>
+          </a:xfrm>
+          <a:prstGeom prst="rect">
+            <a:avLst/>
+          </a:prstGeom>
+          <a:solidFill>
+            <a:schemeClr val="tx1">
+              <a:lumMod val="95000"/>
+              <a:lumOff val="5000"/>
+              <a:alpha val="87000"/>
+            </a:schemeClr>
+          </a:solidFill>
+          <a:ln>
+            <a:noFill/>
+          </a:ln>
+        </p:spPr>
+        <p:style>
+          <a:lnRef idx="2">
+            <a:schemeClr val="dk1"/>
+          </a:lnRef>
+          <a:fillRef idx="1">
+            <a:schemeClr val="lt1"/>
+          </a:fillRef>
+          <a:effectRef idx="0">
+            <a:schemeClr val="dk1"/>
+          </a:effectRef>
+          <a:fontRef idx="minor">
+            <a:schemeClr val="dk1"/>
+          </a:fontRef>
+        </p:style>
+        <p:txBody>
+          <a:bodyPr rtlCol="0" anchor="ctr"/>
+          <a:lstStyle/>
+          <a:p>
+            <a:pPr algn="ctr"/>
+            <a:endParaRPr lang="pt-BR" dirty="0"/>
+          </a:p>
+        </p:txBody>
+      </p:sp>
+      <p:sp>
+        <p:nvSpPr>
+          <p:cNvPr id="9" name="Retângulo 8"/>
+          <p:cNvSpPr/>
+          <p:nvPr/>
+        </p:nvSpPr>
+        <p:spPr>
+          <a:xfrm>
+            <a:off x="126222" y="198787"/>
+            <a:ext cx="9627378" cy="584775"/>
+          </a:xfrm>
+          <a:prstGeom prst="rect">
+            <a:avLst/>
+          </a:prstGeom>
+          <a:noFill/>
+          <a:effectLst/>
+        </p:spPr>
+        <p:txBody>
+          <a:bodyPr wrap="square" lIns="91440" tIns="45720" rIns="91440" bIns="45720">
+            <a:spAutoFit/>
+          </a:bodyPr>
+          <a:lstStyle/>
+          <a:p>
+            <a:pPr algn="just"/>
+            <a:r>
+              <a:rPr lang="pt-BR" sz="3200" b="1" dirty="0" smtClean="0">
+                <a:ln w="0"/>
+                <a:solidFill>
+                  <a:schemeClr val="bg1"/>
+                </a:solidFill>
+                <a:effectLst>
+                  <a:outerShdw blurRad="38100" dist="19050" dir="2700000" algn="tl" rotWithShape="0">
+                    <a:schemeClr val="dk1">
+                      <a:alpha val="40000"/>
+                    </a:schemeClr>
+                  </a:outerShdw>
+                </a:effectLst>
+                <a:latin typeface="Exo 2 Medium" panose="00000600000000000000" pitchFamily="50" charset="0"/>
+              </a:rPr>
+              <a:t>JUSTIFICATIVA</a:t>
+            </a:r>
+            <a:endParaRPr lang="pt-BR" sz="3200" b="1" cap="none" spc="0" dirty="0">
+              <a:ln w="0"/>
+              <a:solidFill>
+                <a:schemeClr val="bg1"/>
+              </a:solidFill>
+              <a:effectLst>
+                <a:outerShdw blurRad="38100" dist="19050" dir="2700000" algn="tl" rotWithShape="0">
+                  <a:schemeClr val="dk1">
+                    <a:alpha val="40000"/>
+                  </a:schemeClr>
+                </a:outerShdw>
+              </a:effectLst>
+              <a:latin typeface="Exo 2 Medium" panose="00000600000000000000" pitchFamily="50" charset="0"/>
+            </a:endParaRPr>
+          </a:p>
+        </p:txBody>
+      </p:sp>
+      <p:cxnSp>
+        <p:nvCxnSpPr>
+          <p:cNvPr id="11" name="Conector reto 10">
+            <a:extLst>
+              <a:ext uri="{FF2B5EF4-FFF2-40B4-BE49-F238E27FC236}">
+                <a16:creationId xmlns="" xmlns:a16="http://schemas.microsoft.com/office/drawing/2014/main" id="{6510727C-C843-4D84-A07F-20F37366891D}"/>
+              </a:ext>
+            </a:extLst>
+          </p:cNvPr>
+          <p:cNvCxnSpPr/>
+          <p:nvPr/>
+        </p:nvCxnSpPr>
+        <p:spPr>
+          <a:xfrm>
+            <a:off x="0" y="953059"/>
+            <a:ext cx="6325704" cy="0"/>
+          </a:xfrm>
+          <a:prstGeom prst="line">
+            <a:avLst/>
+          </a:prstGeom>
+          <a:ln>
+            <a:solidFill>
+              <a:schemeClr val="bg1"/>
+            </a:solidFill>
+          </a:ln>
+          <a:effectLst/>
+        </p:spPr>
+        <p:style>
+          <a:lnRef idx="1">
+            <a:schemeClr val="accent1"/>
+          </a:lnRef>
+          <a:fillRef idx="0">
+            <a:schemeClr val="accent1"/>
+          </a:fillRef>
+          <a:effectRef idx="0">
+            <a:schemeClr val="accent1"/>
+          </a:effectRef>
+          <a:fontRef idx="minor">
+            <a:schemeClr val="tx1"/>
+          </a:fontRef>
+        </p:style>
+      </p:cxnSp>
+      <p:sp>
+        <p:nvSpPr>
+          <p:cNvPr id="16" name="Retângulo 15"/>
+          <p:cNvSpPr/>
+          <p:nvPr/>
+        </p:nvSpPr>
+        <p:spPr>
+          <a:xfrm>
+            <a:off x="1901416" y="1807110"/>
+            <a:ext cx="8868184" cy="1077218"/>
+          </a:xfrm>
+          <a:prstGeom prst="rect">
+            <a:avLst/>
+          </a:prstGeom>
+          <a:noFill/>
+          <a:effectLst/>
+        </p:spPr>
+        <p:txBody>
+          <a:bodyPr wrap="square" lIns="91440" tIns="45720" rIns="91440" bIns="45720">
+            <a:spAutoFit/>
+          </a:bodyPr>
+          <a:lstStyle/>
+          <a:p>
+            <a:pPr marL="457200" indent="-457200">
+              <a:buFont typeface="Arial" panose="020B0604020202020204" pitchFamily="34" charset="0"/>
+              <a:buChar char="•"/>
+            </a:pPr>
+            <a:r>
+              <a:rPr lang="pt-BR" sz="3200" b="1" dirty="0">
+                <a:ln w="0"/>
+                <a:solidFill>
+                  <a:srgbClr val="68CBCC"/>
+                </a:solidFill>
+                <a:effectLst>
+                  <a:outerShdw blurRad="38100" dist="19050" dir="2700000" algn="tl" rotWithShape="0">
+                    <a:schemeClr val="dk1">
+                      <a:alpha val="40000"/>
+                    </a:schemeClr>
+                  </a:outerShdw>
+                </a:effectLst>
+                <a:latin typeface="Exo 2 Medium" panose="00000600000000000000" pitchFamily="50" charset="0"/>
+              </a:rPr>
+              <a:t>Gerenciamento de Incubadoras e Recém-Nascidos</a:t>
+            </a:r>
+          </a:p>
+        </p:txBody>
+      </p:sp>
+    </p:spTree>
+    <p:extLst>
+      <p:ext uri="{BB962C8B-B14F-4D97-AF65-F5344CB8AC3E}">
+        <p14:creationId xmlns:p14="http://schemas.microsoft.com/office/powerpoint/2010/main" val="3089198373"/>
+      </p:ext>
+    </p:extLst>
+  </p:cSld>
+  <p:clrMapOvr>
+    <a:masterClrMapping/>
+  </p:clrMapOvr>
+  <p:timing>
+    <p:tnLst>
+      <p:par>
+        <p:cTn id="1" dur="indefinite" restart="never" nodeType="tmRoot"/>
+      </p:par>
+    </p:tnLst>
+  </p:timing>
+</p:sld>
+</file>
+
+<file path=ppt/slides/slide6.xml><?xml version="1.0" encoding="utf-8"?>
+<p:sld xmlns:a="http://schemas.openxmlformats.org/drawingml/2006/main" xmlns:r="http://schemas.openxmlformats.org/officeDocument/2006/relationships" xmlns:p="http://schemas.openxmlformats.org/presentationml/2006/main">
+  <p:cSld>
+    <p:spTree>
+      <p:nvGrpSpPr>
+        <p:cNvPr id="1" name=""/>
+        <p:cNvGrpSpPr/>
+        <p:nvPr/>
+      </p:nvGrpSpPr>
+      <p:grpSpPr>
+        <a:xfrm>
+          <a:off x="0" y="0"/>
+          <a:ext cx="0" cy="0"/>
+          <a:chOff x="0" y="0"/>
+          <a:chExt cx="0" cy="0"/>
+        </a:xfrm>
+      </p:grpSpPr>
+      <p:pic>
+        <p:nvPicPr>
           <p:cNvPr id="6" name="Picture 22" descr="http://www.correiodoestadoonline.com.br/arquivos/noticias/3.png"/>
           <p:cNvPicPr>
             <a:picLocks noChangeAspect="1" noChangeArrowheads="1"/>
@@ -20028,7 +22183,7 @@
           <p:cNvPr id="7" name="Conector reto 6">
             <a:extLst>
               <a:ext uri="{FF2B5EF4-FFF2-40B4-BE49-F238E27FC236}">
-                <a16:creationId xmlns:a16="http://schemas.microsoft.com/office/drawing/2014/main" id="{6510727C-C843-4D84-A07F-20F37366891D}"/>
+                <a16:creationId xmlns="" xmlns:a16="http://schemas.microsoft.com/office/drawing/2014/main" id="{6510727C-C843-4D84-A07F-20F37366891D}"/>
               </a:ext>
             </a:extLst>
           </p:cNvPr>
@@ -20143,10 +22298,17 @@
       </p:transition>
     </mc:Fallback>
   </mc:AlternateContent>
+  <p:timing>
+    <p:tnLst>
+      <p:par>
+        <p:cTn id="1" dur="indefinite" restart="never" nodeType="tmRoot"/>
+      </p:par>
+    </p:tnLst>
+  </p:timing>
 </p:sld>
 </file>
 
-<file path=ppt/slides/slide6.xml><?xml version="1.0" encoding="utf-8"?>
+<file path=ppt/slides/slide7.xml><?xml version="1.0" encoding="utf-8"?>
 <p:sld xmlns:a="http://schemas.openxmlformats.org/drawingml/2006/main" xmlns:r="http://schemas.openxmlformats.org/officeDocument/2006/relationships" xmlns:p="http://schemas.openxmlformats.org/presentationml/2006/main">
   <p:cSld>
     <p:spTree>
@@ -20286,7 +22448,7 @@
         </p:nvGraphicFramePr>
         <p:xfrm>
           <a:off x="266700" y="1294689"/>
-          <a:ext cx="6578600" cy="5372383"/>
+          <a:ext cx="6578600" cy="5403182"/>
         </p:xfrm>
         <a:graphic>
           <a:graphicData uri="http://schemas.openxmlformats.org/drawingml/2006/table">
@@ -20298,21 +22460,21 @@
                 <a:gridCol w="308791">
                   <a:extLst>
                     <a:ext uri="{9D8B030D-6E8A-4147-A177-3AD203B41FA5}">
-                      <a16:colId xmlns:a16="http://schemas.microsoft.com/office/drawing/2014/main" val="1568329710"/>
+                      <a16:colId xmlns="" xmlns:a16="http://schemas.microsoft.com/office/drawing/2014/main" val="1568329710"/>
                     </a:ext>
                   </a:extLst>
                 </a:gridCol>
                 <a:gridCol w="4290817">
                   <a:extLst>
                     <a:ext uri="{9D8B030D-6E8A-4147-A177-3AD203B41FA5}">
-                      <a16:colId xmlns:a16="http://schemas.microsoft.com/office/drawing/2014/main" val="1871891061"/>
+                      <a16:colId xmlns="" xmlns:a16="http://schemas.microsoft.com/office/drawing/2014/main" val="1871891061"/>
                     </a:ext>
                   </a:extLst>
                 </a:gridCol>
                 <a:gridCol w="1978992">
                   <a:extLst>
                     <a:ext uri="{9D8B030D-6E8A-4147-A177-3AD203B41FA5}">
-                      <a16:colId xmlns:a16="http://schemas.microsoft.com/office/drawing/2014/main" val="579065303"/>
+                      <a16:colId xmlns="" xmlns:a16="http://schemas.microsoft.com/office/drawing/2014/main" val="579065303"/>
                     </a:ext>
                   </a:extLst>
                 </a:gridCol>
@@ -20500,7 +22662,7 @@
                 </a:tc>
                 <a:extLst>
                   <a:ext uri="{0D108BD9-81ED-4DB2-BD59-A6C34878D82A}">
-                    <a16:rowId xmlns:a16="http://schemas.microsoft.com/office/drawing/2014/main" val="1638585819"/>
+                    <a16:rowId xmlns="" xmlns:a16="http://schemas.microsoft.com/office/drawing/2014/main" val="1638585819"/>
                   </a:ext>
                 </a:extLst>
               </a:tr>
@@ -20699,7 +22861,7 @@
                 </a:tc>
                 <a:extLst>
                   <a:ext uri="{0D108BD9-81ED-4DB2-BD59-A6C34878D82A}">
-                    <a16:rowId xmlns:a16="http://schemas.microsoft.com/office/drawing/2014/main" val="1729273268"/>
+                    <a16:rowId xmlns="" xmlns:a16="http://schemas.microsoft.com/office/drawing/2014/main" val="1729273268"/>
                   </a:ext>
                 </a:extLst>
               </a:tr>
@@ -20868,7 +23030,7 @@
                 </a:tc>
                 <a:extLst>
                   <a:ext uri="{0D108BD9-81ED-4DB2-BD59-A6C34878D82A}">
-                    <a16:rowId xmlns:a16="http://schemas.microsoft.com/office/drawing/2014/main" val="3139794314"/>
+                    <a16:rowId xmlns="" xmlns:a16="http://schemas.microsoft.com/office/drawing/2014/main" val="3139794314"/>
                   </a:ext>
                 </a:extLst>
               </a:tr>
@@ -21043,7 +23205,7 @@
                 </a:tc>
                 <a:extLst>
                   <a:ext uri="{0D108BD9-81ED-4DB2-BD59-A6C34878D82A}">
-                    <a16:rowId xmlns:a16="http://schemas.microsoft.com/office/drawing/2014/main" val="2491518698"/>
+                    <a16:rowId xmlns="" xmlns:a16="http://schemas.microsoft.com/office/drawing/2014/main" val="2491518698"/>
                   </a:ext>
                 </a:extLst>
               </a:tr>
@@ -21220,7 +23382,7 @@
                 </a:tc>
                 <a:extLst>
                   <a:ext uri="{0D108BD9-81ED-4DB2-BD59-A6C34878D82A}">
-                    <a16:rowId xmlns:a16="http://schemas.microsoft.com/office/drawing/2014/main" val="1225861265"/>
+                    <a16:rowId xmlns="" xmlns:a16="http://schemas.microsoft.com/office/drawing/2014/main" val="1225861265"/>
                   </a:ext>
                 </a:extLst>
               </a:tr>
@@ -21389,7 +23551,7 @@
                 </a:tc>
                 <a:extLst>
                   <a:ext uri="{0D108BD9-81ED-4DB2-BD59-A6C34878D82A}">
-                    <a16:rowId xmlns:a16="http://schemas.microsoft.com/office/drawing/2014/main" val="1852575384"/>
+                    <a16:rowId xmlns="" xmlns:a16="http://schemas.microsoft.com/office/drawing/2014/main" val="1852575384"/>
                   </a:ext>
                 </a:extLst>
               </a:tr>
@@ -21558,7 +23720,7 @@
                 </a:tc>
                 <a:extLst>
                   <a:ext uri="{0D108BD9-81ED-4DB2-BD59-A6C34878D82A}">
-                    <a16:rowId xmlns:a16="http://schemas.microsoft.com/office/drawing/2014/main" val="4275989410"/>
+                    <a16:rowId xmlns="" xmlns:a16="http://schemas.microsoft.com/office/drawing/2014/main" val="4275989410"/>
                   </a:ext>
                 </a:extLst>
               </a:tr>
@@ -21727,7 +23889,7 @@
                 </a:tc>
                 <a:extLst>
                   <a:ext uri="{0D108BD9-81ED-4DB2-BD59-A6C34878D82A}">
-                    <a16:rowId xmlns:a16="http://schemas.microsoft.com/office/drawing/2014/main" val="1577018614"/>
+                    <a16:rowId xmlns="" xmlns:a16="http://schemas.microsoft.com/office/drawing/2014/main" val="1577018614"/>
                   </a:ext>
                 </a:extLst>
               </a:tr>
@@ -21896,7 +24058,7 @@
                 </a:tc>
                 <a:extLst>
                   <a:ext uri="{0D108BD9-81ED-4DB2-BD59-A6C34878D82A}">
-                    <a16:rowId xmlns:a16="http://schemas.microsoft.com/office/drawing/2014/main" val="2694745648"/>
+                    <a16:rowId xmlns="" xmlns:a16="http://schemas.microsoft.com/office/drawing/2014/main" val="2694745648"/>
                   </a:ext>
                 </a:extLst>
               </a:tr>
@@ -22065,7 +24227,7 @@
                 </a:tc>
                 <a:extLst>
                   <a:ext uri="{0D108BD9-81ED-4DB2-BD59-A6C34878D82A}">
-                    <a16:rowId xmlns:a16="http://schemas.microsoft.com/office/drawing/2014/main" val="3845670915"/>
+                    <a16:rowId xmlns="" xmlns:a16="http://schemas.microsoft.com/office/drawing/2014/main" val="3845670915"/>
                   </a:ext>
                 </a:extLst>
               </a:tr>
@@ -22089,7 +24251,7 @@
         </p:nvGraphicFramePr>
         <p:xfrm>
           <a:off x="7137676" y="1294689"/>
-          <a:ext cx="4761948" cy="5349238"/>
+          <a:ext cx="4761948" cy="5372384"/>
         </p:xfrm>
         <a:graphic>
           <a:graphicData uri="http://schemas.openxmlformats.org/drawingml/2006/table">
@@ -22101,21 +24263,21 @@
                 <a:gridCol w="283541">
                   <a:extLst>
                     <a:ext uri="{9D8B030D-6E8A-4147-A177-3AD203B41FA5}">
-                      <a16:colId xmlns:a16="http://schemas.microsoft.com/office/drawing/2014/main" val="946642547"/>
+                      <a16:colId xmlns="" xmlns:a16="http://schemas.microsoft.com/office/drawing/2014/main" val="946642547"/>
                     </a:ext>
                   </a:extLst>
                 </a:gridCol>
                 <a:gridCol w="2508558">
                   <a:extLst>
                     <a:ext uri="{9D8B030D-6E8A-4147-A177-3AD203B41FA5}">
-                      <a16:colId xmlns:a16="http://schemas.microsoft.com/office/drawing/2014/main" val="2882887969"/>
+                      <a16:colId xmlns="" xmlns:a16="http://schemas.microsoft.com/office/drawing/2014/main" val="2882887969"/>
                     </a:ext>
                   </a:extLst>
                 </a:gridCol>
                 <a:gridCol w="1969849">
                   <a:extLst>
                     <a:ext uri="{9D8B030D-6E8A-4147-A177-3AD203B41FA5}">
-                      <a16:colId xmlns:a16="http://schemas.microsoft.com/office/drawing/2014/main" val="1670058364"/>
+                      <a16:colId xmlns="" xmlns:a16="http://schemas.microsoft.com/office/drawing/2014/main" val="1670058364"/>
                     </a:ext>
                   </a:extLst>
                 </a:gridCol>
@@ -22303,7 +24465,7 @@
                 </a:tc>
                 <a:extLst>
                   <a:ext uri="{0D108BD9-81ED-4DB2-BD59-A6C34878D82A}">
-                    <a16:rowId xmlns:a16="http://schemas.microsoft.com/office/drawing/2014/main" val="1413653519"/>
+                    <a16:rowId xmlns="" xmlns:a16="http://schemas.microsoft.com/office/drawing/2014/main" val="1413653519"/>
                   </a:ext>
                 </a:extLst>
               </a:tr>
@@ -22490,7 +24652,7 @@
                 </a:tc>
                 <a:extLst>
                   <a:ext uri="{0D108BD9-81ED-4DB2-BD59-A6C34878D82A}">
-                    <a16:rowId xmlns:a16="http://schemas.microsoft.com/office/drawing/2014/main" val="2042003131"/>
+                    <a16:rowId xmlns="" xmlns:a16="http://schemas.microsoft.com/office/drawing/2014/main" val="2042003131"/>
                   </a:ext>
                 </a:extLst>
               </a:tr>
@@ -22659,7 +24821,7 @@
                 </a:tc>
                 <a:extLst>
                   <a:ext uri="{0D108BD9-81ED-4DB2-BD59-A6C34878D82A}">
-                    <a16:rowId xmlns:a16="http://schemas.microsoft.com/office/drawing/2014/main" val="2331365082"/>
+                    <a16:rowId xmlns="" xmlns:a16="http://schemas.microsoft.com/office/drawing/2014/main" val="2331365082"/>
                   </a:ext>
                 </a:extLst>
               </a:tr>
@@ -22828,7 +24990,7 @@
                 </a:tc>
                 <a:extLst>
                   <a:ext uri="{0D108BD9-81ED-4DB2-BD59-A6C34878D82A}">
-                    <a16:rowId xmlns:a16="http://schemas.microsoft.com/office/drawing/2014/main" val="3867535889"/>
+                    <a16:rowId xmlns="" xmlns:a16="http://schemas.microsoft.com/office/drawing/2014/main" val="3867535889"/>
                   </a:ext>
                 </a:extLst>
               </a:tr>
@@ -22997,7 +25159,7 @@
                 </a:tc>
                 <a:extLst>
                   <a:ext uri="{0D108BD9-81ED-4DB2-BD59-A6C34878D82A}">
-                    <a16:rowId xmlns:a16="http://schemas.microsoft.com/office/drawing/2014/main" val="1495631882"/>
+                    <a16:rowId xmlns="" xmlns:a16="http://schemas.microsoft.com/office/drawing/2014/main" val="1495631882"/>
                   </a:ext>
                 </a:extLst>
               </a:tr>
@@ -23166,7 +25328,7 @@
                 </a:tc>
                 <a:extLst>
                   <a:ext uri="{0D108BD9-81ED-4DB2-BD59-A6C34878D82A}">
-                    <a16:rowId xmlns:a16="http://schemas.microsoft.com/office/drawing/2014/main" val="1936794137"/>
+                    <a16:rowId xmlns="" xmlns:a16="http://schemas.microsoft.com/office/drawing/2014/main" val="1936794137"/>
                   </a:ext>
                 </a:extLst>
               </a:tr>
@@ -23179,7 +25341,7 @@
           <p:cNvPr id="9" name="Retângulo 8">
             <a:extLst>
               <a:ext uri="{FF2B5EF4-FFF2-40B4-BE49-F238E27FC236}">
-                <a16:creationId xmlns:a16="http://schemas.microsoft.com/office/drawing/2014/main" id="{8D1A6B34-4559-498A-81EC-F893FFE25A78}"/>
+                <a16:creationId xmlns="" xmlns:a16="http://schemas.microsoft.com/office/drawing/2014/main" id="{8D1A6B34-4559-498A-81EC-F893FFE25A78}"/>
               </a:ext>
             </a:extLst>
           </p:cNvPr>
@@ -23229,7 +25391,7 @@
           <p:cNvPr id="11" name="Conector reto 10">
             <a:extLst>
               <a:ext uri="{FF2B5EF4-FFF2-40B4-BE49-F238E27FC236}">
-                <a16:creationId xmlns:a16="http://schemas.microsoft.com/office/drawing/2014/main" id="{BDF0B0A9-58D4-42DB-993A-EC589233B490}"/>
+                <a16:creationId xmlns="" xmlns:a16="http://schemas.microsoft.com/office/drawing/2014/main" id="{BDF0B0A9-58D4-42DB-993A-EC589233B490}"/>
               </a:ext>
             </a:extLst>
           </p:cNvPr>
@@ -23279,7 +25441,7 @@
 </p:sld>
 </file>
 
-<file path=ppt/slides/slide7.xml><?xml version="1.0" encoding="utf-8"?>
+<file path=ppt/slides/slide8.xml><?xml version="1.0" encoding="utf-8"?>
 <p:sld xmlns:a="http://schemas.openxmlformats.org/drawingml/2006/main" xmlns:r="http://schemas.openxmlformats.org/officeDocument/2006/relationships" xmlns:p="http://schemas.openxmlformats.org/presentationml/2006/main">
   <p:cSld>
     <p:spTree>
@@ -23408,7 +25570,7 @@
           <p:cNvPr id="9" name="Retângulo 8">
             <a:extLst>
               <a:ext uri="{FF2B5EF4-FFF2-40B4-BE49-F238E27FC236}">
-                <a16:creationId xmlns:a16="http://schemas.microsoft.com/office/drawing/2014/main" id="{38E2491E-85A7-427B-A827-BE4A4A2CDEEB}"/>
+                <a16:creationId xmlns="" xmlns:a16="http://schemas.microsoft.com/office/drawing/2014/main" id="{38E2491E-85A7-427B-A827-BE4A4A2CDEEB}"/>
               </a:ext>
             </a:extLst>
           </p:cNvPr>
@@ -23472,7 +25634,7 @@
           <p:cNvPr id="11" name="Conector reto 10">
             <a:extLst>
               <a:ext uri="{FF2B5EF4-FFF2-40B4-BE49-F238E27FC236}">
-                <a16:creationId xmlns:a16="http://schemas.microsoft.com/office/drawing/2014/main" id="{971FE46C-2EFB-4F05-9C7E-396CBF5E8875}"/>
+                <a16:creationId xmlns="" xmlns:a16="http://schemas.microsoft.com/office/drawing/2014/main" id="{971FE46C-2EFB-4F05-9C7E-396CBF5E8875}"/>
               </a:ext>
             </a:extLst>
           </p:cNvPr>
@@ -23514,7 +25676,7 @@
           <p:cNvPr id="12" name="Tabela 11">
             <a:extLst>
               <a:ext uri="{FF2B5EF4-FFF2-40B4-BE49-F238E27FC236}">
-                <a16:creationId xmlns:a16="http://schemas.microsoft.com/office/drawing/2014/main" id="{C572C94B-9144-45CA-9C95-51EE5013BB10}"/>
+                <a16:creationId xmlns="" xmlns:a16="http://schemas.microsoft.com/office/drawing/2014/main" id="{C572C94B-9144-45CA-9C95-51EE5013BB10}"/>
               </a:ext>
             </a:extLst>
           </p:cNvPr>
@@ -23531,7 +25693,7 @@
         </p:nvGraphicFramePr>
         <p:xfrm>
           <a:off x="241300" y="1141760"/>
-          <a:ext cx="11709399" cy="5527540"/>
+          <a:ext cx="11709399" cy="5725804"/>
         </p:xfrm>
         <a:graphic>
           <a:graphicData uri="http://schemas.openxmlformats.org/drawingml/2006/table">
@@ -23543,49 +25705,49 @@
                 <a:gridCol w="253606">
                   <a:extLst>
                     <a:ext uri="{9D8B030D-6E8A-4147-A177-3AD203B41FA5}">
-                      <a16:colId xmlns:a16="http://schemas.microsoft.com/office/drawing/2014/main" val="4011902459"/>
+                      <a16:colId xmlns="" xmlns:a16="http://schemas.microsoft.com/office/drawing/2014/main" val="4011902459"/>
                     </a:ext>
                   </a:extLst>
                 </a:gridCol>
                 <a:gridCol w="3462696">
                   <a:extLst>
                     <a:ext uri="{9D8B030D-6E8A-4147-A177-3AD203B41FA5}">
-                      <a16:colId xmlns:a16="http://schemas.microsoft.com/office/drawing/2014/main" val="1145538588"/>
+                      <a16:colId xmlns="" xmlns:a16="http://schemas.microsoft.com/office/drawing/2014/main" val="1145538588"/>
                     </a:ext>
                   </a:extLst>
                 </a:gridCol>
                 <a:gridCol w="1848590">
                   <a:extLst>
                     <a:ext uri="{9D8B030D-6E8A-4147-A177-3AD203B41FA5}">
-                      <a16:colId xmlns:a16="http://schemas.microsoft.com/office/drawing/2014/main" val="555987189"/>
+                      <a16:colId xmlns="" xmlns:a16="http://schemas.microsoft.com/office/drawing/2014/main" val="555987189"/>
                     </a:ext>
                   </a:extLst>
                 </a:gridCol>
                 <a:gridCol w="1043156">
                   <a:extLst>
                     <a:ext uri="{9D8B030D-6E8A-4147-A177-3AD203B41FA5}">
-                      <a16:colId xmlns:a16="http://schemas.microsoft.com/office/drawing/2014/main" val="2342499536"/>
+                      <a16:colId xmlns="" xmlns:a16="http://schemas.microsoft.com/office/drawing/2014/main" val="2342499536"/>
                     </a:ext>
                   </a:extLst>
                 </a:gridCol>
                 <a:gridCol w="1501974">
                   <a:extLst>
                     <a:ext uri="{9D8B030D-6E8A-4147-A177-3AD203B41FA5}">
-                      <a16:colId xmlns:a16="http://schemas.microsoft.com/office/drawing/2014/main" val="3075212314"/>
+                      <a16:colId xmlns="" xmlns:a16="http://schemas.microsoft.com/office/drawing/2014/main" val="3075212314"/>
                     </a:ext>
                   </a:extLst>
                 </a:gridCol>
                 <a:gridCol w="746154">
                   <a:extLst>
                     <a:ext uri="{9D8B030D-6E8A-4147-A177-3AD203B41FA5}">
-                      <a16:colId xmlns:a16="http://schemas.microsoft.com/office/drawing/2014/main" val="300522548"/>
+                      <a16:colId xmlns="" xmlns:a16="http://schemas.microsoft.com/office/drawing/2014/main" val="300522548"/>
                     </a:ext>
                   </a:extLst>
                 </a:gridCol>
                 <a:gridCol w="2853223">
                   <a:extLst>
                     <a:ext uri="{9D8B030D-6E8A-4147-A177-3AD203B41FA5}">
-                      <a16:colId xmlns:a16="http://schemas.microsoft.com/office/drawing/2014/main" val="228911756"/>
+                      <a16:colId xmlns="" xmlns:a16="http://schemas.microsoft.com/office/drawing/2014/main" val="228911756"/>
                     </a:ext>
                   </a:extLst>
                 </a:gridCol>
@@ -23990,7 +26152,7 @@
                 </a:tc>
                 <a:extLst>
                   <a:ext uri="{0D108BD9-81ED-4DB2-BD59-A6C34878D82A}">
-                    <a16:rowId xmlns:a16="http://schemas.microsoft.com/office/drawing/2014/main" val="1096124194"/>
+                    <a16:rowId xmlns="" xmlns:a16="http://schemas.microsoft.com/office/drawing/2014/main" val="1096124194"/>
                   </a:ext>
                 </a:extLst>
               </a:tr>
@@ -24397,7 +26559,7 @@
                 </a:tc>
                 <a:extLst>
                   <a:ext uri="{0D108BD9-81ED-4DB2-BD59-A6C34878D82A}">
-                    <a16:rowId xmlns:a16="http://schemas.microsoft.com/office/drawing/2014/main" val="2365076227"/>
+                    <a16:rowId xmlns="" xmlns:a16="http://schemas.microsoft.com/office/drawing/2014/main" val="2365076227"/>
                   </a:ext>
                 </a:extLst>
               </a:tr>
@@ -24828,7 +26990,7 @@
                 </a:tc>
                 <a:extLst>
                   <a:ext uri="{0D108BD9-81ED-4DB2-BD59-A6C34878D82A}">
-                    <a16:rowId xmlns:a16="http://schemas.microsoft.com/office/drawing/2014/main" val="1533246673"/>
+                    <a16:rowId xmlns="" xmlns:a16="http://schemas.microsoft.com/office/drawing/2014/main" val="1533246673"/>
                   </a:ext>
                 </a:extLst>
               </a:tr>
@@ -25241,7 +27403,7 @@
                 </a:tc>
                 <a:extLst>
                   <a:ext uri="{0D108BD9-81ED-4DB2-BD59-A6C34878D82A}">
-                    <a16:rowId xmlns:a16="http://schemas.microsoft.com/office/drawing/2014/main" val="1130899462"/>
+                    <a16:rowId xmlns="" xmlns:a16="http://schemas.microsoft.com/office/drawing/2014/main" val="1130899462"/>
                   </a:ext>
                 </a:extLst>
               </a:tr>
@@ -25654,7 +27816,7 @@
                 </a:tc>
                 <a:extLst>
                   <a:ext uri="{0D108BD9-81ED-4DB2-BD59-A6C34878D82A}">
-                    <a16:rowId xmlns:a16="http://schemas.microsoft.com/office/drawing/2014/main" val="2597182618"/>
+                    <a16:rowId xmlns="" xmlns:a16="http://schemas.microsoft.com/office/drawing/2014/main" val="2597182618"/>
                   </a:ext>
                 </a:extLst>
               </a:tr>
@@ -26067,7 +28229,7 @@
                 </a:tc>
                 <a:extLst>
                   <a:ext uri="{0D108BD9-81ED-4DB2-BD59-A6C34878D82A}">
-                    <a16:rowId xmlns:a16="http://schemas.microsoft.com/office/drawing/2014/main" val="3229298124"/>
+                    <a16:rowId xmlns="" xmlns:a16="http://schemas.microsoft.com/office/drawing/2014/main" val="3229298124"/>
                   </a:ext>
                 </a:extLst>
               </a:tr>
@@ -26480,7 +28642,7 @@
                 </a:tc>
                 <a:extLst>
                   <a:ext uri="{0D108BD9-81ED-4DB2-BD59-A6C34878D82A}">
-                    <a16:rowId xmlns:a16="http://schemas.microsoft.com/office/drawing/2014/main" val="1973089141"/>
+                    <a16:rowId xmlns="" xmlns:a16="http://schemas.microsoft.com/office/drawing/2014/main" val="1973089141"/>
                   </a:ext>
                 </a:extLst>
               </a:tr>
@@ -26911,7 +29073,7 @@
                 </a:tc>
                 <a:extLst>
                   <a:ext uri="{0D108BD9-81ED-4DB2-BD59-A6C34878D82A}">
-                    <a16:rowId xmlns:a16="http://schemas.microsoft.com/office/drawing/2014/main" val="3436794901"/>
+                    <a16:rowId xmlns="" xmlns:a16="http://schemas.microsoft.com/office/drawing/2014/main" val="3436794901"/>
                   </a:ext>
                 </a:extLst>
               </a:tr>
@@ -26924,7 +29086,7 @@
           <p:cNvPr id="2" name="Retângulo 1">
             <a:extLst>
               <a:ext uri="{FF2B5EF4-FFF2-40B4-BE49-F238E27FC236}">
-                <a16:creationId xmlns:a16="http://schemas.microsoft.com/office/drawing/2014/main" id="{7A11C8EF-C4EC-4323-A0A7-806E780562B3}"/>
+                <a16:creationId xmlns="" xmlns:a16="http://schemas.microsoft.com/office/drawing/2014/main" id="{7A11C8EF-C4EC-4323-A0A7-806E780562B3}"/>
               </a:ext>
             </a:extLst>
           </p:cNvPr>
@@ -26978,7 +29140,7 @@
           <p:cNvPr id="13" name="Retângulo 12">
             <a:extLst>
               <a:ext uri="{FF2B5EF4-FFF2-40B4-BE49-F238E27FC236}">
-                <a16:creationId xmlns:a16="http://schemas.microsoft.com/office/drawing/2014/main" id="{88C866EB-925C-4219-8EC2-EF78CD98B2F4}"/>
+                <a16:creationId xmlns="" xmlns:a16="http://schemas.microsoft.com/office/drawing/2014/main" id="{88C866EB-925C-4219-8EC2-EF78CD98B2F4}"/>
               </a:ext>
             </a:extLst>
           </p:cNvPr>
@@ -27032,7 +29194,7 @@
           <p:cNvPr id="3" name="Retângulo 2">
             <a:extLst>
               <a:ext uri="{FF2B5EF4-FFF2-40B4-BE49-F238E27FC236}">
-                <a16:creationId xmlns:a16="http://schemas.microsoft.com/office/drawing/2014/main" id="{D787AC6A-CAEB-4C79-9B88-0132670002AE}"/>
+                <a16:creationId xmlns="" xmlns:a16="http://schemas.microsoft.com/office/drawing/2014/main" id="{D787AC6A-CAEB-4C79-9B88-0132670002AE}"/>
               </a:ext>
             </a:extLst>
           </p:cNvPr>
@@ -27066,7 +29228,7 @@
           <p:cNvPr id="15" name="Retângulo 14">
             <a:extLst>
               <a:ext uri="{FF2B5EF4-FFF2-40B4-BE49-F238E27FC236}">
-                <a16:creationId xmlns:a16="http://schemas.microsoft.com/office/drawing/2014/main" id="{24B944E9-B6F3-4E2A-AAEC-1DBA3CEE3D5D}"/>
+                <a16:creationId xmlns="" xmlns:a16="http://schemas.microsoft.com/office/drawing/2014/main" id="{24B944E9-B6F3-4E2A-AAEC-1DBA3CEE3D5D}"/>
               </a:ext>
             </a:extLst>
           </p:cNvPr>
@@ -27120,7 +29282,7 @@
           <p:cNvPr id="16" name="Retângulo 15">
             <a:extLst>
               <a:ext uri="{FF2B5EF4-FFF2-40B4-BE49-F238E27FC236}">
-                <a16:creationId xmlns:a16="http://schemas.microsoft.com/office/drawing/2014/main" id="{0D9FE1F1-B412-46D3-BE19-9101505575B1}"/>
+                <a16:creationId xmlns="" xmlns:a16="http://schemas.microsoft.com/office/drawing/2014/main" id="{0D9FE1F1-B412-46D3-BE19-9101505575B1}"/>
               </a:ext>
             </a:extLst>
           </p:cNvPr>
@@ -27395,7 +29557,7 @@
 </p:sld>
 </file>
 
-<file path=ppt/slides/slide8.xml><?xml version="1.0" encoding="utf-8"?>
+<file path=ppt/slides/slide9.xml><?xml version="1.0" encoding="utf-8"?>
 <p:sld xmlns:a="http://schemas.openxmlformats.org/drawingml/2006/main" xmlns:r="http://schemas.openxmlformats.org/officeDocument/2006/relationships" xmlns:p="http://schemas.openxmlformats.org/presentationml/2006/main">
   <p:cSld>
     <p:spTree>
@@ -27749,7 +29911,7 @@
           <p:cNvPr id="11" name="Retângulo 10">
             <a:extLst>
               <a:ext uri="{FF2B5EF4-FFF2-40B4-BE49-F238E27FC236}">
-                <a16:creationId xmlns:a16="http://schemas.microsoft.com/office/drawing/2014/main" id="{D2E43635-9421-4BAC-8766-C1D77D2784FE}"/>
+                <a16:creationId xmlns="" xmlns:a16="http://schemas.microsoft.com/office/drawing/2014/main" id="{D2E43635-9421-4BAC-8766-C1D77D2784FE}"/>
               </a:ext>
             </a:extLst>
           </p:cNvPr>
@@ -27813,7 +29975,7 @@
           <p:cNvPr id="12" name="Conector reto 11">
             <a:extLst>
               <a:ext uri="{FF2B5EF4-FFF2-40B4-BE49-F238E27FC236}">
-                <a16:creationId xmlns:a16="http://schemas.microsoft.com/office/drawing/2014/main" id="{2F119B3F-1695-4B77-9799-CEBB849D4CFD}"/>
+                <a16:creationId xmlns="" xmlns:a16="http://schemas.microsoft.com/office/drawing/2014/main" id="{2F119B3F-1695-4B77-9799-CEBB849D4CFD}"/>
               </a:ext>
             </a:extLst>
           </p:cNvPr>
@@ -27854,1653 +30016,6 @@
     <p:extLst>
       <p:ext uri="{BB962C8B-B14F-4D97-AF65-F5344CB8AC3E}">
         <p14:creationId xmlns:p14="http://schemas.microsoft.com/office/powerpoint/2010/main" val="3730996855"/>
-      </p:ext>
-    </p:extLst>
-  </p:cSld>
-  <p:clrMapOvr>
-    <a:masterClrMapping/>
-  </p:clrMapOvr>
-</p:sld>
-</file>
-
-<file path=ppt/slides/slide9.xml><?xml version="1.0" encoding="utf-8"?>
-<p:sld xmlns:a="http://schemas.openxmlformats.org/drawingml/2006/main" xmlns:r="http://schemas.openxmlformats.org/officeDocument/2006/relationships" xmlns:p="http://schemas.openxmlformats.org/presentationml/2006/main">
-  <p:cSld>
-    <p:spTree>
-      <p:nvGrpSpPr>
-        <p:cNvPr id="1" name=""/>
-        <p:cNvGrpSpPr/>
-        <p:nvPr/>
-      </p:nvGrpSpPr>
-      <p:grpSpPr>
-        <a:xfrm>
-          <a:off x="0" y="0"/>
-          <a:ext cx="0" cy="0"/>
-          <a:chOff x="0" y="0"/>
-          <a:chExt cx="0" cy="0"/>
-        </a:xfrm>
-      </p:grpSpPr>
-      <p:grpSp>
-        <p:nvGrpSpPr>
-          <p:cNvPr id="6" name="Agrupar 5"/>
-          <p:cNvGrpSpPr/>
-          <p:nvPr/>
-        </p:nvGrpSpPr>
-        <p:grpSpPr>
-          <a:xfrm>
-            <a:off x="0" y="-5907"/>
-            <a:ext cx="12192000" cy="6863907"/>
-            <a:chOff x="0" y="0"/>
-            <a:chExt cx="12192000" cy="6863907"/>
-          </a:xfrm>
-        </p:grpSpPr>
-        <p:pic>
-          <p:nvPicPr>
-            <p:cNvPr id="4" name="Picture 22" descr="http://www.correiodoestadoonline.com.br/arquivos/noticias/3.png"/>
-            <p:cNvPicPr>
-              <a:picLocks noChangeAspect="1" noChangeArrowheads="1"/>
-            </p:cNvPicPr>
-            <p:nvPr/>
-          </p:nvPicPr>
-          <p:blipFill>
-            <a:blip r:embed="rId2">
-              <a:extLst>
-                <a:ext uri="{BEBA8EAE-BF5A-486C-A8C5-ECC9F3942E4B}">
-                  <a14:imgProps xmlns:a14="http://schemas.microsoft.com/office/drawing/2010/main">
-                    <a14:imgLayer r:embed="rId3">
-                      <a14:imgEffect>
-                        <a14:sharpenSoften amount="-80000"/>
-                      </a14:imgEffect>
-                      <a14:imgEffect>
-                        <a14:brightnessContrast bright="-46000"/>
-                      </a14:imgEffect>
-                    </a14:imgLayer>
-                  </a14:imgProps>
-                </a:ext>
-                <a:ext uri="{28A0092B-C50C-407E-A947-70E740481C1C}">
-                  <a14:useLocalDpi xmlns:a14="http://schemas.microsoft.com/office/drawing/2010/main" val="0"/>
-                </a:ext>
-              </a:extLst>
-            </a:blip>
-            <a:srcRect/>
-            <a:stretch>
-              <a:fillRect/>
-            </a:stretch>
-          </p:blipFill>
-          <p:spPr bwMode="auto">
-            <a:xfrm>
-              <a:off x="0" y="0"/>
-              <a:ext cx="12192000" cy="6863907"/>
-            </a:xfrm>
-            <a:prstGeom prst="rect">
-              <a:avLst/>
-            </a:prstGeom>
-            <a:noFill/>
-          </p:spPr>
-        </p:pic>
-        <p:sp>
-          <p:nvSpPr>
-            <p:cNvPr id="5" name="Retângulo 4"/>
-            <p:cNvSpPr/>
-            <p:nvPr/>
-          </p:nvSpPr>
-          <p:spPr>
-            <a:xfrm>
-              <a:off x="0" y="5907"/>
-              <a:ext cx="12192000" cy="6858000"/>
-            </a:xfrm>
-            <a:prstGeom prst="rect">
-              <a:avLst/>
-            </a:prstGeom>
-            <a:solidFill>
-              <a:schemeClr val="tx1">
-                <a:lumMod val="95000"/>
-                <a:lumOff val="5000"/>
-                <a:alpha val="87000"/>
-              </a:schemeClr>
-            </a:solidFill>
-            <a:ln>
-              <a:noFill/>
-            </a:ln>
-          </p:spPr>
-          <p:style>
-            <a:lnRef idx="2">
-              <a:schemeClr val="dk1"/>
-            </a:lnRef>
-            <a:fillRef idx="1">
-              <a:schemeClr val="lt1"/>
-            </a:fillRef>
-            <a:effectRef idx="0">
-              <a:schemeClr val="dk1"/>
-            </a:effectRef>
-            <a:fontRef idx="minor">
-              <a:schemeClr val="dk1"/>
-            </a:fontRef>
-          </p:style>
-          <p:txBody>
-            <a:bodyPr rtlCol="0" anchor="ctr"/>
-            <a:lstStyle/>
-            <a:p>
-              <a:pPr algn="ctr"/>
-              <a:endParaRPr lang="pt-BR" dirty="0"/>
-            </a:p>
-          </p:txBody>
-        </p:sp>
-      </p:grpSp>
-      <p:cxnSp>
-        <p:nvCxnSpPr>
-          <p:cNvPr id="8" name="Conector reto 7">
-            <a:extLst>
-              <a:ext uri="{FF2B5EF4-FFF2-40B4-BE49-F238E27FC236}">
-                <a16:creationId xmlns:a16="http://schemas.microsoft.com/office/drawing/2014/main" id="{6510727C-C843-4D84-A07F-20F37366891D}"/>
-              </a:ext>
-            </a:extLst>
-          </p:cNvPr>
-          <p:cNvCxnSpPr/>
-          <p:nvPr/>
-        </p:nvCxnSpPr>
-        <p:spPr>
-          <a:xfrm>
-            <a:off x="1732853" y="919897"/>
-            <a:ext cx="6325704" cy="0"/>
-          </a:xfrm>
-          <a:prstGeom prst="line">
-            <a:avLst/>
-          </a:prstGeom>
-          <a:ln>
-            <a:solidFill>
-              <a:schemeClr val="bg1"/>
-            </a:solidFill>
-          </a:ln>
-          <a:effectLst/>
-        </p:spPr>
-        <p:style>
-          <a:lnRef idx="1">
-            <a:schemeClr val="accent1"/>
-          </a:lnRef>
-          <a:fillRef idx="0">
-            <a:schemeClr val="accent1"/>
-          </a:fillRef>
-          <a:effectRef idx="0">
-            <a:schemeClr val="accent1"/>
-          </a:effectRef>
-          <a:fontRef idx="minor">
-            <a:schemeClr val="tx1"/>
-          </a:fontRef>
-        </p:style>
-      </p:cxnSp>
-      <p:grpSp>
-        <p:nvGrpSpPr>
-          <p:cNvPr id="2" name="Agrupar 1"/>
-          <p:cNvGrpSpPr/>
-          <p:nvPr/>
-        </p:nvGrpSpPr>
-        <p:grpSpPr>
-          <a:xfrm>
-            <a:off x="349861" y="281269"/>
-            <a:ext cx="2178122" cy="2178122"/>
-            <a:chOff x="734174" y="2338243"/>
-            <a:chExt cx="2178122" cy="2178122"/>
-          </a:xfrm>
-          <a:effectLst/>
-        </p:grpSpPr>
-        <p:sp>
-          <p:nvSpPr>
-            <p:cNvPr id="17" name="Elipse 16"/>
-            <p:cNvSpPr/>
-            <p:nvPr/>
-          </p:nvSpPr>
-          <p:spPr>
-            <a:xfrm>
-              <a:off x="734174" y="2338243"/>
-              <a:ext cx="2178122" cy="2178122"/>
-            </a:xfrm>
-            <a:prstGeom prst="ellipse">
-              <a:avLst/>
-            </a:prstGeom>
-            <a:solidFill>
-              <a:schemeClr val="bg1"/>
-            </a:solidFill>
-            <a:ln>
-              <a:noFill/>
-            </a:ln>
-            <a:effectLst>
-              <a:outerShdw blurRad="50800" dist="38100" dir="2700000" algn="tl" rotWithShape="0">
-                <a:prstClr val="black">
-                  <a:alpha val="40000"/>
-                </a:prstClr>
-              </a:outerShdw>
-            </a:effectLst>
-          </p:spPr>
-          <p:style>
-            <a:lnRef idx="2">
-              <a:schemeClr val="accent1">
-                <a:shade val="50000"/>
-              </a:schemeClr>
-            </a:lnRef>
-            <a:fillRef idx="1">
-              <a:schemeClr val="accent1"/>
-            </a:fillRef>
-            <a:effectRef idx="0">
-              <a:schemeClr val="accent1"/>
-            </a:effectRef>
-            <a:fontRef idx="minor">
-              <a:schemeClr val="lt1"/>
-            </a:fontRef>
-          </p:style>
-          <p:txBody>
-            <a:bodyPr rtlCol="0" anchor="ctr"/>
-            <a:lstStyle/>
-            <a:p>
-              <a:pPr algn="ctr"/>
-              <a:endParaRPr lang="pt-BR" dirty="0"/>
-            </a:p>
-          </p:txBody>
-        </p:sp>
-        <p:pic>
-          <p:nvPicPr>
-            <p:cNvPr id="23" name="Imagem 22"/>
-            <p:cNvPicPr>
-              <a:picLocks noChangeAspect="1"/>
-            </p:cNvPicPr>
-            <p:nvPr/>
-          </p:nvPicPr>
-          <p:blipFill>
-            <a:blip r:embed="rId4" cstate="print">
-              <a:extLst>
-                <a:ext uri="{28A0092B-C50C-407E-A947-70E740481C1C}">
-                  <a14:useLocalDpi xmlns:a14="http://schemas.microsoft.com/office/drawing/2010/main" val="0"/>
-                </a:ext>
-              </a:extLst>
-            </a:blip>
-            <a:stretch>
-              <a:fillRect/>
-            </a:stretch>
-          </p:blipFill>
-          <p:spPr>
-            <a:xfrm>
-              <a:off x="1022293" y="2444571"/>
-              <a:ext cx="1601884" cy="1601884"/>
-            </a:xfrm>
-            <a:prstGeom prst="rect">
-              <a:avLst/>
-            </a:prstGeom>
-          </p:spPr>
-        </p:pic>
-      </p:grpSp>
-      <p:cxnSp>
-        <p:nvCxnSpPr>
-          <p:cNvPr id="31" name="Conector reto 30">
-            <a:extLst>
-              <a:ext uri="{FF2B5EF4-FFF2-40B4-BE49-F238E27FC236}">
-                <a16:creationId xmlns:a16="http://schemas.microsoft.com/office/drawing/2014/main" id="{6510727C-C843-4D84-A07F-20F37366891D}"/>
-              </a:ext>
-            </a:extLst>
-          </p:cNvPr>
-          <p:cNvCxnSpPr/>
-          <p:nvPr/>
-        </p:nvCxnSpPr>
-        <p:spPr>
-          <a:xfrm>
-            <a:off x="3985723" y="2322177"/>
-            <a:ext cx="6325704" cy="0"/>
-          </a:xfrm>
-          <a:prstGeom prst="line">
-            <a:avLst/>
-          </a:prstGeom>
-          <a:ln>
-            <a:solidFill>
-              <a:schemeClr val="bg1"/>
-            </a:solidFill>
-          </a:ln>
-          <a:effectLst/>
-        </p:spPr>
-        <p:style>
-          <a:lnRef idx="1">
-            <a:schemeClr val="accent1"/>
-          </a:lnRef>
-          <a:fillRef idx="0">
-            <a:schemeClr val="accent1"/>
-          </a:fillRef>
-          <a:effectRef idx="0">
-            <a:schemeClr val="accent1"/>
-          </a:effectRef>
-          <a:fontRef idx="minor">
-            <a:schemeClr val="tx1"/>
-          </a:fontRef>
-        </p:style>
-      </p:cxnSp>
-      <p:sp>
-        <p:nvSpPr>
-          <p:cNvPr id="29" name="Retângulo 28"/>
-          <p:cNvSpPr/>
-          <p:nvPr/>
-        </p:nvSpPr>
-        <p:spPr>
-          <a:xfrm>
-            <a:off x="2585311" y="457815"/>
-            <a:ext cx="3777389" cy="461665"/>
-          </a:xfrm>
-          <a:prstGeom prst="rect">
-            <a:avLst/>
-          </a:prstGeom>
-          <a:noFill/>
-          <a:effectLst/>
-        </p:spPr>
-        <p:txBody>
-          <a:bodyPr wrap="square" lIns="91440" tIns="45720" rIns="91440" bIns="45720">
-            <a:spAutoFit/>
-          </a:bodyPr>
-          <a:lstStyle/>
-          <a:p>
-            <a:r>
-              <a:rPr lang="pt-BR" sz="2400" b="1" dirty="0">
-                <a:ln w="0"/>
-                <a:solidFill>
-                  <a:srgbClr val="68CBCC"/>
-                </a:solidFill>
-                <a:effectLst>
-                  <a:outerShdw blurRad="38100" dist="19050" dir="2700000" algn="tl" rotWithShape="0">
-                    <a:schemeClr val="dk1">
-                      <a:alpha val="40000"/>
-                    </a:schemeClr>
-                  </a:outerShdw>
-                </a:effectLst>
-                <a:latin typeface="Exo 2 Medium" panose="00000600000000000000" pitchFamily="50" charset="0"/>
-              </a:rPr>
-              <a:t>LUCAS YUDI GANEKO</a:t>
-            </a:r>
-            <a:endParaRPr lang="pt-BR" sz="2400" b="1" cap="none" spc="0" dirty="0">
-              <a:ln w="0"/>
-              <a:solidFill>
-                <a:srgbClr val="68CBCC"/>
-              </a:solidFill>
-              <a:effectLst>
-                <a:outerShdw blurRad="38100" dist="19050" dir="2700000" algn="tl" rotWithShape="0">
-                  <a:schemeClr val="dk1">
-                    <a:alpha val="40000"/>
-                  </a:schemeClr>
-                </a:outerShdw>
-              </a:effectLst>
-              <a:latin typeface="Exo 2 Medium" panose="00000600000000000000" pitchFamily="50" charset="0"/>
-            </a:endParaRPr>
-          </a:p>
-        </p:txBody>
-      </p:sp>
-      <p:cxnSp>
-        <p:nvCxnSpPr>
-          <p:cNvPr id="39" name="Conector reto 38">
-            <a:extLst>
-              <a:ext uri="{FF2B5EF4-FFF2-40B4-BE49-F238E27FC236}">
-                <a16:creationId xmlns:a16="http://schemas.microsoft.com/office/drawing/2014/main" id="{6510727C-C843-4D84-A07F-20F37366891D}"/>
-              </a:ext>
-            </a:extLst>
-          </p:cNvPr>
-          <p:cNvCxnSpPr/>
-          <p:nvPr/>
-        </p:nvCxnSpPr>
-        <p:spPr>
-          <a:xfrm>
-            <a:off x="4211010" y="5136284"/>
-            <a:ext cx="6325704" cy="0"/>
-          </a:xfrm>
-          <a:prstGeom prst="line">
-            <a:avLst/>
-          </a:prstGeom>
-          <a:ln>
-            <a:solidFill>
-              <a:schemeClr val="bg1"/>
-            </a:solidFill>
-          </a:ln>
-          <a:effectLst/>
-        </p:spPr>
-        <p:style>
-          <a:lnRef idx="1">
-            <a:schemeClr val="accent1"/>
-          </a:lnRef>
-          <a:fillRef idx="0">
-            <a:schemeClr val="accent1"/>
-          </a:fillRef>
-          <a:effectRef idx="0">
-            <a:schemeClr val="accent1"/>
-          </a:effectRef>
-          <a:fontRef idx="minor">
-            <a:schemeClr val="tx1"/>
-          </a:fontRef>
-        </p:style>
-      </p:cxnSp>
-      <p:sp>
-        <p:nvSpPr>
-          <p:cNvPr id="24" name="Elipse 23"/>
-          <p:cNvSpPr/>
-          <p:nvPr/>
-        </p:nvSpPr>
-        <p:spPr>
-          <a:xfrm>
-            <a:off x="9685873" y="1607817"/>
-            <a:ext cx="2178122" cy="2178122"/>
-          </a:xfrm>
-          <a:prstGeom prst="ellipse">
-            <a:avLst/>
-          </a:prstGeom>
-          <a:solidFill>
-            <a:schemeClr val="bg1"/>
-          </a:solidFill>
-          <a:ln>
-            <a:noFill/>
-          </a:ln>
-          <a:effectLst>
-            <a:outerShdw blurRad="50800" dist="38100" dir="2700000" algn="tl" rotWithShape="0">
-              <a:prstClr val="black">
-                <a:alpha val="40000"/>
-              </a:prstClr>
-            </a:outerShdw>
-          </a:effectLst>
-        </p:spPr>
-        <p:style>
-          <a:lnRef idx="2">
-            <a:schemeClr val="accent1">
-              <a:shade val="50000"/>
-            </a:schemeClr>
-          </a:lnRef>
-          <a:fillRef idx="1">
-            <a:schemeClr val="accent1"/>
-          </a:fillRef>
-          <a:effectRef idx="0">
-            <a:schemeClr val="accent1"/>
-          </a:effectRef>
-          <a:fontRef idx="minor">
-            <a:schemeClr val="lt1"/>
-          </a:fontRef>
-        </p:style>
-        <p:txBody>
-          <a:bodyPr rtlCol="0" anchor="ctr"/>
-          <a:lstStyle/>
-          <a:p>
-            <a:pPr algn="ctr"/>
-            <a:endParaRPr lang="pt-BR" dirty="0"/>
-          </a:p>
-        </p:txBody>
-      </p:sp>
-      <p:cxnSp>
-        <p:nvCxnSpPr>
-          <p:cNvPr id="38" name="Conector reto 37">
-            <a:extLst>
-              <a:ext uri="{FF2B5EF4-FFF2-40B4-BE49-F238E27FC236}">
-                <a16:creationId xmlns:a16="http://schemas.microsoft.com/office/drawing/2014/main" id="{6510727C-C843-4D84-A07F-20F37366891D}"/>
-              </a:ext>
-            </a:extLst>
-          </p:cNvPr>
-          <p:cNvCxnSpPr/>
-          <p:nvPr/>
-        </p:nvCxnSpPr>
-        <p:spPr>
-          <a:xfrm>
-            <a:off x="1564554" y="3699968"/>
-            <a:ext cx="6325704" cy="0"/>
-          </a:xfrm>
-          <a:prstGeom prst="line">
-            <a:avLst/>
-          </a:prstGeom>
-          <a:ln>
-            <a:solidFill>
-              <a:schemeClr val="bg1"/>
-            </a:solidFill>
-          </a:ln>
-          <a:effectLst/>
-        </p:spPr>
-        <p:style>
-          <a:lnRef idx="1">
-            <a:schemeClr val="accent1"/>
-          </a:lnRef>
-          <a:fillRef idx="0">
-            <a:schemeClr val="accent1"/>
-          </a:fillRef>
-          <a:effectRef idx="0">
-            <a:schemeClr val="accent1"/>
-          </a:effectRef>
-          <a:fontRef idx="minor">
-            <a:schemeClr val="tx1"/>
-          </a:fontRef>
-        </p:style>
-      </p:cxnSp>
-      <p:grpSp>
-        <p:nvGrpSpPr>
-          <p:cNvPr id="11" name="Agrupar 10"/>
-          <p:cNvGrpSpPr/>
-          <p:nvPr/>
-        </p:nvGrpSpPr>
-        <p:grpSpPr>
-          <a:xfrm>
-            <a:off x="9694221" y="4478859"/>
-            <a:ext cx="2178122" cy="2178122"/>
-            <a:chOff x="9261512" y="2312259"/>
-            <a:chExt cx="2178122" cy="2178122"/>
-          </a:xfrm>
-          <a:effectLst/>
-        </p:grpSpPr>
-        <p:sp>
-          <p:nvSpPr>
-            <p:cNvPr id="33" name="Elipse 32"/>
-            <p:cNvSpPr/>
-            <p:nvPr/>
-          </p:nvSpPr>
-          <p:spPr>
-            <a:xfrm>
-              <a:off x="9261512" y="2312259"/>
-              <a:ext cx="2178122" cy="2178122"/>
-            </a:xfrm>
-            <a:prstGeom prst="ellipse">
-              <a:avLst/>
-            </a:prstGeom>
-            <a:solidFill>
-              <a:schemeClr val="bg1"/>
-            </a:solidFill>
-            <a:ln>
-              <a:noFill/>
-            </a:ln>
-            <a:effectLst>
-              <a:outerShdw blurRad="50800" dist="38100" dir="2700000" algn="tl" rotWithShape="0">
-                <a:prstClr val="black">
-                  <a:alpha val="40000"/>
-                </a:prstClr>
-              </a:outerShdw>
-            </a:effectLst>
-          </p:spPr>
-          <p:style>
-            <a:lnRef idx="2">
-              <a:schemeClr val="accent1">
-                <a:shade val="50000"/>
-              </a:schemeClr>
-            </a:lnRef>
-            <a:fillRef idx="1">
-              <a:schemeClr val="accent1"/>
-            </a:fillRef>
-            <a:effectRef idx="0">
-              <a:schemeClr val="accent1"/>
-            </a:effectRef>
-            <a:fontRef idx="minor">
-              <a:schemeClr val="lt1"/>
-            </a:fontRef>
-          </p:style>
-          <p:txBody>
-            <a:bodyPr rtlCol="0" anchor="ctr"/>
-            <a:lstStyle/>
-            <a:p>
-              <a:pPr algn="ctr"/>
-              <a:endParaRPr lang="pt-BR" dirty="0"/>
-            </a:p>
-          </p:txBody>
-        </p:sp>
-        <p:pic>
-          <p:nvPicPr>
-            <p:cNvPr id="35" name="Imagem 34"/>
-            <p:cNvPicPr>
-              <a:picLocks noChangeAspect="1"/>
-            </p:cNvPicPr>
-            <p:nvPr/>
-          </p:nvPicPr>
-          <p:blipFill>
-            <a:blip r:embed="rId5" cstate="print">
-              <a:extLst>
-                <a:ext uri="{28A0092B-C50C-407E-A947-70E740481C1C}">
-                  <a14:useLocalDpi xmlns:a14="http://schemas.microsoft.com/office/drawing/2010/main" val="0"/>
-                </a:ext>
-              </a:extLst>
-            </a:blip>
-            <a:stretch>
-              <a:fillRect/>
-            </a:stretch>
-          </p:blipFill>
-          <p:spPr>
-            <a:xfrm>
-              <a:off x="9549631" y="2444571"/>
-              <a:ext cx="1601884" cy="1601884"/>
-            </a:xfrm>
-            <a:prstGeom prst="rect">
-              <a:avLst/>
-            </a:prstGeom>
-          </p:spPr>
-        </p:pic>
-        <p:pic>
-          <p:nvPicPr>
-            <p:cNvPr id="36" name="Picture 8" descr="https://3dsupply.de/en/composition/noob-cap-cap-cap-front~eJwdijkKgDAQRa8SppYwk_xsXkUsBC0CggHTiXc3Y_mWh1qn2QhySbGIE8uToToU7Uff6kkD-78ElwEW7_6lXbdKnbUughgSPEdYXrUPGQW6ag8Z6f0Ad2cYzg==.png"/>
-            <p:cNvPicPr>
-              <a:picLocks noChangeAspect="1" noChangeArrowheads="1"/>
-            </p:cNvPicPr>
-            <p:nvPr/>
-          </p:nvPicPr>
-          <p:blipFill>
-            <a:blip r:embed="rId6" cstate="print">
-              <a:extLst>
-                <a:ext uri="{BEBA8EAE-BF5A-486C-A8C5-ECC9F3942E4B}">
-                  <a14:imgProps xmlns:a14="http://schemas.microsoft.com/office/drawing/2010/main">
-                    <a14:imgLayer r:embed="rId7">
-                      <a14:imgEffect>
-                        <a14:saturation sat="0"/>
-                      </a14:imgEffect>
-                      <a14:imgEffect>
-                        <a14:brightnessContrast bright="-20000" contrast="40000"/>
-                      </a14:imgEffect>
-                    </a14:imgLayer>
-                  </a14:imgProps>
-                </a:ext>
-                <a:ext uri="{28A0092B-C50C-407E-A947-70E740481C1C}">
-                  <a14:useLocalDpi xmlns:a14="http://schemas.microsoft.com/office/drawing/2010/main" val="0"/>
-                </a:ext>
-              </a:extLst>
-            </a:blip>
-            <a:srcRect/>
-            <a:stretch>
-              <a:fillRect/>
-            </a:stretch>
-          </p:blipFill>
-          <p:spPr bwMode="auto">
-            <a:xfrm>
-              <a:off x="9874817" y="2350360"/>
-              <a:ext cx="945583" cy="640312"/>
-            </a:xfrm>
-            <a:prstGeom prst="rect">
-              <a:avLst/>
-            </a:prstGeom>
-            <a:noFill/>
-            <a:extLst>
-              <a:ext uri="{909E8E84-426E-40DD-AFC4-6F175D3DCCD1}">
-                <a14:hiddenFill xmlns:a14="http://schemas.microsoft.com/office/drawing/2010/main">
-                  <a:solidFill>
-                    <a:srgbClr val="FFFFFF"/>
-                  </a:solidFill>
-                </a14:hiddenFill>
-              </a:ext>
-            </a:extLst>
-          </p:spPr>
-        </p:pic>
-      </p:grpSp>
-      <p:grpSp>
-        <p:nvGrpSpPr>
-          <p:cNvPr id="9" name="Agrupar 8"/>
-          <p:cNvGrpSpPr/>
-          <p:nvPr/>
-        </p:nvGrpSpPr>
-        <p:grpSpPr>
-          <a:xfrm>
-            <a:off x="349861" y="3137775"/>
-            <a:ext cx="2178122" cy="2276565"/>
-            <a:chOff x="6419066" y="2210154"/>
-            <a:chExt cx="2178122" cy="2276565"/>
-          </a:xfrm>
-          <a:effectLst/>
-        </p:grpSpPr>
-        <p:sp>
-          <p:nvSpPr>
-            <p:cNvPr id="32" name="Elipse 31"/>
-            <p:cNvSpPr/>
-            <p:nvPr/>
-          </p:nvSpPr>
-          <p:spPr>
-            <a:xfrm>
-              <a:off x="6419066" y="2308597"/>
-              <a:ext cx="2178122" cy="2178122"/>
-            </a:xfrm>
-            <a:prstGeom prst="ellipse">
-              <a:avLst/>
-            </a:prstGeom>
-            <a:solidFill>
-              <a:schemeClr val="bg1"/>
-            </a:solidFill>
-            <a:ln>
-              <a:noFill/>
-            </a:ln>
-            <a:effectLst>
-              <a:outerShdw blurRad="50800" dist="38100" dir="2700000" algn="tl" rotWithShape="0">
-                <a:prstClr val="black">
-                  <a:alpha val="40000"/>
-                </a:prstClr>
-              </a:outerShdw>
-            </a:effectLst>
-          </p:spPr>
-          <p:style>
-            <a:lnRef idx="2">
-              <a:schemeClr val="accent1">
-                <a:shade val="50000"/>
-              </a:schemeClr>
-            </a:lnRef>
-            <a:fillRef idx="1">
-              <a:schemeClr val="accent1"/>
-            </a:fillRef>
-            <a:effectRef idx="0">
-              <a:schemeClr val="accent1"/>
-            </a:effectRef>
-            <a:fontRef idx="minor">
-              <a:schemeClr val="lt1"/>
-            </a:fontRef>
-          </p:style>
-          <p:txBody>
-            <a:bodyPr rtlCol="0" anchor="ctr"/>
-            <a:lstStyle/>
-            <a:p>
-              <a:pPr algn="ctr"/>
-              <a:endParaRPr lang="pt-BR" dirty="0"/>
-            </a:p>
-          </p:txBody>
-        </p:sp>
-        <p:pic>
-          <p:nvPicPr>
-            <p:cNvPr id="34" name="Imagem 33"/>
-            <p:cNvPicPr>
-              <a:picLocks noChangeAspect="1"/>
-            </p:cNvPicPr>
-            <p:nvPr/>
-          </p:nvPicPr>
-          <p:blipFill>
-            <a:blip r:embed="rId8" cstate="print">
-              <a:extLst>
-                <a:ext uri="{28A0092B-C50C-407E-A947-70E740481C1C}">
-                  <a14:useLocalDpi xmlns:a14="http://schemas.microsoft.com/office/drawing/2010/main" val="0"/>
-                </a:ext>
-              </a:extLst>
-            </a:blip>
-            <a:stretch>
-              <a:fillRect/>
-            </a:stretch>
-          </p:blipFill>
-          <p:spPr>
-            <a:xfrm>
-              <a:off x="6696093" y="2444571"/>
-              <a:ext cx="1601884" cy="1601884"/>
-            </a:xfrm>
-            <a:prstGeom prst="rect">
-              <a:avLst/>
-            </a:prstGeom>
-          </p:spPr>
-        </p:pic>
-        <p:pic>
-          <p:nvPicPr>
-            <p:cNvPr id="37" name="Picture 2" descr="Imagem relacionada"/>
-            <p:cNvPicPr>
-              <a:picLocks noChangeAspect="1" noChangeArrowheads="1"/>
-            </p:cNvPicPr>
-            <p:nvPr/>
-          </p:nvPicPr>
-          <p:blipFill>
-            <a:blip r:embed="rId9">
-              <a:duotone>
-                <a:prstClr val="black"/>
-                <a:schemeClr val="accent1">
-                  <a:tint val="45000"/>
-                  <a:satMod val="400000"/>
-                </a:schemeClr>
-              </a:duotone>
-              <a:extLst>
-                <a:ext uri="{BEBA8EAE-BF5A-486C-A8C5-ECC9F3942E4B}">
-                  <a14:imgProps xmlns:a14="http://schemas.microsoft.com/office/drawing/2010/main">
-                    <a14:imgLayer r:embed="rId10">
-                      <a14:imgEffect>
-                        <a14:backgroundRemoval t="19588" b="85052" l="1799" r="96403"/>
-                      </a14:imgEffect>
-                      <a14:imgEffect>
-                        <a14:brightnessContrast bright="-40000" contrast="-40000"/>
-                      </a14:imgEffect>
-                    </a14:imgLayer>
-                  </a14:imgProps>
-                </a:ext>
-                <a:ext uri="{28A0092B-C50C-407E-A947-70E740481C1C}">
-                  <a14:useLocalDpi xmlns:a14="http://schemas.microsoft.com/office/drawing/2010/main" val="0"/>
-                </a:ext>
-              </a:extLst>
-            </a:blip>
-            <a:srcRect/>
-            <a:stretch>
-              <a:fillRect/>
-            </a:stretch>
-          </p:blipFill>
-          <p:spPr bwMode="auto">
-            <a:xfrm flipH="1">
-              <a:off x="6924223" y="2210154"/>
-              <a:ext cx="1091511" cy="925514"/>
-            </a:xfrm>
-            <a:prstGeom prst="rect">
-              <a:avLst/>
-            </a:prstGeom>
-            <a:noFill/>
-            <a:extLst>
-              <a:ext uri="{909E8E84-426E-40DD-AFC4-6F175D3DCCD1}">
-                <a14:hiddenFill xmlns:a14="http://schemas.microsoft.com/office/drawing/2010/main">
-                  <a:solidFill>
-                    <a:srgbClr val="FFFFFF"/>
-                  </a:solidFill>
-                </a14:hiddenFill>
-              </a:ext>
-            </a:extLst>
-          </p:spPr>
-        </p:pic>
-      </p:grpSp>
-      <p:sp>
-        <p:nvSpPr>
-          <p:cNvPr id="40" name="Retângulo 39"/>
-          <p:cNvSpPr/>
-          <p:nvPr/>
-        </p:nvSpPr>
-        <p:spPr>
-          <a:xfrm>
-            <a:off x="6287171" y="1848190"/>
-            <a:ext cx="3368711" cy="461665"/>
-          </a:xfrm>
-          <a:prstGeom prst="rect">
-            <a:avLst/>
-          </a:prstGeom>
-          <a:noFill/>
-          <a:effectLst/>
-        </p:spPr>
-        <p:txBody>
-          <a:bodyPr wrap="square" lIns="91440" tIns="45720" rIns="91440" bIns="45720">
-            <a:spAutoFit/>
-          </a:bodyPr>
-          <a:lstStyle/>
-          <a:p>
-            <a:pPr algn="r"/>
-            <a:r>
-              <a:rPr lang="pt-BR" sz="2400" b="1" dirty="0">
-                <a:ln w="0"/>
-                <a:solidFill>
-                  <a:srgbClr val="68CBCC"/>
-                </a:solidFill>
-                <a:effectLst>
-                  <a:outerShdw blurRad="38100" dist="19050" dir="2700000" algn="tl" rotWithShape="0">
-                    <a:schemeClr val="dk1">
-                      <a:alpha val="40000"/>
-                    </a:schemeClr>
-                  </a:outerShdw>
-                </a:effectLst>
-                <a:latin typeface="Exo 2 Medium" panose="00000600000000000000" pitchFamily="50" charset="0"/>
-              </a:rPr>
-              <a:t>RODOLFO GREGÓRIO</a:t>
-            </a:r>
-            <a:endParaRPr lang="pt-BR" sz="2400" b="1" cap="none" spc="0" dirty="0">
-              <a:ln w="0"/>
-              <a:solidFill>
-                <a:srgbClr val="68CBCC"/>
-              </a:solidFill>
-              <a:effectLst>
-                <a:outerShdw blurRad="38100" dist="19050" dir="2700000" algn="tl" rotWithShape="0">
-                  <a:schemeClr val="dk1">
-                    <a:alpha val="40000"/>
-                  </a:schemeClr>
-                </a:outerShdw>
-              </a:effectLst>
-              <a:latin typeface="Exo 2 Medium" panose="00000600000000000000" pitchFamily="50" charset="0"/>
-            </a:endParaRPr>
-          </a:p>
-        </p:txBody>
-      </p:sp>
-      <p:sp>
-        <p:nvSpPr>
-          <p:cNvPr id="41" name="Retângulo 40"/>
-          <p:cNvSpPr/>
-          <p:nvPr/>
-        </p:nvSpPr>
-        <p:spPr>
-          <a:xfrm>
-            <a:off x="6055591" y="4667275"/>
-            <a:ext cx="3575384" cy="461665"/>
-          </a:xfrm>
-          <a:prstGeom prst="rect">
-            <a:avLst/>
-          </a:prstGeom>
-          <a:noFill/>
-          <a:effectLst/>
-        </p:spPr>
-        <p:txBody>
-          <a:bodyPr wrap="square" lIns="91440" tIns="45720" rIns="91440" bIns="45720">
-            <a:spAutoFit/>
-          </a:bodyPr>
-          <a:lstStyle/>
-          <a:p>
-            <a:pPr algn="r"/>
-            <a:r>
-              <a:rPr lang="pt-BR" sz="2400" b="1" dirty="0">
-                <a:ln w="0"/>
-                <a:solidFill>
-                  <a:srgbClr val="68CBCC"/>
-                </a:solidFill>
-                <a:effectLst>
-                  <a:outerShdw blurRad="38100" dist="19050" dir="2700000" algn="tl" rotWithShape="0">
-                    <a:schemeClr val="dk1">
-                      <a:alpha val="40000"/>
-                    </a:schemeClr>
-                  </a:outerShdw>
-                </a:effectLst>
-                <a:latin typeface="Exo 2 Medium" panose="00000600000000000000" pitchFamily="50" charset="0"/>
-              </a:rPr>
-              <a:t>MATHEUS DE OLIVEIRA</a:t>
-            </a:r>
-            <a:endParaRPr lang="pt-BR" sz="2400" b="1" cap="none" spc="0" dirty="0">
-              <a:ln w="0"/>
-              <a:solidFill>
-                <a:srgbClr val="68CBCC"/>
-              </a:solidFill>
-              <a:effectLst>
-                <a:outerShdw blurRad="38100" dist="19050" dir="2700000" algn="tl" rotWithShape="0">
-                  <a:schemeClr val="dk1">
-                    <a:alpha val="40000"/>
-                  </a:schemeClr>
-                </a:outerShdw>
-              </a:effectLst>
-              <a:latin typeface="Exo 2 Medium" panose="00000600000000000000" pitchFamily="50" charset="0"/>
-            </a:endParaRPr>
-          </a:p>
-        </p:txBody>
-      </p:sp>
-      <p:sp>
-        <p:nvSpPr>
-          <p:cNvPr id="42" name="Retângulo 41"/>
-          <p:cNvSpPr/>
-          <p:nvPr/>
-        </p:nvSpPr>
-        <p:spPr>
-          <a:xfrm>
-            <a:off x="2276264" y="3226768"/>
-            <a:ext cx="3185689" cy="461665"/>
-          </a:xfrm>
-          <a:prstGeom prst="rect">
-            <a:avLst/>
-          </a:prstGeom>
-          <a:noFill/>
-          <a:effectLst/>
-        </p:spPr>
-        <p:txBody>
-          <a:bodyPr wrap="square" lIns="91440" tIns="45720" rIns="91440" bIns="45720">
-            <a:spAutoFit/>
-          </a:bodyPr>
-          <a:lstStyle/>
-          <a:p>
-            <a:pPr algn="ctr"/>
-            <a:r>
-              <a:rPr lang="pt-BR" sz="2400" b="1" dirty="0">
-                <a:ln w="0"/>
-                <a:solidFill>
-                  <a:srgbClr val="68CBCC"/>
-                </a:solidFill>
-                <a:effectLst>
-                  <a:outerShdw blurRad="38100" dist="19050" dir="2700000" algn="tl" rotWithShape="0">
-                    <a:schemeClr val="dk1">
-                      <a:alpha val="40000"/>
-                    </a:schemeClr>
-                  </a:outerShdw>
-                </a:effectLst>
-                <a:latin typeface="Exo 2 Medium" panose="00000600000000000000" pitchFamily="50" charset="0"/>
-              </a:rPr>
-              <a:t>LUCAS BEZERRA</a:t>
-            </a:r>
-            <a:endParaRPr lang="pt-BR" sz="2400" b="1" cap="none" spc="0" dirty="0">
-              <a:ln w="0"/>
-              <a:solidFill>
-                <a:srgbClr val="68CBCC"/>
-              </a:solidFill>
-              <a:effectLst>
-                <a:outerShdw blurRad="38100" dist="19050" dir="2700000" algn="tl" rotWithShape="0">
-                  <a:schemeClr val="dk1">
-                    <a:alpha val="40000"/>
-                  </a:schemeClr>
-                </a:outerShdw>
-              </a:effectLst>
-              <a:latin typeface="Exo 2 Medium" panose="00000600000000000000" pitchFamily="50" charset="0"/>
-            </a:endParaRPr>
-          </a:p>
-        </p:txBody>
-      </p:sp>
-      <p:sp>
-        <p:nvSpPr>
-          <p:cNvPr id="50" name="Retângulo 49"/>
-          <p:cNvSpPr/>
-          <p:nvPr/>
-        </p:nvSpPr>
-        <p:spPr>
-          <a:xfrm>
-            <a:off x="2588983" y="945156"/>
-            <a:ext cx="6342982" cy="923330"/>
-          </a:xfrm>
-          <a:prstGeom prst="rect">
-            <a:avLst/>
-          </a:prstGeom>
-          <a:noFill/>
-          <a:effectLst/>
-        </p:spPr>
-        <p:txBody>
-          <a:bodyPr wrap="square" lIns="91440" tIns="45720" rIns="91440" bIns="45720">
-            <a:spAutoFit/>
-          </a:bodyPr>
-          <a:lstStyle/>
-          <a:p>
-            <a:r>
-              <a:rPr lang="pt-BR" b="1" cap="none" spc="0" dirty="0">
-                <a:ln w="0"/>
-                <a:solidFill>
-                  <a:schemeClr val="bg1"/>
-                </a:solidFill>
-                <a:effectLst>
-                  <a:outerShdw blurRad="38100" dist="19050" dir="2700000" algn="tl" rotWithShape="0">
-                    <a:schemeClr val="dk1">
-                      <a:alpha val="40000"/>
-                    </a:schemeClr>
-                  </a:outerShdw>
-                </a:effectLst>
-                <a:latin typeface="Exo 2 Extra Light" panose="00000300000000000000" pitchFamily="50" charset="0"/>
-              </a:rPr>
-              <a:t>Desenvolvimento front-end</a:t>
-            </a:r>
-          </a:p>
-          <a:p>
-            <a:r>
-              <a:rPr lang="pt-BR" b="1" dirty="0">
-                <a:ln w="0"/>
-                <a:solidFill>
-                  <a:schemeClr val="bg1"/>
-                </a:solidFill>
-                <a:effectLst>
-                  <a:outerShdw blurRad="38100" dist="19050" dir="2700000" algn="tl" rotWithShape="0">
-                    <a:schemeClr val="dk1">
-                      <a:alpha val="40000"/>
-                    </a:schemeClr>
-                  </a:outerShdw>
-                </a:effectLst>
-                <a:latin typeface="Exo 2 Extra Light" panose="00000300000000000000" pitchFamily="50" charset="0"/>
-              </a:rPr>
-              <a:t>Planejamento do projeto </a:t>
-            </a:r>
-            <a:endParaRPr lang="pt-BR" b="1" cap="none" spc="0" dirty="0">
-              <a:ln w="0"/>
-              <a:solidFill>
-                <a:schemeClr val="bg1"/>
-              </a:solidFill>
-              <a:effectLst>
-                <a:outerShdw blurRad="38100" dist="19050" dir="2700000" algn="tl" rotWithShape="0">
-                  <a:schemeClr val="dk1">
-                    <a:alpha val="40000"/>
-                  </a:schemeClr>
-                </a:outerShdw>
-              </a:effectLst>
-              <a:latin typeface="Exo 2 Extra Light" panose="00000300000000000000" pitchFamily="50" charset="0"/>
-            </a:endParaRPr>
-          </a:p>
-          <a:p>
-            <a:r>
-              <a:rPr lang="pt-BR" b="1" dirty="0">
-                <a:ln w="0"/>
-                <a:solidFill>
-                  <a:schemeClr val="bg1"/>
-                </a:solidFill>
-                <a:effectLst>
-                  <a:outerShdw blurRad="38100" dist="19050" dir="2700000" algn="tl" rotWithShape="0">
-                    <a:schemeClr val="dk1">
-                      <a:alpha val="40000"/>
-                    </a:schemeClr>
-                  </a:outerShdw>
-                </a:effectLst>
-                <a:latin typeface="Exo 2 Extra Light" panose="00000300000000000000" pitchFamily="50" charset="0"/>
-              </a:rPr>
-              <a:t>Documentação do projeto    </a:t>
-            </a:r>
-            <a:endParaRPr lang="pt-BR" b="1" cap="none" spc="0" dirty="0">
-              <a:ln w="0"/>
-              <a:solidFill>
-                <a:schemeClr val="bg1"/>
-              </a:solidFill>
-              <a:effectLst>
-                <a:outerShdw blurRad="38100" dist="19050" dir="2700000" algn="tl" rotWithShape="0">
-                  <a:schemeClr val="dk1">
-                    <a:alpha val="40000"/>
-                  </a:schemeClr>
-                </a:outerShdw>
-              </a:effectLst>
-              <a:latin typeface="Exo 2 Extra Light" panose="00000300000000000000" pitchFamily="50" charset="0"/>
-            </a:endParaRPr>
-          </a:p>
-        </p:txBody>
-      </p:sp>
-      <p:sp>
-        <p:nvSpPr>
-          <p:cNvPr id="51" name="Retângulo 50"/>
-          <p:cNvSpPr/>
-          <p:nvPr/>
-        </p:nvSpPr>
-        <p:spPr>
-          <a:xfrm>
-            <a:off x="3260035" y="2339232"/>
-            <a:ext cx="6361182" cy="923330"/>
-          </a:xfrm>
-          <a:prstGeom prst="rect">
-            <a:avLst/>
-          </a:prstGeom>
-          <a:noFill/>
-          <a:effectLst/>
-        </p:spPr>
-        <p:txBody>
-          <a:bodyPr wrap="square" lIns="91440" tIns="45720" rIns="91440" bIns="45720">
-            <a:spAutoFit/>
-          </a:bodyPr>
-          <a:lstStyle/>
-          <a:p>
-            <a:pPr algn="r"/>
-            <a:r>
-              <a:rPr lang="pt-BR" b="1" cap="none" spc="0" dirty="0">
-                <a:ln w="0"/>
-                <a:solidFill>
-                  <a:schemeClr val="bg1"/>
-                </a:solidFill>
-                <a:effectLst>
-                  <a:outerShdw blurRad="38100" dist="19050" dir="2700000" algn="tl" rotWithShape="0">
-                    <a:schemeClr val="dk1">
-                      <a:alpha val="40000"/>
-                    </a:schemeClr>
-                  </a:outerShdw>
-                </a:effectLst>
-                <a:latin typeface="Exo 2 Extra Light" panose="00000300000000000000" pitchFamily="50" charset="0"/>
-              </a:rPr>
-              <a:t>Desenvolvimento back-end</a:t>
-            </a:r>
-          </a:p>
-          <a:p>
-            <a:pPr algn="r"/>
-            <a:r>
-              <a:rPr lang="pt-BR" b="1" dirty="0">
-                <a:ln w="0"/>
-                <a:solidFill>
-                  <a:schemeClr val="bg1"/>
-                </a:solidFill>
-                <a:effectLst>
-                  <a:outerShdw blurRad="38100" dist="19050" dir="2700000" algn="tl" rotWithShape="0">
-                    <a:schemeClr val="dk1">
-                      <a:alpha val="40000"/>
-                    </a:schemeClr>
-                  </a:outerShdw>
-                </a:effectLst>
-                <a:latin typeface="Exo 2 Extra Light" panose="00000300000000000000" pitchFamily="50" charset="0"/>
-              </a:rPr>
-              <a:t>Arquitetura da aplicação web</a:t>
-            </a:r>
-            <a:endParaRPr lang="pt-BR" b="1" cap="none" spc="0" dirty="0">
-              <a:ln w="0"/>
-              <a:solidFill>
-                <a:schemeClr val="bg1"/>
-              </a:solidFill>
-              <a:effectLst>
-                <a:outerShdw blurRad="38100" dist="19050" dir="2700000" algn="tl" rotWithShape="0">
-                  <a:schemeClr val="dk1">
-                    <a:alpha val="40000"/>
-                  </a:schemeClr>
-                </a:outerShdw>
-              </a:effectLst>
-              <a:latin typeface="Exo 2 Extra Light" panose="00000300000000000000" pitchFamily="50" charset="0"/>
-            </a:endParaRPr>
-          </a:p>
-          <a:p>
-            <a:pPr algn="r"/>
-            <a:r>
-              <a:rPr lang="pt-BR" b="1" dirty="0">
-                <a:ln w="0"/>
-                <a:solidFill>
-                  <a:schemeClr val="bg1"/>
-                </a:solidFill>
-                <a:effectLst>
-                  <a:outerShdw blurRad="38100" dist="19050" dir="2700000" algn="tl" rotWithShape="0">
-                    <a:schemeClr val="dk1">
-                      <a:alpha val="40000"/>
-                    </a:schemeClr>
-                  </a:outerShdw>
-                </a:effectLst>
-                <a:latin typeface="Exo 2 Extra Light" panose="00000300000000000000" pitchFamily="50" charset="0"/>
-              </a:rPr>
-              <a:t>Implantação do banco de dados</a:t>
-            </a:r>
-            <a:endParaRPr lang="pt-BR" b="1" cap="none" spc="0" dirty="0">
-              <a:ln w="0"/>
-              <a:solidFill>
-                <a:schemeClr val="bg1"/>
-              </a:solidFill>
-              <a:effectLst>
-                <a:outerShdw blurRad="38100" dist="19050" dir="2700000" algn="tl" rotWithShape="0">
-                  <a:schemeClr val="dk1">
-                    <a:alpha val="40000"/>
-                  </a:schemeClr>
-                </a:outerShdw>
-              </a:effectLst>
-              <a:latin typeface="Exo 2 Extra Light" panose="00000300000000000000" pitchFamily="50" charset="0"/>
-            </a:endParaRPr>
-          </a:p>
-        </p:txBody>
-      </p:sp>
-      <p:sp>
-        <p:nvSpPr>
-          <p:cNvPr id="52" name="Retângulo 51"/>
-          <p:cNvSpPr/>
-          <p:nvPr/>
-        </p:nvSpPr>
-        <p:spPr>
-          <a:xfrm>
-            <a:off x="2585311" y="3726868"/>
-            <a:ext cx="5469573" cy="923330"/>
-          </a:xfrm>
-          <a:prstGeom prst="rect">
-            <a:avLst/>
-          </a:prstGeom>
-          <a:noFill/>
-          <a:effectLst/>
-        </p:spPr>
-        <p:txBody>
-          <a:bodyPr wrap="square" lIns="91440" tIns="45720" rIns="91440" bIns="45720">
-            <a:spAutoFit/>
-          </a:bodyPr>
-          <a:lstStyle/>
-          <a:p>
-            <a:r>
-              <a:rPr lang="pt-BR" b="1" dirty="0">
-                <a:ln w="0"/>
-                <a:solidFill>
-                  <a:schemeClr val="bg1"/>
-                </a:solidFill>
-                <a:effectLst>
-                  <a:outerShdw blurRad="38100" dist="19050" dir="2700000" algn="tl" rotWithShape="0">
-                    <a:schemeClr val="dk1">
-                      <a:alpha val="40000"/>
-                    </a:schemeClr>
-                  </a:outerShdw>
-                </a:effectLst>
-                <a:latin typeface="Exo 2 Extra Light" panose="00000300000000000000" pitchFamily="50" charset="0"/>
-              </a:rPr>
-              <a:t>Auxílio no desenvolvimento do sistema</a:t>
-            </a:r>
-          </a:p>
-          <a:p>
-            <a:r>
-              <a:rPr lang="pt-BR" b="1" dirty="0">
-                <a:ln w="0"/>
-                <a:solidFill>
-                  <a:schemeClr val="bg1"/>
-                </a:solidFill>
-                <a:effectLst>
-                  <a:outerShdw blurRad="38100" dist="19050" dir="2700000" algn="tl" rotWithShape="0">
-                    <a:schemeClr val="dk1">
-                      <a:alpha val="40000"/>
-                    </a:schemeClr>
-                  </a:outerShdw>
-                </a:effectLst>
-                <a:latin typeface="Exo 2 Extra Light" panose="00000300000000000000" pitchFamily="50" charset="0"/>
-              </a:rPr>
-              <a:t>Desenvolvimento do banco de dados</a:t>
-            </a:r>
-          </a:p>
-          <a:p>
-            <a:r>
-              <a:rPr lang="pt-BR" b="1" dirty="0">
-                <a:ln w="0"/>
-                <a:solidFill>
-                  <a:schemeClr val="bg1"/>
-                </a:solidFill>
-                <a:effectLst>
-                  <a:outerShdw blurRad="38100" dist="19050" dir="2700000" algn="tl" rotWithShape="0">
-                    <a:schemeClr val="dk1">
-                      <a:alpha val="40000"/>
-                    </a:schemeClr>
-                  </a:outerShdw>
-                </a:effectLst>
-                <a:latin typeface="Exo 2 Extra Light" panose="00000300000000000000" pitchFamily="50" charset="0"/>
-              </a:rPr>
-              <a:t>Auxílio na documentação do projeto</a:t>
-            </a:r>
-          </a:p>
-        </p:txBody>
-      </p:sp>
-      <p:sp>
-        <p:nvSpPr>
-          <p:cNvPr id="53" name="Retângulo 52"/>
-          <p:cNvSpPr/>
-          <p:nvPr/>
-        </p:nvSpPr>
-        <p:spPr>
-          <a:xfrm>
-            <a:off x="4167320" y="5168356"/>
-            <a:ext cx="5469573" cy="923330"/>
-          </a:xfrm>
-          <a:prstGeom prst="rect">
-            <a:avLst/>
-          </a:prstGeom>
-          <a:noFill/>
-          <a:effectLst/>
-        </p:spPr>
-        <p:txBody>
-          <a:bodyPr wrap="square" lIns="91440" tIns="45720" rIns="91440" bIns="45720">
-            <a:spAutoFit/>
-          </a:bodyPr>
-          <a:lstStyle/>
-          <a:p>
-            <a:pPr algn="r"/>
-            <a:r>
-              <a:rPr lang="pt-BR" b="1" dirty="0">
-                <a:ln w="0"/>
-                <a:solidFill>
-                  <a:schemeClr val="bg1"/>
-                </a:solidFill>
-                <a:effectLst>
-                  <a:outerShdw blurRad="38100" dist="19050" dir="2700000" algn="tl" rotWithShape="0">
-                    <a:schemeClr val="dk1">
-                      <a:alpha val="40000"/>
-                    </a:schemeClr>
-                  </a:outerShdw>
-                </a:effectLst>
-                <a:latin typeface="Exo 2 Extra Light" panose="00000300000000000000" pitchFamily="50" charset="0"/>
-              </a:rPr>
-              <a:t>Auxílio no desenvolvimento do sistema</a:t>
-            </a:r>
-          </a:p>
-          <a:p>
-            <a:pPr algn="r"/>
-            <a:r>
-              <a:rPr lang="pt-BR" b="1" dirty="0">
-                <a:ln w="0"/>
-                <a:solidFill>
-                  <a:schemeClr val="bg1"/>
-                </a:solidFill>
-                <a:effectLst>
-                  <a:outerShdw blurRad="38100" dist="19050" dir="2700000" algn="tl" rotWithShape="0">
-                    <a:schemeClr val="dk1">
-                      <a:alpha val="40000"/>
-                    </a:schemeClr>
-                  </a:outerShdw>
-                </a:effectLst>
-                <a:latin typeface="Exo 2 Extra Light" panose="00000300000000000000" pitchFamily="50" charset="0"/>
-              </a:rPr>
-              <a:t>Desenvolvimento dos processos de help desk</a:t>
-            </a:r>
-          </a:p>
-          <a:p>
-            <a:pPr algn="r"/>
-            <a:r>
-              <a:rPr lang="pt-BR" b="1" dirty="0">
-                <a:ln w="0"/>
-                <a:solidFill>
-                  <a:schemeClr val="bg1"/>
-                </a:solidFill>
-                <a:effectLst>
-                  <a:outerShdw blurRad="38100" dist="19050" dir="2700000" algn="tl" rotWithShape="0">
-                    <a:schemeClr val="dk1">
-                      <a:alpha val="40000"/>
-                    </a:schemeClr>
-                  </a:outerShdw>
-                </a:effectLst>
-                <a:latin typeface="Exo 2 Extra Light" panose="00000300000000000000" pitchFamily="50" charset="0"/>
-              </a:rPr>
-              <a:t>Auxílio na documentação do projeto</a:t>
-            </a:r>
-          </a:p>
-        </p:txBody>
-      </p:sp>
-      <p:pic>
-        <p:nvPicPr>
-          <p:cNvPr id="10" name="Imagem 9"/>
-          <p:cNvPicPr>
-            <a:picLocks noChangeAspect="1"/>
-          </p:cNvPicPr>
-          <p:nvPr/>
-        </p:nvPicPr>
-        <p:blipFill>
-          <a:blip r:embed="rId11" cstate="print">
-            <a:extLst>
-              <a:ext uri="{28A0092B-C50C-407E-A947-70E740481C1C}">
-                <a14:useLocalDpi xmlns:a14="http://schemas.microsoft.com/office/drawing/2010/main" val="0"/>
-              </a:ext>
-            </a:extLst>
-          </a:blip>
-          <a:stretch>
-            <a:fillRect/>
-          </a:stretch>
-        </p:blipFill>
-        <p:spPr>
-          <a:xfrm>
-            <a:off x="9970383" y="1732482"/>
-            <a:ext cx="1609101" cy="1609101"/>
-          </a:xfrm>
-          <a:prstGeom prst="rect">
-            <a:avLst/>
-          </a:prstGeom>
-        </p:spPr>
-      </p:pic>
-      <p:sp>
-        <p:nvSpPr>
-          <p:cNvPr id="30" name="Retângulo 29"/>
-          <p:cNvSpPr/>
-          <p:nvPr/>
-        </p:nvSpPr>
-        <p:spPr>
-          <a:xfrm>
-            <a:off x="2019481" y="214963"/>
-            <a:ext cx="3437737" cy="400110"/>
-          </a:xfrm>
-          <a:prstGeom prst="rect">
-            <a:avLst/>
-          </a:prstGeom>
-          <a:noFill/>
-          <a:effectLst/>
-        </p:spPr>
-        <p:txBody>
-          <a:bodyPr wrap="square" lIns="91440" tIns="45720" rIns="91440" bIns="45720">
-            <a:spAutoFit/>
-          </a:bodyPr>
-          <a:lstStyle/>
-          <a:p>
-            <a:pPr algn="ctr"/>
-            <a:r>
-              <a:rPr lang="pt-BR" sz="2000" b="1" dirty="0">
-                <a:ln w="0"/>
-                <a:solidFill>
-                  <a:schemeClr val="bg1"/>
-                </a:solidFill>
-                <a:effectLst>
-                  <a:outerShdw blurRad="38100" dist="19050" dir="2700000" algn="tl" rotWithShape="0">
-                    <a:schemeClr val="dk1">
-                      <a:alpha val="40000"/>
-                    </a:schemeClr>
-                  </a:outerShdw>
-                </a:effectLst>
-                <a:latin typeface="Exo 2 Extra Light" panose="00000300000000000000" pitchFamily="50" charset="0"/>
-              </a:rPr>
-              <a:t>PRODUCT OWNER</a:t>
-            </a:r>
-            <a:endParaRPr lang="pt-BR" sz="2000" b="1" cap="none" spc="0" dirty="0">
-              <a:ln w="0"/>
-              <a:solidFill>
-                <a:schemeClr val="bg1"/>
-              </a:solidFill>
-              <a:effectLst>
-                <a:outerShdw blurRad="38100" dist="19050" dir="2700000" algn="tl" rotWithShape="0">
-                  <a:schemeClr val="dk1">
-                    <a:alpha val="40000"/>
-                  </a:schemeClr>
-                </a:outerShdw>
-              </a:effectLst>
-              <a:latin typeface="Exo 2 Extra Light" panose="00000300000000000000" pitchFamily="50" charset="0"/>
-            </a:endParaRPr>
-          </a:p>
-        </p:txBody>
-      </p:sp>
-      <p:sp>
-        <p:nvSpPr>
-          <p:cNvPr id="47" name="Retângulo 46"/>
-          <p:cNvSpPr/>
-          <p:nvPr/>
-        </p:nvSpPr>
-        <p:spPr>
-          <a:xfrm>
-            <a:off x="6902105" y="1562587"/>
-            <a:ext cx="3437737" cy="400110"/>
-          </a:xfrm>
-          <a:prstGeom prst="rect">
-            <a:avLst/>
-          </a:prstGeom>
-          <a:noFill/>
-          <a:effectLst/>
-        </p:spPr>
-        <p:txBody>
-          <a:bodyPr wrap="square" lIns="91440" tIns="45720" rIns="91440" bIns="45720">
-            <a:spAutoFit/>
-          </a:bodyPr>
-          <a:lstStyle/>
-          <a:p>
-            <a:pPr algn="ctr"/>
-            <a:r>
-              <a:rPr lang="pt-BR" sz="2000" b="1" dirty="0">
-                <a:ln w="0"/>
-                <a:solidFill>
-                  <a:schemeClr val="bg1"/>
-                </a:solidFill>
-                <a:effectLst>
-                  <a:outerShdw blurRad="38100" dist="19050" dir="2700000" algn="tl" rotWithShape="0">
-                    <a:schemeClr val="dk1">
-                      <a:alpha val="40000"/>
-                    </a:schemeClr>
-                  </a:outerShdw>
-                </a:effectLst>
-                <a:latin typeface="Exo 2 Extra Light" panose="00000300000000000000" pitchFamily="50" charset="0"/>
-              </a:rPr>
-              <a:t>SCRUM MASTER</a:t>
-            </a:r>
-            <a:endParaRPr lang="pt-BR" sz="2000" b="1" cap="none" spc="0" dirty="0">
-              <a:ln w="0"/>
-              <a:solidFill>
-                <a:schemeClr val="bg1"/>
-              </a:solidFill>
-              <a:effectLst>
-                <a:outerShdw blurRad="38100" dist="19050" dir="2700000" algn="tl" rotWithShape="0">
-                  <a:schemeClr val="dk1">
-                    <a:alpha val="40000"/>
-                  </a:schemeClr>
-                </a:outerShdw>
-              </a:effectLst>
-              <a:latin typeface="Exo 2 Extra Light" panose="00000300000000000000" pitchFamily="50" charset="0"/>
-            </a:endParaRPr>
-          </a:p>
-        </p:txBody>
-      </p:sp>
-      <p:sp>
-        <p:nvSpPr>
-          <p:cNvPr id="48" name="Retângulo 47"/>
-          <p:cNvSpPr/>
-          <p:nvPr/>
-        </p:nvSpPr>
-        <p:spPr>
-          <a:xfrm>
-            <a:off x="1642431" y="2972082"/>
-            <a:ext cx="3437737" cy="400110"/>
-          </a:xfrm>
-          <a:prstGeom prst="rect">
-            <a:avLst/>
-          </a:prstGeom>
-          <a:noFill/>
-          <a:effectLst/>
-        </p:spPr>
-        <p:txBody>
-          <a:bodyPr wrap="square" lIns="91440" tIns="45720" rIns="91440" bIns="45720">
-            <a:spAutoFit/>
-          </a:bodyPr>
-          <a:lstStyle/>
-          <a:p>
-            <a:pPr algn="ctr"/>
-            <a:r>
-              <a:rPr lang="pt-BR" sz="2000" b="1" dirty="0">
-                <a:ln w="0"/>
-                <a:solidFill>
-                  <a:schemeClr val="bg1"/>
-                </a:solidFill>
-                <a:effectLst>
-                  <a:outerShdw blurRad="38100" dist="19050" dir="2700000" algn="tl" rotWithShape="0">
-                    <a:schemeClr val="dk1">
-                      <a:alpha val="40000"/>
-                    </a:schemeClr>
-                  </a:outerShdw>
-                </a:effectLst>
-                <a:latin typeface="Exo 2 Extra Light" panose="00000300000000000000" pitchFamily="50" charset="0"/>
-              </a:rPr>
-              <a:t>DEV TEAM</a:t>
-            </a:r>
-            <a:endParaRPr lang="pt-BR" sz="2000" b="1" cap="none" spc="0" dirty="0">
-              <a:ln w="0"/>
-              <a:solidFill>
-                <a:schemeClr val="bg1"/>
-              </a:solidFill>
-              <a:effectLst>
-                <a:outerShdw blurRad="38100" dist="19050" dir="2700000" algn="tl" rotWithShape="0">
-                  <a:schemeClr val="dk1">
-                    <a:alpha val="40000"/>
-                  </a:schemeClr>
-                </a:outerShdw>
-              </a:effectLst>
-              <a:latin typeface="Exo 2 Extra Light" panose="00000300000000000000" pitchFamily="50" charset="0"/>
-            </a:endParaRPr>
-          </a:p>
-        </p:txBody>
-      </p:sp>
-      <p:sp>
-        <p:nvSpPr>
-          <p:cNvPr id="49" name="Retângulo 48"/>
-          <p:cNvSpPr/>
-          <p:nvPr/>
-        </p:nvSpPr>
-        <p:spPr>
-          <a:xfrm>
-            <a:off x="7194418" y="4381703"/>
-            <a:ext cx="3437737" cy="400110"/>
-          </a:xfrm>
-          <a:prstGeom prst="rect">
-            <a:avLst/>
-          </a:prstGeom>
-          <a:noFill/>
-          <a:effectLst/>
-        </p:spPr>
-        <p:txBody>
-          <a:bodyPr wrap="square" lIns="91440" tIns="45720" rIns="91440" bIns="45720">
-            <a:spAutoFit/>
-          </a:bodyPr>
-          <a:lstStyle/>
-          <a:p>
-            <a:pPr algn="ctr"/>
-            <a:r>
-              <a:rPr lang="pt-BR" sz="2000" b="1" dirty="0">
-                <a:ln w="0"/>
-                <a:solidFill>
-                  <a:schemeClr val="bg1"/>
-                </a:solidFill>
-                <a:effectLst>
-                  <a:outerShdw blurRad="38100" dist="19050" dir="2700000" algn="tl" rotWithShape="0">
-                    <a:schemeClr val="dk1">
-                      <a:alpha val="40000"/>
-                    </a:schemeClr>
-                  </a:outerShdw>
-                </a:effectLst>
-                <a:latin typeface="Exo 2 Extra Light" panose="00000300000000000000" pitchFamily="50" charset="0"/>
-              </a:rPr>
-              <a:t>DEV TEAM</a:t>
-            </a:r>
-            <a:endParaRPr lang="pt-BR" sz="2000" b="1" cap="none" spc="0" dirty="0">
-              <a:ln w="0"/>
-              <a:solidFill>
-                <a:schemeClr val="bg1"/>
-              </a:solidFill>
-              <a:effectLst>
-                <a:outerShdw blurRad="38100" dist="19050" dir="2700000" algn="tl" rotWithShape="0">
-                  <a:schemeClr val="dk1">
-                    <a:alpha val="40000"/>
-                  </a:schemeClr>
-                </a:outerShdw>
-              </a:effectLst>
-              <a:latin typeface="Exo 2 Extra Light" panose="00000300000000000000" pitchFamily="50" charset="0"/>
-            </a:endParaRPr>
-          </a:p>
-        </p:txBody>
-      </p:sp>
-    </p:spTree>
-    <p:extLst>
-      <p:ext uri="{BB962C8B-B14F-4D97-AF65-F5344CB8AC3E}">
-        <p14:creationId xmlns:p14="http://schemas.microsoft.com/office/powerpoint/2010/main" val="3330219946"/>
       </p:ext>
     </p:extLst>
   </p:cSld>
@@ -29765,7 +30280,7 @@
   <a:extraClrSchemeLst/>
   <a:extLst>
     <a:ext uri="{05A4C25C-085E-4340-85A3-A5531E510DB2}">
-      <thm15:themeFamily xmlns:thm15="http://schemas.microsoft.com/office/thememl/2012/main" name="Office Theme" id="{62F939B6-93AF-4DB8-9C6B-D6C7DFDC589F}" vid="{4A3C46E8-61CC-4603-A589-7422A47A8E4A}"/>
+      <thm15:themeFamily xmlns="" xmlns:thm15="http://schemas.microsoft.com/office/thememl/2012/main" name="Office Theme" id="{62F939B6-93AF-4DB8-9C6B-D6C7DFDC589F}" vid="{4A3C46E8-61CC-4603-A589-7422A47A8E4A}"/>
     </a:ext>
   </a:extLst>
 </a:theme>

--- a/Apresentação/inSensorSemFinal.pptx
+++ b/Apresentação/inSensorSemFinal.pptx
@@ -9,26 +9,25 @@
     <p:sldId id="264" r:id="rId3"/>
     <p:sldId id="272" r:id="rId4"/>
     <p:sldId id="258" r:id="rId5"/>
-    <p:sldId id="289" r:id="rId6"/>
-    <p:sldId id="256" r:id="rId7"/>
-    <p:sldId id="265" r:id="rId8"/>
-    <p:sldId id="287" r:id="rId9"/>
-    <p:sldId id="260" r:id="rId10"/>
-    <p:sldId id="261" r:id="rId11"/>
-    <p:sldId id="262" r:id="rId12"/>
-    <p:sldId id="266" r:id="rId13"/>
-    <p:sldId id="273" r:id="rId14"/>
-    <p:sldId id="268" r:id="rId15"/>
-    <p:sldId id="269" r:id="rId16"/>
-    <p:sldId id="271" r:id="rId17"/>
-    <p:sldId id="274" r:id="rId18"/>
-    <p:sldId id="276" r:id="rId19"/>
-    <p:sldId id="277" r:id="rId20"/>
-    <p:sldId id="284" r:id="rId21"/>
-    <p:sldId id="280" r:id="rId22"/>
-    <p:sldId id="285" r:id="rId23"/>
-    <p:sldId id="282" r:id="rId24"/>
-    <p:sldId id="283" r:id="rId25"/>
+    <p:sldId id="256" r:id="rId6"/>
+    <p:sldId id="265" r:id="rId7"/>
+    <p:sldId id="287" r:id="rId8"/>
+    <p:sldId id="260" r:id="rId9"/>
+    <p:sldId id="261" r:id="rId10"/>
+    <p:sldId id="262" r:id="rId11"/>
+    <p:sldId id="266" r:id="rId12"/>
+    <p:sldId id="273" r:id="rId13"/>
+    <p:sldId id="268" r:id="rId14"/>
+    <p:sldId id="269" r:id="rId15"/>
+    <p:sldId id="271" r:id="rId16"/>
+    <p:sldId id="274" r:id="rId17"/>
+    <p:sldId id="276" r:id="rId18"/>
+    <p:sldId id="277" r:id="rId19"/>
+    <p:sldId id="284" r:id="rId20"/>
+    <p:sldId id="280" r:id="rId21"/>
+    <p:sldId id="285" r:id="rId22"/>
+    <p:sldId id="282" r:id="rId23"/>
+    <p:sldId id="283" r:id="rId24"/>
   </p:sldIdLst>
   <p:sldSz cx="12192000" cy="6858000"/>
   <p:notesSz cx="6858000" cy="9144000"/>
@@ -129,7 +128,7 @@
   </p:defaultTextStyle>
   <p:extLst>
     <p:ext uri="{EFAFB233-063F-42B5-8137-9DF3F51BA10A}">
-      <p15:sldGuideLst xmlns="" xmlns:p15="http://schemas.microsoft.com/office/powerpoint/2012/main"/>
+      <p15:sldGuideLst xmlns:p15="http://schemas.microsoft.com/office/powerpoint/2012/main" xmlns=""/>
     </p:ext>
   </p:extLst>
 </p:presentation>
@@ -264,7 +263,7 @@
           <a:p>
             <a:fld id="{1A9BD4CD-1A6A-4953-94B0-D07B000D9A03}" type="datetimeFigureOut">
               <a:rPr lang="pt-BR" smtClean="0"/>
-              <a:t>07/12/2018</a:t>
+              <a:t>10/12/2018</a:t>
             </a:fld>
             <a:endParaRPr lang="pt-BR" dirty="0"/>
           </a:p>
@@ -432,7 +431,7 @@
           <a:p>
             <a:fld id="{1A9BD4CD-1A6A-4953-94B0-D07B000D9A03}" type="datetimeFigureOut">
               <a:rPr lang="pt-BR" smtClean="0"/>
-              <a:t>07/12/2018</a:t>
+              <a:t>10/12/2018</a:t>
             </a:fld>
             <a:endParaRPr lang="pt-BR" dirty="0"/>
           </a:p>
@@ -610,7 +609,7 @@
           <a:p>
             <a:fld id="{1A9BD4CD-1A6A-4953-94B0-D07B000D9A03}" type="datetimeFigureOut">
               <a:rPr lang="pt-BR" smtClean="0"/>
-              <a:t>07/12/2018</a:t>
+              <a:t>10/12/2018</a:t>
             </a:fld>
             <a:endParaRPr lang="pt-BR" dirty="0"/>
           </a:p>
@@ -778,7 +777,7 @@
           <a:p>
             <a:fld id="{1A9BD4CD-1A6A-4953-94B0-D07B000D9A03}" type="datetimeFigureOut">
               <a:rPr lang="pt-BR" smtClean="0"/>
-              <a:t>07/12/2018</a:t>
+              <a:t>10/12/2018</a:t>
             </a:fld>
             <a:endParaRPr lang="pt-BR" dirty="0"/>
           </a:p>
@@ -1023,7 +1022,7 @@
           <a:p>
             <a:fld id="{1A9BD4CD-1A6A-4953-94B0-D07B000D9A03}" type="datetimeFigureOut">
               <a:rPr lang="pt-BR" smtClean="0"/>
-              <a:t>07/12/2018</a:t>
+              <a:t>10/12/2018</a:t>
             </a:fld>
             <a:endParaRPr lang="pt-BR" dirty="0"/>
           </a:p>
@@ -1252,7 +1251,7 @@
           <a:p>
             <a:fld id="{1A9BD4CD-1A6A-4953-94B0-D07B000D9A03}" type="datetimeFigureOut">
               <a:rPr lang="pt-BR" smtClean="0"/>
-              <a:t>07/12/2018</a:t>
+              <a:t>10/12/2018</a:t>
             </a:fld>
             <a:endParaRPr lang="pt-BR" dirty="0"/>
           </a:p>
@@ -1616,7 +1615,7 @@
           <a:p>
             <a:fld id="{1A9BD4CD-1A6A-4953-94B0-D07B000D9A03}" type="datetimeFigureOut">
               <a:rPr lang="pt-BR" smtClean="0"/>
-              <a:t>07/12/2018</a:t>
+              <a:t>10/12/2018</a:t>
             </a:fld>
             <a:endParaRPr lang="pt-BR" dirty="0"/>
           </a:p>
@@ -1733,7 +1732,7 @@
           <a:p>
             <a:fld id="{1A9BD4CD-1A6A-4953-94B0-D07B000D9A03}" type="datetimeFigureOut">
               <a:rPr lang="pt-BR" smtClean="0"/>
-              <a:t>07/12/2018</a:t>
+              <a:t>10/12/2018</a:t>
             </a:fld>
             <a:endParaRPr lang="pt-BR" dirty="0"/>
           </a:p>
@@ -1828,7 +1827,7 @@
           <a:p>
             <a:fld id="{1A9BD4CD-1A6A-4953-94B0-D07B000D9A03}" type="datetimeFigureOut">
               <a:rPr lang="pt-BR" smtClean="0"/>
-              <a:t>07/12/2018</a:t>
+              <a:t>10/12/2018</a:t>
             </a:fld>
             <a:endParaRPr lang="pt-BR" dirty="0"/>
           </a:p>
@@ -2103,7 +2102,7 @@
           <a:p>
             <a:fld id="{1A9BD4CD-1A6A-4953-94B0-D07B000D9A03}" type="datetimeFigureOut">
               <a:rPr lang="pt-BR" smtClean="0"/>
-              <a:t>07/12/2018</a:t>
+              <a:t>10/12/2018</a:t>
             </a:fld>
             <a:endParaRPr lang="pt-BR" dirty="0"/>
           </a:p>
@@ -2355,7 +2354,7 @@
           <a:p>
             <a:fld id="{1A9BD4CD-1A6A-4953-94B0-D07B000D9A03}" type="datetimeFigureOut">
               <a:rPr lang="pt-BR" smtClean="0"/>
-              <a:t>07/12/2018</a:t>
+              <a:t>10/12/2018</a:t>
             </a:fld>
             <a:endParaRPr lang="pt-BR" dirty="0"/>
           </a:p>
@@ -2572,7 +2571,7 @@
           <a:p>
             <a:fld id="{1A9BD4CD-1A6A-4953-94B0-D07B000D9A03}" type="datetimeFigureOut">
               <a:rPr lang="pt-BR" smtClean="0"/>
-              <a:t>07/12/2018</a:t>
+              <a:t>10/12/2018</a:t>
             </a:fld>
             <a:endParaRPr lang="pt-BR" dirty="0"/>
           </a:p>
@@ -3060,7 +3059,7 @@
           <p:cNvPr id="9" name="Conector reto 8">
             <a:extLst>
               <a:ext uri="{FF2B5EF4-FFF2-40B4-BE49-F238E27FC236}">
-                <a16:creationId xmlns="" xmlns:a16="http://schemas.microsoft.com/office/drawing/2014/main" id="{6510727C-C843-4D84-A07F-20F37366891D}"/>
+                <a16:creationId xmlns:a16="http://schemas.microsoft.com/office/drawing/2014/main" xmlns="" id="{6510727C-C843-4D84-A07F-20F37366891D}"/>
               </a:ext>
             </a:extLst>
           </p:cNvPr>
@@ -3525,7 +3524,7 @@
           <p:cNvPr id="12" name="Conector reto 11">
             <a:extLst>
               <a:ext uri="{FF2B5EF4-FFF2-40B4-BE49-F238E27FC236}">
-                <a16:creationId xmlns="" xmlns:a16="http://schemas.microsoft.com/office/drawing/2014/main" id="{AE5231F2-20F2-43E3-AE00-E9BD274B7EC7}"/>
+                <a16:creationId xmlns:a16="http://schemas.microsoft.com/office/drawing/2014/main" xmlns="" id="{AE5231F2-20F2-43E3-AE00-E9BD274B7EC7}"/>
               </a:ext>
             </a:extLst>
           </p:cNvPr>
@@ -3569,7 +3568,7 @@
           <p:cNvPr id="13" name="Imagem 12">
             <a:extLst>
               <a:ext uri="{FF2B5EF4-FFF2-40B4-BE49-F238E27FC236}">
-                <a16:creationId xmlns="" xmlns:a16="http://schemas.microsoft.com/office/drawing/2014/main" id="{FE19BE6A-7136-4270-BC7B-F58B33793FEC}"/>
+                <a16:creationId xmlns:a16="http://schemas.microsoft.com/office/drawing/2014/main" xmlns="" id="{FE19BE6A-7136-4270-BC7B-F58B33793FEC}"/>
               </a:ext>
             </a:extLst>
           </p:cNvPr>
@@ -3606,7 +3605,7 @@
           <p:cNvPr id="15" name="Retângulo 14">
             <a:extLst>
               <a:ext uri="{FF2B5EF4-FFF2-40B4-BE49-F238E27FC236}">
-                <a16:creationId xmlns="" xmlns:a16="http://schemas.microsoft.com/office/drawing/2014/main" id="{DAEBF0E9-611C-40AA-B044-6DD76EEDBD11}"/>
+                <a16:creationId xmlns:a16="http://schemas.microsoft.com/office/drawing/2014/main" xmlns="" id="{DAEBF0E9-611C-40AA-B044-6DD76EEDBD11}"/>
               </a:ext>
             </a:extLst>
           </p:cNvPr>
@@ -3684,1653 +3683,6 @@
 </file>
 
 <file path=ppt/slides/slide10.xml><?xml version="1.0" encoding="utf-8"?>
-<p:sld xmlns:a="http://schemas.openxmlformats.org/drawingml/2006/main" xmlns:r="http://schemas.openxmlformats.org/officeDocument/2006/relationships" xmlns:p="http://schemas.openxmlformats.org/presentationml/2006/main">
-  <p:cSld>
-    <p:spTree>
-      <p:nvGrpSpPr>
-        <p:cNvPr id="1" name=""/>
-        <p:cNvGrpSpPr/>
-        <p:nvPr/>
-      </p:nvGrpSpPr>
-      <p:grpSpPr>
-        <a:xfrm>
-          <a:off x="0" y="0"/>
-          <a:ext cx="0" cy="0"/>
-          <a:chOff x="0" y="0"/>
-          <a:chExt cx="0" cy="0"/>
-        </a:xfrm>
-      </p:grpSpPr>
-      <p:grpSp>
-        <p:nvGrpSpPr>
-          <p:cNvPr id="6" name="Agrupar 5"/>
-          <p:cNvGrpSpPr/>
-          <p:nvPr/>
-        </p:nvGrpSpPr>
-        <p:grpSpPr>
-          <a:xfrm>
-            <a:off x="0" y="-5907"/>
-            <a:ext cx="12192000" cy="6863907"/>
-            <a:chOff x="0" y="0"/>
-            <a:chExt cx="12192000" cy="6863907"/>
-          </a:xfrm>
-        </p:grpSpPr>
-        <p:pic>
-          <p:nvPicPr>
-            <p:cNvPr id="4" name="Picture 22" descr="http://www.correiodoestadoonline.com.br/arquivos/noticias/3.png"/>
-            <p:cNvPicPr>
-              <a:picLocks noChangeAspect="1" noChangeArrowheads="1"/>
-            </p:cNvPicPr>
-            <p:nvPr/>
-          </p:nvPicPr>
-          <p:blipFill>
-            <a:blip r:embed="rId2">
-              <a:extLst>
-                <a:ext uri="{BEBA8EAE-BF5A-486C-A8C5-ECC9F3942E4B}">
-                  <a14:imgProps xmlns:a14="http://schemas.microsoft.com/office/drawing/2010/main">
-                    <a14:imgLayer r:embed="rId3">
-                      <a14:imgEffect>
-                        <a14:sharpenSoften amount="-80000"/>
-                      </a14:imgEffect>
-                      <a14:imgEffect>
-                        <a14:brightnessContrast bright="-46000"/>
-                      </a14:imgEffect>
-                    </a14:imgLayer>
-                  </a14:imgProps>
-                </a:ext>
-                <a:ext uri="{28A0092B-C50C-407E-A947-70E740481C1C}">
-                  <a14:useLocalDpi xmlns:a14="http://schemas.microsoft.com/office/drawing/2010/main" val="0"/>
-                </a:ext>
-              </a:extLst>
-            </a:blip>
-            <a:srcRect/>
-            <a:stretch>
-              <a:fillRect/>
-            </a:stretch>
-          </p:blipFill>
-          <p:spPr bwMode="auto">
-            <a:xfrm>
-              <a:off x="0" y="0"/>
-              <a:ext cx="12192000" cy="6863907"/>
-            </a:xfrm>
-            <a:prstGeom prst="rect">
-              <a:avLst/>
-            </a:prstGeom>
-            <a:noFill/>
-          </p:spPr>
-        </p:pic>
-        <p:sp>
-          <p:nvSpPr>
-            <p:cNvPr id="5" name="Retângulo 4"/>
-            <p:cNvSpPr/>
-            <p:nvPr/>
-          </p:nvSpPr>
-          <p:spPr>
-            <a:xfrm>
-              <a:off x="0" y="5907"/>
-              <a:ext cx="12192000" cy="6858000"/>
-            </a:xfrm>
-            <a:prstGeom prst="rect">
-              <a:avLst/>
-            </a:prstGeom>
-            <a:solidFill>
-              <a:schemeClr val="tx1">
-                <a:lumMod val="95000"/>
-                <a:lumOff val="5000"/>
-                <a:alpha val="87000"/>
-              </a:schemeClr>
-            </a:solidFill>
-            <a:ln>
-              <a:noFill/>
-            </a:ln>
-          </p:spPr>
-          <p:style>
-            <a:lnRef idx="2">
-              <a:schemeClr val="dk1"/>
-            </a:lnRef>
-            <a:fillRef idx="1">
-              <a:schemeClr val="lt1"/>
-            </a:fillRef>
-            <a:effectRef idx="0">
-              <a:schemeClr val="dk1"/>
-            </a:effectRef>
-            <a:fontRef idx="minor">
-              <a:schemeClr val="dk1"/>
-            </a:fontRef>
-          </p:style>
-          <p:txBody>
-            <a:bodyPr rtlCol="0" anchor="ctr"/>
-            <a:lstStyle/>
-            <a:p>
-              <a:pPr algn="ctr"/>
-              <a:endParaRPr lang="pt-BR" dirty="0"/>
-            </a:p>
-          </p:txBody>
-        </p:sp>
-      </p:grpSp>
-      <p:cxnSp>
-        <p:nvCxnSpPr>
-          <p:cNvPr id="8" name="Conector reto 7">
-            <a:extLst>
-              <a:ext uri="{FF2B5EF4-FFF2-40B4-BE49-F238E27FC236}">
-                <a16:creationId xmlns="" xmlns:a16="http://schemas.microsoft.com/office/drawing/2014/main" id="{6510727C-C843-4D84-A07F-20F37366891D}"/>
-              </a:ext>
-            </a:extLst>
-          </p:cNvPr>
-          <p:cNvCxnSpPr/>
-          <p:nvPr/>
-        </p:nvCxnSpPr>
-        <p:spPr>
-          <a:xfrm>
-            <a:off x="1732853" y="919897"/>
-            <a:ext cx="6325704" cy="0"/>
-          </a:xfrm>
-          <a:prstGeom prst="line">
-            <a:avLst/>
-          </a:prstGeom>
-          <a:ln>
-            <a:solidFill>
-              <a:schemeClr val="bg1"/>
-            </a:solidFill>
-          </a:ln>
-          <a:effectLst/>
-        </p:spPr>
-        <p:style>
-          <a:lnRef idx="1">
-            <a:schemeClr val="accent1"/>
-          </a:lnRef>
-          <a:fillRef idx="0">
-            <a:schemeClr val="accent1"/>
-          </a:fillRef>
-          <a:effectRef idx="0">
-            <a:schemeClr val="accent1"/>
-          </a:effectRef>
-          <a:fontRef idx="minor">
-            <a:schemeClr val="tx1"/>
-          </a:fontRef>
-        </p:style>
-      </p:cxnSp>
-      <p:grpSp>
-        <p:nvGrpSpPr>
-          <p:cNvPr id="2" name="Agrupar 1"/>
-          <p:cNvGrpSpPr/>
-          <p:nvPr/>
-        </p:nvGrpSpPr>
-        <p:grpSpPr>
-          <a:xfrm>
-            <a:off x="349861" y="281269"/>
-            <a:ext cx="2178122" cy="2178122"/>
-            <a:chOff x="734174" y="2338243"/>
-            <a:chExt cx="2178122" cy="2178122"/>
-          </a:xfrm>
-          <a:effectLst/>
-        </p:grpSpPr>
-        <p:sp>
-          <p:nvSpPr>
-            <p:cNvPr id="17" name="Elipse 16"/>
-            <p:cNvSpPr/>
-            <p:nvPr/>
-          </p:nvSpPr>
-          <p:spPr>
-            <a:xfrm>
-              <a:off x="734174" y="2338243"/>
-              <a:ext cx="2178122" cy="2178122"/>
-            </a:xfrm>
-            <a:prstGeom prst="ellipse">
-              <a:avLst/>
-            </a:prstGeom>
-            <a:solidFill>
-              <a:schemeClr val="bg1"/>
-            </a:solidFill>
-            <a:ln>
-              <a:noFill/>
-            </a:ln>
-            <a:effectLst>
-              <a:outerShdw blurRad="50800" dist="38100" dir="2700000" algn="tl" rotWithShape="0">
-                <a:prstClr val="black">
-                  <a:alpha val="40000"/>
-                </a:prstClr>
-              </a:outerShdw>
-            </a:effectLst>
-          </p:spPr>
-          <p:style>
-            <a:lnRef idx="2">
-              <a:schemeClr val="accent1">
-                <a:shade val="50000"/>
-              </a:schemeClr>
-            </a:lnRef>
-            <a:fillRef idx="1">
-              <a:schemeClr val="accent1"/>
-            </a:fillRef>
-            <a:effectRef idx="0">
-              <a:schemeClr val="accent1"/>
-            </a:effectRef>
-            <a:fontRef idx="minor">
-              <a:schemeClr val="lt1"/>
-            </a:fontRef>
-          </p:style>
-          <p:txBody>
-            <a:bodyPr rtlCol="0" anchor="ctr"/>
-            <a:lstStyle/>
-            <a:p>
-              <a:pPr algn="ctr"/>
-              <a:endParaRPr lang="pt-BR" dirty="0"/>
-            </a:p>
-          </p:txBody>
-        </p:sp>
-        <p:pic>
-          <p:nvPicPr>
-            <p:cNvPr id="23" name="Imagem 22"/>
-            <p:cNvPicPr>
-              <a:picLocks noChangeAspect="1"/>
-            </p:cNvPicPr>
-            <p:nvPr/>
-          </p:nvPicPr>
-          <p:blipFill>
-            <a:blip r:embed="rId4" cstate="print">
-              <a:extLst>
-                <a:ext uri="{28A0092B-C50C-407E-A947-70E740481C1C}">
-                  <a14:useLocalDpi xmlns:a14="http://schemas.microsoft.com/office/drawing/2010/main" val="0"/>
-                </a:ext>
-              </a:extLst>
-            </a:blip>
-            <a:stretch>
-              <a:fillRect/>
-            </a:stretch>
-          </p:blipFill>
-          <p:spPr>
-            <a:xfrm>
-              <a:off x="1022293" y="2444571"/>
-              <a:ext cx="1601884" cy="1601884"/>
-            </a:xfrm>
-            <a:prstGeom prst="rect">
-              <a:avLst/>
-            </a:prstGeom>
-          </p:spPr>
-        </p:pic>
-      </p:grpSp>
-      <p:cxnSp>
-        <p:nvCxnSpPr>
-          <p:cNvPr id="31" name="Conector reto 30">
-            <a:extLst>
-              <a:ext uri="{FF2B5EF4-FFF2-40B4-BE49-F238E27FC236}">
-                <a16:creationId xmlns="" xmlns:a16="http://schemas.microsoft.com/office/drawing/2014/main" id="{6510727C-C843-4D84-A07F-20F37366891D}"/>
-              </a:ext>
-            </a:extLst>
-          </p:cNvPr>
-          <p:cNvCxnSpPr/>
-          <p:nvPr/>
-        </p:nvCxnSpPr>
-        <p:spPr>
-          <a:xfrm>
-            <a:off x="3985723" y="2322177"/>
-            <a:ext cx="6325704" cy="0"/>
-          </a:xfrm>
-          <a:prstGeom prst="line">
-            <a:avLst/>
-          </a:prstGeom>
-          <a:ln>
-            <a:solidFill>
-              <a:schemeClr val="bg1"/>
-            </a:solidFill>
-          </a:ln>
-          <a:effectLst/>
-        </p:spPr>
-        <p:style>
-          <a:lnRef idx="1">
-            <a:schemeClr val="accent1"/>
-          </a:lnRef>
-          <a:fillRef idx="0">
-            <a:schemeClr val="accent1"/>
-          </a:fillRef>
-          <a:effectRef idx="0">
-            <a:schemeClr val="accent1"/>
-          </a:effectRef>
-          <a:fontRef idx="minor">
-            <a:schemeClr val="tx1"/>
-          </a:fontRef>
-        </p:style>
-      </p:cxnSp>
-      <p:sp>
-        <p:nvSpPr>
-          <p:cNvPr id="29" name="Retângulo 28"/>
-          <p:cNvSpPr/>
-          <p:nvPr/>
-        </p:nvSpPr>
-        <p:spPr>
-          <a:xfrm>
-            <a:off x="2585311" y="457815"/>
-            <a:ext cx="3777389" cy="461665"/>
-          </a:xfrm>
-          <a:prstGeom prst="rect">
-            <a:avLst/>
-          </a:prstGeom>
-          <a:noFill/>
-          <a:effectLst/>
-        </p:spPr>
-        <p:txBody>
-          <a:bodyPr wrap="square" lIns="91440" tIns="45720" rIns="91440" bIns="45720">
-            <a:spAutoFit/>
-          </a:bodyPr>
-          <a:lstStyle/>
-          <a:p>
-            <a:r>
-              <a:rPr lang="pt-BR" sz="2400" b="1" dirty="0">
-                <a:ln w="0"/>
-                <a:solidFill>
-                  <a:srgbClr val="68CBCC"/>
-                </a:solidFill>
-                <a:effectLst>
-                  <a:outerShdw blurRad="38100" dist="19050" dir="2700000" algn="tl" rotWithShape="0">
-                    <a:schemeClr val="dk1">
-                      <a:alpha val="40000"/>
-                    </a:schemeClr>
-                  </a:outerShdw>
-                </a:effectLst>
-                <a:latin typeface="Exo 2 Medium" panose="00000600000000000000" pitchFamily="50" charset="0"/>
-              </a:rPr>
-              <a:t>LUCAS YUDI GANEKO</a:t>
-            </a:r>
-            <a:endParaRPr lang="pt-BR" sz="2400" b="1" cap="none" spc="0" dirty="0">
-              <a:ln w="0"/>
-              <a:solidFill>
-                <a:srgbClr val="68CBCC"/>
-              </a:solidFill>
-              <a:effectLst>
-                <a:outerShdw blurRad="38100" dist="19050" dir="2700000" algn="tl" rotWithShape="0">
-                  <a:schemeClr val="dk1">
-                    <a:alpha val="40000"/>
-                  </a:schemeClr>
-                </a:outerShdw>
-              </a:effectLst>
-              <a:latin typeface="Exo 2 Medium" panose="00000600000000000000" pitchFamily="50" charset="0"/>
-            </a:endParaRPr>
-          </a:p>
-        </p:txBody>
-      </p:sp>
-      <p:cxnSp>
-        <p:nvCxnSpPr>
-          <p:cNvPr id="39" name="Conector reto 38">
-            <a:extLst>
-              <a:ext uri="{FF2B5EF4-FFF2-40B4-BE49-F238E27FC236}">
-                <a16:creationId xmlns="" xmlns:a16="http://schemas.microsoft.com/office/drawing/2014/main" id="{6510727C-C843-4D84-A07F-20F37366891D}"/>
-              </a:ext>
-            </a:extLst>
-          </p:cNvPr>
-          <p:cNvCxnSpPr/>
-          <p:nvPr/>
-        </p:nvCxnSpPr>
-        <p:spPr>
-          <a:xfrm>
-            <a:off x="4211010" y="5136284"/>
-            <a:ext cx="6325704" cy="0"/>
-          </a:xfrm>
-          <a:prstGeom prst="line">
-            <a:avLst/>
-          </a:prstGeom>
-          <a:ln>
-            <a:solidFill>
-              <a:schemeClr val="bg1"/>
-            </a:solidFill>
-          </a:ln>
-          <a:effectLst/>
-        </p:spPr>
-        <p:style>
-          <a:lnRef idx="1">
-            <a:schemeClr val="accent1"/>
-          </a:lnRef>
-          <a:fillRef idx="0">
-            <a:schemeClr val="accent1"/>
-          </a:fillRef>
-          <a:effectRef idx="0">
-            <a:schemeClr val="accent1"/>
-          </a:effectRef>
-          <a:fontRef idx="minor">
-            <a:schemeClr val="tx1"/>
-          </a:fontRef>
-        </p:style>
-      </p:cxnSp>
-      <p:sp>
-        <p:nvSpPr>
-          <p:cNvPr id="24" name="Elipse 23"/>
-          <p:cNvSpPr/>
-          <p:nvPr/>
-        </p:nvSpPr>
-        <p:spPr>
-          <a:xfrm>
-            <a:off x="9685873" y="1607817"/>
-            <a:ext cx="2178122" cy="2178122"/>
-          </a:xfrm>
-          <a:prstGeom prst="ellipse">
-            <a:avLst/>
-          </a:prstGeom>
-          <a:solidFill>
-            <a:schemeClr val="bg1"/>
-          </a:solidFill>
-          <a:ln>
-            <a:noFill/>
-          </a:ln>
-          <a:effectLst>
-            <a:outerShdw blurRad="50800" dist="38100" dir="2700000" algn="tl" rotWithShape="0">
-              <a:prstClr val="black">
-                <a:alpha val="40000"/>
-              </a:prstClr>
-            </a:outerShdw>
-          </a:effectLst>
-        </p:spPr>
-        <p:style>
-          <a:lnRef idx="2">
-            <a:schemeClr val="accent1">
-              <a:shade val="50000"/>
-            </a:schemeClr>
-          </a:lnRef>
-          <a:fillRef idx="1">
-            <a:schemeClr val="accent1"/>
-          </a:fillRef>
-          <a:effectRef idx="0">
-            <a:schemeClr val="accent1"/>
-          </a:effectRef>
-          <a:fontRef idx="minor">
-            <a:schemeClr val="lt1"/>
-          </a:fontRef>
-        </p:style>
-        <p:txBody>
-          <a:bodyPr rtlCol="0" anchor="ctr"/>
-          <a:lstStyle/>
-          <a:p>
-            <a:pPr algn="ctr"/>
-            <a:endParaRPr lang="pt-BR" dirty="0"/>
-          </a:p>
-        </p:txBody>
-      </p:sp>
-      <p:cxnSp>
-        <p:nvCxnSpPr>
-          <p:cNvPr id="38" name="Conector reto 37">
-            <a:extLst>
-              <a:ext uri="{FF2B5EF4-FFF2-40B4-BE49-F238E27FC236}">
-                <a16:creationId xmlns="" xmlns:a16="http://schemas.microsoft.com/office/drawing/2014/main" id="{6510727C-C843-4D84-A07F-20F37366891D}"/>
-              </a:ext>
-            </a:extLst>
-          </p:cNvPr>
-          <p:cNvCxnSpPr/>
-          <p:nvPr/>
-        </p:nvCxnSpPr>
-        <p:spPr>
-          <a:xfrm>
-            <a:off x="1564554" y="3699968"/>
-            <a:ext cx="6325704" cy="0"/>
-          </a:xfrm>
-          <a:prstGeom prst="line">
-            <a:avLst/>
-          </a:prstGeom>
-          <a:ln>
-            <a:solidFill>
-              <a:schemeClr val="bg1"/>
-            </a:solidFill>
-          </a:ln>
-          <a:effectLst/>
-        </p:spPr>
-        <p:style>
-          <a:lnRef idx="1">
-            <a:schemeClr val="accent1"/>
-          </a:lnRef>
-          <a:fillRef idx="0">
-            <a:schemeClr val="accent1"/>
-          </a:fillRef>
-          <a:effectRef idx="0">
-            <a:schemeClr val="accent1"/>
-          </a:effectRef>
-          <a:fontRef idx="minor">
-            <a:schemeClr val="tx1"/>
-          </a:fontRef>
-        </p:style>
-      </p:cxnSp>
-      <p:grpSp>
-        <p:nvGrpSpPr>
-          <p:cNvPr id="11" name="Agrupar 10"/>
-          <p:cNvGrpSpPr/>
-          <p:nvPr/>
-        </p:nvGrpSpPr>
-        <p:grpSpPr>
-          <a:xfrm>
-            <a:off x="9694221" y="4478859"/>
-            <a:ext cx="2178122" cy="2178122"/>
-            <a:chOff x="9261512" y="2312259"/>
-            <a:chExt cx="2178122" cy="2178122"/>
-          </a:xfrm>
-          <a:effectLst/>
-        </p:grpSpPr>
-        <p:sp>
-          <p:nvSpPr>
-            <p:cNvPr id="33" name="Elipse 32"/>
-            <p:cNvSpPr/>
-            <p:nvPr/>
-          </p:nvSpPr>
-          <p:spPr>
-            <a:xfrm>
-              <a:off x="9261512" y="2312259"/>
-              <a:ext cx="2178122" cy="2178122"/>
-            </a:xfrm>
-            <a:prstGeom prst="ellipse">
-              <a:avLst/>
-            </a:prstGeom>
-            <a:solidFill>
-              <a:schemeClr val="bg1"/>
-            </a:solidFill>
-            <a:ln>
-              <a:noFill/>
-            </a:ln>
-            <a:effectLst>
-              <a:outerShdw blurRad="50800" dist="38100" dir="2700000" algn="tl" rotWithShape="0">
-                <a:prstClr val="black">
-                  <a:alpha val="40000"/>
-                </a:prstClr>
-              </a:outerShdw>
-            </a:effectLst>
-          </p:spPr>
-          <p:style>
-            <a:lnRef idx="2">
-              <a:schemeClr val="accent1">
-                <a:shade val="50000"/>
-              </a:schemeClr>
-            </a:lnRef>
-            <a:fillRef idx="1">
-              <a:schemeClr val="accent1"/>
-            </a:fillRef>
-            <a:effectRef idx="0">
-              <a:schemeClr val="accent1"/>
-            </a:effectRef>
-            <a:fontRef idx="minor">
-              <a:schemeClr val="lt1"/>
-            </a:fontRef>
-          </p:style>
-          <p:txBody>
-            <a:bodyPr rtlCol="0" anchor="ctr"/>
-            <a:lstStyle/>
-            <a:p>
-              <a:pPr algn="ctr"/>
-              <a:endParaRPr lang="pt-BR" dirty="0"/>
-            </a:p>
-          </p:txBody>
-        </p:sp>
-        <p:pic>
-          <p:nvPicPr>
-            <p:cNvPr id="35" name="Imagem 34"/>
-            <p:cNvPicPr>
-              <a:picLocks noChangeAspect="1"/>
-            </p:cNvPicPr>
-            <p:nvPr/>
-          </p:nvPicPr>
-          <p:blipFill>
-            <a:blip r:embed="rId5" cstate="print">
-              <a:extLst>
-                <a:ext uri="{28A0092B-C50C-407E-A947-70E740481C1C}">
-                  <a14:useLocalDpi xmlns:a14="http://schemas.microsoft.com/office/drawing/2010/main" val="0"/>
-                </a:ext>
-              </a:extLst>
-            </a:blip>
-            <a:stretch>
-              <a:fillRect/>
-            </a:stretch>
-          </p:blipFill>
-          <p:spPr>
-            <a:xfrm>
-              <a:off x="9549631" y="2444571"/>
-              <a:ext cx="1601884" cy="1601884"/>
-            </a:xfrm>
-            <a:prstGeom prst="rect">
-              <a:avLst/>
-            </a:prstGeom>
-          </p:spPr>
-        </p:pic>
-        <p:pic>
-          <p:nvPicPr>
-            <p:cNvPr id="36" name="Picture 8" descr="https://3dsupply.de/en/composition/noob-cap-cap-cap-front~eJwdijkKgDAQRa8SppYwk_xsXkUsBC0CggHTiXc3Y_mWh1qn2QhySbGIE8uToToU7Uff6kkD-78ElwEW7_6lXbdKnbUughgSPEdYXrUPGQW6ag8Z6f0Ad2cYzg==.png"/>
-            <p:cNvPicPr>
-              <a:picLocks noChangeAspect="1" noChangeArrowheads="1"/>
-            </p:cNvPicPr>
-            <p:nvPr/>
-          </p:nvPicPr>
-          <p:blipFill>
-            <a:blip r:embed="rId6" cstate="print">
-              <a:extLst>
-                <a:ext uri="{BEBA8EAE-BF5A-486C-A8C5-ECC9F3942E4B}">
-                  <a14:imgProps xmlns:a14="http://schemas.microsoft.com/office/drawing/2010/main">
-                    <a14:imgLayer r:embed="rId7">
-                      <a14:imgEffect>
-                        <a14:saturation sat="0"/>
-                      </a14:imgEffect>
-                      <a14:imgEffect>
-                        <a14:brightnessContrast bright="-20000" contrast="40000"/>
-                      </a14:imgEffect>
-                    </a14:imgLayer>
-                  </a14:imgProps>
-                </a:ext>
-                <a:ext uri="{28A0092B-C50C-407E-A947-70E740481C1C}">
-                  <a14:useLocalDpi xmlns:a14="http://schemas.microsoft.com/office/drawing/2010/main" val="0"/>
-                </a:ext>
-              </a:extLst>
-            </a:blip>
-            <a:srcRect/>
-            <a:stretch>
-              <a:fillRect/>
-            </a:stretch>
-          </p:blipFill>
-          <p:spPr bwMode="auto">
-            <a:xfrm>
-              <a:off x="9874817" y="2350360"/>
-              <a:ext cx="945583" cy="640312"/>
-            </a:xfrm>
-            <a:prstGeom prst="rect">
-              <a:avLst/>
-            </a:prstGeom>
-            <a:noFill/>
-            <a:extLst>
-              <a:ext uri="{909E8E84-426E-40DD-AFC4-6F175D3DCCD1}">
-                <a14:hiddenFill xmlns:a14="http://schemas.microsoft.com/office/drawing/2010/main">
-                  <a:solidFill>
-                    <a:srgbClr val="FFFFFF"/>
-                  </a:solidFill>
-                </a14:hiddenFill>
-              </a:ext>
-            </a:extLst>
-          </p:spPr>
-        </p:pic>
-      </p:grpSp>
-      <p:grpSp>
-        <p:nvGrpSpPr>
-          <p:cNvPr id="9" name="Agrupar 8"/>
-          <p:cNvGrpSpPr/>
-          <p:nvPr/>
-        </p:nvGrpSpPr>
-        <p:grpSpPr>
-          <a:xfrm>
-            <a:off x="349861" y="3137775"/>
-            <a:ext cx="2178122" cy="2276565"/>
-            <a:chOff x="6419066" y="2210154"/>
-            <a:chExt cx="2178122" cy="2276565"/>
-          </a:xfrm>
-          <a:effectLst/>
-        </p:grpSpPr>
-        <p:sp>
-          <p:nvSpPr>
-            <p:cNvPr id="32" name="Elipse 31"/>
-            <p:cNvSpPr/>
-            <p:nvPr/>
-          </p:nvSpPr>
-          <p:spPr>
-            <a:xfrm>
-              <a:off x="6419066" y="2308597"/>
-              <a:ext cx="2178122" cy="2178122"/>
-            </a:xfrm>
-            <a:prstGeom prst="ellipse">
-              <a:avLst/>
-            </a:prstGeom>
-            <a:solidFill>
-              <a:schemeClr val="bg1"/>
-            </a:solidFill>
-            <a:ln>
-              <a:noFill/>
-            </a:ln>
-            <a:effectLst>
-              <a:outerShdw blurRad="50800" dist="38100" dir="2700000" algn="tl" rotWithShape="0">
-                <a:prstClr val="black">
-                  <a:alpha val="40000"/>
-                </a:prstClr>
-              </a:outerShdw>
-            </a:effectLst>
-          </p:spPr>
-          <p:style>
-            <a:lnRef idx="2">
-              <a:schemeClr val="accent1">
-                <a:shade val="50000"/>
-              </a:schemeClr>
-            </a:lnRef>
-            <a:fillRef idx="1">
-              <a:schemeClr val="accent1"/>
-            </a:fillRef>
-            <a:effectRef idx="0">
-              <a:schemeClr val="accent1"/>
-            </a:effectRef>
-            <a:fontRef idx="minor">
-              <a:schemeClr val="lt1"/>
-            </a:fontRef>
-          </p:style>
-          <p:txBody>
-            <a:bodyPr rtlCol="0" anchor="ctr"/>
-            <a:lstStyle/>
-            <a:p>
-              <a:pPr algn="ctr"/>
-              <a:endParaRPr lang="pt-BR" dirty="0"/>
-            </a:p>
-          </p:txBody>
-        </p:sp>
-        <p:pic>
-          <p:nvPicPr>
-            <p:cNvPr id="34" name="Imagem 33"/>
-            <p:cNvPicPr>
-              <a:picLocks noChangeAspect="1"/>
-            </p:cNvPicPr>
-            <p:nvPr/>
-          </p:nvPicPr>
-          <p:blipFill>
-            <a:blip r:embed="rId8" cstate="print">
-              <a:extLst>
-                <a:ext uri="{28A0092B-C50C-407E-A947-70E740481C1C}">
-                  <a14:useLocalDpi xmlns:a14="http://schemas.microsoft.com/office/drawing/2010/main" val="0"/>
-                </a:ext>
-              </a:extLst>
-            </a:blip>
-            <a:stretch>
-              <a:fillRect/>
-            </a:stretch>
-          </p:blipFill>
-          <p:spPr>
-            <a:xfrm>
-              <a:off x="6696093" y="2444571"/>
-              <a:ext cx="1601884" cy="1601884"/>
-            </a:xfrm>
-            <a:prstGeom prst="rect">
-              <a:avLst/>
-            </a:prstGeom>
-          </p:spPr>
-        </p:pic>
-        <p:pic>
-          <p:nvPicPr>
-            <p:cNvPr id="37" name="Picture 2" descr="Imagem relacionada"/>
-            <p:cNvPicPr>
-              <a:picLocks noChangeAspect="1" noChangeArrowheads="1"/>
-            </p:cNvPicPr>
-            <p:nvPr/>
-          </p:nvPicPr>
-          <p:blipFill>
-            <a:blip r:embed="rId9">
-              <a:duotone>
-                <a:prstClr val="black"/>
-                <a:schemeClr val="accent1">
-                  <a:tint val="45000"/>
-                  <a:satMod val="400000"/>
-                </a:schemeClr>
-              </a:duotone>
-              <a:extLst>
-                <a:ext uri="{BEBA8EAE-BF5A-486C-A8C5-ECC9F3942E4B}">
-                  <a14:imgProps xmlns:a14="http://schemas.microsoft.com/office/drawing/2010/main">
-                    <a14:imgLayer r:embed="rId10">
-                      <a14:imgEffect>
-                        <a14:backgroundRemoval t="19588" b="85052" l="1799" r="96403"/>
-                      </a14:imgEffect>
-                      <a14:imgEffect>
-                        <a14:brightnessContrast bright="-40000" contrast="-40000"/>
-                      </a14:imgEffect>
-                    </a14:imgLayer>
-                  </a14:imgProps>
-                </a:ext>
-                <a:ext uri="{28A0092B-C50C-407E-A947-70E740481C1C}">
-                  <a14:useLocalDpi xmlns:a14="http://schemas.microsoft.com/office/drawing/2010/main" val="0"/>
-                </a:ext>
-              </a:extLst>
-            </a:blip>
-            <a:srcRect/>
-            <a:stretch>
-              <a:fillRect/>
-            </a:stretch>
-          </p:blipFill>
-          <p:spPr bwMode="auto">
-            <a:xfrm flipH="1">
-              <a:off x="6924223" y="2210154"/>
-              <a:ext cx="1091511" cy="925514"/>
-            </a:xfrm>
-            <a:prstGeom prst="rect">
-              <a:avLst/>
-            </a:prstGeom>
-            <a:noFill/>
-            <a:extLst>
-              <a:ext uri="{909E8E84-426E-40DD-AFC4-6F175D3DCCD1}">
-                <a14:hiddenFill xmlns:a14="http://schemas.microsoft.com/office/drawing/2010/main">
-                  <a:solidFill>
-                    <a:srgbClr val="FFFFFF"/>
-                  </a:solidFill>
-                </a14:hiddenFill>
-              </a:ext>
-            </a:extLst>
-          </p:spPr>
-        </p:pic>
-      </p:grpSp>
-      <p:sp>
-        <p:nvSpPr>
-          <p:cNvPr id="40" name="Retângulo 39"/>
-          <p:cNvSpPr/>
-          <p:nvPr/>
-        </p:nvSpPr>
-        <p:spPr>
-          <a:xfrm>
-            <a:off x="6287171" y="1848190"/>
-            <a:ext cx="3368711" cy="461665"/>
-          </a:xfrm>
-          <a:prstGeom prst="rect">
-            <a:avLst/>
-          </a:prstGeom>
-          <a:noFill/>
-          <a:effectLst/>
-        </p:spPr>
-        <p:txBody>
-          <a:bodyPr wrap="square" lIns="91440" tIns="45720" rIns="91440" bIns="45720">
-            <a:spAutoFit/>
-          </a:bodyPr>
-          <a:lstStyle/>
-          <a:p>
-            <a:pPr algn="r"/>
-            <a:r>
-              <a:rPr lang="pt-BR" sz="2400" b="1" dirty="0">
-                <a:ln w="0"/>
-                <a:solidFill>
-                  <a:srgbClr val="68CBCC"/>
-                </a:solidFill>
-                <a:effectLst>
-                  <a:outerShdw blurRad="38100" dist="19050" dir="2700000" algn="tl" rotWithShape="0">
-                    <a:schemeClr val="dk1">
-                      <a:alpha val="40000"/>
-                    </a:schemeClr>
-                  </a:outerShdw>
-                </a:effectLst>
-                <a:latin typeface="Exo 2 Medium" panose="00000600000000000000" pitchFamily="50" charset="0"/>
-              </a:rPr>
-              <a:t>RODOLFO GREGÓRIO</a:t>
-            </a:r>
-            <a:endParaRPr lang="pt-BR" sz="2400" b="1" cap="none" spc="0" dirty="0">
-              <a:ln w="0"/>
-              <a:solidFill>
-                <a:srgbClr val="68CBCC"/>
-              </a:solidFill>
-              <a:effectLst>
-                <a:outerShdw blurRad="38100" dist="19050" dir="2700000" algn="tl" rotWithShape="0">
-                  <a:schemeClr val="dk1">
-                    <a:alpha val="40000"/>
-                  </a:schemeClr>
-                </a:outerShdw>
-              </a:effectLst>
-              <a:latin typeface="Exo 2 Medium" panose="00000600000000000000" pitchFamily="50" charset="0"/>
-            </a:endParaRPr>
-          </a:p>
-        </p:txBody>
-      </p:sp>
-      <p:sp>
-        <p:nvSpPr>
-          <p:cNvPr id="41" name="Retângulo 40"/>
-          <p:cNvSpPr/>
-          <p:nvPr/>
-        </p:nvSpPr>
-        <p:spPr>
-          <a:xfrm>
-            <a:off x="6055591" y="4667275"/>
-            <a:ext cx="3575384" cy="461665"/>
-          </a:xfrm>
-          <a:prstGeom prst="rect">
-            <a:avLst/>
-          </a:prstGeom>
-          <a:noFill/>
-          <a:effectLst/>
-        </p:spPr>
-        <p:txBody>
-          <a:bodyPr wrap="square" lIns="91440" tIns="45720" rIns="91440" bIns="45720">
-            <a:spAutoFit/>
-          </a:bodyPr>
-          <a:lstStyle/>
-          <a:p>
-            <a:pPr algn="r"/>
-            <a:r>
-              <a:rPr lang="pt-BR" sz="2400" b="1" dirty="0">
-                <a:ln w="0"/>
-                <a:solidFill>
-                  <a:srgbClr val="68CBCC"/>
-                </a:solidFill>
-                <a:effectLst>
-                  <a:outerShdw blurRad="38100" dist="19050" dir="2700000" algn="tl" rotWithShape="0">
-                    <a:schemeClr val="dk1">
-                      <a:alpha val="40000"/>
-                    </a:schemeClr>
-                  </a:outerShdw>
-                </a:effectLst>
-                <a:latin typeface="Exo 2 Medium" panose="00000600000000000000" pitchFamily="50" charset="0"/>
-              </a:rPr>
-              <a:t>MATHEUS DE OLIVEIRA</a:t>
-            </a:r>
-            <a:endParaRPr lang="pt-BR" sz="2400" b="1" cap="none" spc="0" dirty="0">
-              <a:ln w="0"/>
-              <a:solidFill>
-                <a:srgbClr val="68CBCC"/>
-              </a:solidFill>
-              <a:effectLst>
-                <a:outerShdw blurRad="38100" dist="19050" dir="2700000" algn="tl" rotWithShape="0">
-                  <a:schemeClr val="dk1">
-                    <a:alpha val="40000"/>
-                  </a:schemeClr>
-                </a:outerShdw>
-              </a:effectLst>
-              <a:latin typeface="Exo 2 Medium" panose="00000600000000000000" pitchFamily="50" charset="0"/>
-            </a:endParaRPr>
-          </a:p>
-        </p:txBody>
-      </p:sp>
-      <p:sp>
-        <p:nvSpPr>
-          <p:cNvPr id="42" name="Retângulo 41"/>
-          <p:cNvSpPr/>
-          <p:nvPr/>
-        </p:nvSpPr>
-        <p:spPr>
-          <a:xfrm>
-            <a:off x="2276264" y="3226768"/>
-            <a:ext cx="3185689" cy="461665"/>
-          </a:xfrm>
-          <a:prstGeom prst="rect">
-            <a:avLst/>
-          </a:prstGeom>
-          <a:noFill/>
-          <a:effectLst/>
-        </p:spPr>
-        <p:txBody>
-          <a:bodyPr wrap="square" lIns="91440" tIns="45720" rIns="91440" bIns="45720">
-            <a:spAutoFit/>
-          </a:bodyPr>
-          <a:lstStyle/>
-          <a:p>
-            <a:pPr algn="ctr"/>
-            <a:r>
-              <a:rPr lang="pt-BR" sz="2400" b="1" dirty="0">
-                <a:ln w="0"/>
-                <a:solidFill>
-                  <a:srgbClr val="68CBCC"/>
-                </a:solidFill>
-                <a:effectLst>
-                  <a:outerShdw blurRad="38100" dist="19050" dir="2700000" algn="tl" rotWithShape="0">
-                    <a:schemeClr val="dk1">
-                      <a:alpha val="40000"/>
-                    </a:schemeClr>
-                  </a:outerShdw>
-                </a:effectLst>
-                <a:latin typeface="Exo 2 Medium" panose="00000600000000000000" pitchFamily="50" charset="0"/>
-              </a:rPr>
-              <a:t>LUCAS BEZERRA</a:t>
-            </a:r>
-            <a:endParaRPr lang="pt-BR" sz="2400" b="1" cap="none" spc="0" dirty="0">
-              <a:ln w="0"/>
-              <a:solidFill>
-                <a:srgbClr val="68CBCC"/>
-              </a:solidFill>
-              <a:effectLst>
-                <a:outerShdw blurRad="38100" dist="19050" dir="2700000" algn="tl" rotWithShape="0">
-                  <a:schemeClr val="dk1">
-                    <a:alpha val="40000"/>
-                  </a:schemeClr>
-                </a:outerShdw>
-              </a:effectLst>
-              <a:latin typeface="Exo 2 Medium" panose="00000600000000000000" pitchFamily="50" charset="0"/>
-            </a:endParaRPr>
-          </a:p>
-        </p:txBody>
-      </p:sp>
-      <p:sp>
-        <p:nvSpPr>
-          <p:cNvPr id="50" name="Retângulo 49"/>
-          <p:cNvSpPr/>
-          <p:nvPr/>
-        </p:nvSpPr>
-        <p:spPr>
-          <a:xfrm>
-            <a:off x="2588983" y="945156"/>
-            <a:ext cx="6342982" cy="923330"/>
-          </a:xfrm>
-          <a:prstGeom prst="rect">
-            <a:avLst/>
-          </a:prstGeom>
-          <a:noFill/>
-          <a:effectLst/>
-        </p:spPr>
-        <p:txBody>
-          <a:bodyPr wrap="square" lIns="91440" tIns="45720" rIns="91440" bIns="45720">
-            <a:spAutoFit/>
-          </a:bodyPr>
-          <a:lstStyle/>
-          <a:p>
-            <a:r>
-              <a:rPr lang="pt-BR" b="1" cap="none" spc="0" dirty="0">
-                <a:ln w="0"/>
-                <a:solidFill>
-                  <a:schemeClr val="bg1"/>
-                </a:solidFill>
-                <a:effectLst>
-                  <a:outerShdw blurRad="38100" dist="19050" dir="2700000" algn="tl" rotWithShape="0">
-                    <a:schemeClr val="dk1">
-                      <a:alpha val="40000"/>
-                    </a:schemeClr>
-                  </a:outerShdw>
-                </a:effectLst>
-                <a:latin typeface="Exo 2 Extra Light" panose="00000300000000000000" pitchFamily="50" charset="0"/>
-              </a:rPr>
-              <a:t>Desenvolvimento front-end</a:t>
-            </a:r>
-          </a:p>
-          <a:p>
-            <a:r>
-              <a:rPr lang="pt-BR" b="1" dirty="0">
-                <a:ln w="0"/>
-                <a:solidFill>
-                  <a:schemeClr val="bg1"/>
-                </a:solidFill>
-                <a:effectLst>
-                  <a:outerShdw blurRad="38100" dist="19050" dir="2700000" algn="tl" rotWithShape="0">
-                    <a:schemeClr val="dk1">
-                      <a:alpha val="40000"/>
-                    </a:schemeClr>
-                  </a:outerShdw>
-                </a:effectLst>
-                <a:latin typeface="Exo 2 Extra Light" panose="00000300000000000000" pitchFamily="50" charset="0"/>
-              </a:rPr>
-              <a:t>Planejamento do projeto </a:t>
-            </a:r>
-            <a:endParaRPr lang="pt-BR" b="1" cap="none" spc="0" dirty="0">
-              <a:ln w="0"/>
-              <a:solidFill>
-                <a:schemeClr val="bg1"/>
-              </a:solidFill>
-              <a:effectLst>
-                <a:outerShdw blurRad="38100" dist="19050" dir="2700000" algn="tl" rotWithShape="0">
-                  <a:schemeClr val="dk1">
-                    <a:alpha val="40000"/>
-                  </a:schemeClr>
-                </a:outerShdw>
-              </a:effectLst>
-              <a:latin typeface="Exo 2 Extra Light" panose="00000300000000000000" pitchFamily="50" charset="0"/>
-            </a:endParaRPr>
-          </a:p>
-          <a:p>
-            <a:r>
-              <a:rPr lang="pt-BR" b="1" dirty="0">
-                <a:ln w="0"/>
-                <a:solidFill>
-                  <a:schemeClr val="bg1"/>
-                </a:solidFill>
-                <a:effectLst>
-                  <a:outerShdw blurRad="38100" dist="19050" dir="2700000" algn="tl" rotWithShape="0">
-                    <a:schemeClr val="dk1">
-                      <a:alpha val="40000"/>
-                    </a:schemeClr>
-                  </a:outerShdw>
-                </a:effectLst>
-                <a:latin typeface="Exo 2 Extra Light" panose="00000300000000000000" pitchFamily="50" charset="0"/>
-              </a:rPr>
-              <a:t>Documentação do projeto    </a:t>
-            </a:r>
-            <a:endParaRPr lang="pt-BR" b="1" cap="none" spc="0" dirty="0">
-              <a:ln w="0"/>
-              <a:solidFill>
-                <a:schemeClr val="bg1"/>
-              </a:solidFill>
-              <a:effectLst>
-                <a:outerShdw blurRad="38100" dist="19050" dir="2700000" algn="tl" rotWithShape="0">
-                  <a:schemeClr val="dk1">
-                    <a:alpha val="40000"/>
-                  </a:schemeClr>
-                </a:outerShdw>
-              </a:effectLst>
-              <a:latin typeface="Exo 2 Extra Light" panose="00000300000000000000" pitchFamily="50" charset="0"/>
-            </a:endParaRPr>
-          </a:p>
-        </p:txBody>
-      </p:sp>
-      <p:sp>
-        <p:nvSpPr>
-          <p:cNvPr id="51" name="Retângulo 50"/>
-          <p:cNvSpPr/>
-          <p:nvPr/>
-        </p:nvSpPr>
-        <p:spPr>
-          <a:xfrm>
-            <a:off x="3260035" y="2339232"/>
-            <a:ext cx="6361182" cy="923330"/>
-          </a:xfrm>
-          <a:prstGeom prst="rect">
-            <a:avLst/>
-          </a:prstGeom>
-          <a:noFill/>
-          <a:effectLst/>
-        </p:spPr>
-        <p:txBody>
-          <a:bodyPr wrap="square" lIns="91440" tIns="45720" rIns="91440" bIns="45720">
-            <a:spAutoFit/>
-          </a:bodyPr>
-          <a:lstStyle/>
-          <a:p>
-            <a:pPr algn="r"/>
-            <a:r>
-              <a:rPr lang="pt-BR" b="1" cap="none" spc="0" dirty="0">
-                <a:ln w="0"/>
-                <a:solidFill>
-                  <a:schemeClr val="bg1"/>
-                </a:solidFill>
-                <a:effectLst>
-                  <a:outerShdw blurRad="38100" dist="19050" dir="2700000" algn="tl" rotWithShape="0">
-                    <a:schemeClr val="dk1">
-                      <a:alpha val="40000"/>
-                    </a:schemeClr>
-                  </a:outerShdw>
-                </a:effectLst>
-                <a:latin typeface="Exo 2 Extra Light" panose="00000300000000000000" pitchFamily="50" charset="0"/>
-              </a:rPr>
-              <a:t>Desenvolvimento back-end</a:t>
-            </a:r>
-          </a:p>
-          <a:p>
-            <a:pPr algn="r"/>
-            <a:r>
-              <a:rPr lang="pt-BR" b="1" dirty="0">
-                <a:ln w="0"/>
-                <a:solidFill>
-                  <a:schemeClr val="bg1"/>
-                </a:solidFill>
-                <a:effectLst>
-                  <a:outerShdw blurRad="38100" dist="19050" dir="2700000" algn="tl" rotWithShape="0">
-                    <a:schemeClr val="dk1">
-                      <a:alpha val="40000"/>
-                    </a:schemeClr>
-                  </a:outerShdw>
-                </a:effectLst>
-                <a:latin typeface="Exo 2 Extra Light" panose="00000300000000000000" pitchFamily="50" charset="0"/>
-              </a:rPr>
-              <a:t>Arquitetura da aplicação web</a:t>
-            </a:r>
-            <a:endParaRPr lang="pt-BR" b="1" cap="none" spc="0" dirty="0">
-              <a:ln w="0"/>
-              <a:solidFill>
-                <a:schemeClr val="bg1"/>
-              </a:solidFill>
-              <a:effectLst>
-                <a:outerShdw blurRad="38100" dist="19050" dir="2700000" algn="tl" rotWithShape="0">
-                  <a:schemeClr val="dk1">
-                    <a:alpha val="40000"/>
-                  </a:schemeClr>
-                </a:outerShdw>
-              </a:effectLst>
-              <a:latin typeface="Exo 2 Extra Light" panose="00000300000000000000" pitchFamily="50" charset="0"/>
-            </a:endParaRPr>
-          </a:p>
-          <a:p>
-            <a:pPr algn="r"/>
-            <a:r>
-              <a:rPr lang="pt-BR" b="1" dirty="0">
-                <a:ln w="0"/>
-                <a:solidFill>
-                  <a:schemeClr val="bg1"/>
-                </a:solidFill>
-                <a:effectLst>
-                  <a:outerShdw blurRad="38100" dist="19050" dir="2700000" algn="tl" rotWithShape="0">
-                    <a:schemeClr val="dk1">
-                      <a:alpha val="40000"/>
-                    </a:schemeClr>
-                  </a:outerShdw>
-                </a:effectLst>
-                <a:latin typeface="Exo 2 Extra Light" panose="00000300000000000000" pitchFamily="50" charset="0"/>
-              </a:rPr>
-              <a:t>Implantação do banco de dados</a:t>
-            </a:r>
-            <a:endParaRPr lang="pt-BR" b="1" cap="none" spc="0" dirty="0">
-              <a:ln w="0"/>
-              <a:solidFill>
-                <a:schemeClr val="bg1"/>
-              </a:solidFill>
-              <a:effectLst>
-                <a:outerShdw blurRad="38100" dist="19050" dir="2700000" algn="tl" rotWithShape="0">
-                  <a:schemeClr val="dk1">
-                    <a:alpha val="40000"/>
-                  </a:schemeClr>
-                </a:outerShdw>
-              </a:effectLst>
-              <a:latin typeface="Exo 2 Extra Light" panose="00000300000000000000" pitchFamily="50" charset="0"/>
-            </a:endParaRPr>
-          </a:p>
-        </p:txBody>
-      </p:sp>
-      <p:sp>
-        <p:nvSpPr>
-          <p:cNvPr id="52" name="Retângulo 51"/>
-          <p:cNvSpPr/>
-          <p:nvPr/>
-        </p:nvSpPr>
-        <p:spPr>
-          <a:xfrm>
-            <a:off x="2585311" y="3726868"/>
-            <a:ext cx="5469573" cy="923330"/>
-          </a:xfrm>
-          <a:prstGeom prst="rect">
-            <a:avLst/>
-          </a:prstGeom>
-          <a:noFill/>
-          <a:effectLst/>
-        </p:spPr>
-        <p:txBody>
-          <a:bodyPr wrap="square" lIns="91440" tIns="45720" rIns="91440" bIns="45720">
-            <a:spAutoFit/>
-          </a:bodyPr>
-          <a:lstStyle/>
-          <a:p>
-            <a:r>
-              <a:rPr lang="pt-BR" b="1" dirty="0">
-                <a:ln w="0"/>
-                <a:solidFill>
-                  <a:schemeClr val="bg1"/>
-                </a:solidFill>
-                <a:effectLst>
-                  <a:outerShdw blurRad="38100" dist="19050" dir="2700000" algn="tl" rotWithShape="0">
-                    <a:schemeClr val="dk1">
-                      <a:alpha val="40000"/>
-                    </a:schemeClr>
-                  </a:outerShdw>
-                </a:effectLst>
-                <a:latin typeface="Exo 2 Extra Light" panose="00000300000000000000" pitchFamily="50" charset="0"/>
-              </a:rPr>
-              <a:t>Auxílio no desenvolvimento do sistema</a:t>
-            </a:r>
-          </a:p>
-          <a:p>
-            <a:r>
-              <a:rPr lang="pt-BR" b="1" dirty="0">
-                <a:ln w="0"/>
-                <a:solidFill>
-                  <a:schemeClr val="bg1"/>
-                </a:solidFill>
-                <a:effectLst>
-                  <a:outerShdw blurRad="38100" dist="19050" dir="2700000" algn="tl" rotWithShape="0">
-                    <a:schemeClr val="dk1">
-                      <a:alpha val="40000"/>
-                    </a:schemeClr>
-                  </a:outerShdw>
-                </a:effectLst>
-                <a:latin typeface="Exo 2 Extra Light" panose="00000300000000000000" pitchFamily="50" charset="0"/>
-              </a:rPr>
-              <a:t>Desenvolvimento do banco de dados</a:t>
-            </a:r>
-          </a:p>
-          <a:p>
-            <a:r>
-              <a:rPr lang="pt-BR" b="1" dirty="0">
-                <a:ln w="0"/>
-                <a:solidFill>
-                  <a:schemeClr val="bg1"/>
-                </a:solidFill>
-                <a:effectLst>
-                  <a:outerShdw blurRad="38100" dist="19050" dir="2700000" algn="tl" rotWithShape="0">
-                    <a:schemeClr val="dk1">
-                      <a:alpha val="40000"/>
-                    </a:schemeClr>
-                  </a:outerShdw>
-                </a:effectLst>
-                <a:latin typeface="Exo 2 Extra Light" panose="00000300000000000000" pitchFamily="50" charset="0"/>
-              </a:rPr>
-              <a:t>Auxílio na documentação do projeto</a:t>
-            </a:r>
-          </a:p>
-        </p:txBody>
-      </p:sp>
-      <p:sp>
-        <p:nvSpPr>
-          <p:cNvPr id="53" name="Retângulo 52"/>
-          <p:cNvSpPr/>
-          <p:nvPr/>
-        </p:nvSpPr>
-        <p:spPr>
-          <a:xfrm>
-            <a:off x="4167320" y="5168356"/>
-            <a:ext cx="5469573" cy="923330"/>
-          </a:xfrm>
-          <a:prstGeom prst="rect">
-            <a:avLst/>
-          </a:prstGeom>
-          <a:noFill/>
-          <a:effectLst/>
-        </p:spPr>
-        <p:txBody>
-          <a:bodyPr wrap="square" lIns="91440" tIns="45720" rIns="91440" bIns="45720">
-            <a:spAutoFit/>
-          </a:bodyPr>
-          <a:lstStyle/>
-          <a:p>
-            <a:pPr algn="r"/>
-            <a:r>
-              <a:rPr lang="pt-BR" b="1" dirty="0">
-                <a:ln w="0"/>
-                <a:solidFill>
-                  <a:schemeClr val="bg1"/>
-                </a:solidFill>
-                <a:effectLst>
-                  <a:outerShdw blurRad="38100" dist="19050" dir="2700000" algn="tl" rotWithShape="0">
-                    <a:schemeClr val="dk1">
-                      <a:alpha val="40000"/>
-                    </a:schemeClr>
-                  </a:outerShdw>
-                </a:effectLst>
-                <a:latin typeface="Exo 2 Extra Light" panose="00000300000000000000" pitchFamily="50" charset="0"/>
-              </a:rPr>
-              <a:t>Auxílio no desenvolvimento do sistema</a:t>
-            </a:r>
-          </a:p>
-          <a:p>
-            <a:pPr algn="r"/>
-            <a:r>
-              <a:rPr lang="pt-BR" b="1" dirty="0">
-                <a:ln w="0"/>
-                <a:solidFill>
-                  <a:schemeClr val="bg1"/>
-                </a:solidFill>
-                <a:effectLst>
-                  <a:outerShdw blurRad="38100" dist="19050" dir="2700000" algn="tl" rotWithShape="0">
-                    <a:schemeClr val="dk1">
-                      <a:alpha val="40000"/>
-                    </a:schemeClr>
-                  </a:outerShdw>
-                </a:effectLst>
-                <a:latin typeface="Exo 2 Extra Light" panose="00000300000000000000" pitchFamily="50" charset="0"/>
-              </a:rPr>
-              <a:t>Desenvolvimento dos processos de help desk</a:t>
-            </a:r>
-          </a:p>
-          <a:p>
-            <a:pPr algn="r"/>
-            <a:r>
-              <a:rPr lang="pt-BR" b="1" dirty="0">
-                <a:ln w="0"/>
-                <a:solidFill>
-                  <a:schemeClr val="bg1"/>
-                </a:solidFill>
-                <a:effectLst>
-                  <a:outerShdw blurRad="38100" dist="19050" dir="2700000" algn="tl" rotWithShape="0">
-                    <a:schemeClr val="dk1">
-                      <a:alpha val="40000"/>
-                    </a:schemeClr>
-                  </a:outerShdw>
-                </a:effectLst>
-                <a:latin typeface="Exo 2 Extra Light" panose="00000300000000000000" pitchFamily="50" charset="0"/>
-              </a:rPr>
-              <a:t>Auxílio na documentação do projeto</a:t>
-            </a:r>
-          </a:p>
-        </p:txBody>
-      </p:sp>
-      <p:pic>
-        <p:nvPicPr>
-          <p:cNvPr id="10" name="Imagem 9"/>
-          <p:cNvPicPr>
-            <a:picLocks noChangeAspect="1"/>
-          </p:cNvPicPr>
-          <p:nvPr/>
-        </p:nvPicPr>
-        <p:blipFill>
-          <a:blip r:embed="rId11" cstate="print">
-            <a:extLst>
-              <a:ext uri="{28A0092B-C50C-407E-A947-70E740481C1C}">
-                <a14:useLocalDpi xmlns:a14="http://schemas.microsoft.com/office/drawing/2010/main" val="0"/>
-              </a:ext>
-            </a:extLst>
-          </a:blip>
-          <a:stretch>
-            <a:fillRect/>
-          </a:stretch>
-        </p:blipFill>
-        <p:spPr>
-          <a:xfrm>
-            <a:off x="9970383" y="1732482"/>
-            <a:ext cx="1609101" cy="1609101"/>
-          </a:xfrm>
-          <a:prstGeom prst="rect">
-            <a:avLst/>
-          </a:prstGeom>
-        </p:spPr>
-      </p:pic>
-      <p:sp>
-        <p:nvSpPr>
-          <p:cNvPr id="30" name="Retângulo 29"/>
-          <p:cNvSpPr/>
-          <p:nvPr/>
-        </p:nvSpPr>
-        <p:spPr>
-          <a:xfrm>
-            <a:off x="2019481" y="214963"/>
-            <a:ext cx="3437737" cy="400110"/>
-          </a:xfrm>
-          <a:prstGeom prst="rect">
-            <a:avLst/>
-          </a:prstGeom>
-          <a:noFill/>
-          <a:effectLst/>
-        </p:spPr>
-        <p:txBody>
-          <a:bodyPr wrap="square" lIns="91440" tIns="45720" rIns="91440" bIns="45720">
-            <a:spAutoFit/>
-          </a:bodyPr>
-          <a:lstStyle/>
-          <a:p>
-            <a:pPr algn="ctr"/>
-            <a:r>
-              <a:rPr lang="pt-BR" sz="2000" b="1" dirty="0">
-                <a:ln w="0"/>
-                <a:solidFill>
-                  <a:schemeClr val="bg1"/>
-                </a:solidFill>
-                <a:effectLst>
-                  <a:outerShdw blurRad="38100" dist="19050" dir="2700000" algn="tl" rotWithShape="0">
-                    <a:schemeClr val="dk1">
-                      <a:alpha val="40000"/>
-                    </a:schemeClr>
-                  </a:outerShdw>
-                </a:effectLst>
-                <a:latin typeface="Exo 2 Extra Light" panose="00000300000000000000" pitchFamily="50" charset="0"/>
-              </a:rPr>
-              <a:t>PRODUCT OWNER</a:t>
-            </a:r>
-            <a:endParaRPr lang="pt-BR" sz="2000" b="1" cap="none" spc="0" dirty="0">
-              <a:ln w="0"/>
-              <a:solidFill>
-                <a:schemeClr val="bg1"/>
-              </a:solidFill>
-              <a:effectLst>
-                <a:outerShdw blurRad="38100" dist="19050" dir="2700000" algn="tl" rotWithShape="0">
-                  <a:schemeClr val="dk1">
-                    <a:alpha val="40000"/>
-                  </a:schemeClr>
-                </a:outerShdw>
-              </a:effectLst>
-              <a:latin typeface="Exo 2 Extra Light" panose="00000300000000000000" pitchFamily="50" charset="0"/>
-            </a:endParaRPr>
-          </a:p>
-        </p:txBody>
-      </p:sp>
-      <p:sp>
-        <p:nvSpPr>
-          <p:cNvPr id="47" name="Retângulo 46"/>
-          <p:cNvSpPr/>
-          <p:nvPr/>
-        </p:nvSpPr>
-        <p:spPr>
-          <a:xfrm>
-            <a:off x="6902105" y="1562587"/>
-            <a:ext cx="3437737" cy="400110"/>
-          </a:xfrm>
-          <a:prstGeom prst="rect">
-            <a:avLst/>
-          </a:prstGeom>
-          <a:noFill/>
-          <a:effectLst/>
-        </p:spPr>
-        <p:txBody>
-          <a:bodyPr wrap="square" lIns="91440" tIns="45720" rIns="91440" bIns="45720">
-            <a:spAutoFit/>
-          </a:bodyPr>
-          <a:lstStyle/>
-          <a:p>
-            <a:pPr algn="ctr"/>
-            <a:r>
-              <a:rPr lang="pt-BR" sz="2000" b="1" dirty="0">
-                <a:ln w="0"/>
-                <a:solidFill>
-                  <a:schemeClr val="bg1"/>
-                </a:solidFill>
-                <a:effectLst>
-                  <a:outerShdw blurRad="38100" dist="19050" dir="2700000" algn="tl" rotWithShape="0">
-                    <a:schemeClr val="dk1">
-                      <a:alpha val="40000"/>
-                    </a:schemeClr>
-                  </a:outerShdw>
-                </a:effectLst>
-                <a:latin typeface="Exo 2 Extra Light" panose="00000300000000000000" pitchFamily="50" charset="0"/>
-              </a:rPr>
-              <a:t>SCRUM MASTER</a:t>
-            </a:r>
-            <a:endParaRPr lang="pt-BR" sz="2000" b="1" cap="none" spc="0" dirty="0">
-              <a:ln w="0"/>
-              <a:solidFill>
-                <a:schemeClr val="bg1"/>
-              </a:solidFill>
-              <a:effectLst>
-                <a:outerShdw blurRad="38100" dist="19050" dir="2700000" algn="tl" rotWithShape="0">
-                  <a:schemeClr val="dk1">
-                    <a:alpha val="40000"/>
-                  </a:schemeClr>
-                </a:outerShdw>
-              </a:effectLst>
-              <a:latin typeface="Exo 2 Extra Light" panose="00000300000000000000" pitchFamily="50" charset="0"/>
-            </a:endParaRPr>
-          </a:p>
-        </p:txBody>
-      </p:sp>
-      <p:sp>
-        <p:nvSpPr>
-          <p:cNvPr id="48" name="Retângulo 47"/>
-          <p:cNvSpPr/>
-          <p:nvPr/>
-        </p:nvSpPr>
-        <p:spPr>
-          <a:xfrm>
-            <a:off x="1642431" y="2972082"/>
-            <a:ext cx="3437737" cy="400110"/>
-          </a:xfrm>
-          <a:prstGeom prst="rect">
-            <a:avLst/>
-          </a:prstGeom>
-          <a:noFill/>
-          <a:effectLst/>
-        </p:spPr>
-        <p:txBody>
-          <a:bodyPr wrap="square" lIns="91440" tIns="45720" rIns="91440" bIns="45720">
-            <a:spAutoFit/>
-          </a:bodyPr>
-          <a:lstStyle/>
-          <a:p>
-            <a:pPr algn="ctr"/>
-            <a:r>
-              <a:rPr lang="pt-BR" sz="2000" b="1" dirty="0">
-                <a:ln w="0"/>
-                <a:solidFill>
-                  <a:schemeClr val="bg1"/>
-                </a:solidFill>
-                <a:effectLst>
-                  <a:outerShdw blurRad="38100" dist="19050" dir="2700000" algn="tl" rotWithShape="0">
-                    <a:schemeClr val="dk1">
-                      <a:alpha val="40000"/>
-                    </a:schemeClr>
-                  </a:outerShdw>
-                </a:effectLst>
-                <a:latin typeface="Exo 2 Extra Light" panose="00000300000000000000" pitchFamily="50" charset="0"/>
-              </a:rPr>
-              <a:t>DEV TEAM</a:t>
-            </a:r>
-            <a:endParaRPr lang="pt-BR" sz="2000" b="1" cap="none" spc="0" dirty="0">
-              <a:ln w="0"/>
-              <a:solidFill>
-                <a:schemeClr val="bg1"/>
-              </a:solidFill>
-              <a:effectLst>
-                <a:outerShdw blurRad="38100" dist="19050" dir="2700000" algn="tl" rotWithShape="0">
-                  <a:schemeClr val="dk1">
-                    <a:alpha val="40000"/>
-                  </a:schemeClr>
-                </a:outerShdw>
-              </a:effectLst>
-              <a:latin typeface="Exo 2 Extra Light" panose="00000300000000000000" pitchFamily="50" charset="0"/>
-            </a:endParaRPr>
-          </a:p>
-        </p:txBody>
-      </p:sp>
-      <p:sp>
-        <p:nvSpPr>
-          <p:cNvPr id="49" name="Retângulo 48"/>
-          <p:cNvSpPr/>
-          <p:nvPr/>
-        </p:nvSpPr>
-        <p:spPr>
-          <a:xfrm>
-            <a:off x="7194418" y="4381703"/>
-            <a:ext cx="3437737" cy="400110"/>
-          </a:xfrm>
-          <a:prstGeom prst="rect">
-            <a:avLst/>
-          </a:prstGeom>
-          <a:noFill/>
-          <a:effectLst/>
-        </p:spPr>
-        <p:txBody>
-          <a:bodyPr wrap="square" lIns="91440" tIns="45720" rIns="91440" bIns="45720">
-            <a:spAutoFit/>
-          </a:bodyPr>
-          <a:lstStyle/>
-          <a:p>
-            <a:pPr algn="ctr"/>
-            <a:r>
-              <a:rPr lang="pt-BR" sz="2000" b="1" dirty="0">
-                <a:ln w="0"/>
-                <a:solidFill>
-                  <a:schemeClr val="bg1"/>
-                </a:solidFill>
-                <a:effectLst>
-                  <a:outerShdw blurRad="38100" dist="19050" dir="2700000" algn="tl" rotWithShape="0">
-                    <a:schemeClr val="dk1">
-                      <a:alpha val="40000"/>
-                    </a:schemeClr>
-                  </a:outerShdw>
-                </a:effectLst>
-                <a:latin typeface="Exo 2 Extra Light" panose="00000300000000000000" pitchFamily="50" charset="0"/>
-              </a:rPr>
-              <a:t>DEV TEAM</a:t>
-            </a:r>
-            <a:endParaRPr lang="pt-BR" sz="2000" b="1" cap="none" spc="0" dirty="0">
-              <a:ln w="0"/>
-              <a:solidFill>
-                <a:schemeClr val="bg1"/>
-              </a:solidFill>
-              <a:effectLst>
-                <a:outerShdw blurRad="38100" dist="19050" dir="2700000" algn="tl" rotWithShape="0">
-                  <a:schemeClr val="dk1">
-                    <a:alpha val="40000"/>
-                  </a:schemeClr>
-                </a:outerShdw>
-              </a:effectLst>
-              <a:latin typeface="Exo 2 Extra Light" panose="00000300000000000000" pitchFamily="50" charset="0"/>
-            </a:endParaRPr>
-          </a:p>
-        </p:txBody>
-      </p:sp>
-    </p:spTree>
-    <p:extLst>
-      <p:ext uri="{BB962C8B-B14F-4D97-AF65-F5344CB8AC3E}">
-        <p14:creationId xmlns:p14="http://schemas.microsoft.com/office/powerpoint/2010/main" val="3330219946"/>
-      </p:ext>
-    </p:extLst>
-  </p:cSld>
-  <p:clrMapOvr>
-    <a:masterClrMapping/>
-  </p:clrMapOvr>
-</p:sld>
-</file>
-
-<file path=ppt/slides/slide11.xml><?xml version="1.0" encoding="utf-8"?>
 <p:sld xmlns:a="http://schemas.openxmlformats.org/drawingml/2006/main" xmlns:r="http://schemas.openxmlformats.org/officeDocument/2006/relationships" xmlns:p="http://schemas.openxmlformats.org/presentationml/2006/main">
   <p:cSld>
     <p:spTree>
@@ -5529,7 +3881,7 @@
           <p:cNvPr id="16" name="Conector reto 15">
             <a:extLst>
               <a:ext uri="{FF2B5EF4-FFF2-40B4-BE49-F238E27FC236}">
-                <a16:creationId xmlns="" xmlns:a16="http://schemas.microsoft.com/office/drawing/2014/main" id="{6510727C-C843-4D84-A07F-20F37366891D}"/>
+                <a16:creationId xmlns:a16="http://schemas.microsoft.com/office/drawing/2014/main" xmlns="" id="{6510727C-C843-4D84-A07F-20F37366891D}"/>
               </a:ext>
             </a:extLst>
           </p:cNvPr>
@@ -5571,7 +3923,7 @@
           <p:cNvPr id="10" name="Retângulo 9">
             <a:extLst>
               <a:ext uri="{FF2B5EF4-FFF2-40B4-BE49-F238E27FC236}">
-                <a16:creationId xmlns="" xmlns:a16="http://schemas.microsoft.com/office/drawing/2014/main" id="{EDCEECEC-C7A7-42B0-92B0-556E58C2D97D}"/>
+                <a16:creationId xmlns:a16="http://schemas.microsoft.com/office/drawing/2014/main" xmlns="" id="{EDCEECEC-C7A7-42B0-92B0-556E58C2D97D}"/>
               </a:ext>
             </a:extLst>
           </p:cNvPr>
@@ -5635,7 +3987,7 @@
           <p:cNvPr id="11" name="Conector reto 10">
             <a:extLst>
               <a:ext uri="{FF2B5EF4-FFF2-40B4-BE49-F238E27FC236}">
-                <a16:creationId xmlns="" xmlns:a16="http://schemas.microsoft.com/office/drawing/2014/main" id="{CED7D7B9-52F9-4AE8-8186-F92722AC746F}"/>
+                <a16:creationId xmlns:a16="http://schemas.microsoft.com/office/drawing/2014/main" xmlns="" id="{CED7D7B9-52F9-4AE8-8186-F92722AC746F}"/>
               </a:ext>
             </a:extLst>
           </p:cNvPr>
@@ -5685,7 +4037,7 @@
 </p:sld>
 </file>
 
-<file path=ppt/slides/slide12.xml><?xml version="1.0" encoding="utf-8"?>
+<file path=ppt/slides/slide11.xml><?xml version="1.0" encoding="utf-8"?>
 <p:sld xmlns:a="http://schemas.openxmlformats.org/drawingml/2006/main" xmlns:r="http://schemas.openxmlformats.org/officeDocument/2006/relationships" xmlns:p="http://schemas.openxmlformats.org/presentationml/2006/main">
   <p:cSld>
     <p:spTree>
@@ -7413,7 +5765,7 @@
           <p:cNvPr id="43" name="Retângulo 42">
             <a:extLst>
               <a:ext uri="{FF2B5EF4-FFF2-40B4-BE49-F238E27FC236}">
-                <a16:creationId xmlns="" xmlns:a16="http://schemas.microsoft.com/office/drawing/2014/main" id="{ABE8EA85-3B27-4325-A2E1-239BEC91ACD7}"/>
+                <a16:creationId xmlns:a16="http://schemas.microsoft.com/office/drawing/2014/main" xmlns="" id="{ABE8EA85-3B27-4325-A2E1-239BEC91ACD7}"/>
               </a:ext>
             </a:extLst>
           </p:cNvPr>
@@ -7477,7 +5829,7 @@
           <p:cNvPr id="44" name="Conector reto 43">
             <a:extLst>
               <a:ext uri="{FF2B5EF4-FFF2-40B4-BE49-F238E27FC236}">
-                <a16:creationId xmlns="" xmlns:a16="http://schemas.microsoft.com/office/drawing/2014/main" id="{EB56AF2B-1DFB-437F-A692-B8AAC5F68C53}"/>
+                <a16:creationId xmlns:a16="http://schemas.microsoft.com/office/drawing/2014/main" xmlns="" id="{EB56AF2B-1DFB-437F-A692-B8AAC5F68C53}"/>
               </a:ext>
             </a:extLst>
           </p:cNvPr>
@@ -7527,7 +5879,7 @@
 </p:sld>
 </file>
 
-<file path=ppt/slides/slide13.xml><?xml version="1.0" encoding="utf-8"?>
+<file path=ppt/slides/slide12.xml><?xml version="1.0" encoding="utf-8"?>
 <p:sld xmlns:a="http://schemas.openxmlformats.org/drawingml/2006/main" xmlns:r="http://schemas.openxmlformats.org/officeDocument/2006/relationships" xmlns:p="http://schemas.openxmlformats.org/presentationml/2006/main">
   <p:cSld>
     <p:spTree>
@@ -7685,7 +6037,7 @@
           <p:cNvPr id="11" name="Conector reto 10">
             <a:extLst>
               <a:ext uri="{FF2B5EF4-FFF2-40B4-BE49-F238E27FC236}">
-                <a16:creationId xmlns="" xmlns:a16="http://schemas.microsoft.com/office/drawing/2014/main" id="{6510727C-C843-4D84-A07F-20F37366891D}"/>
+                <a16:creationId xmlns:a16="http://schemas.microsoft.com/office/drawing/2014/main" xmlns="" id="{6510727C-C843-4D84-A07F-20F37366891D}"/>
               </a:ext>
             </a:extLst>
           </p:cNvPr>
@@ -8044,7 +6396,7 @@
 </p:sld>
 </file>
 
-<file path=ppt/slides/slide14.xml><?xml version="1.0" encoding="utf-8"?>
+<file path=ppt/slides/slide13.xml><?xml version="1.0" encoding="utf-8"?>
 <p:sld xmlns:a="http://schemas.openxmlformats.org/drawingml/2006/main" xmlns:r="http://schemas.openxmlformats.org/officeDocument/2006/relationships" xmlns:p="http://schemas.openxmlformats.org/presentationml/2006/main">
   <p:cSld>
     <p:spTree>
@@ -8217,7 +6569,7 @@
           <p:cNvPr id="11" name="Conector reto 10">
             <a:extLst>
               <a:ext uri="{FF2B5EF4-FFF2-40B4-BE49-F238E27FC236}">
-                <a16:creationId xmlns="" xmlns:a16="http://schemas.microsoft.com/office/drawing/2014/main" id="{6510727C-C843-4D84-A07F-20F37366891D}"/>
+                <a16:creationId xmlns:a16="http://schemas.microsoft.com/office/drawing/2014/main" xmlns="" id="{6510727C-C843-4D84-A07F-20F37366891D}"/>
               </a:ext>
             </a:extLst>
           </p:cNvPr>
@@ -8321,7 +6673,7 @@
 </p:sld>
 </file>
 
-<file path=ppt/slides/slide15.xml><?xml version="1.0" encoding="utf-8"?>
+<file path=ppt/slides/slide14.xml><?xml version="1.0" encoding="utf-8"?>
 <p:sld xmlns:a="http://schemas.openxmlformats.org/drawingml/2006/main" xmlns:r="http://schemas.openxmlformats.org/officeDocument/2006/relationships" xmlns:p="http://schemas.openxmlformats.org/presentationml/2006/main">
   <p:cSld>
     <p:spTree>
@@ -8534,7 +6886,7 @@
           <p:cNvPr id="13" name="Conector reto 12">
             <a:extLst>
               <a:ext uri="{FF2B5EF4-FFF2-40B4-BE49-F238E27FC236}">
-                <a16:creationId xmlns="" xmlns:a16="http://schemas.microsoft.com/office/drawing/2014/main" id="{6510727C-C843-4D84-A07F-20F37366891D}"/>
+                <a16:creationId xmlns:a16="http://schemas.microsoft.com/office/drawing/2014/main" xmlns="" id="{6510727C-C843-4D84-A07F-20F37366891D}"/>
               </a:ext>
             </a:extLst>
           </p:cNvPr>
@@ -10207,7 +8559,7 @@
 </p:sld>
 </file>
 
-<file path=ppt/slides/slide16.xml><?xml version="1.0" encoding="utf-8"?>
+<file path=ppt/slides/slide15.xml><?xml version="1.0" encoding="utf-8"?>
 <p:sld xmlns:a="http://schemas.openxmlformats.org/drawingml/2006/main" xmlns:r="http://schemas.openxmlformats.org/officeDocument/2006/relationships" xmlns:p="http://schemas.openxmlformats.org/presentationml/2006/main">
   <p:cSld>
     <p:spTree>
@@ -10394,7 +8746,7 @@
           <p:cNvPr id="8" name="Conector reto 7">
             <a:extLst>
               <a:ext uri="{FF2B5EF4-FFF2-40B4-BE49-F238E27FC236}">
-                <a16:creationId xmlns="" xmlns:a16="http://schemas.microsoft.com/office/drawing/2014/main" id="{6510727C-C843-4D84-A07F-20F37366891D}"/>
+                <a16:creationId xmlns:a16="http://schemas.microsoft.com/office/drawing/2014/main" xmlns="" id="{6510727C-C843-4D84-A07F-20F37366891D}"/>
               </a:ext>
             </a:extLst>
           </p:cNvPr>
@@ -12148,7 +10500,7 @@
 </p:sld>
 </file>
 
-<file path=ppt/slides/slide17.xml><?xml version="1.0" encoding="utf-8"?>
+<file path=ppt/slides/slide16.xml><?xml version="1.0" encoding="utf-8"?>
 <p:sld xmlns:a="http://schemas.openxmlformats.org/drawingml/2006/main" xmlns:r="http://schemas.openxmlformats.org/officeDocument/2006/relationships" xmlns:p="http://schemas.openxmlformats.org/presentationml/2006/main">
   <p:cSld>
     <p:spTree>
@@ -12335,7 +10687,7 @@
           <p:cNvPr id="12" name="Conector reto 11">
             <a:extLst>
               <a:ext uri="{FF2B5EF4-FFF2-40B4-BE49-F238E27FC236}">
-                <a16:creationId xmlns="" xmlns:a16="http://schemas.microsoft.com/office/drawing/2014/main" id="{6510727C-C843-4D84-A07F-20F37366891D}"/>
+                <a16:creationId xmlns:a16="http://schemas.microsoft.com/office/drawing/2014/main" xmlns="" id="{6510727C-C843-4D84-A07F-20F37366891D}"/>
               </a:ext>
             </a:extLst>
           </p:cNvPr>
@@ -12377,7 +10729,7 @@
           <p:cNvPr id="8" name="Agrupar 7">
             <a:extLst>
               <a:ext uri="{FF2B5EF4-FFF2-40B4-BE49-F238E27FC236}">
-                <a16:creationId xmlns="" xmlns:a16="http://schemas.microsoft.com/office/drawing/2014/main" id="{153C3B9E-A4D1-44C4-8606-47C0B0C7C645}"/>
+                <a16:creationId xmlns:a16="http://schemas.microsoft.com/office/drawing/2014/main" xmlns="" id="{153C3B9E-A4D1-44C4-8606-47C0B0C7C645}"/>
               </a:ext>
             </a:extLst>
           </p:cNvPr>
@@ -12438,7 +10790,7 @@
             <p:cNvPr id="2" name="Imagem 1">
               <a:extLst>
                 <a:ext uri="{FF2B5EF4-FFF2-40B4-BE49-F238E27FC236}">
-                  <a16:creationId xmlns="" xmlns:a16="http://schemas.microsoft.com/office/drawing/2014/main" id="{9C31B254-0017-4F74-8459-F8999F979290}"/>
+                  <a16:creationId xmlns:a16="http://schemas.microsoft.com/office/drawing/2014/main" xmlns="" id="{9C31B254-0017-4F74-8459-F8999F979290}"/>
                 </a:ext>
               </a:extLst>
             </p:cNvPr>
@@ -12481,7 +10833,7 @@
           <p:cNvPr id="9" name="Agrupar 8">
             <a:extLst>
               <a:ext uri="{FF2B5EF4-FFF2-40B4-BE49-F238E27FC236}">
-                <a16:creationId xmlns="" xmlns:a16="http://schemas.microsoft.com/office/drawing/2014/main" id="{34F71602-B395-44B6-8887-E14CAEF64ADB}"/>
+                <a16:creationId xmlns:a16="http://schemas.microsoft.com/office/drawing/2014/main" xmlns="" id="{34F71602-B395-44B6-8887-E14CAEF64ADB}"/>
               </a:ext>
             </a:extLst>
           </p:cNvPr>
@@ -12540,7 +10892,7 @@
             <p:cNvPr id="3" name="Imagem 2">
               <a:extLst>
                 <a:ext uri="{FF2B5EF4-FFF2-40B4-BE49-F238E27FC236}">
-                  <a16:creationId xmlns="" xmlns:a16="http://schemas.microsoft.com/office/drawing/2014/main" id="{BC04278F-2736-403F-AF79-4AA72B6EAE7F}"/>
+                  <a16:creationId xmlns:a16="http://schemas.microsoft.com/office/drawing/2014/main" xmlns="" id="{BC04278F-2736-403F-AF79-4AA72B6EAE7F}"/>
                 </a:ext>
               </a:extLst>
             </p:cNvPr>
@@ -12583,7 +10935,7 @@
           <p:cNvPr id="10" name="Agrupar 9">
             <a:extLst>
               <a:ext uri="{FF2B5EF4-FFF2-40B4-BE49-F238E27FC236}">
-                <a16:creationId xmlns="" xmlns:a16="http://schemas.microsoft.com/office/drawing/2014/main" id="{147FD79B-9A67-4EFD-8CD7-15E488ACC61D}"/>
+                <a16:creationId xmlns:a16="http://schemas.microsoft.com/office/drawing/2014/main" xmlns="" id="{147FD79B-9A67-4EFD-8CD7-15E488ACC61D}"/>
               </a:ext>
             </a:extLst>
           </p:cNvPr>
@@ -12644,7 +10996,7 @@
             <p:cNvPr id="7" name="Imagem 6">
               <a:extLst>
                 <a:ext uri="{FF2B5EF4-FFF2-40B4-BE49-F238E27FC236}">
-                  <a16:creationId xmlns="" xmlns:a16="http://schemas.microsoft.com/office/drawing/2014/main" id="{DE51EA2D-37A4-4C65-9FE2-EE7FE9A8A7BE}"/>
+                  <a16:creationId xmlns:a16="http://schemas.microsoft.com/office/drawing/2014/main" xmlns="" id="{DE51EA2D-37A4-4C65-9FE2-EE7FE9A8A7BE}"/>
                 </a:ext>
               </a:extLst>
             </p:cNvPr>
@@ -12736,7 +11088,7 @@
 </p:sld>
 </file>
 
-<file path=ppt/slides/slide18.xml><?xml version="1.0" encoding="utf-8"?>
+<file path=ppt/slides/slide17.xml><?xml version="1.0" encoding="utf-8"?>
 <p:sld xmlns:a="http://schemas.openxmlformats.org/drawingml/2006/main" xmlns:r="http://schemas.openxmlformats.org/officeDocument/2006/relationships" xmlns:p="http://schemas.openxmlformats.org/presentationml/2006/main">
   <p:cSld>
     <p:spTree>
@@ -13018,7 +11370,7 @@
           <p:cNvPr id="7" name="Conector reto 6">
             <a:extLst>
               <a:ext uri="{FF2B5EF4-FFF2-40B4-BE49-F238E27FC236}">
-                <a16:creationId xmlns="" xmlns:a16="http://schemas.microsoft.com/office/drawing/2014/main" id="{6510727C-C843-4D84-A07F-20F37366891D}"/>
+                <a16:creationId xmlns:a16="http://schemas.microsoft.com/office/drawing/2014/main" xmlns="" id="{6510727C-C843-4D84-A07F-20F37366891D}"/>
               </a:ext>
             </a:extLst>
           </p:cNvPr>
@@ -13201,7 +11553,7 @@
 </p:sld>
 </file>
 
-<file path=ppt/slides/slide19.xml><?xml version="1.0" encoding="utf-8"?>
+<file path=ppt/slides/slide18.xml><?xml version="1.0" encoding="utf-8"?>
 <p:sld xmlns:a="http://schemas.openxmlformats.org/drawingml/2006/main" xmlns:r="http://schemas.openxmlformats.org/officeDocument/2006/relationships" xmlns:p="http://schemas.openxmlformats.org/presentationml/2006/main">
   <p:cSld>
     <p:spTree>
@@ -13388,7 +11740,7 @@
           <p:cNvPr id="12" name="Conector reto 11">
             <a:extLst>
               <a:ext uri="{FF2B5EF4-FFF2-40B4-BE49-F238E27FC236}">
-                <a16:creationId xmlns="" xmlns:a16="http://schemas.microsoft.com/office/drawing/2014/main" id="{6510727C-C843-4D84-A07F-20F37366891D}"/>
+                <a16:creationId xmlns:a16="http://schemas.microsoft.com/office/drawing/2014/main" xmlns="" id="{6510727C-C843-4D84-A07F-20F37366891D}"/>
               </a:ext>
             </a:extLst>
           </p:cNvPr>
@@ -15586,6 +13938,267 @@
 </p:sld>
 </file>
 
+<file path=ppt/slides/slide19.xml><?xml version="1.0" encoding="utf-8"?>
+<p:sld xmlns:a="http://schemas.openxmlformats.org/drawingml/2006/main" xmlns:r="http://schemas.openxmlformats.org/officeDocument/2006/relationships" xmlns:p="http://schemas.openxmlformats.org/presentationml/2006/main">
+  <p:cSld>
+    <p:spTree>
+      <p:nvGrpSpPr>
+        <p:cNvPr id="1" name=""/>
+        <p:cNvGrpSpPr/>
+        <p:nvPr/>
+      </p:nvGrpSpPr>
+      <p:grpSpPr>
+        <a:xfrm>
+          <a:off x="0" y="0"/>
+          <a:ext cx="0" cy="0"/>
+          <a:chOff x="0" y="0"/>
+          <a:chExt cx="0" cy="0"/>
+        </a:xfrm>
+      </p:grpSpPr>
+      <p:grpSp>
+        <p:nvGrpSpPr>
+          <p:cNvPr id="4" name="Agrupar 3"/>
+          <p:cNvGrpSpPr/>
+          <p:nvPr/>
+        </p:nvGrpSpPr>
+        <p:grpSpPr>
+          <a:xfrm>
+            <a:off x="25400" y="-5907"/>
+            <a:ext cx="12192000" cy="6863907"/>
+            <a:chOff x="0" y="0"/>
+            <a:chExt cx="12192000" cy="6863907"/>
+          </a:xfrm>
+        </p:grpSpPr>
+        <p:pic>
+          <p:nvPicPr>
+            <p:cNvPr id="5" name="Picture 22" descr="http://www.correiodoestadoonline.com.br/arquivos/noticias/3.png"/>
+            <p:cNvPicPr>
+              <a:picLocks noChangeAspect="1" noChangeArrowheads="1"/>
+            </p:cNvPicPr>
+            <p:nvPr/>
+          </p:nvPicPr>
+          <p:blipFill>
+            <a:blip r:embed="rId2">
+              <a:extLst>
+                <a:ext uri="{BEBA8EAE-BF5A-486C-A8C5-ECC9F3942E4B}">
+                  <a14:imgProps xmlns:a14="http://schemas.microsoft.com/office/drawing/2010/main">
+                    <a14:imgLayer r:embed="rId3">
+                      <a14:imgEffect>
+                        <a14:sharpenSoften amount="-80000"/>
+                      </a14:imgEffect>
+                      <a14:imgEffect>
+                        <a14:brightnessContrast bright="-46000"/>
+                      </a14:imgEffect>
+                    </a14:imgLayer>
+                  </a14:imgProps>
+                </a:ext>
+                <a:ext uri="{28A0092B-C50C-407E-A947-70E740481C1C}">
+                  <a14:useLocalDpi xmlns:a14="http://schemas.microsoft.com/office/drawing/2010/main" val="0"/>
+                </a:ext>
+              </a:extLst>
+            </a:blip>
+            <a:srcRect/>
+            <a:stretch>
+              <a:fillRect/>
+            </a:stretch>
+          </p:blipFill>
+          <p:spPr bwMode="auto">
+            <a:xfrm>
+              <a:off x="0" y="0"/>
+              <a:ext cx="12192000" cy="6863907"/>
+            </a:xfrm>
+            <a:prstGeom prst="rect">
+              <a:avLst/>
+            </a:prstGeom>
+            <a:noFill/>
+          </p:spPr>
+        </p:pic>
+        <p:sp>
+          <p:nvSpPr>
+            <p:cNvPr id="6" name="Retângulo 5"/>
+            <p:cNvSpPr/>
+            <p:nvPr/>
+          </p:nvSpPr>
+          <p:spPr>
+            <a:xfrm>
+              <a:off x="0" y="5907"/>
+              <a:ext cx="12192000" cy="6858000"/>
+            </a:xfrm>
+            <a:prstGeom prst="rect">
+              <a:avLst/>
+            </a:prstGeom>
+            <a:solidFill>
+              <a:schemeClr val="tx1">
+                <a:lumMod val="95000"/>
+                <a:lumOff val="5000"/>
+                <a:alpha val="87000"/>
+              </a:schemeClr>
+            </a:solidFill>
+            <a:ln>
+              <a:noFill/>
+            </a:ln>
+          </p:spPr>
+          <p:style>
+            <a:lnRef idx="2">
+              <a:schemeClr val="dk1"/>
+            </a:lnRef>
+            <a:fillRef idx="1">
+              <a:schemeClr val="lt1"/>
+            </a:fillRef>
+            <a:effectRef idx="0">
+              <a:schemeClr val="dk1"/>
+            </a:effectRef>
+            <a:fontRef idx="minor">
+              <a:schemeClr val="dk1"/>
+            </a:fontRef>
+          </p:style>
+          <p:txBody>
+            <a:bodyPr rtlCol="0" anchor="ctr"/>
+            <a:lstStyle/>
+            <a:p>
+              <a:pPr algn="ctr"/>
+              <a:endParaRPr lang="pt-BR" dirty="0"/>
+            </a:p>
+          </p:txBody>
+        </p:sp>
+      </p:grpSp>
+      <p:sp>
+        <p:nvSpPr>
+          <p:cNvPr id="11" name="Retângulo 10"/>
+          <p:cNvSpPr/>
+          <p:nvPr/>
+        </p:nvSpPr>
+        <p:spPr>
+          <a:xfrm>
+            <a:off x="126222" y="198787"/>
+            <a:ext cx="9627378" cy="584775"/>
+          </a:xfrm>
+          <a:prstGeom prst="rect">
+            <a:avLst/>
+          </a:prstGeom>
+          <a:noFill/>
+          <a:effectLst/>
+        </p:spPr>
+        <p:txBody>
+          <a:bodyPr wrap="square" lIns="91440" tIns="45720" rIns="91440" bIns="45720">
+            <a:spAutoFit/>
+          </a:bodyPr>
+          <a:lstStyle/>
+          <a:p>
+            <a:pPr algn="just"/>
+            <a:r>
+              <a:rPr lang="pt-BR" sz="3200" b="1" dirty="0">
+                <a:ln w="0"/>
+                <a:solidFill>
+                  <a:schemeClr val="bg1"/>
+                </a:solidFill>
+                <a:effectLst>
+                  <a:outerShdw blurRad="38100" dist="19050" dir="2700000" algn="tl" rotWithShape="0">
+                    <a:schemeClr val="dk1">
+                      <a:alpha val="40000"/>
+                    </a:schemeClr>
+                  </a:outerShdw>
+                </a:effectLst>
+                <a:latin typeface="Exo 2 Medium" panose="00000600000000000000" pitchFamily="50" charset="0"/>
+              </a:rPr>
+              <a:t>PROCESSO DE ATENDIMENTO E SUPORTE</a:t>
+            </a:r>
+            <a:endParaRPr lang="pt-BR" sz="3200" b="1" cap="none" spc="0" dirty="0">
+              <a:ln w="0"/>
+              <a:solidFill>
+                <a:schemeClr val="bg1"/>
+              </a:solidFill>
+              <a:effectLst>
+                <a:outerShdw blurRad="38100" dist="19050" dir="2700000" algn="tl" rotWithShape="0">
+                  <a:schemeClr val="dk1">
+                    <a:alpha val="40000"/>
+                  </a:schemeClr>
+                </a:outerShdw>
+              </a:effectLst>
+              <a:latin typeface="Exo 2 Medium" panose="00000600000000000000" pitchFamily="50" charset="0"/>
+            </a:endParaRPr>
+          </a:p>
+        </p:txBody>
+      </p:sp>
+      <p:cxnSp>
+        <p:nvCxnSpPr>
+          <p:cNvPr id="12" name="Conector reto 11">
+            <a:extLst>
+              <a:ext uri="{FF2B5EF4-FFF2-40B4-BE49-F238E27FC236}">
+                <a16:creationId xmlns:a16="http://schemas.microsoft.com/office/drawing/2014/main" xmlns="" id="{6510727C-C843-4D84-A07F-20F37366891D}"/>
+              </a:ext>
+            </a:extLst>
+          </p:cNvPr>
+          <p:cNvCxnSpPr/>
+          <p:nvPr/>
+        </p:nvCxnSpPr>
+        <p:spPr>
+          <a:xfrm>
+            <a:off x="0" y="953059"/>
+            <a:ext cx="6325704" cy="0"/>
+          </a:xfrm>
+          <a:prstGeom prst="line">
+            <a:avLst/>
+          </a:prstGeom>
+          <a:ln>
+            <a:solidFill>
+              <a:schemeClr val="bg1"/>
+            </a:solidFill>
+          </a:ln>
+          <a:effectLst/>
+        </p:spPr>
+        <p:style>
+          <a:lnRef idx="1">
+            <a:schemeClr val="accent1"/>
+          </a:lnRef>
+          <a:fillRef idx="0">
+            <a:schemeClr val="accent1"/>
+          </a:fillRef>
+          <a:effectRef idx="0">
+            <a:schemeClr val="accent1"/>
+          </a:effectRef>
+          <a:fontRef idx="minor">
+            <a:schemeClr val="tx1"/>
+          </a:fontRef>
+        </p:style>
+      </p:cxnSp>
+      <p:pic>
+        <p:nvPicPr>
+          <p:cNvPr id="2" name="Imagem 1"/>
+          <p:cNvPicPr>
+            <a:picLocks noChangeAspect="1"/>
+          </p:cNvPicPr>
+          <p:nvPr/>
+        </p:nvPicPr>
+        <p:blipFill>
+          <a:blip r:embed="rId4"/>
+          <a:stretch>
+            <a:fillRect/>
+          </a:stretch>
+        </p:blipFill>
+        <p:spPr>
+          <a:xfrm>
+            <a:off x="1005116" y="1034917"/>
+            <a:ext cx="10232568" cy="5741226"/>
+          </a:xfrm>
+          <a:prstGeom prst="rect">
+            <a:avLst/>
+          </a:prstGeom>
+        </p:spPr>
+      </p:pic>
+    </p:spTree>
+    <p:extLst>
+      <p:ext uri="{BB962C8B-B14F-4D97-AF65-F5344CB8AC3E}">
+        <p14:creationId xmlns:p14="http://schemas.microsoft.com/office/powerpoint/2010/main" val="1913267837"/>
+      </p:ext>
+    </p:extLst>
+  </p:cSld>
+  <p:clrMapOvr>
+    <a:masterClrMapping/>
+  </p:clrMapOvr>
+</p:sld>
+</file>
+
 <file path=ppt/slides/slide2.xml><?xml version="1.0" encoding="utf-8"?>
 <p:sld xmlns:a="http://schemas.openxmlformats.org/drawingml/2006/main" xmlns:r="http://schemas.openxmlformats.org/officeDocument/2006/relationships" xmlns:p="http://schemas.openxmlformats.org/presentationml/2006/main">
   <p:cSld>
@@ -15811,7 +14424,7 @@
           <p:cNvPr id="7" name="Conector reto 6">
             <a:extLst>
               <a:ext uri="{FF2B5EF4-FFF2-40B4-BE49-F238E27FC236}">
-                <a16:creationId xmlns="" xmlns:a16="http://schemas.microsoft.com/office/drawing/2014/main" id="{6510727C-C843-4D84-A07F-20F37366891D}"/>
+                <a16:creationId xmlns:a16="http://schemas.microsoft.com/office/drawing/2014/main" xmlns="" id="{6510727C-C843-4D84-A07F-20F37366891D}"/>
               </a:ext>
             </a:extLst>
           </p:cNvPr>
@@ -16072,267 +14685,6 @@
         </p:nvGrpSpPr>
         <p:grpSpPr>
           <a:xfrm>
-            <a:off x="25400" y="-5907"/>
-            <a:ext cx="12192000" cy="6863907"/>
-            <a:chOff x="0" y="0"/>
-            <a:chExt cx="12192000" cy="6863907"/>
-          </a:xfrm>
-        </p:grpSpPr>
-        <p:pic>
-          <p:nvPicPr>
-            <p:cNvPr id="5" name="Picture 22" descr="http://www.correiodoestadoonline.com.br/arquivos/noticias/3.png"/>
-            <p:cNvPicPr>
-              <a:picLocks noChangeAspect="1" noChangeArrowheads="1"/>
-            </p:cNvPicPr>
-            <p:nvPr/>
-          </p:nvPicPr>
-          <p:blipFill>
-            <a:blip r:embed="rId2">
-              <a:extLst>
-                <a:ext uri="{BEBA8EAE-BF5A-486C-A8C5-ECC9F3942E4B}">
-                  <a14:imgProps xmlns:a14="http://schemas.microsoft.com/office/drawing/2010/main">
-                    <a14:imgLayer r:embed="rId3">
-                      <a14:imgEffect>
-                        <a14:sharpenSoften amount="-80000"/>
-                      </a14:imgEffect>
-                      <a14:imgEffect>
-                        <a14:brightnessContrast bright="-46000"/>
-                      </a14:imgEffect>
-                    </a14:imgLayer>
-                  </a14:imgProps>
-                </a:ext>
-                <a:ext uri="{28A0092B-C50C-407E-A947-70E740481C1C}">
-                  <a14:useLocalDpi xmlns:a14="http://schemas.microsoft.com/office/drawing/2010/main" val="0"/>
-                </a:ext>
-              </a:extLst>
-            </a:blip>
-            <a:srcRect/>
-            <a:stretch>
-              <a:fillRect/>
-            </a:stretch>
-          </p:blipFill>
-          <p:spPr bwMode="auto">
-            <a:xfrm>
-              <a:off x="0" y="0"/>
-              <a:ext cx="12192000" cy="6863907"/>
-            </a:xfrm>
-            <a:prstGeom prst="rect">
-              <a:avLst/>
-            </a:prstGeom>
-            <a:noFill/>
-          </p:spPr>
-        </p:pic>
-        <p:sp>
-          <p:nvSpPr>
-            <p:cNvPr id="6" name="Retângulo 5"/>
-            <p:cNvSpPr/>
-            <p:nvPr/>
-          </p:nvSpPr>
-          <p:spPr>
-            <a:xfrm>
-              <a:off x="0" y="5907"/>
-              <a:ext cx="12192000" cy="6858000"/>
-            </a:xfrm>
-            <a:prstGeom prst="rect">
-              <a:avLst/>
-            </a:prstGeom>
-            <a:solidFill>
-              <a:schemeClr val="tx1">
-                <a:lumMod val="95000"/>
-                <a:lumOff val="5000"/>
-                <a:alpha val="87000"/>
-              </a:schemeClr>
-            </a:solidFill>
-            <a:ln>
-              <a:noFill/>
-            </a:ln>
-          </p:spPr>
-          <p:style>
-            <a:lnRef idx="2">
-              <a:schemeClr val="dk1"/>
-            </a:lnRef>
-            <a:fillRef idx="1">
-              <a:schemeClr val="lt1"/>
-            </a:fillRef>
-            <a:effectRef idx="0">
-              <a:schemeClr val="dk1"/>
-            </a:effectRef>
-            <a:fontRef idx="minor">
-              <a:schemeClr val="dk1"/>
-            </a:fontRef>
-          </p:style>
-          <p:txBody>
-            <a:bodyPr rtlCol="0" anchor="ctr"/>
-            <a:lstStyle/>
-            <a:p>
-              <a:pPr algn="ctr"/>
-              <a:endParaRPr lang="pt-BR" dirty="0"/>
-            </a:p>
-          </p:txBody>
-        </p:sp>
-      </p:grpSp>
-      <p:sp>
-        <p:nvSpPr>
-          <p:cNvPr id="11" name="Retângulo 10"/>
-          <p:cNvSpPr/>
-          <p:nvPr/>
-        </p:nvSpPr>
-        <p:spPr>
-          <a:xfrm>
-            <a:off x="126222" y="198787"/>
-            <a:ext cx="9627378" cy="584775"/>
-          </a:xfrm>
-          <a:prstGeom prst="rect">
-            <a:avLst/>
-          </a:prstGeom>
-          <a:noFill/>
-          <a:effectLst/>
-        </p:spPr>
-        <p:txBody>
-          <a:bodyPr wrap="square" lIns="91440" tIns="45720" rIns="91440" bIns="45720">
-            <a:spAutoFit/>
-          </a:bodyPr>
-          <a:lstStyle/>
-          <a:p>
-            <a:pPr algn="just"/>
-            <a:r>
-              <a:rPr lang="pt-BR" sz="3200" b="1" dirty="0">
-                <a:ln w="0"/>
-                <a:solidFill>
-                  <a:schemeClr val="bg1"/>
-                </a:solidFill>
-                <a:effectLst>
-                  <a:outerShdw blurRad="38100" dist="19050" dir="2700000" algn="tl" rotWithShape="0">
-                    <a:schemeClr val="dk1">
-                      <a:alpha val="40000"/>
-                    </a:schemeClr>
-                  </a:outerShdw>
-                </a:effectLst>
-                <a:latin typeface="Exo 2 Medium" panose="00000600000000000000" pitchFamily="50" charset="0"/>
-              </a:rPr>
-              <a:t>PROCESSO DE ATENDIMENTO E SUPORTE</a:t>
-            </a:r>
-            <a:endParaRPr lang="pt-BR" sz="3200" b="1" cap="none" spc="0" dirty="0">
-              <a:ln w="0"/>
-              <a:solidFill>
-                <a:schemeClr val="bg1"/>
-              </a:solidFill>
-              <a:effectLst>
-                <a:outerShdw blurRad="38100" dist="19050" dir="2700000" algn="tl" rotWithShape="0">
-                  <a:schemeClr val="dk1">
-                    <a:alpha val="40000"/>
-                  </a:schemeClr>
-                </a:outerShdw>
-              </a:effectLst>
-              <a:latin typeface="Exo 2 Medium" panose="00000600000000000000" pitchFamily="50" charset="0"/>
-            </a:endParaRPr>
-          </a:p>
-        </p:txBody>
-      </p:sp>
-      <p:cxnSp>
-        <p:nvCxnSpPr>
-          <p:cNvPr id="12" name="Conector reto 11">
-            <a:extLst>
-              <a:ext uri="{FF2B5EF4-FFF2-40B4-BE49-F238E27FC236}">
-                <a16:creationId xmlns="" xmlns:a16="http://schemas.microsoft.com/office/drawing/2014/main" id="{6510727C-C843-4D84-A07F-20F37366891D}"/>
-              </a:ext>
-            </a:extLst>
-          </p:cNvPr>
-          <p:cNvCxnSpPr/>
-          <p:nvPr/>
-        </p:nvCxnSpPr>
-        <p:spPr>
-          <a:xfrm>
-            <a:off x="0" y="953059"/>
-            <a:ext cx="6325704" cy="0"/>
-          </a:xfrm>
-          <a:prstGeom prst="line">
-            <a:avLst/>
-          </a:prstGeom>
-          <a:ln>
-            <a:solidFill>
-              <a:schemeClr val="bg1"/>
-            </a:solidFill>
-          </a:ln>
-          <a:effectLst/>
-        </p:spPr>
-        <p:style>
-          <a:lnRef idx="1">
-            <a:schemeClr val="accent1"/>
-          </a:lnRef>
-          <a:fillRef idx="0">
-            <a:schemeClr val="accent1"/>
-          </a:fillRef>
-          <a:effectRef idx="0">
-            <a:schemeClr val="accent1"/>
-          </a:effectRef>
-          <a:fontRef idx="minor">
-            <a:schemeClr val="tx1"/>
-          </a:fontRef>
-        </p:style>
-      </p:cxnSp>
-      <p:pic>
-        <p:nvPicPr>
-          <p:cNvPr id="2" name="Imagem 1"/>
-          <p:cNvPicPr>
-            <a:picLocks noChangeAspect="1"/>
-          </p:cNvPicPr>
-          <p:nvPr/>
-        </p:nvPicPr>
-        <p:blipFill>
-          <a:blip r:embed="rId4"/>
-          <a:stretch>
-            <a:fillRect/>
-          </a:stretch>
-        </p:blipFill>
-        <p:spPr>
-          <a:xfrm>
-            <a:off x="1005116" y="1034917"/>
-            <a:ext cx="10232568" cy="5741226"/>
-          </a:xfrm>
-          <a:prstGeom prst="rect">
-            <a:avLst/>
-          </a:prstGeom>
-        </p:spPr>
-      </p:pic>
-    </p:spTree>
-    <p:extLst>
-      <p:ext uri="{BB962C8B-B14F-4D97-AF65-F5344CB8AC3E}">
-        <p14:creationId xmlns:p14="http://schemas.microsoft.com/office/powerpoint/2010/main" val="1913267837"/>
-      </p:ext>
-    </p:extLst>
-  </p:cSld>
-  <p:clrMapOvr>
-    <a:masterClrMapping/>
-  </p:clrMapOvr>
-</p:sld>
-</file>
-
-<file path=ppt/slides/slide21.xml><?xml version="1.0" encoding="utf-8"?>
-<p:sld xmlns:a="http://schemas.openxmlformats.org/drawingml/2006/main" xmlns:r="http://schemas.openxmlformats.org/officeDocument/2006/relationships" xmlns:p="http://schemas.openxmlformats.org/presentationml/2006/main">
-  <p:cSld>
-    <p:spTree>
-      <p:nvGrpSpPr>
-        <p:cNvPr id="1" name=""/>
-        <p:cNvGrpSpPr/>
-        <p:nvPr/>
-      </p:nvGrpSpPr>
-      <p:grpSpPr>
-        <a:xfrm>
-          <a:off x="0" y="0"/>
-          <a:ext cx="0" cy="0"/>
-          <a:chOff x="0" y="0"/>
-          <a:chExt cx="0" cy="0"/>
-        </a:xfrm>
-      </p:grpSpPr>
-      <p:grpSp>
-        <p:nvGrpSpPr>
-          <p:cNvPr id="4" name="Agrupar 3"/>
-          <p:cNvGrpSpPr/>
-          <p:nvPr/>
-        </p:nvGrpSpPr>
-        <p:grpSpPr>
-          <a:xfrm>
             <a:off x="0" y="-5907"/>
             <a:ext cx="12192000" cy="6863907"/>
             <a:chOff x="0" y="0"/>
@@ -16495,7 +14847,7 @@
           <p:cNvPr id="12" name="Conector reto 11">
             <a:extLst>
               <a:ext uri="{FF2B5EF4-FFF2-40B4-BE49-F238E27FC236}">
-                <a16:creationId xmlns="" xmlns:a16="http://schemas.microsoft.com/office/drawing/2014/main" id="{6510727C-C843-4D84-A07F-20F37366891D}"/>
+                <a16:creationId xmlns:a16="http://schemas.microsoft.com/office/drawing/2014/main" xmlns="" id="{6510727C-C843-4D84-A07F-20F37366891D}"/>
               </a:ext>
             </a:extLst>
           </p:cNvPr>
@@ -16743,7 +15095,7 @@
 </p:sld>
 </file>
 
-<file path=ppt/slides/slide22.xml><?xml version="1.0" encoding="utf-8"?>
+<file path=ppt/slides/slide21.xml><?xml version="1.0" encoding="utf-8"?>
 <p:sld xmlns:a="http://schemas.openxmlformats.org/drawingml/2006/main" xmlns:r="http://schemas.openxmlformats.org/officeDocument/2006/relationships" xmlns:p="http://schemas.openxmlformats.org/presentationml/2006/main">
   <p:cSld>
     <p:spTree>
@@ -16930,7 +15282,7 @@
           <p:cNvPr id="12" name="Conector reto 11">
             <a:extLst>
               <a:ext uri="{FF2B5EF4-FFF2-40B4-BE49-F238E27FC236}">
-                <a16:creationId xmlns="" xmlns:a16="http://schemas.microsoft.com/office/drawing/2014/main" id="{6510727C-C843-4D84-A07F-20F37366891D}"/>
+                <a16:creationId xmlns:a16="http://schemas.microsoft.com/office/drawing/2014/main" xmlns="" id="{6510727C-C843-4D84-A07F-20F37366891D}"/>
               </a:ext>
             </a:extLst>
           </p:cNvPr>
@@ -17085,21 +15437,21 @@
                 <a:gridCol w="308791">
                   <a:extLst>
                     <a:ext uri="{9D8B030D-6E8A-4147-A177-3AD203B41FA5}">
-                      <a16:colId xmlns="" xmlns:a16="http://schemas.microsoft.com/office/drawing/2014/main" val="1568329710"/>
+                      <a16:colId xmlns:a16="http://schemas.microsoft.com/office/drawing/2014/main" xmlns="" val="1568329710"/>
                     </a:ext>
                   </a:extLst>
                 </a:gridCol>
                 <a:gridCol w="4290817">
                   <a:extLst>
                     <a:ext uri="{9D8B030D-6E8A-4147-A177-3AD203B41FA5}">
-                      <a16:colId xmlns="" xmlns:a16="http://schemas.microsoft.com/office/drawing/2014/main" val="1871891061"/>
+                      <a16:colId xmlns:a16="http://schemas.microsoft.com/office/drawing/2014/main" xmlns="" val="1871891061"/>
                     </a:ext>
                   </a:extLst>
                 </a:gridCol>
                 <a:gridCol w="1978992">
                   <a:extLst>
                     <a:ext uri="{9D8B030D-6E8A-4147-A177-3AD203B41FA5}">
-                      <a16:colId xmlns="" xmlns:a16="http://schemas.microsoft.com/office/drawing/2014/main" val="579065303"/>
+                      <a16:colId xmlns:a16="http://schemas.microsoft.com/office/drawing/2014/main" xmlns="" val="579065303"/>
                     </a:ext>
                   </a:extLst>
                 </a:gridCol>
@@ -17287,7 +15639,7 @@
                 </a:tc>
                 <a:extLst>
                   <a:ext uri="{0D108BD9-81ED-4DB2-BD59-A6C34878D82A}">
-                    <a16:rowId xmlns="" xmlns:a16="http://schemas.microsoft.com/office/drawing/2014/main" val="1638585819"/>
+                    <a16:rowId xmlns:a16="http://schemas.microsoft.com/office/drawing/2014/main" xmlns="" val="1638585819"/>
                   </a:ext>
                 </a:extLst>
               </a:tr>
@@ -17486,7 +15838,7 @@
                 </a:tc>
                 <a:extLst>
                   <a:ext uri="{0D108BD9-81ED-4DB2-BD59-A6C34878D82A}">
-                    <a16:rowId xmlns="" xmlns:a16="http://schemas.microsoft.com/office/drawing/2014/main" val="1729273268"/>
+                    <a16:rowId xmlns:a16="http://schemas.microsoft.com/office/drawing/2014/main" xmlns="" val="1729273268"/>
                   </a:ext>
                 </a:extLst>
               </a:tr>
@@ -17655,7 +16007,7 @@
                 </a:tc>
                 <a:extLst>
                   <a:ext uri="{0D108BD9-81ED-4DB2-BD59-A6C34878D82A}">
-                    <a16:rowId xmlns="" xmlns:a16="http://schemas.microsoft.com/office/drawing/2014/main" val="3139794314"/>
+                    <a16:rowId xmlns:a16="http://schemas.microsoft.com/office/drawing/2014/main" xmlns="" val="3139794314"/>
                   </a:ext>
                 </a:extLst>
               </a:tr>
@@ -17830,7 +16182,7 @@
                 </a:tc>
                 <a:extLst>
                   <a:ext uri="{0D108BD9-81ED-4DB2-BD59-A6C34878D82A}">
-                    <a16:rowId xmlns="" xmlns:a16="http://schemas.microsoft.com/office/drawing/2014/main" val="2491518698"/>
+                    <a16:rowId xmlns:a16="http://schemas.microsoft.com/office/drawing/2014/main" xmlns="" val="2491518698"/>
                   </a:ext>
                 </a:extLst>
               </a:tr>
@@ -17999,7 +16351,7 @@
                 </a:tc>
                 <a:extLst>
                   <a:ext uri="{0D108BD9-81ED-4DB2-BD59-A6C34878D82A}">
-                    <a16:rowId xmlns="" xmlns:a16="http://schemas.microsoft.com/office/drawing/2014/main" val="1225861265"/>
+                    <a16:rowId xmlns:a16="http://schemas.microsoft.com/office/drawing/2014/main" xmlns="" val="1225861265"/>
                   </a:ext>
                 </a:extLst>
               </a:tr>
@@ -18168,7 +16520,7 @@
                 </a:tc>
                 <a:extLst>
                   <a:ext uri="{0D108BD9-81ED-4DB2-BD59-A6C34878D82A}">
-                    <a16:rowId xmlns="" xmlns:a16="http://schemas.microsoft.com/office/drawing/2014/main" val="1852575384"/>
+                    <a16:rowId xmlns:a16="http://schemas.microsoft.com/office/drawing/2014/main" xmlns="" val="1852575384"/>
                   </a:ext>
                 </a:extLst>
               </a:tr>
@@ -18337,7 +16689,7 @@
                 </a:tc>
                 <a:extLst>
                   <a:ext uri="{0D108BD9-81ED-4DB2-BD59-A6C34878D82A}">
-                    <a16:rowId xmlns="" xmlns:a16="http://schemas.microsoft.com/office/drawing/2014/main" val="4275989410"/>
+                    <a16:rowId xmlns:a16="http://schemas.microsoft.com/office/drawing/2014/main" xmlns="" val="4275989410"/>
                   </a:ext>
                 </a:extLst>
               </a:tr>
@@ -18506,7 +16858,7 @@
                 </a:tc>
                 <a:extLst>
                   <a:ext uri="{0D108BD9-81ED-4DB2-BD59-A6C34878D82A}">
-                    <a16:rowId xmlns="" xmlns:a16="http://schemas.microsoft.com/office/drawing/2014/main" val="1577018614"/>
+                    <a16:rowId xmlns:a16="http://schemas.microsoft.com/office/drawing/2014/main" xmlns="" val="1577018614"/>
                   </a:ext>
                 </a:extLst>
               </a:tr>
@@ -18675,7 +17027,7 @@
                 </a:tc>
                 <a:extLst>
                   <a:ext uri="{0D108BD9-81ED-4DB2-BD59-A6C34878D82A}">
-                    <a16:rowId xmlns="" xmlns:a16="http://schemas.microsoft.com/office/drawing/2014/main" val="2694745648"/>
+                    <a16:rowId xmlns:a16="http://schemas.microsoft.com/office/drawing/2014/main" xmlns="" val="2694745648"/>
                   </a:ext>
                 </a:extLst>
               </a:tr>
@@ -18844,7 +17196,7 @@
                 </a:tc>
                 <a:extLst>
                   <a:ext uri="{0D108BD9-81ED-4DB2-BD59-A6C34878D82A}">
-                    <a16:rowId xmlns="" xmlns:a16="http://schemas.microsoft.com/office/drawing/2014/main" val="3845670915"/>
+                    <a16:rowId xmlns:a16="http://schemas.microsoft.com/office/drawing/2014/main" xmlns="" val="3845670915"/>
                   </a:ext>
                 </a:extLst>
               </a:tr>
@@ -18865,7 +17217,7 @@
 </p:sld>
 </file>
 
-<file path=ppt/slides/slide23.xml><?xml version="1.0" encoding="utf-8"?>
+<file path=ppt/slides/slide22.xml><?xml version="1.0" encoding="utf-8"?>
 <p:sld xmlns:a="http://schemas.openxmlformats.org/drawingml/2006/main" xmlns:r="http://schemas.openxmlformats.org/officeDocument/2006/relationships" xmlns:p="http://schemas.openxmlformats.org/presentationml/2006/main">
   <p:cSld>
     <p:spTree>
@@ -19052,7 +17404,7 @@
           <p:cNvPr id="12" name="Conector reto 11">
             <a:extLst>
               <a:ext uri="{FF2B5EF4-FFF2-40B4-BE49-F238E27FC236}">
-                <a16:creationId xmlns="" xmlns:a16="http://schemas.microsoft.com/office/drawing/2014/main" id="{6510727C-C843-4D84-A07F-20F37366891D}"/>
+                <a16:creationId xmlns:a16="http://schemas.microsoft.com/office/drawing/2014/main" xmlns="" id="{6510727C-C843-4D84-A07F-20F37366891D}"/>
               </a:ext>
             </a:extLst>
           </p:cNvPr>
@@ -19188,7 +17540,7 @@
           <p:cNvPr id="14" name="Elipse 13">
             <a:extLst>
               <a:ext uri="{FF2B5EF4-FFF2-40B4-BE49-F238E27FC236}">
-                <a16:creationId xmlns="" xmlns:a16="http://schemas.microsoft.com/office/drawing/2014/main" id="{669FAAF2-9D0E-4D18-AB53-C816955C6198}"/>
+                <a16:creationId xmlns:a16="http://schemas.microsoft.com/office/drawing/2014/main" xmlns="" id="{669FAAF2-9D0E-4D18-AB53-C816955C6198}"/>
               </a:ext>
             </a:extLst>
           </p:cNvPr>
@@ -19241,7 +17593,7 @@
           <p:cNvPr id="15" name="Picture 24" descr="Resultado de imagem para nodejs">
             <a:extLst>
               <a:ext uri="{FF2B5EF4-FFF2-40B4-BE49-F238E27FC236}">
-                <a16:creationId xmlns="" xmlns:a16="http://schemas.microsoft.com/office/drawing/2014/main" id="{683E078B-F65D-4381-8943-44C59AB596E0}"/>
+                <a16:creationId xmlns:a16="http://schemas.microsoft.com/office/drawing/2014/main" xmlns="" id="{683E078B-F65D-4381-8943-44C59AB596E0}"/>
               </a:ext>
             </a:extLst>
           </p:cNvPr>
@@ -19288,7 +17640,7 @@
           <p:cNvPr id="2" name="Agrupar 1">
             <a:extLst>
               <a:ext uri="{FF2B5EF4-FFF2-40B4-BE49-F238E27FC236}">
-                <a16:creationId xmlns="" xmlns:a16="http://schemas.microsoft.com/office/drawing/2014/main" id="{494FCF9F-E62B-459A-A035-CB378F4CEDB9}"/>
+                <a16:creationId xmlns:a16="http://schemas.microsoft.com/office/drawing/2014/main" xmlns="" id="{494FCF9F-E62B-459A-A035-CB378F4CEDB9}"/>
               </a:ext>
             </a:extLst>
           </p:cNvPr>
@@ -19308,7 +17660,7 @@
             <p:cNvPr id="17" name="Elipse 16">
               <a:extLst>
                 <a:ext uri="{FF2B5EF4-FFF2-40B4-BE49-F238E27FC236}">
-                  <a16:creationId xmlns="" xmlns:a16="http://schemas.microsoft.com/office/drawing/2014/main" id="{8D080525-71E3-4B81-BC05-30C1585BD7FA}"/>
+                  <a16:creationId xmlns:a16="http://schemas.microsoft.com/office/drawing/2014/main" xmlns="" id="{8D080525-71E3-4B81-BC05-30C1585BD7FA}"/>
                 </a:ext>
               </a:extLst>
             </p:cNvPr>
@@ -19361,7 +17713,7 @@
             <p:cNvPr id="18" name="Picture 16" descr="Resultado de imagem para SQL">
               <a:extLst>
                 <a:ext uri="{FF2B5EF4-FFF2-40B4-BE49-F238E27FC236}">
-                  <a16:creationId xmlns="" xmlns:a16="http://schemas.microsoft.com/office/drawing/2014/main" id="{250DB77A-0166-4390-B049-587BDA79E80A}"/>
+                  <a16:creationId xmlns:a16="http://schemas.microsoft.com/office/drawing/2014/main" xmlns="" id="{250DB77A-0166-4390-B049-587BDA79E80A}"/>
                 </a:ext>
               </a:extLst>
             </p:cNvPr>
@@ -19407,7 +17759,7 @@
           <p:cNvPr id="19" name="Elipse 18">
             <a:extLst>
               <a:ext uri="{FF2B5EF4-FFF2-40B4-BE49-F238E27FC236}">
-                <a16:creationId xmlns="" xmlns:a16="http://schemas.microsoft.com/office/drawing/2014/main" id="{1AE7639E-7CA0-4E37-9FDE-351DF21FA242}"/>
+                <a16:creationId xmlns:a16="http://schemas.microsoft.com/office/drawing/2014/main" xmlns="" id="{1AE7639E-7CA0-4E37-9FDE-351DF21FA242}"/>
               </a:ext>
             </a:extLst>
           </p:cNvPr>
@@ -19460,7 +17812,7 @@
           <p:cNvPr id="20" name="Picture 20" descr="Resultado de imagem para html css javascript">
             <a:extLst>
               <a:ext uri="{FF2B5EF4-FFF2-40B4-BE49-F238E27FC236}">
-                <a16:creationId xmlns="" xmlns:a16="http://schemas.microsoft.com/office/drawing/2014/main" id="{206D33A5-77C8-45E5-AEC7-700CD187EAFB}"/>
+                <a16:creationId xmlns:a16="http://schemas.microsoft.com/office/drawing/2014/main" xmlns="" id="{206D33A5-77C8-45E5-AEC7-700CD187EAFB}"/>
               </a:ext>
             </a:extLst>
           </p:cNvPr>
@@ -19515,7 +17867,7 @@
 </p:sld>
 </file>
 
-<file path=ppt/slides/slide24.xml><?xml version="1.0" encoding="utf-8"?>
+<file path=ppt/slides/slide23.xml><?xml version="1.0" encoding="utf-8"?>
 <p:sld xmlns:a="http://schemas.openxmlformats.org/drawingml/2006/main" xmlns:r="http://schemas.openxmlformats.org/officeDocument/2006/relationships" xmlns:p="http://schemas.openxmlformats.org/presentationml/2006/main">
   <p:cSld>
     <p:spTree>
@@ -19644,7 +17996,7 @@
           <p:cNvPr id="7" name="Imagem 6">
             <a:extLst>
               <a:ext uri="{FF2B5EF4-FFF2-40B4-BE49-F238E27FC236}">
-                <a16:creationId xmlns="" xmlns:a16="http://schemas.microsoft.com/office/drawing/2014/main" id="{FE19BE6A-7136-4270-BC7B-F58B33793FEC}"/>
+                <a16:creationId xmlns:a16="http://schemas.microsoft.com/office/drawing/2014/main" xmlns="" id="{FE19BE6A-7136-4270-BC7B-F58B33793FEC}"/>
               </a:ext>
             </a:extLst>
           </p:cNvPr>
@@ -20117,7 +18469,7 @@
           <p:cNvPr id="11" name="Conector reto 10">
             <a:extLst>
               <a:ext uri="{FF2B5EF4-FFF2-40B4-BE49-F238E27FC236}">
-                <a16:creationId xmlns="" xmlns:a16="http://schemas.microsoft.com/office/drawing/2014/main" id="{6510727C-C843-4D84-A07F-20F37366891D}"/>
+                <a16:creationId xmlns:a16="http://schemas.microsoft.com/office/drawing/2014/main" xmlns="" id="{6510727C-C843-4D84-A07F-20F37366891D}"/>
               </a:ext>
             </a:extLst>
           </p:cNvPr>
@@ -20233,7 +18585,7 @@
                 </a:effectLst>
                 <a:latin typeface="Exo 2 Medium" panose="00000600000000000000" pitchFamily="50" charset="0"/>
               </a:rPr>
-              <a:t>  8R</a:t>
+              <a:t>  </a:t>
             </a:r>
             <a:r>
               <a:rPr lang="pt-BR" sz="3600" b="1" dirty="0" smtClean="0">
@@ -20250,7 +18602,7 @@
                 </a:effectLst>
                 <a:latin typeface="Exo 2 Medium" panose="00000600000000000000" pitchFamily="50" charset="0"/>
               </a:rPr>
-              <a:t>$ bilhões</a:t>
+              <a:t>R$ 8 bilhões</a:t>
             </a:r>
             <a:endParaRPr lang="pt-BR" sz="3600" b="1" cap="none" spc="0" dirty="0">
               <a:ln w="0"/>
@@ -20330,20 +18682,6 @@
               </a:rPr>
               <a:t>Hospitais</a:t>
             </a:r>
-            <a:endParaRPr lang="pt-BR" sz="3600" b="1" dirty="0" smtClean="0">
-              <a:ln w="0"/>
-              <a:solidFill>
-                <a:srgbClr val="68CBCC"/>
-              </a:solidFill>
-              <a:effectLst>
-                <a:outerShdw blurRad="38100" dist="19050" dir="2700000" algn="tl" rotWithShape="0">
-                  <a:schemeClr val="dk1">
-                    <a:alpha val="40000"/>
-                  </a:schemeClr>
-                </a:outerShdw>
-              </a:effectLst>
-              <a:latin typeface="Exo 2 Medium" panose="00000600000000000000" pitchFamily="50" charset="0"/>
-            </a:endParaRPr>
           </a:p>
         </p:txBody>
       </p:sp>
@@ -20840,7 +19178,7 @@
           <p:cNvPr id="11" name="Conector reto 10">
             <a:extLst>
               <a:ext uri="{FF2B5EF4-FFF2-40B4-BE49-F238E27FC236}">
-                <a16:creationId xmlns="" xmlns:a16="http://schemas.microsoft.com/office/drawing/2014/main" id="{6510727C-C843-4D84-A07F-20F37366891D}"/>
+                <a16:creationId xmlns:a16="http://schemas.microsoft.com/office/drawing/2014/main" xmlns="" id="{6510727C-C843-4D84-A07F-20F37366891D}"/>
               </a:ext>
             </a:extLst>
           </p:cNvPr>
@@ -20935,7 +19273,7 @@
           <p:cNvPr id="14" name="Agrupar 13">
             <a:extLst>
               <a:ext uri="{FF2B5EF4-FFF2-40B4-BE49-F238E27FC236}">
-                <a16:creationId xmlns="" xmlns:a16="http://schemas.microsoft.com/office/drawing/2014/main" id="{456D9A76-5F22-4559-8295-EB71E94956C6}"/>
+                <a16:creationId xmlns:a16="http://schemas.microsoft.com/office/drawing/2014/main" xmlns="" id="{456D9A76-5F22-4559-8295-EB71E94956C6}"/>
               </a:ext>
             </a:extLst>
           </p:cNvPr>
@@ -20955,7 +19293,7 @@
             <p:cNvPr id="15" name="Picture 6" descr="Resultado de imagem para MONITOR VECTOR">
               <a:extLst>
                 <a:ext uri="{FF2B5EF4-FFF2-40B4-BE49-F238E27FC236}">
-                  <a16:creationId xmlns="" xmlns:a16="http://schemas.microsoft.com/office/drawing/2014/main" id="{6BE240E2-7FFB-4263-8B9A-0EB81A70A648}"/>
+                  <a16:creationId xmlns:a16="http://schemas.microsoft.com/office/drawing/2014/main" xmlns="" id="{6BE240E2-7FFB-4263-8B9A-0EB81A70A648}"/>
                 </a:ext>
               </a:extLst>
             </p:cNvPr>
@@ -21002,7 +19340,7 @@
             <p:cNvPr id="16" name="Imagem 15">
               <a:extLst>
                 <a:ext uri="{FF2B5EF4-FFF2-40B4-BE49-F238E27FC236}">
-                  <a16:creationId xmlns="" xmlns:a16="http://schemas.microsoft.com/office/drawing/2014/main" id="{6CCA4E70-293F-43F2-875A-5EAFE5F3EAC1}"/>
+                  <a16:creationId xmlns:a16="http://schemas.microsoft.com/office/drawing/2014/main" xmlns="" id="{6CCA4E70-293F-43F2-875A-5EAFE5F3EAC1}"/>
                 </a:ext>
               </a:extLst>
             </p:cNvPr>
@@ -21045,7 +19383,7 @@
           <p:cNvPr id="17" name="Agrupar 16">
             <a:extLst>
               <a:ext uri="{FF2B5EF4-FFF2-40B4-BE49-F238E27FC236}">
-                <a16:creationId xmlns="" xmlns:a16="http://schemas.microsoft.com/office/drawing/2014/main" id="{8B58EDC4-BF0F-418B-B71A-C837ABBC1988}"/>
+                <a16:creationId xmlns:a16="http://schemas.microsoft.com/office/drawing/2014/main" xmlns="" id="{8B58EDC4-BF0F-418B-B71A-C837ABBC1988}"/>
               </a:ext>
             </a:extLst>
           </p:cNvPr>
@@ -21065,7 +19403,7 @@
             <p:cNvPr id="18" name="Picture 8" descr="Resultado de imagem para TABLET VECTOR">
               <a:extLst>
                 <a:ext uri="{FF2B5EF4-FFF2-40B4-BE49-F238E27FC236}">
-                  <a16:creationId xmlns="" xmlns:a16="http://schemas.microsoft.com/office/drawing/2014/main" id="{32ACD9F4-E204-40AC-868A-852688735544}"/>
+                  <a16:creationId xmlns:a16="http://schemas.microsoft.com/office/drawing/2014/main" xmlns="" id="{32ACD9F4-E204-40AC-868A-852688735544}"/>
                 </a:ext>
               </a:extLst>
             </p:cNvPr>
@@ -21110,7 +19448,7 @@
             <p:cNvPr id="19" name="Imagem 18">
               <a:extLst>
                 <a:ext uri="{FF2B5EF4-FFF2-40B4-BE49-F238E27FC236}">
-                  <a16:creationId xmlns="" xmlns:a16="http://schemas.microsoft.com/office/drawing/2014/main" id="{13AC957E-6055-4665-806D-6E3B015CCF7D}"/>
+                  <a16:creationId xmlns:a16="http://schemas.microsoft.com/office/drawing/2014/main" xmlns="" id="{13AC957E-6055-4665-806D-6E3B015CCF7D}"/>
                 </a:ext>
               </a:extLst>
             </p:cNvPr>
@@ -21153,7 +19491,7 @@
           <p:cNvPr id="20" name="Agrupar 19">
             <a:extLst>
               <a:ext uri="{FF2B5EF4-FFF2-40B4-BE49-F238E27FC236}">
-                <a16:creationId xmlns="" xmlns:a16="http://schemas.microsoft.com/office/drawing/2014/main" id="{C35848B9-63A1-4F69-AF1A-954920296EAF}"/>
+                <a16:creationId xmlns:a16="http://schemas.microsoft.com/office/drawing/2014/main" xmlns="" id="{C35848B9-63A1-4F69-AF1A-954920296EAF}"/>
               </a:ext>
             </a:extLst>
           </p:cNvPr>
@@ -21173,7 +19511,7 @@
             <p:cNvPr id="21" name="Picture 10" descr="Resultado de imagem para IPHONE VECTOR">
               <a:extLst>
                 <a:ext uri="{FF2B5EF4-FFF2-40B4-BE49-F238E27FC236}">
-                  <a16:creationId xmlns="" xmlns:a16="http://schemas.microsoft.com/office/drawing/2014/main" id="{37317431-C7B8-46C9-8C39-19879373A5AD}"/>
+                  <a16:creationId xmlns:a16="http://schemas.microsoft.com/office/drawing/2014/main" xmlns="" id="{37317431-C7B8-46C9-8C39-19879373A5AD}"/>
                 </a:ext>
               </a:extLst>
             </p:cNvPr>
@@ -21220,7 +19558,7 @@
             <p:cNvPr id="22" name="Imagem 21">
               <a:extLst>
                 <a:ext uri="{FF2B5EF4-FFF2-40B4-BE49-F238E27FC236}">
-                  <a16:creationId xmlns="" xmlns:a16="http://schemas.microsoft.com/office/drawing/2014/main" id="{AAB66BDC-8F59-4C76-A4C2-96819C0C2B1E}"/>
+                  <a16:creationId xmlns:a16="http://schemas.microsoft.com/office/drawing/2014/main" xmlns="" id="{AAB66BDC-8F59-4C76-A4C2-96819C0C2B1E}"/>
                 </a:ext>
               </a:extLst>
             </p:cNvPr>
@@ -21640,282 +19978,6 @@
       </p:grpSpPr>
       <p:pic>
         <p:nvPicPr>
-          <p:cNvPr id="4" name="Picture 22" descr="http://www.correiodoestadoonline.com.br/arquivos/noticias/3.png"/>
-          <p:cNvPicPr>
-            <a:picLocks noChangeAspect="1" noChangeArrowheads="1"/>
-          </p:cNvPicPr>
-          <p:nvPr/>
-        </p:nvPicPr>
-        <p:blipFill>
-          <a:blip r:embed="rId2">
-            <a:extLst>
-              <a:ext uri="{BEBA8EAE-BF5A-486C-A8C5-ECC9F3942E4B}">
-                <a14:imgProps xmlns:a14="http://schemas.microsoft.com/office/drawing/2010/main">
-                  <a14:imgLayer r:embed="rId3">
-                    <a14:imgEffect>
-                      <a14:sharpenSoften amount="-80000"/>
-                    </a14:imgEffect>
-                    <a14:imgEffect>
-                      <a14:brightnessContrast bright="-46000"/>
-                    </a14:imgEffect>
-                  </a14:imgLayer>
-                </a14:imgProps>
-              </a:ext>
-              <a:ext uri="{28A0092B-C50C-407E-A947-70E740481C1C}">
-                <a14:useLocalDpi xmlns:a14="http://schemas.microsoft.com/office/drawing/2010/main" val="0"/>
-              </a:ext>
-            </a:extLst>
-          </a:blip>
-          <a:srcRect/>
-          <a:stretch>
-            <a:fillRect/>
-          </a:stretch>
-        </p:blipFill>
-        <p:spPr bwMode="auto">
-          <a:xfrm>
-            <a:off x="0" y="0"/>
-            <a:ext cx="12192000" cy="6863907"/>
-          </a:xfrm>
-          <a:prstGeom prst="rect">
-            <a:avLst/>
-          </a:prstGeom>
-          <a:noFill/>
-        </p:spPr>
-      </p:pic>
-      <p:sp>
-        <p:nvSpPr>
-          <p:cNvPr id="3" name="Retângulo 2"/>
-          <p:cNvSpPr/>
-          <p:nvPr/>
-        </p:nvSpPr>
-        <p:spPr>
-          <a:xfrm>
-            <a:off x="-79784" y="0"/>
-            <a:ext cx="12192000" cy="6858000"/>
-          </a:xfrm>
-          <a:prstGeom prst="rect">
-            <a:avLst/>
-          </a:prstGeom>
-          <a:solidFill>
-            <a:schemeClr val="tx1">
-              <a:lumMod val="95000"/>
-              <a:lumOff val="5000"/>
-              <a:alpha val="87000"/>
-            </a:schemeClr>
-          </a:solidFill>
-          <a:ln>
-            <a:noFill/>
-          </a:ln>
-        </p:spPr>
-        <p:style>
-          <a:lnRef idx="2">
-            <a:schemeClr val="dk1"/>
-          </a:lnRef>
-          <a:fillRef idx="1">
-            <a:schemeClr val="lt1"/>
-          </a:fillRef>
-          <a:effectRef idx="0">
-            <a:schemeClr val="dk1"/>
-          </a:effectRef>
-          <a:fontRef idx="minor">
-            <a:schemeClr val="dk1"/>
-          </a:fontRef>
-        </p:style>
-        <p:txBody>
-          <a:bodyPr rtlCol="0" anchor="ctr"/>
-          <a:lstStyle/>
-          <a:p>
-            <a:pPr algn="ctr"/>
-            <a:endParaRPr lang="pt-BR" dirty="0"/>
-          </a:p>
-        </p:txBody>
-      </p:sp>
-      <p:sp>
-        <p:nvSpPr>
-          <p:cNvPr id="9" name="Retângulo 8"/>
-          <p:cNvSpPr/>
-          <p:nvPr/>
-        </p:nvSpPr>
-        <p:spPr>
-          <a:xfrm>
-            <a:off x="126222" y="198787"/>
-            <a:ext cx="9627378" cy="584775"/>
-          </a:xfrm>
-          <a:prstGeom prst="rect">
-            <a:avLst/>
-          </a:prstGeom>
-          <a:noFill/>
-          <a:effectLst/>
-        </p:spPr>
-        <p:txBody>
-          <a:bodyPr wrap="square" lIns="91440" tIns="45720" rIns="91440" bIns="45720">
-            <a:spAutoFit/>
-          </a:bodyPr>
-          <a:lstStyle/>
-          <a:p>
-            <a:pPr algn="just"/>
-            <a:r>
-              <a:rPr lang="pt-BR" sz="3200" b="1" dirty="0" smtClean="0">
-                <a:ln w="0"/>
-                <a:solidFill>
-                  <a:schemeClr val="bg1"/>
-                </a:solidFill>
-                <a:effectLst>
-                  <a:outerShdw blurRad="38100" dist="19050" dir="2700000" algn="tl" rotWithShape="0">
-                    <a:schemeClr val="dk1">
-                      <a:alpha val="40000"/>
-                    </a:schemeClr>
-                  </a:outerShdw>
-                </a:effectLst>
-                <a:latin typeface="Exo 2 Medium" panose="00000600000000000000" pitchFamily="50" charset="0"/>
-              </a:rPr>
-              <a:t>JUSTIFICATIVA</a:t>
-            </a:r>
-            <a:endParaRPr lang="pt-BR" sz="3200" b="1" cap="none" spc="0" dirty="0">
-              <a:ln w="0"/>
-              <a:solidFill>
-                <a:schemeClr val="bg1"/>
-              </a:solidFill>
-              <a:effectLst>
-                <a:outerShdw blurRad="38100" dist="19050" dir="2700000" algn="tl" rotWithShape="0">
-                  <a:schemeClr val="dk1">
-                    <a:alpha val="40000"/>
-                  </a:schemeClr>
-                </a:outerShdw>
-              </a:effectLst>
-              <a:latin typeface="Exo 2 Medium" panose="00000600000000000000" pitchFamily="50" charset="0"/>
-            </a:endParaRPr>
-          </a:p>
-        </p:txBody>
-      </p:sp>
-      <p:cxnSp>
-        <p:nvCxnSpPr>
-          <p:cNvPr id="11" name="Conector reto 10">
-            <a:extLst>
-              <a:ext uri="{FF2B5EF4-FFF2-40B4-BE49-F238E27FC236}">
-                <a16:creationId xmlns="" xmlns:a16="http://schemas.microsoft.com/office/drawing/2014/main" id="{6510727C-C843-4D84-A07F-20F37366891D}"/>
-              </a:ext>
-            </a:extLst>
-          </p:cNvPr>
-          <p:cNvCxnSpPr/>
-          <p:nvPr/>
-        </p:nvCxnSpPr>
-        <p:spPr>
-          <a:xfrm>
-            <a:off x="0" y="953059"/>
-            <a:ext cx="6325704" cy="0"/>
-          </a:xfrm>
-          <a:prstGeom prst="line">
-            <a:avLst/>
-          </a:prstGeom>
-          <a:ln>
-            <a:solidFill>
-              <a:schemeClr val="bg1"/>
-            </a:solidFill>
-          </a:ln>
-          <a:effectLst/>
-        </p:spPr>
-        <p:style>
-          <a:lnRef idx="1">
-            <a:schemeClr val="accent1"/>
-          </a:lnRef>
-          <a:fillRef idx="0">
-            <a:schemeClr val="accent1"/>
-          </a:fillRef>
-          <a:effectRef idx="0">
-            <a:schemeClr val="accent1"/>
-          </a:effectRef>
-          <a:fontRef idx="minor">
-            <a:schemeClr val="tx1"/>
-          </a:fontRef>
-        </p:style>
-      </p:cxnSp>
-      <p:sp>
-        <p:nvSpPr>
-          <p:cNvPr id="16" name="Retângulo 15"/>
-          <p:cNvSpPr/>
-          <p:nvPr/>
-        </p:nvSpPr>
-        <p:spPr>
-          <a:xfrm>
-            <a:off x="1901416" y="1807110"/>
-            <a:ext cx="8868184" cy="1077218"/>
-          </a:xfrm>
-          <a:prstGeom prst="rect">
-            <a:avLst/>
-          </a:prstGeom>
-          <a:noFill/>
-          <a:effectLst/>
-        </p:spPr>
-        <p:txBody>
-          <a:bodyPr wrap="square" lIns="91440" tIns="45720" rIns="91440" bIns="45720">
-            <a:spAutoFit/>
-          </a:bodyPr>
-          <a:lstStyle/>
-          <a:p>
-            <a:pPr marL="457200" indent="-457200">
-              <a:buFont typeface="Arial" panose="020B0604020202020204" pitchFamily="34" charset="0"/>
-              <a:buChar char="•"/>
-            </a:pPr>
-            <a:r>
-              <a:rPr lang="pt-BR" sz="3200" b="1" dirty="0">
-                <a:ln w="0"/>
-                <a:solidFill>
-                  <a:srgbClr val="68CBCC"/>
-                </a:solidFill>
-                <a:effectLst>
-                  <a:outerShdw blurRad="38100" dist="19050" dir="2700000" algn="tl" rotWithShape="0">
-                    <a:schemeClr val="dk1">
-                      <a:alpha val="40000"/>
-                    </a:schemeClr>
-                  </a:outerShdw>
-                </a:effectLst>
-                <a:latin typeface="Exo 2 Medium" panose="00000600000000000000" pitchFamily="50" charset="0"/>
-              </a:rPr>
-              <a:t>Gerenciamento de Incubadoras e Recém-Nascidos</a:t>
-            </a:r>
-          </a:p>
-        </p:txBody>
-      </p:sp>
-    </p:spTree>
-    <p:extLst>
-      <p:ext uri="{BB962C8B-B14F-4D97-AF65-F5344CB8AC3E}">
-        <p14:creationId xmlns:p14="http://schemas.microsoft.com/office/powerpoint/2010/main" val="3089198373"/>
-      </p:ext>
-    </p:extLst>
-  </p:cSld>
-  <p:clrMapOvr>
-    <a:masterClrMapping/>
-  </p:clrMapOvr>
-  <p:timing>
-    <p:tnLst>
-      <p:par>
-        <p:cTn id="1" dur="indefinite" restart="never" nodeType="tmRoot"/>
-      </p:par>
-    </p:tnLst>
-  </p:timing>
-</p:sld>
-</file>
-
-<file path=ppt/slides/slide6.xml><?xml version="1.0" encoding="utf-8"?>
-<p:sld xmlns:a="http://schemas.openxmlformats.org/drawingml/2006/main" xmlns:r="http://schemas.openxmlformats.org/officeDocument/2006/relationships" xmlns:p="http://schemas.openxmlformats.org/presentationml/2006/main">
-  <p:cSld>
-    <p:spTree>
-      <p:nvGrpSpPr>
-        <p:cNvPr id="1" name=""/>
-        <p:cNvGrpSpPr/>
-        <p:nvPr/>
-      </p:nvGrpSpPr>
-      <p:grpSpPr>
-        <a:xfrm>
-          <a:off x="0" y="0"/>
-          <a:ext cx="0" cy="0"/>
-          <a:chOff x="0" y="0"/>
-          <a:chExt cx="0" cy="0"/>
-        </a:xfrm>
-      </p:grpSpPr>
-      <p:pic>
-        <p:nvPicPr>
           <p:cNvPr id="6" name="Picture 22" descr="http://www.correiodoestadoonline.com.br/arquivos/noticias/3.png"/>
           <p:cNvPicPr>
             <a:picLocks noChangeAspect="1" noChangeArrowheads="1"/>
@@ -22183,7 +20245,7 @@
           <p:cNvPr id="7" name="Conector reto 6">
             <a:extLst>
               <a:ext uri="{FF2B5EF4-FFF2-40B4-BE49-F238E27FC236}">
-                <a16:creationId xmlns="" xmlns:a16="http://schemas.microsoft.com/office/drawing/2014/main" id="{6510727C-C843-4D84-A07F-20F37366891D}"/>
+                <a16:creationId xmlns:a16="http://schemas.microsoft.com/office/drawing/2014/main" xmlns="" id="{6510727C-C843-4D84-A07F-20F37366891D}"/>
               </a:ext>
             </a:extLst>
           </p:cNvPr>
@@ -22308,7 +20370,7 @@
 </p:sld>
 </file>
 
-<file path=ppt/slides/slide7.xml><?xml version="1.0" encoding="utf-8"?>
+<file path=ppt/slides/slide6.xml><?xml version="1.0" encoding="utf-8"?>
 <p:sld xmlns:a="http://schemas.openxmlformats.org/drawingml/2006/main" xmlns:r="http://schemas.openxmlformats.org/officeDocument/2006/relationships" xmlns:p="http://schemas.openxmlformats.org/presentationml/2006/main">
   <p:cSld>
     <p:spTree>
@@ -22460,21 +20522,21 @@
                 <a:gridCol w="308791">
                   <a:extLst>
                     <a:ext uri="{9D8B030D-6E8A-4147-A177-3AD203B41FA5}">
-                      <a16:colId xmlns="" xmlns:a16="http://schemas.microsoft.com/office/drawing/2014/main" val="1568329710"/>
+                      <a16:colId xmlns:a16="http://schemas.microsoft.com/office/drawing/2014/main" xmlns="" val="1568329710"/>
                     </a:ext>
                   </a:extLst>
                 </a:gridCol>
                 <a:gridCol w="4290817">
                   <a:extLst>
                     <a:ext uri="{9D8B030D-6E8A-4147-A177-3AD203B41FA5}">
-                      <a16:colId xmlns="" xmlns:a16="http://schemas.microsoft.com/office/drawing/2014/main" val="1871891061"/>
+                      <a16:colId xmlns:a16="http://schemas.microsoft.com/office/drawing/2014/main" xmlns="" val="1871891061"/>
                     </a:ext>
                   </a:extLst>
                 </a:gridCol>
                 <a:gridCol w="1978992">
                   <a:extLst>
                     <a:ext uri="{9D8B030D-6E8A-4147-A177-3AD203B41FA5}">
-                      <a16:colId xmlns="" xmlns:a16="http://schemas.microsoft.com/office/drawing/2014/main" val="579065303"/>
+                      <a16:colId xmlns:a16="http://schemas.microsoft.com/office/drawing/2014/main" xmlns="" val="579065303"/>
                     </a:ext>
                   </a:extLst>
                 </a:gridCol>
@@ -22662,7 +20724,7 @@
                 </a:tc>
                 <a:extLst>
                   <a:ext uri="{0D108BD9-81ED-4DB2-BD59-A6C34878D82A}">
-                    <a16:rowId xmlns="" xmlns:a16="http://schemas.microsoft.com/office/drawing/2014/main" val="1638585819"/>
+                    <a16:rowId xmlns:a16="http://schemas.microsoft.com/office/drawing/2014/main" xmlns="" val="1638585819"/>
                   </a:ext>
                 </a:extLst>
               </a:tr>
@@ -22861,7 +20923,7 @@
                 </a:tc>
                 <a:extLst>
                   <a:ext uri="{0D108BD9-81ED-4DB2-BD59-A6C34878D82A}">
-                    <a16:rowId xmlns="" xmlns:a16="http://schemas.microsoft.com/office/drawing/2014/main" val="1729273268"/>
+                    <a16:rowId xmlns:a16="http://schemas.microsoft.com/office/drawing/2014/main" xmlns="" val="1729273268"/>
                   </a:ext>
                 </a:extLst>
               </a:tr>
@@ -23030,7 +21092,7 @@
                 </a:tc>
                 <a:extLst>
                   <a:ext uri="{0D108BD9-81ED-4DB2-BD59-A6C34878D82A}">
-                    <a16:rowId xmlns="" xmlns:a16="http://schemas.microsoft.com/office/drawing/2014/main" val="3139794314"/>
+                    <a16:rowId xmlns:a16="http://schemas.microsoft.com/office/drawing/2014/main" xmlns="" val="3139794314"/>
                   </a:ext>
                 </a:extLst>
               </a:tr>
@@ -23205,7 +21267,7 @@
                 </a:tc>
                 <a:extLst>
                   <a:ext uri="{0D108BD9-81ED-4DB2-BD59-A6C34878D82A}">
-                    <a16:rowId xmlns="" xmlns:a16="http://schemas.microsoft.com/office/drawing/2014/main" val="2491518698"/>
+                    <a16:rowId xmlns:a16="http://schemas.microsoft.com/office/drawing/2014/main" xmlns="" val="2491518698"/>
                   </a:ext>
                 </a:extLst>
               </a:tr>
@@ -23382,7 +21444,7 @@
                 </a:tc>
                 <a:extLst>
                   <a:ext uri="{0D108BD9-81ED-4DB2-BD59-A6C34878D82A}">
-                    <a16:rowId xmlns="" xmlns:a16="http://schemas.microsoft.com/office/drawing/2014/main" val="1225861265"/>
+                    <a16:rowId xmlns:a16="http://schemas.microsoft.com/office/drawing/2014/main" xmlns="" val="1225861265"/>
                   </a:ext>
                 </a:extLst>
               </a:tr>
@@ -23551,7 +21613,7 @@
                 </a:tc>
                 <a:extLst>
                   <a:ext uri="{0D108BD9-81ED-4DB2-BD59-A6C34878D82A}">
-                    <a16:rowId xmlns="" xmlns:a16="http://schemas.microsoft.com/office/drawing/2014/main" val="1852575384"/>
+                    <a16:rowId xmlns:a16="http://schemas.microsoft.com/office/drawing/2014/main" xmlns="" val="1852575384"/>
                   </a:ext>
                 </a:extLst>
               </a:tr>
@@ -23720,7 +21782,7 @@
                 </a:tc>
                 <a:extLst>
                   <a:ext uri="{0D108BD9-81ED-4DB2-BD59-A6C34878D82A}">
-                    <a16:rowId xmlns="" xmlns:a16="http://schemas.microsoft.com/office/drawing/2014/main" val="4275989410"/>
+                    <a16:rowId xmlns:a16="http://schemas.microsoft.com/office/drawing/2014/main" xmlns="" val="4275989410"/>
                   </a:ext>
                 </a:extLst>
               </a:tr>
@@ -23889,7 +21951,7 @@
                 </a:tc>
                 <a:extLst>
                   <a:ext uri="{0D108BD9-81ED-4DB2-BD59-A6C34878D82A}">
-                    <a16:rowId xmlns="" xmlns:a16="http://schemas.microsoft.com/office/drawing/2014/main" val="1577018614"/>
+                    <a16:rowId xmlns:a16="http://schemas.microsoft.com/office/drawing/2014/main" xmlns="" val="1577018614"/>
                   </a:ext>
                 </a:extLst>
               </a:tr>
@@ -24058,7 +22120,7 @@
                 </a:tc>
                 <a:extLst>
                   <a:ext uri="{0D108BD9-81ED-4DB2-BD59-A6C34878D82A}">
-                    <a16:rowId xmlns="" xmlns:a16="http://schemas.microsoft.com/office/drawing/2014/main" val="2694745648"/>
+                    <a16:rowId xmlns:a16="http://schemas.microsoft.com/office/drawing/2014/main" xmlns="" val="2694745648"/>
                   </a:ext>
                 </a:extLst>
               </a:tr>
@@ -24227,7 +22289,7 @@
                 </a:tc>
                 <a:extLst>
                   <a:ext uri="{0D108BD9-81ED-4DB2-BD59-A6C34878D82A}">
-                    <a16:rowId xmlns="" xmlns:a16="http://schemas.microsoft.com/office/drawing/2014/main" val="3845670915"/>
+                    <a16:rowId xmlns:a16="http://schemas.microsoft.com/office/drawing/2014/main" xmlns="" val="3845670915"/>
                   </a:ext>
                 </a:extLst>
               </a:tr>
@@ -24263,21 +22325,21 @@
                 <a:gridCol w="283541">
                   <a:extLst>
                     <a:ext uri="{9D8B030D-6E8A-4147-A177-3AD203B41FA5}">
-                      <a16:colId xmlns="" xmlns:a16="http://schemas.microsoft.com/office/drawing/2014/main" val="946642547"/>
+                      <a16:colId xmlns:a16="http://schemas.microsoft.com/office/drawing/2014/main" xmlns="" val="946642547"/>
                     </a:ext>
                   </a:extLst>
                 </a:gridCol>
                 <a:gridCol w="2508558">
                   <a:extLst>
                     <a:ext uri="{9D8B030D-6E8A-4147-A177-3AD203B41FA5}">
-                      <a16:colId xmlns="" xmlns:a16="http://schemas.microsoft.com/office/drawing/2014/main" val="2882887969"/>
+                      <a16:colId xmlns:a16="http://schemas.microsoft.com/office/drawing/2014/main" xmlns="" val="2882887969"/>
                     </a:ext>
                   </a:extLst>
                 </a:gridCol>
                 <a:gridCol w="1969849">
                   <a:extLst>
                     <a:ext uri="{9D8B030D-6E8A-4147-A177-3AD203B41FA5}">
-                      <a16:colId xmlns="" xmlns:a16="http://schemas.microsoft.com/office/drawing/2014/main" val="1670058364"/>
+                      <a16:colId xmlns:a16="http://schemas.microsoft.com/office/drawing/2014/main" xmlns="" val="1670058364"/>
                     </a:ext>
                   </a:extLst>
                 </a:gridCol>
@@ -24465,7 +22527,7 @@
                 </a:tc>
                 <a:extLst>
                   <a:ext uri="{0D108BD9-81ED-4DB2-BD59-A6C34878D82A}">
-                    <a16:rowId xmlns="" xmlns:a16="http://schemas.microsoft.com/office/drawing/2014/main" val="1413653519"/>
+                    <a16:rowId xmlns:a16="http://schemas.microsoft.com/office/drawing/2014/main" xmlns="" val="1413653519"/>
                   </a:ext>
                 </a:extLst>
               </a:tr>
@@ -24652,7 +22714,7 @@
                 </a:tc>
                 <a:extLst>
                   <a:ext uri="{0D108BD9-81ED-4DB2-BD59-A6C34878D82A}">
-                    <a16:rowId xmlns="" xmlns:a16="http://schemas.microsoft.com/office/drawing/2014/main" val="2042003131"/>
+                    <a16:rowId xmlns:a16="http://schemas.microsoft.com/office/drawing/2014/main" xmlns="" val="2042003131"/>
                   </a:ext>
                 </a:extLst>
               </a:tr>
@@ -24821,7 +22883,7 @@
                 </a:tc>
                 <a:extLst>
                   <a:ext uri="{0D108BD9-81ED-4DB2-BD59-A6C34878D82A}">
-                    <a16:rowId xmlns="" xmlns:a16="http://schemas.microsoft.com/office/drawing/2014/main" val="2331365082"/>
+                    <a16:rowId xmlns:a16="http://schemas.microsoft.com/office/drawing/2014/main" xmlns="" val="2331365082"/>
                   </a:ext>
                 </a:extLst>
               </a:tr>
@@ -24990,7 +23052,7 @@
                 </a:tc>
                 <a:extLst>
                   <a:ext uri="{0D108BD9-81ED-4DB2-BD59-A6C34878D82A}">
-                    <a16:rowId xmlns="" xmlns:a16="http://schemas.microsoft.com/office/drawing/2014/main" val="3867535889"/>
+                    <a16:rowId xmlns:a16="http://schemas.microsoft.com/office/drawing/2014/main" xmlns="" val="3867535889"/>
                   </a:ext>
                 </a:extLst>
               </a:tr>
@@ -25159,7 +23221,7 @@
                 </a:tc>
                 <a:extLst>
                   <a:ext uri="{0D108BD9-81ED-4DB2-BD59-A6C34878D82A}">
-                    <a16:rowId xmlns="" xmlns:a16="http://schemas.microsoft.com/office/drawing/2014/main" val="1495631882"/>
+                    <a16:rowId xmlns:a16="http://schemas.microsoft.com/office/drawing/2014/main" xmlns="" val="1495631882"/>
                   </a:ext>
                 </a:extLst>
               </a:tr>
@@ -25328,7 +23390,7 @@
                 </a:tc>
                 <a:extLst>
                   <a:ext uri="{0D108BD9-81ED-4DB2-BD59-A6C34878D82A}">
-                    <a16:rowId xmlns="" xmlns:a16="http://schemas.microsoft.com/office/drawing/2014/main" val="1936794137"/>
+                    <a16:rowId xmlns:a16="http://schemas.microsoft.com/office/drawing/2014/main" xmlns="" val="1936794137"/>
                   </a:ext>
                 </a:extLst>
               </a:tr>
@@ -25341,7 +23403,7 @@
           <p:cNvPr id="9" name="Retângulo 8">
             <a:extLst>
               <a:ext uri="{FF2B5EF4-FFF2-40B4-BE49-F238E27FC236}">
-                <a16:creationId xmlns="" xmlns:a16="http://schemas.microsoft.com/office/drawing/2014/main" id="{8D1A6B34-4559-498A-81EC-F893FFE25A78}"/>
+                <a16:creationId xmlns:a16="http://schemas.microsoft.com/office/drawing/2014/main" xmlns="" id="{8D1A6B34-4559-498A-81EC-F893FFE25A78}"/>
               </a:ext>
             </a:extLst>
           </p:cNvPr>
@@ -25391,7 +23453,7 @@
           <p:cNvPr id="11" name="Conector reto 10">
             <a:extLst>
               <a:ext uri="{FF2B5EF4-FFF2-40B4-BE49-F238E27FC236}">
-                <a16:creationId xmlns="" xmlns:a16="http://schemas.microsoft.com/office/drawing/2014/main" id="{BDF0B0A9-58D4-42DB-993A-EC589233B490}"/>
+                <a16:creationId xmlns:a16="http://schemas.microsoft.com/office/drawing/2014/main" xmlns="" id="{BDF0B0A9-58D4-42DB-993A-EC589233B490}"/>
               </a:ext>
             </a:extLst>
           </p:cNvPr>
@@ -25438,10 +23500,17 @@
   <p:clrMapOvr>
     <a:masterClrMapping/>
   </p:clrMapOvr>
+  <p:timing>
+    <p:tnLst>
+      <p:par>
+        <p:cTn id="1" dur="indefinite" restart="never" nodeType="tmRoot"/>
+      </p:par>
+    </p:tnLst>
+  </p:timing>
 </p:sld>
 </file>
 
-<file path=ppt/slides/slide8.xml><?xml version="1.0" encoding="utf-8"?>
+<file path=ppt/slides/slide7.xml><?xml version="1.0" encoding="utf-8"?>
 <p:sld xmlns:a="http://schemas.openxmlformats.org/drawingml/2006/main" xmlns:r="http://schemas.openxmlformats.org/officeDocument/2006/relationships" xmlns:p="http://schemas.openxmlformats.org/presentationml/2006/main">
   <p:cSld>
     <p:spTree>
@@ -25570,7 +23639,7 @@
           <p:cNvPr id="9" name="Retângulo 8">
             <a:extLst>
               <a:ext uri="{FF2B5EF4-FFF2-40B4-BE49-F238E27FC236}">
-                <a16:creationId xmlns="" xmlns:a16="http://schemas.microsoft.com/office/drawing/2014/main" id="{38E2491E-85A7-427B-A827-BE4A4A2CDEEB}"/>
+                <a16:creationId xmlns:a16="http://schemas.microsoft.com/office/drawing/2014/main" xmlns="" id="{38E2491E-85A7-427B-A827-BE4A4A2CDEEB}"/>
               </a:ext>
             </a:extLst>
           </p:cNvPr>
@@ -25634,7 +23703,7 @@
           <p:cNvPr id="11" name="Conector reto 10">
             <a:extLst>
               <a:ext uri="{FF2B5EF4-FFF2-40B4-BE49-F238E27FC236}">
-                <a16:creationId xmlns="" xmlns:a16="http://schemas.microsoft.com/office/drawing/2014/main" id="{971FE46C-2EFB-4F05-9C7E-396CBF5E8875}"/>
+                <a16:creationId xmlns:a16="http://schemas.microsoft.com/office/drawing/2014/main" xmlns="" id="{971FE46C-2EFB-4F05-9C7E-396CBF5E8875}"/>
               </a:ext>
             </a:extLst>
           </p:cNvPr>
@@ -25676,7 +23745,7 @@
           <p:cNvPr id="12" name="Tabela 11">
             <a:extLst>
               <a:ext uri="{FF2B5EF4-FFF2-40B4-BE49-F238E27FC236}">
-                <a16:creationId xmlns="" xmlns:a16="http://schemas.microsoft.com/office/drawing/2014/main" id="{C572C94B-9144-45CA-9C95-51EE5013BB10}"/>
+                <a16:creationId xmlns:a16="http://schemas.microsoft.com/office/drawing/2014/main" xmlns="" id="{C572C94B-9144-45CA-9C95-51EE5013BB10}"/>
               </a:ext>
             </a:extLst>
           </p:cNvPr>
@@ -25705,49 +23774,49 @@
                 <a:gridCol w="253606">
                   <a:extLst>
                     <a:ext uri="{9D8B030D-6E8A-4147-A177-3AD203B41FA5}">
-                      <a16:colId xmlns="" xmlns:a16="http://schemas.microsoft.com/office/drawing/2014/main" val="4011902459"/>
+                      <a16:colId xmlns:a16="http://schemas.microsoft.com/office/drawing/2014/main" xmlns="" val="4011902459"/>
                     </a:ext>
                   </a:extLst>
                 </a:gridCol>
                 <a:gridCol w="3462696">
                   <a:extLst>
                     <a:ext uri="{9D8B030D-6E8A-4147-A177-3AD203B41FA5}">
-                      <a16:colId xmlns="" xmlns:a16="http://schemas.microsoft.com/office/drawing/2014/main" val="1145538588"/>
+                      <a16:colId xmlns:a16="http://schemas.microsoft.com/office/drawing/2014/main" xmlns="" val="1145538588"/>
                     </a:ext>
                   </a:extLst>
                 </a:gridCol>
                 <a:gridCol w="1848590">
                   <a:extLst>
                     <a:ext uri="{9D8B030D-6E8A-4147-A177-3AD203B41FA5}">
-                      <a16:colId xmlns="" xmlns:a16="http://schemas.microsoft.com/office/drawing/2014/main" val="555987189"/>
+                      <a16:colId xmlns:a16="http://schemas.microsoft.com/office/drawing/2014/main" xmlns="" val="555987189"/>
                     </a:ext>
                   </a:extLst>
                 </a:gridCol>
                 <a:gridCol w="1043156">
                   <a:extLst>
                     <a:ext uri="{9D8B030D-6E8A-4147-A177-3AD203B41FA5}">
-                      <a16:colId xmlns="" xmlns:a16="http://schemas.microsoft.com/office/drawing/2014/main" val="2342499536"/>
+                      <a16:colId xmlns:a16="http://schemas.microsoft.com/office/drawing/2014/main" xmlns="" val="2342499536"/>
                     </a:ext>
                   </a:extLst>
                 </a:gridCol>
                 <a:gridCol w="1501974">
                   <a:extLst>
                     <a:ext uri="{9D8B030D-6E8A-4147-A177-3AD203B41FA5}">
-                      <a16:colId xmlns="" xmlns:a16="http://schemas.microsoft.com/office/drawing/2014/main" val="3075212314"/>
+                      <a16:colId xmlns:a16="http://schemas.microsoft.com/office/drawing/2014/main" xmlns="" val="3075212314"/>
                     </a:ext>
                   </a:extLst>
                 </a:gridCol>
                 <a:gridCol w="746154">
                   <a:extLst>
                     <a:ext uri="{9D8B030D-6E8A-4147-A177-3AD203B41FA5}">
-                      <a16:colId xmlns="" xmlns:a16="http://schemas.microsoft.com/office/drawing/2014/main" val="300522548"/>
+                      <a16:colId xmlns:a16="http://schemas.microsoft.com/office/drawing/2014/main" xmlns="" val="300522548"/>
                     </a:ext>
                   </a:extLst>
                 </a:gridCol>
                 <a:gridCol w="2853223">
                   <a:extLst>
                     <a:ext uri="{9D8B030D-6E8A-4147-A177-3AD203B41FA5}">
-                      <a16:colId xmlns="" xmlns:a16="http://schemas.microsoft.com/office/drawing/2014/main" val="228911756"/>
+                      <a16:colId xmlns:a16="http://schemas.microsoft.com/office/drawing/2014/main" xmlns="" val="228911756"/>
                     </a:ext>
                   </a:extLst>
                 </a:gridCol>
@@ -26152,7 +24221,7 @@
                 </a:tc>
                 <a:extLst>
                   <a:ext uri="{0D108BD9-81ED-4DB2-BD59-A6C34878D82A}">
-                    <a16:rowId xmlns="" xmlns:a16="http://schemas.microsoft.com/office/drawing/2014/main" val="1096124194"/>
+                    <a16:rowId xmlns:a16="http://schemas.microsoft.com/office/drawing/2014/main" xmlns="" val="1096124194"/>
                   </a:ext>
                 </a:extLst>
               </a:tr>
@@ -26559,7 +24628,7 @@
                 </a:tc>
                 <a:extLst>
                   <a:ext uri="{0D108BD9-81ED-4DB2-BD59-A6C34878D82A}">
-                    <a16:rowId xmlns="" xmlns:a16="http://schemas.microsoft.com/office/drawing/2014/main" val="2365076227"/>
+                    <a16:rowId xmlns:a16="http://schemas.microsoft.com/office/drawing/2014/main" xmlns="" val="2365076227"/>
                   </a:ext>
                 </a:extLst>
               </a:tr>
@@ -26990,7 +25059,7 @@
                 </a:tc>
                 <a:extLst>
                   <a:ext uri="{0D108BD9-81ED-4DB2-BD59-A6C34878D82A}">
-                    <a16:rowId xmlns="" xmlns:a16="http://schemas.microsoft.com/office/drawing/2014/main" val="1533246673"/>
+                    <a16:rowId xmlns:a16="http://schemas.microsoft.com/office/drawing/2014/main" xmlns="" val="1533246673"/>
                   </a:ext>
                 </a:extLst>
               </a:tr>
@@ -27403,7 +25472,7 @@
                 </a:tc>
                 <a:extLst>
                   <a:ext uri="{0D108BD9-81ED-4DB2-BD59-A6C34878D82A}">
-                    <a16:rowId xmlns="" xmlns:a16="http://schemas.microsoft.com/office/drawing/2014/main" val="1130899462"/>
+                    <a16:rowId xmlns:a16="http://schemas.microsoft.com/office/drawing/2014/main" xmlns="" val="1130899462"/>
                   </a:ext>
                 </a:extLst>
               </a:tr>
@@ -27816,7 +25885,7 @@
                 </a:tc>
                 <a:extLst>
                   <a:ext uri="{0D108BD9-81ED-4DB2-BD59-A6C34878D82A}">
-                    <a16:rowId xmlns="" xmlns:a16="http://schemas.microsoft.com/office/drawing/2014/main" val="2597182618"/>
+                    <a16:rowId xmlns:a16="http://schemas.microsoft.com/office/drawing/2014/main" xmlns="" val="2597182618"/>
                   </a:ext>
                 </a:extLst>
               </a:tr>
@@ -28229,7 +26298,7 @@
                 </a:tc>
                 <a:extLst>
                   <a:ext uri="{0D108BD9-81ED-4DB2-BD59-A6C34878D82A}">
-                    <a16:rowId xmlns="" xmlns:a16="http://schemas.microsoft.com/office/drawing/2014/main" val="3229298124"/>
+                    <a16:rowId xmlns:a16="http://schemas.microsoft.com/office/drawing/2014/main" xmlns="" val="3229298124"/>
                   </a:ext>
                 </a:extLst>
               </a:tr>
@@ -28642,7 +26711,7 @@
                 </a:tc>
                 <a:extLst>
                   <a:ext uri="{0D108BD9-81ED-4DB2-BD59-A6C34878D82A}">
-                    <a16:rowId xmlns="" xmlns:a16="http://schemas.microsoft.com/office/drawing/2014/main" val="1973089141"/>
+                    <a16:rowId xmlns:a16="http://schemas.microsoft.com/office/drawing/2014/main" xmlns="" val="1973089141"/>
                   </a:ext>
                 </a:extLst>
               </a:tr>
@@ -29073,7 +27142,7 @@
                 </a:tc>
                 <a:extLst>
                   <a:ext uri="{0D108BD9-81ED-4DB2-BD59-A6C34878D82A}">
-                    <a16:rowId xmlns="" xmlns:a16="http://schemas.microsoft.com/office/drawing/2014/main" val="3436794901"/>
+                    <a16:rowId xmlns:a16="http://schemas.microsoft.com/office/drawing/2014/main" xmlns="" val="3436794901"/>
                   </a:ext>
                 </a:extLst>
               </a:tr>
@@ -29086,7 +27155,7 @@
           <p:cNvPr id="2" name="Retângulo 1">
             <a:extLst>
               <a:ext uri="{FF2B5EF4-FFF2-40B4-BE49-F238E27FC236}">
-                <a16:creationId xmlns="" xmlns:a16="http://schemas.microsoft.com/office/drawing/2014/main" id="{7A11C8EF-C4EC-4323-A0A7-806E780562B3}"/>
+                <a16:creationId xmlns:a16="http://schemas.microsoft.com/office/drawing/2014/main" xmlns="" id="{7A11C8EF-C4EC-4323-A0A7-806E780562B3}"/>
               </a:ext>
             </a:extLst>
           </p:cNvPr>
@@ -29140,7 +27209,7 @@
           <p:cNvPr id="13" name="Retângulo 12">
             <a:extLst>
               <a:ext uri="{FF2B5EF4-FFF2-40B4-BE49-F238E27FC236}">
-                <a16:creationId xmlns="" xmlns:a16="http://schemas.microsoft.com/office/drawing/2014/main" id="{88C866EB-925C-4219-8EC2-EF78CD98B2F4}"/>
+                <a16:creationId xmlns:a16="http://schemas.microsoft.com/office/drawing/2014/main" xmlns="" id="{88C866EB-925C-4219-8EC2-EF78CD98B2F4}"/>
               </a:ext>
             </a:extLst>
           </p:cNvPr>
@@ -29194,7 +27263,7 @@
           <p:cNvPr id="3" name="Retângulo 2">
             <a:extLst>
               <a:ext uri="{FF2B5EF4-FFF2-40B4-BE49-F238E27FC236}">
-                <a16:creationId xmlns="" xmlns:a16="http://schemas.microsoft.com/office/drawing/2014/main" id="{D787AC6A-CAEB-4C79-9B88-0132670002AE}"/>
+                <a16:creationId xmlns:a16="http://schemas.microsoft.com/office/drawing/2014/main" xmlns="" id="{D787AC6A-CAEB-4C79-9B88-0132670002AE}"/>
               </a:ext>
             </a:extLst>
           </p:cNvPr>
@@ -29228,7 +27297,7 @@
           <p:cNvPr id="15" name="Retângulo 14">
             <a:extLst>
               <a:ext uri="{FF2B5EF4-FFF2-40B4-BE49-F238E27FC236}">
-                <a16:creationId xmlns="" xmlns:a16="http://schemas.microsoft.com/office/drawing/2014/main" id="{24B944E9-B6F3-4E2A-AAEC-1DBA3CEE3D5D}"/>
+                <a16:creationId xmlns:a16="http://schemas.microsoft.com/office/drawing/2014/main" xmlns="" id="{24B944E9-B6F3-4E2A-AAEC-1DBA3CEE3D5D}"/>
               </a:ext>
             </a:extLst>
           </p:cNvPr>
@@ -29282,7 +27351,7 @@
           <p:cNvPr id="16" name="Retângulo 15">
             <a:extLst>
               <a:ext uri="{FF2B5EF4-FFF2-40B4-BE49-F238E27FC236}">
-                <a16:creationId xmlns="" xmlns:a16="http://schemas.microsoft.com/office/drawing/2014/main" id="{0D9FE1F1-B412-46D3-BE19-9101505575B1}"/>
+                <a16:creationId xmlns:a16="http://schemas.microsoft.com/office/drawing/2014/main" xmlns="" id="{0D9FE1F1-B412-46D3-BE19-9101505575B1}"/>
               </a:ext>
             </a:extLst>
           </p:cNvPr>
@@ -29557,7 +27626,7 @@
 </p:sld>
 </file>
 
-<file path=ppt/slides/slide9.xml><?xml version="1.0" encoding="utf-8"?>
+<file path=ppt/slides/slide8.xml><?xml version="1.0" encoding="utf-8"?>
 <p:sld xmlns:a="http://schemas.openxmlformats.org/drawingml/2006/main" xmlns:r="http://schemas.openxmlformats.org/officeDocument/2006/relationships" xmlns:p="http://schemas.openxmlformats.org/presentationml/2006/main">
   <p:cSld>
     <p:spTree>
@@ -29911,7 +27980,7 @@
           <p:cNvPr id="11" name="Retângulo 10">
             <a:extLst>
               <a:ext uri="{FF2B5EF4-FFF2-40B4-BE49-F238E27FC236}">
-                <a16:creationId xmlns="" xmlns:a16="http://schemas.microsoft.com/office/drawing/2014/main" id="{D2E43635-9421-4BAC-8766-C1D77D2784FE}"/>
+                <a16:creationId xmlns:a16="http://schemas.microsoft.com/office/drawing/2014/main" xmlns="" id="{D2E43635-9421-4BAC-8766-C1D77D2784FE}"/>
               </a:ext>
             </a:extLst>
           </p:cNvPr>
@@ -29975,7 +28044,7 @@
           <p:cNvPr id="12" name="Conector reto 11">
             <a:extLst>
               <a:ext uri="{FF2B5EF4-FFF2-40B4-BE49-F238E27FC236}">
-                <a16:creationId xmlns="" xmlns:a16="http://schemas.microsoft.com/office/drawing/2014/main" id="{2F119B3F-1695-4B77-9799-CEBB849D4CFD}"/>
+                <a16:creationId xmlns:a16="http://schemas.microsoft.com/office/drawing/2014/main" xmlns="" id="{2F119B3F-1695-4B77-9799-CEBB849D4CFD}"/>
               </a:ext>
             </a:extLst>
           </p:cNvPr>
@@ -30016,6 +28085,1653 @@
     <p:extLst>
       <p:ext uri="{BB962C8B-B14F-4D97-AF65-F5344CB8AC3E}">
         <p14:creationId xmlns:p14="http://schemas.microsoft.com/office/powerpoint/2010/main" val="3730996855"/>
+      </p:ext>
+    </p:extLst>
+  </p:cSld>
+  <p:clrMapOvr>
+    <a:masterClrMapping/>
+  </p:clrMapOvr>
+</p:sld>
+</file>
+
+<file path=ppt/slides/slide9.xml><?xml version="1.0" encoding="utf-8"?>
+<p:sld xmlns:a="http://schemas.openxmlformats.org/drawingml/2006/main" xmlns:r="http://schemas.openxmlformats.org/officeDocument/2006/relationships" xmlns:p="http://schemas.openxmlformats.org/presentationml/2006/main">
+  <p:cSld>
+    <p:spTree>
+      <p:nvGrpSpPr>
+        <p:cNvPr id="1" name=""/>
+        <p:cNvGrpSpPr/>
+        <p:nvPr/>
+      </p:nvGrpSpPr>
+      <p:grpSpPr>
+        <a:xfrm>
+          <a:off x="0" y="0"/>
+          <a:ext cx="0" cy="0"/>
+          <a:chOff x="0" y="0"/>
+          <a:chExt cx="0" cy="0"/>
+        </a:xfrm>
+      </p:grpSpPr>
+      <p:grpSp>
+        <p:nvGrpSpPr>
+          <p:cNvPr id="6" name="Agrupar 5"/>
+          <p:cNvGrpSpPr/>
+          <p:nvPr/>
+        </p:nvGrpSpPr>
+        <p:grpSpPr>
+          <a:xfrm>
+            <a:off x="0" y="-5907"/>
+            <a:ext cx="12192000" cy="6863907"/>
+            <a:chOff x="0" y="0"/>
+            <a:chExt cx="12192000" cy="6863907"/>
+          </a:xfrm>
+        </p:grpSpPr>
+        <p:pic>
+          <p:nvPicPr>
+            <p:cNvPr id="4" name="Picture 22" descr="http://www.correiodoestadoonline.com.br/arquivos/noticias/3.png"/>
+            <p:cNvPicPr>
+              <a:picLocks noChangeAspect="1" noChangeArrowheads="1"/>
+            </p:cNvPicPr>
+            <p:nvPr/>
+          </p:nvPicPr>
+          <p:blipFill>
+            <a:blip r:embed="rId2">
+              <a:extLst>
+                <a:ext uri="{BEBA8EAE-BF5A-486C-A8C5-ECC9F3942E4B}">
+                  <a14:imgProps xmlns:a14="http://schemas.microsoft.com/office/drawing/2010/main">
+                    <a14:imgLayer r:embed="rId3">
+                      <a14:imgEffect>
+                        <a14:sharpenSoften amount="-80000"/>
+                      </a14:imgEffect>
+                      <a14:imgEffect>
+                        <a14:brightnessContrast bright="-46000"/>
+                      </a14:imgEffect>
+                    </a14:imgLayer>
+                  </a14:imgProps>
+                </a:ext>
+                <a:ext uri="{28A0092B-C50C-407E-A947-70E740481C1C}">
+                  <a14:useLocalDpi xmlns:a14="http://schemas.microsoft.com/office/drawing/2010/main" val="0"/>
+                </a:ext>
+              </a:extLst>
+            </a:blip>
+            <a:srcRect/>
+            <a:stretch>
+              <a:fillRect/>
+            </a:stretch>
+          </p:blipFill>
+          <p:spPr bwMode="auto">
+            <a:xfrm>
+              <a:off x="0" y="0"/>
+              <a:ext cx="12192000" cy="6863907"/>
+            </a:xfrm>
+            <a:prstGeom prst="rect">
+              <a:avLst/>
+            </a:prstGeom>
+            <a:noFill/>
+          </p:spPr>
+        </p:pic>
+        <p:sp>
+          <p:nvSpPr>
+            <p:cNvPr id="5" name="Retângulo 4"/>
+            <p:cNvSpPr/>
+            <p:nvPr/>
+          </p:nvSpPr>
+          <p:spPr>
+            <a:xfrm>
+              <a:off x="0" y="5907"/>
+              <a:ext cx="12192000" cy="6858000"/>
+            </a:xfrm>
+            <a:prstGeom prst="rect">
+              <a:avLst/>
+            </a:prstGeom>
+            <a:solidFill>
+              <a:schemeClr val="tx1">
+                <a:lumMod val="95000"/>
+                <a:lumOff val="5000"/>
+                <a:alpha val="87000"/>
+              </a:schemeClr>
+            </a:solidFill>
+            <a:ln>
+              <a:noFill/>
+            </a:ln>
+          </p:spPr>
+          <p:style>
+            <a:lnRef idx="2">
+              <a:schemeClr val="dk1"/>
+            </a:lnRef>
+            <a:fillRef idx="1">
+              <a:schemeClr val="lt1"/>
+            </a:fillRef>
+            <a:effectRef idx="0">
+              <a:schemeClr val="dk1"/>
+            </a:effectRef>
+            <a:fontRef idx="minor">
+              <a:schemeClr val="dk1"/>
+            </a:fontRef>
+          </p:style>
+          <p:txBody>
+            <a:bodyPr rtlCol="0" anchor="ctr"/>
+            <a:lstStyle/>
+            <a:p>
+              <a:pPr algn="ctr"/>
+              <a:endParaRPr lang="pt-BR" dirty="0"/>
+            </a:p>
+          </p:txBody>
+        </p:sp>
+      </p:grpSp>
+      <p:cxnSp>
+        <p:nvCxnSpPr>
+          <p:cNvPr id="8" name="Conector reto 7">
+            <a:extLst>
+              <a:ext uri="{FF2B5EF4-FFF2-40B4-BE49-F238E27FC236}">
+                <a16:creationId xmlns:a16="http://schemas.microsoft.com/office/drawing/2014/main" xmlns="" id="{6510727C-C843-4D84-A07F-20F37366891D}"/>
+              </a:ext>
+            </a:extLst>
+          </p:cNvPr>
+          <p:cNvCxnSpPr/>
+          <p:nvPr/>
+        </p:nvCxnSpPr>
+        <p:spPr>
+          <a:xfrm>
+            <a:off x="1732853" y="919897"/>
+            <a:ext cx="6325704" cy="0"/>
+          </a:xfrm>
+          <a:prstGeom prst="line">
+            <a:avLst/>
+          </a:prstGeom>
+          <a:ln>
+            <a:solidFill>
+              <a:schemeClr val="bg1"/>
+            </a:solidFill>
+          </a:ln>
+          <a:effectLst/>
+        </p:spPr>
+        <p:style>
+          <a:lnRef idx="1">
+            <a:schemeClr val="accent1"/>
+          </a:lnRef>
+          <a:fillRef idx="0">
+            <a:schemeClr val="accent1"/>
+          </a:fillRef>
+          <a:effectRef idx="0">
+            <a:schemeClr val="accent1"/>
+          </a:effectRef>
+          <a:fontRef idx="minor">
+            <a:schemeClr val="tx1"/>
+          </a:fontRef>
+        </p:style>
+      </p:cxnSp>
+      <p:grpSp>
+        <p:nvGrpSpPr>
+          <p:cNvPr id="2" name="Agrupar 1"/>
+          <p:cNvGrpSpPr/>
+          <p:nvPr/>
+        </p:nvGrpSpPr>
+        <p:grpSpPr>
+          <a:xfrm>
+            <a:off x="349861" y="281269"/>
+            <a:ext cx="2178122" cy="2178122"/>
+            <a:chOff x="734174" y="2338243"/>
+            <a:chExt cx="2178122" cy="2178122"/>
+          </a:xfrm>
+          <a:effectLst/>
+        </p:grpSpPr>
+        <p:sp>
+          <p:nvSpPr>
+            <p:cNvPr id="17" name="Elipse 16"/>
+            <p:cNvSpPr/>
+            <p:nvPr/>
+          </p:nvSpPr>
+          <p:spPr>
+            <a:xfrm>
+              <a:off x="734174" y="2338243"/>
+              <a:ext cx="2178122" cy="2178122"/>
+            </a:xfrm>
+            <a:prstGeom prst="ellipse">
+              <a:avLst/>
+            </a:prstGeom>
+            <a:solidFill>
+              <a:schemeClr val="bg1"/>
+            </a:solidFill>
+            <a:ln>
+              <a:noFill/>
+            </a:ln>
+            <a:effectLst>
+              <a:outerShdw blurRad="50800" dist="38100" dir="2700000" algn="tl" rotWithShape="0">
+                <a:prstClr val="black">
+                  <a:alpha val="40000"/>
+                </a:prstClr>
+              </a:outerShdw>
+            </a:effectLst>
+          </p:spPr>
+          <p:style>
+            <a:lnRef idx="2">
+              <a:schemeClr val="accent1">
+                <a:shade val="50000"/>
+              </a:schemeClr>
+            </a:lnRef>
+            <a:fillRef idx="1">
+              <a:schemeClr val="accent1"/>
+            </a:fillRef>
+            <a:effectRef idx="0">
+              <a:schemeClr val="accent1"/>
+            </a:effectRef>
+            <a:fontRef idx="minor">
+              <a:schemeClr val="lt1"/>
+            </a:fontRef>
+          </p:style>
+          <p:txBody>
+            <a:bodyPr rtlCol="0" anchor="ctr"/>
+            <a:lstStyle/>
+            <a:p>
+              <a:pPr algn="ctr"/>
+              <a:endParaRPr lang="pt-BR" dirty="0"/>
+            </a:p>
+          </p:txBody>
+        </p:sp>
+        <p:pic>
+          <p:nvPicPr>
+            <p:cNvPr id="23" name="Imagem 22"/>
+            <p:cNvPicPr>
+              <a:picLocks noChangeAspect="1"/>
+            </p:cNvPicPr>
+            <p:nvPr/>
+          </p:nvPicPr>
+          <p:blipFill>
+            <a:blip r:embed="rId4" cstate="print">
+              <a:extLst>
+                <a:ext uri="{28A0092B-C50C-407E-A947-70E740481C1C}">
+                  <a14:useLocalDpi xmlns:a14="http://schemas.microsoft.com/office/drawing/2010/main" val="0"/>
+                </a:ext>
+              </a:extLst>
+            </a:blip>
+            <a:stretch>
+              <a:fillRect/>
+            </a:stretch>
+          </p:blipFill>
+          <p:spPr>
+            <a:xfrm>
+              <a:off x="1022293" y="2444571"/>
+              <a:ext cx="1601884" cy="1601884"/>
+            </a:xfrm>
+            <a:prstGeom prst="rect">
+              <a:avLst/>
+            </a:prstGeom>
+          </p:spPr>
+        </p:pic>
+      </p:grpSp>
+      <p:cxnSp>
+        <p:nvCxnSpPr>
+          <p:cNvPr id="31" name="Conector reto 30">
+            <a:extLst>
+              <a:ext uri="{FF2B5EF4-FFF2-40B4-BE49-F238E27FC236}">
+                <a16:creationId xmlns:a16="http://schemas.microsoft.com/office/drawing/2014/main" xmlns="" id="{6510727C-C843-4D84-A07F-20F37366891D}"/>
+              </a:ext>
+            </a:extLst>
+          </p:cNvPr>
+          <p:cNvCxnSpPr/>
+          <p:nvPr/>
+        </p:nvCxnSpPr>
+        <p:spPr>
+          <a:xfrm>
+            <a:off x="3985723" y="2322177"/>
+            <a:ext cx="6325704" cy="0"/>
+          </a:xfrm>
+          <a:prstGeom prst="line">
+            <a:avLst/>
+          </a:prstGeom>
+          <a:ln>
+            <a:solidFill>
+              <a:schemeClr val="bg1"/>
+            </a:solidFill>
+          </a:ln>
+          <a:effectLst/>
+        </p:spPr>
+        <p:style>
+          <a:lnRef idx="1">
+            <a:schemeClr val="accent1"/>
+          </a:lnRef>
+          <a:fillRef idx="0">
+            <a:schemeClr val="accent1"/>
+          </a:fillRef>
+          <a:effectRef idx="0">
+            <a:schemeClr val="accent1"/>
+          </a:effectRef>
+          <a:fontRef idx="minor">
+            <a:schemeClr val="tx1"/>
+          </a:fontRef>
+        </p:style>
+      </p:cxnSp>
+      <p:sp>
+        <p:nvSpPr>
+          <p:cNvPr id="29" name="Retângulo 28"/>
+          <p:cNvSpPr/>
+          <p:nvPr/>
+        </p:nvSpPr>
+        <p:spPr>
+          <a:xfrm>
+            <a:off x="2585311" y="457815"/>
+            <a:ext cx="3777389" cy="461665"/>
+          </a:xfrm>
+          <a:prstGeom prst="rect">
+            <a:avLst/>
+          </a:prstGeom>
+          <a:noFill/>
+          <a:effectLst/>
+        </p:spPr>
+        <p:txBody>
+          <a:bodyPr wrap="square" lIns="91440" tIns="45720" rIns="91440" bIns="45720">
+            <a:spAutoFit/>
+          </a:bodyPr>
+          <a:lstStyle/>
+          <a:p>
+            <a:r>
+              <a:rPr lang="pt-BR" sz="2400" b="1" dirty="0">
+                <a:ln w="0"/>
+                <a:solidFill>
+                  <a:srgbClr val="68CBCC"/>
+                </a:solidFill>
+                <a:effectLst>
+                  <a:outerShdw blurRad="38100" dist="19050" dir="2700000" algn="tl" rotWithShape="0">
+                    <a:schemeClr val="dk1">
+                      <a:alpha val="40000"/>
+                    </a:schemeClr>
+                  </a:outerShdw>
+                </a:effectLst>
+                <a:latin typeface="Exo 2 Medium" panose="00000600000000000000" pitchFamily="50" charset="0"/>
+              </a:rPr>
+              <a:t>LUCAS YUDI GANEKO</a:t>
+            </a:r>
+            <a:endParaRPr lang="pt-BR" sz="2400" b="1" cap="none" spc="0" dirty="0">
+              <a:ln w="0"/>
+              <a:solidFill>
+                <a:srgbClr val="68CBCC"/>
+              </a:solidFill>
+              <a:effectLst>
+                <a:outerShdw blurRad="38100" dist="19050" dir="2700000" algn="tl" rotWithShape="0">
+                  <a:schemeClr val="dk1">
+                    <a:alpha val="40000"/>
+                  </a:schemeClr>
+                </a:outerShdw>
+              </a:effectLst>
+              <a:latin typeface="Exo 2 Medium" panose="00000600000000000000" pitchFamily="50" charset="0"/>
+            </a:endParaRPr>
+          </a:p>
+        </p:txBody>
+      </p:sp>
+      <p:cxnSp>
+        <p:nvCxnSpPr>
+          <p:cNvPr id="39" name="Conector reto 38">
+            <a:extLst>
+              <a:ext uri="{FF2B5EF4-FFF2-40B4-BE49-F238E27FC236}">
+                <a16:creationId xmlns:a16="http://schemas.microsoft.com/office/drawing/2014/main" xmlns="" id="{6510727C-C843-4D84-A07F-20F37366891D}"/>
+              </a:ext>
+            </a:extLst>
+          </p:cNvPr>
+          <p:cNvCxnSpPr/>
+          <p:nvPr/>
+        </p:nvCxnSpPr>
+        <p:spPr>
+          <a:xfrm>
+            <a:off x="4211010" y="5136284"/>
+            <a:ext cx="6325704" cy="0"/>
+          </a:xfrm>
+          <a:prstGeom prst="line">
+            <a:avLst/>
+          </a:prstGeom>
+          <a:ln>
+            <a:solidFill>
+              <a:schemeClr val="bg1"/>
+            </a:solidFill>
+          </a:ln>
+          <a:effectLst/>
+        </p:spPr>
+        <p:style>
+          <a:lnRef idx="1">
+            <a:schemeClr val="accent1"/>
+          </a:lnRef>
+          <a:fillRef idx="0">
+            <a:schemeClr val="accent1"/>
+          </a:fillRef>
+          <a:effectRef idx="0">
+            <a:schemeClr val="accent1"/>
+          </a:effectRef>
+          <a:fontRef idx="minor">
+            <a:schemeClr val="tx1"/>
+          </a:fontRef>
+        </p:style>
+      </p:cxnSp>
+      <p:sp>
+        <p:nvSpPr>
+          <p:cNvPr id="24" name="Elipse 23"/>
+          <p:cNvSpPr/>
+          <p:nvPr/>
+        </p:nvSpPr>
+        <p:spPr>
+          <a:xfrm>
+            <a:off x="9685873" y="1607817"/>
+            <a:ext cx="2178122" cy="2178122"/>
+          </a:xfrm>
+          <a:prstGeom prst="ellipse">
+            <a:avLst/>
+          </a:prstGeom>
+          <a:solidFill>
+            <a:schemeClr val="bg1"/>
+          </a:solidFill>
+          <a:ln>
+            <a:noFill/>
+          </a:ln>
+          <a:effectLst>
+            <a:outerShdw blurRad="50800" dist="38100" dir="2700000" algn="tl" rotWithShape="0">
+              <a:prstClr val="black">
+                <a:alpha val="40000"/>
+              </a:prstClr>
+            </a:outerShdw>
+          </a:effectLst>
+        </p:spPr>
+        <p:style>
+          <a:lnRef idx="2">
+            <a:schemeClr val="accent1">
+              <a:shade val="50000"/>
+            </a:schemeClr>
+          </a:lnRef>
+          <a:fillRef idx="1">
+            <a:schemeClr val="accent1"/>
+          </a:fillRef>
+          <a:effectRef idx="0">
+            <a:schemeClr val="accent1"/>
+          </a:effectRef>
+          <a:fontRef idx="minor">
+            <a:schemeClr val="lt1"/>
+          </a:fontRef>
+        </p:style>
+        <p:txBody>
+          <a:bodyPr rtlCol="0" anchor="ctr"/>
+          <a:lstStyle/>
+          <a:p>
+            <a:pPr algn="ctr"/>
+            <a:endParaRPr lang="pt-BR" dirty="0"/>
+          </a:p>
+        </p:txBody>
+      </p:sp>
+      <p:cxnSp>
+        <p:nvCxnSpPr>
+          <p:cNvPr id="38" name="Conector reto 37">
+            <a:extLst>
+              <a:ext uri="{FF2B5EF4-FFF2-40B4-BE49-F238E27FC236}">
+                <a16:creationId xmlns:a16="http://schemas.microsoft.com/office/drawing/2014/main" xmlns="" id="{6510727C-C843-4D84-A07F-20F37366891D}"/>
+              </a:ext>
+            </a:extLst>
+          </p:cNvPr>
+          <p:cNvCxnSpPr/>
+          <p:nvPr/>
+        </p:nvCxnSpPr>
+        <p:spPr>
+          <a:xfrm>
+            <a:off x="1564554" y="3699968"/>
+            <a:ext cx="6325704" cy="0"/>
+          </a:xfrm>
+          <a:prstGeom prst="line">
+            <a:avLst/>
+          </a:prstGeom>
+          <a:ln>
+            <a:solidFill>
+              <a:schemeClr val="bg1"/>
+            </a:solidFill>
+          </a:ln>
+          <a:effectLst/>
+        </p:spPr>
+        <p:style>
+          <a:lnRef idx="1">
+            <a:schemeClr val="accent1"/>
+          </a:lnRef>
+          <a:fillRef idx="0">
+            <a:schemeClr val="accent1"/>
+          </a:fillRef>
+          <a:effectRef idx="0">
+            <a:schemeClr val="accent1"/>
+          </a:effectRef>
+          <a:fontRef idx="minor">
+            <a:schemeClr val="tx1"/>
+          </a:fontRef>
+        </p:style>
+      </p:cxnSp>
+      <p:grpSp>
+        <p:nvGrpSpPr>
+          <p:cNvPr id="11" name="Agrupar 10"/>
+          <p:cNvGrpSpPr/>
+          <p:nvPr/>
+        </p:nvGrpSpPr>
+        <p:grpSpPr>
+          <a:xfrm>
+            <a:off x="9694221" y="4478859"/>
+            <a:ext cx="2178122" cy="2178122"/>
+            <a:chOff x="9261512" y="2312259"/>
+            <a:chExt cx="2178122" cy="2178122"/>
+          </a:xfrm>
+          <a:effectLst/>
+        </p:grpSpPr>
+        <p:sp>
+          <p:nvSpPr>
+            <p:cNvPr id="33" name="Elipse 32"/>
+            <p:cNvSpPr/>
+            <p:nvPr/>
+          </p:nvSpPr>
+          <p:spPr>
+            <a:xfrm>
+              <a:off x="9261512" y="2312259"/>
+              <a:ext cx="2178122" cy="2178122"/>
+            </a:xfrm>
+            <a:prstGeom prst="ellipse">
+              <a:avLst/>
+            </a:prstGeom>
+            <a:solidFill>
+              <a:schemeClr val="bg1"/>
+            </a:solidFill>
+            <a:ln>
+              <a:noFill/>
+            </a:ln>
+            <a:effectLst>
+              <a:outerShdw blurRad="50800" dist="38100" dir="2700000" algn="tl" rotWithShape="0">
+                <a:prstClr val="black">
+                  <a:alpha val="40000"/>
+                </a:prstClr>
+              </a:outerShdw>
+            </a:effectLst>
+          </p:spPr>
+          <p:style>
+            <a:lnRef idx="2">
+              <a:schemeClr val="accent1">
+                <a:shade val="50000"/>
+              </a:schemeClr>
+            </a:lnRef>
+            <a:fillRef idx="1">
+              <a:schemeClr val="accent1"/>
+            </a:fillRef>
+            <a:effectRef idx="0">
+              <a:schemeClr val="accent1"/>
+            </a:effectRef>
+            <a:fontRef idx="minor">
+              <a:schemeClr val="lt1"/>
+            </a:fontRef>
+          </p:style>
+          <p:txBody>
+            <a:bodyPr rtlCol="0" anchor="ctr"/>
+            <a:lstStyle/>
+            <a:p>
+              <a:pPr algn="ctr"/>
+              <a:endParaRPr lang="pt-BR" dirty="0"/>
+            </a:p>
+          </p:txBody>
+        </p:sp>
+        <p:pic>
+          <p:nvPicPr>
+            <p:cNvPr id="35" name="Imagem 34"/>
+            <p:cNvPicPr>
+              <a:picLocks noChangeAspect="1"/>
+            </p:cNvPicPr>
+            <p:nvPr/>
+          </p:nvPicPr>
+          <p:blipFill>
+            <a:blip r:embed="rId5" cstate="print">
+              <a:extLst>
+                <a:ext uri="{28A0092B-C50C-407E-A947-70E740481C1C}">
+                  <a14:useLocalDpi xmlns:a14="http://schemas.microsoft.com/office/drawing/2010/main" val="0"/>
+                </a:ext>
+              </a:extLst>
+            </a:blip>
+            <a:stretch>
+              <a:fillRect/>
+            </a:stretch>
+          </p:blipFill>
+          <p:spPr>
+            <a:xfrm>
+              <a:off x="9549631" y="2444571"/>
+              <a:ext cx="1601884" cy="1601884"/>
+            </a:xfrm>
+            <a:prstGeom prst="rect">
+              <a:avLst/>
+            </a:prstGeom>
+          </p:spPr>
+        </p:pic>
+        <p:pic>
+          <p:nvPicPr>
+            <p:cNvPr id="36" name="Picture 8" descr="https://3dsupply.de/en/composition/noob-cap-cap-cap-front~eJwdijkKgDAQRa8SppYwk_xsXkUsBC0CggHTiXc3Y_mWh1qn2QhySbGIE8uToToU7Uff6kkD-78ElwEW7_6lXbdKnbUughgSPEdYXrUPGQW6ag8Z6f0Ad2cYzg==.png"/>
+            <p:cNvPicPr>
+              <a:picLocks noChangeAspect="1" noChangeArrowheads="1"/>
+            </p:cNvPicPr>
+            <p:nvPr/>
+          </p:nvPicPr>
+          <p:blipFill>
+            <a:blip r:embed="rId6" cstate="print">
+              <a:extLst>
+                <a:ext uri="{BEBA8EAE-BF5A-486C-A8C5-ECC9F3942E4B}">
+                  <a14:imgProps xmlns:a14="http://schemas.microsoft.com/office/drawing/2010/main">
+                    <a14:imgLayer r:embed="rId7">
+                      <a14:imgEffect>
+                        <a14:saturation sat="0"/>
+                      </a14:imgEffect>
+                      <a14:imgEffect>
+                        <a14:brightnessContrast bright="-20000" contrast="40000"/>
+                      </a14:imgEffect>
+                    </a14:imgLayer>
+                  </a14:imgProps>
+                </a:ext>
+                <a:ext uri="{28A0092B-C50C-407E-A947-70E740481C1C}">
+                  <a14:useLocalDpi xmlns:a14="http://schemas.microsoft.com/office/drawing/2010/main" val="0"/>
+                </a:ext>
+              </a:extLst>
+            </a:blip>
+            <a:srcRect/>
+            <a:stretch>
+              <a:fillRect/>
+            </a:stretch>
+          </p:blipFill>
+          <p:spPr bwMode="auto">
+            <a:xfrm>
+              <a:off x="9874817" y="2350360"/>
+              <a:ext cx="945583" cy="640312"/>
+            </a:xfrm>
+            <a:prstGeom prst="rect">
+              <a:avLst/>
+            </a:prstGeom>
+            <a:noFill/>
+            <a:extLst>
+              <a:ext uri="{909E8E84-426E-40DD-AFC4-6F175D3DCCD1}">
+                <a14:hiddenFill xmlns:a14="http://schemas.microsoft.com/office/drawing/2010/main">
+                  <a:solidFill>
+                    <a:srgbClr val="FFFFFF"/>
+                  </a:solidFill>
+                </a14:hiddenFill>
+              </a:ext>
+            </a:extLst>
+          </p:spPr>
+        </p:pic>
+      </p:grpSp>
+      <p:grpSp>
+        <p:nvGrpSpPr>
+          <p:cNvPr id="9" name="Agrupar 8"/>
+          <p:cNvGrpSpPr/>
+          <p:nvPr/>
+        </p:nvGrpSpPr>
+        <p:grpSpPr>
+          <a:xfrm>
+            <a:off x="349861" y="3137775"/>
+            <a:ext cx="2178122" cy="2276565"/>
+            <a:chOff x="6419066" y="2210154"/>
+            <a:chExt cx="2178122" cy="2276565"/>
+          </a:xfrm>
+          <a:effectLst/>
+        </p:grpSpPr>
+        <p:sp>
+          <p:nvSpPr>
+            <p:cNvPr id="32" name="Elipse 31"/>
+            <p:cNvSpPr/>
+            <p:nvPr/>
+          </p:nvSpPr>
+          <p:spPr>
+            <a:xfrm>
+              <a:off x="6419066" y="2308597"/>
+              <a:ext cx="2178122" cy="2178122"/>
+            </a:xfrm>
+            <a:prstGeom prst="ellipse">
+              <a:avLst/>
+            </a:prstGeom>
+            <a:solidFill>
+              <a:schemeClr val="bg1"/>
+            </a:solidFill>
+            <a:ln>
+              <a:noFill/>
+            </a:ln>
+            <a:effectLst>
+              <a:outerShdw blurRad="50800" dist="38100" dir="2700000" algn="tl" rotWithShape="0">
+                <a:prstClr val="black">
+                  <a:alpha val="40000"/>
+                </a:prstClr>
+              </a:outerShdw>
+            </a:effectLst>
+          </p:spPr>
+          <p:style>
+            <a:lnRef idx="2">
+              <a:schemeClr val="accent1">
+                <a:shade val="50000"/>
+              </a:schemeClr>
+            </a:lnRef>
+            <a:fillRef idx="1">
+              <a:schemeClr val="accent1"/>
+            </a:fillRef>
+            <a:effectRef idx="0">
+              <a:schemeClr val="accent1"/>
+            </a:effectRef>
+            <a:fontRef idx="minor">
+              <a:schemeClr val="lt1"/>
+            </a:fontRef>
+          </p:style>
+          <p:txBody>
+            <a:bodyPr rtlCol="0" anchor="ctr"/>
+            <a:lstStyle/>
+            <a:p>
+              <a:pPr algn="ctr"/>
+              <a:endParaRPr lang="pt-BR" dirty="0"/>
+            </a:p>
+          </p:txBody>
+        </p:sp>
+        <p:pic>
+          <p:nvPicPr>
+            <p:cNvPr id="34" name="Imagem 33"/>
+            <p:cNvPicPr>
+              <a:picLocks noChangeAspect="1"/>
+            </p:cNvPicPr>
+            <p:nvPr/>
+          </p:nvPicPr>
+          <p:blipFill>
+            <a:blip r:embed="rId8" cstate="print">
+              <a:extLst>
+                <a:ext uri="{28A0092B-C50C-407E-A947-70E740481C1C}">
+                  <a14:useLocalDpi xmlns:a14="http://schemas.microsoft.com/office/drawing/2010/main" val="0"/>
+                </a:ext>
+              </a:extLst>
+            </a:blip>
+            <a:stretch>
+              <a:fillRect/>
+            </a:stretch>
+          </p:blipFill>
+          <p:spPr>
+            <a:xfrm>
+              <a:off x="6696093" y="2444571"/>
+              <a:ext cx="1601884" cy="1601884"/>
+            </a:xfrm>
+            <a:prstGeom prst="rect">
+              <a:avLst/>
+            </a:prstGeom>
+          </p:spPr>
+        </p:pic>
+        <p:pic>
+          <p:nvPicPr>
+            <p:cNvPr id="37" name="Picture 2" descr="Imagem relacionada"/>
+            <p:cNvPicPr>
+              <a:picLocks noChangeAspect="1" noChangeArrowheads="1"/>
+            </p:cNvPicPr>
+            <p:nvPr/>
+          </p:nvPicPr>
+          <p:blipFill>
+            <a:blip r:embed="rId9">
+              <a:duotone>
+                <a:prstClr val="black"/>
+                <a:schemeClr val="accent1">
+                  <a:tint val="45000"/>
+                  <a:satMod val="400000"/>
+                </a:schemeClr>
+              </a:duotone>
+              <a:extLst>
+                <a:ext uri="{BEBA8EAE-BF5A-486C-A8C5-ECC9F3942E4B}">
+                  <a14:imgProps xmlns:a14="http://schemas.microsoft.com/office/drawing/2010/main">
+                    <a14:imgLayer r:embed="rId10">
+                      <a14:imgEffect>
+                        <a14:backgroundRemoval t="19588" b="85052" l="1799" r="96403"/>
+                      </a14:imgEffect>
+                      <a14:imgEffect>
+                        <a14:brightnessContrast bright="-40000" contrast="-40000"/>
+                      </a14:imgEffect>
+                    </a14:imgLayer>
+                  </a14:imgProps>
+                </a:ext>
+                <a:ext uri="{28A0092B-C50C-407E-A947-70E740481C1C}">
+                  <a14:useLocalDpi xmlns:a14="http://schemas.microsoft.com/office/drawing/2010/main" val="0"/>
+                </a:ext>
+              </a:extLst>
+            </a:blip>
+            <a:srcRect/>
+            <a:stretch>
+              <a:fillRect/>
+            </a:stretch>
+          </p:blipFill>
+          <p:spPr bwMode="auto">
+            <a:xfrm flipH="1">
+              <a:off x="6924223" y="2210154"/>
+              <a:ext cx="1091511" cy="925514"/>
+            </a:xfrm>
+            <a:prstGeom prst="rect">
+              <a:avLst/>
+            </a:prstGeom>
+            <a:noFill/>
+            <a:extLst>
+              <a:ext uri="{909E8E84-426E-40DD-AFC4-6F175D3DCCD1}">
+                <a14:hiddenFill xmlns:a14="http://schemas.microsoft.com/office/drawing/2010/main">
+                  <a:solidFill>
+                    <a:srgbClr val="FFFFFF"/>
+                  </a:solidFill>
+                </a14:hiddenFill>
+              </a:ext>
+            </a:extLst>
+          </p:spPr>
+        </p:pic>
+      </p:grpSp>
+      <p:sp>
+        <p:nvSpPr>
+          <p:cNvPr id="40" name="Retângulo 39"/>
+          <p:cNvSpPr/>
+          <p:nvPr/>
+        </p:nvSpPr>
+        <p:spPr>
+          <a:xfrm>
+            <a:off x="6287171" y="1848190"/>
+            <a:ext cx="3368711" cy="461665"/>
+          </a:xfrm>
+          <a:prstGeom prst="rect">
+            <a:avLst/>
+          </a:prstGeom>
+          <a:noFill/>
+          <a:effectLst/>
+        </p:spPr>
+        <p:txBody>
+          <a:bodyPr wrap="square" lIns="91440" tIns="45720" rIns="91440" bIns="45720">
+            <a:spAutoFit/>
+          </a:bodyPr>
+          <a:lstStyle/>
+          <a:p>
+            <a:pPr algn="r"/>
+            <a:r>
+              <a:rPr lang="pt-BR" sz="2400" b="1" dirty="0">
+                <a:ln w="0"/>
+                <a:solidFill>
+                  <a:srgbClr val="68CBCC"/>
+                </a:solidFill>
+                <a:effectLst>
+                  <a:outerShdw blurRad="38100" dist="19050" dir="2700000" algn="tl" rotWithShape="0">
+                    <a:schemeClr val="dk1">
+                      <a:alpha val="40000"/>
+                    </a:schemeClr>
+                  </a:outerShdw>
+                </a:effectLst>
+                <a:latin typeface="Exo 2 Medium" panose="00000600000000000000" pitchFamily="50" charset="0"/>
+              </a:rPr>
+              <a:t>RODOLFO GREGÓRIO</a:t>
+            </a:r>
+            <a:endParaRPr lang="pt-BR" sz="2400" b="1" cap="none" spc="0" dirty="0">
+              <a:ln w="0"/>
+              <a:solidFill>
+                <a:srgbClr val="68CBCC"/>
+              </a:solidFill>
+              <a:effectLst>
+                <a:outerShdw blurRad="38100" dist="19050" dir="2700000" algn="tl" rotWithShape="0">
+                  <a:schemeClr val="dk1">
+                    <a:alpha val="40000"/>
+                  </a:schemeClr>
+                </a:outerShdw>
+              </a:effectLst>
+              <a:latin typeface="Exo 2 Medium" panose="00000600000000000000" pitchFamily="50" charset="0"/>
+            </a:endParaRPr>
+          </a:p>
+        </p:txBody>
+      </p:sp>
+      <p:sp>
+        <p:nvSpPr>
+          <p:cNvPr id="41" name="Retângulo 40"/>
+          <p:cNvSpPr/>
+          <p:nvPr/>
+        </p:nvSpPr>
+        <p:spPr>
+          <a:xfrm>
+            <a:off x="6055591" y="4667275"/>
+            <a:ext cx="3575384" cy="461665"/>
+          </a:xfrm>
+          <a:prstGeom prst="rect">
+            <a:avLst/>
+          </a:prstGeom>
+          <a:noFill/>
+          <a:effectLst/>
+        </p:spPr>
+        <p:txBody>
+          <a:bodyPr wrap="square" lIns="91440" tIns="45720" rIns="91440" bIns="45720">
+            <a:spAutoFit/>
+          </a:bodyPr>
+          <a:lstStyle/>
+          <a:p>
+            <a:pPr algn="r"/>
+            <a:r>
+              <a:rPr lang="pt-BR" sz="2400" b="1" dirty="0">
+                <a:ln w="0"/>
+                <a:solidFill>
+                  <a:srgbClr val="68CBCC"/>
+                </a:solidFill>
+                <a:effectLst>
+                  <a:outerShdw blurRad="38100" dist="19050" dir="2700000" algn="tl" rotWithShape="0">
+                    <a:schemeClr val="dk1">
+                      <a:alpha val="40000"/>
+                    </a:schemeClr>
+                  </a:outerShdw>
+                </a:effectLst>
+                <a:latin typeface="Exo 2 Medium" panose="00000600000000000000" pitchFamily="50" charset="0"/>
+              </a:rPr>
+              <a:t>MATHEUS DE OLIVEIRA</a:t>
+            </a:r>
+            <a:endParaRPr lang="pt-BR" sz="2400" b="1" cap="none" spc="0" dirty="0">
+              <a:ln w="0"/>
+              <a:solidFill>
+                <a:srgbClr val="68CBCC"/>
+              </a:solidFill>
+              <a:effectLst>
+                <a:outerShdw blurRad="38100" dist="19050" dir="2700000" algn="tl" rotWithShape="0">
+                  <a:schemeClr val="dk1">
+                    <a:alpha val="40000"/>
+                  </a:schemeClr>
+                </a:outerShdw>
+              </a:effectLst>
+              <a:latin typeface="Exo 2 Medium" panose="00000600000000000000" pitchFamily="50" charset="0"/>
+            </a:endParaRPr>
+          </a:p>
+        </p:txBody>
+      </p:sp>
+      <p:sp>
+        <p:nvSpPr>
+          <p:cNvPr id="42" name="Retângulo 41"/>
+          <p:cNvSpPr/>
+          <p:nvPr/>
+        </p:nvSpPr>
+        <p:spPr>
+          <a:xfrm>
+            <a:off x="2276264" y="3226768"/>
+            <a:ext cx="3185689" cy="461665"/>
+          </a:xfrm>
+          <a:prstGeom prst="rect">
+            <a:avLst/>
+          </a:prstGeom>
+          <a:noFill/>
+          <a:effectLst/>
+        </p:spPr>
+        <p:txBody>
+          <a:bodyPr wrap="square" lIns="91440" tIns="45720" rIns="91440" bIns="45720">
+            <a:spAutoFit/>
+          </a:bodyPr>
+          <a:lstStyle/>
+          <a:p>
+            <a:pPr algn="ctr"/>
+            <a:r>
+              <a:rPr lang="pt-BR" sz="2400" b="1" dirty="0">
+                <a:ln w="0"/>
+                <a:solidFill>
+                  <a:srgbClr val="68CBCC"/>
+                </a:solidFill>
+                <a:effectLst>
+                  <a:outerShdw blurRad="38100" dist="19050" dir="2700000" algn="tl" rotWithShape="0">
+                    <a:schemeClr val="dk1">
+                      <a:alpha val="40000"/>
+                    </a:schemeClr>
+                  </a:outerShdw>
+                </a:effectLst>
+                <a:latin typeface="Exo 2 Medium" panose="00000600000000000000" pitchFamily="50" charset="0"/>
+              </a:rPr>
+              <a:t>LUCAS BEZERRA</a:t>
+            </a:r>
+            <a:endParaRPr lang="pt-BR" sz="2400" b="1" cap="none" spc="0" dirty="0">
+              <a:ln w="0"/>
+              <a:solidFill>
+                <a:srgbClr val="68CBCC"/>
+              </a:solidFill>
+              <a:effectLst>
+                <a:outerShdw blurRad="38100" dist="19050" dir="2700000" algn="tl" rotWithShape="0">
+                  <a:schemeClr val="dk1">
+                    <a:alpha val="40000"/>
+                  </a:schemeClr>
+                </a:outerShdw>
+              </a:effectLst>
+              <a:latin typeface="Exo 2 Medium" panose="00000600000000000000" pitchFamily="50" charset="0"/>
+            </a:endParaRPr>
+          </a:p>
+        </p:txBody>
+      </p:sp>
+      <p:sp>
+        <p:nvSpPr>
+          <p:cNvPr id="50" name="Retângulo 49"/>
+          <p:cNvSpPr/>
+          <p:nvPr/>
+        </p:nvSpPr>
+        <p:spPr>
+          <a:xfrm>
+            <a:off x="2588983" y="945156"/>
+            <a:ext cx="6342982" cy="923330"/>
+          </a:xfrm>
+          <a:prstGeom prst="rect">
+            <a:avLst/>
+          </a:prstGeom>
+          <a:noFill/>
+          <a:effectLst/>
+        </p:spPr>
+        <p:txBody>
+          <a:bodyPr wrap="square" lIns="91440" tIns="45720" rIns="91440" bIns="45720">
+            <a:spAutoFit/>
+          </a:bodyPr>
+          <a:lstStyle/>
+          <a:p>
+            <a:r>
+              <a:rPr lang="pt-BR" b="1" cap="none" spc="0" dirty="0">
+                <a:ln w="0"/>
+                <a:solidFill>
+                  <a:schemeClr val="bg1"/>
+                </a:solidFill>
+                <a:effectLst>
+                  <a:outerShdw blurRad="38100" dist="19050" dir="2700000" algn="tl" rotWithShape="0">
+                    <a:schemeClr val="dk1">
+                      <a:alpha val="40000"/>
+                    </a:schemeClr>
+                  </a:outerShdw>
+                </a:effectLst>
+                <a:latin typeface="Exo 2 Extra Light" panose="00000300000000000000" pitchFamily="50" charset="0"/>
+              </a:rPr>
+              <a:t>Desenvolvimento front-end</a:t>
+            </a:r>
+          </a:p>
+          <a:p>
+            <a:r>
+              <a:rPr lang="pt-BR" b="1" dirty="0">
+                <a:ln w="0"/>
+                <a:solidFill>
+                  <a:schemeClr val="bg1"/>
+                </a:solidFill>
+                <a:effectLst>
+                  <a:outerShdw blurRad="38100" dist="19050" dir="2700000" algn="tl" rotWithShape="0">
+                    <a:schemeClr val="dk1">
+                      <a:alpha val="40000"/>
+                    </a:schemeClr>
+                  </a:outerShdw>
+                </a:effectLst>
+                <a:latin typeface="Exo 2 Extra Light" panose="00000300000000000000" pitchFamily="50" charset="0"/>
+              </a:rPr>
+              <a:t>Planejamento do projeto </a:t>
+            </a:r>
+            <a:endParaRPr lang="pt-BR" b="1" cap="none" spc="0" dirty="0">
+              <a:ln w="0"/>
+              <a:solidFill>
+                <a:schemeClr val="bg1"/>
+              </a:solidFill>
+              <a:effectLst>
+                <a:outerShdw blurRad="38100" dist="19050" dir="2700000" algn="tl" rotWithShape="0">
+                  <a:schemeClr val="dk1">
+                    <a:alpha val="40000"/>
+                  </a:schemeClr>
+                </a:outerShdw>
+              </a:effectLst>
+              <a:latin typeface="Exo 2 Extra Light" panose="00000300000000000000" pitchFamily="50" charset="0"/>
+            </a:endParaRPr>
+          </a:p>
+          <a:p>
+            <a:r>
+              <a:rPr lang="pt-BR" b="1" dirty="0">
+                <a:ln w="0"/>
+                <a:solidFill>
+                  <a:schemeClr val="bg1"/>
+                </a:solidFill>
+                <a:effectLst>
+                  <a:outerShdw blurRad="38100" dist="19050" dir="2700000" algn="tl" rotWithShape="0">
+                    <a:schemeClr val="dk1">
+                      <a:alpha val="40000"/>
+                    </a:schemeClr>
+                  </a:outerShdw>
+                </a:effectLst>
+                <a:latin typeface="Exo 2 Extra Light" panose="00000300000000000000" pitchFamily="50" charset="0"/>
+              </a:rPr>
+              <a:t>Documentação do projeto    </a:t>
+            </a:r>
+            <a:endParaRPr lang="pt-BR" b="1" cap="none" spc="0" dirty="0">
+              <a:ln w="0"/>
+              <a:solidFill>
+                <a:schemeClr val="bg1"/>
+              </a:solidFill>
+              <a:effectLst>
+                <a:outerShdw blurRad="38100" dist="19050" dir="2700000" algn="tl" rotWithShape="0">
+                  <a:schemeClr val="dk1">
+                    <a:alpha val="40000"/>
+                  </a:schemeClr>
+                </a:outerShdw>
+              </a:effectLst>
+              <a:latin typeface="Exo 2 Extra Light" panose="00000300000000000000" pitchFamily="50" charset="0"/>
+            </a:endParaRPr>
+          </a:p>
+        </p:txBody>
+      </p:sp>
+      <p:sp>
+        <p:nvSpPr>
+          <p:cNvPr id="51" name="Retângulo 50"/>
+          <p:cNvSpPr/>
+          <p:nvPr/>
+        </p:nvSpPr>
+        <p:spPr>
+          <a:xfrm>
+            <a:off x="3260035" y="2339232"/>
+            <a:ext cx="6361182" cy="923330"/>
+          </a:xfrm>
+          <a:prstGeom prst="rect">
+            <a:avLst/>
+          </a:prstGeom>
+          <a:noFill/>
+          <a:effectLst/>
+        </p:spPr>
+        <p:txBody>
+          <a:bodyPr wrap="square" lIns="91440" tIns="45720" rIns="91440" bIns="45720">
+            <a:spAutoFit/>
+          </a:bodyPr>
+          <a:lstStyle/>
+          <a:p>
+            <a:pPr algn="r"/>
+            <a:r>
+              <a:rPr lang="pt-BR" b="1" cap="none" spc="0" dirty="0">
+                <a:ln w="0"/>
+                <a:solidFill>
+                  <a:schemeClr val="bg1"/>
+                </a:solidFill>
+                <a:effectLst>
+                  <a:outerShdw blurRad="38100" dist="19050" dir="2700000" algn="tl" rotWithShape="0">
+                    <a:schemeClr val="dk1">
+                      <a:alpha val="40000"/>
+                    </a:schemeClr>
+                  </a:outerShdw>
+                </a:effectLst>
+                <a:latin typeface="Exo 2 Extra Light" panose="00000300000000000000" pitchFamily="50" charset="0"/>
+              </a:rPr>
+              <a:t>Desenvolvimento back-end</a:t>
+            </a:r>
+          </a:p>
+          <a:p>
+            <a:pPr algn="r"/>
+            <a:r>
+              <a:rPr lang="pt-BR" b="1" dirty="0">
+                <a:ln w="0"/>
+                <a:solidFill>
+                  <a:schemeClr val="bg1"/>
+                </a:solidFill>
+                <a:effectLst>
+                  <a:outerShdw blurRad="38100" dist="19050" dir="2700000" algn="tl" rotWithShape="0">
+                    <a:schemeClr val="dk1">
+                      <a:alpha val="40000"/>
+                    </a:schemeClr>
+                  </a:outerShdw>
+                </a:effectLst>
+                <a:latin typeface="Exo 2 Extra Light" panose="00000300000000000000" pitchFamily="50" charset="0"/>
+              </a:rPr>
+              <a:t>Arquitetura da aplicação web</a:t>
+            </a:r>
+            <a:endParaRPr lang="pt-BR" b="1" cap="none" spc="0" dirty="0">
+              <a:ln w="0"/>
+              <a:solidFill>
+                <a:schemeClr val="bg1"/>
+              </a:solidFill>
+              <a:effectLst>
+                <a:outerShdw blurRad="38100" dist="19050" dir="2700000" algn="tl" rotWithShape="0">
+                  <a:schemeClr val="dk1">
+                    <a:alpha val="40000"/>
+                  </a:schemeClr>
+                </a:outerShdw>
+              </a:effectLst>
+              <a:latin typeface="Exo 2 Extra Light" panose="00000300000000000000" pitchFamily="50" charset="0"/>
+            </a:endParaRPr>
+          </a:p>
+          <a:p>
+            <a:pPr algn="r"/>
+            <a:r>
+              <a:rPr lang="pt-BR" b="1" dirty="0">
+                <a:ln w="0"/>
+                <a:solidFill>
+                  <a:schemeClr val="bg1"/>
+                </a:solidFill>
+                <a:effectLst>
+                  <a:outerShdw blurRad="38100" dist="19050" dir="2700000" algn="tl" rotWithShape="0">
+                    <a:schemeClr val="dk1">
+                      <a:alpha val="40000"/>
+                    </a:schemeClr>
+                  </a:outerShdw>
+                </a:effectLst>
+                <a:latin typeface="Exo 2 Extra Light" panose="00000300000000000000" pitchFamily="50" charset="0"/>
+              </a:rPr>
+              <a:t>Implantação do banco de dados</a:t>
+            </a:r>
+            <a:endParaRPr lang="pt-BR" b="1" cap="none" spc="0" dirty="0">
+              <a:ln w="0"/>
+              <a:solidFill>
+                <a:schemeClr val="bg1"/>
+              </a:solidFill>
+              <a:effectLst>
+                <a:outerShdw blurRad="38100" dist="19050" dir="2700000" algn="tl" rotWithShape="0">
+                  <a:schemeClr val="dk1">
+                    <a:alpha val="40000"/>
+                  </a:schemeClr>
+                </a:outerShdw>
+              </a:effectLst>
+              <a:latin typeface="Exo 2 Extra Light" panose="00000300000000000000" pitchFamily="50" charset="0"/>
+            </a:endParaRPr>
+          </a:p>
+        </p:txBody>
+      </p:sp>
+      <p:sp>
+        <p:nvSpPr>
+          <p:cNvPr id="52" name="Retângulo 51"/>
+          <p:cNvSpPr/>
+          <p:nvPr/>
+        </p:nvSpPr>
+        <p:spPr>
+          <a:xfrm>
+            <a:off x="2585311" y="3726868"/>
+            <a:ext cx="5469573" cy="923330"/>
+          </a:xfrm>
+          <a:prstGeom prst="rect">
+            <a:avLst/>
+          </a:prstGeom>
+          <a:noFill/>
+          <a:effectLst/>
+        </p:spPr>
+        <p:txBody>
+          <a:bodyPr wrap="square" lIns="91440" tIns="45720" rIns="91440" bIns="45720">
+            <a:spAutoFit/>
+          </a:bodyPr>
+          <a:lstStyle/>
+          <a:p>
+            <a:r>
+              <a:rPr lang="pt-BR" b="1" dirty="0">
+                <a:ln w="0"/>
+                <a:solidFill>
+                  <a:schemeClr val="bg1"/>
+                </a:solidFill>
+                <a:effectLst>
+                  <a:outerShdw blurRad="38100" dist="19050" dir="2700000" algn="tl" rotWithShape="0">
+                    <a:schemeClr val="dk1">
+                      <a:alpha val="40000"/>
+                    </a:schemeClr>
+                  </a:outerShdw>
+                </a:effectLst>
+                <a:latin typeface="Exo 2 Extra Light" panose="00000300000000000000" pitchFamily="50" charset="0"/>
+              </a:rPr>
+              <a:t>Auxílio no desenvolvimento do sistema</a:t>
+            </a:r>
+          </a:p>
+          <a:p>
+            <a:r>
+              <a:rPr lang="pt-BR" b="1" dirty="0">
+                <a:ln w="0"/>
+                <a:solidFill>
+                  <a:schemeClr val="bg1"/>
+                </a:solidFill>
+                <a:effectLst>
+                  <a:outerShdw blurRad="38100" dist="19050" dir="2700000" algn="tl" rotWithShape="0">
+                    <a:schemeClr val="dk1">
+                      <a:alpha val="40000"/>
+                    </a:schemeClr>
+                  </a:outerShdw>
+                </a:effectLst>
+                <a:latin typeface="Exo 2 Extra Light" panose="00000300000000000000" pitchFamily="50" charset="0"/>
+              </a:rPr>
+              <a:t>Desenvolvimento do banco de dados</a:t>
+            </a:r>
+          </a:p>
+          <a:p>
+            <a:r>
+              <a:rPr lang="pt-BR" b="1" dirty="0">
+                <a:ln w="0"/>
+                <a:solidFill>
+                  <a:schemeClr val="bg1"/>
+                </a:solidFill>
+                <a:effectLst>
+                  <a:outerShdw blurRad="38100" dist="19050" dir="2700000" algn="tl" rotWithShape="0">
+                    <a:schemeClr val="dk1">
+                      <a:alpha val="40000"/>
+                    </a:schemeClr>
+                  </a:outerShdw>
+                </a:effectLst>
+                <a:latin typeface="Exo 2 Extra Light" panose="00000300000000000000" pitchFamily="50" charset="0"/>
+              </a:rPr>
+              <a:t>Auxílio na documentação do projeto</a:t>
+            </a:r>
+          </a:p>
+        </p:txBody>
+      </p:sp>
+      <p:sp>
+        <p:nvSpPr>
+          <p:cNvPr id="53" name="Retângulo 52"/>
+          <p:cNvSpPr/>
+          <p:nvPr/>
+        </p:nvSpPr>
+        <p:spPr>
+          <a:xfrm>
+            <a:off x="4167320" y="5168356"/>
+            <a:ext cx="5469573" cy="923330"/>
+          </a:xfrm>
+          <a:prstGeom prst="rect">
+            <a:avLst/>
+          </a:prstGeom>
+          <a:noFill/>
+          <a:effectLst/>
+        </p:spPr>
+        <p:txBody>
+          <a:bodyPr wrap="square" lIns="91440" tIns="45720" rIns="91440" bIns="45720">
+            <a:spAutoFit/>
+          </a:bodyPr>
+          <a:lstStyle/>
+          <a:p>
+            <a:pPr algn="r"/>
+            <a:r>
+              <a:rPr lang="pt-BR" b="1" dirty="0">
+                <a:ln w="0"/>
+                <a:solidFill>
+                  <a:schemeClr val="bg1"/>
+                </a:solidFill>
+                <a:effectLst>
+                  <a:outerShdw blurRad="38100" dist="19050" dir="2700000" algn="tl" rotWithShape="0">
+                    <a:schemeClr val="dk1">
+                      <a:alpha val="40000"/>
+                    </a:schemeClr>
+                  </a:outerShdw>
+                </a:effectLst>
+                <a:latin typeface="Exo 2 Extra Light" panose="00000300000000000000" pitchFamily="50" charset="0"/>
+              </a:rPr>
+              <a:t>Auxílio no desenvolvimento do sistema</a:t>
+            </a:r>
+          </a:p>
+          <a:p>
+            <a:pPr algn="r"/>
+            <a:r>
+              <a:rPr lang="pt-BR" b="1" dirty="0">
+                <a:ln w="0"/>
+                <a:solidFill>
+                  <a:schemeClr val="bg1"/>
+                </a:solidFill>
+                <a:effectLst>
+                  <a:outerShdw blurRad="38100" dist="19050" dir="2700000" algn="tl" rotWithShape="0">
+                    <a:schemeClr val="dk1">
+                      <a:alpha val="40000"/>
+                    </a:schemeClr>
+                  </a:outerShdw>
+                </a:effectLst>
+                <a:latin typeface="Exo 2 Extra Light" panose="00000300000000000000" pitchFamily="50" charset="0"/>
+              </a:rPr>
+              <a:t>Desenvolvimento dos processos de help desk</a:t>
+            </a:r>
+          </a:p>
+          <a:p>
+            <a:pPr algn="r"/>
+            <a:r>
+              <a:rPr lang="pt-BR" b="1" dirty="0">
+                <a:ln w="0"/>
+                <a:solidFill>
+                  <a:schemeClr val="bg1"/>
+                </a:solidFill>
+                <a:effectLst>
+                  <a:outerShdw blurRad="38100" dist="19050" dir="2700000" algn="tl" rotWithShape="0">
+                    <a:schemeClr val="dk1">
+                      <a:alpha val="40000"/>
+                    </a:schemeClr>
+                  </a:outerShdw>
+                </a:effectLst>
+                <a:latin typeface="Exo 2 Extra Light" panose="00000300000000000000" pitchFamily="50" charset="0"/>
+              </a:rPr>
+              <a:t>Auxílio na documentação do projeto</a:t>
+            </a:r>
+          </a:p>
+        </p:txBody>
+      </p:sp>
+      <p:pic>
+        <p:nvPicPr>
+          <p:cNvPr id="10" name="Imagem 9"/>
+          <p:cNvPicPr>
+            <a:picLocks noChangeAspect="1"/>
+          </p:cNvPicPr>
+          <p:nvPr/>
+        </p:nvPicPr>
+        <p:blipFill>
+          <a:blip r:embed="rId11" cstate="print">
+            <a:extLst>
+              <a:ext uri="{28A0092B-C50C-407E-A947-70E740481C1C}">
+                <a14:useLocalDpi xmlns:a14="http://schemas.microsoft.com/office/drawing/2010/main" val="0"/>
+              </a:ext>
+            </a:extLst>
+          </a:blip>
+          <a:stretch>
+            <a:fillRect/>
+          </a:stretch>
+        </p:blipFill>
+        <p:spPr>
+          <a:xfrm>
+            <a:off x="9970383" y="1732482"/>
+            <a:ext cx="1609101" cy="1609101"/>
+          </a:xfrm>
+          <a:prstGeom prst="rect">
+            <a:avLst/>
+          </a:prstGeom>
+        </p:spPr>
+      </p:pic>
+      <p:sp>
+        <p:nvSpPr>
+          <p:cNvPr id="30" name="Retângulo 29"/>
+          <p:cNvSpPr/>
+          <p:nvPr/>
+        </p:nvSpPr>
+        <p:spPr>
+          <a:xfrm>
+            <a:off x="2019481" y="214963"/>
+            <a:ext cx="3437737" cy="400110"/>
+          </a:xfrm>
+          <a:prstGeom prst="rect">
+            <a:avLst/>
+          </a:prstGeom>
+          <a:noFill/>
+          <a:effectLst/>
+        </p:spPr>
+        <p:txBody>
+          <a:bodyPr wrap="square" lIns="91440" tIns="45720" rIns="91440" bIns="45720">
+            <a:spAutoFit/>
+          </a:bodyPr>
+          <a:lstStyle/>
+          <a:p>
+            <a:pPr algn="ctr"/>
+            <a:r>
+              <a:rPr lang="pt-BR" sz="2000" b="1" dirty="0">
+                <a:ln w="0"/>
+                <a:solidFill>
+                  <a:schemeClr val="bg1"/>
+                </a:solidFill>
+                <a:effectLst>
+                  <a:outerShdw blurRad="38100" dist="19050" dir="2700000" algn="tl" rotWithShape="0">
+                    <a:schemeClr val="dk1">
+                      <a:alpha val="40000"/>
+                    </a:schemeClr>
+                  </a:outerShdw>
+                </a:effectLst>
+                <a:latin typeface="Exo 2 Extra Light" panose="00000300000000000000" pitchFamily="50" charset="0"/>
+              </a:rPr>
+              <a:t>PRODUCT OWNER</a:t>
+            </a:r>
+            <a:endParaRPr lang="pt-BR" sz="2000" b="1" cap="none" spc="0" dirty="0">
+              <a:ln w="0"/>
+              <a:solidFill>
+                <a:schemeClr val="bg1"/>
+              </a:solidFill>
+              <a:effectLst>
+                <a:outerShdw blurRad="38100" dist="19050" dir="2700000" algn="tl" rotWithShape="0">
+                  <a:schemeClr val="dk1">
+                    <a:alpha val="40000"/>
+                  </a:schemeClr>
+                </a:outerShdw>
+              </a:effectLst>
+              <a:latin typeface="Exo 2 Extra Light" panose="00000300000000000000" pitchFamily="50" charset="0"/>
+            </a:endParaRPr>
+          </a:p>
+        </p:txBody>
+      </p:sp>
+      <p:sp>
+        <p:nvSpPr>
+          <p:cNvPr id="47" name="Retângulo 46"/>
+          <p:cNvSpPr/>
+          <p:nvPr/>
+        </p:nvSpPr>
+        <p:spPr>
+          <a:xfrm>
+            <a:off x="6902105" y="1562587"/>
+            <a:ext cx="3437737" cy="400110"/>
+          </a:xfrm>
+          <a:prstGeom prst="rect">
+            <a:avLst/>
+          </a:prstGeom>
+          <a:noFill/>
+          <a:effectLst/>
+        </p:spPr>
+        <p:txBody>
+          <a:bodyPr wrap="square" lIns="91440" tIns="45720" rIns="91440" bIns="45720">
+            <a:spAutoFit/>
+          </a:bodyPr>
+          <a:lstStyle/>
+          <a:p>
+            <a:pPr algn="ctr"/>
+            <a:r>
+              <a:rPr lang="pt-BR" sz="2000" b="1" dirty="0">
+                <a:ln w="0"/>
+                <a:solidFill>
+                  <a:schemeClr val="bg1"/>
+                </a:solidFill>
+                <a:effectLst>
+                  <a:outerShdw blurRad="38100" dist="19050" dir="2700000" algn="tl" rotWithShape="0">
+                    <a:schemeClr val="dk1">
+                      <a:alpha val="40000"/>
+                    </a:schemeClr>
+                  </a:outerShdw>
+                </a:effectLst>
+                <a:latin typeface="Exo 2 Extra Light" panose="00000300000000000000" pitchFamily="50" charset="0"/>
+              </a:rPr>
+              <a:t>SCRUM MASTER</a:t>
+            </a:r>
+            <a:endParaRPr lang="pt-BR" sz="2000" b="1" cap="none" spc="0" dirty="0">
+              <a:ln w="0"/>
+              <a:solidFill>
+                <a:schemeClr val="bg1"/>
+              </a:solidFill>
+              <a:effectLst>
+                <a:outerShdw blurRad="38100" dist="19050" dir="2700000" algn="tl" rotWithShape="0">
+                  <a:schemeClr val="dk1">
+                    <a:alpha val="40000"/>
+                  </a:schemeClr>
+                </a:outerShdw>
+              </a:effectLst>
+              <a:latin typeface="Exo 2 Extra Light" panose="00000300000000000000" pitchFamily="50" charset="0"/>
+            </a:endParaRPr>
+          </a:p>
+        </p:txBody>
+      </p:sp>
+      <p:sp>
+        <p:nvSpPr>
+          <p:cNvPr id="48" name="Retângulo 47"/>
+          <p:cNvSpPr/>
+          <p:nvPr/>
+        </p:nvSpPr>
+        <p:spPr>
+          <a:xfrm>
+            <a:off x="1642431" y="2972082"/>
+            <a:ext cx="3437737" cy="400110"/>
+          </a:xfrm>
+          <a:prstGeom prst="rect">
+            <a:avLst/>
+          </a:prstGeom>
+          <a:noFill/>
+          <a:effectLst/>
+        </p:spPr>
+        <p:txBody>
+          <a:bodyPr wrap="square" lIns="91440" tIns="45720" rIns="91440" bIns="45720">
+            <a:spAutoFit/>
+          </a:bodyPr>
+          <a:lstStyle/>
+          <a:p>
+            <a:pPr algn="ctr"/>
+            <a:r>
+              <a:rPr lang="pt-BR" sz="2000" b="1" dirty="0">
+                <a:ln w="0"/>
+                <a:solidFill>
+                  <a:schemeClr val="bg1"/>
+                </a:solidFill>
+                <a:effectLst>
+                  <a:outerShdw blurRad="38100" dist="19050" dir="2700000" algn="tl" rotWithShape="0">
+                    <a:schemeClr val="dk1">
+                      <a:alpha val="40000"/>
+                    </a:schemeClr>
+                  </a:outerShdw>
+                </a:effectLst>
+                <a:latin typeface="Exo 2 Extra Light" panose="00000300000000000000" pitchFamily="50" charset="0"/>
+              </a:rPr>
+              <a:t>DEV TEAM</a:t>
+            </a:r>
+            <a:endParaRPr lang="pt-BR" sz="2000" b="1" cap="none" spc="0" dirty="0">
+              <a:ln w="0"/>
+              <a:solidFill>
+                <a:schemeClr val="bg1"/>
+              </a:solidFill>
+              <a:effectLst>
+                <a:outerShdw blurRad="38100" dist="19050" dir="2700000" algn="tl" rotWithShape="0">
+                  <a:schemeClr val="dk1">
+                    <a:alpha val="40000"/>
+                  </a:schemeClr>
+                </a:outerShdw>
+              </a:effectLst>
+              <a:latin typeface="Exo 2 Extra Light" panose="00000300000000000000" pitchFamily="50" charset="0"/>
+            </a:endParaRPr>
+          </a:p>
+        </p:txBody>
+      </p:sp>
+      <p:sp>
+        <p:nvSpPr>
+          <p:cNvPr id="49" name="Retângulo 48"/>
+          <p:cNvSpPr/>
+          <p:nvPr/>
+        </p:nvSpPr>
+        <p:spPr>
+          <a:xfrm>
+            <a:off x="7194418" y="4381703"/>
+            <a:ext cx="3437737" cy="400110"/>
+          </a:xfrm>
+          <a:prstGeom prst="rect">
+            <a:avLst/>
+          </a:prstGeom>
+          <a:noFill/>
+          <a:effectLst/>
+        </p:spPr>
+        <p:txBody>
+          <a:bodyPr wrap="square" lIns="91440" tIns="45720" rIns="91440" bIns="45720">
+            <a:spAutoFit/>
+          </a:bodyPr>
+          <a:lstStyle/>
+          <a:p>
+            <a:pPr algn="ctr"/>
+            <a:r>
+              <a:rPr lang="pt-BR" sz="2000" b="1" dirty="0">
+                <a:ln w="0"/>
+                <a:solidFill>
+                  <a:schemeClr val="bg1"/>
+                </a:solidFill>
+                <a:effectLst>
+                  <a:outerShdw blurRad="38100" dist="19050" dir="2700000" algn="tl" rotWithShape="0">
+                    <a:schemeClr val="dk1">
+                      <a:alpha val="40000"/>
+                    </a:schemeClr>
+                  </a:outerShdw>
+                </a:effectLst>
+                <a:latin typeface="Exo 2 Extra Light" panose="00000300000000000000" pitchFamily="50" charset="0"/>
+              </a:rPr>
+              <a:t>DEV TEAM</a:t>
+            </a:r>
+            <a:endParaRPr lang="pt-BR" sz="2000" b="1" cap="none" spc="0" dirty="0">
+              <a:ln w="0"/>
+              <a:solidFill>
+                <a:schemeClr val="bg1"/>
+              </a:solidFill>
+              <a:effectLst>
+                <a:outerShdw blurRad="38100" dist="19050" dir="2700000" algn="tl" rotWithShape="0">
+                  <a:schemeClr val="dk1">
+                    <a:alpha val="40000"/>
+                  </a:schemeClr>
+                </a:outerShdw>
+              </a:effectLst>
+              <a:latin typeface="Exo 2 Extra Light" panose="00000300000000000000" pitchFamily="50" charset="0"/>
+            </a:endParaRPr>
+          </a:p>
+        </p:txBody>
+      </p:sp>
+    </p:spTree>
+    <p:extLst>
+      <p:ext uri="{BB962C8B-B14F-4D97-AF65-F5344CB8AC3E}">
+        <p14:creationId xmlns:p14="http://schemas.microsoft.com/office/powerpoint/2010/main" val="3330219946"/>
       </p:ext>
     </p:extLst>
   </p:cSld>
@@ -30280,7 +29996,7 @@
   <a:extraClrSchemeLst/>
   <a:extLst>
     <a:ext uri="{05A4C25C-085E-4340-85A3-A5531E510DB2}">
-      <thm15:themeFamily xmlns="" xmlns:thm15="http://schemas.microsoft.com/office/thememl/2012/main" name="Office Theme" id="{62F939B6-93AF-4DB8-9C6B-D6C7DFDC589F}" vid="{4A3C46E8-61CC-4603-A589-7422A47A8E4A}"/>
+      <thm15:themeFamily xmlns:thm15="http://schemas.microsoft.com/office/thememl/2012/main" xmlns="" name="Office Theme" id="{62F939B6-93AF-4DB8-9C6B-D6C7DFDC589F}" vid="{4A3C46E8-61CC-4603-A589-7422A47A8E4A}"/>
     </a:ext>
   </a:extLst>
 </a:theme>

--- a/Apresentação/inSensorSemFinal.pptx
+++ b/Apresentação/inSensorSemFinal.pptx
@@ -5876,6 +5876,13 @@
   <p:clrMapOvr>
     <a:masterClrMapping/>
   </p:clrMapOvr>
+  <p:timing>
+    <p:tnLst>
+      <p:par>
+        <p:cTn id="1" dur="indefinite" restart="never" nodeType="tmRoot"/>
+      </p:par>
+    </p:tnLst>
+  </p:timing>
 </p:sld>
 </file>
 
@@ -6246,7 +6253,7 @@
         <p:spPr>
           <a:xfrm>
             <a:off x="5155032" y="2686142"/>
-            <a:ext cx="4672218" cy="584775"/>
+            <a:ext cx="6630568" cy="584775"/>
           </a:xfrm>
           <a:prstGeom prst="rect">
             <a:avLst/>
@@ -6260,9 +6267,12 @@
           </a:bodyPr>
           <a:lstStyle/>
           <a:p>
-            <a:pPr algn="just"/>
+            <a:pPr marL="457200" indent="-457200" algn="just">
+              <a:buFont typeface="Arial" panose="020B0604020202020204" pitchFamily="34" charset="0"/>
+              <a:buChar char="•"/>
+            </a:pPr>
             <a:r>
-              <a:rPr lang="pt-BR" sz="3200" b="1" cap="none" spc="0" dirty="0">
+              <a:rPr lang="pt-BR" sz="3200" b="1" cap="none" spc="0" dirty="0" smtClean="0">
                 <a:ln w="0"/>
                 <a:solidFill>
                   <a:schemeClr val="bg1"/>
@@ -6278,6 +6288,20 @@
               </a:rPr>
               <a:t>ALTA DISPONIBILIDADE</a:t>
             </a:r>
+            <a:endParaRPr lang="pt-BR" sz="3200" b="1" cap="none" spc="0" dirty="0">
+              <a:ln w="0"/>
+              <a:solidFill>
+                <a:schemeClr val="bg1"/>
+              </a:solidFill>
+              <a:effectLst>
+                <a:outerShdw blurRad="38100" dist="19050" dir="2700000" algn="tl" rotWithShape="0">
+                  <a:schemeClr val="dk1">
+                    <a:alpha val="40000"/>
+                  </a:schemeClr>
+                </a:outerShdw>
+              </a:effectLst>
+              <a:latin typeface="Exo 2 Extra Light" panose="00000300000000000000" pitchFamily="2" charset="0"/>
+            </a:endParaRPr>
           </a:p>
         </p:txBody>
       </p:sp>
@@ -6304,7 +6328,10 @@
           </a:bodyPr>
           <a:lstStyle/>
           <a:p>
-            <a:pPr algn="just"/>
+            <a:pPr marL="457200" indent="-457200" algn="just">
+              <a:buFont typeface="Arial" panose="020B0604020202020204" pitchFamily="34" charset="0"/>
+              <a:buChar char="•"/>
+            </a:pPr>
             <a:r>
               <a:rPr lang="pt-BR" sz="3200" b="1" cap="none" spc="0" dirty="0">
                 <a:ln w="0"/>
@@ -6348,7 +6375,10 @@
           </a:bodyPr>
           <a:lstStyle/>
           <a:p>
-            <a:pPr algn="just"/>
+            <a:pPr marL="457200" indent="-457200" algn="just">
+              <a:buFont typeface="Arial" panose="020B0604020202020204" pitchFamily="34" charset="0"/>
+              <a:buChar char="•"/>
+            </a:pPr>
             <a:r>
               <a:rPr lang="pt-BR" sz="3200" b="1" dirty="0">
                 <a:ln w="0"/>
@@ -6393,6 +6423,13 @@
   <p:clrMapOvr>
     <a:masterClrMapping/>
   </p:clrMapOvr>
+  <p:timing>
+    <p:tnLst>
+      <p:par>
+        <p:cTn id="1" dur="indefinite" restart="never" nodeType="tmRoot"/>
+      </p:par>
+    </p:tnLst>
+  </p:timing>
 </p:sld>
 </file>
 
@@ -6670,6 +6707,13 @@
   <p:clrMapOvr>
     <a:masterClrMapping/>
   </p:clrMapOvr>
+  <p:timing>
+    <p:tnLst>
+      <p:par>
+        <p:cTn id="1" dur="indefinite" restart="never" nodeType="tmRoot"/>
+      </p:par>
+    </p:tnLst>
+  </p:timing>
 </p:sld>
 </file>
 
@@ -8556,6 +8600,13 @@
   <p:clrMapOvr>
     <a:masterClrMapping/>
   </p:clrMapOvr>
+  <p:timing>
+    <p:tnLst>
+      <p:par>
+        <p:cTn id="1" dur="indefinite" restart="never" nodeType="tmRoot"/>
+      </p:par>
+    </p:tnLst>
+  </p:timing>
 </p:sld>
 </file>
 

--- a/Apresentação/inSensorSemFinal.pptx
+++ b/Apresentação/inSensorSemFinal.pptx
@@ -18330,10 +18330,10 @@
       </p:sp>
       <p:grpSp>
         <p:nvGrpSpPr>
-          <p:cNvPr id="4" name="Agrupar 3">
+          <p:cNvPr id="2" name="Agrupar 1">
             <a:extLst>
               <a:ext uri="{FF2B5EF4-FFF2-40B4-BE49-F238E27FC236}">
-                <a16:creationId xmlns:a16="http://schemas.microsoft.com/office/drawing/2014/main" id="{E96CBED3-B504-4918-86A9-669536BCBA6E}"/>
+                <a16:creationId xmlns:a16="http://schemas.microsoft.com/office/drawing/2014/main" id="{F67FD2A4-F701-4D24-9E33-27478367A14D}"/>
               </a:ext>
             </a:extLst>
           </p:cNvPr>
@@ -18342,10 +18342,10 @@
         </p:nvGrpSpPr>
         <p:grpSpPr>
           <a:xfrm>
-            <a:off x="2389748" y="1932720"/>
-            <a:ext cx="7412504" cy="2692239"/>
-            <a:chOff x="372596" y="1211096"/>
-            <a:chExt cx="7412504" cy="2692239"/>
+            <a:off x="4072838" y="1405838"/>
+            <a:ext cx="4046324" cy="4046324"/>
+            <a:chOff x="2389748" y="1932720"/>
+            <a:chExt cx="2692239" cy="2692239"/>
           </a:xfrm>
         </p:grpSpPr>
         <p:sp>
@@ -18362,7 +18362,7 @@
           </p:nvSpPr>
           <p:spPr>
             <a:xfrm>
-              <a:off x="372596" y="1211096"/>
+              <a:off x="2389748" y="1932720"/>
               <a:ext cx="2692239" cy="2692239"/>
             </a:xfrm>
             <a:prstGeom prst="ellipse">
@@ -18431,7 +18431,7 @@
           </p:blipFill>
           <p:spPr bwMode="auto">
             <a:xfrm>
-              <a:off x="917172" y="2003820"/>
+              <a:off x="2934324" y="2725444"/>
               <a:ext cx="1603085" cy="1081390"/>
             </a:xfrm>
             <a:prstGeom prst="rect">
@@ -18449,6 +18449,27 @@
             </a:extLst>
           </p:spPr>
         </p:pic>
+      </p:grpSp>
+      <p:grpSp>
+        <p:nvGrpSpPr>
+          <p:cNvPr id="6" name="Agrupar 5">
+            <a:extLst>
+              <a:ext uri="{FF2B5EF4-FFF2-40B4-BE49-F238E27FC236}">
+                <a16:creationId xmlns:a16="http://schemas.microsoft.com/office/drawing/2014/main" id="{C7FD154B-60F7-4F3A-BB3B-0F376FF5C084}"/>
+              </a:ext>
+            </a:extLst>
+          </p:cNvPr>
+          <p:cNvGrpSpPr/>
+          <p:nvPr/>
+        </p:nvGrpSpPr>
+        <p:grpSpPr>
+          <a:xfrm>
+            <a:off x="5257626" y="2611194"/>
+            <a:ext cx="4544626" cy="1536363"/>
+            <a:chOff x="5257626" y="2519284"/>
+            <a:chExt cx="4544626" cy="1536363"/>
+          </a:xfrm>
+        </p:grpSpPr>
         <p:sp>
           <p:nvSpPr>
             <p:cNvPr id="14" name="Retângulo 13"/>
@@ -18457,7 +18478,7 @@
           </p:nvSpPr>
           <p:spPr>
             <a:xfrm>
-              <a:off x="3240474" y="1797660"/>
+              <a:off x="5257626" y="2519284"/>
               <a:ext cx="3781646" cy="707886"/>
             </a:xfrm>
             <a:prstGeom prst="rect">
@@ -18521,7 +18542,7 @@
           </p:nvSpPr>
           <p:spPr>
             <a:xfrm>
-              <a:off x="3240474" y="2379916"/>
+              <a:off x="5257626" y="3101540"/>
               <a:ext cx="4544626" cy="954107"/>
             </a:xfrm>
             <a:prstGeom prst="rect">
@@ -18628,10 +18649,10 @@
       </p:grpSp>
       <p:grpSp>
         <p:nvGrpSpPr>
-          <p:cNvPr id="5" name="Agrupar 4">
+          <p:cNvPr id="7" name="Agrupar 6">
             <a:extLst>
               <a:ext uri="{FF2B5EF4-FFF2-40B4-BE49-F238E27FC236}">
-                <a16:creationId xmlns:a16="http://schemas.microsoft.com/office/drawing/2014/main" id="{B580CE48-5B03-4195-AFB9-305A8EB4BAFB}"/>
+                <a16:creationId xmlns:a16="http://schemas.microsoft.com/office/drawing/2014/main" id="{6F16F505-F314-4044-BB0C-9E81B40CEB46}"/>
               </a:ext>
             </a:extLst>
           </p:cNvPr>
@@ -18640,10 +18661,10 @@
         </p:nvGrpSpPr>
         <p:grpSpPr>
           <a:xfrm>
-            <a:off x="3029972" y="3699164"/>
-            <a:ext cx="8802693" cy="2692239"/>
-            <a:chOff x="3029972" y="3699164"/>
-            <a:chExt cx="8802693" cy="2692239"/>
+            <a:off x="9140426" y="3699164"/>
+            <a:ext cx="2692239" cy="2692239"/>
+            <a:chOff x="9140426" y="3699164"/>
+            <a:chExt cx="2692239" cy="2692239"/>
           </a:xfrm>
         </p:grpSpPr>
         <p:sp>
@@ -18728,6 +18749,27 @@
             </a:prstGeom>
           </p:spPr>
         </p:pic>
+      </p:grpSp>
+      <p:grpSp>
+        <p:nvGrpSpPr>
+          <p:cNvPr id="8" name="Agrupar 7">
+            <a:extLst>
+              <a:ext uri="{FF2B5EF4-FFF2-40B4-BE49-F238E27FC236}">
+                <a16:creationId xmlns:a16="http://schemas.microsoft.com/office/drawing/2014/main" id="{37618340-2D6F-4B65-A886-6F7CDA68E60B}"/>
+              </a:ext>
+            </a:extLst>
+          </p:cNvPr>
+          <p:cNvGrpSpPr/>
+          <p:nvPr/>
+        </p:nvGrpSpPr>
+        <p:grpSpPr>
+          <a:xfrm>
+            <a:off x="2945154" y="4161482"/>
+            <a:ext cx="5992519" cy="1576298"/>
+            <a:chOff x="2945154" y="4161482"/>
+            <a:chExt cx="5992519" cy="1576298"/>
+          </a:xfrm>
+        </p:grpSpPr>
         <p:sp>
           <p:nvSpPr>
             <p:cNvPr id="27" name="Retângulo 26">
@@ -18742,7 +18784,7 @@
           </p:nvSpPr>
           <p:spPr>
             <a:xfrm>
-              <a:off x="3898901" y="4161482"/>
+              <a:off x="3814083" y="4161482"/>
               <a:ext cx="5123590" cy="707886"/>
             </a:xfrm>
             <a:prstGeom prst="rect">
@@ -18806,7 +18848,7 @@
           </p:nvSpPr>
           <p:spPr>
             <a:xfrm>
-              <a:off x="3029972" y="4783673"/>
+              <a:off x="2945154" y="4783673"/>
               <a:ext cx="5992518" cy="954107"/>
             </a:xfrm>
             <a:prstGeom prst="rect">
@@ -18965,6 +19007,18 @@
   <p:clrMapOvr>
     <a:masterClrMapping/>
   </p:clrMapOvr>
+  <mc:AlternateContent xmlns:mc="http://schemas.openxmlformats.org/markup-compatibility/2006">
+    <mc:Choice xmlns:p14="http://schemas.microsoft.com/office/powerpoint/2010/main" Requires="p14">
+      <p:transition spd="med" p14:dur="700">
+        <p:fade/>
+      </p:transition>
+    </mc:Choice>
+    <mc:Fallback>
+      <p:transition spd="med">
+        <p:fade/>
+      </p:transition>
+    </mc:Fallback>
+  </mc:AlternateContent>
   <p:timing>
     <p:tnLst>
       <p:par>
@@ -18977,9 +19031,6 @@
                     <p:cTn id="3" fill="hold">
                       <p:stCondLst>
                         <p:cond delay="indefinite"/>
-                        <p:cond evt="onBegin" delay="0">
-                          <p:tn val="2"/>
-                        </p:cond>
                       </p:stCondLst>
                       <p:childTnLst>
                         <p:par>
@@ -18989,20 +19040,184 @@
                             </p:stCondLst>
                             <p:childTnLst>
                               <p:par>
-                                <p:cTn id="5" presetID="42" presetClass="entr" presetSubtype="0" fill="hold" nodeType="afterEffect">
+                                <p:cTn id="5" presetID="6" presetClass="emph" presetSubtype="0" fill="hold" nodeType="clickEffect">
+                                  <p:stCondLst>
+                                    <p:cond delay="0"/>
+                                  </p:stCondLst>
+                                  <p:childTnLst>
+                                    <p:animScale>
+                                      <p:cBhvr>
+                                        <p:cTn id="6" dur="300" fill="hold"/>
+                                        <p:tgtEl>
+                                          <p:spTgt spid="2"/>
+                                        </p:tgtEl>
+                                      </p:cBhvr>
+                                      <p:by x="67000" y="67000"/>
+                                    </p:animScale>
+                                  </p:childTnLst>
+                                </p:cTn>
+                              </p:par>
+                            </p:childTnLst>
+                          </p:cTn>
+                        </p:par>
+                        <p:par>
+                          <p:cTn id="7" fill="hold">
+                            <p:stCondLst>
+                              <p:cond delay="300"/>
+                            </p:stCondLst>
+                            <p:childTnLst>
+                              <p:par>
+                                <p:cTn id="8" presetID="42" presetClass="path" presetSubtype="0" accel="50000" decel="50000" fill="hold" nodeType="afterEffect">
+                                  <p:stCondLst>
+                                    <p:cond delay="0"/>
+                                  </p:stCondLst>
+                                  <p:childTnLst>
+                                    <p:animMotion origin="layout" path="M 0 0 L -0.19167 0 " pathEditMode="relative" rAng="0" ptsTypes="AA">
+                                      <p:cBhvr>
+                                        <p:cTn id="9" dur="500" fill="hold"/>
+                                        <p:tgtEl>
+                                          <p:spTgt spid="2"/>
+                                        </p:tgtEl>
+                                        <p:attrNameLst>
+                                          <p:attrName>ppt_x</p:attrName>
+                                          <p:attrName>ppt_y</p:attrName>
+                                        </p:attrNameLst>
+                                      </p:cBhvr>
+                                      <p:rCtr x="-9583" y="0"/>
+                                    </p:animMotion>
+                                  </p:childTnLst>
+                                </p:cTn>
+                              </p:par>
+                            </p:childTnLst>
+                          </p:cTn>
+                        </p:par>
+                        <p:par>
+                          <p:cTn id="10" fill="hold">
+                            <p:stCondLst>
+                              <p:cond delay="800"/>
+                            </p:stCondLst>
+                            <p:childTnLst>
+                              <p:par>
+                                <p:cTn id="11" presetID="22" presetClass="entr" presetSubtype="8" fill="hold" nodeType="afterEffect">
                                   <p:stCondLst>
                                     <p:cond delay="0"/>
                                   </p:stCondLst>
                                   <p:childTnLst>
                                     <p:set>
                                       <p:cBhvr>
-                                        <p:cTn id="6" dur="1" fill="hold">
+                                        <p:cTn id="12" dur="1" fill="hold">
                                           <p:stCondLst>
                                             <p:cond delay="0"/>
                                           </p:stCondLst>
                                         </p:cTn>
                                         <p:tgtEl>
-                                          <p:spTgt spid="4"/>
+                                          <p:spTgt spid="6"/>
+                                        </p:tgtEl>
+                                        <p:attrNameLst>
+                                          <p:attrName>style.visibility</p:attrName>
+                                        </p:attrNameLst>
+                                      </p:cBhvr>
+                                      <p:to>
+                                        <p:strVal val="visible"/>
+                                      </p:to>
+                                    </p:set>
+                                    <p:animEffect transition="in" filter="wipe(left)">
+                                      <p:cBhvr>
+                                        <p:cTn id="13" dur="500"/>
+                                        <p:tgtEl>
+                                          <p:spTgt spid="6"/>
+                                        </p:tgtEl>
+                                      </p:cBhvr>
+                                    </p:animEffect>
+                                  </p:childTnLst>
+                                </p:cTn>
+                              </p:par>
+                            </p:childTnLst>
+                          </p:cTn>
+                        </p:par>
+                      </p:childTnLst>
+                    </p:cTn>
+                  </p:par>
+                  <p:par>
+                    <p:cTn id="14" fill="hold">
+                      <p:stCondLst>
+                        <p:cond delay="indefinite"/>
+                      </p:stCondLst>
+                      <p:childTnLst>
+                        <p:par>
+                          <p:cTn id="15" fill="hold">
+                            <p:stCondLst>
+                              <p:cond delay="0"/>
+                            </p:stCondLst>
+                            <p:childTnLst>
+                              <p:par>
+                                <p:cTn id="16" presetID="42" presetClass="path" presetSubtype="0" accel="50000" decel="50000" fill="hold" nodeType="clickEffect">
+                                  <p:stCondLst>
+                                    <p:cond delay="0"/>
+                                  </p:stCondLst>
+                                  <p:childTnLst>
+                                    <p:animMotion origin="layout" path="M -0.19167 0 L -0.34167 -0.11921 " pathEditMode="relative" rAng="0" ptsTypes="AA">
+                                      <p:cBhvr>
+                                        <p:cTn id="17" dur="500" fill="hold"/>
+                                        <p:tgtEl>
+                                          <p:spTgt spid="2"/>
+                                        </p:tgtEl>
+                                        <p:attrNameLst>
+                                          <p:attrName>ppt_x</p:attrName>
+                                          <p:attrName>ppt_y</p:attrName>
+                                        </p:attrNameLst>
+                                      </p:cBhvr>
+                                      <p:rCtr x="-7500" y="-5972"/>
+                                    </p:animMotion>
+                                  </p:childTnLst>
+                                </p:cTn>
+                              </p:par>
+                              <p:par>
+                                <p:cTn id="18" presetID="42" presetClass="path" presetSubtype="0" accel="50000" decel="50000" fill="hold" nodeType="withEffect">
+                                  <p:stCondLst>
+                                    <p:cond delay="0"/>
+                                  </p:stCondLst>
+                                  <p:childTnLst>
+                                    <p:animMotion origin="layout" path="M 1.875E-6 -4.07407E-6 L -0.14492 -0.11203 " pathEditMode="relative" rAng="0" ptsTypes="AA">
+                                      <p:cBhvr>
+                                        <p:cTn id="19" dur="500" fill="hold"/>
+                                        <p:tgtEl>
+                                          <p:spTgt spid="6"/>
+                                        </p:tgtEl>
+                                        <p:attrNameLst>
+                                          <p:attrName>ppt_x</p:attrName>
+                                          <p:attrName>ppt_y</p:attrName>
+                                        </p:attrNameLst>
+                                      </p:cBhvr>
+                                      <p:rCtr x="-7253" y="-5602"/>
+                                    </p:animMotion>
+                                  </p:childTnLst>
+                                </p:cTn>
+                              </p:par>
+                            </p:childTnLst>
+                          </p:cTn>
+                        </p:par>
+                        <p:par>
+                          <p:cTn id="20" fill="hold">
+                            <p:stCondLst>
+                              <p:cond delay="500"/>
+                            </p:stCondLst>
+                            <p:childTnLst>
+                              <p:par>
+                                <p:cTn id="21" presetID="10" presetClass="entr" presetSubtype="0" fill="hold" nodeType="afterEffect">
+                                  <p:stCondLst>
+                                    <p:cond delay="0"/>
+                                  </p:stCondLst>
+                                  <p:childTnLst>
+                                    <p:set>
+                                      <p:cBhvr>
+                                        <p:cTn id="22" dur="1" fill="hold">
+                                          <p:stCondLst>
+                                            <p:cond delay="0"/>
+                                          </p:stCondLst>
+                                        </p:cTn>
+                                        <p:tgtEl>
+                                          <p:spTgt spid="7"/>
                                         </p:tgtEl>
                                         <p:attrNameLst>
                                           <p:attrName>style.visibility</p:attrName>
@@ -19014,125 +19229,30 @@
                                     </p:set>
                                     <p:animEffect transition="in" filter="fade">
                                       <p:cBhvr>
-                                        <p:cTn id="7" dur="500"/>
+                                        <p:cTn id="23" dur="500"/>
                                         <p:tgtEl>
-                                          <p:spTgt spid="4"/>
+                                          <p:spTgt spid="7"/>
                                         </p:tgtEl>
                                       </p:cBhvr>
                                     </p:animEffect>
-                                    <p:anim calcmode="lin" valueType="num">
-                                      <p:cBhvr>
-                                        <p:cTn id="8" dur="500" fill="hold"/>
-                                        <p:tgtEl>
-                                          <p:spTgt spid="4"/>
-                                        </p:tgtEl>
-                                        <p:attrNameLst>
-                                          <p:attrName>ppt_x</p:attrName>
-                                        </p:attrNameLst>
-                                      </p:cBhvr>
-                                      <p:tavLst>
-                                        <p:tav tm="0">
-                                          <p:val>
-                                            <p:strVal val="#ppt_x"/>
-                                          </p:val>
-                                        </p:tav>
-                                        <p:tav tm="100000">
-                                          <p:val>
-                                            <p:strVal val="#ppt_x"/>
-                                          </p:val>
-                                        </p:tav>
-                                      </p:tavLst>
-                                    </p:anim>
-                                    <p:anim calcmode="lin" valueType="num">
-                                      <p:cBhvr>
-                                        <p:cTn id="9" dur="500" fill="hold"/>
-                                        <p:tgtEl>
-                                          <p:spTgt spid="4"/>
-                                        </p:tgtEl>
-                                        <p:attrNameLst>
-                                          <p:attrName>ppt_y</p:attrName>
-                                        </p:attrNameLst>
-                                      </p:cBhvr>
-                                      <p:tavLst>
-                                        <p:tav tm="0">
-                                          <p:val>
-                                            <p:strVal val="#ppt_y+.1"/>
-                                          </p:val>
-                                        </p:tav>
-                                        <p:tav tm="100000">
-                                          <p:val>
-                                            <p:strVal val="#ppt_y"/>
-                                          </p:val>
-                                        </p:tav>
-                                      </p:tavLst>
-                                    </p:anim>
                                   </p:childTnLst>
                                 </p:cTn>
                               </p:par>
-                            </p:childTnLst>
-                          </p:cTn>
-                        </p:par>
-                      </p:childTnLst>
-                    </p:cTn>
-                  </p:par>
-                  <p:par>
-                    <p:cTn id="10" fill="hold">
-                      <p:stCondLst>
-                        <p:cond delay="indefinite"/>
-                      </p:stCondLst>
-                      <p:childTnLst>
-                        <p:par>
-                          <p:cTn id="11" fill="hold">
-                            <p:stCondLst>
-                              <p:cond delay="0"/>
-                            </p:stCondLst>
-                            <p:childTnLst>
                               <p:par>
-                                <p:cTn id="12" presetID="42" presetClass="path" presetSubtype="0" accel="50000" decel="50000" fill="hold" nodeType="clickEffect">
-                                  <p:stCondLst>
-                                    <p:cond delay="0"/>
-                                  </p:stCondLst>
-                                  <p:childTnLst>
-                                    <p:animMotion origin="layout" path="M 0 7.40741E-7 L -0.16953 -0.11644 " pathEditMode="relative" rAng="0" ptsTypes="AA">
-                                      <p:cBhvr>
-                                        <p:cTn id="13" dur="750" fill="hold"/>
-                                        <p:tgtEl>
-                                          <p:spTgt spid="4"/>
-                                        </p:tgtEl>
-                                        <p:attrNameLst>
-                                          <p:attrName>ppt_x</p:attrName>
-                                          <p:attrName>ppt_y</p:attrName>
-                                        </p:attrNameLst>
-                                      </p:cBhvr>
-                                      <p:rCtr x="-8477" y="-5833"/>
-                                    </p:animMotion>
-                                  </p:childTnLst>
-                                </p:cTn>
-                              </p:par>
-                            </p:childTnLst>
-                          </p:cTn>
-                        </p:par>
-                        <p:par>
-                          <p:cTn id="14" fill="hold">
-                            <p:stCondLst>
-                              <p:cond delay="750"/>
-                            </p:stCondLst>
-                            <p:childTnLst>
-                              <p:par>
-                                <p:cTn id="15" presetID="42" presetClass="entr" presetSubtype="0" fill="hold" nodeType="afterEffect">
+                                <p:cTn id="24" presetID="22" presetClass="entr" presetSubtype="2" fill="hold" nodeType="withEffect">
                                   <p:stCondLst>
                                     <p:cond delay="0"/>
                                   </p:stCondLst>
                                   <p:childTnLst>
                                     <p:set>
                                       <p:cBhvr>
-                                        <p:cTn id="16" dur="1" fill="hold">
+                                        <p:cTn id="25" dur="1" fill="hold">
                                           <p:stCondLst>
                                             <p:cond delay="0"/>
                                           </p:stCondLst>
                                         </p:cTn>
                                         <p:tgtEl>
-                                          <p:spTgt spid="5"/>
+                                          <p:spTgt spid="8"/>
                                         </p:tgtEl>
                                         <p:attrNameLst>
                                           <p:attrName>style.visibility</p:attrName>
@@ -19142,60 +19262,14 @@
                                         <p:strVal val="visible"/>
                                       </p:to>
                                     </p:set>
-                                    <p:animEffect transition="in" filter="fade">
+                                    <p:animEffect transition="in" filter="wipe(right)">
                                       <p:cBhvr>
-                                        <p:cTn id="17" dur="400"/>
+                                        <p:cTn id="26" dur="500"/>
                                         <p:tgtEl>
-                                          <p:spTgt spid="5"/>
+                                          <p:spTgt spid="8"/>
                                         </p:tgtEl>
                                       </p:cBhvr>
                                     </p:animEffect>
-                                    <p:anim calcmode="lin" valueType="num">
-                                      <p:cBhvr>
-                                        <p:cTn id="18" dur="400" fill="hold"/>
-                                        <p:tgtEl>
-                                          <p:spTgt spid="5"/>
-                                        </p:tgtEl>
-                                        <p:attrNameLst>
-                                          <p:attrName>ppt_x</p:attrName>
-                                        </p:attrNameLst>
-                                      </p:cBhvr>
-                                      <p:tavLst>
-                                        <p:tav tm="0">
-                                          <p:val>
-                                            <p:strVal val="#ppt_x"/>
-                                          </p:val>
-                                        </p:tav>
-                                        <p:tav tm="100000">
-                                          <p:val>
-                                            <p:strVal val="#ppt_x"/>
-                                          </p:val>
-                                        </p:tav>
-                                      </p:tavLst>
-                                    </p:anim>
-                                    <p:anim calcmode="lin" valueType="num">
-                                      <p:cBhvr>
-                                        <p:cTn id="19" dur="400" fill="hold"/>
-                                        <p:tgtEl>
-                                          <p:spTgt spid="5"/>
-                                        </p:tgtEl>
-                                        <p:attrNameLst>
-                                          <p:attrName>ppt_y</p:attrName>
-                                        </p:attrNameLst>
-                                      </p:cBhvr>
-                                      <p:tavLst>
-                                        <p:tav tm="0">
-                                          <p:val>
-                                            <p:strVal val="#ppt_y+.1"/>
-                                          </p:val>
-                                        </p:tav>
-                                        <p:tav tm="100000">
-                                          <p:val>
-                                            <p:strVal val="#ppt_y"/>
-                                          </p:val>
-                                        </p:tav>
-                                      </p:tavLst>
-                                    </p:anim>
                                   </p:childTnLst>
                                 </p:cTn>
                               </p:par>
@@ -19356,7 +19430,7 @@
         <p:spPr>
           <a:xfrm>
             <a:off x="3824955" y="3452191"/>
-            <a:ext cx="2368190" cy="1325218"/>
+            <a:ext cx="2226717" cy="1163352"/>
           </a:xfrm>
           <a:prstGeom prst="line">
             <a:avLst/>
@@ -19399,8 +19473,8 @@
         </p:nvCxnSpPr>
         <p:spPr>
           <a:xfrm flipH="1">
-            <a:off x="6205968" y="3299791"/>
-            <a:ext cx="2368190" cy="1325218"/>
+            <a:off x="6095504" y="3299791"/>
+            <a:ext cx="2478654" cy="1315752"/>
           </a:xfrm>
           <a:prstGeom prst="line">
             <a:avLst/>
@@ -19441,7 +19515,7 @@
         </p:nvGrpSpPr>
         <p:grpSpPr>
           <a:xfrm>
-            <a:off x="4518730" y="230371"/>
+            <a:off x="4425195" y="230371"/>
             <a:ext cx="3327952" cy="2587609"/>
             <a:chOff x="2997752" y="1577931"/>
             <a:chExt cx="5769106" cy="4485699"/>
@@ -19769,7 +19843,7 @@
         </p:nvGrpSpPr>
         <p:grpSpPr>
           <a:xfrm>
-            <a:off x="4135354" y="1476378"/>
+            <a:off x="4025385" y="1632315"/>
             <a:ext cx="4141229" cy="4141229"/>
             <a:chOff x="2649376" y="2509560"/>
             <a:chExt cx="3644106" cy="3644106"/>
@@ -19973,7 +20047,7 @@
         </p:nvCxnSpPr>
         <p:spPr>
           <a:xfrm>
-            <a:off x="6190032" y="2953078"/>
+            <a:off x="6096497" y="2953078"/>
             <a:ext cx="0" cy="1009322"/>
           </a:xfrm>
           <a:prstGeom prst="line">
@@ -20064,7 +20138,7 @@
                                     <p:cond delay="0"/>
                                   </p:stCondLst>
                                   <p:childTnLst>
-                                    <p:animMotion origin="layout" path="M -4.375E-6 3.7037E-7 L -4.375E-6 0.23218 " pathEditMode="relative" rAng="0" ptsTypes="AA">
+                                    <p:animMotion origin="layout" path="M 0 -4.81481E-6 L 0 0.23218 " pathEditMode="relative" rAng="0" ptsTypes="AA">
                                       <p:cBhvr>
                                         <p:cTn id="9" dur="500" fill="hold"/>
                                         <p:tgtEl>
@@ -23891,6 +23965,115 @@
   <p:clrMapOvr>
     <a:masterClrMapping/>
   </p:clrMapOvr>
+  <p:timing>
+    <p:tnLst>
+      <p:par>
+        <p:cTn id="1" dur="indefinite" restart="never" nodeType="tmRoot">
+          <p:childTnLst>
+            <p:seq concurrent="1" nextAc="seek">
+              <p:cTn id="2" dur="indefinite" nodeType="mainSeq">
+                <p:childTnLst>
+                  <p:par>
+                    <p:cTn id="3" fill="hold">
+                      <p:stCondLst>
+                        <p:cond delay="indefinite"/>
+                      </p:stCondLst>
+                      <p:childTnLst>
+                        <p:par>
+                          <p:cTn id="4" fill="hold">
+                            <p:stCondLst>
+                              <p:cond delay="0"/>
+                            </p:stCondLst>
+                            <p:childTnLst>
+                              <p:par>
+                                <p:cTn id="5" presetID="26" presetClass="emph" presetSubtype="0" fill="hold" nodeType="clickEffect">
+                                  <p:stCondLst>
+                                    <p:cond delay="0"/>
+                                  </p:stCondLst>
+                                  <p:childTnLst>
+                                    <p:animEffect transition="out" filter="fade">
+                                      <p:cBhvr>
+                                        <p:cTn id="6" dur="500" tmFilter="0, 0; .2, .5; .8, .5; 1, 0"/>
+                                        <p:tgtEl>
+                                          <p:spTgt spid="7"/>
+                                        </p:tgtEl>
+                                      </p:cBhvr>
+                                    </p:animEffect>
+                                    <p:animScale>
+                                      <p:cBhvr>
+                                        <p:cTn id="7" dur="250" autoRev="1" fill="hold"/>
+                                        <p:tgtEl>
+                                          <p:spTgt spid="7"/>
+                                        </p:tgtEl>
+                                      </p:cBhvr>
+                                      <p:by x="105000" y="105000"/>
+                                    </p:animScale>
+                                  </p:childTnLst>
+                                </p:cTn>
+                              </p:par>
+                            </p:childTnLst>
+                          </p:cTn>
+                        </p:par>
+                        <p:par>
+                          <p:cTn id="8" fill="hold">
+                            <p:stCondLst>
+                              <p:cond delay="500"/>
+                            </p:stCondLst>
+                            <p:childTnLst>
+                              <p:par>
+                                <p:cTn id="9" presetID="26" presetClass="emph" presetSubtype="0" fill="hold" nodeType="afterEffect">
+                                  <p:stCondLst>
+                                    <p:cond delay="500"/>
+                                  </p:stCondLst>
+                                  <p:childTnLst>
+                                    <p:animEffect transition="out" filter="fade">
+                                      <p:cBhvr>
+                                        <p:cTn id="10" dur="500" tmFilter="0, 0; .2, .5; .8, .5; 1, 0"/>
+                                        <p:tgtEl>
+                                          <p:spTgt spid="10"/>
+                                        </p:tgtEl>
+                                      </p:cBhvr>
+                                    </p:animEffect>
+                                    <p:animScale>
+                                      <p:cBhvr>
+                                        <p:cTn id="11" dur="250" autoRev="1" fill="hold"/>
+                                        <p:tgtEl>
+                                          <p:spTgt spid="10"/>
+                                        </p:tgtEl>
+                                      </p:cBhvr>
+                                      <p:by x="105000" y="105000"/>
+                                    </p:animScale>
+                                  </p:childTnLst>
+                                </p:cTn>
+                              </p:par>
+                            </p:childTnLst>
+                          </p:cTn>
+                        </p:par>
+                      </p:childTnLst>
+                    </p:cTn>
+                  </p:par>
+                </p:childTnLst>
+              </p:cTn>
+              <p:prevCondLst>
+                <p:cond evt="onPrev" delay="0">
+                  <p:tgtEl>
+                    <p:sldTgt/>
+                  </p:tgtEl>
+                </p:cond>
+              </p:prevCondLst>
+              <p:nextCondLst>
+                <p:cond evt="onNext" delay="0">
+                  <p:tgtEl>
+                    <p:sldTgt/>
+                  </p:tgtEl>
+                </p:cond>
+              </p:nextCondLst>
+            </p:seq>
+          </p:childTnLst>
+        </p:cTn>
+      </p:par>
+    </p:tnLst>
+  </p:timing>
 </p:sld>
 </file>
 
